--- a/SEMINAR PROJECT MANAGENMENT.pptx
+++ b/SEMINAR PROJECT MANAGENMENT.pptx
@@ -5,10 +5,10 @@
     <p:sldMasterId id="2147483696" r:id="rId1"/>
   </p:sldMasterIdLst>
   <p:notesMasterIdLst>
-    <p:notesMasterId r:id="rId9"/>
+    <p:notesMasterId r:id="rId24"/>
   </p:notesMasterIdLst>
   <p:handoutMasterIdLst>
-    <p:handoutMasterId r:id="rId10"/>
+    <p:handoutMasterId r:id="rId25"/>
   </p:handoutMasterIdLst>
   <p:sldIdLst>
     <p:sldId id="259" r:id="rId2"/>
@@ -18,6 +18,21 @@
     <p:sldId id="266" r:id="rId6"/>
     <p:sldId id="267" r:id="rId7"/>
     <p:sldId id="268" r:id="rId8"/>
+    <p:sldId id="269" r:id="rId9"/>
+    <p:sldId id="270" r:id="rId10"/>
+    <p:sldId id="271" r:id="rId11"/>
+    <p:sldId id="272" r:id="rId12"/>
+    <p:sldId id="273" r:id="rId13"/>
+    <p:sldId id="274" r:id="rId14"/>
+    <p:sldId id="275" r:id="rId15"/>
+    <p:sldId id="276" r:id="rId16"/>
+    <p:sldId id="277" r:id="rId17"/>
+    <p:sldId id="278" r:id="rId18"/>
+    <p:sldId id="279" r:id="rId19"/>
+    <p:sldId id="280" r:id="rId20"/>
+    <p:sldId id="281" r:id="rId21"/>
+    <p:sldId id="282" r:id="rId22"/>
+    <p:sldId id="283" r:id="rId23"/>
   </p:sldIdLst>
   <p:sldSz cx="12192000" cy="6858000"/>
   <p:notesSz cx="6858000" cy="9144000"/>
@@ -127,6 +142,32 @@
 </p:presentation>
 </file>
 
+<file path=ppt/commentAuthors.xml><?xml version="1.0" encoding="utf-8"?>
+<p:cmAuthorLst xmlns:a="http://schemas.openxmlformats.org/drawingml/2006/main" xmlns:r="http://schemas.openxmlformats.org/officeDocument/2006/relationships" xmlns:p="http://schemas.openxmlformats.org/presentationml/2006/main">
+  <p:cmAuthor id="1" name="Jing" initials="J" lastIdx="1" clrIdx="0">
+    <p:extLst>
+      <p:ext uri="{19B8F6BF-5375-455C-9EA6-DF929625EA0E}">
+        <p15:presenceInfo xmlns:p15="http://schemas.microsoft.com/office/powerpoint/2012/main" userId="Jing" providerId="None"/>
+      </p:ext>
+    </p:extLst>
+  </p:cmAuthor>
+</p:cmAuthorLst>
+</file>
+
+<file path=ppt/comments/comment1.xml><?xml version="1.0" encoding="utf-8"?>
+<p:cmLst xmlns:a="http://schemas.openxmlformats.org/drawingml/2006/main" xmlns:r="http://schemas.openxmlformats.org/officeDocument/2006/relationships" xmlns:p="http://schemas.openxmlformats.org/presentationml/2006/main">
+  <p:cm authorId="1" dt="2019-10-27T13:48:40.115" idx="1">
+    <p:pos x="10" y="10"/>
+    <p:text/>
+    <p:extLst>
+      <p:ext uri="{C676402C-5697-4E1C-873F-D02D1690AC5C}">
+        <p15:threadingInfo xmlns:p15="http://schemas.microsoft.com/office/powerpoint/2012/main" timeZoneBias="-420"/>
+      </p:ext>
+    </p:extLst>
+  </p:cm>
+</p:cmLst>
+</file>
+
 <file path=ppt/handoutMasters/handoutMaster1.xml><?xml version="1.0" encoding="utf-8"?>
 <p:handoutMaster xmlns:a="http://schemas.openxmlformats.org/drawingml/2006/main" xmlns:r="http://schemas.openxmlformats.org/officeDocument/2006/relationships" xmlns:p="http://schemas.openxmlformats.org/presentationml/2006/main">
   <p:cSld>
@@ -209,7 +250,7 @@
           <a:p>
             <a:fld id="{9F09733D-69F8-45CE-987F-1E3A67C77C5D}" type="datetimeFigureOut">
               <a:rPr lang="en-US" smtClean="0"/>
-              <a:t>27-10-2019</a:t>
+              <a:t>10/27/2019</a:t>
             </a:fld>
             <a:endParaRPr lang="en-US"/>
           </a:p>
@@ -374,7 +415,7 @@
           <a:p>
             <a:fld id="{4BBDC3DB-9C0B-4EEA-BE0C-C823D6258BF2}" type="datetimeFigureOut">
               <a:rPr lang="en-US" smtClean="0"/>
-              <a:t>27-10-2019</a:t>
+              <a:t>10/27/2019</a:t>
             </a:fld>
             <a:endParaRPr lang="en-US"/>
           </a:p>
@@ -876,7 +917,7 @@
             <a:fld id="{349BF3EA-1A78-4F07-BDC0-C8A1BD461199}" type="datetimeFigureOut">
               <a:rPr lang="en-US" smtClean="0"/>
               <a:pPr/>
-              <a:t>27-10-2019</a:t>
+              <a:t>10/27/2019</a:t>
             </a:fld>
             <a:endParaRPr lang="en-US"/>
           </a:p>
@@ -1074,7 +1115,7 @@
             <a:fld id="{349BF3EA-1A78-4F07-BDC0-C8A1BD461199}" type="datetimeFigureOut">
               <a:rPr lang="en-US" smtClean="0"/>
               <a:pPr/>
-              <a:t>27-10-2019</a:t>
+              <a:t>10/27/2019</a:t>
             </a:fld>
             <a:endParaRPr lang="en-US"/>
           </a:p>
@@ -1283,7 +1324,7 @@
             <a:fld id="{349BF3EA-1A78-4F07-BDC0-C8A1BD461199}" type="datetimeFigureOut">
               <a:rPr lang="en-US" smtClean="0"/>
               <a:pPr/>
-              <a:t>27-10-2019</a:t>
+              <a:t>10/27/2019</a:t>
             </a:fld>
             <a:endParaRPr lang="en-US"/>
           </a:p>
@@ -1483,7 +1524,7 @@
           <a:p>
             <a:fld id="{349BF3EA-1A78-4F07-BDC0-C8A1BD461199}" type="datetimeFigureOut">
               <a:rPr lang="en-US" smtClean="0"/>
-              <a:t>27-10-2019</a:t>
+              <a:t>10/27/2019</a:t>
             </a:fld>
             <a:endParaRPr lang="en-US"/>
           </a:p>
@@ -1733,7 +1774,7 @@
           <a:p>
             <a:fld id="{349BF3EA-1A78-4F07-BDC0-C8A1BD461199}" type="datetimeFigureOut">
               <a:rPr lang="en-US" smtClean="0"/>
-              <a:t>27-10-2019</a:t>
+              <a:t>10/27/2019</a:t>
             </a:fld>
             <a:endParaRPr lang="en-US"/>
           </a:p>
@@ -2014,7 +2055,7 @@
             <a:fld id="{349BF3EA-1A78-4F07-BDC0-C8A1BD461199}" type="datetimeFigureOut">
               <a:rPr lang="en-US" smtClean="0"/>
               <a:pPr/>
-              <a:t>27-10-2019</a:t>
+              <a:t>10/27/2019</a:t>
             </a:fld>
             <a:endParaRPr lang="en-US" dirty="0"/>
           </a:p>
@@ -2403,7 +2444,7 @@
           <a:p>
             <a:fld id="{349BF3EA-1A78-4F07-BDC0-C8A1BD461199}" type="datetimeFigureOut">
               <a:rPr lang="en-US" smtClean="0"/>
-              <a:t>27-10-2019</a:t>
+              <a:t>10/27/2019</a:t>
             </a:fld>
             <a:endParaRPr lang="en-US"/>
           </a:p>
@@ -2524,7 +2565,7 @@
           <a:p>
             <a:fld id="{349BF3EA-1A78-4F07-BDC0-C8A1BD461199}" type="datetimeFigureOut">
               <a:rPr lang="en-US" smtClean="0"/>
-              <a:t>27-10-2019</a:t>
+              <a:t>10/27/2019</a:t>
             </a:fld>
             <a:endParaRPr lang="en-US"/>
           </a:p>
@@ -2622,7 +2663,7 @@
           <a:p>
             <a:fld id="{349BF3EA-1A78-4F07-BDC0-C8A1BD461199}" type="datetimeFigureOut">
               <a:rPr lang="en-US" smtClean="0"/>
-              <a:t>27-10-2019</a:t>
+              <a:t>10/27/2019</a:t>
             </a:fld>
             <a:endParaRPr lang="en-US"/>
           </a:p>
@@ -2918,7 +2959,7 @@
           <a:p>
             <a:fld id="{349BF3EA-1A78-4F07-BDC0-C8A1BD461199}" type="datetimeFigureOut">
               <a:rPr lang="en-US" smtClean="0"/>
-              <a:t>27-10-2019</a:t>
+              <a:t>10/27/2019</a:t>
             </a:fld>
             <a:endParaRPr lang="en-US"/>
           </a:p>
@@ -3216,7 +3257,7 @@
             <a:fld id="{349BF3EA-1A78-4F07-BDC0-C8A1BD461199}" type="datetimeFigureOut">
               <a:rPr lang="en-US" smtClean="0"/>
               <a:pPr/>
-              <a:t>27-10-2019</a:t>
+              <a:t>10/27/2019</a:t>
             </a:fld>
             <a:endParaRPr lang="en-US" dirty="0"/>
           </a:p>
@@ -3458,7 +3499,7 @@
             <a:fld id="{349BF3EA-1A78-4F07-BDC0-C8A1BD461199}" type="datetimeFigureOut">
               <a:rPr lang="en-US" smtClean="0"/>
               <a:pPr/>
-              <a:t>27-10-2019</a:t>
+              <a:t>10/27/2019</a:t>
             </a:fld>
             <a:endParaRPr lang="en-US"/>
           </a:p>
@@ -37587,6 +37628,1639 @@
 </p:sld>
 </file>
 
+<file path=ppt/slides/slide10.xml><?xml version="1.0" encoding="utf-8"?>
+<p:sld xmlns:a="http://schemas.openxmlformats.org/drawingml/2006/main" xmlns:r="http://schemas.openxmlformats.org/officeDocument/2006/relationships" xmlns:p="http://schemas.openxmlformats.org/presentationml/2006/main">
+  <p:cSld>
+    <p:spTree>
+      <p:nvGrpSpPr>
+        <p:cNvPr id="1" name=""/>
+        <p:cNvGrpSpPr/>
+        <p:nvPr/>
+      </p:nvGrpSpPr>
+      <p:grpSpPr>
+        <a:xfrm>
+          <a:off x="0" y="0"/>
+          <a:ext cx="0" cy="0"/>
+          <a:chOff x="0" y="0"/>
+          <a:chExt cx="0" cy="0"/>
+        </a:xfrm>
+      </p:grpSpPr>
+      <p:sp>
+        <p:nvSpPr>
+          <p:cNvPr id="2" name="Title 1">
+            <a:extLst>
+              <a:ext uri="{FF2B5EF4-FFF2-40B4-BE49-F238E27FC236}">
+                <a16:creationId xmlns:a16="http://schemas.microsoft.com/office/drawing/2014/main" id="{60A3032F-5AF9-4605-A9FF-7A2691055D47}"/>
+              </a:ext>
+            </a:extLst>
+          </p:cNvPr>
+          <p:cNvSpPr>
+            <a:spLocks noGrp="1"/>
+          </p:cNvSpPr>
+          <p:nvPr>
+            <p:ph type="title"/>
+          </p:nvPr>
+        </p:nvSpPr>
+        <p:spPr/>
+        <p:txBody>
+          <a:bodyPr/>
+          <a:lstStyle/>
+          <a:p>
+            <a:r>
+              <a:rPr lang="en-US" dirty="0"/>
+              <a:t>Risk Management Planning</a:t>
+            </a:r>
+          </a:p>
+        </p:txBody>
+      </p:sp>
+      <p:sp>
+        <p:nvSpPr>
+          <p:cNvPr id="3" name="Content Placeholder 2">
+            <a:extLst>
+              <a:ext uri="{FF2B5EF4-FFF2-40B4-BE49-F238E27FC236}">
+                <a16:creationId xmlns:a16="http://schemas.microsoft.com/office/drawing/2014/main" id="{E0AA14E8-B8BA-42A3-979B-16D2AEF1E562}"/>
+              </a:ext>
+            </a:extLst>
+          </p:cNvPr>
+          <p:cNvSpPr>
+            <a:spLocks noGrp="1"/>
+          </p:cNvSpPr>
+          <p:nvPr>
+            <p:ph idx="1"/>
+          </p:nvPr>
+        </p:nvSpPr>
+        <p:spPr>
+          <a:xfrm>
+            <a:off x="609600" y="1846262"/>
+            <a:ext cx="10972800" cy="4691698"/>
+          </a:xfrm>
+        </p:spPr>
+        <p:txBody>
+          <a:bodyPr>
+            <a:normAutofit lnSpcReduction="10000"/>
+          </a:bodyPr>
+          <a:lstStyle/>
+          <a:p>
+            <a:pPr lvl="1">
+              <a:buFont typeface="Wingdings" panose="05000000000000000000" pitchFamily="2" charset="2"/>
+              <a:buChar char="q"/>
+            </a:pPr>
+            <a:r>
+              <a:rPr lang="en-US" sz="1900" b="1" dirty="0"/>
+              <a:t>Transfer</a:t>
+            </a:r>
+          </a:p>
+          <a:p>
+            <a:pPr lvl="2"/>
+            <a:r>
+              <a:rPr lang="en-US" sz="1900" dirty="0"/>
+              <a:t>Risk transfer is the most ideal model, from rudimentary risk transfer to insurance participation. This is the most effective and effective tool to deal with losses. (For example, instead of transporting a truck of smuggled cigarettes to the male, you divide the cigarette into smaller chunks and transport it to each different vehicle in case the police get caught. whole car cigarette)</a:t>
+            </a:r>
+          </a:p>
+          <a:p>
+            <a:pPr marL="914400" lvl="2" indent="0">
+              <a:buNone/>
+            </a:pPr>
+            <a:endParaRPr lang="en-US" sz="1900" dirty="0"/>
+          </a:p>
+          <a:p>
+            <a:pPr lvl="1">
+              <a:buFont typeface="Wingdings" panose="05000000000000000000" pitchFamily="2" charset="2"/>
+              <a:buChar char="q"/>
+            </a:pPr>
+            <a:r>
+              <a:rPr lang="en-US" sz="1900" b="1" dirty="0"/>
+              <a:t>Accept</a:t>
+            </a:r>
+          </a:p>
+          <a:p>
+            <a:pPr lvl="2"/>
+            <a:r>
+              <a:rPr lang="en-US" sz="1900" dirty="0"/>
+              <a:t>This is the form by which the victim accepts that loss and usually, there are two ways to accept the risk, which is to be proactive and passive.</a:t>
+            </a:r>
+          </a:p>
+          <a:p>
+            <a:pPr lvl="2"/>
+            <a:r>
+              <a:rPr lang="en-US" sz="1900" dirty="0"/>
+              <a:t>Passive acceptance is the absence of preparation for risk to find a solution and compensate.</a:t>
+            </a:r>
+          </a:p>
+          <a:p>
+            <a:pPr lvl="2"/>
+            <a:r>
+              <a:rPr lang="en-US" sz="1900" dirty="0"/>
+              <a:t>Proactive acceptance is the establishment of a resource reserve fund to compensate for the risks occurring. And often resources will not be used optimally, even very passively because the level of losses is not completely the same and unpredictable.</a:t>
+            </a:r>
+          </a:p>
+          <a:p>
+            <a:pPr marL="914400" lvl="2" indent="0">
+              <a:buNone/>
+            </a:pPr>
+            <a:endParaRPr lang="en-US" dirty="0"/>
+          </a:p>
+          <a:p>
+            <a:pPr marL="914400" lvl="2" indent="0">
+              <a:buNone/>
+            </a:pPr>
+            <a:endParaRPr lang="en-US" dirty="0"/>
+          </a:p>
+          <a:p>
+            <a:pPr marL="914400" lvl="2" indent="0">
+              <a:buNone/>
+            </a:pPr>
+            <a:endParaRPr lang="en-US" dirty="0"/>
+          </a:p>
+        </p:txBody>
+      </p:sp>
+    </p:spTree>
+    <p:extLst>
+      <p:ext uri="{BB962C8B-B14F-4D97-AF65-F5344CB8AC3E}">
+        <p14:creationId xmlns:p14="http://schemas.microsoft.com/office/powerpoint/2010/main" val="3888268968"/>
+      </p:ext>
+    </p:extLst>
+  </p:cSld>
+  <p:clrMapOvr>
+    <a:masterClrMapping/>
+  </p:clrMapOvr>
+</p:sld>
+</file>
+
+<file path=ppt/slides/slide11.xml><?xml version="1.0" encoding="utf-8"?>
+<p:sld xmlns:a="http://schemas.openxmlformats.org/drawingml/2006/main" xmlns:r="http://schemas.openxmlformats.org/officeDocument/2006/relationships" xmlns:p="http://schemas.openxmlformats.org/presentationml/2006/main">
+  <p:cSld>
+    <p:spTree>
+      <p:nvGrpSpPr>
+        <p:cNvPr id="1" name=""/>
+        <p:cNvGrpSpPr/>
+        <p:nvPr/>
+      </p:nvGrpSpPr>
+      <p:grpSpPr>
+        <a:xfrm>
+          <a:off x="0" y="0"/>
+          <a:ext cx="0" cy="0"/>
+          <a:chOff x="0" y="0"/>
+          <a:chExt cx="0" cy="0"/>
+        </a:xfrm>
+      </p:grpSpPr>
+      <p:sp>
+        <p:nvSpPr>
+          <p:cNvPr id="2" name="Title 1">
+            <a:extLst>
+              <a:ext uri="{FF2B5EF4-FFF2-40B4-BE49-F238E27FC236}">
+                <a16:creationId xmlns:a16="http://schemas.microsoft.com/office/drawing/2014/main" id="{8EE0ED8A-E301-4C5F-9D01-45BE7A7E1540}"/>
+              </a:ext>
+            </a:extLst>
+          </p:cNvPr>
+          <p:cNvSpPr>
+            <a:spLocks noGrp="1"/>
+          </p:cNvSpPr>
+          <p:nvPr>
+            <p:ph type="title"/>
+          </p:nvPr>
+        </p:nvSpPr>
+        <p:spPr/>
+        <p:txBody>
+          <a:bodyPr/>
+          <a:lstStyle/>
+          <a:p>
+            <a:r>
+              <a:rPr lang="en-US" dirty="0"/>
+              <a:t>Risk Management Process</a:t>
+            </a:r>
+          </a:p>
+        </p:txBody>
+      </p:sp>
+      <p:sp>
+        <p:nvSpPr>
+          <p:cNvPr id="3" name="Content Placeholder 2">
+            <a:extLst>
+              <a:ext uri="{FF2B5EF4-FFF2-40B4-BE49-F238E27FC236}">
+                <a16:creationId xmlns:a16="http://schemas.microsoft.com/office/drawing/2014/main" id="{8A017090-2EE2-49BA-B03D-E08DEE51873C}"/>
+              </a:ext>
+            </a:extLst>
+          </p:cNvPr>
+          <p:cNvSpPr>
+            <a:spLocks noGrp="1"/>
+          </p:cNvSpPr>
+          <p:nvPr>
+            <p:ph idx="1"/>
+          </p:nvPr>
+        </p:nvSpPr>
+        <p:spPr/>
+        <p:txBody>
+          <a:bodyPr>
+            <a:normAutofit/>
+          </a:bodyPr>
+          <a:lstStyle/>
+          <a:p>
+            <a:pPr marL="514350" indent="-514350">
+              <a:buFont typeface="+mj-lt"/>
+              <a:buAutoNum type="romanUcPeriod"/>
+            </a:pPr>
+            <a:r>
+              <a:rPr lang="en-US" sz="2000" b="1" dirty="0"/>
+              <a:t>What’s it?</a:t>
+            </a:r>
+          </a:p>
+          <a:p>
+            <a:pPr marL="400050" lvl="1" indent="0">
+              <a:buNone/>
+            </a:pPr>
+            <a:r>
+              <a:rPr lang="en-US" sz="1200" b="1" dirty="0"/>
+              <a:t>	</a:t>
+            </a:r>
+            <a:r>
+              <a:rPr lang="en-US" sz="2000" dirty="0"/>
+              <a:t>Project risk management is a process that includes risk assessment and mitigation 	strategies for those risks. Risk assessment includes both identifying potential 	risks 	and assessing the potential impacts of risks. A risk mitigation plan is designed to 	eliminate or minimize the impact of risk events that occur when they occur that 	negatively affect the project. Identifying risk is a creative and disciplined process. 	The creative process consists of brainstorming sessions in which the team is 	required to create a list of everything that can go wrong. All ideas are welcome 	at this 	stage with the evaluation of ideas coming later.</a:t>
+            </a:r>
+            <a:endParaRPr lang="en-US" sz="1200" dirty="0"/>
+          </a:p>
+        </p:txBody>
+      </p:sp>
+    </p:spTree>
+    <p:extLst>
+      <p:ext uri="{BB962C8B-B14F-4D97-AF65-F5344CB8AC3E}">
+        <p14:creationId xmlns:p14="http://schemas.microsoft.com/office/powerpoint/2010/main" val="1824590417"/>
+      </p:ext>
+    </p:extLst>
+  </p:cSld>
+  <p:clrMapOvr>
+    <a:masterClrMapping/>
+  </p:clrMapOvr>
+</p:sld>
+</file>
+
+<file path=ppt/slides/slide12.xml><?xml version="1.0" encoding="utf-8"?>
+<p:sld xmlns:a="http://schemas.openxmlformats.org/drawingml/2006/main" xmlns:r="http://schemas.openxmlformats.org/officeDocument/2006/relationships" xmlns:p="http://schemas.openxmlformats.org/presentationml/2006/main">
+  <p:cSld>
+    <p:spTree>
+      <p:nvGrpSpPr>
+        <p:cNvPr id="1" name=""/>
+        <p:cNvGrpSpPr/>
+        <p:nvPr/>
+      </p:nvGrpSpPr>
+      <p:grpSpPr>
+        <a:xfrm>
+          <a:off x="0" y="0"/>
+          <a:ext cx="0" cy="0"/>
+          <a:chOff x="0" y="0"/>
+          <a:chExt cx="0" cy="0"/>
+        </a:xfrm>
+      </p:grpSpPr>
+      <p:sp>
+        <p:nvSpPr>
+          <p:cNvPr id="2" name="Title 1">
+            <a:extLst>
+              <a:ext uri="{FF2B5EF4-FFF2-40B4-BE49-F238E27FC236}">
+                <a16:creationId xmlns:a16="http://schemas.microsoft.com/office/drawing/2014/main" id="{BFE5C49B-0B46-4966-A8EA-EC0713AA9309}"/>
+              </a:ext>
+            </a:extLst>
+          </p:cNvPr>
+          <p:cNvSpPr>
+            <a:spLocks noGrp="1"/>
+          </p:cNvSpPr>
+          <p:nvPr>
+            <p:ph type="title"/>
+          </p:nvPr>
+        </p:nvSpPr>
+        <p:spPr/>
+        <p:txBody>
+          <a:bodyPr/>
+          <a:lstStyle/>
+          <a:p>
+            <a:r>
+              <a:rPr lang="en-US" dirty="0"/>
+              <a:t>Risk Management Process</a:t>
+            </a:r>
+          </a:p>
+        </p:txBody>
+      </p:sp>
+      <p:sp>
+        <p:nvSpPr>
+          <p:cNvPr id="3" name="Content Placeholder 2">
+            <a:extLst>
+              <a:ext uri="{FF2B5EF4-FFF2-40B4-BE49-F238E27FC236}">
+                <a16:creationId xmlns:a16="http://schemas.microsoft.com/office/drawing/2014/main" id="{0D555A8F-4B69-4348-8BE0-3D703279B4A7}"/>
+              </a:ext>
+            </a:extLst>
+          </p:cNvPr>
+          <p:cNvSpPr>
+            <a:spLocks noGrp="1"/>
+          </p:cNvSpPr>
+          <p:nvPr>
+            <p:ph idx="1"/>
+          </p:nvPr>
+        </p:nvSpPr>
+        <p:spPr>
+          <a:xfrm>
+            <a:off x="609600" y="1846262"/>
+            <a:ext cx="10972800" cy="4440238"/>
+          </a:xfrm>
+        </p:spPr>
+        <p:txBody>
+          <a:bodyPr>
+            <a:normAutofit/>
+          </a:bodyPr>
+          <a:lstStyle/>
+          <a:p>
+            <a:pPr marL="514350" indent="-514350">
+              <a:buFont typeface="+mj-lt"/>
+              <a:buAutoNum type="romanUcPeriod" startAt="2"/>
+            </a:pPr>
+            <a:r>
+              <a:rPr lang="en-US" b="1" dirty="0"/>
+              <a:t>Risk Identification</a:t>
+            </a:r>
+          </a:p>
+          <a:p>
+            <a:pPr marL="0" indent="0">
+              <a:buNone/>
+            </a:pPr>
+            <a:r>
+              <a:rPr lang="en-US" dirty="0"/>
+              <a:t>	</a:t>
+            </a:r>
+            <a:r>
+              <a:rPr lang="en-US" sz="2000" dirty="0"/>
+              <a:t>A more disciplined process consists of using the checklist of potential risks and 	assessing the likelihood that such events may occur within the project. A number of 	companies and industries have developed a risk checklist based on experience from 	past projects. These checklists can be helpful for project managers and project teams in 	identifying both specific risks in checklists and extending team thinking. Past 	experience of the project team, project experience in the company and industry experts 	can be a valuable resource to identify potential risks to a project.</a:t>
+            </a:r>
+            <a:endParaRPr lang="en-US" dirty="0"/>
+          </a:p>
+          <a:p>
+            <a:pPr marL="0" indent="0">
+              <a:buNone/>
+            </a:pPr>
+            <a:r>
+              <a:rPr lang="en-US" dirty="0"/>
+              <a:t>	</a:t>
+            </a:r>
+            <a:r>
+              <a:rPr lang="en-US" sz="2000" dirty="0"/>
+              <a:t>Identifying sources of risk according to the portfolio is another method 	to explore 	potential risks on a project. Some examples of categories for 	potential risks 	include:</a:t>
+            </a:r>
+            <a:endParaRPr lang="en-US" dirty="0"/>
+          </a:p>
+        </p:txBody>
+      </p:sp>
+    </p:spTree>
+    <p:extLst>
+      <p:ext uri="{BB962C8B-B14F-4D97-AF65-F5344CB8AC3E}">
+        <p14:creationId xmlns:p14="http://schemas.microsoft.com/office/powerpoint/2010/main" val="2509163082"/>
+      </p:ext>
+    </p:extLst>
+  </p:cSld>
+  <p:clrMapOvr>
+    <a:masterClrMapping/>
+  </p:clrMapOvr>
+</p:sld>
+</file>
+
+<file path=ppt/slides/slide13.xml><?xml version="1.0" encoding="utf-8"?>
+<p:sld xmlns:a="http://schemas.openxmlformats.org/drawingml/2006/main" xmlns:r="http://schemas.openxmlformats.org/officeDocument/2006/relationships" xmlns:p="http://schemas.openxmlformats.org/presentationml/2006/main">
+  <p:cSld>
+    <p:spTree>
+      <p:nvGrpSpPr>
+        <p:cNvPr id="1" name=""/>
+        <p:cNvGrpSpPr/>
+        <p:nvPr/>
+      </p:nvGrpSpPr>
+      <p:grpSpPr>
+        <a:xfrm>
+          <a:off x="0" y="0"/>
+          <a:ext cx="0" cy="0"/>
+          <a:chOff x="0" y="0"/>
+          <a:chExt cx="0" cy="0"/>
+        </a:xfrm>
+      </p:grpSpPr>
+      <p:sp>
+        <p:nvSpPr>
+          <p:cNvPr id="2" name="Title 1">
+            <a:extLst>
+              <a:ext uri="{FF2B5EF4-FFF2-40B4-BE49-F238E27FC236}">
+                <a16:creationId xmlns:a16="http://schemas.microsoft.com/office/drawing/2014/main" id="{3A0FA896-1B48-40D9-AE82-EEA7CD2EC20B}"/>
+              </a:ext>
+            </a:extLst>
+          </p:cNvPr>
+          <p:cNvSpPr>
+            <a:spLocks noGrp="1"/>
+          </p:cNvSpPr>
+          <p:nvPr>
+            <p:ph type="title"/>
+          </p:nvPr>
+        </p:nvSpPr>
+        <p:spPr/>
+        <p:txBody>
+          <a:bodyPr/>
+          <a:lstStyle/>
+          <a:p>
+            <a:r>
+              <a:rPr lang="en-US" dirty="0"/>
+              <a:t>Risk Management Process</a:t>
+            </a:r>
+          </a:p>
+        </p:txBody>
+      </p:sp>
+      <p:sp>
+        <p:nvSpPr>
+          <p:cNvPr id="3" name="Content Placeholder 2">
+            <a:extLst>
+              <a:ext uri="{FF2B5EF4-FFF2-40B4-BE49-F238E27FC236}">
+                <a16:creationId xmlns:a16="http://schemas.microsoft.com/office/drawing/2014/main" id="{4AEA0958-04FB-4371-BA5D-F67F72F832D0}"/>
+              </a:ext>
+            </a:extLst>
+          </p:cNvPr>
+          <p:cNvSpPr>
+            <a:spLocks noGrp="1"/>
+          </p:cNvSpPr>
+          <p:nvPr>
+            <p:ph sz="quarter" idx="13"/>
+          </p:nvPr>
+        </p:nvSpPr>
+        <p:spPr>
+          <a:xfrm>
+            <a:off x="960120" y="2011680"/>
+            <a:ext cx="10161270" cy="4206239"/>
+          </a:xfrm>
+        </p:spPr>
+        <p:txBody>
+          <a:bodyPr>
+            <a:normAutofit lnSpcReduction="10000"/>
+          </a:bodyPr>
+          <a:lstStyle/>
+          <a:p>
+            <a:pPr lvl="0"/>
+            <a:r>
+              <a:rPr lang="en-US" dirty="0"/>
+              <a:t>Technical </a:t>
+            </a:r>
+            <a:endParaRPr lang="en-US" sz="2000" dirty="0"/>
+          </a:p>
+          <a:p>
+            <a:pPr lvl="0"/>
+            <a:r>
+              <a:rPr lang="en-US" dirty="0"/>
+              <a:t>Cost </a:t>
+            </a:r>
+          </a:p>
+          <a:p>
+            <a:pPr lvl="0"/>
+            <a:r>
+              <a:rPr lang="en-US" dirty="0"/>
+              <a:t>Schedule </a:t>
+            </a:r>
+          </a:p>
+          <a:p>
+            <a:pPr lvl="0"/>
+            <a:r>
+              <a:rPr lang="en-US" dirty="0"/>
+              <a:t>Client </a:t>
+            </a:r>
+          </a:p>
+          <a:p>
+            <a:pPr lvl="0"/>
+            <a:r>
+              <a:rPr lang="en-US" dirty="0"/>
+              <a:t>Contractual</a:t>
+            </a:r>
+          </a:p>
+          <a:p>
+            <a:pPr lvl="0"/>
+            <a:r>
+              <a:rPr lang="en-US" dirty="0"/>
+              <a:t>Weather</a:t>
+            </a:r>
+          </a:p>
+          <a:p>
+            <a:pPr lvl="0"/>
+            <a:r>
+              <a:rPr lang="en-US" dirty="0"/>
+              <a:t>Financial</a:t>
+            </a:r>
+          </a:p>
+          <a:p>
+            <a:pPr lvl="0"/>
+            <a:r>
+              <a:rPr lang="en-US" dirty="0"/>
+              <a:t>Political </a:t>
+            </a:r>
+          </a:p>
+          <a:p>
+            <a:pPr lvl="0"/>
+            <a:r>
+              <a:rPr lang="en-US" dirty="0"/>
+              <a:t>Environmental</a:t>
+            </a:r>
+          </a:p>
+          <a:p>
+            <a:pPr lvl="0"/>
+            <a:r>
+              <a:rPr lang="en-US" dirty="0"/>
+              <a:t>People</a:t>
+            </a:r>
+          </a:p>
+        </p:txBody>
+      </p:sp>
+    </p:spTree>
+    <p:extLst>
+      <p:ext uri="{BB962C8B-B14F-4D97-AF65-F5344CB8AC3E}">
+        <p14:creationId xmlns:p14="http://schemas.microsoft.com/office/powerpoint/2010/main" val="98898051"/>
+      </p:ext>
+    </p:extLst>
+  </p:cSld>
+  <p:clrMapOvr>
+    <a:masterClrMapping/>
+  </p:clrMapOvr>
+</p:sld>
+</file>
+
+<file path=ppt/slides/slide14.xml><?xml version="1.0" encoding="utf-8"?>
+<p:sld xmlns:a="http://schemas.openxmlformats.org/drawingml/2006/main" xmlns:r="http://schemas.openxmlformats.org/officeDocument/2006/relationships" xmlns:p="http://schemas.openxmlformats.org/presentationml/2006/main">
+  <p:cSld>
+    <p:spTree>
+      <p:nvGrpSpPr>
+        <p:cNvPr id="1" name=""/>
+        <p:cNvGrpSpPr/>
+        <p:nvPr/>
+      </p:nvGrpSpPr>
+      <p:grpSpPr>
+        <a:xfrm>
+          <a:off x="0" y="0"/>
+          <a:ext cx="0" cy="0"/>
+          <a:chOff x="0" y="0"/>
+          <a:chExt cx="0" cy="0"/>
+        </a:xfrm>
+      </p:grpSpPr>
+      <p:sp>
+        <p:nvSpPr>
+          <p:cNvPr id="7" name="Title 6">
+            <a:extLst>
+              <a:ext uri="{FF2B5EF4-FFF2-40B4-BE49-F238E27FC236}">
+                <a16:creationId xmlns:a16="http://schemas.microsoft.com/office/drawing/2014/main" id="{CFD16207-6C0C-4C03-B32E-1B0D41CEAB55}"/>
+              </a:ext>
+            </a:extLst>
+          </p:cNvPr>
+          <p:cNvSpPr>
+            <a:spLocks noGrp="1"/>
+          </p:cNvSpPr>
+          <p:nvPr>
+            <p:ph type="title"/>
+          </p:nvPr>
+        </p:nvSpPr>
+        <p:spPr/>
+        <p:txBody>
+          <a:bodyPr/>
+          <a:lstStyle/>
+          <a:p>
+            <a:r>
+              <a:rPr lang="en-US" dirty="0"/>
+              <a:t>Risk Management Process</a:t>
+            </a:r>
+          </a:p>
+        </p:txBody>
+      </p:sp>
+      <p:sp>
+        <p:nvSpPr>
+          <p:cNvPr id="8" name="Content Placeholder 7">
+            <a:extLst>
+              <a:ext uri="{FF2B5EF4-FFF2-40B4-BE49-F238E27FC236}">
+                <a16:creationId xmlns:a16="http://schemas.microsoft.com/office/drawing/2014/main" id="{DBA70078-A79D-4C38-A641-CCD8383F54DA}"/>
+              </a:ext>
+            </a:extLst>
+          </p:cNvPr>
+          <p:cNvSpPr>
+            <a:spLocks noGrp="1"/>
+          </p:cNvSpPr>
+          <p:nvPr>
+            <p:ph idx="1"/>
+          </p:nvPr>
+        </p:nvSpPr>
+        <p:spPr>
+          <a:xfrm>
+            <a:off x="609600" y="1846262"/>
+            <a:ext cx="10972800" cy="4428808"/>
+          </a:xfrm>
+        </p:spPr>
+        <p:txBody>
+          <a:bodyPr/>
+          <a:lstStyle/>
+          <a:p>
+            <a:r>
+              <a:rPr lang="en-US" sz="2000" dirty="0"/>
+              <a:t>In fact, depending on the business, the company, there will be different frameworks to divide the work and develop risks.</a:t>
+            </a:r>
+          </a:p>
+          <a:p>
+            <a:r>
+              <a:rPr lang="en-US" sz="2000" dirty="0"/>
+              <a:t>Here we will describe a framework to divide and develop risks which are WBS (work breakdown structure).</a:t>
+            </a:r>
+          </a:p>
+          <a:p>
+            <a:r>
+              <a:rPr lang="en-US" sz="2000" dirty="0"/>
+              <a:t>This framework divides the work and risk structure into a table with 2 columns (1 column is the task and 1 column is the possible risk at that task).</a:t>
+            </a:r>
+          </a:p>
+          <a:p>
+            <a:endParaRPr lang="en-US" dirty="0"/>
+          </a:p>
+        </p:txBody>
+      </p:sp>
+    </p:spTree>
+    <p:extLst>
+      <p:ext uri="{BB962C8B-B14F-4D97-AF65-F5344CB8AC3E}">
+        <p14:creationId xmlns:p14="http://schemas.microsoft.com/office/powerpoint/2010/main" val="3219561762"/>
+      </p:ext>
+    </p:extLst>
+  </p:cSld>
+  <p:clrMapOvr>
+    <a:masterClrMapping/>
+  </p:clrMapOvr>
+</p:sld>
+</file>
+
+<file path=ppt/slides/slide15.xml><?xml version="1.0" encoding="utf-8"?>
+<p:sld xmlns:a="http://schemas.openxmlformats.org/drawingml/2006/main" xmlns:r="http://schemas.openxmlformats.org/officeDocument/2006/relationships" xmlns:p="http://schemas.openxmlformats.org/presentationml/2006/main">
+  <p:cSld>
+    <p:spTree>
+      <p:nvGrpSpPr>
+        <p:cNvPr id="1" name=""/>
+        <p:cNvGrpSpPr/>
+        <p:nvPr/>
+      </p:nvGrpSpPr>
+      <p:grpSpPr>
+        <a:xfrm>
+          <a:off x="0" y="0"/>
+          <a:ext cx="0" cy="0"/>
+          <a:chOff x="0" y="0"/>
+          <a:chExt cx="0" cy="0"/>
+        </a:xfrm>
+      </p:grpSpPr>
+      <p:sp>
+        <p:nvSpPr>
+          <p:cNvPr id="2" name="Title 1">
+            <a:extLst>
+              <a:ext uri="{FF2B5EF4-FFF2-40B4-BE49-F238E27FC236}">
+                <a16:creationId xmlns:a16="http://schemas.microsoft.com/office/drawing/2014/main" id="{AAF3487D-DA55-45D0-A265-DEC106909C5D}"/>
+              </a:ext>
+            </a:extLst>
+          </p:cNvPr>
+          <p:cNvSpPr>
+            <a:spLocks noGrp="1"/>
+          </p:cNvSpPr>
+          <p:nvPr>
+            <p:ph type="title"/>
+          </p:nvPr>
+        </p:nvSpPr>
+        <p:spPr/>
+        <p:txBody>
+          <a:bodyPr/>
+          <a:lstStyle/>
+          <a:p>
+            <a:r>
+              <a:rPr lang="en-US" dirty="0"/>
+              <a:t>Risk Management Process</a:t>
+            </a:r>
+          </a:p>
+        </p:txBody>
+      </p:sp>
+      <p:graphicFrame>
+        <p:nvGraphicFramePr>
+          <p:cNvPr id="4" name="Content Placeholder 3">
+            <a:extLst>
+              <a:ext uri="{FF2B5EF4-FFF2-40B4-BE49-F238E27FC236}">
+                <a16:creationId xmlns:a16="http://schemas.microsoft.com/office/drawing/2014/main" id="{DC4ADC4C-F57A-4100-8DE2-4699FDA0C156}"/>
+              </a:ext>
+            </a:extLst>
+          </p:cNvPr>
+          <p:cNvGraphicFramePr>
+            <a:graphicFrameLocks noGrp="1"/>
+          </p:cNvGraphicFramePr>
+          <p:nvPr>
+            <p:ph idx="1"/>
+            <p:extLst>
+              <p:ext uri="{D42A27DB-BD31-4B8C-83A1-F6EECF244321}">
+                <p14:modId xmlns:p14="http://schemas.microsoft.com/office/powerpoint/2010/main" val="2475128842"/>
+              </p:ext>
+            </p:extLst>
+          </p:nvPr>
+        </p:nvGraphicFramePr>
+        <p:xfrm>
+          <a:off x="2057400" y="1960627"/>
+          <a:ext cx="7566660" cy="3193987"/>
+        </p:xfrm>
+        <a:graphic>
+          <a:graphicData uri="http://schemas.openxmlformats.org/drawingml/2006/table">
+            <a:tbl>
+              <a:tblPr firstRow="1" firstCol="1" bandRow="1">
+                <a:tableStyleId>{5DA37D80-6434-44D0-A028-1B22A696006F}</a:tableStyleId>
+              </a:tblPr>
+              <a:tblGrid>
+                <a:gridCol w="3789142">
+                  <a:extLst>
+                    <a:ext uri="{9D8B030D-6E8A-4147-A177-3AD203B41FA5}">
+                      <a16:colId xmlns:a16="http://schemas.microsoft.com/office/drawing/2014/main" val="1872366866"/>
+                    </a:ext>
+                  </a:extLst>
+                </a:gridCol>
+                <a:gridCol w="3777518">
+                  <a:extLst>
+                    <a:ext uri="{9D8B030D-6E8A-4147-A177-3AD203B41FA5}">
+                      <a16:colId xmlns:a16="http://schemas.microsoft.com/office/drawing/2014/main" val="1432793745"/>
+                    </a:ext>
+                  </a:extLst>
+                </a:gridCol>
+              </a:tblGrid>
+              <a:tr h="269840">
+                <a:tc>
+                  <a:txBody>
+                    <a:bodyPr/>
+                    <a:lstStyle/>
+                    <a:p>
+                      <a:pPr marL="0" marR="0">
+                        <a:lnSpc>
+                          <a:spcPts val="1320"/>
+                        </a:lnSpc>
+                        <a:spcBef>
+                          <a:spcPts val="1800"/>
+                        </a:spcBef>
+                        <a:spcAft>
+                          <a:spcPts val="0"/>
+                        </a:spcAft>
+                      </a:pPr>
+                      <a:r>
+                        <a:rPr lang="en-US" sz="1100">
+                          <a:effectLst/>
+                        </a:rPr>
+                        <a:t>Task</a:t>
+                      </a:r>
+                      <a:endParaRPr lang="en-US" sz="1100">
+                        <a:effectLst/>
+                        <a:latin typeface="Calibri" panose="020F0502020204030204" pitchFamily="34" charset="0"/>
+                        <a:ea typeface="Calibri" panose="020F0502020204030204" pitchFamily="34" charset="0"/>
+                        <a:cs typeface="Times New Roman" panose="02020603050405020304" pitchFamily="18" charset="0"/>
+                      </a:endParaRPr>
+                    </a:p>
+                  </a:txBody>
+                  <a:tcPr marL="68580" marR="68580" marT="68580" marB="68580" anchor="ctr"/>
+                </a:tc>
+                <a:tc>
+                  <a:txBody>
+                    <a:bodyPr/>
+                    <a:lstStyle/>
+                    <a:p>
+                      <a:pPr marL="0" marR="0">
+                        <a:lnSpc>
+                          <a:spcPts val="1320"/>
+                        </a:lnSpc>
+                        <a:spcBef>
+                          <a:spcPts val="1800"/>
+                        </a:spcBef>
+                        <a:spcAft>
+                          <a:spcPts val="0"/>
+                        </a:spcAft>
+                      </a:pPr>
+                      <a:r>
+                        <a:rPr lang="en-US" sz="1100">
+                          <a:effectLst/>
+                        </a:rPr>
+                        <a:t>Risk</a:t>
+                      </a:r>
+                      <a:endParaRPr lang="en-US" sz="1100">
+                        <a:effectLst/>
+                        <a:latin typeface="Calibri" panose="020F0502020204030204" pitchFamily="34" charset="0"/>
+                        <a:ea typeface="Calibri" panose="020F0502020204030204" pitchFamily="34" charset="0"/>
+                        <a:cs typeface="Times New Roman" panose="02020603050405020304" pitchFamily="18" charset="0"/>
+                      </a:endParaRPr>
+                    </a:p>
+                  </a:txBody>
+                  <a:tcPr marL="68580" marR="68580" marT="68580" marB="68580" anchor="ctr"/>
+                </a:tc>
+                <a:extLst>
+                  <a:ext uri="{0D108BD9-81ED-4DB2-BD59-A6C34878D82A}">
+                    <a16:rowId xmlns:a16="http://schemas.microsoft.com/office/drawing/2014/main" val="4111070796"/>
+                  </a:ext>
+                </a:extLst>
+              </a:tr>
+              <a:tr h="913431">
+                <a:tc>
+                  <a:txBody>
+                    <a:bodyPr/>
+                    <a:lstStyle/>
+                    <a:p>
+                      <a:pPr marL="0" marR="0">
+                        <a:lnSpc>
+                          <a:spcPts val="1320"/>
+                        </a:lnSpc>
+                        <a:spcBef>
+                          <a:spcPts val="1800"/>
+                        </a:spcBef>
+                        <a:spcAft>
+                          <a:spcPts val="0"/>
+                        </a:spcAft>
+                      </a:pPr>
+                      <a:r>
+                        <a:rPr lang="en-US" sz="1100">
+                          <a:effectLst/>
+                        </a:rPr>
+                        <a:t>Contact Dion and Carlita</a:t>
+                      </a:r>
+                      <a:endParaRPr lang="en-US" sz="1100">
+                        <a:effectLst/>
+                        <a:latin typeface="Calibri" panose="020F0502020204030204" pitchFamily="34" charset="0"/>
+                        <a:ea typeface="Calibri" panose="020F0502020204030204" pitchFamily="34" charset="0"/>
+                        <a:cs typeface="Times New Roman" panose="02020603050405020304" pitchFamily="18" charset="0"/>
+                      </a:endParaRPr>
+                    </a:p>
+                  </a:txBody>
+                  <a:tcPr marL="68580" marR="68580" marT="68580" marB="68580" anchor="ctr"/>
+                </a:tc>
+                <a:tc>
+                  <a:txBody>
+                    <a:bodyPr/>
+                    <a:lstStyle/>
+                    <a:p>
+                      <a:pPr marL="342900" marR="0" lvl="0" indent="-342900">
+                        <a:lnSpc>
+                          <a:spcPct val="107000"/>
+                        </a:lnSpc>
+                        <a:spcBef>
+                          <a:spcPts val="0"/>
+                        </a:spcBef>
+                        <a:spcAft>
+                          <a:spcPts val="800"/>
+                        </a:spcAft>
+                        <a:buSzPts val="1000"/>
+                        <a:buFont typeface="Symbol" panose="05050102010706020507" pitchFamily="18" charset="2"/>
+                        <a:buChar char=""/>
+                        <a:tabLst>
+                          <a:tab pos="457200" algn="l"/>
+                        </a:tabLst>
+                      </a:pPr>
+                      <a:r>
+                        <a:rPr lang="en-US" sz="1100">
+                          <a:effectLst/>
+                        </a:rPr>
+                        <a:t>Dion backs out</a:t>
+                      </a:r>
+                    </a:p>
+                    <a:p>
+                      <a:pPr marL="342900" marR="0" lvl="0" indent="-342900">
+                        <a:lnSpc>
+                          <a:spcPct val="107000"/>
+                        </a:lnSpc>
+                        <a:spcBef>
+                          <a:spcPts val="600"/>
+                        </a:spcBef>
+                        <a:spcAft>
+                          <a:spcPts val="800"/>
+                        </a:spcAft>
+                        <a:buSzPts val="1000"/>
+                        <a:buFont typeface="Symbol" panose="05050102010706020507" pitchFamily="18" charset="2"/>
+                        <a:buChar char=""/>
+                        <a:tabLst>
+                          <a:tab pos="457200" algn="l"/>
+                        </a:tabLst>
+                      </a:pPr>
+                      <a:r>
+                        <a:rPr lang="en-US" sz="1100">
+                          <a:effectLst/>
+                        </a:rPr>
+                        <a:t>Carlita backs out</a:t>
+                      </a:r>
+                    </a:p>
+                    <a:p>
+                      <a:pPr marL="342900" marR="0" lvl="0" indent="-342900">
+                        <a:lnSpc>
+                          <a:spcPct val="107000"/>
+                        </a:lnSpc>
+                        <a:spcBef>
+                          <a:spcPts val="600"/>
+                        </a:spcBef>
+                        <a:spcAft>
+                          <a:spcPts val="800"/>
+                        </a:spcAft>
+                        <a:buSzPts val="1000"/>
+                        <a:buFont typeface="Symbol" panose="05050102010706020507" pitchFamily="18" charset="2"/>
+                        <a:buChar char=""/>
+                        <a:tabLst>
+                          <a:tab pos="457200" algn="l"/>
+                        </a:tabLst>
+                      </a:pPr>
+                      <a:r>
+                        <a:rPr lang="en-US" sz="1100">
+                          <a:effectLst/>
+                        </a:rPr>
+                        <a:t>No common date available</a:t>
+                      </a:r>
+                      <a:endParaRPr lang="en-US" sz="1100">
+                        <a:effectLst/>
+                        <a:latin typeface="Calibri" panose="020F0502020204030204" pitchFamily="34" charset="0"/>
+                        <a:ea typeface="Calibri" panose="020F0502020204030204" pitchFamily="34" charset="0"/>
+                        <a:cs typeface="Times New Roman" panose="02020603050405020304" pitchFamily="18" charset="0"/>
+                      </a:endParaRPr>
+                    </a:p>
+                  </a:txBody>
+                  <a:tcPr marL="68580" marR="68580" marT="68580" marB="68580" anchor="ctr"/>
+                </a:tc>
+                <a:extLst>
+                  <a:ext uri="{0D108BD9-81ED-4DB2-BD59-A6C34878D82A}">
+                    <a16:rowId xmlns:a16="http://schemas.microsoft.com/office/drawing/2014/main" val="1157659401"/>
+                  </a:ext>
+                </a:extLst>
+              </a:tr>
+              <a:tr h="1073577">
+                <a:tc>
+                  <a:txBody>
+                    <a:bodyPr/>
+                    <a:lstStyle/>
+                    <a:p>
+                      <a:pPr marL="0" marR="0">
+                        <a:lnSpc>
+                          <a:spcPts val="1320"/>
+                        </a:lnSpc>
+                        <a:spcBef>
+                          <a:spcPts val="0"/>
+                        </a:spcBef>
+                        <a:spcAft>
+                          <a:spcPts val="0"/>
+                        </a:spcAft>
+                      </a:pPr>
+                      <a:r>
+                        <a:rPr lang="en-US" sz="1100" dirty="0">
+                          <a:effectLst/>
+                        </a:rPr>
+                        <a:t>Host planning lunch</a:t>
+                      </a:r>
+                      <a:endParaRPr lang="en-US" sz="1100" dirty="0">
+                        <a:effectLst/>
+                        <a:latin typeface="Calibri" panose="020F0502020204030204" pitchFamily="34" charset="0"/>
+                        <a:ea typeface="Calibri" panose="020F0502020204030204" pitchFamily="34" charset="0"/>
+                        <a:cs typeface="Times New Roman" panose="02020603050405020304" pitchFamily="18" charset="0"/>
+                      </a:endParaRPr>
+                    </a:p>
+                  </a:txBody>
+                  <a:tcPr marL="68580" marR="68580" marT="68580" marB="68580" anchor="ctr"/>
+                </a:tc>
+                <a:tc>
+                  <a:txBody>
+                    <a:bodyPr/>
+                    <a:lstStyle/>
+                    <a:p>
+                      <a:pPr marL="342900" marR="0" lvl="0" indent="-342900">
+                        <a:lnSpc>
+                          <a:spcPct val="107000"/>
+                        </a:lnSpc>
+                        <a:spcBef>
+                          <a:spcPts val="0"/>
+                        </a:spcBef>
+                        <a:spcAft>
+                          <a:spcPts val="800"/>
+                        </a:spcAft>
+                        <a:buSzPts val="1000"/>
+                        <a:buFont typeface="Symbol" panose="05050102010706020507" pitchFamily="18" charset="2"/>
+                        <a:buChar char=""/>
+                        <a:tabLst>
+                          <a:tab pos="457200" algn="l"/>
+                        </a:tabLst>
+                      </a:pPr>
+                      <a:r>
+                        <a:rPr lang="en-US" sz="1100" dirty="0">
+                          <a:effectLst/>
+                        </a:rPr>
+                        <a:t>Restaurant full or closed</a:t>
+                      </a:r>
+                    </a:p>
+                    <a:p>
+                      <a:pPr marL="342900" marR="0" lvl="0" indent="-342900">
+                        <a:lnSpc>
+                          <a:spcPct val="107000"/>
+                        </a:lnSpc>
+                        <a:spcBef>
+                          <a:spcPts val="600"/>
+                        </a:spcBef>
+                        <a:spcAft>
+                          <a:spcPts val="800"/>
+                        </a:spcAft>
+                        <a:buSzPts val="1000"/>
+                        <a:buFont typeface="Symbol" panose="05050102010706020507" pitchFamily="18" charset="2"/>
+                        <a:buChar char=""/>
+                        <a:tabLst>
+                          <a:tab pos="457200" algn="l"/>
+                        </a:tabLst>
+                      </a:pPr>
+                      <a:r>
+                        <a:rPr lang="en-US" sz="1100" dirty="0">
+                          <a:effectLst/>
+                        </a:rPr>
+                        <a:t>Wring choice of ethnic food</a:t>
+                      </a:r>
+                    </a:p>
+                    <a:p>
+                      <a:pPr marL="342900" marR="0" lvl="0" indent="-342900">
+                        <a:lnSpc>
+                          <a:spcPct val="107000"/>
+                        </a:lnSpc>
+                        <a:spcBef>
+                          <a:spcPts val="600"/>
+                        </a:spcBef>
+                        <a:spcAft>
+                          <a:spcPts val="800"/>
+                        </a:spcAft>
+                        <a:buSzPts val="1000"/>
+                        <a:buFont typeface="Symbol" panose="05050102010706020507" pitchFamily="18" charset="2"/>
+                        <a:buChar char=""/>
+                        <a:tabLst>
+                          <a:tab pos="457200" algn="l"/>
+                        </a:tabLst>
+                      </a:pPr>
+                      <a:r>
+                        <a:rPr lang="en-US" sz="1100" dirty="0">
+                          <a:effectLst/>
+                        </a:rPr>
+                        <a:t>Dion or Carlita have special food allergies or preferences</a:t>
+                      </a:r>
+                      <a:endParaRPr lang="en-US" sz="1100" dirty="0">
+                        <a:effectLst/>
+                        <a:latin typeface="Calibri" panose="020F0502020204030204" pitchFamily="34" charset="0"/>
+                        <a:ea typeface="Calibri" panose="020F0502020204030204" pitchFamily="34" charset="0"/>
+                        <a:cs typeface="Times New Roman" panose="02020603050405020304" pitchFamily="18" charset="0"/>
+                      </a:endParaRPr>
+                    </a:p>
+                  </a:txBody>
+                  <a:tcPr marL="68580" marR="68580" marT="68580" marB="68580" anchor="ctr"/>
+                </a:tc>
+                <a:extLst>
+                  <a:ext uri="{0D108BD9-81ED-4DB2-BD59-A6C34878D82A}">
+                    <a16:rowId xmlns:a16="http://schemas.microsoft.com/office/drawing/2014/main" val="3854350339"/>
+                  </a:ext>
+                </a:extLst>
+              </a:tr>
+              <a:tr h="594555">
+                <a:tc>
+                  <a:txBody>
+                    <a:bodyPr/>
+                    <a:lstStyle/>
+                    <a:p>
+                      <a:pPr marL="0" marR="0">
+                        <a:lnSpc>
+                          <a:spcPts val="1320"/>
+                        </a:lnSpc>
+                        <a:spcBef>
+                          <a:spcPts val="0"/>
+                        </a:spcBef>
+                        <a:spcAft>
+                          <a:spcPts val="0"/>
+                        </a:spcAft>
+                      </a:pPr>
+                      <a:r>
+                        <a:rPr lang="en-US" sz="1100" dirty="0">
+                          <a:effectLst/>
+                        </a:rPr>
+                        <a:t>Develop and distribute schedule</a:t>
+                      </a:r>
+                      <a:endParaRPr lang="en-US" sz="1100" dirty="0">
+                        <a:effectLst/>
+                        <a:latin typeface="Calibri" panose="020F0502020204030204" pitchFamily="34" charset="0"/>
+                        <a:ea typeface="Calibri" panose="020F0502020204030204" pitchFamily="34" charset="0"/>
+                        <a:cs typeface="Times New Roman" panose="02020603050405020304" pitchFamily="18" charset="0"/>
+                      </a:endParaRPr>
+                    </a:p>
+                  </a:txBody>
+                  <a:tcPr marL="68580" marR="68580" marT="68580" marB="68580" anchor="ctr"/>
+                </a:tc>
+                <a:tc>
+                  <a:txBody>
+                    <a:bodyPr/>
+                    <a:lstStyle/>
+                    <a:p>
+                      <a:pPr marL="342900" marR="0" lvl="0" indent="-342900">
+                        <a:lnSpc>
+                          <a:spcPct val="107000"/>
+                        </a:lnSpc>
+                        <a:spcBef>
+                          <a:spcPts val="0"/>
+                        </a:spcBef>
+                        <a:spcAft>
+                          <a:spcPts val="800"/>
+                        </a:spcAft>
+                        <a:buSzPts val="1000"/>
+                        <a:buFont typeface="Symbol" panose="05050102010706020507" pitchFamily="18" charset="2"/>
+                        <a:buChar char=""/>
+                        <a:tabLst>
+                          <a:tab pos="457200" algn="l"/>
+                        </a:tabLst>
+                      </a:pPr>
+                      <a:r>
+                        <a:rPr lang="en-US" sz="1100" dirty="0">
+                          <a:effectLst/>
+                        </a:rPr>
+                        <a:t>Printer out of toner</a:t>
+                      </a:r>
+                    </a:p>
+                    <a:p>
+                      <a:pPr marL="342900" marR="0" lvl="0" indent="-342900">
+                        <a:lnSpc>
+                          <a:spcPct val="107000"/>
+                        </a:lnSpc>
+                        <a:spcBef>
+                          <a:spcPts val="600"/>
+                        </a:spcBef>
+                        <a:spcAft>
+                          <a:spcPts val="800"/>
+                        </a:spcAft>
+                        <a:buSzPts val="1000"/>
+                        <a:buFont typeface="Symbol" panose="05050102010706020507" pitchFamily="18" charset="2"/>
+                        <a:buChar char=""/>
+                        <a:tabLst>
+                          <a:tab pos="457200" algn="l"/>
+                        </a:tabLst>
+                      </a:pPr>
+                      <a:r>
+                        <a:rPr lang="en-US" sz="1100" dirty="0">
+                          <a:effectLst/>
+                        </a:rPr>
+                        <a:t>Out of paper</a:t>
+                      </a:r>
+                      <a:endParaRPr lang="en-US" sz="1100" dirty="0">
+                        <a:effectLst/>
+                        <a:latin typeface="Calibri" panose="020F0502020204030204" pitchFamily="34" charset="0"/>
+                        <a:ea typeface="Calibri" panose="020F0502020204030204" pitchFamily="34" charset="0"/>
+                        <a:cs typeface="Times New Roman" panose="02020603050405020304" pitchFamily="18" charset="0"/>
+                      </a:endParaRPr>
+                    </a:p>
+                  </a:txBody>
+                  <a:tcPr marL="68580" marR="68580" marT="68580" marB="68580" anchor="ctr"/>
+                </a:tc>
+                <a:extLst>
+                  <a:ext uri="{0D108BD9-81ED-4DB2-BD59-A6C34878D82A}">
+                    <a16:rowId xmlns:a16="http://schemas.microsoft.com/office/drawing/2014/main" val="818746946"/>
+                  </a:ext>
+                </a:extLst>
+              </a:tr>
+            </a:tbl>
+          </a:graphicData>
+        </a:graphic>
+      </p:graphicFrame>
+    </p:spTree>
+    <p:extLst>
+      <p:ext uri="{BB962C8B-B14F-4D97-AF65-F5344CB8AC3E}">
+        <p14:creationId xmlns:p14="http://schemas.microsoft.com/office/powerpoint/2010/main" val="3428309776"/>
+      </p:ext>
+    </p:extLst>
+  </p:cSld>
+  <p:clrMapOvr>
+    <a:masterClrMapping/>
+  </p:clrMapOvr>
+</p:sld>
+</file>
+
+<file path=ppt/slides/slide16.xml><?xml version="1.0" encoding="utf-8"?>
+<p:sld xmlns:a="http://schemas.openxmlformats.org/drawingml/2006/main" xmlns:r="http://schemas.openxmlformats.org/officeDocument/2006/relationships" xmlns:p="http://schemas.openxmlformats.org/presentationml/2006/main">
+  <p:cSld>
+    <p:spTree>
+      <p:nvGrpSpPr>
+        <p:cNvPr id="1" name=""/>
+        <p:cNvGrpSpPr/>
+        <p:nvPr/>
+      </p:nvGrpSpPr>
+      <p:grpSpPr>
+        <a:xfrm>
+          <a:off x="0" y="0"/>
+          <a:ext cx="0" cy="0"/>
+          <a:chOff x="0" y="0"/>
+          <a:chExt cx="0" cy="0"/>
+        </a:xfrm>
+      </p:grpSpPr>
+      <p:sp>
+        <p:nvSpPr>
+          <p:cNvPr id="2" name="Title 1">
+            <a:extLst>
+              <a:ext uri="{FF2B5EF4-FFF2-40B4-BE49-F238E27FC236}">
+                <a16:creationId xmlns:a16="http://schemas.microsoft.com/office/drawing/2014/main" id="{5DA6D9FD-E6EE-4F33-97AE-69A280152054}"/>
+              </a:ext>
+            </a:extLst>
+          </p:cNvPr>
+          <p:cNvSpPr>
+            <a:spLocks noGrp="1"/>
+          </p:cNvSpPr>
+          <p:nvPr>
+            <p:ph type="title"/>
+          </p:nvPr>
+        </p:nvSpPr>
+        <p:spPr/>
+        <p:txBody>
+          <a:bodyPr/>
+          <a:lstStyle/>
+          <a:p>
+            <a:r>
+              <a:rPr lang="en-US" dirty="0"/>
+              <a:t>Risk Management Process</a:t>
+            </a:r>
+          </a:p>
+        </p:txBody>
+      </p:sp>
+      <p:sp>
+        <p:nvSpPr>
+          <p:cNvPr id="3" name="Content Placeholder 2">
+            <a:extLst>
+              <a:ext uri="{FF2B5EF4-FFF2-40B4-BE49-F238E27FC236}">
+                <a16:creationId xmlns:a16="http://schemas.microsoft.com/office/drawing/2014/main" id="{5E49514A-A27B-4E67-8B29-080ABAB40CB4}"/>
+              </a:ext>
+            </a:extLst>
+          </p:cNvPr>
+          <p:cNvSpPr>
+            <a:spLocks noGrp="1"/>
+          </p:cNvSpPr>
+          <p:nvPr>
+            <p:ph idx="1"/>
+          </p:nvPr>
+        </p:nvSpPr>
+        <p:spPr>
+          <a:xfrm>
+            <a:off x="609600" y="1846262"/>
+            <a:ext cx="10972800" cy="1399858"/>
+          </a:xfrm>
+        </p:spPr>
+        <p:txBody>
+          <a:bodyPr/>
+          <a:lstStyle/>
+          <a:p>
+            <a:r>
+              <a:rPr lang="en-US" dirty="0"/>
+              <a:t>This approach helps the project team identify known risks, but can be limited and less creative in identifying unknown risks and risks not easily found in WBS.</a:t>
+            </a:r>
+          </a:p>
+        </p:txBody>
+      </p:sp>
+    </p:spTree>
+    <p:extLst>
+      <p:ext uri="{BB962C8B-B14F-4D97-AF65-F5344CB8AC3E}">
+        <p14:creationId xmlns:p14="http://schemas.microsoft.com/office/powerpoint/2010/main" val="1504749891"/>
+      </p:ext>
+    </p:extLst>
+  </p:cSld>
+  <p:clrMapOvr>
+    <a:masterClrMapping/>
+  </p:clrMapOvr>
+</p:sld>
+</file>
+
+<file path=ppt/slides/slide17.xml><?xml version="1.0" encoding="utf-8"?>
+<p:sld xmlns:a="http://schemas.openxmlformats.org/drawingml/2006/main" xmlns:r="http://schemas.openxmlformats.org/officeDocument/2006/relationships" xmlns:p="http://schemas.openxmlformats.org/presentationml/2006/main">
+  <p:cSld>
+    <p:spTree>
+      <p:nvGrpSpPr>
+        <p:cNvPr id="1" name=""/>
+        <p:cNvGrpSpPr/>
+        <p:nvPr/>
+      </p:nvGrpSpPr>
+      <p:grpSpPr>
+        <a:xfrm>
+          <a:off x="0" y="0"/>
+          <a:ext cx="0" cy="0"/>
+          <a:chOff x="0" y="0"/>
+          <a:chExt cx="0" cy="0"/>
+        </a:xfrm>
+      </p:grpSpPr>
+      <p:sp>
+        <p:nvSpPr>
+          <p:cNvPr id="2" name="Title 1">
+            <a:extLst>
+              <a:ext uri="{FF2B5EF4-FFF2-40B4-BE49-F238E27FC236}">
+                <a16:creationId xmlns:a16="http://schemas.microsoft.com/office/drawing/2014/main" id="{EFEFBA1F-00CD-4B90-B7C1-FF4E6A242CA3}"/>
+              </a:ext>
+            </a:extLst>
+          </p:cNvPr>
+          <p:cNvSpPr>
+            <a:spLocks noGrp="1"/>
+          </p:cNvSpPr>
+          <p:nvPr>
+            <p:ph type="title"/>
+          </p:nvPr>
+        </p:nvSpPr>
+        <p:spPr/>
+        <p:txBody>
+          <a:bodyPr/>
+          <a:lstStyle/>
+          <a:p>
+            <a:r>
+              <a:rPr lang="en-US" dirty="0"/>
+              <a:t>Risk Management Process</a:t>
+            </a:r>
+          </a:p>
+        </p:txBody>
+      </p:sp>
+      <p:sp>
+        <p:nvSpPr>
+          <p:cNvPr id="3" name="Content Placeholder 2">
+            <a:extLst>
+              <a:ext uri="{FF2B5EF4-FFF2-40B4-BE49-F238E27FC236}">
+                <a16:creationId xmlns:a16="http://schemas.microsoft.com/office/drawing/2014/main" id="{B09139E6-136D-47C6-8870-0AA416D4457E}"/>
+              </a:ext>
+            </a:extLst>
+          </p:cNvPr>
+          <p:cNvSpPr>
+            <a:spLocks noGrp="1"/>
+          </p:cNvSpPr>
+          <p:nvPr>
+            <p:ph idx="1"/>
+          </p:nvPr>
+        </p:nvSpPr>
+        <p:spPr>
+          <a:xfrm>
+            <a:off x="609600" y="1846262"/>
+            <a:ext cx="10972800" cy="4623118"/>
+          </a:xfrm>
+        </p:spPr>
+        <p:txBody>
+          <a:bodyPr>
+            <a:normAutofit lnSpcReduction="10000"/>
+          </a:bodyPr>
+          <a:lstStyle/>
+          <a:p>
+            <a:pPr marL="514350" indent="-514350">
+              <a:buFont typeface="+mj-lt"/>
+              <a:buAutoNum type="romanUcPeriod" startAt="3"/>
+            </a:pPr>
+            <a:r>
+              <a:rPr lang="en-US" b="1" dirty="0"/>
+              <a:t>Risk Evaluation</a:t>
+            </a:r>
+          </a:p>
+          <a:p>
+            <a:pPr marL="800100" lvl="2" indent="0">
+              <a:buNone/>
+            </a:pPr>
+            <a:r>
+              <a:rPr lang="en-US" sz="2000" dirty="0"/>
+              <a:t>After identifying the potential risks, the project team will evaluate each risk based on the probability of the event of the risk and the potential loss associated with it. Not all risks are the same. Some risk events are more likely to occur than others and risk costs can vary greatly. Assessing the risk of the probability of occurrence and the severity or potential loss to the project is the next step in the risk management process.</a:t>
+            </a:r>
+          </a:p>
+          <a:p>
+            <a:pPr marL="800100" lvl="2" indent="0">
+              <a:buNone/>
+            </a:pPr>
+            <a:endParaRPr lang="en-US" sz="2000" dirty="0"/>
+          </a:p>
+          <a:p>
+            <a:pPr marL="800100" lvl="2" indent="0">
+              <a:buNone/>
+            </a:pPr>
+            <a:r>
+              <a:rPr lang="en-US" sz="2000" dirty="0"/>
+              <a:t>Having criteria to identify high impact risks can help narrow the focus to a few important risks that need to be minimized. For example, suppose that high-impact risks are those that can increase project costs by 5% of the concept budget or 2% of the detailed budget. Only a few potential risk events meet these criteria. Here are a few important potential risk events that the project management team should focus on when developing a project or management risk mitigation plan. The risk assessment is about developing an understanding of what is potentially the most likely to occur and can have the greatest negative impact on the project.</a:t>
+            </a:r>
+          </a:p>
+        </p:txBody>
+      </p:sp>
+    </p:spTree>
+    <p:extLst>
+      <p:ext uri="{BB962C8B-B14F-4D97-AF65-F5344CB8AC3E}">
+        <p14:creationId xmlns:p14="http://schemas.microsoft.com/office/powerpoint/2010/main" val="1193032713"/>
+      </p:ext>
+    </p:extLst>
+  </p:cSld>
+  <p:clrMapOvr>
+    <a:masterClrMapping/>
+  </p:clrMapOvr>
+</p:sld>
+</file>
+
+<file path=ppt/slides/slide18.xml><?xml version="1.0" encoding="utf-8"?>
+<p:sld xmlns:a="http://schemas.openxmlformats.org/drawingml/2006/main" xmlns:r="http://schemas.openxmlformats.org/officeDocument/2006/relationships" xmlns:p="http://schemas.openxmlformats.org/presentationml/2006/main">
+  <p:cSld>
+    <p:spTree>
+      <p:nvGrpSpPr>
+        <p:cNvPr id="1" name=""/>
+        <p:cNvGrpSpPr/>
+        <p:nvPr/>
+      </p:nvGrpSpPr>
+      <p:grpSpPr>
+        <a:xfrm>
+          <a:off x="0" y="0"/>
+          <a:ext cx="0" cy="0"/>
+          <a:chOff x="0" y="0"/>
+          <a:chExt cx="0" cy="0"/>
+        </a:xfrm>
+      </p:grpSpPr>
+      <p:sp>
+        <p:nvSpPr>
+          <p:cNvPr id="2" name="Title 1">
+            <a:extLst>
+              <a:ext uri="{FF2B5EF4-FFF2-40B4-BE49-F238E27FC236}">
+                <a16:creationId xmlns:a16="http://schemas.microsoft.com/office/drawing/2014/main" id="{698680FB-35CD-40A1-A23B-02902A2F9A75}"/>
+              </a:ext>
+            </a:extLst>
+          </p:cNvPr>
+          <p:cNvSpPr>
+            <a:spLocks noGrp="1"/>
+          </p:cNvSpPr>
+          <p:nvPr>
+            <p:ph type="title"/>
+          </p:nvPr>
+        </p:nvSpPr>
+        <p:spPr/>
+        <p:txBody>
+          <a:bodyPr/>
+          <a:lstStyle/>
+          <a:p>
+            <a:r>
+              <a:rPr lang="en-US" dirty="0"/>
+              <a:t>Risk Management Process</a:t>
+            </a:r>
+          </a:p>
+        </p:txBody>
+      </p:sp>
+      <p:pic>
+        <p:nvPicPr>
+          <p:cNvPr id="5" name="Content Placeholder 4">
+            <a:extLst>
+              <a:ext uri="{FF2B5EF4-FFF2-40B4-BE49-F238E27FC236}">
+                <a16:creationId xmlns:a16="http://schemas.microsoft.com/office/drawing/2014/main" id="{13D6317E-A779-44FB-8E12-9583114BE072}"/>
+              </a:ext>
+            </a:extLst>
+          </p:cNvPr>
+          <p:cNvPicPr>
+            <a:picLocks noGrp="1" noChangeAspect="1"/>
+          </p:cNvPicPr>
+          <p:nvPr>
+            <p:ph idx="1"/>
+          </p:nvPr>
+        </p:nvPicPr>
+        <p:blipFill>
+          <a:blip r:embed="rId2"/>
+          <a:stretch>
+            <a:fillRect/>
+          </a:stretch>
+        </p:blipFill>
+        <p:spPr>
+          <a:xfrm>
+            <a:off x="2986059" y="1931670"/>
+            <a:ext cx="5266401" cy="4551303"/>
+          </a:xfrm>
+        </p:spPr>
+      </p:pic>
+    </p:spTree>
+    <p:extLst>
+      <p:ext uri="{BB962C8B-B14F-4D97-AF65-F5344CB8AC3E}">
+        <p14:creationId xmlns:p14="http://schemas.microsoft.com/office/powerpoint/2010/main" val="2118954862"/>
+      </p:ext>
+    </p:extLst>
+  </p:cSld>
+  <p:clrMapOvr>
+    <a:masterClrMapping/>
+  </p:clrMapOvr>
+</p:sld>
+</file>
+
+<file path=ppt/slides/slide19.xml><?xml version="1.0" encoding="utf-8"?>
+<p:sld xmlns:a="http://schemas.openxmlformats.org/drawingml/2006/main" xmlns:r="http://schemas.openxmlformats.org/officeDocument/2006/relationships" xmlns:p="http://schemas.openxmlformats.org/presentationml/2006/main">
+  <p:cSld>
+    <p:spTree>
+      <p:nvGrpSpPr>
+        <p:cNvPr id="1" name=""/>
+        <p:cNvGrpSpPr/>
+        <p:nvPr/>
+      </p:nvGrpSpPr>
+      <p:grpSpPr>
+        <a:xfrm>
+          <a:off x="0" y="0"/>
+          <a:ext cx="0" cy="0"/>
+          <a:chOff x="0" y="0"/>
+          <a:chExt cx="0" cy="0"/>
+        </a:xfrm>
+      </p:grpSpPr>
+      <p:sp>
+        <p:nvSpPr>
+          <p:cNvPr id="2" name="Title 1">
+            <a:extLst>
+              <a:ext uri="{FF2B5EF4-FFF2-40B4-BE49-F238E27FC236}">
+                <a16:creationId xmlns:a16="http://schemas.microsoft.com/office/drawing/2014/main" id="{6176A1BA-13A3-42BF-869F-979F92570806}"/>
+              </a:ext>
+            </a:extLst>
+          </p:cNvPr>
+          <p:cNvSpPr>
+            <a:spLocks noGrp="1"/>
+          </p:cNvSpPr>
+          <p:nvPr>
+            <p:ph type="title"/>
+          </p:nvPr>
+        </p:nvSpPr>
+        <p:spPr/>
+        <p:txBody>
+          <a:bodyPr/>
+          <a:lstStyle/>
+          <a:p>
+            <a:r>
+              <a:rPr lang="en-US" dirty="0"/>
+              <a:t>Risk Management Process</a:t>
+            </a:r>
+          </a:p>
+        </p:txBody>
+      </p:sp>
+      <p:sp>
+        <p:nvSpPr>
+          <p:cNvPr id="3" name="Content Placeholder 2">
+            <a:extLst>
+              <a:ext uri="{FF2B5EF4-FFF2-40B4-BE49-F238E27FC236}">
+                <a16:creationId xmlns:a16="http://schemas.microsoft.com/office/drawing/2014/main" id="{01378B80-6ABF-4910-A55A-E6CD2B15FBAE}"/>
+              </a:ext>
+            </a:extLst>
+          </p:cNvPr>
+          <p:cNvSpPr>
+            <a:spLocks noGrp="1"/>
+          </p:cNvSpPr>
+          <p:nvPr>
+            <p:ph idx="1"/>
+          </p:nvPr>
+        </p:nvSpPr>
+        <p:spPr/>
+        <p:txBody>
+          <a:bodyPr/>
+          <a:lstStyle/>
+          <a:p>
+            <a:pPr marL="514350" indent="-514350">
+              <a:buFont typeface="+mj-lt"/>
+              <a:buAutoNum type="romanUcPeriod" startAt="4"/>
+            </a:pPr>
+            <a:r>
+              <a:rPr lang="en-US" dirty="0"/>
+              <a:t>Risk Mitigation</a:t>
+            </a:r>
+          </a:p>
+          <a:p>
+            <a:pPr marL="400050" lvl="1" indent="0">
+              <a:buNone/>
+            </a:pPr>
+            <a:r>
+              <a:rPr lang="en-US" dirty="0"/>
+              <a:t>	</a:t>
+            </a:r>
+            <a:r>
+              <a:rPr lang="en-US" sz="2000" dirty="0"/>
+              <a:t>After identifying and assessing risks, the project team developed a risk mitigation plan, 	which is intended to reduce the impact of an unexpected event. Project teams 	minimize risks in several different ways:</a:t>
+            </a:r>
+          </a:p>
+          <a:p>
+            <a:pPr lvl="3" indent="-342900">
+              <a:buFont typeface="Wingdings" panose="05000000000000000000" pitchFamily="2" charset="2"/>
+              <a:buChar char="q"/>
+            </a:pPr>
+            <a:r>
+              <a:rPr lang="en-US" sz="2000" dirty="0"/>
+              <a:t>Avoid</a:t>
+            </a:r>
+          </a:p>
+          <a:p>
+            <a:pPr lvl="3" indent="-342900">
+              <a:buFont typeface="Wingdings" panose="05000000000000000000" pitchFamily="2" charset="2"/>
+              <a:buChar char="q"/>
+            </a:pPr>
+            <a:r>
+              <a:rPr lang="en-US" sz="2000" dirty="0"/>
+              <a:t>Mitigate</a:t>
+            </a:r>
+          </a:p>
+          <a:p>
+            <a:pPr lvl="3" indent="-342900">
+              <a:buFont typeface="Wingdings" panose="05000000000000000000" pitchFamily="2" charset="2"/>
+              <a:buChar char="q"/>
+            </a:pPr>
+            <a:r>
+              <a:rPr lang="en-US" sz="2000" dirty="0"/>
+              <a:t>Transfer</a:t>
+            </a:r>
+          </a:p>
+          <a:p>
+            <a:pPr lvl="3" indent="-342900">
+              <a:buFont typeface="Wingdings" panose="05000000000000000000" pitchFamily="2" charset="2"/>
+              <a:buChar char="q"/>
+            </a:pPr>
+            <a:r>
+              <a:rPr lang="en-US" sz="2000" dirty="0"/>
+              <a:t>Accept		</a:t>
+            </a:r>
+            <a:endParaRPr lang="en-US" dirty="0"/>
+          </a:p>
+        </p:txBody>
+      </p:sp>
+    </p:spTree>
+    <p:extLst>
+      <p:ext uri="{BB962C8B-B14F-4D97-AF65-F5344CB8AC3E}">
+        <p14:creationId xmlns:p14="http://schemas.microsoft.com/office/powerpoint/2010/main" val="3155122508"/>
+      </p:ext>
+    </p:extLst>
+  </p:cSld>
+  <p:clrMapOvr>
+    <a:masterClrMapping/>
+  </p:clrMapOvr>
+</p:sld>
+</file>
+
 <file path=ppt/slides/slide2.xml><?xml version="1.0" encoding="utf-8"?>
 <p:sld xmlns:a="http://schemas.openxmlformats.org/drawingml/2006/main" xmlns:r="http://schemas.openxmlformats.org/officeDocument/2006/relationships" xmlns:p="http://schemas.openxmlformats.org/presentationml/2006/main">
   <p:cSld>
@@ -37651,7 +39325,7 @@
             <a:pPr lvl="0"/>
             <a:r>
               <a:rPr lang="en-US" dirty="0"/>
-              <a:t>Risk Identification</a:t>
+              <a:t>Risk Management Process</a:t>
             </a:r>
           </a:p>
           <a:p>
@@ -37688,6 +39362,440 @@
     <p:extLst>
       <p:ext uri="{BB962C8B-B14F-4D97-AF65-F5344CB8AC3E}">
         <p14:creationId xmlns:p14="http://schemas.microsoft.com/office/powerpoint/2010/main" val="1260473878"/>
+      </p:ext>
+    </p:extLst>
+  </p:cSld>
+  <p:clrMapOvr>
+    <a:masterClrMapping/>
+  </p:clrMapOvr>
+</p:sld>
+</file>
+
+<file path=ppt/slides/slide20.xml><?xml version="1.0" encoding="utf-8"?>
+<p:sld xmlns:a="http://schemas.openxmlformats.org/drawingml/2006/main" xmlns:r="http://schemas.openxmlformats.org/officeDocument/2006/relationships" xmlns:p="http://schemas.openxmlformats.org/presentationml/2006/main">
+  <p:cSld>
+    <p:spTree>
+      <p:nvGrpSpPr>
+        <p:cNvPr id="1" name=""/>
+        <p:cNvGrpSpPr/>
+        <p:nvPr/>
+      </p:nvGrpSpPr>
+      <p:grpSpPr>
+        <a:xfrm>
+          <a:off x="0" y="0"/>
+          <a:ext cx="0" cy="0"/>
+          <a:chOff x="0" y="0"/>
+          <a:chExt cx="0" cy="0"/>
+        </a:xfrm>
+      </p:grpSpPr>
+      <p:sp>
+        <p:nvSpPr>
+          <p:cNvPr id="2" name="Title 1">
+            <a:extLst>
+              <a:ext uri="{FF2B5EF4-FFF2-40B4-BE49-F238E27FC236}">
+                <a16:creationId xmlns:a16="http://schemas.microsoft.com/office/drawing/2014/main" id="{DC6E8865-6CC3-4653-9261-D6BE59018291}"/>
+              </a:ext>
+            </a:extLst>
+          </p:cNvPr>
+          <p:cNvSpPr>
+            <a:spLocks noGrp="1"/>
+          </p:cNvSpPr>
+          <p:nvPr>
+            <p:ph type="title"/>
+          </p:nvPr>
+        </p:nvSpPr>
+        <p:spPr/>
+        <p:txBody>
+          <a:bodyPr/>
+          <a:lstStyle/>
+          <a:p>
+            <a:r>
+              <a:rPr lang="en-US" dirty="0"/>
+              <a:t>Risk Management Process</a:t>
+            </a:r>
+          </a:p>
+        </p:txBody>
+      </p:sp>
+      <p:sp>
+        <p:nvSpPr>
+          <p:cNvPr id="3" name="Content Placeholder 2">
+            <a:extLst>
+              <a:ext uri="{FF2B5EF4-FFF2-40B4-BE49-F238E27FC236}">
+                <a16:creationId xmlns:a16="http://schemas.microsoft.com/office/drawing/2014/main" id="{AB6A57D8-FAFC-4A9F-91C5-25A3758FBAC8}"/>
+              </a:ext>
+            </a:extLst>
+          </p:cNvPr>
+          <p:cNvSpPr>
+            <a:spLocks noGrp="1"/>
+          </p:cNvSpPr>
+          <p:nvPr>
+            <p:ph idx="1"/>
+          </p:nvPr>
+        </p:nvSpPr>
+        <p:spPr/>
+        <p:txBody>
+          <a:bodyPr/>
+          <a:lstStyle/>
+          <a:p>
+            <a:pPr marL="514350" indent="-514350">
+              <a:buFont typeface="+mj-lt"/>
+              <a:buAutoNum type="romanUcPeriod" startAt="5"/>
+            </a:pPr>
+            <a:r>
+              <a:rPr lang="en-US" b="1" dirty="0"/>
+              <a:t>Contingency Plan</a:t>
+            </a:r>
+          </a:p>
+          <a:p>
+            <a:pPr marL="800100" lvl="2" indent="0">
+              <a:buNone/>
+            </a:pPr>
+            <a:r>
+              <a:rPr lang="en-US" sz="2000" dirty="0"/>
+              <a:t>Project teams often develop an alternative method to accomplish a project goal when a risk event has been identified that can discourage the achievement of that goal. These plans are called contingency plans.</a:t>
+            </a:r>
+          </a:p>
+          <a:p>
+            <a:pPr marL="800100" lvl="2" indent="0">
+              <a:buNone/>
+            </a:pPr>
+            <a:endParaRPr lang="en-US" sz="2000" dirty="0"/>
+          </a:p>
+          <a:p>
+            <a:pPr marL="800100" lvl="2" indent="0">
+              <a:buNone/>
+            </a:pPr>
+            <a:r>
+              <a:rPr lang="en-US" sz="2000" b="1" dirty="0"/>
+              <a:t>Example</a:t>
+            </a:r>
+            <a:r>
+              <a:rPr lang="en-US" sz="2000" dirty="0"/>
+              <a:t>: The risk of a strike truck driver can be mitigated by a contingency plan using a train to transport the equipment needed for the project. If a critical part of the device is late, the impact on the schedule can be minimized by changing the schedule to accommodate late device delivery.</a:t>
+            </a:r>
+          </a:p>
+        </p:txBody>
+      </p:sp>
+    </p:spTree>
+    <p:extLst>
+      <p:ext uri="{BB962C8B-B14F-4D97-AF65-F5344CB8AC3E}">
+        <p14:creationId xmlns:p14="http://schemas.microsoft.com/office/powerpoint/2010/main" val="2944101912"/>
+      </p:ext>
+    </p:extLst>
+  </p:cSld>
+  <p:clrMapOvr>
+    <a:masterClrMapping/>
+  </p:clrMapOvr>
+</p:sld>
+</file>
+
+<file path=ppt/slides/slide21.xml><?xml version="1.0" encoding="utf-8"?>
+<p:sld xmlns:a="http://schemas.openxmlformats.org/drawingml/2006/main" xmlns:r="http://schemas.openxmlformats.org/officeDocument/2006/relationships" xmlns:p="http://schemas.openxmlformats.org/presentationml/2006/main">
+  <p:cSld>
+    <p:spTree>
+      <p:nvGrpSpPr>
+        <p:cNvPr id="1" name=""/>
+        <p:cNvGrpSpPr/>
+        <p:nvPr/>
+      </p:nvGrpSpPr>
+      <p:grpSpPr>
+        <a:xfrm>
+          <a:off x="0" y="0"/>
+          <a:ext cx="0" cy="0"/>
+          <a:chOff x="0" y="0"/>
+          <a:chExt cx="0" cy="0"/>
+        </a:xfrm>
+      </p:grpSpPr>
+      <p:sp>
+        <p:nvSpPr>
+          <p:cNvPr id="2" name="Title 1">
+            <a:extLst>
+              <a:ext uri="{FF2B5EF4-FFF2-40B4-BE49-F238E27FC236}">
+                <a16:creationId xmlns:a16="http://schemas.microsoft.com/office/drawing/2014/main" id="{CD44C8EA-4DC5-4702-84EF-C21AC41BBE91}"/>
+              </a:ext>
+            </a:extLst>
+          </p:cNvPr>
+          <p:cNvSpPr>
+            <a:spLocks noGrp="1"/>
+          </p:cNvSpPr>
+          <p:nvPr>
+            <p:ph type="title"/>
+          </p:nvPr>
+        </p:nvSpPr>
+        <p:spPr/>
+        <p:txBody>
+          <a:bodyPr/>
+          <a:lstStyle/>
+          <a:p>
+            <a:r>
+              <a:rPr lang="en-US" dirty="0"/>
+              <a:t>Risk Management Process</a:t>
+            </a:r>
+          </a:p>
+        </p:txBody>
+      </p:sp>
+      <p:sp>
+        <p:nvSpPr>
+          <p:cNvPr id="3" name="Content Placeholder 2">
+            <a:extLst>
+              <a:ext uri="{FF2B5EF4-FFF2-40B4-BE49-F238E27FC236}">
+                <a16:creationId xmlns:a16="http://schemas.microsoft.com/office/drawing/2014/main" id="{E5C7DED5-3903-4A10-84A9-6443C79ECB2D}"/>
+              </a:ext>
+            </a:extLst>
+          </p:cNvPr>
+          <p:cNvSpPr>
+            <a:spLocks noGrp="1"/>
+          </p:cNvSpPr>
+          <p:nvPr>
+            <p:ph idx="1"/>
+          </p:nvPr>
+        </p:nvSpPr>
+        <p:spPr/>
+        <p:txBody>
+          <a:bodyPr>
+            <a:normAutofit fontScale="92500" lnSpcReduction="20000"/>
+          </a:bodyPr>
+          <a:lstStyle/>
+          <a:p>
+            <a:pPr marL="514350" indent="-514350">
+              <a:buFont typeface="+mj-lt"/>
+              <a:buAutoNum type="romanUcPeriod" startAt="6"/>
+            </a:pPr>
+            <a:r>
+              <a:rPr lang="en-US" b="1" dirty="0"/>
+              <a:t>Project Risk By Phases</a:t>
+            </a:r>
+          </a:p>
+          <a:p>
+            <a:pPr lvl="2" indent="-342900">
+              <a:buFont typeface="+mj-lt"/>
+              <a:buAutoNum type="alphaLcPeriod"/>
+            </a:pPr>
+            <a:r>
+              <a:rPr lang="en-US" sz="2400" b="1" dirty="0"/>
+              <a:t> </a:t>
+            </a:r>
+            <a:r>
+              <a:rPr lang="en-US" sz="2400" dirty="0"/>
+              <a:t>Initiation</a:t>
+            </a:r>
+          </a:p>
+          <a:p>
+            <a:pPr marL="1257300" lvl="3" indent="0">
+              <a:buNone/>
+            </a:pPr>
+            <a:r>
+              <a:rPr lang="en-US" sz="2400" dirty="0"/>
+              <a:t>Project risks are handled in different ways depending on the stage of the project.</a:t>
+            </a:r>
+          </a:p>
+          <a:p>
+            <a:pPr marL="1257300" lvl="3" indent="0">
+              <a:buNone/>
+            </a:pPr>
+            <a:endParaRPr lang="en-US" sz="2400" dirty="0"/>
+          </a:p>
+          <a:p>
+            <a:pPr marL="1257300" lvl="3" indent="0">
+              <a:buNone/>
+            </a:pPr>
+            <a:r>
+              <a:rPr lang="en-US" sz="2400" dirty="0"/>
+              <a:t>Start:</a:t>
+            </a:r>
+          </a:p>
+          <a:p>
+            <a:pPr marL="1257300" lvl="3" indent="0">
+              <a:buNone/>
+            </a:pPr>
+            <a:r>
+              <a:rPr lang="en-US" sz="2400" dirty="0"/>
+              <a:t>Risks related to the unknown. Many things are unknown at the start of the project, but the risks must be considered in the inception phase and weighed against the potential benefits of the project's success to decide whether or not to choose the project.</a:t>
+            </a:r>
+          </a:p>
+          <a:p>
+            <a:pPr marL="0" indent="0">
+              <a:buNone/>
+            </a:pPr>
+            <a:endParaRPr lang="en-US" dirty="0"/>
+          </a:p>
+        </p:txBody>
+      </p:sp>
+    </p:spTree>
+    <p:extLst>
+      <p:ext uri="{BB962C8B-B14F-4D97-AF65-F5344CB8AC3E}">
+        <p14:creationId xmlns:p14="http://schemas.microsoft.com/office/powerpoint/2010/main" val="3304505559"/>
+      </p:ext>
+    </p:extLst>
+  </p:cSld>
+  <p:clrMapOvr>
+    <a:masterClrMapping/>
+  </p:clrMapOvr>
+</p:sld>
+</file>
+
+<file path=ppt/slides/slide22.xml><?xml version="1.0" encoding="utf-8"?>
+<p:sld xmlns:a="http://schemas.openxmlformats.org/drawingml/2006/main" xmlns:r="http://schemas.openxmlformats.org/officeDocument/2006/relationships" xmlns:p="http://schemas.openxmlformats.org/presentationml/2006/main">
+  <p:cSld>
+    <p:spTree>
+      <p:nvGrpSpPr>
+        <p:cNvPr id="1" name=""/>
+        <p:cNvGrpSpPr/>
+        <p:nvPr/>
+      </p:nvGrpSpPr>
+      <p:grpSpPr>
+        <a:xfrm>
+          <a:off x="0" y="0"/>
+          <a:ext cx="0" cy="0"/>
+          <a:chOff x="0" y="0"/>
+          <a:chExt cx="0" cy="0"/>
+        </a:xfrm>
+      </p:grpSpPr>
+      <p:sp>
+        <p:nvSpPr>
+          <p:cNvPr id="2" name="Title 1">
+            <a:extLst>
+              <a:ext uri="{FF2B5EF4-FFF2-40B4-BE49-F238E27FC236}">
+                <a16:creationId xmlns:a16="http://schemas.microsoft.com/office/drawing/2014/main" id="{04B2F0A5-F01F-4193-850C-E6E8BAEEFE0A}"/>
+              </a:ext>
+            </a:extLst>
+          </p:cNvPr>
+          <p:cNvSpPr>
+            <a:spLocks noGrp="1"/>
+          </p:cNvSpPr>
+          <p:nvPr>
+            <p:ph type="title"/>
+          </p:nvPr>
+        </p:nvSpPr>
+        <p:spPr/>
+        <p:txBody>
+          <a:bodyPr/>
+          <a:lstStyle/>
+          <a:p>
+            <a:r>
+              <a:rPr lang="en-US" dirty="0"/>
+              <a:t>Risk Management Process</a:t>
+            </a:r>
+          </a:p>
+        </p:txBody>
+      </p:sp>
+      <p:sp>
+        <p:nvSpPr>
+          <p:cNvPr id="3" name="Content Placeholder 2">
+            <a:extLst>
+              <a:ext uri="{FF2B5EF4-FFF2-40B4-BE49-F238E27FC236}">
+                <a16:creationId xmlns:a16="http://schemas.microsoft.com/office/drawing/2014/main" id="{D92F516D-601D-48D4-BE8A-824C0723C62F}"/>
+              </a:ext>
+            </a:extLst>
+          </p:cNvPr>
+          <p:cNvSpPr>
+            <a:spLocks noGrp="1"/>
+          </p:cNvSpPr>
+          <p:nvPr>
+            <p:ph idx="1"/>
+          </p:nvPr>
+        </p:nvSpPr>
+        <p:spPr>
+          <a:xfrm>
+            <a:off x="609600" y="1846262"/>
+            <a:ext cx="10972800" cy="4645978"/>
+          </a:xfrm>
+        </p:spPr>
+        <p:txBody>
+          <a:bodyPr/>
+          <a:lstStyle/>
+          <a:p>
+            <a:pPr marL="514350" indent="-514350">
+              <a:buFont typeface="+mj-lt"/>
+              <a:buAutoNum type="romanUcPeriod" startAt="6"/>
+            </a:pPr>
+            <a:r>
+              <a:rPr lang="en-US" b="1" dirty="0"/>
+              <a:t> Project Risk By Phases</a:t>
+            </a:r>
+          </a:p>
+          <a:p>
+            <a:pPr lvl="2" indent="-342900">
+              <a:buFont typeface="+mj-lt"/>
+              <a:buAutoNum type="alphaLcPeriod" startAt="2"/>
+            </a:pPr>
+            <a:r>
+              <a:rPr lang="en-US" b="1" dirty="0"/>
+              <a:t>Planning phases</a:t>
+            </a:r>
+          </a:p>
+          <a:p>
+            <a:pPr marL="1257300" lvl="3" indent="0">
+              <a:buNone/>
+            </a:pPr>
+            <a:r>
+              <a:rPr lang="en-US" dirty="0"/>
+              <a:t>Once the project is approved and it moves into the planning stage, risks are identified for each major activity group. A risk division structure (RBS) can be used to determine the level of detailed risk analysis.</a:t>
+            </a:r>
+          </a:p>
+          <a:p>
+            <a:pPr marL="1257300" lvl="3" indent="0">
+              <a:buNone/>
+            </a:pPr>
+            <a:endParaRPr lang="en-US" dirty="0"/>
+          </a:p>
+          <a:p>
+            <a:pPr lvl="2" indent="-342900">
+              <a:buFont typeface="+mj-lt"/>
+              <a:buAutoNum type="alphaLcPeriod" startAt="2"/>
+            </a:pPr>
+            <a:r>
+              <a:rPr lang="en-US" b="1" dirty="0"/>
+              <a:t>Implementation phases</a:t>
+            </a:r>
+          </a:p>
+          <a:p>
+            <a:pPr marL="1257300" lvl="3" indent="0">
+              <a:buNone/>
+            </a:pPr>
+            <a:r>
+              <a:rPr lang="en-US" dirty="0"/>
+              <a:t>As the project progresses and more information is available to the project team, the overall risk on the project often decreases, because the activities are carried out without loss. The risk plan should be updated with new information and check the risks associated with the activities performed.</a:t>
+            </a:r>
+          </a:p>
+          <a:p>
+            <a:pPr marL="1257300" lvl="3" indent="0">
+              <a:buNone/>
+            </a:pPr>
+            <a:endParaRPr lang="en-US" dirty="0"/>
+          </a:p>
+          <a:p>
+            <a:pPr lvl="2" indent="-342900">
+              <a:buFont typeface="+mj-lt"/>
+              <a:buAutoNum type="alphaLcPeriod" startAt="2"/>
+            </a:pPr>
+            <a:r>
+              <a:rPr lang="en-US" b="1" dirty="0"/>
+              <a:t>Closeout Phases</a:t>
+            </a:r>
+          </a:p>
+          <a:p>
+            <a:pPr marL="1257300" lvl="3" indent="0">
+              <a:buNone/>
+            </a:pPr>
+            <a:r>
+              <a:rPr lang="en-US" dirty="0"/>
+              <a:t>In the closing phase, risk sharing and risk transfer arrangements should be signed and the risk-sharing structure checked to ensure that all risk events have been avoided or minimized. Final estimates of risk losses can be made and recorded as part of the project document</a:t>
+            </a:r>
+            <a:r>
+              <a:rPr lang="en-US" b="1" dirty="0"/>
+              <a:t>.</a:t>
+            </a:r>
+          </a:p>
+          <a:p>
+            <a:endParaRPr lang="en-US" dirty="0"/>
+          </a:p>
+        </p:txBody>
+      </p:sp>
+    </p:spTree>
+    <p:extLst>
+      <p:ext uri="{BB962C8B-B14F-4D97-AF65-F5344CB8AC3E}">
+        <p14:creationId xmlns:p14="http://schemas.microsoft.com/office/powerpoint/2010/main" val="1795489827"/>
       </p:ext>
     </p:extLst>
   </p:cSld>
@@ -38192,7 +40300,10 @@
           <a:bodyPr/>
           <a:lstStyle/>
           <a:p>
-            <a:endParaRPr lang="en-US"/>
+            <a:r>
+              <a:rPr lang="en-US" dirty="0"/>
+              <a:t>Risk Management Planning</a:t>
+            </a:r>
           </a:p>
         </p:txBody>
       </p:sp>
@@ -38212,12 +40323,36 @@
             <p:ph idx="1"/>
           </p:nvPr>
         </p:nvSpPr>
-        <p:spPr/>
+        <p:spPr>
+          <a:xfrm>
+            <a:off x="609600" y="1846262"/>
+            <a:ext cx="10972800" cy="2382838"/>
+          </a:xfrm>
+        </p:spPr>
         <p:txBody>
-          <a:bodyPr/>
+          <a:bodyPr>
+            <a:normAutofit/>
+          </a:bodyPr>
           <a:lstStyle/>
           <a:p>
-            <a:endParaRPr lang="en-US"/>
+            <a:pPr marL="514350" indent="-514350">
+              <a:buFont typeface="+mj-lt"/>
+              <a:buAutoNum type="romanUcPeriod"/>
+            </a:pPr>
+            <a:r>
+              <a:rPr lang="en-US" b="1" dirty="0"/>
+              <a:t>What’s risk management planning</a:t>
+            </a:r>
+          </a:p>
+          <a:p>
+            <a:pPr marL="0" indent="0">
+              <a:buNone/>
+            </a:pPr>
+            <a:r>
+              <a:rPr lang="en-US" sz="2000" dirty="0"/>
+              <a:t>	As stated above, risks are any events or conditions that affect the plan that affects the 	outcome of the project set out earlier, so what is the plan to manage risk, is the process 	by which We devise a risk management plan to approach risks scientifically and 	systematically to identify, control, prevent and minimize losses and loss of adverse 	effects of risks.</a:t>
+            </a:r>
+            <a:endParaRPr lang="en-US" dirty="0"/>
           </a:p>
         </p:txBody>
       </p:sp>
@@ -38225,6 +40360,324 @@
     <p:extLst>
       <p:ext uri="{BB962C8B-B14F-4D97-AF65-F5344CB8AC3E}">
         <p14:creationId xmlns:p14="http://schemas.microsoft.com/office/powerpoint/2010/main" val="4128436319"/>
+      </p:ext>
+    </p:extLst>
+  </p:cSld>
+  <p:clrMapOvr>
+    <a:masterClrMapping/>
+  </p:clrMapOvr>
+</p:sld>
+</file>
+
+<file path=ppt/slides/slide8.xml><?xml version="1.0" encoding="utf-8"?>
+<p:sld xmlns:a="http://schemas.openxmlformats.org/drawingml/2006/main" xmlns:r="http://schemas.openxmlformats.org/officeDocument/2006/relationships" xmlns:p="http://schemas.openxmlformats.org/presentationml/2006/main">
+  <p:cSld>
+    <p:spTree>
+      <p:nvGrpSpPr>
+        <p:cNvPr id="1" name=""/>
+        <p:cNvGrpSpPr/>
+        <p:nvPr/>
+      </p:nvGrpSpPr>
+      <p:grpSpPr>
+        <a:xfrm>
+          <a:off x="0" y="0"/>
+          <a:ext cx="0" cy="0"/>
+          <a:chOff x="0" y="0"/>
+          <a:chExt cx="0" cy="0"/>
+        </a:xfrm>
+      </p:grpSpPr>
+      <p:sp>
+        <p:nvSpPr>
+          <p:cNvPr id="2" name="Title 1">
+            <a:extLst>
+              <a:ext uri="{FF2B5EF4-FFF2-40B4-BE49-F238E27FC236}">
+                <a16:creationId xmlns:a16="http://schemas.microsoft.com/office/drawing/2014/main" id="{821EBD7B-E782-4363-A4CF-C3934671F779}"/>
+              </a:ext>
+            </a:extLst>
+          </p:cNvPr>
+          <p:cNvSpPr>
+            <a:spLocks noGrp="1"/>
+          </p:cNvSpPr>
+          <p:nvPr>
+            <p:ph type="title"/>
+          </p:nvPr>
+        </p:nvSpPr>
+        <p:spPr/>
+        <p:txBody>
+          <a:bodyPr/>
+          <a:lstStyle/>
+          <a:p>
+            <a:r>
+              <a:rPr lang="en-US" dirty="0"/>
+              <a:t>Risk Management Planning</a:t>
+            </a:r>
+          </a:p>
+        </p:txBody>
+      </p:sp>
+      <p:sp>
+        <p:nvSpPr>
+          <p:cNvPr id="3" name="Content Placeholder 2">
+            <a:extLst>
+              <a:ext uri="{FF2B5EF4-FFF2-40B4-BE49-F238E27FC236}">
+                <a16:creationId xmlns:a16="http://schemas.microsoft.com/office/drawing/2014/main" id="{F81D5BA5-61C3-44DA-A6FB-E92E017B1B04}"/>
+              </a:ext>
+            </a:extLst>
+          </p:cNvPr>
+          <p:cNvSpPr>
+            <a:spLocks noGrp="1"/>
+          </p:cNvSpPr>
+          <p:nvPr>
+            <p:ph idx="1"/>
+          </p:nvPr>
+        </p:nvSpPr>
+        <p:spPr>
+          <a:xfrm>
+            <a:off x="609600" y="1846262"/>
+            <a:ext cx="10972800" cy="3628708"/>
+          </a:xfrm>
+        </p:spPr>
+        <p:txBody>
+          <a:bodyPr>
+            <a:normAutofit fontScale="92500" lnSpcReduction="10000"/>
+          </a:bodyPr>
+          <a:lstStyle/>
+          <a:p>
+            <a:pPr marL="514350" indent="-514350">
+              <a:buFont typeface="+mj-lt"/>
+              <a:buAutoNum type="romanUcPeriod" startAt="2"/>
+            </a:pPr>
+            <a:r>
+              <a:rPr lang="en-US" b="1" dirty="0"/>
+              <a:t>Why we need to risk management planning</a:t>
+            </a:r>
+          </a:p>
+          <a:p>
+            <a:pPr marL="457200" lvl="1" indent="0">
+              <a:buNone/>
+            </a:pPr>
+            <a:r>
+              <a:rPr lang="en-US" b="1" dirty="0"/>
+              <a:t>	</a:t>
+            </a:r>
+            <a:r>
+              <a:rPr lang="en-US" sz="2000" dirty="0"/>
+              <a:t>There is no guarantee that your project will go smoothly with the plan you have set, any 	small fluctuations can occur in your project and it will also affect a somehow comes to 	the project plan and changes the results, schedule, plan of the project. And we call it risk.</a:t>
+            </a:r>
+          </a:p>
+          <a:p>
+            <a:pPr marL="457200" lvl="1" indent="0">
+              <a:buNone/>
+            </a:pPr>
+            <a:r>
+              <a:rPr lang="en-US" sz="2000" dirty="0"/>
+              <a:t>	</a:t>
+            </a:r>
+          </a:p>
+          <a:p>
+            <a:pPr marL="457200" lvl="1" indent="0">
+              <a:buNone/>
+            </a:pPr>
+            <a:r>
+              <a:rPr lang="en-US" sz="2000" dirty="0"/>
+              <a:t>	By the time the risk actually occurred to your project, it was too late to do anything about 	it. That's why you need to plan for risk in the first place and keep coming back for more 	planning throughout the project.</a:t>
+            </a:r>
+          </a:p>
+          <a:p>
+            <a:pPr marL="457200" lvl="1" indent="0">
+              <a:buNone/>
+            </a:pPr>
+            <a:endParaRPr lang="en-US" sz="2000" dirty="0"/>
+          </a:p>
+          <a:p>
+            <a:pPr marL="457200" lvl="1" indent="0">
+              <a:buNone/>
+            </a:pPr>
+            <a:r>
+              <a:rPr lang="en-US" sz="2000" dirty="0"/>
+              <a:t>	The risk management plan tells you how you will handle risks in your project. This 	document records how you assess the risk, who is responsible for the 	implementation, and how often you conduct risk 	planning.</a:t>
+            </a:r>
+          </a:p>
+        </p:txBody>
+      </p:sp>
+    </p:spTree>
+    <p:extLst>
+      <p:ext uri="{BB962C8B-B14F-4D97-AF65-F5344CB8AC3E}">
+        <p14:creationId xmlns:p14="http://schemas.microsoft.com/office/powerpoint/2010/main" val="2721917731"/>
+      </p:ext>
+    </p:extLst>
+  </p:cSld>
+  <p:clrMapOvr>
+    <a:masterClrMapping/>
+  </p:clrMapOvr>
+</p:sld>
+</file>
+
+<file path=ppt/slides/slide9.xml><?xml version="1.0" encoding="utf-8"?>
+<p:sld xmlns:a="http://schemas.openxmlformats.org/drawingml/2006/main" xmlns:r="http://schemas.openxmlformats.org/officeDocument/2006/relationships" xmlns:p="http://schemas.openxmlformats.org/presentationml/2006/main">
+  <p:cSld>
+    <p:spTree>
+      <p:nvGrpSpPr>
+        <p:cNvPr id="1" name=""/>
+        <p:cNvGrpSpPr/>
+        <p:nvPr/>
+      </p:nvGrpSpPr>
+      <p:grpSpPr>
+        <a:xfrm>
+          <a:off x="0" y="0"/>
+          <a:ext cx="0" cy="0"/>
+          <a:chOff x="0" y="0"/>
+          <a:chExt cx="0" cy="0"/>
+        </a:xfrm>
+      </p:grpSpPr>
+      <p:sp>
+        <p:nvSpPr>
+          <p:cNvPr id="2" name="Title 1">
+            <a:extLst>
+              <a:ext uri="{FF2B5EF4-FFF2-40B4-BE49-F238E27FC236}">
+                <a16:creationId xmlns:a16="http://schemas.microsoft.com/office/drawing/2014/main" id="{A0D5578D-94AE-4863-A226-5C1949480AC1}"/>
+              </a:ext>
+            </a:extLst>
+          </p:cNvPr>
+          <p:cNvSpPr>
+            <a:spLocks noGrp="1"/>
+          </p:cNvSpPr>
+          <p:nvPr>
+            <p:ph type="title"/>
+          </p:nvPr>
+        </p:nvSpPr>
+        <p:spPr/>
+        <p:txBody>
+          <a:bodyPr/>
+          <a:lstStyle/>
+          <a:p>
+            <a:r>
+              <a:rPr lang="en-US" dirty="0"/>
+              <a:t>Risk Management Planning</a:t>
+            </a:r>
+          </a:p>
+        </p:txBody>
+      </p:sp>
+      <p:sp>
+        <p:nvSpPr>
+          <p:cNvPr id="3" name="Content Placeholder 2">
+            <a:extLst>
+              <a:ext uri="{FF2B5EF4-FFF2-40B4-BE49-F238E27FC236}">
+                <a16:creationId xmlns:a16="http://schemas.microsoft.com/office/drawing/2014/main" id="{F60FA422-85D3-4D8E-9C8F-4ED7610252B3}"/>
+              </a:ext>
+            </a:extLst>
+          </p:cNvPr>
+          <p:cNvSpPr>
+            <a:spLocks noGrp="1"/>
+          </p:cNvSpPr>
+          <p:nvPr>
+            <p:ph idx="1"/>
+          </p:nvPr>
+        </p:nvSpPr>
+        <p:spPr>
+          <a:xfrm>
+            <a:off x="609600" y="1846262"/>
+            <a:ext cx="10972800" cy="3903028"/>
+          </a:xfrm>
+        </p:spPr>
+        <p:txBody>
+          <a:bodyPr>
+            <a:normAutofit fontScale="92500" lnSpcReduction="10000"/>
+          </a:bodyPr>
+          <a:lstStyle/>
+          <a:p>
+            <a:pPr marL="514350" indent="-514350">
+              <a:buFont typeface="+mj-lt"/>
+              <a:buAutoNum type="romanUcPeriod" startAt="3"/>
+            </a:pPr>
+            <a:r>
+              <a:rPr lang="en-US" b="1" dirty="0"/>
+              <a:t>How to deal with risk.</a:t>
+            </a:r>
+          </a:p>
+          <a:p>
+            <a:pPr marL="0" indent="0">
+              <a:buNone/>
+            </a:pPr>
+            <a:r>
+              <a:rPr lang="en-US" dirty="0"/>
+              <a:t>	</a:t>
+            </a:r>
+            <a:r>
+              <a:rPr lang="en-US" sz="2000" dirty="0"/>
+              <a:t>When you plan your project, the risks are still uncertain. But in the end, some of the 	risks 	you plan to take place, and that's when you need to deal with them. And here we 	have 	four basic ways to handle risk</a:t>
+            </a:r>
+          </a:p>
+          <a:p>
+            <a:pPr marL="0" indent="0">
+              <a:buNone/>
+            </a:pPr>
+            <a:endParaRPr lang="en-US" sz="2000" dirty="0"/>
+          </a:p>
+          <a:p>
+            <a:pPr lvl="1">
+              <a:buFont typeface="Wingdings" panose="05000000000000000000" pitchFamily="2" charset="2"/>
+              <a:buChar char="q"/>
+            </a:pPr>
+            <a:r>
+              <a:rPr lang="en-US" sz="2000" b="1" dirty="0"/>
+              <a:t>Avoid</a:t>
+            </a:r>
+          </a:p>
+          <a:p>
+            <a:pPr lvl="2"/>
+            <a:r>
+              <a:rPr lang="en-US" sz="2000" dirty="0"/>
+              <a:t>Is trying to avoid, eliminate or minimize the likelihood of risk (it's like you will limit or not go out at 12 pm to avoid being killed)</a:t>
+            </a:r>
+          </a:p>
+          <a:p>
+            <a:pPr marL="914400" lvl="2" indent="0">
+              <a:buNone/>
+            </a:pPr>
+            <a:endParaRPr lang="en-US" sz="2000" dirty="0"/>
+          </a:p>
+          <a:p>
+            <a:pPr lvl="1">
+              <a:buFont typeface="Wingdings" panose="05000000000000000000" pitchFamily="2" charset="2"/>
+              <a:buChar char="q"/>
+            </a:pPr>
+            <a:r>
+              <a:rPr lang="en-US" sz="2000" b="1" dirty="0"/>
+              <a:t>Mitigate</a:t>
+            </a:r>
+          </a:p>
+          <a:p>
+            <a:pPr lvl="2"/>
+            <a:r>
+              <a:rPr lang="en-US" sz="2000" dirty="0"/>
+              <a:t>As a measure to minimize the possible damage (this method is like you wear a helmet when driving to minimize the possibility of an accident and injure you)</a:t>
+            </a:r>
+          </a:p>
+          <a:p>
+            <a:pPr marL="0" indent="0">
+              <a:buNone/>
+            </a:pPr>
+            <a:endParaRPr lang="en-US" dirty="0"/>
+          </a:p>
+          <a:p>
+            <a:pPr marL="514350" indent="-514350">
+              <a:buFont typeface="+mj-lt"/>
+              <a:buAutoNum type="romanUcPeriod" startAt="3"/>
+            </a:pPr>
+            <a:endParaRPr lang="en-US" dirty="0"/>
+          </a:p>
+          <a:p>
+            <a:pPr marL="0" indent="0">
+              <a:buNone/>
+            </a:pPr>
+            <a:endParaRPr lang="en-US" dirty="0"/>
+          </a:p>
+        </p:txBody>
+      </p:sp>
+    </p:spTree>
+    <p:extLst>
+      <p:ext uri="{BB962C8B-B14F-4D97-AF65-F5344CB8AC3E}">
+        <p14:creationId xmlns:p14="http://schemas.microsoft.com/office/powerpoint/2010/main" val="3296775831"/>
       </p:ext>
     </p:extLst>
   </p:cSld>

--- a/SEMINAR PROJECT MANAGENMENT.pptx
+++ b/SEMINAR PROJECT MANAGENMENT.pptx
@@ -37999,7 +37999,7 @@
             </a:r>
             <a:r>
               <a:rPr lang="en-US" sz="2000" dirty="0"/>
-              <a:t>Identifying sources of risk according to the portfolio is another method 	to explore 	potential risks on a project. Some examples of categories for 	potential risks 	include:</a:t>
+              <a:t>Identifying sources of risk according to the portfolio is another method to explore 	potential risks on a project. Some examples of categories for potential risks 	include:</a:t>
             </a:r>
             <a:endParaRPr lang="en-US" dirty="0"/>
           </a:p>
@@ -38063,106 +38063,36 @@
           </a:p>
         </p:txBody>
       </p:sp>
-      <p:sp>
-        <p:nvSpPr>
-          <p:cNvPr id="3" name="Content Placeholder 2">
+      <p:pic>
+        <p:nvPicPr>
+          <p:cNvPr id="5" name="Picture 4">
             <a:extLst>
               <a:ext uri="{FF2B5EF4-FFF2-40B4-BE49-F238E27FC236}">
-                <a16:creationId xmlns:a16="http://schemas.microsoft.com/office/drawing/2014/main" id="{4AEA0958-04FB-4371-BA5D-F67F72F832D0}"/>
+                <a16:creationId xmlns:a16="http://schemas.microsoft.com/office/drawing/2014/main" id="{4BDEB431-EE99-44C6-AB5F-EE177260D8E8}"/>
               </a:ext>
             </a:extLst>
           </p:cNvPr>
-          <p:cNvSpPr>
-            <a:spLocks noGrp="1"/>
-          </p:cNvSpPr>
-          <p:nvPr>
-            <p:ph sz="quarter" idx="13"/>
-          </p:nvPr>
-        </p:nvSpPr>
+          <p:cNvPicPr>
+            <a:picLocks noChangeAspect="1"/>
+          </p:cNvPicPr>
+          <p:nvPr/>
+        </p:nvPicPr>
+        <p:blipFill>
+          <a:blip r:embed="rId2"/>
+          <a:stretch>
+            <a:fillRect/>
+          </a:stretch>
+        </p:blipFill>
         <p:spPr>
           <a:xfrm>
-            <a:off x="960120" y="2011680"/>
-            <a:ext cx="10161270" cy="4206239"/>
+            <a:off x="2700232" y="1600200"/>
+            <a:ext cx="6297994" cy="4613281"/>
           </a:xfrm>
+          <a:prstGeom prst="rect">
+            <a:avLst/>
+          </a:prstGeom>
         </p:spPr>
-        <p:txBody>
-          <a:bodyPr>
-            <a:normAutofit lnSpcReduction="10000"/>
-          </a:bodyPr>
-          <a:lstStyle/>
-          <a:p>
-            <a:pPr lvl="0"/>
-            <a:r>
-              <a:rPr lang="en-US" dirty="0"/>
-              <a:t>Technical </a:t>
-            </a:r>
-            <a:endParaRPr lang="en-US" sz="2000" dirty="0"/>
-          </a:p>
-          <a:p>
-            <a:pPr lvl="0"/>
-            <a:r>
-              <a:rPr lang="en-US" dirty="0"/>
-              <a:t>Cost </a:t>
-            </a:r>
-          </a:p>
-          <a:p>
-            <a:pPr lvl="0"/>
-            <a:r>
-              <a:rPr lang="en-US" dirty="0"/>
-              <a:t>Schedule </a:t>
-            </a:r>
-          </a:p>
-          <a:p>
-            <a:pPr lvl="0"/>
-            <a:r>
-              <a:rPr lang="en-US" dirty="0"/>
-              <a:t>Client </a:t>
-            </a:r>
-          </a:p>
-          <a:p>
-            <a:pPr lvl="0"/>
-            <a:r>
-              <a:rPr lang="en-US" dirty="0"/>
-              <a:t>Contractual</a:t>
-            </a:r>
-          </a:p>
-          <a:p>
-            <a:pPr lvl="0"/>
-            <a:r>
-              <a:rPr lang="en-US" dirty="0"/>
-              <a:t>Weather</a:t>
-            </a:r>
-          </a:p>
-          <a:p>
-            <a:pPr lvl="0"/>
-            <a:r>
-              <a:rPr lang="en-US" dirty="0"/>
-              <a:t>Financial</a:t>
-            </a:r>
-          </a:p>
-          <a:p>
-            <a:pPr lvl="0"/>
-            <a:r>
-              <a:rPr lang="en-US" dirty="0"/>
-              <a:t>Political </a:t>
-            </a:r>
-          </a:p>
-          <a:p>
-            <a:pPr lvl="0"/>
-            <a:r>
-              <a:rPr lang="en-US" dirty="0"/>
-              <a:t>Environmental</a:t>
-            </a:r>
-          </a:p>
-          <a:p>
-            <a:pPr lvl="0"/>
-            <a:r>
-              <a:rPr lang="en-US" dirty="0"/>
-              <a:t>People</a:t>
-            </a:r>
-          </a:p>
-        </p:txBody>
-      </p:sp>
+      </p:pic>
     </p:spTree>
     <p:extLst>
       <p:ext uri="{BB962C8B-B14F-4D97-AF65-F5344CB8AC3E}">

--- a/SEMINAR PROJECT MANAGENMENT.pptx
+++ b/SEMINAR PROJECT MANAGENMENT.pptx
@@ -5,10 +5,10 @@
     <p:sldMasterId id="2147483696" r:id="rId1"/>
   </p:sldMasterIdLst>
   <p:notesMasterIdLst>
-    <p:notesMasterId r:id="rId24"/>
+    <p:notesMasterId r:id="rId48"/>
   </p:notesMasterIdLst>
   <p:handoutMasterIdLst>
-    <p:handoutMasterId r:id="rId25"/>
+    <p:handoutMasterId r:id="rId49"/>
   </p:handoutMasterIdLst>
   <p:sldIdLst>
     <p:sldId id="259" r:id="rId2"/>
@@ -33,6 +33,30 @@
     <p:sldId id="281" r:id="rId21"/>
     <p:sldId id="282" r:id="rId22"/>
     <p:sldId id="283" r:id="rId23"/>
+    <p:sldId id="286" r:id="rId24"/>
+    <p:sldId id="284" r:id="rId25"/>
+    <p:sldId id="285" r:id="rId26"/>
+    <p:sldId id="288" r:id="rId27"/>
+    <p:sldId id="289" r:id="rId28"/>
+    <p:sldId id="290" r:id="rId29"/>
+    <p:sldId id="291" r:id="rId30"/>
+    <p:sldId id="292" r:id="rId31"/>
+    <p:sldId id="293" r:id="rId32"/>
+    <p:sldId id="294" r:id="rId33"/>
+    <p:sldId id="295" r:id="rId34"/>
+    <p:sldId id="300" r:id="rId35"/>
+    <p:sldId id="296" r:id="rId36"/>
+    <p:sldId id="297" r:id="rId37"/>
+    <p:sldId id="298" r:id="rId38"/>
+    <p:sldId id="302" r:id="rId39"/>
+    <p:sldId id="303" r:id="rId40"/>
+    <p:sldId id="304" r:id="rId41"/>
+    <p:sldId id="305" r:id="rId42"/>
+    <p:sldId id="306" r:id="rId43"/>
+    <p:sldId id="307" r:id="rId44"/>
+    <p:sldId id="308" r:id="rId45"/>
+    <p:sldId id="309" r:id="rId46"/>
+    <p:sldId id="310" r:id="rId47"/>
   </p:sldIdLst>
   <p:sldSz cx="12192000" cy="6858000"/>
   <p:notesSz cx="6858000" cy="9144000"/>
@@ -3551,7 +3575,7 @@
           <p:cNvPr id="7" name="Group 6" descr="Shrubs on seashore">
             <a:extLst>
               <a:ext uri="{FF2B5EF4-FFF2-40B4-BE49-F238E27FC236}">
-                <a16:creationId xmlns:a16="http://schemas.microsoft.com/office/drawing/2014/main" id="{32ABC1A6-8856-41D7-BF42-7ED8D4AC1C81}"/>
+                <a16:creationId xmlns:a16="http://schemas.microsoft.com/office/drawing/2014/main" xmlns="" id="{32ABC1A6-8856-41D7-BF42-7ED8D4AC1C81}"/>
               </a:ext>
             </a:extLst>
           </p:cNvPr>
@@ -37650,7 +37674,7 @@
           <p:cNvPr id="2" name="Title 1">
             <a:extLst>
               <a:ext uri="{FF2B5EF4-FFF2-40B4-BE49-F238E27FC236}">
-                <a16:creationId xmlns:a16="http://schemas.microsoft.com/office/drawing/2014/main" id="{60A3032F-5AF9-4605-A9FF-7A2691055D47}"/>
+                <a16:creationId xmlns:a16="http://schemas.microsoft.com/office/drawing/2014/main" xmlns="" id="{60A3032F-5AF9-4605-A9FF-7A2691055D47}"/>
               </a:ext>
             </a:extLst>
           </p:cNvPr>
@@ -37678,7 +37702,7 @@
           <p:cNvPr id="3" name="Content Placeholder 2">
             <a:extLst>
               <a:ext uri="{FF2B5EF4-FFF2-40B4-BE49-F238E27FC236}">
-                <a16:creationId xmlns:a16="http://schemas.microsoft.com/office/drawing/2014/main" id="{E0AA14E8-B8BA-42A3-979B-16D2AEF1E562}"/>
+                <a16:creationId xmlns:a16="http://schemas.microsoft.com/office/drawing/2014/main" xmlns="" id="{E0AA14E8-B8BA-42A3-979B-16D2AEF1E562}"/>
               </a:ext>
             </a:extLst>
           </p:cNvPr>
@@ -37809,7 +37833,7 @@
           <p:cNvPr id="2" name="Title 1">
             <a:extLst>
               <a:ext uri="{FF2B5EF4-FFF2-40B4-BE49-F238E27FC236}">
-                <a16:creationId xmlns:a16="http://schemas.microsoft.com/office/drawing/2014/main" id="{8EE0ED8A-E301-4C5F-9D01-45BE7A7E1540}"/>
+                <a16:creationId xmlns:a16="http://schemas.microsoft.com/office/drawing/2014/main" xmlns="" id="{8EE0ED8A-E301-4C5F-9D01-45BE7A7E1540}"/>
               </a:ext>
             </a:extLst>
           </p:cNvPr>
@@ -37837,7 +37861,7 @@
           <p:cNvPr id="3" name="Content Placeholder 2">
             <a:extLst>
               <a:ext uri="{FF2B5EF4-FFF2-40B4-BE49-F238E27FC236}">
-                <a16:creationId xmlns:a16="http://schemas.microsoft.com/office/drawing/2014/main" id="{8A017090-2EE2-49BA-B03D-E08DEE51873C}"/>
+                <a16:creationId xmlns:a16="http://schemas.microsoft.com/office/drawing/2014/main" xmlns="" id="{8A017090-2EE2-49BA-B03D-E08DEE51873C}"/>
               </a:ext>
             </a:extLst>
           </p:cNvPr>
@@ -37915,7 +37939,7 @@
           <p:cNvPr id="2" name="Title 1">
             <a:extLst>
               <a:ext uri="{FF2B5EF4-FFF2-40B4-BE49-F238E27FC236}">
-                <a16:creationId xmlns:a16="http://schemas.microsoft.com/office/drawing/2014/main" id="{BFE5C49B-0B46-4966-A8EA-EC0713AA9309}"/>
+                <a16:creationId xmlns:a16="http://schemas.microsoft.com/office/drawing/2014/main" xmlns="" id="{BFE5C49B-0B46-4966-A8EA-EC0713AA9309}"/>
               </a:ext>
             </a:extLst>
           </p:cNvPr>
@@ -37943,7 +37967,7 @@
           <p:cNvPr id="3" name="Content Placeholder 2">
             <a:extLst>
               <a:ext uri="{FF2B5EF4-FFF2-40B4-BE49-F238E27FC236}">
-                <a16:creationId xmlns:a16="http://schemas.microsoft.com/office/drawing/2014/main" id="{0D555A8F-4B69-4348-8BE0-3D703279B4A7}"/>
+                <a16:creationId xmlns:a16="http://schemas.microsoft.com/office/drawing/2014/main" xmlns="" id="{0D555A8F-4B69-4348-8BE0-3D703279B4A7}"/>
               </a:ext>
             </a:extLst>
           </p:cNvPr>
@@ -38040,7 +38064,7 @@
           <p:cNvPr id="2" name="Title 1">
             <a:extLst>
               <a:ext uri="{FF2B5EF4-FFF2-40B4-BE49-F238E27FC236}">
-                <a16:creationId xmlns:a16="http://schemas.microsoft.com/office/drawing/2014/main" id="{3A0FA896-1B48-40D9-AE82-EEA7CD2EC20B}"/>
+                <a16:creationId xmlns:a16="http://schemas.microsoft.com/office/drawing/2014/main" xmlns="" id="{3A0FA896-1B48-40D9-AE82-EEA7CD2EC20B}"/>
               </a:ext>
             </a:extLst>
           </p:cNvPr>
@@ -38068,7 +38092,7 @@
           <p:cNvPr id="5" name="Picture 4">
             <a:extLst>
               <a:ext uri="{FF2B5EF4-FFF2-40B4-BE49-F238E27FC236}">
-                <a16:creationId xmlns:a16="http://schemas.microsoft.com/office/drawing/2014/main" id="{4BDEB431-EE99-44C6-AB5F-EE177260D8E8}"/>
+                <a16:creationId xmlns:a16="http://schemas.microsoft.com/office/drawing/2014/main" xmlns="" id="{4BDEB431-EE99-44C6-AB5F-EE177260D8E8}"/>
               </a:ext>
             </a:extLst>
           </p:cNvPr>
@@ -38128,7 +38152,7 @@
           <p:cNvPr id="7" name="Title 6">
             <a:extLst>
               <a:ext uri="{FF2B5EF4-FFF2-40B4-BE49-F238E27FC236}">
-                <a16:creationId xmlns:a16="http://schemas.microsoft.com/office/drawing/2014/main" id="{CFD16207-6C0C-4C03-B32E-1B0D41CEAB55}"/>
+                <a16:creationId xmlns:a16="http://schemas.microsoft.com/office/drawing/2014/main" xmlns="" id="{CFD16207-6C0C-4C03-B32E-1B0D41CEAB55}"/>
               </a:ext>
             </a:extLst>
           </p:cNvPr>
@@ -38156,7 +38180,7 @@
           <p:cNvPr id="8" name="Content Placeholder 7">
             <a:extLst>
               <a:ext uri="{FF2B5EF4-FFF2-40B4-BE49-F238E27FC236}">
-                <a16:creationId xmlns:a16="http://schemas.microsoft.com/office/drawing/2014/main" id="{DBA70078-A79D-4C38-A641-CCD8383F54DA}"/>
+                <a16:creationId xmlns:a16="http://schemas.microsoft.com/office/drawing/2014/main" xmlns="" id="{DBA70078-A79D-4C38-A641-CCD8383F54DA}"/>
               </a:ext>
             </a:extLst>
           </p:cNvPr>
@@ -38234,7 +38258,7 @@
           <p:cNvPr id="2" name="Title 1">
             <a:extLst>
               <a:ext uri="{FF2B5EF4-FFF2-40B4-BE49-F238E27FC236}">
-                <a16:creationId xmlns:a16="http://schemas.microsoft.com/office/drawing/2014/main" id="{AAF3487D-DA55-45D0-A265-DEC106909C5D}"/>
+                <a16:creationId xmlns:a16="http://schemas.microsoft.com/office/drawing/2014/main" xmlns="" id="{AAF3487D-DA55-45D0-A265-DEC106909C5D}"/>
               </a:ext>
             </a:extLst>
           </p:cNvPr>
@@ -38262,7 +38286,7 @@
           <p:cNvPr id="4" name="Content Placeholder 3">
             <a:extLst>
               <a:ext uri="{FF2B5EF4-FFF2-40B4-BE49-F238E27FC236}">
-                <a16:creationId xmlns:a16="http://schemas.microsoft.com/office/drawing/2014/main" id="{DC4ADC4C-F57A-4100-8DE2-4699FDA0C156}"/>
+                <a16:creationId xmlns:a16="http://schemas.microsoft.com/office/drawing/2014/main" xmlns="" id="{DC4ADC4C-F57A-4100-8DE2-4699FDA0C156}"/>
               </a:ext>
             </a:extLst>
           </p:cNvPr>
@@ -38280,7 +38304,7 @@
         </p:nvGraphicFramePr>
         <p:xfrm>
           <a:off x="2057400" y="1960627"/>
-          <a:ext cx="7566660" cy="3193987"/>
+          <a:ext cx="7566660" cy="3217228"/>
         </p:xfrm>
         <a:graphic>
           <a:graphicData uri="http://schemas.openxmlformats.org/drawingml/2006/table">
@@ -38292,14 +38316,14 @@
                 <a:gridCol w="3789142">
                   <a:extLst>
                     <a:ext uri="{9D8B030D-6E8A-4147-A177-3AD203B41FA5}">
-                      <a16:colId xmlns:a16="http://schemas.microsoft.com/office/drawing/2014/main" val="1872366866"/>
+                      <a16:colId xmlns:a16="http://schemas.microsoft.com/office/drawing/2014/main" xmlns="" val="1872366866"/>
                     </a:ext>
                   </a:extLst>
                 </a:gridCol>
                 <a:gridCol w="3777518">
                   <a:extLst>
                     <a:ext uri="{9D8B030D-6E8A-4147-A177-3AD203B41FA5}">
-                      <a16:colId xmlns:a16="http://schemas.microsoft.com/office/drawing/2014/main" val="1432793745"/>
+                      <a16:colId xmlns:a16="http://schemas.microsoft.com/office/drawing/2014/main" xmlns="" val="1432793745"/>
                     </a:ext>
                   </a:extLst>
                 </a:gridCol>
@@ -38371,7 +38395,7 @@
                 </a:tc>
                 <a:extLst>
                   <a:ext uri="{0D108BD9-81ED-4DB2-BD59-A6C34878D82A}">
-                    <a16:rowId xmlns:a16="http://schemas.microsoft.com/office/drawing/2014/main" val="4111070796"/>
+                    <a16:rowId xmlns:a16="http://schemas.microsoft.com/office/drawing/2014/main" xmlns="" val="4111070796"/>
                   </a:ext>
                 </a:extLst>
               </a:tr>
@@ -38498,7 +38522,7 @@
                 </a:tc>
                 <a:extLst>
                   <a:ext uri="{0D108BD9-81ED-4DB2-BD59-A6C34878D82A}">
-                    <a16:rowId xmlns:a16="http://schemas.microsoft.com/office/drawing/2014/main" val="1157659401"/>
+                    <a16:rowId xmlns:a16="http://schemas.microsoft.com/office/drawing/2014/main" xmlns="" val="1157659401"/>
                   </a:ext>
                 </a:extLst>
               </a:tr>
@@ -38625,7 +38649,7 @@
                 </a:tc>
                 <a:extLst>
                   <a:ext uri="{0D108BD9-81ED-4DB2-BD59-A6C34878D82A}">
-                    <a16:rowId xmlns:a16="http://schemas.microsoft.com/office/drawing/2014/main" val="3854350339"/>
+                    <a16:rowId xmlns:a16="http://schemas.microsoft.com/office/drawing/2014/main" xmlns="" val="3854350339"/>
                   </a:ext>
                 </a:extLst>
               </a:tr>
@@ -38727,7 +38751,7 @@
                 </a:tc>
                 <a:extLst>
                   <a:ext uri="{0D108BD9-81ED-4DB2-BD59-A6C34878D82A}">
-                    <a16:rowId xmlns:a16="http://schemas.microsoft.com/office/drawing/2014/main" val="818746946"/>
+                    <a16:rowId xmlns:a16="http://schemas.microsoft.com/office/drawing/2014/main" xmlns="" val="818746946"/>
                   </a:ext>
                 </a:extLst>
               </a:tr>
@@ -38770,7 +38794,7 @@
           <p:cNvPr id="2" name="Title 1">
             <a:extLst>
               <a:ext uri="{FF2B5EF4-FFF2-40B4-BE49-F238E27FC236}">
-                <a16:creationId xmlns:a16="http://schemas.microsoft.com/office/drawing/2014/main" id="{5DA6D9FD-E6EE-4F33-97AE-69A280152054}"/>
+                <a16:creationId xmlns:a16="http://schemas.microsoft.com/office/drawing/2014/main" xmlns="" id="{5DA6D9FD-E6EE-4F33-97AE-69A280152054}"/>
               </a:ext>
             </a:extLst>
           </p:cNvPr>
@@ -38798,7 +38822,7 @@
           <p:cNvPr id="3" name="Content Placeholder 2">
             <a:extLst>
               <a:ext uri="{FF2B5EF4-FFF2-40B4-BE49-F238E27FC236}">
-                <a16:creationId xmlns:a16="http://schemas.microsoft.com/office/drawing/2014/main" id="{5E49514A-A27B-4E67-8B29-080ABAB40CB4}"/>
+                <a16:creationId xmlns:a16="http://schemas.microsoft.com/office/drawing/2014/main" xmlns="" id="{5E49514A-A27B-4E67-8B29-080ABAB40CB4}"/>
               </a:ext>
             </a:extLst>
           </p:cNvPr>
@@ -38861,7 +38885,7 @@
           <p:cNvPr id="2" name="Title 1">
             <a:extLst>
               <a:ext uri="{FF2B5EF4-FFF2-40B4-BE49-F238E27FC236}">
-                <a16:creationId xmlns:a16="http://schemas.microsoft.com/office/drawing/2014/main" id="{EFEFBA1F-00CD-4B90-B7C1-FF4E6A242CA3}"/>
+                <a16:creationId xmlns:a16="http://schemas.microsoft.com/office/drawing/2014/main" xmlns="" id="{EFEFBA1F-00CD-4B90-B7C1-FF4E6A242CA3}"/>
               </a:ext>
             </a:extLst>
           </p:cNvPr>
@@ -38889,7 +38913,7 @@
           <p:cNvPr id="3" name="Content Placeholder 2">
             <a:extLst>
               <a:ext uri="{FF2B5EF4-FFF2-40B4-BE49-F238E27FC236}">
-                <a16:creationId xmlns:a16="http://schemas.microsoft.com/office/drawing/2014/main" id="{B09139E6-136D-47C6-8870-0AA416D4457E}"/>
+                <a16:creationId xmlns:a16="http://schemas.microsoft.com/office/drawing/2014/main" xmlns="" id="{B09139E6-136D-47C6-8870-0AA416D4457E}"/>
               </a:ext>
             </a:extLst>
           </p:cNvPr>
@@ -38982,7 +39006,7 @@
           <p:cNvPr id="2" name="Title 1">
             <a:extLst>
               <a:ext uri="{FF2B5EF4-FFF2-40B4-BE49-F238E27FC236}">
-                <a16:creationId xmlns:a16="http://schemas.microsoft.com/office/drawing/2014/main" id="{698680FB-35CD-40A1-A23B-02902A2F9A75}"/>
+                <a16:creationId xmlns:a16="http://schemas.microsoft.com/office/drawing/2014/main" xmlns="" id="{698680FB-35CD-40A1-A23B-02902A2F9A75}"/>
               </a:ext>
             </a:extLst>
           </p:cNvPr>
@@ -39010,7 +39034,7 @@
           <p:cNvPr id="5" name="Content Placeholder 4">
             <a:extLst>
               <a:ext uri="{FF2B5EF4-FFF2-40B4-BE49-F238E27FC236}">
-                <a16:creationId xmlns:a16="http://schemas.microsoft.com/office/drawing/2014/main" id="{13D6317E-A779-44FB-8E12-9583114BE072}"/>
+                <a16:creationId xmlns:a16="http://schemas.microsoft.com/office/drawing/2014/main" xmlns="" id="{13D6317E-A779-44FB-8E12-9583114BE072}"/>
               </a:ext>
             </a:extLst>
           </p:cNvPr>
@@ -39069,7 +39093,7 @@
           <p:cNvPr id="2" name="Title 1">
             <a:extLst>
               <a:ext uri="{FF2B5EF4-FFF2-40B4-BE49-F238E27FC236}">
-                <a16:creationId xmlns:a16="http://schemas.microsoft.com/office/drawing/2014/main" id="{6176A1BA-13A3-42BF-869F-979F92570806}"/>
+                <a16:creationId xmlns:a16="http://schemas.microsoft.com/office/drawing/2014/main" xmlns="" id="{6176A1BA-13A3-42BF-869F-979F92570806}"/>
               </a:ext>
             </a:extLst>
           </p:cNvPr>
@@ -39097,7 +39121,7 @@
           <p:cNvPr id="3" name="Content Placeholder 2">
             <a:extLst>
               <a:ext uri="{FF2B5EF4-FFF2-40B4-BE49-F238E27FC236}">
-                <a16:creationId xmlns:a16="http://schemas.microsoft.com/office/drawing/2014/main" id="{01378B80-6ABF-4910-A55A-E6CD2B15FBAE}"/>
+                <a16:creationId xmlns:a16="http://schemas.microsoft.com/office/drawing/2014/main" xmlns="" id="{01378B80-6ABF-4910-A55A-E6CD2B15FBAE}"/>
               </a:ext>
             </a:extLst>
           </p:cNvPr>
@@ -39323,7 +39347,7 @@
           <p:cNvPr id="2" name="Title 1">
             <a:extLst>
               <a:ext uri="{FF2B5EF4-FFF2-40B4-BE49-F238E27FC236}">
-                <a16:creationId xmlns:a16="http://schemas.microsoft.com/office/drawing/2014/main" id="{DC6E8865-6CC3-4653-9261-D6BE59018291}"/>
+                <a16:creationId xmlns:a16="http://schemas.microsoft.com/office/drawing/2014/main" xmlns="" id="{DC6E8865-6CC3-4653-9261-D6BE59018291}"/>
               </a:ext>
             </a:extLst>
           </p:cNvPr>
@@ -39351,7 +39375,7 @@
           <p:cNvPr id="3" name="Content Placeholder 2">
             <a:extLst>
               <a:ext uri="{FF2B5EF4-FFF2-40B4-BE49-F238E27FC236}">
-                <a16:creationId xmlns:a16="http://schemas.microsoft.com/office/drawing/2014/main" id="{AB6A57D8-FAFC-4A9F-91C5-25A3758FBAC8}"/>
+                <a16:creationId xmlns:a16="http://schemas.microsoft.com/office/drawing/2014/main" xmlns="" id="{AB6A57D8-FAFC-4A9F-91C5-25A3758FBAC8}"/>
               </a:ext>
             </a:extLst>
           </p:cNvPr>
@@ -39441,7 +39465,7 @@
           <p:cNvPr id="2" name="Title 1">
             <a:extLst>
               <a:ext uri="{FF2B5EF4-FFF2-40B4-BE49-F238E27FC236}">
-                <a16:creationId xmlns:a16="http://schemas.microsoft.com/office/drawing/2014/main" id="{CD44C8EA-4DC5-4702-84EF-C21AC41BBE91}"/>
+                <a16:creationId xmlns:a16="http://schemas.microsoft.com/office/drawing/2014/main" xmlns="" id="{CD44C8EA-4DC5-4702-84EF-C21AC41BBE91}"/>
               </a:ext>
             </a:extLst>
           </p:cNvPr>
@@ -39469,7 +39493,7 @@
           <p:cNvPr id="3" name="Content Placeholder 2">
             <a:extLst>
               <a:ext uri="{FF2B5EF4-FFF2-40B4-BE49-F238E27FC236}">
-                <a16:creationId xmlns:a16="http://schemas.microsoft.com/office/drawing/2014/main" id="{E5C7DED5-3903-4A10-84A9-6443C79ECB2D}"/>
+                <a16:creationId xmlns:a16="http://schemas.microsoft.com/office/drawing/2014/main" xmlns="" id="{E5C7DED5-3903-4A10-84A9-6443C79ECB2D}"/>
               </a:ext>
             </a:extLst>
           </p:cNvPr>
@@ -39586,7 +39610,7 @@
           <p:cNvPr id="2" name="Title 1">
             <a:extLst>
               <a:ext uri="{FF2B5EF4-FFF2-40B4-BE49-F238E27FC236}">
-                <a16:creationId xmlns:a16="http://schemas.microsoft.com/office/drawing/2014/main" id="{04B2F0A5-F01F-4193-850C-E6E8BAEEFE0A}"/>
+                <a16:creationId xmlns:a16="http://schemas.microsoft.com/office/drawing/2014/main" xmlns="" id="{04B2F0A5-F01F-4193-850C-E6E8BAEEFE0A}"/>
               </a:ext>
             </a:extLst>
           </p:cNvPr>
@@ -39614,7 +39638,7 @@
           <p:cNvPr id="3" name="Content Placeholder 2">
             <a:extLst>
               <a:ext uri="{FF2B5EF4-FFF2-40B4-BE49-F238E27FC236}">
-                <a16:creationId xmlns:a16="http://schemas.microsoft.com/office/drawing/2014/main" id="{D92F516D-601D-48D4-BE8A-824C0723C62F}"/>
+                <a16:creationId xmlns:a16="http://schemas.microsoft.com/office/drawing/2014/main" xmlns="" id="{D92F516D-601D-48D4-BE8A-824C0723C62F}"/>
               </a:ext>
             </a:extLst>
           </p:cNvPr>
@@ -39735,6 +39759,2400 @@
 </p:sld>
 </file>
 
+<file path=ppt/slides/slide23.xml><?xml version="1.0" encoding="utf-8"?>
+<p:sld xmlns:a="http://schemas.openxmlformats.org/drawingml/2006/main" xmlns:r="http://schemas.openxmlformats.org/officeDocument/2006/relationships" xmlns:p="http://schemas.openxmlformats.org/presentationml/2006/main">
+  <p:cSld>
+    <p:spTree>
+      <p:nvGrpSpPr>
+        <p:cNvPr id="1" name=""/>
+        <p:cNvGrpSpPr/>
+        <p:nvPr/>
+      </p:nvGrpSpPr>
+      <p:grpSpPr>
+        <a:xfrm>
+          <a:off x="0" y="0"/>
+          <a:ext cx="0" cy="0"/>
+          <a:chOff x="0" y="0"/>
+          <a:chExt cx="0" cy="0"/>
+        </a:xfrm>
+      </p:grpSpPr>
+      <p:sp>
+        <p:nvSpPr>
+          <p:cNvPr id="2" name="Title 1"/>
+          <p:cNvSpPr>
+            <a:spLocks noGrp="1"/>
+          </p:cNvSpPr>
+          <p:nvPr>
+            <p:ph type="title"/>
+          </p:nvPr>
+        </p:nvSpPr>
+        <p:spPr/>
+        <p:txBody>
+          <a:bodyPr/>
+          <a:lstStyle/>
+          <a:p>
+            <a:r>
+              <a:rPr lang="en-US" dirty="0">
+                <a:effectLst>
+                  <a:outerShdw blurRad="38100" dist="38100" dir="2700000" algn="tl">
+                    <a:srgbClr val="000000">
+                      <a:alpha val="43137"/>
+                    </a:srgbClr>
+                  </a:outerShdw>
+                </a:effectLst>
+              </a:rPr>
+              <a:t>Risk Analysis</a:t>
+            </a:r>
+            <a:endParaRPr lang="en-US" dirty="0"/>
+          </a:p>
+        </p:txBody>
+      </p:sp>
+      <p:sp>
+        <p:nvSpPr>
+          <p:cNvPr id="3" name="Content Placeholder 2"/>
+          <p:cNvSpPr>
+            <a:spLocks noGrp="1"/>
+          </p:cNvSpPr>
+          <p:nvPr>
+            <p:ph idx="1"/>
+          </p:nvPr>
+        </p:nvSpPr>
+        <p:spPr/>
+        <p:txBody>
+          <a:bodyPr/>
+          <a:lstStyle/>
+          <a:p>
+            <a:pPr>
+              <a:buFont typeface="Courier New" panose="02070309020205020404" pitchFamily="49" charset="0"/>
+              <a:buChar char="o"/>
+            </a:pPr>
+            <a:r>
+              <a:rPr lang="en-US" b="1" dirty="0"/>
+              <a:t>What is Risk Analysis?</a:t>
+            </a:r>
+          </a:p>
+          <a:p>
+            <a:r>
+              <a:rPr lang="en-US" dirty="0" smtClean="0"/>
+              <a:t> Once </a:t>
+            </a:r>
+            <a:r>
+              <a:rPr lang="en-US" dirty="0"/>
+              <a:t>you have identified the risks that could affect your project, you need to determine which ones you will spend time and money on.</a:t>
+            </a:r>
+          </a:p>
+          <a:p>
+            <a:r>
+              <a:rPr lang="en-US" b="1" dirty="0" smtClean="0"/>
+              <a:t> Risk </a:t>
+            </a:r>
+            <a:r>
+              <a:rPr lang="en-US" b="1" dirty="0"/>
+              <a:t>analysis</a:t>
+            </a:r>
+            <a:r>
+              <a:rPr lang="en-US" dirty="0"/>
+              <a:t> is the process of prioritizing risks based on the </a:t>
+            </a:r>
+            <a:r>
+              <a:rPr lang="en-US" i="1" dirty="0"/>
+              <a:t>probability</a:t>
+            </a:r>
+            <a:r>
+              <a:rPr lang="en-US" dirty="0"/>
+              <a:t> of the risk occurring and the </a:t>
+            </a:r>
+            <a:r>
+              <a:rPr lang="en-US" i="1" dirty="0"/>
+              <a:t>impact</a:t>
+            </a:r>
+            <a:r>
+              <a:rPr lang="en-US" dirty="0"/>
+              <a:t> it would have on the project.</a:t>
+            </a:r>
+          </a:p>
+          <a:p>
+            <a:endParaRPr lang="en-US" dirty="0"/>
+          </a:p>
+        </p:txBody>
+      </p:sp>
+      <p:pic>
+        <p:nvPicPr>
+          <p:cNvPr id="4" name="Picture 3" descr="https://www.project-management-skills.com/images/xqualitative-risk-analysis.jpg.pagespeed.ic.vUVvm0MPuJ.jpg"/>
+          <p:cNvPicPr/>
+          <p:nvPr/>
+        </p:nvPicPr>
+        <p:blipFill>
+          <a:blip r:embed="rId2">
+            <a:extLst>
+              <a:ext uri="{28A0092B-C50C-407E-A947-70E740481C1C}">
+                <a14:useLocalDpi xmlns:a14="http://schemas.microsoft.com/office/drawing/2010/main" val="0"/>
+              </a:ext>
+            </a:extLst>
+          </a:blip>
+          <a:srcRect/>
+          <a:stretch>
+            <a:fillRect/>
+          </a:stretch>
+        </p:blipFill>
+        <p:spPr bwMode="auto">
+          <a:xfrm>
+            <a:off x="4905375" y="4075113"/>
+            <a:ext cx="2381250" cy="2381250"/>
+          </a:xfrm>
+          <a:prstGeom prst="rect">
+            <a:avLst/>
+          </a:prstGeom>
+          <a:noFill/>
+          <a:ln>
+            <a:noFill/>
+          </a:ln>
+        </p:spPr>
+      </p:pic>
+    </p:spTree>
+    <p:extLst>
+      <p:ext uri="{BB962C8B-B14F-4D97-AF65-F5344CB8AC3E}">
+        <p14:creationId xmlns:p14="http://schemas.microsoft.com/office/powerpoint/2010/main" val="3641467534"/>
+      </p:ext>
+    </p:extLst>
+  </p:cSld>
+  <p:clrMapOvr>
+    <a:masterClrMapping/>
+  </p:clrMapOvr>
+</p:sld>
+</file>
+
+<file path=ppt/slides/slide24.xml><?xml version="1.0" encoding="utf-8"?>
+<p:sld xmlns:a="http://schemas.openxmlformats.org/drawingml/2006/main" xmlns:r="http://schemas.openxmlformats.org/officeDocument/2006/relationships" xmlns:p="http://schemas.openxmlformats.org/presentationml/2006/main">
+  <p:cSld>
+    <p:spTree>
+      <p:nvGrpSpPr>
+        <p:cNvPr id="1" name=""/>
+        <p:cNvGrpSpPr/>
+        <p:nvPr/>
+      </p:nvGrpSpPr>
+      <p:grpSpPr>
+        <a:xfrm>
+          <a:off x="0" y="0"/>
+          <a:ext cx="0" cy="0"/>
+          <a:chOff x="0" y="0"/>
+          <a:chExt cx="0" cy="0"/>
+        </a:xfrm>
+      </p:grpSpPr>
+      <p:sp>
+        <p:nvSpPr>
+          <p:cNvPr id="2" name="Title 1"/>
+          <p:cNvSpPr>
+            <a:spLocks noGrp="1"/>
+          </p:cNvSpPr>
+          <p:nvPr>
+            <p:ph type="title"/>
+          </p:nvPr>
+        </p:nvSpPr>
+        <p:spPr/>
+        <p:txBody>
+          <a:bodyPr/>
+          <a:lstStyle/>
+          <a:p>
+            <a:r>
+              <a:rPr lang="en-US" dirty="0">
+                <a:effectLst>
+                  <a:outerShdw blurRad="38100" dist="38100" dir="2700000" algn="tl">
+                    <a:srgbClr val="000000">
+                      <a:alpha val="43137"/>
+                    </a:srgbClr>
+                  </a:outerShdw>
+                </a:effectLst>
+              </a:rPr>
+              <a:t>Risk </a:t>
+            </a:r>
+            <a:r>
+              <a:rPr lang="en-US" dirty="0" smtClean="0">
+                <a:effectLst>
+                  <a:outerShdw blurRad="38100" dist="38100" dir="2700000" algn="tl">
+                    <a:srgbClr val="000000">
+                      <a:alpha val="43137"/>
+                    </a:srgbClr>
+                  </a:outerShdw>
+                </a:effectLst>
+              </a:rPr>
+              <a:t>Analysis</a:t>
+            </a:r>
+            <a:endParaRPr lang="en-US" dirty="0">
+              <a:effectLst>
+                <a:outerShdw blurRad="38100" dist="38100" dir="2700000" algn="tl">
+                  <a:srgbClr val="000000">
+                    <a:alpha val="43137"/>
+                  </a:srgbClr>
+                </a:outerShdw>
+              </a:effectLst>
+            </a:endParaRPr>
+          </a:p>
+        </p:txBody>
+      </p:sp>
+      <p:sp>
+        <p:nvSpPr>
+          <p:cNvPr id="3" name="Content Placeholder 2"/>
+          <p:cNvSpPr>
+            <a:spLocks noGrp="1"/>
+          </p:cNvSpPr>
+          <p:nvPr>
+            <p:ph idx="1"/>
+          </p:nvPr>
+        </p:nvSpPr>
+        <p:spPr/>
+        <p:txBody>
+          <a:bodyPr>
+            <a:normAutofit/>
+          </a:bodyPr>
+          <a:lstStyle/>
+          <a:p>
+            <a:pPr lvl="1"/>
+            <a:r>
+              <a:rPr lang="en-US" sz="2400" dirty="0"/>
+              <a:t>There are two primary methods of risk analysis you can use on your project</a:t>
+            </a:r>
+            <a:endParaRPr lang="en-US" sz="2400" b="1" i="1" dirty="0" smtClean="0"/>
+          </a:p>
+          <a:p>
+            <a:pPr lvl="1">
+              <a:buFont typeface="Arial" panose="020B0604020202020204" pitchFamily="34" charset="0"/>
+              <a:buChar char="•"/>
+            </a:pPr>
+            <a:r>
+              <a:rPr lang="en-US" sz="2400" b="1" i="1" dirty="0" smtClean="0"/>
+              <a:t>Quantitative </a:t>
+            </a:r>
+            <a:r>
+              <a:rPr lang="en-US" sz="2400" b="1" i="1" dirty="0"/>
+              <a:t>Risk </a:t>
+            </a:r>
+            <a:r>
+              <a:rPr lang="en-US" sz="2400" b="1" i="1" dirty="0" smtClean="0"/>
+              <a:t>Analysis</a:t>
+            </a:r>
+            <a:endParaRPr lang="en-US" sz="2400" dirty="0" smtClean="0"/>
+          </a:p>
+          <a:p>
+            <a:pPr lvl="1">
+              <a:buFont typeface="Arial" panose="020B0604020202020204" pitchFamily="34" charset="0"/>
+              <a:buChar char="•"/>
+            </a:pPr>
+            <a:r>
+              <a:rPr lang="en-US" sz="2400" b="1" i="1" dirty="0" smtClean="0"/>
+              <a:t>Qualitative </a:t>
+            </a:r>
+            <a:r>
+              <a:rPr lang="en-US" sz="2400" b="1" i="1" dirty="0"/>
+              <a:t>Risk Analysis</a:t>
+            </a:r>
+            <a:endParaRPr lang="en-US" sz="2400" b="1" i="1" dirty="0" smtClean="0"/>
+          </a:p>
+        </p:txBody>
+      </p:sp>
+    </p:spTree>
+    <p:extLst>
+      <p:ext uri="{BB962C8B-B14F-4D97-AF65-F5344CB8AC3E}">
+        <p14:creationId xmlns:p14="http://schemas.microsoft.com/office/powerpoint/2010/main" val="3017377863"/>
+      </p:ext>
+    </p:extLst>
+  </p:cSld>
+  <p:clrMapOvr>
+    <a:masterClrMapping/>
+  </p:clrMapOvr>
+</p:sld>
+</file>
+
+<file path=ppt/slides/slide25.xml><?xml version="1.0" encoding="utf-8"?>
+<p:sld xmlns:a="http://schemas.openxmlformats.org/drawingml/2006/main" xmlns:r="http://schemas.openxmlformats.org/officeDocument/2006/relationships" xmlns:p="http://schemas.openxmlformats.org/presentationml/2006/main">
+  <p:cSld>
+    <p:spTree>
+      <p:nvGrpSpPr>
+        <p:cNvPr id="1" name=""/>
+        <p:cNvGrpSpPr/>
+        <p:nvPr/>
+      </p:nvGrpSpPr>
+      <p:grpSpPr>
+        <a:xfrm>
+          <a:off x="0" y="0"/>
+          <a:ext cx="0" cy="0"/>
+          <a:chOff x="0" y="0"/>
+          <a:chExt cx="0" cy="0"/>
+        </a:xfrm>
+      </p:grpSpPr>
+      <p:sp>
+        <p:nvSpPr>
+          <p:cNvPr id="2" name="Title 1"/>
+          <p:cNvSpPr>
+            <a:spLocks noGrp="1"/>
+          </p:cNvSpPr>
+          <p:nvPr>
+            <p:ph type="title"/>
+          </p:nvPr>
+        </p:nvSpPr>
+        <p:spPr/>
+        <p:txBody>
+          <a:bodyPr/>
+          <a:lstStyle/>
+          <a:p>
+            <a:r>
+              <a:rPr lang="en-US" dirty="0"/>
+              <a:t>Quantitative Risk Analysis</a:t>
+            </a:r>
+          </a:p>
+        </p:txBody>
+      </p:sp>
+      <p:sp>
+        <p:nvSpPr>
+          <p:cNvPr id="3" name="Content Placeholder 2"/>
+          <p:cNvSpPr>
+            <a:spLocks noGrp="1"/>
+          </p:cNvSpPr>
+          <p:nvPr>
+            <p:ph idx="1"/>
+          </p:nvPr>
+        </p:nvSpPr>
+        <p:spPr/>
+        <p:txBody>
+          <a:bodyPr/>
+          <a:lstStyle/>
+          <a:p>
+            <a:r>
+              <a:rPr lang="en-US" b="1" dirty="0"/>
+              <a:t>Qualitative risk analysis</a:t>
+            </a:r>
+            <a:r>
+              <a:rPr lang="en-US" dirty="0"/>
+              <a:t> is a technique used to quantify risk associated with a particular hazard. Risk assessment is used for uncertain events that could have many outcomes and for which there could be significant consequences</a:t>
+            </a:r>
+            <a:r>
+              <a:rPr lang="en-US" dirty="0" smtClean="0"/>
+              <a:t>.</a:t>
+            </a:r>
+          </a:p>
+          <a:p>
+            <a:endParaRPr lang="en-US" dirty="0"/>
+          </a:p>
+        </p:txBody>
+      </p:sp>
+    </p:spTree>
+    <p:extLst>
+      <p:ext uri="{BB962C8B-B14F-4D97-AF65-F5344CB8AC3E}">
+        <p14:creationId xmlns:p14="http://schemas.microsoft.com/office/powerpoint/2010/main" val="4220148381"/>
+      </p:ext>
+    </p:extLst>
+  </p:cSld>
+  <p:clrMapOvr>
+    <a:masterClrMapping/>
+  </p:clrMapOvr>
+</p:sld>
+</file>
+
+<file path=ppt/slides/slide26.xml><?xml version="1.0" encoding="utf-8"?>
+<p:sld xmlns:a="http://schemas.openxmlformats.org/drawingml/2006/main" xmlns:r="http://schemas.openxmlformats.org/officeDocument/2006/relationships" xmlns:p="http://schemas.openxmlformats.org/presentationml/2006/main">
+  <p:cSld>
+    <p:spTree>
+      <p:nvGrpSpPr>
+        <p:cNvPr id="1" name=""/>
+        <p:cNvGrpSpPr/>
+        <p:nvPr/>
+      </p:nvGrpSpPr>
+      <p:grpSpPr>
+        <a:xfrm>
+          <a:off x="0" y="0"/>
+          <a:ext cx="0" cy="0"/>
+          <a:chOff x="0" y="0"/>
+          <a:chExt cx="0" cy="0"/>
+        </a:xfrm>
+      </p:grpSpPr>
+      <p:sp>
+        <p:nvSpPr>
+          <p:cNvPr id="2" name="Title 1"/>
+          <p:cNvSpPr>
+            <a:spLocks noGrp="1"/>
+          </p:cNvSpPr>
+          <p:nvPr>
+            <p:ph type="title"/>
+          </p:nvPr>
+        </p:nvSpPr>
+        <p:spPr/>
+        <p:txBody>
+          <a:bodyPr/>
+          <a:lstStyle/>
+          <a:p>
+            <a:r>
+              <a:rPr lang="en-US" dirty="0">
+                <a:effectLst>
+                  <a:outerShdw blurRad="38100" dist="38100" dir="2700000" algn="tl">
+                    <a:srgbClr val="000000">
+                      <a:alpha val="43137"/>
+                    </a:srgbClr>
+                  </a:outerShdw>
+                </a:effectLst>
+              </a:rPr>
+              <a:t>The Risk Assessment </a:t>
+            </a:r>
+            <a:r>
+              <a:rPr lang="en-US" dirty="0" smtClean="0">
+                <a:effectLst>
+                  <a:outerShdw blurRad="38100" dist="38100" dir="2700000" algn="tl">
+                    <a:srgbClr val="000000">
+                      <a:alpha val="43137"/>
+                    </a:srgbClr>
+                  </a:outerShdw>
+                </a:effectLst>
+              </a:rPr>
+              <a:t>Matrix</a:t>
+            </a:r>
+            <a:endParaRPr lang="en-US" dirty="0">
+              <a:effectLst>
+                <a:outerShdw blurRad="38100" dist="38100" dir="2700000" algn="tl">
+                  <a:srgbClr val="000000">
+                    <a:alpha val="43137"/>
+                  </a:srgbClr>
+                </a:outerShdw>
+              </a:effectLst>
+            </a:endParaRPr>
+          </a:p>
+        </p:txBody>
+      </p:sp>
+      <p:sp>
+        <p:nvSpPr>
+          <p:cNvPr id="3" name="Content Placeholder 2"/>
+          <p:cNvSpPr>
+            <a:spLocks noGrp="1"/>
+          </p:cNvSpPr>
+          <p:nvPr>
+            <p:ph idx="1"/>
+          </p:nvPr>
+        </p:nvSpPr>
+        <p:spPr/>
+        <p:txBody>
+          <a:bodyPr/>
+          <a:lstStyle/>
+          <a:p>
+            <a:r>
+              <a:rPr lang="en-US" dirty="0"/>
+              <a:t>A </a:t>
+            </a:r>
+            <a:r>
+              <a:rPr lang="en-US" b="1" dirty="0"/>
+              <a:t>Risk Assessment Matrix</a:t>
+            </a:r>
+            <a:r>
+              <a:rPr lang="en-US" dirty="0"/>
+              <a:t> (RAM) is a tool to help you determine which risks you need to develop a risk response for.</a:t>
+            </a:r>
+          </a:p>
+          <a:p>
+            <a:r>
+              <a:rPr lang="en-US" dirty="0"/>
+              <a:t>The first step in developing a RAM is to define the rating scales for likelihood and impact.</a:t>
+            </a:r>
+          </a:p>
+          <a:p>
+            <a:r>
+              <a:rPr lang="en-US" dirty="0"/>
+              <a:t>In a qualitative analysis, likelihood or probability is measured using a relative scale. Here's an example </a:t>
+            </a:r>
+            <a:r>
+              <a:rPr lang="en-US" b="1" dirty="0"/>
+              <a:t>Likelihood Scale</a:t>
+            </a:r>
+            <a:r>
+              <a:rPr lang="en-US" dirty="0"/>
+              <a:t> definition...</a:t>
+            </a:r>
+          </a:p>
+          <a:p>
+            <a:endParaRPr lang="en-US" dirty="0"/>
+          </a:p>
+        </p:txBody>
+      </p:sp>
+      <p:graphicFrame>
+        <p:nvGraphicFramePr>
+          <p:cNvPr id="4" name="Table 3"/>
+          <p:cNvGraphicFramePr>
+            <a:graphicFrameLocks noGrp="1"/>
+          </p:cNvGraphicFramePr>
+          <p:nvPr>
+            <p:extLst>
+              <p:ext uri="{D42A27DB-BD31-4B8C-83A1-F6EECF244321}">
+                <p14:modId xmlns:p14="http://schemas.microsoft.com/office/powerpoint/2010/main" val="3251368291"/>
+              </p:ext>
+            </p:extLst>
+          </p:nvPr>
+        </p:nvGraphicFramePr>
+        <p:xfrm>
+          <a:off x="1326524" y="4383537"/>
+          <a:ext cx="9247031" cy="1764402"/>
+        </p:xfrm>
+        <a:graphic>
+          <a:graphicData uri="http://schemas.openxmlformats.org/drawingml/2006/table">
+            <a:tbl>
+              <a:tblPr firstRow="1" firstCol="1" bandRow="1">
+                <a:tableStyleId>{5DA37D80-6434-44D0-A028-1B22A696006F}</a:tableStyleId>
+              </a:tblPr>
+              <a:tblGrid>
+                <a:gridCol w="873652"/>
+                <a:gridCol w="1339741"/>
+                <a:gridCol w="7033638"/>
+              </a:tblGrid>
+              <a:tr h="316027">
+                <a:tc>
+                  <a:txBody>
+                    <a:bodyPr/>
+                    <a:lstStyle/>
+                    <a:p>
+                      <a:pPr marL="0" marR="0" algn="ctr">
+                        <a:lnSpc>
+                          <a:spcPct val="107000"/>
+                        </a:lnSpc>
+                        <a:spcBef>
+                          <a:spcPts val="1200"/>
+                        </a:spcBef>
+                        <a:spcAft>
+                          <a:spcPts val="300"/>
+                        </a:spcAft>
+                      </a:pPr>
+                      <a:r>
+                        <a:rPr lang="en-US" sz="1200" cap="all" spc="120">
+                          <a:effectLst/>
+                        </a:rPr>
+                        <a:t>RATING</a:t>
+                      </a:r>
+                      <a:endParaRPr lang="en-US" sz="1100" b="1" i="1">
+                        <a:solidFill>
+                          <a:srgbClr val="2E74B5"/>
+                        </a:solidFill>
+                        <a:effectLst/>
+                        <a:latin typeface="Calibri" panose="020F0502020204030204" pitchFamily="34" charset="0"/>
+                        <a:ea typeface="Times New Roman" panose="02020603050405020304" pitchFamily="18" charset="0"/>
+                        <a:cs typeface="Times New Roman" panose="02020603050405020304" pitchFamily="18" charset="0"/>
+                      </a:endParaRPr>
+                    </a:p>
+                  </a:txBody>
+                  <a:tcPr marL="0" marR="0" marT="0" marB="0"/>
+                </a:tc>
+                <a:tc>
+                  <a:txBody>
+                    <a:bodyPr/>
+                    <a:lstStyle/>
+                    <a:p>
+                      <a:pPr marL="0" marR="0" algn="ctr">
+                        <a:lnSpc>
+                          <a:spcPct val="107000"/>
+                        </a:lnSpc>
+                        <a:spcBef>
+                          <a:spcPts val="1200"/>
+                        </a:spcBef>
+                        <a:spcAft>
+                          <a:spcPts val="300"/>
+                        </a:spcAft>
+                      </a:pPr>
+                      <a:r>
+                        <a:rPr lang="en-US" sz="1200" cap="all" spc="120">
+                          <a:effectLst/>
+                        </a:rPr>
+                        <a:t>LIKELIHOOD</a:t>
+                      </a:r>
+                      <a:endParaRPr lang="en-US" sz="1100" b="1" i="1">
+                        <a:solidFill>
+                          <a:srgbClr val="2E74B5"/>
+                        </a:solidFill>
+                        <a:effectLst/>
+                        <a:latin typeface="Calibri" panose="020F0502020204030204" pitchFamily="34" charset="0"/>
+                        <a:ea typeface="Times New Roman" panose="02020603050405020304" pitchFamily="18" charset="0"/>
+                        <a:cs typeface="Times New Roman" panose="02020603050405020304" pitchFamily="18" charset="0"/>
+                      </a:endParaRPr>
+                    </a:p>
+                  </a:txBody>
+                  <a:tcPr marL="0" marR="0" marT="0" marB="0"/>
+                </a:tc>
+                <a:tc>
+                  <a:txBody>
+                    <a:bodyPr/>
+                    <a:lstStyle/>
+                    <a:p>
+                      <a:pPr marL="0" marR="0" algn="ctr">
+                        <a:lnSpc>
+                          <a:spcPct val="107000"/>
+                        </a:lnSpc>
+                        <a:spcBef>
+                          <a:spcPts val="1200"/>
+                        </a:spcBef>
+                        <a:spcAft>
+                          <a:spcPts val="300"/>
+                        </a:spcAft>
+                      </a:pPr>
+                      <a:r>
+                        <a:rPr lang="en-US" sz="1200" cap="all" spc="120">
+                          <a:effectLst/>
+                        </a:rPr>
+                        <a:t>DESCRIPTION</a:t>
+                      </a:r>
+                      <a:endParaRPr lang="en-US" sz="1100" b="1" i="1">
+                        <a:solidFill>
+                          <a:srgbClr val="2E74B5"/>
+                        </a:solidFill>
+                        <a:effectLst/>
+                        <a:latin typeface="Calibri" panose="020F0502020204030204" pitchFamily="34" charset="0"/>
+                        <a:ea typeface="Times New Roman" panose="02020603050405020304" pitchFamily="18" charset="0"/>
+                        <a:cs typeface="Times New Roman" panose="02020603050405020304" pitchFamily="18" charset="0"/>
+                      </a:endParaRPr>
+                    </a:p>
+                  </a:txBody>
+                  <a:tcPr marL="0" marR="0" marT="0" marB="0"/>
+                </a:tc>
+              </a:tr>
+              <a:tr h="289675">
+                <a:tc>
+                  <a:txBody>
+                    <a:bodyPr/>
+                    <a:lstStyle/>
+                    <a:p>
+                      <a:pPr marL="0" marR="0" algn="ctr">
+                        <a:lnSpc>
+                          <a:spcPct val="107000"/>
+                        </a:lnSpc>
+                        <a:spcBef>
+                          <a:spcPts val="1200"/>
+                        </a:spcBef>
+                        <a:spcAft>
+                          <a:spcPts val="600"/>
+                        </a:spcAft>
+                      </a:pPr>
+                      <a:r>
+                        <a:rPr lang="en-US" sz="1100">
+                          <a:effectLst/>
+                        </a:rPr>
+                        <a:t>1</a:t>
+                      </a:r>
+                      <a:endParaRPr lang="en-US" sz="1100">
+                        <a:effectLst/>
+                        <a:latin typeface="Calibri" panose="020F0502020204030204" pitchFamily="34" charset="0"/>
+                        <a:ea typeface="Times New Roman" panose="02020603050405020304" pitchFamily="18" charset="0"/>
+                        <a:cs typeface="Times New Roman" panose="02020603050405020304" pitchFamily="18" charset="0"/>
+                      </a:endParaRPr>
+                    </a:p>
+                  </a:txBody>
+                  <a:tcPr marL="0" marR="0" marT="0" marB="0"/>
+                </a:tc>
+                <a:tc>
+                  <a:txBody>
+                    <a:bodyPr/>
+                    <a:lstStyle/>
+                    <a:p>
+                      <a:pPr marL="0" marR="0" algn="ctr">
+                        <a:lnSpc>
+                          <a:spcPct val="107000"/>
+                        </a:lnSpc>
+                        <a:spcBef>
+                          <a:spcPts val="1200"/>
+                        </a:spcBef>
+                        <a:spcAft>
+                          <a:spcPts val="600"/>
+                        </a:spcAft>
+                      </a:pPr>
+                      <a:r>
+                        <a:rPr lang="en-US" sz="1100">
+                          <a:effectLst/>
+                        </a:rPr>
+                        <a:t>Very Low</a:t>
+                      </a:r>
+                      <a:endParaRPr lang="en-US" sz="1100">
+                        <a:effectLst/>
+                        <a:latin typeface="Calibri" panose="020F0502020204030204" pitchFamily="34" charset="0"/>
+                        <a:ea typeface="Times New Roman" panose="02020603050405020304" pitchFamily="18" charset="0"/>
+                        <a:cs typeface="Times New Roman" panose="02020603050405020304" pitchFamily="18" charset="0"/>
+                      </a:endParaRPr>
+                    </a:p>
+                  </a:txBody>
+                  <a:tcPr marL="0" marR="0" marT="0" marB="0"/>
+                </a:tc>
+                <a:tc>
+                  <a:txBody>
+                    <a:bodyPr/>
+                    <a:lstStyle/>
+                    <a:p>
+                      <a:pPr marL="0" marR="0" algn="l">
+                        <a:lnSpc>
+                          <a:spcPct val="107000"/>
+                        </a:lnSpc>
+                        <a:spcBef>
+                          <a:spcPts val="1200"/>
+                        </a:spcBef>
+                        <a:spcAft>
+                          <a:spcPts val="600"/>
+                        </a:spcAft>
+                      </a:pPr>
+                      <a:r>
+                        <a:rPr lang="en-US" sz="1100">
+                          <a:effectLst/>
+                        </a:rPr>
+                        <a:t>Highly unlikely to occur. May occur in exceptional situations.</a:t>
+                      </a:r>
+                      <a:endParaRPr lang="en-US" sz="1100">
+                        <a:effectLst/>
+                        <a:latin typeface="Calibri" panose="020F0502020204030204" pitchFamily="34" charset="0"/>
+                        <a:ea typeface="Times New Roman" panose="02020603050405020304" pitchFamily="18" charset="0"/>
+                        <a:cs typeface="Times New Roman" panose="02020603050405020304" pitchFamily="18" charset="0"/>
+                      </a:endParaRPr>
+                    </a:p>
+                  </a:txBody>
+                  <a:tcPr marL="0" marR="0" marT="0" marB="0"/>
+                </a:tc>
+              </a:tr>
+              <a:tr h="289675">
+                <a:tc>
+                  <a:txBody>
+                    <a:bodyPr/>
+                    <a:lstStyle/>
+                    <a:p>
+                      <a:pPr marL="0" marR="0" algn="ctr">
+                        <a:lnSpc>
+                          <a:spcPct val="107000"/>
+                        </a:lnSpc>
+                        <a:spcBef>
+                          <a:spcPts val="1200"/>
+                        </a:spcBef>
+                        <a:spcAft>
+                          <a:spcPts val="600"/>
+                        </a:spcAft>
+                      </a:pPr>
+                      <a:r>
+                        <a:rPr lang="en-US" sz="1100">
+                          <a:effectLst/>
+                        </a:rPr>
+                        <a:t>2</a:t>
+                      </a:r>
+                      <a:endParaRPr lang="en-US" sz="1100">
+                        <a:effectLst/>
+                        <a:latin typeface="Calibri" panose="020F0502020204030204" pitchFamily="34" charset="0"/>
+                        <a:ea typeface="Times New Roman" panose="02020603050405020304" pitchFamily="18" charset="0"/>
+                        <a:cs typeface="Times New Roman" panose="02020603050405020304" pitchFamily="18" charset="0"/>
+                      </a:endParaRPr>
+                    </a:p>
+                  </a:txBody>
+                  <a:tcPr marL="0" marR="0" marT="0" marB="0"/>
+                </a:tc>
+                <a:tc>
+                  <a:txBody>
+                    <a:bodyPr/>
+                    <a:lstStyle/>
+                    <a:p>
+                      <a:pPr marL="0" marR="0" algn="ctr">
+                        <a:lnSpc>
+                          <a:spcPct val="107000"/>
+                        </a:lnSpc>
+                        <a:spcBef>
+                          <a:spcPts val="1200"/>
+                        </a:spcBef>
+                        <a:spcAft>
+                          <a:spcPts val="600"/>
+                        </a:spcAft>
+                      </a:pPr>
+                      <a:r>
+                        <a:rPr lang="en-US" sz="1100">
+                          <a:effectLst/>
+                        </a:rPr>
+                        <a:t>Low</a:t>
+                      </a:r>
+                      <a:endParaRPr lang="en-US" sz="1100">
+                        <a:effectLst/>
+                        <a:latin typeface="Calibri" panose="020F0502020204030204" pitchFamily="34" charset="0"/>
+                        <a:ea typeface="Times New Roman" panose="02020603050405020304" pitchFamily="18" charset="0"/>
+                        <a:cs typeface="Times New Roman" panose="02020603050405020304" pitchFamily="18" charset="0"/>
+                      </a:endParaRPr>
+                    </a:p>
+                  </a:txBody>
+                  <a:tcPr marL="0" marR="0" marT="0" marB="0"/>
+                </a:tc>
+                <a:tc>
+                  <a:txBody>
+                    <a:bodyPr/>
+                    <a:lstStyle/>
+                    <a:p>
+                      <a:pPr marL="0" marR="0" algn="l">
+                        <a:lnSpc>
+                          <a:spcPct val="107000"/>
+                        </a:lnSpc>
+                        <a:spcBef>
+                          <a:spcPts val="1200"/>
+                        </a:spcBef>
+                        <a:spcAft>
+                          <a:spcPts val="600"/>
+                        </a:spcAft>
+                      </a:pPr>
+                      <a:r>
+                        <a:rPr lang="en-US" sz="1100">
+                          <a:effectLst/>
+                        </a:rPr>
+                        <a:t>Most likely will not occur. Infrequent occurrence in past projects.</a:t>
+                      </a:r>
+                      <a:endParaRPr lang="en-US" sz="1100">
+                        <a:effectLst/>
+                        <a:latin typeface="Calibri" panose="020F0502020204030204" pitchFamily="34" charset="0"/>
+                        <a:ea typeface="Times New Roman" panose="02020603050405020304" pitchFamily="18" charset="0"/>
+                        <a:cs typeface="Times New Roman" panose="02020603050405020304" pitchFamily="18" charset="0"/>
+                      </a:endParaRPr>
+                    </a:p>
+                  </a:txBody>
+                  <a:tcPr marL="0" marR="0" marT="0" marB="0"/>
+                </a:tc>
+              </a:tr>
+              <a:tr h="289675">
+                <a:tc>
+                  <a:txBody>
+                    <a:bodyPr/>
+                    <a:lstStyle/>
+                    <a:p>
+                      <a:pPr marL="0" marR="0" algn="ctr">
+                        <a:lnSpc>
+                          <a:spcPct val="107000"/>
+                        </a:lnSpc>
+                        <a:spcBef>
+                          <a:spcPts val="1200"/>
+                        </a:spcBef>
+                        <a:spcAft>
+                          <a:spcPts val="600"/>
+                        </a:spcAft>
+                      </a:pPr>
+                      <a:r>
+                        <a:rPr lang="en-US" sz="1100">
+                          <a:effectLst/>
+                        </a:rPr>
+                        <a:t>3</a:t>
+                      </a:r>
+                      <a:endParaRPr lang="en-US" sz="1100">
+                        <a:effectLst/>
+                        <a:latin typeface="Calibri" panose="020F0502020204030204" pitchFamily="34" charset="0"/>
+                        <a:ea typeface="Times New Roman" panose="02020603050405020304" pitchFamily="18" charset="0"/>
+                        <a:cs typeface="Times New Roman" panose="02020603050405020304" pitchFamily="18" charset="0"/>
+                      </a:endParaRPr>
+                    </a:p>
+                  </a:txBody>
+                  <a:tcPr marL="0" marR="0" marT="0" marB="0"/>
+                </a:tc>
+                <a:tc>
+                  <a:txBody>
+                    <a:bodyPr/>
+                    <a:lstStyle/>
+                    <a:p>
+                      <a:pPr marL="0" marR="0" algn="ctr">
+                        <a:lnSpc>
+                          <a:spcPct val="107000"/>
+                        </a:lnSpc>
+                        <a:spcBef>
+                          <a:spcPts val="1200"/>
+                        </a:spcBef>
+                        <a:spcAft>
+                          <a:spcPts val="600"/>
+                        </a:spcAft>
+                      </a:pPr>
+                      <a:r>
+                        <a:rPr lang="en-US" sz="1100">
+                          <a:effectLst/>
+                        </a:rPr>
+                        <a:t>Moderate</a:t>
+                      </a:r>
+                      <a:endParaRPr lang="en-US" sz="1100">
+                        <a:effectLst/>
+                        <a:latin typeface="Calibri" panose="020F0502020204030204" pitchFamily="34" charset="0"/>
+                        <a:ea typeface="Times New Roman" panose="02020603050405020304" pitchFamily="18" charset="0"/>
+                        <a:cs typeface="Times New Roman" panose="02020603050405020304" pitchFamily="18" charset="0"/>
+                      </a:endParaRPr>
+                    </a:p>
+                  </a:txBody>
+                  <a:tcPr marL="0" marR="0" marT="0" marB="0"/>
+                </a:tc>
+                <a:tc>
+                  <a:txBody>
+                    <a:bodyPr/>
+                    <a:lstStyle/>
+                    <a:p>
+                      <a:pPr marL="0" marR="0" algn="l">
+                        <a:lnSpc>
+                          <a:spcPct val="107000"/>
+                        </a:lnSpc>
+                        <a:spcBef>
+                          <a:spcPts val="1200"/>
+                        </a:spcBef>
+                        <a:spcAft>
+                          <a:spcPts val="600"/>
+                        </a:spcAft>
+                      </a:pPr>
+                      <a:r>
+                        <a:rPr lang="en-US" sz="1100">
+                          <a:effectLst/>
+                        </a:rPr>
+                        <a:t>Possible to occur.</a:t>
+                      </a:r>
+                      <a:endParaRPr lang="en-US" sz="1100">
+                        <a:effectLst/>
+                        <a:latin typeface="Calibri" panose="020F0502020204030204" pitchFamily="34" charset="0"/>
+                        <a:ea typeface="Times New Roman" panose="02020603050405020304" pitchFamily="18" charset="0"/>
+                        <a:cs typeface="Times New Roman" panose="02020603050405020304" pitchFamily="18" charset="0"/>
+                      </a:endParaRPr>
+                    </a:p>
+                  </a:txBody>
+                  <a:tcPr marL="0" marR="0" marT="0" marB="0"/>
+                </a:tc>
+              </a:tr>
+              <a:tr h="289675">
+                <a:tc>
+                  <a:txBody>
+                    <a:bodyPr/>
+                    <a:lstStyle/>
+                    <a:p>
+                      <a:pPr marL="0" marR="0" algn="ctr">
+                        <a:lnSpc>
+                          <a:spcPct val="107000"/>
+                        </a:lnSpc>
+                        <a:spcBef>
+                          <a:spcPts val="1200"/>
+                        </a:spcBef>
+                        <a:spcAft>
+                          <a:spcPts val="600"/>
+                        </a:spcAft>
+                      </a:pPr>
+                      <a:r>
+                        <a:rPr lang="en-US" sz="1100">
+                          <a:effectLst/>
+                        </a:rPr>
+                        <a:t>4</a:t>
+                      </a:r>
+                      <a:endParaRPr lang="en-US" sz="1100">
+                        <a:effectLst/>
+                        <a:latin typeface="Calibri" panose="020F0502020204030204" pitchFamily="34" charset="0"/>
+                        <a:ea typeface="Times New Roman" panose="02020603050405020304" pitchFamily="18" charset="0"/>
+                        <a:cs typeface="Times New Roman" panose="02020603050405020304" pitchFamily="18" charset="0"/>
+                      </a:endParaRPr>
+                    </a:p>
+                  </a:txBody>
+                  <a:tcPr marL="0" marR="0" marT="0" marB="0"/>
+                </a:tc>
+                <a:tc>
+                  <a:txBody>
+                    <a:bodyPr/>
+                    <a:lstStyle/>
+                    <a:p>
+                      <a:pPr marL="0" marR="0" algn="ctr">
+                        <a:lnSpc>
+                          <a:spcPct val="107000"/>
+                        </a:lnSpc>
+                        <a:spcBef>
+                          <a:spcPts val="1200"/>
+                        </a:spcBef>
+                        <a:spcAft>
+                          <a:spcPts val="600"/>
+                        </a:spcAft>
+                      </a:pPr>
+                      <a:r>
+                        <a:rPr lang="en-US" sz="1100">
+                          <a:effectLst/>
+                        </a:rPr>
+                        <a:t>High</a:t>
+                      </a:r>
+                      <a:endParaRPr lang="en-US" sz="1100">
+                        <a:effectLst/>
+                        <a:latin typeface="Calibri" panose="020F0502020204030204" pitchFamily="34" charset="0"/>
+                        <a:ea typeface="Times New Roman" panose="02020603050405020304" pitchFamily="18" charset="0"/>
+                        <a:cs typeface="Times New Roman" panose="02020603050405020304" pitchFamily="18" charset="0"/>
+                      </a:endParaRPr>
+                    </a:p>
+                  </a:txBody>
+                  <a:tcPr marL="0" marR="0" marT="0" marB="0"/>
+                </a:tc>
+                <a:tc>
+                  <a:txBody>
+                    <a:bodyPr/>
+                    <a:lstStyle/>
+                    <a:p>
+                      <a:pPr marL="0" marR="0" algn="l">
+                        <a:lnSpc>
+                          <a:spcPct val="107000"/>
+                        </a:lnSpc>
+                        <a:spcBef>
+                          <a:spcPts val="1200"/>
+                        </a:spcBef>
+                        <a:spcAft>
+                          <a:spcPts val="600"/>
+                        </a:spcAft>
+                      </a:pPr>
+                      <a:r>
+                        <a:rPr lang="en-US" sz="1100">
+                          <a:effectLst/>
+                        </a:rPr>
+                        <a:t>Likely to occur. Has occurred in past projects.</a:t>
+                      </a:r>
+                      <a:endParaRPr lang="en-US" sz="1100">
+                        <a:effectLst/>
+                        <a:latin typeface="Calibri" panose="020F0502020204030204" pitchFamily="34" charset="0"/>
+                        <a:ea typeface="Times New Roman" panose="02020603050405020304" pitchFamily="18" charset="0"/>
+                        <a:cs typeface="Times New Roman" panose="02020603050405020304" pitchFamily="18" charset="0"/>
+                      </a:endParaRPr>
+                    </a:p>
+                  </a:txBody>
+                  <a:tcPr marL="0" marR="0" marT="0" marB="0"/>
+                </a:tc>
+              </a:tr>
+              <a:tr h="289675">
+                <a:tc>
+                  <a:txBody>
+                    <a:bodyPr/>
+                    <a:lstStyle/>
+                    <a:p>
+                      <a:pPr marL="0" marR="0" algn="ctr">
+                        <a:lnSpc>
+                          <a:spcPct val="107000"/>
+                        </a:lnSpc>
+                        <a:spcBef>
+                          <a:spcPts val="1200"/>
+                        </a:spcBef>
+                        <a:spcAft>
+                          <a:spcPts val="600"/>
+                        </a:spcAft>
+                      </a:pPr>
+                      <a:r>
+                        <a:rPr lang="en-US" sz="1100">
+                          <a:effectLst/>
+                        </a:rPr>
+                        <a:t>5</a:t>
+                      </a:r>
+                      <a:endParaRPr lang="en-US" sz="1100">
+                        <a:effectLst/>
+                        <a:latin typeface="Calibri" panose="020F0502020204030204" pitchFamily="34" charset="0"/>
+                        <a:ea typeface="Times New Roman" panose="02020603050405020304" pitchFamily="18" charset="0"/>
+                        <a:cs typeface="Times New Roman" panose="02020603050405020304" pitchFamily="18" charset="0"/>
+                      </a:endParaRPr>
+                    </a:p>
+                  </a:txBody>
+                  <a:tcPr marL="0" marR="0" marT="0" marB="0"/>
+                </a:tc>
+                <a:tc>
+                  <a:txBody>
+                    <a:bodyPr/>
+                    <a:lstStyle/>
+                    <a:p>
+                      <a:pPr marL="0" marR="0" algn="ctr">
+                        <a:lnSpc>
+                          <a:spcPct val="107000"/>
+                        </a:lnSpc>
+                        <a:spcBef>
+                          <a:spcPts val="1200"/>
+                        </a:spcBef>
+                        <a:spcAft>
+                          <a:spcPts val="600"/>
+                        </a:spcAft>
+                      </a:pPr>
+                      <a:r>
+                        <a:rPr lang="en-US" sz="1100">
+                          <a:effectLst/>
+                        </a:rPr>
+                        <a:t>Very High</a:t>
+                      </a:r>
+                      <a:endParaRPr lang="en-US" sz="1100">
+                        <a:effectLst/>
+                        <a:latin typeface="Calibri" panose="020F0502020204030204" pitchFamily="34" charset="0"/>
+                        <a:ea typeface="Times New Roman" panose="02020603050405020304" pitchFamily="18" charset="0"/>
+                        <a:cs typeface="Times New Roman" panose="02020603050405020304" pitchFamily="18" charset="0"/>
+                      </a:endParaRPr>
+                    </a:p>
+                  </a:txBody>
+                  <a:tcPr marL="0" marR="0" marT="0" marB="0"/>
+                </a:tc>
+                <a:tc>
+                  <a:txBody>
+                    <a:bodyPr/>
+                    <a:lstStyle/>
+                    <a:p>
+                      <a:pPr marL="0" marR="0" algn="l">
+                        <a:lnSpc>
+                          <a:spcPct val="107000"/>
+                        </a:lnSpc>
+                        <a:spcBef>
+                          <a:spcPts val="1200"/>
+                        </a:spcBef>
+                        <a:spcAft>
+                          <a:spcPts val="600"/>
+                        </a:spcAft>
+                      </a:pPr>
+                      <a:r>
+                        <a:rPr lang="en-US" sz="1100" dirty="0">
+                          <a:effectLst/>
+                        </a:rPr>
+                        <a:t>Highly likely to occur. Has occurred in past projects and conditions exist for it to occur on this project.</a:t>
+                      </a:r>
+                      <a:endParaRPr lang="en-US" sz="1100" dirty="0">
+                        <a:effectLst/>
+                        <a:latin typeface="Calibri" panose="020F0502020204030204" pitchFamily="34" charset="0"/>
+                        <a:ea typeface="Times New Roman" panose="02020603050405020304" pitchFamily="18" charset="0"/>
+                        <a:cs typeface="Times New Roman" panose="02020603050405020304" pitchFamily="18" charset="0"/>
+                      </a:endParaRPr>
+                    </a:p>
+                  </a:txBody>
+                  <a:tcPr marL="0" marR="0" marT="0" marB="0"/>
+                </a:tc>
+              </a:tr>
+            </a:tbl>
+          </a:graphicData>
+        </a:graphic>
+      </p:graphicFrame>
+    </p:spTree>
+    <p:extLst>
+      <p:ext uri="{BB962C8B-B14F-4D97-AF65-F5344CB8AC3E}">
+        <p14:creationId xmlns:p14="http://schemas.microsoft.com/office/powerpoint/2010/main" val="1267581316"/>
+      </p:ext>
+    </p:extLst>
+  </p:cSld>
+  <p:clrMapOvr>
+    <a:masterClrMapping/>
+  </p:clrMapOvr>
+</p:sld>
+</file>
+
+<file path=ppt/slides/slide27.xml><?xml version="1.0" encoding="utf-8"?>
+<p:sld xmlns:a="http://schemas.openxmlformats.org/drawingml/2006/main" xmlns:r="http://schemas.openxmlformats.org/officeDocument/2006/relationships" xmlns:p="http://schemas.openxmlformats.org/presentationml/2006/main">
+  <p:cSld>
+    <p:spTree>
+      <p:nvGrpSpPr>
+        <p:cNvPr id="1" name=""/>
+        <p:cNvGrpSpPr/>
+        <p:nvPr/>
+      </p:nvGrpSpPr>
+      <p:grpSpPr>
+        <a:xfrm>
+          <a:off x="0" y="0"/>
+          <a:ext cx="0" cy="0"/>
+          <a:chOff x="0" y="0"/>
+          <a:chExt cx="0" cy="0"/>
+        </a:xfrm>
+      </p:grpSpPr>
+      <p:sp>
+        <p:nvSpPr>
+          <p:cNvPr id="2" name="Title 1"/>
+          <p:cNvSpPr>
+            <a:spLocks noGrp="1"/>
+          </p:cNvSpPr>
+          <p:nvPr>
+            <p:ph type="title"/>
+          </p:nvPr>
+        </p:nvSpPr>
+        <p:spPr/>
+        <p:txBody>
+          <a:bodyPr/>
+          <a:lstStyle/>
+          <a:p>
+            <a:endParaRPr lang="en-US"/>
+          </a:p>
+        </p:txBody>
+      </p:sp>
+      <p:sp>
+        <p:nvSpPr>
+          <p:cNvPr id="3" name="Content Placeholder 2"/>
+          <p:cNvSpPr>
+            <a:spLocks noGrp="1"/>
+          </p:cNvSpPr>
+          <p:nvPr>
+            <p:ph idx="1"/>
+          </p:nvPr>
+        </p:nvSpPr>
+        <p:spPr/>
+        <p:txBody>
+          <a:bodyPr/>
+          <a:lstStyle/>
+          <a:p>
+            <a:r>
+              <a:rPr lang="en-US" dirty="0"/>
+              <a:t>Here's an example Impact Scale definition</a:t>
+            </a:r>
+            <a:r>
+              <a:rPr lang="en-US" dirty="0" smtClean="0"/>
+              <a:t>...</a:t>
+            </a:r>
+          </a:p>
+          <a:p>
+            <a:endParaRPr lang="en-US" dirty="0"/>
+          </a:p>
+          <a:p>
+            <a:endParaRPr lang="en-US" dirty="0"/>
+          </a:p>
+        </p:txBody>
+      </p:sp>
+      <p:graphicFrame>
+        <p:nvGraphicFramePr>
+          <p:cNvPr id="5" name="Table 4"/>
+          <p:cNvGraphicFramePr>
+            <a:graphicFrameLocks noGrp="1"/>
+          </p:cNvGraphicFramePr>
+          <p:nvPr>
+            <p:extLst>
+              <p:ext uri="{D42A27DB-BD31-4B8C-83A1-F6EECF244321}">
+                <p14:modId xmlns:p14="http://schemas.microsoft.com/office/powerpoint/2010/main" val="3872342449"/>
+              </p:ext>
+            </p:extLst>
+          </p:nvPr>
+        </p:nvGraphicFramePr>
+        <p:xfrm>
+          <a:off x="1236372" y="2472745"/>
+          <a:ext cx="9453094" cy="2792991"/>
+        </p:xfrm>
+        <a:graphic>
+          <a:graphicData uri="http://schemas.openxmlformats.org/drawingml/2006/table">
+            <a:tbl>
+              <a:tblPr firstRow="1" firstCol="1" bandRow="1">
+                <a:tableStyleId>{5DA37D80-6434-44D0-A028-1B22A696006F}</a:tableStyleId>
+              </a:tblPr>
+              <a:tblGrid>
+                <a:gridCol w="1436862"/>
+                <a:gridCol w="1426837"/>
+                <a:gridCol w="3122564"/>
+                <a:gridCol w="3466831"/>
+              </a:tblGrid>
+              <a:tr h="500261">
+                <a:tc>
+                  <a:txBody>
+                    <a:bodyPr/>
+                    <a:lstStyle/>
+                    <a:p>
+                      <a:pPr marL="0" marR="0" algn="ctr">
+                        <a:lnSpc>
+                          <a:spcPct val="107000"/>
+                        </a:lnSpc>
+                        <a:spcBef>
+                          <a:spcPts val="1200"/>
+                        </a:spcBef>
+                        <a:spcAft>
+                          <a:spcPts val="300"/>
+                        </a:spcAft>
+                      </a:pPr>
+                      <a:r>
+                        <a:rPr lang="en-US" sz="1200" cap="all" spc="120" dirty="0">
+                          <a:effectLst/>
+                          <a:latin typeface="Arial" panose="020B0604020202020204" pitchFamily="34" charset="0"/>
+                          <a:cs typeface="Arial" panose="020B0604020202020204" pitchFamily="34" charset="0"/>
+                        </a:rPr>
+                        <a:t>RATING</a:t>
+                      </a:r>
+                      <a:endParaRPr lang="en-US" sz="1100" b="1" i="1" dirty="0">
+                        <a:solidFill>
+                          <a:srgbClr val="2E74B5"/>
+                        </a:solidFill>
+                        <a:effectLst/>
+                        <a:latin typeface="Arial" panose="020B0604020202020204" pitchFamily="34" charset="0"/>
+                        <a:ea typeface="Times New Roman" panose="02020603050405020304" pitchFamily="18" charset="0"/>
+                        <a:cs typeface="Arial" panose="020B0604020202020204" pitchFamily="34" charset="0"/>
+                      </a:endParaRPr>
+                    </a:p>
+                  </a:txBody>
+                  <a:tcPr marL="0" marR="0" marT="0" marB="0"/>
+                </a:tc>
+                <a:tc>
+                  <a:txBody>
+                    <a:bodyPr/>
+                    <a:lstStyle/>
+                    <a:p>
+                      <a:pPr marL="0" marR="0" algn="ctr">
+                        <a:lnSpc>
+                          <a:spcPct val="107000"/>
+                        </a:lnSpc>
+                        <a:spcBef>
+                          <a:spcPts val="1200"/>
+                        </a:spcBef>
+                        <a:spcAft>
+                          <a:spcPts val="300"/>
+                        </a:spcAft>
+                      </a:pPr>
+                      <a:r>
+                        <a:rPr lang="en-US" sz="1200" cap="all" spc="120" dirty="0">
+                          <a:effectLst/>
+                          <a:latin typeface="Arial" panose="020B0604020202020204" pitchFamily="34" charset="0"/>
+                          <a:cs typeface="Arial" panose="020B0604020202020204" pitchFamily="34" charset="0"/>
+                        </a:rPr>
+                        <a:t>IMPACT</a:t>
+                      </a:r>
+                      <a:endParaRPr lang="en-US" sz="1100" b="1" i="1" dirty="0">
+                        <a:solidFill>
+                          <a:srgbClr val="2E74B5"/>
+                        </a:solidFill>
+                        <a:effectLst/>
+                        <a:latin typeface="Arial" panose="020B0604020202020204" pitchFamily="34" charset="0"/>
+                        <a:ea typeface="Times New Roman" panose="02020603050405020304" pitchFamily="18" charset="0"/>
+                        <a:cs typeface="Arial" panose="020B0604020202020204" pitchFamily="34" charset="0"/>
+                      </a:endParaRPr>
+                    </a:p>
+                  </a:txBody>
+                  <a:tcPr marL="0" marR="0" marT="0" marB="0"/>
+                </a:tc>
+                <a:tc>
+                  <a:txBody>
+                    <a:bodyPr/>
+                    <a:lstStyle/>
+                    <a:p>
+                      <a:pPr marL="0" marR="0" algn="ctr">
+                        <a:lnSpc>
+                          <a:spcPct val="107000"/>
+                        </a:lnSpc>
+                        <a:spcBef>
+                          <a:spcPts val="1200"/>
+                        </a:spcBef>
+                        <a:spcAft>
+                          <a:spcPts val="300"/>
+                        </a:spcAft>
+                      </a:pPr>
+                      <a:r>
+                        <a:rPr lang="en-US" sz="1200" cap="all" spc="120" dirty="0">
+                          <a:effectLst/>
+                          <a:latin typeface="Arial" panose="020B0604020202020204" pitchFamily="34" charset="0"/>
+                          <a:cs typeface="Arial" panose="020B0604020202020204" pitchFamily="34" charset="0"/>
+                        </a:rPr>
+                        <a:t>COST</a:t>
+                      </a:r>
+                      <a:endParaRPr lang="en-US" sz="1100" b="1" i="1" dirty="0">
+                        <a:solidFill>
+                          <a:srgbClr val="2E74B5"/>
+                        </a:solidFill>
+                        <a:effectLst/>
+                        <a:latin typeface="Arial" panose="020B0604020202020204" pitchFamily="34" charset="0"/>
+                        <a:ea typeface="Times New Roman" panose="02020603050405020304" pitchFamily="18" charset="0"/>
+                        <a:cs typeface="Arial" panose="020B0604020202020204" pitchFamily="34" charset="0"/>
+                      </a:endParaRPr>
+                    </a:p>
+                  </a:txBody>
+                  <a:tcPr marL="0" marR="0" marT="0" marB="0"/>
+                </a:tc>
+                <a:tc>
+                  <a:txBody>
+                    <a:bodyPr/>
+                    <a:lstStyle/>
+                    <a:p>
+                      <a:pPr marL="0" marR="0" algn="ctr">
+                        <a:lnSpc>
+                          <a:spcPct val="107000"/>
+                        </a:lnSpc>
+                        <a:spcBef>
+                          <a:spcPts val="1200"/>
+                        </a:spcBef>
+                        <a:spcAft>
+                          <a:spcPts val="300"/>
+                        </a:spcAft>
+                      </a:pPr>
+                      <a:r>
+                        <a:rPr lang="en-US" sz="1200" cap="all" spc="120" dirty="0">
+                          <a:effectLst/>
+                          <a:latin typeface="Arial" panose="020B0604020202020204" pitchFamily="34" charset="0"/>
+                          <a:cs typeface="Arial" panose="020B0604020202020204" pitchFamily="34" charset="0"/>
+                        </a:rPr>
+                        <a:t>SCHEDULE</a:t>
+                      </a:r>
+                      <a:endParaRPr lang="en-US" sz="1100" b="1" i="1" dirty="0">
+                        <a:solidFill>
+                          <a:srgbClr val="2E74B5"/>
+                        </a:solidFill>
+                        <a:effectLst/>
+                        <a:latin typeface="Arial" panose="020B0604020202020204" pitchFamily="34" charset="0"/>
+                        <a:ea typeface="Times New Roman" panose="02020603050405020304" pitchFamily="18" charset="0"/>
+                        <a:cs typeface="Arial" panose="020B0604020202020204" pitchFamily="34" charset="0"/>
+                      </a:endParaRPr>
+                    </a:p>
+                  </a:txBody>
+                  <a:tcPr marL="0" marR="0" marT="0" marB="0"/>
+                </a:tc>
+              </a:tr>
+              <a:tr h="458546">
+                <a:tc>
+                  <a:txBody>
+                    <a:bodyPr/>
+                    <a:lstStyle/>
+                    <a:p>
+                      <a:pPr marL="0" marR="0" algn="ctr">
+                        <a:lnSpc>
+                          <a:spcPct val="107000"/>
+                        </a:lnSpc>
+                        <a:spcBef>
+                          <a:spcPts val="1200"/>
+                        </a:spcBef>
+                        <a:spcAft>
+                          <a:spcPts val="600"/>
+                        </a:spcAft>
+                      </a:pPr>
+                      <a:r>
+                        <a:rPr lang="en-US" sz="1400" dirty="0" smtClean="0">
+                          <a:effectLst/>
+                          <a:latin typeface="Arial" panose="020B0604020202020204" pitchFamily="34" charset="0"/>
+                          <a:cs typeface="Arial" panose="020B0604020202020204" pitchFamily="34" charset="0"/>
+                        </a:rPr>
+                        <a:t>1</a:t>
+                      </a:r>
+                      <a:endParaRPr lang="en-US" sz="1400" dirty="0">
+                        <a:effectLst/>
+                        <a:latin typeface="Arial" panose="020B0604020202020204" pitchFamily="34" charset="0"/>
+                        <a:cs typeface="Arial" panose="020B0604020202020204" pitchFamily="34" charset="0"/>
+                      </a:endParaRPr>
+                    </a:p>
+                  </a:txBody>
+                  <a:tcPr marL="0" marR="0" marT="0" marB="0"/>
+                </a:tc>
+                <a:tc>
+                  <a:txBody>
+                    <a:bodyPr/>
+                    <a:lstStyle/>
+                    <a:p>
+                      <a:pPr marL="0" marR="0" algn="ctr">
+                        <a:lnSpc>
+                          <a:spcPct val="107000"/>
+                        </a:lnSpc>
+                        <a:spcBef>
+                          <a:spcPts val="1200"/>
+                        </a:spcBef>
+                        <a:spcAft>
+                          <a:spcPts val="600"/>
+                        </a:spcAft>
+                      </a:pPr>
+                      <a:r>
+                        <a:rPr lang="en-US" sz="1400" dirty="0">
+                          <a:effectLst/>
+                          <a:latin typeface="Arial" panose="020B0604020202020204" pitchFamily="34" charset="0"/>
+                          <a:cs typeface="Arial" panose="020B0604020202020204" pitchFamily="34" charset="0"/>
+                        </a:rPr>
+                        <a:t>Very Low</a:t>
+                      </a:r>
+                      <a:endParaRPr lang="en-US" sz="1400" dirty="0">
+                        <a:effectLst/>
+                        <a:latin typeface="Arial" panose="020B0604020202020204" pitchFamily="34" charset="0"/>
+                        <a:ea typeface="Times New Roman" panose="02020603050405020304" pitchFamily="18" charset="0"/>
+                        <a:cs typeface="Arial" panose="020B0604020202020204" pitchFamily="34" charset="0"/>
+                      </a:endParaRPr>
+                    </a:p>
+                  </a:txBody>
+                  <a:tcPr marL="0" marR="0" marT="0" marB="0"/>
+                </a:tc>
+                <a:tc>
+                  <a:txBody>
+                    <a:bodyPr/>
+                    <a:lstStyle/>
+                    <a:p>
+                      <a:pPr marL="0" marR="0" algn="l">
+                        <a:lnSpc>
+                          <a:spcPct val="107000"/>
+                        </a:lnSpc>
+                        <a:spcBef>
+                          <a:spcPts val="1200"/>
+                        </a:spcBef>
+                        <a:spcAft>
+                          <a:spcPts val="600"/>
+                        </a:spcAft>
+                      </a:pPr>
+                      <a:r>
+                        <a:rPr lang="en-US" sz="1400" dirty="0">
+                          <a:effectLst/>
+                          <a:latin typeface="Arial" panose="020B0604020202020204" pitchFamily="34" charset="0"/>
+                          <a:cs typeface="Arial" panose="020B0604020202020204" pitchFamily="34" charset="0"/>
+                        </a:rPr>
+                        <a:t>No increase in budget</a:t>
+                      </a:r>
+                      <a:endParaRPr lang="en-US" sz="1400" dirty="0">
+                        <a:effectLst/>
+                        <a:latin typeface="Arial" panose="020B0604020202020204" pitchFamily="34" charset="0"/>
+                        <a:ea typeface="Times New Roman" panose="02020603050405020304" pitchFamily="18" charset="0"/>
+                        <a:cs typeface="Arial" panose="020B0604020202020204" pitchFamily="34" charset="0"/>
+                      </a:endParaRPr>
+                    </a:p>
+                  </a:txBody>
+                  <a:tcPr marL="0" marR="0" marT="0" marB="0"/>
+                </a:tc>
+                <a:tc>
+                  <a:txBody>
+                    <a:bodyPr/>
+                    <a:lstStyle/>
+                    <a:p>
+                      <a:pPr marL="0" marR="0" algn="l">
+                        <a:lnSpc>
+                          <a:spcPct val="107000"/>
+                        </a:lnSpc>
+                        <a:spcBef>
+                          <a:spcPts val="1200"/>
+                        </a:spcBef>
+                        <a:spcAft>
+                          <a:spcPts val="600"/>
+                        </a:spcAft>
+                      </a:pPr>
+                      <a:r>
+                        <a:rPr lang="en-US" sz="1400">
+                          <a:effectLst/>
+                          <a:latin typeface="Arial" panose="020B0604020202020204" pitchFamily="34" charset="0"/>
+                          <a:cs typeface="Arial" panose="020B0604020202020204" pitchFamily="34" charset="0"/>
+                        </a:rPr>
+                        <a:t>No change to schedule</a:t>
+                      </a:r>
+                      <a:endParaRPr lang="en-US" sz="1400">
+                        <a:effectLst/>
+                        <a:latin typeface="Arial" panose="020B0604020202020204" pitchFamily="34" charset="0"/>
+                        <a:ea typeface="Times New Roman" panose="02020603050405020304" pitchFamily="18" charset="0"/>
+                        <a:cs typeface="Arial" panose="020B0604020202020204" pitchFamily="34" charset="0"/>
+                      </a:endParaRPr>
+                    </a:p>
+                  </a:txBody>
+                  <a:tcPr marL="0" marR="0" marT="0" marB="0"/>
+                </a:tc>
+              </a:tr>
+              <a:tr h="458546">
+                <a:tc>
+                  <a:txBody>
+                    <a:bodyPr/>
+                    <a:lstStyle/>
+                    <a:p>
+                      <a:pPr marL="0" marR="0" algn="ctr">
+                        <a:lnSpc>
+                          <a:spcPct val="107000"/>
+                        </a:lnSpc>
+                        <a:spcBef>
+                          <a:spcPts val="1200"/>
+                        </a:spcBef>
+                        <a:spcAft>
+                          <a:spcPts val="600"/>
+                        </a:spcAft>
+                      </a:pPr>
+                      <a:r>
+                        <a:rPr lang="en-US" sz="1400">
+                          <a:effectLst/>
+                          <a:latin typeface="Arial" panose="020B0604020202020204" pitchFamily="34" charset="0"/>
+                          <a:cs typeface="Arial" panose="020B0604020202020204" pitchFamily="34" charset="0"/>
+                        </a:rPr>
+                        <a:t>2</a:t>
+                      </a:r>
+                      <a:endParaRPr lang="en-US" sz="1400">
+                        <a:effectLst/>
+                        <a:latin typeface="Arial" panose="020B0604020202020204" pitchFamily="34" charset="0"/>
+                        <a:ea typeface="Times New Roman" panose="02020603050405020304" pitchFamily="18" charset="0"/>
+                        <a:cs typeface="Arial" panose="020B0604020202020204" pitchFamily="34" charset="0"/>
+                      </a:endParaRPr>
+                    </a:p>
+                  </a:txBody>
+                  <a:tcPr marL="0" marR="0" marT="0" marB="0"/>
+                </a:tc>
+                <a:tc>
+                  <a:txBody>
+                    <a:bodyPr/>
+                    <a:lstStyle/>
+                    <a:p>
+                      <a:pPr marL="0" marR="0" algn="ctr">
+                        <a:lnSpc>
+                          <a:spcPct val="107000"/>
+                        </a:lnSpc>
+                        <a:spcBef>
+                          <a:spcPts val="1200"/>
+                        </a:spcBef>
+                        <a:spcAft>
+                          <a:spcPts val="600"/>
+                        </a:spcAft>
+                      </a:pPr>
+                      <a:r>
+                        <a:rPr lang="en-US" sz="1400" dirty="0">
+                          <a:effectLst/>
+                          <a:latin typeface="Arial" panose="020B0604020202020204" pitchFamily="34" charset="0"/>
+                          <a:cs typeface="Arial" panose="020B0604020202020204" pitchFamily="34" charset="0"/>
+                        </a:rPr>
+                        <a:t>Low</a:t>
+                      </a:r>
+                      <a:endParaRPr lang="en-US" sz="1400" dirty="0">
+                        <a:effectLst/>
+                        <a:latin typeface="Arial" panose="020B0604020202020204" pitchFamily="34" charset="0"/>
+                        <a:ea typeface="Times New Roman" panose="02020603050405020304" pitchFamily="18" charset="0"/>
+                        <a:cs typeface="Arial" panose="020B0604020202020204" pitchFamily="34" charset="0"/>
+                      </a:endParaRPr>
+                    </a:p>
+                  </a:txBody>
+                  <a:tcPr marL="0" marR="0" marT="0" marB="0"/>
+                </a:tc>
+                <a:tc>
+                  <a:txBody>
+                    <a:bodyPr/>
+                    <a:lstStyle/>
+                    <a:p>
+                      <a:pPr marL="0" marR="0" algn="l">
+                        <a:lnSpc>
+                          <a:spcPct val="107000"/>
+                        </a:lnSpc>
+                        <a:spcBef>
+                          <a:spcPts val="1200"/>
+                        </a:spcBef>
+                        <a:spcAft>
+                          <a:spcPts val="600"/>
+                        </a:spcAft>
+                      </a:pPr>
+                      <a:r>
+                        <a:rPr lang="en-US" sz="1400" dirty="0">
+                          <a:effectLst/>
+                          <a:latin typeface="Arial" panose="020B0604020202020204" pitchFamily="34" charset="0"/>
+                          <a:cs typeface="Arial" panose="020B0604020202020204" pitchFamily="34" charset="0"/>
+                        </a:rPr>
+                        <a:t>&lt; 5% increase in budget</a:t>
+                      </a:r>
+                      <a:endParaRPr lang="en-US" sz="1400" dirty="0">
+                        <a:effectLst/>
+                        <a:latin typeface="Arial" panose="020B0604020202020204" pitchFamily="34" charset="0"/>
+                        <a:ea typeface="Times New Roman" panose="02020603050405020304" pitchFamily="18" charset="0"/>
+                        <a:cs typeface="Arial" panose="020B0604020202020204" pitchFamily="34" charset="0"/>
+                      </a:endParaRPr>
+                    </a:p>
+                  </a:txBody>
+                  <a:tcPr marL="0" marR="0" marT="0" marB="0"/>
+                </a:tc>
+                <a:tc>
+                  <a:txBody>
+                    <a:bodyPr/>
+                    <a:lstStyle/>
+                    <a:p>
+                      <a:pPr marL="0" marR="0" algn="l">
+                        <a:lnSpc>
+                          <a:spcPct val="107000"/>
+                        </a:lnSpc>
+                        <a:spcBef>
+                          <a:spcPts val="1200"/>
+                        </a:spcBef>
+                        <a:spcAft>
+                          <a:spcPts val="600"/>
+                        </a:spcAft>
+                      </a:pPr>
+                      <a:r>
+                        <a:rPr lang="en-US" sz="1400" dirty="0">
+                          <a:effectLst/>
+                          <a:latin typeface="Arial" panose="020B0604020202020204" pitchFamily="34" charset="0"/>
+                          <a:cs typeface="Arial" panose="020B0604020202020204" pitchFamily="34" charset="0"/>
+                        </a:rPr>
+                        <a:t>&lt; 1 week delay to schedule</a:t>
+                      </a:r>
+                      <a:endParaRPr lang="en-US" sz="1400" dirty="0">
+                        <a:effectLst/>
+                        <a:latin typeface="Arial" panose="020B0604020202020204" pitchFamily="34" charset="0"/>
+                        <a:ea typeface="Times New Roman" panose="02020603050405020304" pitchFamily="18" charset="0"/>
+                        <a:cs typeface="Arial" panose="020B0604020202020204" pitchFamily="34" charset="0"/>
+                      </a:endParaRPr>
+                    </a:p>
+                  </a:txBody>
+                  <a:tcPr marL="0" marR="0" marT="0" marB="0"/>
+                </a:tc>
+              </a:tr>
+              <a:tr h="458546">
+                <a:tc>
+                  <a:txBody>
+                    <a:bodyPr/>
+                    <a:lstStyle/>
+                    <a:p>
+                      <a:pPr marL="0" marR="0" algn="ctr">
+                        <a:lnSpc>
+                          <a:spcPct val="107000"/>
+                        </a:lnSpc>
+                        <a:spcBef>
+                          <a:spcPts val="1200"/>
+                        </a:spcBef>
+                        <a:spcAft>
+                          <a:spcPts val="600"/>
+                        </a:spcAft>
+                      </a:pPr>
+                      <a:r>
+                        <a:rPr lang="en-US" sz="1400">
+                          <a:effectLst/>
+                          <a:latin typeface="Arial" panose="020B0604020202020204" pitchFamily="34" charset="0"/>
+                          <a:cs typeface="Arial" panose="020B0604020202020204" pitchFamily="34" charset="0"/>
+                        </a:rPr>
+                        <a:t>3</a:t>
+                      </a:r>
+                      <a:endParaRPr lang="en-US" sz="1400">
+                        <a:effectLst/>
+                        <a:latin typeface="Arial" panose="020B0604020202020204" pitchFamily="34" charset="0"/>
+                        <a:ea typeface="Times New Roman" panose="02020603050405020304" pitchFamily="18" charset="0"/>
+                        <a:cs typeface="Arial" panose="020B0604020202020204" pitchFamily="34" charset="0"/>
+                      </a:endParaRPr>
+                    </a:p>
+                  </a:txBody>
+                  <a:tcPr marL="0" marR="0" marT="0" marB="0"/>
+                </a:tc>
+                <a:tc>
+                  <a:txBody>
+                    <a:bodyPr/>
+                    <a:lstStyle/>
+                    <a:p>
+                      <a:pPr marL="0" marR="0" algn="ctr">
+                        <a:lnSpc>
+                          <a:spcPct val="107000"/>
+                        </a:lnSpc>
+                        <a:spcBef>
+                          <a:spcPts val="1200"/>
+                        </a:spcBef>
+                        <a:spcAft>
+                          <a:spcPts val="600"/>
+                        </a:spcAft>
+                      </a:pPr>
+                      <a:r>
+                        <a:rPr lang="en-US" sz="1400">
+                          <a:effectLst/>
+                          <a:latin typeface="Arial" panose="020B0604020202020204" pitchFamily="34" charset="0"/>
+                          <a:cs typeface="Arial" panose="020B0604020202020204" pitchFamily="34" charset="0"/>
+                        </a:rPr>
+                        <a:t>Moderate</a:t>
+                      </a:r>
+                      <a:endParaRPr lang="en-US" sz="1400">
+                        <a:effectLst/>
+                        <a:latin typeface="Arial" panose="020B0604020202020204" pitchFamily="34" charset="0"/>
+                        <a:ea typeface="Times New Roman" panose="02020603050405020304" pitchFamily="18" charset="0"/>
+                        <a:cs typeface="Arial" panose="020B0604020202020204" pitchFamily="34" charset="0"/>
+                      </a:endParaRPr>
+                    </a:p>
+                  </a:txBody>
+                  <a:tcPr marL="0" marR="0" marT="0" marB="0"/>
+                </a:tc>
+                <a:tc>
+                  <a:txBody>
+                    <a:bodyPr/>
+                    <a:lstStyle/>
+                    <a:p>
+                      <a:pPr marL="0" marR="0" algn="l">
+                        <a:lnSpc>
+                          <a:spcPct val="107000"/>
+                        </a:lnSpc>
+                        <a:spcBef>
+                          <a:spcPts val="1200"/>
+                        </a:spcBef>
+                        <a:spcAft>
+                          <a:spcPts val="600"/>
+                        </a:spcAft>
+                      </a:pPr>
+                      <a:r>
+                        <a:rPr lang="en-US" sz="1400">
+                          <a:effectLst/>
+                          <a:latin typeface="Arial" panose="020B0604020202020204" pitchFamily="34" charset="0"/>
+                          <a:cs typeface="Arial" panose="020B0604020202020204" pitchFamily="34" charset="0"/>
+                        </a:rPr>
+                        <a:t>5-10% increase in budget</a:t>
+                      </a:r>
+                      <a:endParaRPr lang="en-US" sz="1400">
+                        <a:effectLst/>
+                        <a:latin typeface="Arial" panose="020B0604020202020204" pitchFamily="34" charset="0"/>
+                        <a:ea typeface="Times New Roman" panose="02020603050405020304" pitchFamily="18" charset="0"/>
+                        <a:cs typeface="Arial" panose="020B0604020202020204" pitchFamily="34" charset="0"/>
+                      </a:endParaRPr>
+                    </a:p>
+                  </a:txBody>
+                  <a:tcPr marL="0" marR="0" marT="0" marB="0"/>
+                </a:tc>
+                <a:tc>
+                  <a:txBody>
+                    <a:bodyPr/>
+                    <a:lstStyle/>
+                    <a:p>
+                      <a:pPr marL="0" marR="0" algn="l">
+                        <a:lnSpc>
+                          <a:spcPct val="107000"/>
+                        </a:lnSpc>
+                        <a:spcBef>
+                          <a:spcPts val="1200"/>
+                        </a:spcBef>
+                        <a:spcAft>
+                          <a:spcPts val="600"/>
+                        </a:spcAft>
+                      </a:pPr>
+                      <a:r>
+                        <a:rPr lang="en-US" sz="1400" dirty="0">
+                          <a:effectLst/>
+                          <a:latin typeface="Arial" panose="020B0604020202020204" pitchFamily="34" charset="0"/>
+                          <a:cs typeface="Arial" panose="020B0604020202020204" pitchFamily="34" charset="0"/>
+                        </a:rPr>
+                        <a:t>1 - 2 weeks delay to schedule</a:t>
+                      </a:r>
+                      <a:endParaRPr lang="en-US" sz="1400" dirty="0">
+                        <a:effectLst/>
+                        <a:latin typeface="Arial" panose="020B0604020202020204" pitchFamily="34" charset="0"/>
+                        <a:ea typeface="Times New Roman" panose="02020603050405020304" pitchFamily="18" charset="0"/>
+                        <a:cs typeface="Arial" panose="020B0604020202020204" pitchFamily="34" charset="0"/>
+                      </a:endParaRPr>
+                    </a:p>
+                  </a:txBody>
+                  <a:tcPr marL="0" marR="0" marT="0" marB="0"/>
+                </a:tc>
+              </a:tr>
+              <a:tr h="458546">
+                <a:tc>
+                  <a:txBody>
+                    <a:bodyPr/>
+                    <a:lstStyle/>
+                    <a:p>
+                      <a:pPr marL="0" marR="0" algn="ctr">
+                        <a:lnSpc>
+                          <a:spcPct val="107000"/>
+                        </a:lnSpc>
+                        <a:spcBef>
+                          <a:spcPts val="1200"/>
+                        </a:spcBef>
+                        <a:spcAft>
+                          <a:spcPts val="600"/>
+                        </a:spcAft>
+                      </a:pPr>
+                      <a:r>
+                        <a:rPr lang="en-US" sz="1400">
+                          <a:effectLst/>
+                          <a:latin typeface="Arial" panose="020B0604020202020204" pitchFamily="34" charset="0"/>
+                          <a:cs typeface="Arial" panose="020B0604020202020204" pitchFamily="34" charset="0"/>
+                        </a:rPr>
+                        <a:t>4</a:t>
+                      </a:r>
+                      <a:endParaRPr lang="en-US" sz="1400">
+                        <a:effectLst/>
+                        <a:latin typeface="Arial" panose="020B0604020202020204" pitchFamily="34" charset="0"/>
+                        <a:ea typeface="Times New Roman" panose="02020603050405020304" pitchFamily="18" charset="0"/>
+                        <a:cs typeface="Arial" panose="020B0604020202020204" pitchFamily="34" charset="0"/>
+                      </a:endParaRPr>
+                    </a:p>
+                  </a:txBody>
+                  <a:tcPr marL="0" marR="0" marT="0" marB="0"/>
+                </a:tc>
+                <a:tc>
+                  <a:txBody>
+                    <a:bodyPr/>
+                    <a:lstStyle/>
+                    <a:p>
+                      <a:pPr marL="0" marR="0" algn="ctr">
+                        <a:lnSpc>
+                          <a:spcPct val="107000"/>
+                        </a:lnSpc>
+                        <a:spcBef>
+                          <a:spcPts val="1200"/>
+                        </a:spcBef>
+                        <a:spcAft>
+                          <a:spcPts val="600"/>
+                        </a:spcAft>
+                      </a:pPr>
+                      <a:r>
+                        <a:rPr lang="en-US" sz="1400">
+                          <a:effectLst/>
+                          <a:latin typeface="Arial" panose="020B0604020202020204" pitchFamily="34" charset="0"/>
+                          <a:cs typeface="Arial" panose="020B0604020202020204" pitchFamily="34" charset="0"/>
+                        </a:rPr>
+                        <a:t>High</a:t>
+                      </a:r>
+                      <a:endParaRPr lang="en-US" sz="1400">
+                        <a:effectLst/>
+                        <a:latin typeface="Arial" panose="020B0604020202020204" pitchFamily="34" charset="0"/>
+                        <a:ea typeface="Times New Roman" panose="02020603050405020304" pitchFamily="18" charset="0"/>
+                        <a:cs typeface="Arial" panose="020B0604020202020204" pitchFamily="34" charset="0"/>
+                      </a:endParaRPr>
+                    </a:p>
+                  </a:txBody>
+                  <a:tcPr marL="0" marR="0" marT="0" marB="0"/>
+                </a:tc>
+                <a:tc>
+                  <a:txBody>
+                    <a:bodyPr/>
+                    <a:lstStyle/>
+                    <a:p>
+                      <a:pPr marL="0" marR="0" algn="l">
+                        <a:lnSpc>
+                          <a:spcPct val="107000"/>
+                        </a:lnSpc>
+                        <a:spcBef>
+                          <a:spcPts val="1200"/>
+                        </a:spcBef>
+                        <a:spcAft>
+                          <a:spcPts val="600"/>
+                        </a:spcAft>
+                      </a:pPr>
+                      <a:r>
+                        <a:rPr lang="en-US" sz="1400" dirty="0">
+                          <a:effectLst/>
+                          <a:latin typeface="Arial" panose="020B0604020202020204" pitchFamily="34" charset="0"/>
+                          <a:cs typeface="Arial" panose="020B0604020202020204" pitchFamily="34" charset="0"/>
+                        </a:rPr>
+                        <a:t>10-20% increase in budget</a:t>
+                      </a:r>
+                      <a:endParaRPr lang="en-US" sz="1400" dirty="0">
+                        <a:effectLst/>
+                        <a:latin typeface="Arial" panose="020B0604020202020204" pitchFamily="34" charset="0"/>
+                        <a:ea typeface="Times New Roman" panose="02020603050405020304" pitchFamily="18" charset="0"/>
+                        <a:cs typeface="Arial" panose="020B0604020202020204" pitchFamily="34" charset="0"/>
+                      </a:endParaRPr>
+                    </a:p>
+                  </a:txBody>
+                  <a:tcPr marL="0" marR="0" marT="0" marB="0"/>
+                </a:tc>
+                <a:tc>
+                  <a:txBody>
+                    <a:bodyPr/>
+                    <a:lstStyle/>
+                    <a:p>
+                      <a:pPr marL="0" marR="0" algn="l">
+                        <a:lnSpc>
+                          <a:spcPct val="107000"/>
+                        </a:lnSpc>
+                        <a:spcBef>
+                          <a:spcPts val="1200"/>
+                        </a:spcBef>
+                        <a:spcAft>
+                          <a:spcPts val="600"/>
+                        </a:spcAft>
+                      </a:pPr>
+                      <a:r>
+                        <a:rPr lang="en-US" sz="1400" dirty="0">
+                          <a:effectLst/>
+                          <a:latin typeface="Arial" panose="020B0604020202020204" pitchFamily="34" charset="0"/>
+                          <a:cs typeface="Arial" panose="020B0604020202020204" pitchFamily="34" charset="0"/>
+                        </a:rPr>
+                        <a:t>2 - 4 weeks delay to schedule</a:t>
+                      </a:r>
+                      <a:endParaRPr lang="en-US" sz="1400" dirty="0">
+                        <a:effectLst/>
+                        <a:latin typeface="Arial" panose="020B0604020202020204" pitchFamily="34" charset="0"/>
+                        <a:ea typeface="Times New Roman" panose="02020603050405020304" pitchFamily="18" charset="0"/>
+                        <a:cs typeface="Arial" panose="020B0604020202020204" pitchFamily="34" charset="0"/>
+                      </a:endParaRPr>
+                    </a:p>
+                  </a:txBody>
+                  <a:tcPr marL="0" marR="0" marT="0" marB="0"/>
+                </a:tc>
+              </a:tr>
+              <a:tr h="458546">
+                <a:tc>
+                  <a:txBody>
+                    <a:bodyPr/>
+                    <a:lstStyle/>
+                    <a:p>
+                      <a:pPr marL="0" marR="0" algn="ctr">
+                        <a:lnSpc>
+                          <a:spcPct val="107000"/>
+                        </a:lnSpc>
+                        <a:spcBef>
+                          <a:spcPts val="1200"/>
+                        </a:spcBef>
+                        <a:spcAft>
+                          <a:spcPts val="600"/>
+                        </a:spcAft>
+                      </a:pPr>
+                      <a:r>
+                        <a:rPr lang="en-US" sz="1400">
+                          <a:effectLst/>
+                          <a:latin typeface="Arial" panose="020B0604020202020204" pitchFamily="34" charset="0"/>
+                          <a:cs typeface="Arial" panose="020B0604020202020204" pitchFamily="34" charset="0"/>
+                        </a:rPr>
+                        <a:t>5</a:t>
+                      </a:r>
+                      <a:endParaRPr lang="en-US" sz="1400">
+                        <a:effectLst/>
+                        <a:latin typeface="Arial" panose="020B0604020202020204" pitchFamily="34" charset="0"/>
+                        <a:ea typeface="Times New Roman" panose="02020603050405020304" pitchFamily="18" charset="0"/>
+                        <a:cs typeface="Arial" panose="020B0604020202020204" pitchFamily="34" charset="0"/>
+                      </a:endParaRPr>
+                    </a:p>
+                  </a:txBody>
+                  <a:tcPr marL="0" marR="0" marT="0" marB="0"/>
+                </a:tc>
+                <a:tc>
+                  <a:txBody>
+                    <a:bodyPr/>
+                    <a:lstStyle/>
+                    <a:p>
+                      <a:pPr marL="0" marR="0" algn="ctr">
+                        <a:lnSpc>
+                          <a:spcPct val="107000"/>
+                        </a:lnSpc>
+                        <a:spcBef>
+                          <a:spcPts val="1200"/>
+                        </a:spcBef>
+                        <a:spcAft>
+                          <a:spcPts val="600"/>
+                        </a:spcAft>
+                      </a:pPr>
+                      <a:r>
+                        <a:rPr lang="en-US" sz="1400">
+                          <a:effectLst/>
+                          <a:latin typeface="Arial" panose="020B0604020202020204" pitchFamily="34" charset="0"/>
+                          <a:cs typeface="Arial" panose="020B0604020202020204" pitchFamily="34" charset="0"/>
+                        </a:rPr>
+                        <a:t>Very High</a:t>
+                      </a:r>
+                      <a:endParaRPr lang="en-US" sz="1400">
+                        <a:effectLst/>
+                        <a:latin typeface="Arial" panose="020B0604020202020204" pitchFamily="34" charset="0"/>
+                        <a:ea typeface="Times New Roman" panose="02020603050405020304" pitchFamily="18" charset="0"/>
+                        <a:cs typeface="Arial" panose="020B0604020202020204" pitchFamily="34" charset="0"/>
+                      </a:endParaRPr>
+                    </a:p>
+                  </a:txBody>
+                  <a:tcPr marL="0" marR="0" marT="0" marB="0"/>
+                </a:tc>
+                <a:tc>
+                  <a:txBody>
+                    <a:bodyPr/>
+                    <a:lstStyle/>
+                    <a:p>
+                      <a:pPr marL="0" marR="0" algn="l">
+                        <a:lnSpc>
+                          <a:spcPct val="107000"/>
+                        </a:lnSpc>
+                        <a:spcBef>
+                          <a:spcPts val="1200"/>
+                        </a:spcBef>
+                        <a:spcAft>
+                          <a:spcPts val="600"/>
+                        </a:spcAft>
+                      </a:pPr>
+                      <a:r>
+                        <a:rPr lang="en-US" sz="1400" dirty="0">
+                          <a:effectLst/>
+                          <a:latin typeface="Arial" panose="020B0604020202020204" pitchFamily="34" charset="0"/>
+                          <a:cs typeface="Arial" panose="020B0604020202020204" pitchFamily="34" charset="0"/>
+                        </a:rPr>
+                        <a:t>&gt; 20% increase in budget</a:t>
+                      </a:r>
+                      <a:endParaRPr lang="en-US" sz="1400" dirty="0">
+                        <a:effectLst/>
+                        <a:latin typeface="Arial" panose="020B0604020202020204" pitchFamily="34" charset="0"/>
+                        <a:ea typeface="Times New Roman" panose="02020603050405020304" pitchFamily="18" charset="0"/>
+                        <a:cs typeface="Arial" panose="020B0604020202020204" pitchFamily="34" charset="0"/>
+                      </a:endParaRPr>
+                    </a:p>
+                  </a:txBody>
+                  <a:tcPr marL="0" marR="0" marT="0" marB="0"/>
+                </a:tc>
+                <a:tc>
+                  <a:txBody>
+                    <a:bodyPr/>
+                    <a:lstStyle/>
+                    <a:p>
+                      <a:pPr marL="0" marR="0" algn="l">
+                        <a:lnSpc>
+                          <a:spcPct val="107000"/>
+                        </a:lnSpc>
+                        <a:spcBef>
+                          <a:spcPts val="1200"/>
+                        </a:spcBef>
+                        <a:spcAft>
+                          <a:spcPts val="600"/>
+                        </a:spcAft>
+                      </a:pPr>
+                      <a:r>
+                        <a:rPr lang="en-US" sz="1400" dirty="0">
+                          <a:effectLst/>
+                          <a:latin typeface="Arial" panose="020B0604020202020204" pitchFamily="34" charset="0"/>
+                          <a:cs typeface="Arial" panose="020B0604020202020204" pitchFamily="34" charset="0"/>
+                        </a:rPr>
+                        <a:t>&gt; 4 weeks delay to schedule</a:t>
+                      </a:r>
+                      <a:endParaRPr lang="en-US" sz="1400" dirty="0">
+                        <a:effectLst/>
+                        <a:latin typeface="Arial" panose="020B0604020202020204" pitchFamily="34" charset="0"/>
+                        <a:ea typeface="Times New Roman" panose="02020603050405020304" pitchFamily="18" charset="0"/>
+                        <a:cs typeface="Arial" panose="020B0604020202020204" pitchFamily="34" charset="0"/>
+                      </a:endParaRPr>
+                    </a:p>
+                  </a:txBody>
+                  <a:tcPr marL="0" marR="0" marT="0" marB="0"/>
+                </a:tc>
+              </a:tr>
+            </a:tbl>
+          </a:graphicData>
+        </a:graphic>
+      </p:graphicFrame>
+    </p:spTree>
+    <p:extLst>
+      <p:ext uri="{BB962C8B-B14F-4D97-AF65-F5344CB8AC3E}">
+        <p14:creationId xmlns:p14="http://schemas.microsoft.com/office/powerpoint/2010/main" val="2484558908"/>
+      </p:ext>
+    </p:extLst>
+  </p:cSld>
+  <p:clrMapOvr>
+    <a:masterClrMapping/>
+  </p:clrMapOvr>
+</p:sld>
+</file>
+
+<file path=ppt/slides/slide28.xml><?xml version="1.0" encoding="utf-8"?>
+<p:sld xmlns:a="http://schemas.openxmlformats.org/drawingml/2006/main" xmlns:r="http://schemas.openxmlformats.org/officeDocument/2006/relationships" xmlns:p="http://schemas.openxmlformats.org/presentationml/2006/main">
+  <p:cSld>
+    <p:spTree>
+      <p:nvGrpSpPr>
+        <p:cNvPr id="1" name=""/>
+        <p:cNvGrpSpPr/>
+        <p:nvPr/>
+      </p:nvGrpSpPr>
+      <p:grpSpPr>
+        <a:xfrm>
+          <a:off x="0" y="0"/>
+          <a:ext cx="0" cy="0"/>
+          <a:chOff x="0" y="0"/>
+          <a:chExt cx="0" cy="0"/>
+        </a:xfrm>
+      </p:grpSpPr>
+      <p:sp>
+        <p:nvSpPr>
+          <p:cNvPr id="2" name="Title 1"/>
+          <p:cNvSpPr>
+            <a:spLocks noGrp="1"/>
+          </p:cNvSpPr>
+          <p:nvPr>
+            <p:ph type="title"/>
+          </p:nvPr>
+        </p:nvSpPr>
+        <p:spPr/>
+        <p:txBody>
+          <a:bodyPr/>
+          <a:lstStyle/>
+          <a:p>
+            <a:endParaRPr lang="en-US"/>
+          </a:p>
+        </p:txBody>
+      </p:sp>
+      <p:sp>
+        <p:nvSpPr>
+          <p:cNvPr id="3" name="Content Placeholder 2"/>
+          <p:cNvSpPr>
+            <a:spLocks noGrp="1"/>
+          </p:cNvSpPr>
+          <p:nvPr>
+            <p:ph idx="1"/>
+          </p:nvPr>
+        </p:nvSpPr>
+        <p:spPr/>
+        <p:txBody>
+          <a:bodyPr/>
+          <a:lstStyle/>
+          <a:p>
+            <a:r>
+              <a:rPr lang="en-US" dirty="0">
+                <a:solidFill>
+                  <a:srgbClr val="222222"/>
+                </a:solidFill>
+                <a:latin typeface="arial" panose="020B0604020202020204" pitchFamily="34" charset="0"/>
+              </a:rPr>
+              <a:t>Remember, these scales are very dependent on the specific details of your project</a:t>
+            </a:r>
+            <a:r>
+              <a:rPr lang="en-US" dirty="0" smtClean="0">
+                <a:solidFill>
+                  <a:srgbClr val="222222"/>
+                </a:solidFill>
+                <a:latin typeface="arial" panose="020B0604020202020204" pitchFamily="34" charset="0"/>
+              </a:rPr>
+              <a:t>.</a:t>
+            </a:r>
+          </a:p>
+          <a:p>
+            <a:pPr lvl="1"/>
+            <a:r>
+              <a:rPr lang="en-US" sz="1800" dirty="0" smtClean="0"/>
+              <a:t>For example, a "Low" likelihood of occurrence for one project may mean a risk event is unlikely to occur within the next 10 deployments.</a:t>
+            </a:r>
+          </a:p>
+          <a:p>
+            <a:r>
+              <a:rPr lang="en-US" dirty="0" smtClean="0">
+                <a:solidFill>
+                  <a:schemeClr val="tx1"/>
+                </a:solidFill>
+              </a:rPr>
+              <a:t>The </a:t>
+            </a:r>
+            <a:r>
+              <a:rPr lang="en-US" dirty="0">
+                <a:solidFill>
+                  <a:schemeClr val="tx1"/>
+                </a:solidFill>
+              </a:rPr>
+              <a:t>impact scale for your project could also include other considerations such as scope, political, and employee impacts.</a:t>
+            </a:r>
+            <a:endParaRPr lang="en-US" dirty="0">
+              <a:solidFill>
+                <a:schemeClr val="tx1"/>
+              </a:solidFill>
+            </a:endParaRPr>
+          </a:p>
+          <a:p>
+            <a:pPr marL="457200" lvl="1" indent="0">
+              <a:buNone/>
+            </a:pPr>
+            <a:endParaRPr lang="en-US" sz="1800" dirty="0" smtClean="0"/>
+          </a:p>
+        </p:txBody>
+      </p:sp>
+    </p:spTree>
+    <p:extLst>
+      <p:ext uri="{BB962C8B-B14F-4D97-AF65-F5344CB8AC3E}">
+        <p14:creationId xmlns:p14="http://schemas.microsoft.com/office/powerpoint/2010/main" val="3493748738"/>
+      </p:ext>
+    </p:extLst>
+  </p:cSld>
+  <p:clrMapOvr>
+    <a:masterClrMapping/>
+  </p:clrMapOvr>
+</p:sld>
+</file>
+
+<file path=ppt/slides/slide29.xml><?xml version="1.0" encoding="utf-8"?>
+<p:sld xmlns:a="http://schemas.openxmlformats.org/drawingml/2006/main" xmlns:r="http://schemas.openxmlformats.org/officeDocument/2006/relationships" xmlns:p="http://schemas.openxmlformats.org/presentationml/2006/main">
+  <p:cSld>
+    <p:spTree>
+      <p:nvGrpSpPr>
+        <p:cNvPr id="1" name=""/>
+        <p:cNvGrpSpPr/>
+        <p:nvPr/>
+      </p:nvGrpSpPr>
+      <p:grpSpPr>
+        <a:xfrm>
+          <a:off x="0" y="0"/>
+          <a:ext cx="0" cy="0"/>
+          <a:chOff x="0" y="0"/>
+          <a:chExt cx="0" cy="0"/>
+        </a:xfrm>
+      </p:grpSpPr>
+      <p:sp>
+        <p:nvSpPr>
+          <p:cNvPr id="2" name="Title 1"/>
+          <p:cNvSpPr>
+            <a:spLocks noGrp="1"/>
+          </p:cNvSpPr>
+          <p:nvPr>
+            <p:ph type="title"/>
+          </p:nvPr>
+        </p:nvSpPr>
+        <p:spPr/>
+        <p:txBody>
+          <a:bodyPr/>
+          <a:lstStyle/>
+          <a:p>
+            <a:endParaRPr lang="en-US"/>
+          </a:p>
+        </p:txBody>
+      </p:sp>
+      <p:sp>
+        <p:nvSpPr>
+          <p:cNvPr id="3" name="Content Placeholder 2"/>
+          <p:cNvSpPr>
+            <a:spLocks noGrp="1"/>
+          </p:cNvSpPr>
+          <p:nvPr>
+            <p:ph idx="1"/>
+          </p:nvPr>
+        </p:nvSpPr>
+        <p:spPr>
+          <a:xfrm>
+            <a:off x="609600" y="1805904"/>
+            <a:ext cx="10972800" cy="3419476"/>
+          </a:xfrm>
+        </p:spPr>
+        <p:txBody>
+          <a:bodyPr/>
+          <a:lstStyle/>
+          <a:p>
+            <a:r>
+              <a:rPr lang="en-US" dirty="0">
+                <a:solidFill>
+                  <a:schemeClr val="tx1"/>
+                </a:solidFill>
+              </a:rPr>
+              <a:t>With your rating scales prepared, you can create a Risk Assessment Matrix to help you categorize the Risk Level for each risk event</a:t>
+            </a:r>
+            <a:r>
+              <a:rPr lang="en-US" dirty="0" smtClean="0">
+                <a:solidFill>
+                  <a:schemeClr val="tx1"/>
+                </a:solidFill>
+              </a:rPr>
+              <a:t>.</a:t>
+            </a:r>
+          </a:p>
+          <a:p>
+            <a:pPr marL="0" indent="0">
+              <a:buNone/>
+            </a:pPr>
+            <a:endParaRPr lang="en-US" dirty="0">
+              <a:solidFill>
+                <a:schemeClr val="tx1"/>
+              </a:solidFill>
+            </a:endParaRPr>
+          </a:p>
+        </p:txBody>
+      </p:sp>
+      <p:pic>
+        <p:nvPicPr>
+          <p:cNvPr id="4" name="Picture 3" descr="Risk Assessment Matrix"/>
+          <p:cNvPicPr/>
+          <p:nvPr/>
+        </p:nvPicPr>
+        <p:blipFill>
+          <a:blip r:embed="rId2">
+            <a:extLst>
+              <a:ext uri="{28A0092B-C50C-407E-A947-70E740481C1C}">
+                <a14:useLocalDpi xmlns:a14="http://schemas.microsoft.com/office/drawing/2010/main" val="0"/>
+              </a:ext>
+            </a:extLst>
+          </a:blip>
+          <a:srcRect/>
+          <a:stretch>
+            <a:fillRect/>
+          </a:stretch>
+        </p:blipFill>
+        <p:spPr bwMode="auto">
+          <a:xfrm>
+            <a:off x="4131368" y="2753016"/>
+            <a:ext cx="3929263" cy="2472364"/>
+          </a:xfrm>
+          <a:prstGeom prst="rect">
+            <a:avLst/>
+          </a:prstGeom>
+          <a:noFill/>
+          <a:ln>
+            <a:noFill/>
+          </a:ln>
+        </p:spPr>
+      </p:pic>
+      <p:sp>
+        <p:nvSpPr>
+          <p:cNvPr id="5" name="Rectangle 4"/>
+          <p:cNvSpPr/>
+          <p:nvPr/>
+        </p:nvSpPr>
+        <p:spPr>
+          <a:xfrm>
+            <a:off x="4416247" y="5225380"/>
+            <a:ext cx="2704651" cy="369332"/>
+          </a:xfrm>
+          <a:prstGeom prst="rect">
+            <a:avLst/>
+          </a:prstGeom>
+        </p:spPr>
+        <p:txBody>
+          <a:bodyPr wrap="none">
+            <a:spAutoFit/>
+          </a:bodyPr>
+          <a:lstStyle/>
+          <a:p>
+            <a:r>
+              <a:rPr lang="en-US" spc="25" dirty="0">
+                <a:solidFill>
+                  <a:srgbClr val="000000"/>
+                </a:solidFill>
+                <a:latin typeface="Arial" panose="020B0604020202020204" pitchFamily="34" charset="0"/>
+                <a:ea typeface="Calibri" panose="020F0502020204030204" pitchFamily="34" charset="0"/>
+              </a:rPr>
+              <a:t>Risk Assessment Matrix</a:t>
+            </a:r>
+            <a:endParaRPr lang="en-US" dirty="0"/>
+          </a:p>
+        </p:txBody>
+      </p:sp>
+    </p:spTree>
+    <p:extLst>
+      <p:ext uri="{BB962C8B-B14F-4D97-AF65-F5344CB8AC3E}">
+        <p14:creationId xmlns:p14="http://schemas.microsoft.com/office/powerpoint/2010/main" val="2780448086"/>
+      </p:ext>
+    </p:extLst>
+  </p:cSld>
+  <p:clrMapOvr>
+    <a:masterClrMapping/>
+  </p:clrMapOvr>
+</p:sld>
+</file>
+
 <file path=ppt/slides/slide3.xml><?xml version="1.0" encoding="utf-8"?>
 <p:sld xmlns:a="http://schemas.openxmlformats.org/drawingml/2006/main" xmlns:r="http://schemas.openxmlformats.org/officeDocument/2006/relationships" xmlns:p="http://schemas.openxmlformats.org/presentationml/2006/main">
   <p:cSld>
@@ -39757,7 +42175,7 @@
           <p:cNvPr id="2" name="Title 1">
             <a:extLst>
               <a:ext uri="{FF2B5EF4-FFF2-40B4-BE49-F238E27FC236}">
-                <a16:creationId xmlns:a16="http://schemas.microsoft.com/office/drawing/2014/main" id="{39FBDB44-412B-41FE-A8A8-DEA79A1417D3}"/>
+                <a16:creationId xmlns:a16="http://schemas.microsoft.com/office/drawing/2014/main" xmlns="" id="{39FBDB44-412B-41FE-A8A8-DEA79A1417D3}"/>
               </a:ext>
             </a:extLst>
           </p:cNvPr>
@@ -39793,7 +42211,7 @@
           <p:cNvPr id="3" name="Content Placeholder 2">
             <a:extLst>
               <a:ext uri="{FF2B5EF4-FFF2-40B4-BE49-F238E27FC236}">
-                <a16:creationId xmlns:a16="http://schemas.microsoft.com/office/drawing/2014/main" id="{90DFF434-D955-4BC3-BB73-6EB043B12290}"/>
+                <a16:creationId xmlns:a16="http://schemas.microsoft.com/office/drawing/2014/main" xmlns="" id="{90DFF434-D955-4BC3-BB73-6EB043B12290}"/>
               </a:ext>
             </a:extLst>
           </p:cNvPr>
@@ -39857,6 +42275,2101 @@
 </p:sld>
 </file>
 
+<file path=ppt/slides/slide30.xml><?xml version="1.0" encoding="utf-8"?>
+<p:sld xmlns:a="http://schemas.openxmlformats.org/drawingml/2006/main" xmlns:r="http://schemas.openxmlformats.org/officeDocument/2006/relationships" xmlns:p="http://schemas.openxmlformats.org/presentationml/2006/main">
+  <p:cSld>
+    <p:spTree>
+      <p:nvGrpSpPr>
+        <p:cNvPr id="1" name=""/>
+        <p:cNvGrpSpPr/>
+        <p:nvPr/>
+      </p:nvGrpSpPr>
+      <p:grpSpPr>
+        <a:xfrm>
+          <a:off x="0" y="0"/>
+          <a:ext cx="0" cy="0"/>
+          <a:chOff x="0" y="0"/>
+          <a:chExt cx="0" cy="0"/>
+        </a:xfrm>
+      </p:grpSpPr>
+      <p:sp>
+        <p:nvSpPr>
+          <p:cNvPr id="2" name="Title 1"/>
+          <p:cNvSpPr>
+            <a:spLocks noGrp="1"/>
+          </p:cNvSpPr>
+          <p:nvPr>
+            <p:ph type="title"/>
+          </p:nvPr>
+        </p:nvSpPr>
+        <p:spPr/>
+        <p:txBody>
+          <a:bodyPr/>
+          <a:lstStyle/>
+          <a:p>
+            <a:r>
+              <a:rPr lang="en-US" dirty="0">
+                <a:effectLst/>
+              </a:rPr>
+              <a:t>Qualitative Risk </a:t>
+            </a:r>
+            <a:r>
+              <a:rPr lang="en-US" dirty="0" smtClean="0">
+                <a:effectLst/>
+              </a:rPr>
+              <a:t>Assessment</a:t>
+            </a:r>
+            <a:endParaRPr lang="en-US" dirty="0"/>
+          </a:p>
+        </p:txBody>
+      </p:sp>
+      <p:sp>
+        <p:nvSpPr>
+          <p:cNvPr id="3" name="Content Placeholder 2"/>
+          <p:cNvSpPr>
+            <a:spLocks noGrp="1"/>
+          </p:cNvSpPr>
+          <p:nvPr>
+            <p:ph idx="1"/>
+          </p:nvPr>
+        </p:nvSpPr>
+        <p:spPr/>
+        <p:txBody>
+          <a:bodyPr>
+            <a:normAutofit fontScale="92500"/>
+          </a:bodyPr>
+          <a:lstStyle/>
+          <a:p>
+            <a:r>
+              <a:rPr lang="en-US" dirty="0"/>
+              <a:t>Using your RAM and Rating Scales, you can then analyze the likelihood of each risk event occurring and its impact to determine what </a:t>
+            </a:r>
+            <a:r>
+              <a:rPr lang="en-US" b="1" dirty="0"/>
+              <a:t>Risk Level</a:t>
+            </a:r>
+            <a:r>
+              <a:rPr lang="en-US" dirty="0"/>
+              <a:t> it is at. This will give you the information you need to prioritize your list of </a:t>
+            </a:r>
+            <a:r>
+              <a:rPr lang="en-US" b="1" u="sng" dirty="0">
+                <a:hlinkClick r:id="rId2"/>
+              </a:rPr>
+              <a:t>project risks</a:t>
+            </a:r>
+            <a:r>
+              <a:rPr lang="en-US" dirty="0"/>
+              <a:t>.</a:t>
+            </a:r>
+          </a:p>
+          <a:p>
+            <a:r>
+              <a:rPr lang="en-US" dirty="0"/>
+              <a:t>A </a:t>
+            </a:r>
+            <a:r>
+              <a:rPr lang="en-US" i="1" dirty="0"/>
+              <a:t>qualitative risk assessment</a:t>
+            </a:r>
+            <a:r>
+              <a:rPr lang="en-US" dirty="0"/>
+              <a:t> can also help you determine if there are any specific types or categories of risks that would require special attention or any risk events that need to be handled in the near-term.</a:t>
+            </a:r>
+          </a:p>
+          <a:p>
+            <a:r>
+              <a:rPr lang="en-US" dirty="0"/>
+              <a:t>The most challenging aspect of performing a </a:t>
+            </a:r>
+            <a:r>
+              <a:rPr lang="en-US" i="1" dirty="0"/>
+              <a:t>qualitative risk analysis</a:t>
+            </a:r>
+            <a:r>
+              <a:rPr lang="en-US" dirty="0"/>
+              <a:t> is defining your rating scales. But once that has been done, you can use them for the duration of the project to effectively manage your project's risks in a timely manner.</a:t>
+            </a:r>
+          </a:p>
+          <a:p>
+            <a:pPr lvl="2"/>
+            <a:endParaRPr lang="en-US" dirty="0"/>
+          </a:p>
+        </p:txBody>
+      </p:sp>
+    </p:spTree>
+    <p:extLst>
+      <p:ext uri="{BB962C8B-B14F-4D97-AF65-F5344CB8AC3E}">
+        <p14:creationId xmlns:p14="http://schemas.microsoft.com/office/powerpoint/2010/main" val="1005039012"/>
+      </p:ext>
+    </p:extLst>
+  </p:cSld>
+  <p:clrMapOvr>
+    <a:masterClrMapping/>
+  </p:clrMapOvr>
+</p:sld>
+</file>
+
+<file path=ppt/slides/slide31.xml><?xml version="1.0" encoding="utf-8"?>
+<p:sld xmlns:a="http://schemas.openxmlformats.org/drawingml/2006/main" xmlns:r="http://schemas.openxmlformats.org/officeDocument/2006/relationships" xmlns:p="http://schemas.openxmlformats.org/presentationml/2006/main">
+  <p:cSld>
+    <p:spTree>
+      <p:nvGrpSpPr>
+        <p:cNvPr id="1" name=""/>
+        <p:cNvGrpSpPr/>
+        <p:nvPr/>
+      </p:nvGrpSpPr>
+      <p:grpSpPr>
+        <a:xfrm>
+          <a:off x="0" y="0"/>
+          <a:ext cx="0" cy="0"/>
+          <a:chOff x="0" y="0"/>
+          <a:chExt cx="0" cy="0"/>
+        </a:xfrm>
+      </p:grpSpPr>
+      <p:sp>
+        <p:nvSpPr>
+          <p:cNvPr id="2" name="Title 1"/>
+          <p:cNvSpPr>
+            <a:spLocks noGrp="1"/>
+          </p:cNvSpPr>
+          <p:nvPr>
+            <p:ph type="title"/>
+          </p:nvPr>
+        </p:nvSpPr>
+        <p:spPr/>
+        <p:txBody>
+          <a:bodyPr/>
+          <a:lstStyle/>
+          <a:p>
+            <a:r>
+              <a:rPr lang="en-US" dirty="0">
+                <a:effectLst/>
+              </a:rPr>
+              <a:t>Qualitative Risk Analysis</a:t>
+            </a:r>
+            <a:endParaRPr lang="en-US" dirty="0"/>
+          </a:p>
+        </p:txBody>
+      </p:sp>
+      <p:sp>
+        <p:nvSpPr>
+          <p:cNvPr id="3" name="Content Placeholder 2"/>
+          <p:cNvSpPr>
+            <a:spLocks noGrp="1"/>
+          </p:cNvSpPr>
+          <p:nvPr>
+            <p:ph idx="1"/>
+          </p:nvPr>
+        </p:nvSpPr>
+        <p:spPr/>
+        <p:txBody>
+          <a:bodyPr/>
+          <a:lstStyle/>
+          <a:p>
+            <a:pPr fontAlgn="base"/>
+            <a:r>
+              <a:rPr lang="en-US" dirty="0">
+                <a:solidFill>
+                  <a:schemeClr val="tx1"/>
+                </a:solidFill>
+              </a:rPr>
+              <a:t>Project managers should be prepared to perform different types of risk analysis. For many projects, the quicker qualitative risk assessment is all you need. But there are occasions when you will benefit from a quantitative risk analysis.</a:t>
+            </a:r>
+          </a:p>
+          <a:p>
+            <a:pPr fontAlgn="base"/>
+            <a:r>
+              <a:rPr lang="en-US" dirty="0">
+                <a:solidFill>
+                  <a:schemeClr val="tx1"/>
+                </a:solidFill>
+              </a:rPr>
+              <a:t>Let’s take a look at this type of analysis: What is it? Why should we perform it? When should it be performed? And how do we quantify risks?</a:t>
+            </a:r>
+          </a:p>
+        </p:txBody>
+      </p:sp>
+      <p:pic>
+        <p:nvPicPr>
+          <p:cNvPr id="6" name="Picture 5" descr="Biểu đồ thanh phân tích rủi ro định lượng"/>
+          <p:cNvPicPr/>
+          <p:nvPr/>
+        </p:nvPicPr>
+        <p:blipFill>
+          <a:blip r:embed="rId2">
+            <a:extLst>
+              <a:ext uri="{28A0092B-C50C-407E-A947-70E740481C1C}">
+                <a14:useLocalDpi xmlns:a14="http://schemas.microsoft.com/office/drawing/2010/main" val="0"/>
+              </a:ext>
+            </a:extLst>
+          </a:blip>
+          <a:srcRect/>
+          <a:stretch>
+            <a:fillRect/>
+          </a:stretch>
+        </p:blipFill>
+        <p:spPr bwMode="auto">
+          <a:xfrm>
+            <a:off x="8062658" y="4379492"/>
+            <a:ext cx="2716959" cy="2264615"/>
+          </a:xfrm>
+          <a:prstGeom prst="rect">
+            <a:avLst/>
+          </a:prstGeom>
+          <a:noFill/>
+          <a:ln>
+            <a:noFill/>
+          </a:ln>
+        </p:spPr>
+      </p:pic>
+    </p:spTree>
+    <p:extLst>
+      <p:ext uri="{BB962C8B-B14F-4D97-AF65-F5344CB8AC3E}">
+        <p14:creationId xmlns:p14="http://schemas.microsoft.com/office/powerpoint/2010/main" val="3926031106"/>
+      </p:ext>
+    </p:extLst>
+  </p:cSld>
+  <p:clrMapOvr>
+    <a:masterClrMapping/>
+  </p:clrMapOvr>
+</p:sld>
+</file>
+
+<file path=ppt/slides/slide32.xml><?xml version="1.0" encoding="utf-8"?>
+<p:sld xmlns:a="http://schemas.openxmlformats.org/drawingml/2006/main" xmlns:r="http://schemas.openxmlformats.org/officeDocument/2006/relationships" xmlns:p="http://schemas.openxmlformats.org/presentationml/2006/main">
+  <p:cSld>
+    <p:spTree>
+      <p:nvGrpSpPr>
+        <p:cNvPr id="1" name=""/>
+        <p:cNvGrpSpPr/>
+        <p:nvPr/>
+      </p:nvGrpSpPr>
+      <p:grpSpPr>
+        <a:xfrm>
+          <a:off x="0" y="0"/>
+          <a:ext cx="0" cy="0"/>
+          <a:chOff x="0" y="0"/>
+          <a:chExt cx="0" cy="0"/>
+        </a:xfrm>
+      </p:grpSpPr>
+      <p:sp>
+        <p:nvSpPr>
+          <p:cNvPr id="2" name="Title 1"/>
+          <p:cNvSpPr>
+            <a:spLocks noGrp="1"/>
+          </p:cNvSpPr>
+          <p:nvPr>
+            <p:ph type="title"/>
+          </p:nvPr>
+        </p:nvSpPr>
+        <p:spPr/>
+        <p:txBody>
+          <a:bodyPr/>
+          <a:lstStyle/>
+          <a:p>
+            <a:r>
+              <a:rPr lang="en-US" dirty="0">
+                <a:effectLst/>
+              </a:rPr>
+              <a:t>What is Quantitative Risk Analysis</a:t>
+            </a:r>
+            <a:r>
+              <a:rPr lang="en-US" dirty="0" smtClean="0">
+                <a:effectLst/>
+              </a:rPr>
+              <a:t>?</a:t>
+            </a:r>
+            <a:endParaRPr lang="en-US" dirty="0"/>
+          </a:p>
+        </p:txBody>
+      </p:sp>
+      <p:sp>
+        <p:nvSpPr>
+          <p:cNvPr id="3" name="Content Placeholder 2"/>
+          <p:cNvSpPr>
+            <a:spLocks noGrp="1"/>
+          </p:cNvSpPr>
+          <p:nvPr>
+            <p:ph idx="1"/>
+          </p:nvPr>
+        </p:nvSpPr>
+        <p:spPr/>
+        <p:txBody>
+          <a:bodyPr/>
+          <a:lstStyle/>
+          <a:p>
+            <a:r>
+              <a:rPr lang="en-US" dirty="0"/>
+              <a:t>Qualitative risk analysis is a numeric estimate of the overall effect of risk on the project objectives such as cost and schedule objectives. The results provide insight into the likelihood of project success and is used to develop contingency reserves. </a:t>
+            </a:r>
+            <a:endParaRPr lang="en-US" dirty="0"/>
+          </a:p>
+        </p:txBody>
+      </p:sp>
+    </p:spTree>
+    <p:extLst>
+      <p:ext uri="{BB962C8B-B14F-4D97-AF65-F5344CB8AC3E}">
+        <p14:creationId xmlns:p14="http://schemas.microsoft.com/office/powerpoint/2010/main" val="3962101388"/>
+      </p:ext>
+    </p:extLst>
+  </p:cSld>
+  <p:clrMapOvr>
+    <a:masterClrMapping/>
+  </p:clrMapOvr>
+</p:sld>
+</file>
+
+<file path=ppt/slides/slide33.xml><?xml version="1.0" encoding="utf-8"?>
+<p:sld xmlns:a="http://schemas.openxmlformats.org/drawingml/2006/main" xmlns:r="http://schemas.openxmlformats.org/officeDocument/2006/relationships" xmlns:p="http://schemas.openxmlformats.org/presentationml/2006/main">
+  <p:cSld>
+    <p:spTree>
+      <p:nvGrpSpPr>
+        <p:cNvPr id="1" name=""/>
+        <p:cNvGrpSpPr/>
+        <p:nvPr/>
+      </p:nvGrpSpPr>
+      <p:grpSpPr>
+        <a:xfrm>
+          <a:off x="0" y="0"/>
+          <a:ext cx="0" cy="0"/>
+          <a:chOff x="0" y="0"/>
+          <a:chExt cx="0" cy="0"/>
+        </a:xfrm>
+      </p:grpSpPr>
+      <p:sp>
+        <p:nvSpPr>
+          <p:cNvPr id="2" name="Title 1"/>
+          <p:cNvSpPr>
+            <a:spLocks noGrp="1"/>
+          </p:cNvSpPr>
+          <p:nvPr>
+            <p:ph type="title"/>
+          </p:nvPr>
+        </p:nvSpPr>
+        <p:spPr/>
+        <p:txBody>
+          <a:bodyPr/>
+          <a:lstStyle/>
+          <a:p>
+            <a:r>
+              <a:rPr lang="en-US" dirty="0">
+                <a:latin typeface="Arial" panose="020B0604020202020204" pitchFamily="34" charset="0"/>
+                <a:cs typeface="Arial" panose="020B0604020202020204" pitchFamily="34" charset="0"/>
+              </a:rPr>
+              <a:t>Why Perform Quantitative Risk Analysis</a:t>
+            </a:r>
+            <a:r>
+              <a:rPr lang="en-US" dirty="0" smtClean="0">
+                <a:latin typeface="Arial" panose="020B0604020202020204" pitchFamily="34" charset="0"/>
+                <a:cs typeface="Arial" panose="020B0604020202020204" pitchFamily="34" charset="0"/>
+              </a:rPr>
+              <a:t>?</a:t>
+            </a:r>
+            <a:endParaRPr lang="en-US" dirty="0">
+              <a:latin typeface="Arial" panose="020B0604020202020204" pitchFamily="34" charset="0"/>
+              <a:cs typeface="Arial" panose="020B0604020202020204" pitchFamily="34" charset="0"/>
+            </a:endParaRPr>
+          </a:p>
+        </p:txBody>
+      </p:sp>
+      <p:sp>
+        <p:nvSpPr>
+          <p:cNvPr id="3" name="Content Placeholder 2"/>
+          <p:cNvSpPr>
+            <a:spLocks noGrp="1"/>
+          </p:cNvSpPr>
+          <p:nvPr>
+            <p:ph idx="1"/>
+          </p:nvPr>
+        </p:nvSpPr>
+        <p:spPr/>
+        <p:txBody>
+          <a:bodyPr>
+            <a:normAutofit fontScale="92500" lnSpcReduction="10000"/>
+          </a:bodyPr>
+          <a:lstStyle/>
+          <a:p>
+            <a:r>
+              <a:rPr lang="en-US" dirty="0" smtClean="0">
+                <a:latin typeface="Arial" panose="020B0604020202020204" pitchFamily="34" charset="0"/>
+                <a:cs typeface="Arial" panose="020B0604020202020204" pitchFamily="34" charset="0"/>
+              </a:rPr>
+              <a:t>Better </a:t>
+            </a:r>
+            <a:r>
+              <a:rPr lang="en-US" dirty="0">
+                <a:latin typeface="Arial" panose="020B0604020202020204" pitchFamily="34" charset="0"/>
+                <a:cs typeface="Arial" panose="020B0604020202020204" pitchFamily="34" charset="0"/>
+              </a:rPr>
+              <a:t>Overall Project Risk </a:t>
+            </a:r>
+            <a:r>
+              <a:rPr lang="en-US" dirty="0" smtClean="0">
+                <a:latin typeface="Arial" panose="020B0604020202020204" pitchFamily="34" charset="0"/>
+                <a:cs typeface="Arial" panose="020B0604020202020204" pitchFamily="34" charset="0"/>
+              </a:rPr>
+              <a:t>Analysis</a:t>
+            </a:r>
+          </a:p>
+          <a:p>
+            <a:pPr lvl="1"/>
+            <a:r>
+              <a:rPr lang="en-US" dirty="0">
+                <a:latin typeface="Arial" panose="020B0604020202020204" pitchFamily="34" charset="0"/>
+                <a:cs typeface="Arial" panose="020B0604020202020204" pitchFamily="34" charset="0"/>
+              </a:rPr>
+              <a:t>Individual risks are evaluated in the qualitative risk analysis. But the quantitative analysis allows us to evaluate the overall project risk from the individual risks</a:t>
+            </a:r>
+            <a:r>
+              <a:rPr lang="en-US" dirty="0" smtClean="0">
+                <a:latin typeface="Arial" panose="020B0604020202020204" pitchFamily="34" charset="0"/>
+                <a:cs typeface="Arial" panose="020B0604020202020204" pitchFamily="34" charset="0"/>
+              </a:rPr>
+              <a:t>.</a:t>
+            </a:r>
+          </a:p>
+          <a:p>
+            <a:r>
+              <a:rPr lang="en-US" dirty="0">
+                <a:latin typeface="Arial" panose="020B0604020202020204" pitchFamily="34" charset="0"/>
+                <a:cs typeface="Arial" panose="020B0604020202020204" pitchFamily="34" charset="0"/>
+              </a:rPr>
+              <a:t>Better Business Decisions</a:t>
+            </a:r>
+          </a:p>
+          <a:p>
+            <a:pPr lvl="1"/>
+            <a:r>
+              <a:rPr lang="en-US" dirty="0">
+                <a:latin typeface="Arial" panose="020B0604020202020204" pitchFamily="34" charset="0"/>
+                <a:cs typeface="Arial" panose="020B0604020202020204" pitchFamily="34" charset="0"/>
+              </a:rPr>
+              <a:t>Business decisions are rarely made with all the information or data we desire. For more critical decisions, quantitative risk analysis provides more objective information and data than the qualitative analysis. Keep in mind: While the quantitative analysis is more objective, it is still an estimate. Wise project managers consider other factors in the decision-making process.</a:t>
+            </a:r>
+          </a:p>
+          <a:p>
+            <a:r>
+              <a:rPr lang="en-US" dirty="0">
+                <a:latin typeface="Arial" panose="020B0604020202020204" pitchFamily="34" charset="0"/>
+                <a:cs typeface="Arial" panose="020B0604020202020204" pitchFamily="34" charset="0"/>
+              </a:rPr>
+              <a:t>Better </a:t>
+            </a:r>
+            <a:r>
+              <a:rPr lang="en-US" dirty="0" smtClean="0">
+                <a:latin typeface="Arial" panose="020B0604020202020204" pitchFamily="34" charset="0"/>
+                <a:cs typeface="Arial" panose="020B0604020202020204" pitchFamily="34" charset="0"/>
+              </a:rPr>
+              <a:t>Estimates</a:t>
+            </a:r>
+          </a:p>
+          <a:p>
+            <a:pPr lvl="1" fontAlgn="base"/>
+            <a:r>
+              <a:rPr lang="en-US" dirty="0">
+                <a:latin typeface="Arial" panose="020B0604020202020204" pitchFamily="34" charset="0"/>
+                <a:cs typeface="Arial" panose="020B0604020202020204" pitchFamily="34" charset="0"/>
+              </a:rPr>
+              <a:t>A project manager estimated a project's duration at eight months with a cost of $300,000. The project actually took twelve months and cost $380,000. What happened?</a:t>
+            </a:r>
+            <a:endParaRPr lang="en-US" sz="1200" dirty="0">
+              <a:latin typeface="Arial" panose="020B0604020202020204" pitchFamily="34" charset="0"/>
+              <a:cs typeface="Arial" panose="020B0604020202020204" pitchFamily="34" charset="0"/>
+            </a:endParaRPr>
+          </a:p>
+          <a:p>
+            <a:pPr lvl="1" fontAlgn="base"/>
+            <a:r>
+              <a:rPr lang="en-US" dirty="0">
+                <a:latin typeface="Arial" panose="020B0604020202020204" pitchFamily="34" charset="0"/>
+                <a:cs typeface="Arial" panose="020B0604020202020204" pitchFamily="34" charset="0"/>
+              </a:rPr>
+              <a:t>The project manager did a Work Breakdown Structure (WBS) and estimated the work. However, the project manager failed to consider the potential impact of the risks (good and bad) on the schedule and budget.</a:t>
+            </a:r>
+            <a:endParaRPr lang="en-US" sz="1200" dirty="0">
+              <a:latin typeface="Arial" panose="020B0604020202020204" pitchFamily="34" charset="0"/>
+              <a:cs typeface="Arial" panose="020B0604020202020204" pitchFamily="34" charset="0"/>
+            </a:endParaRPr>
+          </a:p>
+          <a:p>
+            <a:pPr lvl="1"/>
+            <a:endParaRPr lang="en-US" dirty="0" smtClean="0">
+              <a:latin typeface="Arial" panose="020B0604020202020204" pitchFamily="34" charset="0"/>
+              <a:cs typeface="Arial" panose="020B0604020202020204" pitchFamily="34" charset="0"/>
+            </a:endParaRPr>
+          </a:p>
+          <a:p>
+            <a:pPr lvl="1"/>
+            <a:endParaRPr lang="en-US" dirty="0">
+              <a:latin typeface="Arial" panose="020B0604020202020204" pitchFamily="34" charset="0"/>
+              <a:cs typeface="Arial" panose="020B0604020202020204" pitchFamily="34" charset="0"/>
+            </a:endParaRPr>
+          </a:p>
+          <a:p>
+            <a:pPr lvl="1"/>
+            <a:endParaRPr lang="en-US" dirty="0">
+              <a:latin typeface="Arial" panose="020B0604020202020204" pitchFamily="34" charset="0"/>
+              <a:cs typeface="Arial" panose="020B0604020202020204" pitchFamily="34" charset="0"/>
+            </a:endParaRPr>
+          </a:p>
+          <a:p>
+            <a:endParaRPr lang="en-US" dirty="0">
+              <a:latin typeface="Arial" panose="020B0604020202020204" pitchFamily="34" charset="0"/>
+              <a:cs typeface="Arial" panose="020B0604020202020204" pitchFamily="34" charset="0"/>
+            </a:endParaRPr>
+          </a:p>
+          <a:p>
+            <a:pPr marL="0" indent="0">
+              <a:buNone/>
+            </a:pPr>
+            <a:endParaRPr lang="en-US" dirty="0">
+              <a:latin typeface="Arial" panose="020B0604020202020204" pitchFamily="34" charset="0"/>
+              <a:cs typeface="Arial" panose="020B0604020202020204" pitchFamily="34" charset="0"/>
+            </a:endParaRPr>
+          </a:p>
+        </p:txBody>
+      </p:sp>
+    </p:spTree>
+    <p:extLst>
+      <p:ext uri="{BB962C8B-B14F-4D97-AF65-F5344CB8AC3E}">
+        <p14:creationId xmlns:p14="http://schemas.microsoft.com/office/powerpoint/2010/main" val="2955627762"/>
+      </p:ext>
+    </p:extLst>
+  </p:cSld>
+  <p:clrMapOvr>
+    <a:masterClrMapping/>
+  </p:clrMapOvr>
+</p:sld>
+</file>
+
+<file path=ppt/slides/slide34.xml><?xml version="1.0" encoding="utf-8"?>
+<p:sld xmlns:a="http://schemas.openxmlformats.org/drawingml/2006/main" xmlns:r="http://schemas.openxmlformats.org/officeDocument/2006/relationships" xmlns:p="http://schemas.openxmlformats.org/presentationml/2006/main">
+  <p:cSld>
+    <p:spTree>
+      <p:nvGrpSpPr>
+        <p:cNvPr id="1" name=""/>
+        <p:cNvGrpSpPr/>
+        <p:nvPr/>
+      </p:nvGrpSpPr>
+      <p:grpSpPr>
+        <a:xfrm>
+          <a:off x="0" y="0"/>
+          <a:ext cx="0" cy="0"/>
+          <a:chOff x="0" y="0"/>
+          <a:chExt cx="0" cy="0"/>
+        </a:xfrm>
+      </p:grpSpPr>
+      <p:sp>
+        <p:nvSpPr>
+          <p:cNvPr id="2" name="Title 1"/>
+          <p:cNvSpPr>
+            <a:spLocks noGrp="1"/>
+          </p:cNvSpPr>
+          <p:nvPr>
+            <p:ph type="title"/>
+          </p:nvPr>
+        </p:nvSpPr>
+        <p:spPr/>
+        <p:txBody>
+          <a:bodyPr/>
+          <a:lstStyle/>
+          <a:p>
+            <a:r>
+              <a:rPr lang="en-US" dirty="0">
+                <a:effectLst/>
+              </a:rPr>
+              <a:t>When to Perform Quantitative Risk Analysis</a:t>
+            </a:r>
+            <a:r>
+              <a:rPr lang="en-US" dirty="0" smtClean="0">
+                <a:effectLst/>
+              </a:rPr>
+              <a:t>?</a:t>
+            </a:r>
+            <a:endParaRPr lang="en-US" dirty="0"/>
+          </a:p>
+        </p:txBody>
+      </p:sp>
+      <p:sp>
+        <p:nvSpPr>
+          <p:cNvPr id="3" name="Content Placeholder 2"/>
+          <p:cNvSpPr>
+            <a:spLocks noGrp="1"/>
+          </p:cNvSpPr>
+          <p:nvPr>
+            <p:ph idx="1"/>
+          </p:nvPr>
+        </p:nvSpPr>
+        <p:spPr/>
+        <p:txBody>
+          <a:bodyPr/>
+          <a:lstStyle/>
+          <a:p>
+            <a:pPr fontAlgn="base"/>
+            <a:r>
+              <a:rPr lang="en-US" dirty="0"/>
+              <a:t>First, we </a:t>
+            </a:r>
+            <a:r>
+              <a:rPr lang="en-US" u="sng" dirty="0">
+                <a:hlinkClick r:id="rId2"/>
+              </a:rPr>
+              <a:t>identify risks</a:t>
+            </a:r>
+            <a:r>
+              <a:rPr lang="en-US" dirty="0"/>
+              <a:t>. Then we can evaluate the risks qualitatively and quantitatively.</a:t>
+            </a:r>
+          </a:p>
+          <a:p>
+            <a:pPr fontAlgn="base"/>
+            <a:r>
+              <a:rPr lang="en-US" dirty="0"/>
+              <a:t>Consider using Quantitative Risk Analysis for:</a:t>
+            </a:r>
+          </a:p>
+          <a:p>
+            <a:pPr lvl="1" fontAlgn="base"/>
+            <a:r>
+              <a:rPr lang="en-US" dirty="0"/>
+              <a:t>Projects that require a Contingency Reserve for the schedule and budget.</a:t>
+            </a:r>
+          </a:p>
+          <a:p>
+            <a:pPr lvl="1" fontAlgn="base"/>
+            <a:r>
+              <a:rPr lang="en-US" dirty="0"/>
+              <a:t>Large, complex projects that require Go/No Go decisions (the Go/No Go decision may occur multiple times in a project).</a:t>
+            </a:r>
+          </a:p>
+          <a:p>
+            <a:pPr lvl="1" fontAlgn="base"/>
+            <a:r>
+              <a:rPr lang="en-US" dirty="0"/>
+              <a:t>Projects where upper management wants more detail about the probability of completing the project on schedule and within budget.</a:t>
+            </a:r>
+          </a:p>
+          <a:p>
+            <a:endParaRPr lang="en-US" dirty="0"/>
+          </a:p>
+        </p:txBody>
+      </p:sp>
+    </p:spTree>
+    <p:extLst>
+      <p:ext uri="{BB962C8B-B14F-4D97-AF65-F5344CB8AC3E}">
+        <p14:creationId xmlns:p14="http://schemas.microsoft.com/office/powerpoint/2010/main" val="2224806372"/>
+      </p:ext>
+    </p:extLst>
+  </p:cSld>
+  <p:clrMapOvr>
+    <a:masterClrMapping/>
+  </p:clrMapOvr>
+</p:sld>
+</file>
+
+<file path=ppt/slides/slide35.xml><?xml version="1.0" encoding="utf-8"?>
+<p:sld xmlns:a="http://schemas.openxmlformats.org/drawingml/2006/main" xmlns:r="http://schemas.openxmlformats.org/officeDocument/2006/relationships" xmlns:p="http://schemas.openxmlformats.org/presentationml/2006/main">
+  <p:cSld>
+    <p:spTree>
+      <p:nvGrpSpPr>
+        <p:cNvPr id="1" name=""/>
+        <p:cNvGrpSpPr/>
+        <p:nvPr/>
+      </p:nvGrpSpPr>
+      <p:grpSpPr>
+        <a:xfrm>
+          <a:off x="0" y="0"/>
+          <a:ext cx="0" cy="0"/>
+          <a:chOff x="0" y="0"/>
+          <a:chExt cx="0" cy="0"/>
+        </a:xfrm>
+      </p:grpSpPr>
+      <p:sp>
+        <p:nvSpPr>
+          <p:cNvPr id="2" name="Title 1"/>
+          <p:cNvSpPr>
+            <a:spLocks noGrp="1"/>
+          </p:cNvSpPr>
+          <p:nvPr>
+            <p:ph type="title"/>
+          </p:nvPr>
+        </p:nvSpPr>
+        <p:spPr/>
+        <p:txBody>
+          <a:bodyPr/>
+          <a:lstStyle/>
+          <a:p>
+            <a:r>
+              <a:rPr lang="en-US" dirty="0">
+                <a:effectLst/>
+                <a:latin typeface="Arial" panose="020B0604020202020204" pitchFamily="34" charset="0"/>
+                <a:cs typeface="Arial" panose="020B0604020202020204" pitchFamily="34" charset="0"/>
+              </a:rPr>
+              <a:t>What is the Difference Between Qualitative and Quantitative Risk Analysis</a:t>
+            </a:r>
+            <a:r>
+              <a:rPr lang="en-US" dirty="0" smtClean="0">
+                <a:effectLst/>
+                <a:latin typeface="Arial" panose="020B0604020202020204" pitchFamily="34" charset="0"/>
+                <a:cs typeface="Arial" panose="020B0604020202020204" pitchFamily="34" charset="0"/>
+              </a:rPr>
+              <a:t>?</a:t>
+            </a:r>
+            <a:endParaRPr lang="en-US" dirty="0">
+              <a:latin typeface="Arial" panose="020B0604020202020204" pitchFamily="34" charset="0"/>
+              <a:cs typeface="Arial" panose="020B0604020202020204" pitchFamily="34" charset="0"/>
+            </a:endParaRPr>
+          </a:p>
+        </p:txBody>
+      </p:sp>
+      <p:sp>
+        <p:nvSpPr>
+          <p:cNvPr id="3" name="Content Placeholder 2"/>
+          <p:cNvSpPr>
+            <a:spLocks noGrp="1"/>
+          </p:cNvSpPr>
+          <p:nvPr>
+            <p:ph idx="1"/>
+          </p:nvPr>
+        </p:nvSpPr>
+        <p:spPr/>
+        <p:txBody>
+          <a:bodyPr>
+            <a:normAutofit lnSpcReduction="10000"/>
+          </a:bodyPr>
+          <a:lstStyle/>
+          <a:p>
+            <a:r>
+              <a:rPr lang="en-US" dirty="0">
+                <a:latin typeface="Arial" panose="020B0604020202020204" pitchFamily="34" charset="0"/>
+                <a:cs typeface="Arial" panose="020B0604020202020204" pitchFamily="34" charset="0"/>
+              </a:rPr>
+              <a:t>The main difference between these two methods of risk analysis is that </a:t>
+            </a:r>
+            <a:r>
+              <a:rPr lang="en-US" b="1" dirty="0">
+                <a:latin typeface="Arial" panose="020B0604020202020204" pitchFamily="34" charset="0"/>
+                <a:cs typeface="Arial" panose="020B0604020202020204" pitchFamily="34" charset="0"/>
+              </a:rPr>
+              <a:t>qualitative risk analysis</a:t>
+            </a:r>
+            <a:r>
+              <a:rPr lang="en-US" dirty="0">
+                <a:latin typeface="Arial" panose="020B0604020202020204" pitchFamily="34" charset="0"/>
+                <a:cs typeface="Arial" panose="020B0604020202020204" pitchFamily="34" charset="0"/>
+              </a:rPr>
+              <a:t> uses a relative or descriptive scale to measure the probability of occurrence whereas </a:t>
+            </a:r>
+            <a:r>
+              <a:rPr lang="en-US" b="1" dirty="0">
+                <a:latin typeface="Arial" panose="020B0604020202020204" pitchFamily="34" charset="0"/>
+                <a:cs typeface="Arial" panose="020B0604020202020204" pitchFamily="34" charset="0"/>
+              </a:rPr>
+              <a:t>quantitative risk analysis</a:t>
+            </a:r>
+            <a:r>
+              <a:rPr lang="en-US" dirty="0">
+                <a:latin typeface="Arial" panose="020B0604020202020204" pitchFamily="34" charset="0"/>
+                <a:cs typeface="Arial" panose="020B0604020202020204" pitchFamily="34" charset="0"/>
+              </a:rPr>
+              <a:t> uses a numerical scale.</a:t>
+            </a:r>
+          </a:p>
+          <a:p>
+            <a:r>
+              <a:rPr lang="en-US" dirty="0">
+                <a:latin typeface="Arial" panose="020B0604020202020204" pitchFamily="34" charset="0"/>
+                <a:cs typeface="Arial" panose="020B0604020202020204" pitchFamily="34" charset="0"/>
+              </a:rPr>
+              <a:t>For example, a qualitative analysis would use a scale of "Low, Medium, High" to indicate the likelihood of a risk event occurring.</a:t>
+            </a:r>
+          </a:p>
+          <a:p>
+            <a:r>
+              <a:rPr lang="en-US" dirty="0">
+                <a:latin typeface="Arial" panose="020B0604020202020204" pitchFamily="34" charset="0"/>
+                <a:cs typeface="Arial" panose="020B0604020202020204" pitchFamily="34" charset="0"/>
+              </a:rPr>
+              <a:t>A quantitative analysis will determine the probability of each risk event occurring. For example, Risk #1 has an 80% chance of occurring, Risk #2 has a 27% chance of occurring, and so on.</a:t>
+            </a:r>
+            <a:endParaRPr lang="en-US" dirty="0">
+              <a:latin typeface="Arial" panose="020B0604020202020204" pitchFamily="34" charset="0"/>
+              <a:cs typeface="Arial" panose="020B0604020202020204" pitchFamily="34" charset="0"/>
+            </a:endParaRPr>
+          </a:p>
+        </p:txBody>
+      </p:sp>
+    </p:spTree>
+    <p:extLst>
+      <p:ext uri="{BB962C8B-B14F-4D97-AF65-F5344CB8AC3E}">
+        <p14:creationId xmlns:p14="http://schemas.microsoft.com/office/powerpoint/2010/main" val="1643448052"/>
+      </p:ext>
+    </p:extLst>
+  </p:cSld>
+  <p:clrMapOvr>
+    <a:masterClrMapping/>
+  </p:clrMapOvr>
+</p:sld>
+</file>
+
+<file path=ppt/slides/slide36.xml><?xml version="1.0" encoding="utf-8"?>
+<p:sld xmlns:a="http://schemas.openxmlformats.org/drawingml/2006/main" xmlns:r="http://schemas.openxmlformats.org/officeDocument/2006/relationships" xmlns:p="http://schemas.openxmlformats.org/presentationml/2006/main">
+  <p:cSld>
+    <p:spTree>
+      <p:nvGrpSpPr>
+        <p:cNvPr id="1" name=""/>
+        <p:cNvGrpSpPr/>
+        <p:nvPr/>
+      </p:nvGrpSpPr>
+      <p:grpSpPr>
+        <a:xfrm>
+          <a:off x="0" y="0"/>
+          <a:ext cx="0" cy="0"/>
+          <a:chOff x="0" y="0"/>
+          <a:chExt cx="0" cy="0"/>
+        </a:xfrm>
+      </p:grpSpPr>
+      <p:sp>
+        <p:nvSpPr>
+          <p:cNvPr id="2" name="Title 1"/>
+          <p:cNvSpPr>
+            <a:spLocks noGrp="1"/>
+          </p:cNvSpPr>
+          <p:nvPr>
+            <p:ph type="title"/>
+          </p:nvPr>
+        </p:nvSpPr>
+        <p:spPr/>
+        <p:txBody>
+          <a:bodyPr/>
+          <a:lstStyle/>
+          <a:p>
+            <a:r>
+              <a:rPr lang="en-US" dirty="0">
+                <a:effectLst/>
+              </a:rPr>
+              <a:t>Quantitative Risk Assessment Tools &amp; </a:t>
+            </a:r>
+            <a:r>
+              <a:rPr lang="en-US" dirty="0" smtClean="0">
+                <a:effectLst/>
+              </a:rPr>
+              <a:t>Techniques</a:t>
+            </a:r>
+            <a:endParaRPr lang="en-US" dirty="0"/>
+          </a:p>
+        </p:txBody>
+      </p:sp>
+      <p:sp>
+        <p:nvSpPr>
+          <p:cNvPr id="3" name="Content Placeholder 2"/>
+          <p:cNvSpPr>
+            <a:spLocks noGrp="1"/>
+          </p:cNvSpPr>
+          <p:nvPr>
+            <p:ph idx="1"/>
+          </p:nvPr>
+        </p:nvSpPr>
+        <p:spPr>
+          <a:xfrm>
+            <a:off x="609600" y="1846261"/>
+            <a:ext cx="11071538" cy="4129535"/>
+          </a:xfrm>
+        </p:spPr>
+        <p:txBody>
+          <a:bodyPr>
+            <a:normAutofit fontScale="92500" lnSpcReduction="10000"/>
+          </a:bodyPr>
+          <a:lstStyle/>
+          <a:p>
+            <a:pPr lvl="0" fontAlgn="base"/>
+            <a:r>
+              <a:rPr lang="en-US" b="1" dirty="0"/>
+              <a:t>Three Point Estimate</a:t>
+            </a:r>
+            <a:r>
+              <a:rPr lang="en-US" dirty="0"/>
+              <a:t> – a technique that uses the optimistic, most likely, and pessimistic values to determine the best estimate.</a:t>
+            </a:r>
+          </a:p>
+          <a:p>
+            <a:pPr lvl="0" fontAlgn="base"/>
+            <a:r>
+              <a:rPr lang="en-US" b="1" dirty="0"/>
+              <a:t>Decision Tree Analysis</a:t>
+            </a:r>
+            <a:r>
+              <a:rPr lang="en-US" dirty="0"/>
+              <a:t> – a diagram that shows the implications of choosing one or other alternatives. </a:t>
+            </a:r>
+            <a:endParaRPr lang="en-US" dirty="0" smtClean="0"/>
+          </a:p>
+          <a:p>
+            <a:pPr lvl="0" fontAlgn="base"/>
+            <a:r>
+              <a:rPr lang="en-US" b="1" dirty="0" smtClean="0"/>
+              <a:t>Expected </a:t>
+            </a:r>
+            <a:r>
+              <a:rPr lang="en-US" b="1" dirty="0"/>
+              <a:t>Monetary Value (EMV)</a:t>
+            </a:r>
+            <a:r>
+              <a:rPr lang="en-US" dirty="0"/>
+              <a:t> – a method used to establish the contingency reserves for a project budget and schedule.</a:t>
+            </a:r>
+          </a:p>
+          <a:p>
+            <a:pPr lvl="0" fontAlgn="base"/>
+            <a:r>
+              <a:rPr lang="en-US" b="1" dirty="0"/>
+              <a:t>Monte Carlo Analysis</a:t>
+            </a:r>
+            <a:r>
+              <a:rPr lang="en-US" dirty="0"/>
+              <a:t> – a technique that uses optimistic, most likely, and pessimistic estimates to determine the total project cost and project completion dates. </a:t>
+            </a:r>
+            <a:endParaRPr lang="en-US" dirty="0" smtClean="0"/>
+          </a:p>
+          <a:p>
+            <a:pPr lvl="0" fontAlgn="base"/>
+            <a:r>
+              <a:rPr lang="en-US" b="1" dirty="0" smtClean="0"/>
+              <a:t>Sensitivity </a:t>
+            </a:r>
+            <a:r>
+              <a:rPr lang="en-US" b="1" dirty="0"/>
+              <a:t>Analysis</a:t>
+            </a:r>
+            <a:r>
+              <a:rPr lang="en-US" dirty="0"/>
+              <a:t> – a technique used to determine which risks have the greatest impact on a project.</a:t>
+            </a:r>
+          </a:p>
+          <a:p>
+            <a:pPr lvl="0" fontAlgn="base"/>
+            <a:r>
+              <a:rPr lang="en-US" b="1" dirty="0"/>
+              <a:t>Fault Tree Analysis (FMEA)</a:t>
+            </a:r>
+            <a:r>
+              <a:rPr lang="en-US" dirty="0"/>
+              <a:t> – the analysis of a structured diagram which identifies elements that can cause system failure.</a:t>
+            </a:r>
+          </a:p>
+          <a:p>
+            <a:endParaRPr lang="en-US" dirty="0"/>
+          </a:p>
+        </p:txBody>
+      </p:sp>
+    </p:spTree>
+    <p:extLst>
+      <p:ext uri="{BB962C8B-B14F-4D97-AF65-F5344CB8AC3E}">
+        <p14:creationId xmlns:p14="http://schemas.microsoft.com/office/powerpoint/2010/main" val="4115805765"/>
+      </p:ext>
+    </p:extLst>
+  </p:cSld>
+  <p:clrMapOvr>
+    <a:masterClrMapping/>
+  </p:clrMapOvr>
+</p:sld>
+</file>
+
+<file path=ppt/slides/slide37.xml><?xml version="1.0" encoding="utf-8"?>
+<p:sld xmlns:a="http://schemas.openxmlformats.org/drawingml/2006/main" xmlns:r="http://schemas.openxmlformats.org/officeDocument/2006/relationships" xmlns:p="http://schemas.openxmlformats.org/presentationml/2006/main">
+  <p:cSld>
+    <p:spTree>
+      <p:nvGrpSpPr>
+        <p:cNvPr id="1" name=""/>
+        <p:cNvGrpSpPr/>
+        <p:nvPr/>
+      </p:nvGrpSpPr>
+      <p:grpSpPr>
+        <a:xfrm>
+          <a:off x="0" y="0"/>
+          <a:ext cx="0" cy="0"/>
+          <a:chOff x="0" y="0"/>
+          <a:chExt cx="0" cy="0"/>
+        </a:xfrm>
+      </p:grpSpPr>
+      <p:sp>
+        <p:nvSpPr>
+          <p:cNvPr id="2" name="Title 1"/>
+          <p:cNvSpPr>
+            <a:spLocks noGrp="1"/>
+          </p:cNvSpPr>
+          <p:nvPr>
+            <p:ph type="title"/>
+          </p:nvPr>
+        </p:nvSpPr>
+        <p:spPr/>
+        <p:txBody>
+          <a:bodyPr/>
+          <a:lstStyle/>
+          <a:p>
+            <a:r>
+              <a:rPr lang="en-US" dirty="0">
+                <a:effectLst/>
+              </a:rPr>
+              <a:t>Quantitative Risk Analysis </a:t>
+            </a:r>
+            <a:r>
+              <a:rPr lang="en-US" dirty="0" smtClean="0">
+                <a:effectLst/>
+              </a:rPr>
+              <a:t>Example</a:t>
+            </a:r>
+            <a:endParaRPr lang="en-US" dirty="0"/>
+          </a:p>
+        </p:txBody>
+      </p:sp>
+      <p:sp>
+        <p:nvSpPr>
+          <p:cNvPr id="3" name="Content Placeholder 2"/>
+          <p:cNvSpPr>
+            <a:spLocks noGrp="1"/>
+          </p:cNvSpPr>
+          <p:nvPr>
+            <p:ph idx="1"/>
+          </p:nvPr>
+        </p:nvSpPr>
+        <p:spPr/>
+        <p:txBody>
+          <a:bodyPr/>
+          <a:lstStyle/>
+          <a:p>
+            <a:pPr fontAlgn="base"/>
+            <a:r>
+              <a:rPr lang="en-US" dirty="0"/>
+              <a:t>Let’s look at a simple Expected Monetary Value (EMV) example:</a:t>
+            </a:r>
+          </a:p>
+          <a:p>
+            <a:pPr fontAlgn="base"/>
+            <a:r>
+              <a:rPr lang="en-US" dirty="0"/>
+              <a:t>Keep in mind that risks include both threats and opportunities. Threats have adverse impacts on cost. Opportunities are benefits that reduce cost. Expected Monetary Value = Probability x Impact.</a:t>
+            </a:r>
+          </a:p>
+          <a:p>
+            <a:endParaRPr lang="en-US" dirty="0"/>
+          </a:p>
+        </p:txBody>
+      </p:sp>
+      <p:graphicFrame>
+        <p:nvGraphicFramePr>
+          <p:cNvPr id="4" name="Table 3"/>
+          <p:cNvGraphicFramePr>
+            <a:graphicFrameLocks noGrp="1"/>
+          </p:cNvGraphicFramePr>
+          <p:nvPr>
+            <p:extLst>
+              <p:ext uri="{D42A27DB-BD31-4B8C-83A1-F6EECF244321}">
+                <p14:modId xmlns:p14="http://schemas.microsoft.com/office/powerpoint/2010/main" val="358266892"/>
+              </p:ext>
+            </p:extLst>
+          </p:nvPr>
+        </p:nvGraphicFramePr>
+        <p:xfrm>
+          <a:off x="3037100" y="3467398"/>
+          <a:ext cx="5488713" cy="2997795"/>
+        </p:xfrm>
+        <a:graphic>
+          <a:graphicData uri="http://schemas.openxmlformats.org/drawingml/2006/table">
+            <a:tbl>
+              <a:tblPr firstRow="1" firstCol="1" bandRow="1">
+                <a:tableStyleId>{5DA37D80-6434-44D0-A028-1B22A696006F}</a:tableStyleId>
+              </a:tblPr>
+              <a:tblGrid>
+                <a:gridCol w="1684427"/>
+                <a:gridCol w="1211095"/>
+                <a:gridCol w="1355652"/>
+                <a:gridCol w="1237539"/>
+              </a:tblGrid>
+              <a:tr h="240752">
+                <a:tc>
+                  <a:txBody>
+                    <a:bodyPr/>
+                    <a:lstStyle/>
+                    <a:p>
+                      <a:pPr marL="0" marR="0" algn="ctr">
+                        <a:lnSpc>
+                          <a:spcPct val="107000"/>
+                        </a:lnSpc>
+                        <a:spcBef>
+                          <a:spcPts val="0"/>
+                        </a:spcBef>
+                        <a:spcAft>
+                          <a:spcPts val="0"/>
+                        </a:spcAft>
+                      </a:pPr>
+                      <a:r>
+                        <a:rPr lang="en-US" sz="1200">
+                          <a:effectLst/>
+                        </a:rPr>
+                        <a:t>Risk</a:t>
+                      </a:r>
+                      <a:endParaRPr lang="en-US" sz="1100">
+                        <a:effectLst/>
+                        <a:latin typeface="Calibri" panose="020F0502020204030204" pitchFamily="34" charset="0"/>
+                        <a:ea typeface="Calibri" panose="020F0502020204030204" pitchFamily="34" charset="0"/>
+                        <a:cs typeface="Times New Roman" panose="02020603050405020304" pitchFamily="18" charset="0"/>
+                      </a:endParaRPr>
+                    </a:p>
+                  </a:txBody>
+                  <a:tcPr marL="0" marR="0" marT="0" marB="0" anchor="b"/>
+                </a:tc>
+                <a:tc>
+                  <a:txBody>
+                    <a:bodyPr/>
+                    <a:lstStyle/>
+                    <a:p>
+                      <a:pPr marL="0" marR="0" algn="ctr">
+                        <a:lnSpc>
+                          <a:spcPct val="107000"/>
+                        </a:lnSpc>
+                        <a:spcBef>
+                          <a:spcPts val="0"/>
+                        </a:spcBef>
+                        <a:spcAft>
+                          <a:spcPts val="0"/>
+                        </a:spcAft>
+                      </a:pPr>
+                      <a:r>
+                        <a:rPr lang="en-US" sz="1200">
+                          <a:effectLst/>
+                        </a:rPr>
+                        <a:t>Probability</a:t>
+                      </a:r>
+                      <a:endParaRPr lang="en-US" sz="1100">
+                        <a:effectLst/>
+                        <a:latin typeface="Calibri" panose="020F0502020204030204" pitchFamily="34" charset="0"/>
+                        <a:ea typeface="Calibri" panose="020F0502020204030204" pitchFamily="34" charset="0"/>
+                        <a:cs typeface="Times New Roman" panose="02020603050405020304" pitchFamily="18" charset="0"/>
+                      </a:endParaRPr>
+                    </a:p>
+                  </a:txBody>
+                  <a:tcPr marL="0" marR="0" marT="0" marB="0" anchor="b"/>
+                </a:tc>
+                <a:tc>
+                  <a:txBody>
+                    <a:bodyPr/>
+                    <a:lstStyle/>
+                    <a:p>
+                      <a:pPr marL="0" marR="0" algn="ctr">
+                        <a:lnSpc>
+                          <a:spcPct val="107000"/>
+                        </a:lnSpc>
+                        <a:spcBef>
+                          <a:spcPts val="0"/>
+                        </a:spcBef>
+                        <a:spcAft>
+                          <a:spcPts val="0"/>
+                        </a:spcAft>
+                      </a:pPr>
+                      <a:r>
+                        <a:rPr lang="en-US" sz="1200">
+                          <a:effectLst/>
+                        </a:rPr>
+                        <a:t>Cost Impact</a:t>
+                      </a:r>
+                      <a:endParaRPr lang="en-US" sz="1100">
+                        <a:effectLst/>
+                        <a:latin typeface="Calibri" panose="020F0502020204030204" pitchFamily="34" charset="0"/>
+                        <a:ea typeface="Calibri" panose="020F0502020204030204" pitchFamily="34" charset="0"/>
+                        <a:cs typeface="Times New Roman" panose="02020603050405020304" pitchFamily="18" charset="0"/>
+                      </a:endParaRPr>
+                    </a:p>
+                  </a:txBody>
+                  <a:tcPr marL="0" marR="0" marT="0" marB="0" anchor="b"/>
+                </a:tc>
+                <a:tc>
+                  <a:txBody>
+                    <a:bodyPr/>
+                    <a:lstStyle/>
+                    <a:p>
+                      <a:pPr marL="0" marR="0" algn="ctr">
+                        <a:lnSpc>
+                          <a:spcPct val="107000"/>
+                        </a:lnSpc>
+                        <a:spcBef>
+                          <a:spcPts val="0"/>
+                        </a:spcBef>
+                        <a:spcAft>
+                          <a:spcPts val="0"/>
+                        </a:spcAft>
+                      </a:pPr>
+                      <a:r>
+                        <a:rPr lang="en-US" sz="1200">
+                          <a:effectLst/>
+                        </a:rPr>
+                        <a:t>EMV</a:t>
+                      </a:r>
+                      <a:endParaRPr lang="en-US" sz="1100">
+                        <a:effectLst/>
+                        <a:latin typeface="Calibri" panose="020F0502020204030204" pitchFamily="34" charset="0"/>
+                        <a:ea typeface="Calibri" panose="020F0502020204030204" pitchFamily="34" charset="0"/>
+                        <a:cs typeface="Times New Roman" panose="02020603050405020304" pitchFamily="18" charset="0"/>
+                      </a:endParaRPr>
+                    </a:p>
+                  </a:txBody>
+                  <a:tcPr marL="0" marR="0" marT="0" marB="0" anchor="b"/>
+                </a:tc>
+              </a:tr>
+              <a:tr h="656967">
+                <a:tc>
+                  <a:txBody>
+                    <a:bodyPr/>
+                    <a:lstStyle/>
+                    <a:p>
+                      <a:pPr marL="0" marR="0">
+                        <a:lnSpc>
+                          <a:spcPct val="107000"/>
+                        </a:lnSpc>
+                        <a:spcBef>
+                          <a:spcPts val="0"/>
+                        </a:spcBef>
+                        <a:spcAft>
+                          <a:spcPts val="0"/>
+                        </a:spcAft>
+                      </a:pPr>
+                      <a:r>
+                        <a:rPr lang="en-US" sz="1200">
+                          <a:effectLst/>
+                        </a:rPr>
+                        <a:t>A (Threat)</a:t>
+                      </a:r>
+                      <a:endParaRPr lang="en-US" sz="1100">
+                        <a:effectLst/>
+                        <a:latin typeface="Calibri" panose="020F0502020204030204" pitchFamily="34" charset="0"/>
+                        <a:ea typeface="Calibri" panose="020F0502020204030204" pitchFamily="34" charset="0"/>
+                        <a:cs typeface="Times New Roman" panose="02020603050405020304" pitchFamily="18" charset="0"/>
+                      </a:endParaRPr>
+                    </a:p>
+                  </a:txBody>
+                  <a:tcPr marL="161925" marR="161925" marT="161925" marB="161925" anchor="b"/>
+                </a:tc>
+                <a:tc>
+                  <a:txBody>
+                    <a:bodyPr/>
+                    <a:lstStyle/>
+                    <a:p>
+                      <a:pPr marL="0" marR="0">
+                        <a:lnSpc>
+                          <a:spcPct val="107000"/>
+                        </a:lnSpc>
+                        <a:spcBef>
+                          <a:spcPts val="0"/>
+                        </a:spcBef>
+                        <a:spcAft>
+                          <a:spcPts val="0"/>
+                        </a:spcAft>
+                      </a:pPr>
+                      <a:r>
+                        <a:rPr lang="en-US" sz="1200">
+                          <a:effectLst/>
+                        </a:rPr>
+                        <a:t>20%</a:t>
+                      </a:r>
+                      <a:endParaRPr lang="en-US" sz="1100">
+                        <a:effectLst/>
+                        <a:latin typeface="Calibri" panose="020F0502020204030204" pitchFamily="34" charset="0"/>
+                        <a:ea typeface="Calibri" panose="020F0502020204030204" pitchFamily="34" charset="0"/>
+                        <a:cs typeface="Times New Roman" panose="02020603050405020304" pitchFamily="18" charset="0"/>
+                      </a:endParaRPr>
+                    </a:p>
+                  </a:txBody>
+                  <a:tcPr marL="161925" marR="161925" marT="161925" marB="161925" anchor="b"/>
+                </a:tc>
+                <a:tc>
+                  <a:txBody>
+                    <a:bodyPr/>
+                    <a:lstStyle/>
+                    <a:p>
+                      <a:pPr marL="0" marR="0">
+                        <a:lnSpc>
+                          <a:spcPct val="107000"/>
+                        </a:lnSpc>
+                        <a:spcBef>
+                          <a:spcPts val="0"/>
+                        </a:spcBef>
+                        <a:spcAft>
+                          <a:spcPts val="0"/>
+                        </a:spcAft>
+                      </a:pPr>
+                      <a:r>
+                        <a:rPr lang="en-US" sz="1200">
+                          <a:effectLst/>
+                        </a:rPr>
+                        <a:t>$100,000</a:t>
+                      </a:r>
+                      <a:endParaRPr lang="en-US" sz="1100">
+                        <a:effectLst/>
+                        <a:latin typeface="Calibri" panose="020F0502020204030204" pitchFamily="34" charset="0"/>
+                        <a:ea typeface="Calibri" panose="020F0502020204030204" pitchFamily="34" charset="0"/>
+                        <a:cs typeface="Times New Roman" panose="02020603050405020304" pitchFamily="18" charset="0"/>
+                      </a:endParaRPr>
+                    </a:p>
+                  </a:txBody>
+                  <a:tcPr marL="161925" marR="161925" marT="161925" marB="161925" anchor="b"/>
+                </a:tc>
+                <a:tc>
+                  <a:txBody>
+                    <a:bodyPr/>
+                    <a:lstStyle/>
+                    <a:p>
+                      <a:pPr marL="0" marR="0">
+                        <a:lnSpc>
+                          <a:spcPct val="107000"/>
+                        </a:lnSpc>
+                        <a:spcBef>
+                          <a:spcPts val="0"/>
+                        </a:spcBef>
+                        <a:spcAft>
+                          <a:spcPts val="0"/>
+                        </a:spcAft>
+                      </a:pPr>
+                      <a:r>
+                        <a:rPr lang="en-US" sz="1200">
+                          <a:effectLst/>
+                        </a:rPr>
+                        <a:t>$20,000</a:t>
+                      </a:r>
+                      <a:endParaRPr lang="en-US" sz="1100">
+                        <a:effectLst/>
+                        <a:latin typeface="Calibri" panose="020F0502020204030204" pitchFamily="34" charset="0"/>
+                        <a:ea typeface="Calibri" panose="020F0502020204030204" pitchFamily="34" charset="0"/>
+                        <a:cs typeface="Times New Roman" panose="02020603050405020304" pitchFamily="18" charset="0"/>
+                      </a:endParaRPr>
+                    </a:p>
+                  </a:txBody>
+                  <a:tcPr marL="161925" marR="161925" marT="161925" marB="161925" anchor="b"/>
+                </a:tc>
+              </a:tr>
+              <a:tr h="595844">
+                <a:tc>
+                  <a:txBody>
+                    <a:bodyPr/>
+                    <a:lstStyle/>
+                    <a:p>
+                      <a:pPr marL="0" marR="0">
+                        <a:lnSpc>
+                          <a:spcPct val="107000"/>
+                        </a:lnSpc>
+                        <a:spcBef>
+                          <a:spcPts val="0"/>
+                        </a:spcBef>
+                        <a:spcAft>
+                          <a:spcPts val="0"/>
+                        </a:spcAft>
+                      </a:pPr>
+                      <a:r>
+                        <a:rPr lang="en-US" sz="1200">
+                          <a:effectLst/>
+                        </a:rPr>
+                        <a:t>B (Opportunity)</a:t>
+                      </a:r>
+                      <a:endParaRPr lang="en-US" sz="1100">
+                        <a:effectLst/>
+                        <a:latin typeface="Calibri" panose="020F0502020204030204" pitchFamily="34" charset="0"/>
+                        <a:ea typeface="Calibri" panose="020F0502020204030204" pitchFamily="34" charset="0"/>
+                        <a:cs typeface="Times New Roman" panose="02020603050405020304" pitchFamily="18" charset="0"/>
+                      </a:endParaRPr>
+                    </a:p>
+                  </a:txBody>
+                  <a:tcPr marL="161925" marR="161925" marT="161925" marB="161925" anchor="b"/>
+                </a:tc>
+                <a:tc>
+                  <a:txBody>
+                    <a:bodyPr/>
+                    <a:lstStyle/>
+                    <a:p>
+                      <a:pPr marL="0" marR="0">
+                        <a:lnSpc>
+                          <a:spcPct val="107000"/>
+                        </a:lnSpc>
+                        <a:spcBef>
+                          <a:spcPts val="0"/>
+                        </a:spcBef>
+                        <a:spcAft>
+                          <a:spcPts val="0"/>
+                        </a:spcAft>
+                      </a:pPr>
+                      <a:r>
+                        <a:rPr lang="en-US" sz="1200">
+                          <a:effectLst/>
+                        </a:rPr>
+                        <a:t>40%</a:t>
+                      </a:r>
+                      <a:endParaRPr lang="en-US" sz="1100">
+                        <a:effectLst/>
+                        <a:latin typeface="Calibri" panose="020F0502020204030204" pitchFamily="34" charset="0"/>
+                        <a:ea typeface="Calibri" panose="020F0502020204030204" pitchFamily="34" charset="0"/>
+                        <a:cs typeface="Times New Roman" panose="02020603050405020304" pitchFamily="18" charset="0"/>
+                      </a:endParaRPr>
+                    </a:p>
+                  </a:txBody>
+                  <a:tcPr marL="161925" marR="161925" marT="161925" marB="161925" anchor="b"/>
+                </a:tc>
+                <a:tc>
+                  <a:txBody>
+                    <a:bodyPr/>
+                    <a:lstStyle/>
+                    <a:p>
+                      <a:pPr marL="0" marR="0">
+                        <a:lnSpc>
+                          <a:spcPct val="107000"/>
+                        </a:lnSpc>
+                        <a:spcBef>
+                          <a:spcPts val="0"/>
+                        </a:spcBef>
+                        <a:spcAft>
+                          <a:spcPts val="0"/>
+                        </a:spcAft>
+                      </a:pPr>
+                      <a:r>
+                        <a:rPr lang="en-US" sz="1200">
+                          <a:effectLst/>
+                        </a:rPr>
+                        <a:t>($10,000)</a:t>
+                      </a:r>
+                      <a:endParaRPr lang="en-US" sz="1100">
+                        <a:effectLst/>
+                        <a:latin typeface="Calibri" panose="020F0502020204030204" pitchFamily="34" charset="0"/>
+                        <a:ea typeface="Calibri" panose="020F0502020204030204" pitchFamily="34" charset="0"/>
+                        <a:cs typeface="Times New Roman" panose="02020603050405020304" pitchFamily="18" charset="0"/>
+                      </a:endParaRPr>
+                    </a:p>
+                  </a:txBody>
+                  <a:tcPr marL="161925" marR="161925" marT="161925" marB="161925" anchor="b"/>
+                </a:tc>
+                <a:tc>
+                  <a:txBody>
+                    <a:bodyPr/>
+                    <a:lstStyle/>
+                    <a:p>
+                      <a:pPr marL="0" marR="0">
+                        <a:lnSpc>
+                          <a:spcPct val="107000"/>
+                        </a:lnSpc>
+                        <a:spcBef>
+                          <a:spcPts val="0"/>
+                        </a:spcBef>
+                        <a:spcAft>
+                          <a:spcPts val="0"/>
+                        </a:spcAft>
+                      </a:pPr>
+                      <a:r>
+                        <a:rPr lang="en-US" sz="1200">
+                          <a:effectLst/>
+                        </a:rPr>
+                        <a:t>($4,000)</a:t>
+                      </a:r>
+                      <a:endParaRPr lang="en-US" sz="1100">
+                        <a:effectLst/>
+                        <a:latin typeface="Calibri" panose="020F0502020204030204" pitchFamily="34" charset="0"/>
+                        <a:ea typeface="Calibri" panose="020F0502020204030204" pitchFamily="34" charset="0"/>
+                        <a:cs typeface="Times New Roman" panose="02020603050405020304" pitchFamily="18" charset="0"/>
+                      </a:endParaRPr>
+                    </a:p>
+                  </a:txBody>
+                  <a:tcPr marL="161925" marR="161925" marT="161925" marB="161925" anchor="b"/>
+                </a:tc>
+              </a:tr>
+              <a:tr h="847265">
+                <a:tc>
+                  <a:txBody>
+                    <a:bodyPr/>
+                    <a:lstStyle/>
+                    <a:p>
+                      <a:pPr marL="0" marR="0">
+                        <a:lnSpc>
+                          <a:spcPct val="107000"/>
+                        </a:lnSpc>
+                        <a:spcBef>
+                          <a:spcPts val="0"/>
+                        </a:spcBef>
+                        <a:spcAft>
+                          <a:spcPts val="0"/>
+                        </a:spcAft>
+                      </a:pPr>
+                      <a:r>
+                        <a:rPr lang="en-US" sz="1200">
+                          <a:effectLst/>
+                        </a:rPr>
+                        <a:t>C (Threat)</a:t>
+                      </a:r>
+                      <a:endParaRPr lang="en-US" sz="1100">
+                        <a:effectLst/>
+                        <a:latin typeface="Calibri" panose="020F0502020204030204" pitchFamily="34" charset="0"/>
+                        <a:ea typeface="Calibri" panose="020F0502020204030204" pitchFamily="34" charset="0"/>
+                        <a:cs typeface="Times New Roman" panose="02020603050405020304" pitchFamily="18" charset="0"/>
+                      </a:endParaRPr>
+                    </a:p>
+                  </a:txBody>
+                  <a:tcPr marL="161925" marR="161925" marT="161925" marB="161925" anchor="b"/>
+                </a:tc>
+                <a:tc>
+                  <a:txBody>
+                    <a:bodyPr/>
+                    <a:lstStyle/>
+                    <a:p>
+                      <a:pPr marL="0" marR="0">
+                        <a:lnSpc>
+                          <a:spcPct val="107000"/>
+                        </a:lnSpc>
+                        <a:spcBef>
+                          <a:spcPts val="0"/>
+                        </a:spcBef>
+                        <a:spcAft>
+                          <a:spcPts val="0"/>
+                        </a:spcAft>
+                      </a:pPr>
+                      <a:r>
+                        <a:rPr lang="en-US" sz="1200">
+                          <a:effectLst/>
+                        </a:rPr>
+                        <a:t>30%</a:t>
+                      </a:r>
+                      <a:endParaRPr lang="en-US" sz="1100">
+                        <a:effectLst/>
+                        <a:latin typeface="Calibri" panose="020F0502020204030204" pitchFamily="34" charset="0"/>
+                        <a:ea typeface="Calibri" panose="020F0502020204030204" pitchFamily="34" charset="0"/>
+                        <a:cs typeface="Times New Roman" panose="02020603050405020304" pitchFamily="18" charset="0"/>
+                      </a:endParaRPr>
+                    </a:p>
+                  </a:txBody>
+                  <a:tcPr marL="161925" marR="161925" marT="161925" marB="161925" anchor="b"/>
+                </a:tc>
+                <a:tc>
+                  <a:txBody>
+                    <a:bodyPr/>
+                    <a:lstStyle/>
+                    <a:p>
+                      <a:pPr marL="0" marR="0">
+                        <a:lnSpc>
+                          <a:spcPct val="107000"/>
+                        </a:lnSpc>
+                        <a:spcBef>
+                          <a:spcPts val="0"/>
+                        </a:spcBef>
+                        <a:spcAft>
+                          <a:spcPts val="0"/>
+                        </a:spcAft>
+                      </a:pPr>
+                      <a:r>
+                        <a:rPr lang="en-US" sz="1200">
+                          <a:effectLst/>
+                        </a:rPr>
+                        <a:t>$50,000</a:t>
+                      </a:r>
+                      <a:endParaRPr lang="en-US" sz="1100">
+                        <a:effectLst/>
+                        <a:latin typeface="Calibri" panose="020F0502020204030204" pitchFamily="34" charset="0"/>
+                        <a:ea typeface="Calibri" panose="020F0502020204030204" pitchFamily="34" charset="0"/>
+                        <a:cs typeface="Times New Roman" panose="02020603050405020304" pitchFamily="18" charset="0"/>
+                      </a:endParaRPr>
+                    </a:p>
+                  </a:txBody>
+                  <a:tcPr marL="161925" marR="161925" marT="161925" marB="161925" anchor="b"/>
+                </a:tc>
+                <a:tc>
+                  <a:txBody>
+                    <a:bodyPr/>
+                    <a:lstStyle/>
+                    <a:p>
+                      <a:pPr marL="0" marR="0">
+                        <a:lnSpc>
+                          <a:spcPct val="107000"/>
+                        </a:lnSpc>
+                        <a:spcBef>
+                          <a:spcPts val="0"/>
+                        </a:spcBef>
+                        <a:spcAft>
+                          <a:spcPts val="0"/>
+                        </a:spcAft>
+                      </a:pPr>
+                      <a:r>
+                        <a:rPr lang="en-US" sz="1200">
+                          <a:effectLst/>
+                        </a:rPr>
+                        <a:t>$15,000</a:t>
+                      </a:r>
+                      <a:endParaRPr lang="en-US" sz="1100">
+                        <a:effectLst/>
+                        <a:latin typeface="Calibri" panose="020F0502020204030204" pitchFamily="34" charset="0"/>
+                        <a:ea typeface="Calibri" panose="020F0502020204030204" pitchFamily="34" charset="0"/>
+                        <a:cs typeface="Times New Roman" panose="02020603050405020304" pitchFamily="18" charset="0"/>
+                      </a:endParaRPr>
+                    </a:p>
+                  </a:txBody>
+                  <a:tcPr marL="161925" marR="161925" marT="161925" marB="161925" anchor="b"/>
+                </a:tc>
+              </a:tr>
+              <a:tr h="656967">
+                <a:tc>
+                  <a:txBody>
+                    <a:bodyPr/>
+                    <a:lstStyle/>
+                    <a:p>
+                      <a:pPr marL="0" marR="0">
+                        <a:lnSpc>
+                          <a:spcPct val="107000"/>
+                        </a:lnSpc>
+                        <a:spcBef>
+                          <a:spcPts val="0"/>
+                        </a:spcBef>
+                        <a:spcAft>
+                          <a:spcPts val="0"/>
+                        </a:spcAft>
+                      </a:pPr>
+                      <a:r>
+                        <a:rPr lang="en-US" sz="1200">
+                          <a:effectLst/>
+                        </a:rPr>
+                        <a:t>Total EMV</a:t>
+                      </a:r>
+                      <a:endParaRPr lang="en-US" sz="1100">
+                        <a:effectLst/>
+                        <a:latin typeface="Calibri" panose="020F0502020204030204" pitchFamily="34" charset="0"/>
+                        <a:ea typeface="Calibri" panose="020F0502020204030204" pitchFamily="34" charset="0"/>
+                        <a:cs typeface="Times New Roman" panose="02020603050405020304" pitchFamily="18" charset="0"/>
+                      </a:endParaRPr>
+                    </a:p>
+                  </a:txBody>
+                  <a:tcPr marL="161925" marR="161925" marT="161925" marB="161925" anchor="b"/>
+                </a:tc>
+                <a:tc>
+                  <a:txBody>
+                    <a:bodyPr/>
+                    <a:lstStyle/>
+                    <a:p>
+                      <a:pPr marL="0" marR="0">
+                        <a:lnSpc>
+                          <a:spcPct val="107000"/>
+                        </a:lnSpc>
+                        <a:spcBef>
+                          <a:spcPts val="0"/>
+                        </a:spcBef>
+                        <a:spcAft>
+                          <a:spcPts val="0"/>
+                        </a:spcAft>
+                      </a:pPr>
+                      <a:r>
+                        <a:rPr lang="en-US" sz="1200">
+                          <a:effectLst/>
+                        </a:rPr>
+                        <a:t> </a:t>
+                      </a:r>
+                      <a:endParaRPr lang="en-US" sz="1100">
+                        <a:effectLst/>
+                        <a:latin typeface="Calibri" panose="020F0502020204030204" pitchFamily="34" charset="0"/>
+                        <a:ea typeface="Calibri" panose="020F0502020204030204" pitchFamily="34" charset="0"/>
+                        <a:cs typeface="Times New Roman" panose="02020603050405020304" pitchFamily="18" charset="0"/>
+                      </a:endParaRPr>
+                    </a:p>
+                  </a:txBody>
+                  <a:tcPr marL="161925" marR="161925" marT="161925" marB="161925" anchor="b"/>
+                </a:tc>
+                <a:tc>
+                  <a:txBody>
+                    <a:bodyPr/>
+                    <a:lstStyle/>
+                    <a:p>
+                      <a:pPr marL="0" marR="0">
+                        <a:lnSpc>
+                          <a:spcPct val="107000"/>
+                        </a:lnSpc>
+                        <a:spcBef>
+                          <a:spcPts val="0"/>
+                        </a:spcBef>
+                        <a:spcAft>
+                          <a:spcPts val="0"/>
+                        </a:spcAft>
+                      </a:pPr>
+                      <a:r>
+                        <a:rPr lang="en-US" sz="1200">
+                          <a:effectLst/>
+                        </a:rPr>
+                        <a:t> </a:t>
+                      </a:r>
+                      <a:endParaRPr lang="en-US" sz="1100">
+                        <a:effectLst/>
+                        <a:latin typeface="Calibri" panose="020F0502020204030204" pitchFamily="34" charset="0"/>
+                        <a:ea typeface="Calibri" panose="020F0502020204030204" pitchFamily="34" charset="0"/>
+                        <a:cs typeface="Times New Roman" panose="02020603050405020304" pitchFamily="18" charset="0"/>
+                      </a:endParaRPr>
+                    </a:p>
+                  </a:txBody>
+                  <a:tcPr marL="161925" marR="161925" marT="161925" marB="161925" anchor="b"/>
+                </a:tc>
+                <a:tc>
+                  <a:txBody>
+                    <a:bodyPr/>
+                    <a:lstStyle/>
+                    <a:p>
+                      <a:pPr marL="0" marR="0">
+                        <a:lnSpc>
+                          <a:spcPct val="107000"/>
+                        </a:lnSpc>
+                        <a:spcBef>
+                          <a:spcPts val="0"/>
+                        </a:spcBef>
+                        <a:spcAft>
+                          <a:spcPts val="0"/>
+                        </a:spcAft>
+                      </a:pPr>
+                      <a:r>
+                        <a:rPr lang="en-US" sz="1200" dirty="0">
+                          <a:effectLst/>
+                        </a:rPr>
+                        <a:t>$31,000</a:t>
+                      </a:r>
+                      <a:endParaRPr lang="en-US" sz="1100" dirty="0">
+                        <a:effectLst/>
+                        <a:latin typeface="Calibri" panose="020F0502020204030204" pitchFamily="34" charset="0"/>
+                        <a:ea typeface="Calibri" panose="020F0502020204030204" pitchFamily="34" charset="0"/>
+                        <a:cs typeface="Times New Roman" panose="02020603050405020304" pitchFamily="18" charset="0"/>
+                      </a:endParaRPr>
+                    </a:p>
+                  </a:txBody>
+                  <a:tcPr marL="161925" marR="161925" marT="161925" marB="161925" anchor="b"/>
+                </a:tc>
+              </a:tr>
+            </a:tbl>
+          </a:graphicData>
+        </a:graphic>
+      </p:graphicFrame>
+    </p:spTree>
+    <p:extLst>
+      <p:ext uri="{BB962C8B-B14F-4D97-AF65-F5344CB8AC3E}">
+        <p14:creationId xmlns:p14="http://schemas.microsoft.com/office/powerpoint/2010/main" val="1327418504"/>
+      </p:ext>
+    </p:extLst>
+  </p:cSld>
+  <p:clrMapOvr>
+    <a:masterClrMapping/>
+  </p:clrMapOvr>
+</p:sld>
+</file>
+
+<file path=ppt/slides/slide38.xml><?xml version="1.0" encoding="utf-8"?>
+<p:sld xmlns:a="http://schemas.openxmlformats.org/drawingml/2006/main" xmlns:r="http://schemas.openxmlformats.org/officeDocument/2006/relationships" xmlns:p="http://schemas.openxmlformats.org/presentationml/2006/main">
+  <p:cSld>
+    <p:spTree>
+      <p:nvGrpSpPr>
+        <p:cNvPr id="1" name=""/>
+        <p:cNvGrpSpPr/>
+        <p:nvPr/>
+      </p:nvGrpSpPr>
+      <p:grpSpPr>
+        <a:xfrm>
+          <a:off x="0" y="0"/>
+          <a:ext cx="0" cy="0"/>
+          <a:chOff x="0" y="0"/>
+          <a:chExt cx="0" cy="0"/>
+        </a:xfrm>
+      </p:grpSpPr>
+      <p:sp>
+        <p:nvSpPr>
+          <p:cNvPr id="2" name="Title 1">
+            <a:extLst>
+              <a:ext uri="{FF2B5EF4-FFF2-40B4-BE49-F238E27FC236}">
+                <a16:creationId xmlns:a16="http://schemas.microsoft.com/office/drawing/2014/main" xmlns="" id="{FB9500EA-79DA-44C2-A119-07E105C43C99}"/>
+              </a:ext>
+            </a:extLst>
+          </p:cNvPr>
+          <p:cNvSpPr>
+            <a:spLocks noGrp="1"/>
+          </p:cNvSpPr>
+          <p:nvPr>
+            <p:ph type="title"/>
+          </p:nvPr>
+        </p:nvSpPr>
+        <p:spPr/>
+        <p:txBody>
+          <a:bodyPr/>
+          <a:lstStyle/>
+          <a:p>
+            <a:r>
+              <a:rPr lang="en-US" dirty="0"/>
+              <a:t>RISK MONITORING AND CONTROL</a:t>
+            </a:r>
+          </a:p>
+        </p:txBody>
+      </p:sp>
+      <p:sp>
+        <p:nvSpPr>
+          <p:cNvPr id="3" name="Content Placeholder 2">
+            <a:extLst>
+              <a:ext uri="{FF2B5EF4-FFF2-40B4-BE49-F238E27FC236}">
+                <a16:creationId xmlns:a16="http://schemas.microsoft.com/office/drawing/2014/main" xmlns="" id="{86FE0847-AF1F-4C59-853A-E624B683C708}"/>
+              </a:ext>
+            </a:extLst>
+          </p:cNvPr>
+          <p:cNvSpPr>
+            <a:spLocks noGrp="1"/>
+          </p:cNvSpPr>
+          <p:nvPr>
+            <p:ph idx="1"/>
+          </p:nvPr>
+        </p:nvSpPr>
+        <p:spPr>
+          <a:xfrm>
+            <a:off x="609600" y="1846262"/>
+            <a:ext cx="10972800" cy="3958190"/>
+          </a:xfrm>
+        </p:spPr>
+        <p:txBody>
+          <a:bodyPr>
+            <a:normAutofit lnSpcReduction="10000"/>
+          </a:bodyPr>
+          <a:lstStyle/>
+          <a:p>
+            <a:pPr marL="0" indent="0">
+              <a:buNone/>
+            </a:pPr>
+            <a:r>
+              <a:rPr lang="en-US" dirty="0">
+                <a:solidFill>
+                  <a:schemeClr val="tx1"/>
+                </a:solidFill>
+              </a:rPr>
+              <a:t>Inputs to Risk Monitoring and Control</a:t>
+            </a:r>
+          </a:p>
+          <a:p>
+            <a:pPr marL="457200" indent="-457200">
+              <a:buAutoNum type="arabicPeriod"/>
+            </a:pPr>
+            <a:r>
+              <a:rPr lang="en-US" dirty="0">
+                <a:solidFill>
+                  <a:schemeClr val="tx1"/>
+                </a:solidFill>
+              </a:rPr>
+              <a:t>Risk management plan</a:t>
+            </a:r>
+          </a:p>
+          <a:p>
+            <a:pPr marL="457200" indent="-457200">
+              <a:buAutoNum type="arabicPeriod"/>
+            </a:pPr>
+            <a:r>
+              <a:rPr lang="en-US" dirty="0">
+                <a:solidFill>
+                  <a:schemeClr val="tx1"/>
+                </a:solidFill>
+              </a:rPr>
+              <a:t>Risk Register Contains outputs of the other processes: identified risks &amp; owners, risk responses, triggers and warning signs</a:t>
+            </a:r>
+          </a:p>
+          <a:p>
+            <a:pPr marL="457200" indent="-457200">
+              <a:buAutoNum type="arabicPeriod"/>
+            </a:pPr>
+            <a:r>
+              <a:rPr lang="en-US" dirty="0">
+                <a:solidFill>
+                  <a:schemeClr val="tx1"/>
+                </a:solidFill>
+              </a:rPr>
+              <a:t>Approved Change Requests Approved changes include modifications such as to scope, schedule, method of work, or contract terms. This may often require new risk analysis to consider impact on existing plan and identifying new risks and corresponding responses </a:t>
+            </a:r>
+          </a:p>
+          <a:p>
+            <a:pPr marL="457200" indent="-457200">
+              <a:buAutoNum type="arabicPeriod"/>
+            </a:pPr>
+            <a:r>
+              <a:rPr lang="en-US" dirty="0">
+                <a:solidFill>
+                  <a:schemeClr val="tx1"/>
+                </a:solidFill>
+              </a:rPr>
+              <a:t>Work Performance Information Project status and performance reports are necessary for risk monitoring and control of risks. </a:t>
+            </a:r>
+          </a:p>
+        </p:txBody>
+      </p:sp>
+    </p:spTree>
+    <p:extLst>
+      <p:ext uri="{BB962C8B-B14F-4D97-AF65-F5344CB8AC3E}">
+        <p14:creationId xmlns:p14="http://schemas.microsoft.com/office/powerpoint/2010/main" val="3415362153"/>
+      </p:ext>
+    </p:extLst>
+  </p:cSld>
+  <p:clrMapOvr>
+    <a:masterClrMapping/>
+  </p:clrMapOvr>
+</p:sld>
+</file>
+
+<file path=ppt/slides/slide39.xml><?xml version="1.0" encoding="utf-8"?>
+<p:sld xmlns:a="http://schemas.openxmlformats.org/drawingml/2006/main" xmlns:r="http://schemas.openxmlformats.org/officeDocument/2006/relationships" xmlns:p="http://schemas.openxmlformats.org/presentationml/2006/main">
+  <p:cSld>
+    <p:spTree>
+      <p:nvGrpSpPr>
+        <p:cNvPr id="1" name=""/>
+        <p:cNvGrpSpPr/>
+        <p:nvPr/>
+      </p:nvGrpSpPr>
+      <p:grpSpPr>
+        <a:xfrm>
+          <a:off x="0" y="0"/>
+          <a:ext cx="0" cy="0"/>
+          <a:chOff x="0" y="0"/>
+          <a:chExt cx="0" cy="0"/>
+        </a:xfrm>
+      </p:grpSpPr>
+      <p:sp>
+        <p:nvSpPr>
+          <p:cNvPr id="2" name="Title 1">
+            <a:extLst>
+              <a:ext uri="{FF2B5EF4-FFF2-40B4-BE49-F238E27FC236}">
+                <a16:creationId xmlns:a16="http://schemas.microsoft.com/office/drawing/2014/main" xmlns="" id="{516D23C8-5582-4A79-BA46-D5896BD99290}"/>
+              </a:ext>
+            </a:extLst>
+          </p:cNvPr>
+          <p:cNvSpPr>
+            <a:spLocks noGrp="1"/>
+          </p:cNvSpPr>
+          <p:nvPr>
+            <p:ph type="title"/>
+          </p:nvPr>
+        </p:nvSpPr>
+        <p:spPr/>
+        <p:txBody>
+          <a:bodyPr/>
+          <a:lstStyle/>
+          <a:p>
+            <a:r>
+              <a:rPr lang="en-US" dirty="0"/>
+              <a:t>RISK MONITORING AND CONTROL</a:t>
+            </a:r>
+          </a:p>
+        </p:txBody>
+      </p:sp>
+      <p:sp>
+        <p:nvSpPr>
+          <p:cNvPr id="3" name="Content Placeholder 2">
+            <a:extLst>
+              <a:ext uri="{FF2B5EF4-FFF2-40B4-BE49-F238E27FC236}">
+                <a16:creationId xmlns:a16="http://schemas.microsoft.com/office/drawing/2014/main" xmlns="" id="{572CA650-3786-4191-8034-815C99E97112}"/>
+              </a:ext>
+            </a:extLst>
+          </p:cNvPr>
+          <p:cNvSpPr>
+            <a:spLocks noGrp="1"/>
+          </p:cNvSpPr>
+          <p:nvPr>
+            <p:ph idx="1"/>
+          </p:nvPr>
+        </p:nvSpPr>
+        <p:spPr>
+          <a:xfrm>
+            <a:off x="609600" y="1846262"/>
+            <a:ext cx="10972800" cy="3653390"/>
+          </a:xfrm>
+        </p:spPr>
+        <p:txBody>
+          <a:bodyPr>
+            <a:normAutofit/>
+          </a:bodyPr>
+          <a:lstStyle/>
+          <a:p>
+            <a:pPr marL="0" indent="0">
+              <a:buNone/>
+            </a:pPr>
+            <a:r>
+              <a:rPr lang="en-US" dirty="0">
+                <a:solidFill>
+                  <a:schemeClr val="tx1"/>
+                </a:solidFill>
+              </a:rPr>
+              <a:t>Tools and Techniques for Risk Monitoring and Control</a:t>
+            </a:r>
+          </a:p>
+          <a:p>
+            <a:pPr marL="0" indent="0">
+              <a:buNone/>
+            </a:pPr>
+            <a:r>
+              <a:rPr lang="en-US" b="1" dirty="0">
+                <a:solidFill>
+                  <a:schemeClr val="tx1"/>
+                </a:solidFill>
+              </a:rPr>
+              <a:t>1. Risk Reassessment: </a:t>
+            </a:r>
+          </a:p>
+          <a:p>
+            <a:r>
+              <a:rPr lang="en-US" dirty="0">
+                <a:solidFill>
+                  <a:schemeClr val="tx1"/>
+                </a:solidFill>
+              </a:rPr>
+              <a:t>Project risk reviews at all team meetings. </a:t>
+            </a:r>
+          </a:p>
+          <a:p>
+            <a:r>
+              <a:rPr lang="en-US" dirty="0">
+                <a:solidFill>
+                  <a:schemeClr val="tx1"/>
+                </a:solidFill>
+              </a:rPr>
+              <a:t>Major reviews at major milestones </a:t>
+            </a:r>
+          </a:p>
+          <a:p>
+            <a:r>
+              <a:rPr lang="en-US" dirty="0">
+                <a:solidFill>
+                  <a:schemeClr val="tx1"/>
+                </a:solidFill>
+              </a:rPr>
+              <a:t>Risk ratings and prioritization may change during the life of the project. Changes may require additional qualitative or quantitative risk analysis. </a:t>
+            </a:r>
+          </a:p>
+          <a:p>
+            <a:pPr marL="0" indent="0">
+              <a:buNone/>
+            </a:pPr>
+            <a:r>
+              <a:rPr lang="en-US" b="1" dirty="0">
+                <a:solidFill>
+                  <a:schemeClr val="tx1"/>
+                </a:solidFill>
+              </a:rPr>
+              <a:t>2. Risk audits: </a:t>
+            </a:r>
+            <a:r>
+              <a:rPr lang="en-US" dirty="0">
+                <a:solidFill>
+                  <a:schemeClr val="tx1"/>
+                </a:solidFill>
+              </a:rPr>
+              <a:t>Examine and document the effectiveness of the risk response planning in controlling risk and the effectiveness of the risk owner. </a:t>
+            </a:r>
+          </a:p>
+        </p:txBody>
+      </p:sp>
+    </p:spTree>
+    <p:extLst>
+      <p:ext uri="{BB962C8B-B14F-4D97-AF65-F5344CB8AC3E}">
+        <p14:creationId xmlns:p14="http://schemas.microsoft.com/office/powerpoint/2010/main" val="2742874019"/>
+      </p:ext>
+    </p:extLst>
+  </p:cSld>
+  <p:clrMapOvr>
+    <a:masterClrMapping/>
+  </p:clrMapOvr>
+</p:sld>
+</file>
+
 <file path=ppt/slides/slide4.xml><?xml version="1.0" encoding="utf-8"?>
 <p:sld xmlns:a="http://schemas.openxmlformats.org/drawingml/2006/main" xmlns:r="http://schemas.openxmlformats.org/officeDocument/2006/relationships" xmlns:p="http://schemas.openxmlformats.org/presentationml/2006/main">
   <p:cSld>
@@ -39879,7 +44392,7 @@
           <p:cNvPr id="2" name="Title 1">
             <a:extLst>
               <a:ext uri="{FF2B5EF4-FFF2-40B4-BE49-F238E27FC236}">
-                <a16:creationId xmlns:a16="http://schemas.microsoft.com/office/drawing/2014/main" id="{63F04339-217A-415E-AC14-5866F8FB19FF}"/>
+                <a16:creationId xmlns:a16="http://schemas.microsoft.com/office/drawing/2014/main" xmlns="" id="{63F04339-217A-415E-AC14-5866F8FB19FF}"/>
               </a:ext>
             </a:extLst>
           </p:cNvPr>
@@ -39910,7 +44423,7 @@
           <p:cNvPr id="3" name="Content Placeholder 2">
             <a:extLst>
               <a:ext uri="{FF2B5EF4-FFF2-40B4-BE49-F238E27FC236}">
-                <a16:creationId xmlns:a16="http://schemas.microsoft.com/office/drawing/2014/main" id="{30C64DA3-8DD5-4827-91E6-A54C96CC2E9E}"/>
+                <a16:creationId xmlns:a16="http://schemas.microsoft.com/office/drawing/2014/main" xmlns="" id="{30C64DA3-8DD5-4827-91E6-A54C96CC2E9E}"/>
               </a:ext>
             </a:extLst>
           </p:cNvPr>
@@ -40006,6 +44519,1059 @@
 </p:sld>
 </file>
 
+<file path=ppt/slides/slide40.xml><?xml version="1.0" encoding="utf-8"?>
+<p:sld xmlns:a="http://schemas.openxmlformats.org/drawingml/2006/main" xmlns:r="http://schemas.openxmlformats.org/officeDocument/2006/relationships" xmlns:p="http://schemas.openxmlformats.org/presentationml/2006/main">
+  <p:cSld>
+    <p:spTree>
+      <p:nvGrpSpPr>
+        <p:cNvPr id="1" name=""/>
+        <p:cNvGrpSpPr/>
+        <p:nvPr/>
+      </p:nvGrpSpPr>
+      <p:grpSpPr>
+        <a:xfrm>
+          <a:off x="0" y="0"/>
+          <a:ext cx="0" cy="0"/>
+          <a:chOff x="0" y="0"/>
+          <a:chExt cx="0" cy="0"/>
+        </a:xfrm>
+      </p:grpSpPr>
+      <p:sp>
+        <p:nvSpPr>
+          <p:cNvPr id="2" name="Title 1">
+            <a:extLst>
+              <a:ext uri="{FF2B5EF4-FFF2-40B4-BE49-F238E27FC236}">
+                <a16:creationId xmlns:a16="http://schemas.microsoft.com/office/drawing/2014/main" xmlns="" id="{231C6901-B410-48AC-9E9B-755C82E4B5A4}"/>
+              </a:ext>
+            </a:extLst>
+          </p:cNvPr>
+          <p:cNvSpPr>
+            <a:spLocks noGrp="1"/>
+          </p:cNvSpPr>
+          <p:nvPr>
+            <p:ph type="title"/>
+          </p:nvPr>
+        </p:nvSpPr>
+        <p:spPr/>
+        <p:txBody>
+          <a:bodyPr/>
+          <a:lstStyle/>
+          <a:p>
+            <a:r>
+              <a:rPr lang="en-US" dirty="0"/>
+              <a:t>RISK MONITORING AND CONTROL</a:t>
+            </a:r>
+          </a:p>
+        </p:txBody>
+      </p:sp>
+      <p:sp>
+        <p:nvSpPr>
+          <p:cNvPr id="3" name="Content Placeholder 2">
+            <a:extLst>
+              <a:ext uri="{FF2B5EF4-FFF2-40B4-BE49-F238E27FC236}">
+                <a16:creationId xmlns:a16="http://schemas.microsoft.com/office/drawing/2014/main" xmlns="" id="{35D76BC1-1376-4FD7-B9AA-FDF9CE651D72}"/>
+              </a:ext>
+            </a:extLst>
+          </p:cNvPr>
+          <p:cNvSpPr>
+            <a:spLocks noGrp="1"/>
+          </p:cNvSpPr>
+          <p:nvPr>
+            <p:ph idx="1"/>
+          </p:nvPr>
+        </p:nvSpPr>
+        <p:spPr>
+          <a:xfrm>
+            <a:off x="609600" y="1846262"/>
+            <a:ext cx="10972800" cy="3971442"/>
+          </a:xfrm>
+        </p:spPr>
+        <p:txBody>
+          <a:bodyPr>
+            <a:normAutofit lnSpcReduction="10000"/>
+          </a:bodyPr>
+          <a:lstStyle/>
+          <a:p>
+            <a:pPr marL="0" indent="0">
+              <a:buNone/>
+            </a:pPr>
+            <a:r>
+              <a:rPr lang="en-US" dirty="0">
+                <a:solidFill>
+                  <a:schemeClr val="tx1"/>
+                </a:solidFill>
+              </a:rPr>
+              <a:t>Tools and Techniques for Risk Monitoring &amp; Control(</a:t>
+            </a:r>
+            <a:r>
+              <a:rPr lang="en-US" dirty="0" err="1">
+                <a:solidFill>
+                  <a:schemeClr val="tx1"/>
+                </a:solidFill>
+              </a:rPr>
+              <a:t>cont</a:t>
+            </a:r>
+            <a:r>
+              <a:rPr lang="en-US" dirty="0">
+                <a:solidFill>
+                  <a:schemeClr val="tx1"/>
+                </a:solidFill>
+              </a:rPr>
+              <a:t>):</a:t>
+            </a:r>
+          </a:p>
+          <a:p>
+            <a:pPr marL="0" indent="0">
+              <a:buNone/>
+            </a:pPr>
+            <a:r>
+              <a:rPr lang="en-US" dirty="0">
+                <a:solidFill>
+                  <a:schemeClr val="tx1"/>
+                </a:solidFill>
+              </a:rPr>
+              <a:t>3. </a:t>
+            </a:r>
+            <a:r>
+              <a:rPr lang="en-US" b="1" dirty="0">
+                <a:solidFill>
+                  <a:schemeClr val="tx1"/>
+                </a:solidFill>
+              </a:rPr>
+              <a:t>Variance and Trend Analysis: </a:t>
+            </a:r>
+            <a:r>
+              <a:rPr lang="en-US" dirty="0">
+                <a:solidFill>
+                  <a:schemeClr val="tx1"/>
+                </a:solidFill>
+              </a:rPr>
+              <a:t>Used for monitoring overall project cost &amp; Schedule performance against a baseline plan. Significant deviations indicate that updated risk identification and analysis should be performed. Technical performance measurement.</a:t>
+            </a:r>
+          </a:p>
+          <a:p>
+            <a:pPr marL="0" indent="0">
+              <a:buNone/>
+            </a:pPr>
+            <a:r>
+              <a:rPr lang="en-US" dirty="0">
+                <a:solidFill>
+                  <a:schemeClr val="tx1"/>
+                </a:solidFill>
+              </a:rPr>
+              <a:t>4. </a:t>
+            </a:r>
+            <a:r>
+              <a:rPr lang="en-US" b="1" dirty="0">
+                <a:solidFill>
+                  <a:schemeClr val="tx1"/>
+                </a:solidFill>
+              </a:rPr>
+              <a:t>Reserve Analysis: </a:t>
+            </a:r>
+            <a:r>
+              <a:rPr lang="en-US" dirty="0">
+                <a:solidFill>
+                  <a:schemeClr val="tx1"/>
+                </a:solidFill>
+              </a:rPr>
+              <a:t>As execution progresses, some risk events may happen with positive or negative impact on cost or schedule contingency reserves. Reserve analysis compares available reserves with amount of risk remaining at the time and determines whether reserves are sufficient </a:t>
+            </a:r>
+          </a:p>
+          <a:p>
+            <a:pPr marL="0" indent="0">
+              <a:buNone/>
+            </a:pPr>
+            <a:r>
+              <a:rPr lang="en-US" dirty="0">
+                <a:solidFill>
+                  <a:schemeClr val="tx1"/>
+                </a:solidFill>
+              </a:rPr>
+              <a:t>5. </a:t>
+            </a:r>
+            <a:r>
+              <a:rPr lang="en-US" b="1" dirty="0">
+                <a:solidFill>
+                  <a:schemeClr val="tx1"/>
+                </a:solidFill>
+              </a:rPr>
+              <a:t>Status meetings: </a:t>
+            </a:r>
+            <a:r>
+              <a:rPr lang="en-US" dirty="0">
+                <a:solidFill>
+                  <a:schemeClr val="tx1"/>
+                </a:solidFill>
+              </a:rPr>
+              <a:t>Risk management can be addressed regularly by including the subject in project meetings. </a:t>
+            </a:r>
+          </a:p>
+          <a:p>
+            <a:pPr marL="0" indent="0">
+              <a:buNone/>
+            </a:pPr>
+            <a:endParaRPr lang="en-US" dirty="0"/>
+          </a:p>
+        </p:txBody>
+      </p:sp>
+    </p:spTree>
+    <p:extLst>
+      <p:ext uri="{BB962C8B-B14F-4D97-AF65-F5344CB8AC3E}">
+        <p14:creationId xmlns:p14="http://schemas.microsoft.com/office/powerpoint/2010/main" val="3405071517"/>
+      </p:ext>
+    </p:extLst>
+  </p:cSld>
+  <p:clrMapOvr>
+    <a:masterClrMapping/>
+  </p:clrMapOvr>
+</p:sld>
+</file>
+
+<file path=ppt/slides/slide41.xml><?xml version="1.0" encoding="utf-8"?>
+<p:sld xmlns:a="http://schemas.openxmlformats.org/drawingml/2006/main" xmlns:r="http://schemas.openxmlformats.org/officeDocument/2006/relationships" xmlns:p="http://schemas.openxmlformats.org/presentationml/2006/main">
+  <p:cSld>
+    <p:spTree>
+      <p:nvGrpSpPr>
+        <p:cNvPr id="1" name=""/>
+        <p:cNvGrpSpPr/>
+        <p:nvPr/>
+      </p:nvGrpSpPr>
+      <p:grpSpPr>
+        <a:xfrm>
+          <a:off x="0" y="0"/>
+          <a:ext cx="0" cy="0"/>
+          <a:chOff x="0" y="0"/>
+          <a:chExt cx="0" cy="0"/>
+        </a:xfrm>
+      </p:grpSpPr>
+      <p:sp>
+        <p:nvSpPr>
+          <p:cNvPr id="2" name="Title 1">
+            <a:extLst>
+              <a:ext uri="{FF2B5EF4-FFF2-40B4-BE49-F238E27FC236}">
+                <a16:creationId xmlns:a16="http://schemas.microsoft.com/office/drawing/2014/main" xmlns="" id="{AB0E7A9B-A41D-442E-802D-434172309D2A}"/>
+              </a:ext>
+            </a:extLst>
+          </p:cNvPr>
+          <p:cNvSpPr>
+            <a:spLocks noGrp="1"/>
+          </p:cNvSpPr>
+          <p:nvPr>
+            <p:ph type="title"/>
+          </p:nvPr>
+        </p:nvSpPr>
+        <p:spPr/>
+        <p:txBody>
+          <a:bodyPr/>
+          <a:lstStyle/>
+          <a:p>
+            <a:r>
+              <a:rPr lang="en-US" dirty="0"/>
+              <a:t>RISK MONITORING AND CONTROL</a:t>
+            </a:r>
+          </a:p>
+        </p:txBody>
+      </p:sp>
+      <p:sp>
+        <p:nvSpPr>
+          <p:cNvPr id="3" name="Content Placeholder 2">
+            <a:extLst>
+              <a:ext uri="{FF2B5EF4-FFF2-40B4-BE49-F238E27FC236}">
+                <a16:creationId xmlns:a16="http://schemas.microsoft.com/office/drawing/2014/main" xmlns="" id="{0521ED67-64D5-4B3C-AE59-AA02C5781830}"/>
+              </a:ext>
+            </a:extLst>
+          </p:cNvPr>
+          <p:cNvSpPr>
+            <a:spLocks noGrp="1"/>
+          </p:cNvSpPr>
+          <p:nvPr>
+            <p:ph idx="1"/>
+          </p:nvPr>
+        </p:nvSpPr>
+        <p:spPr>
+          <a:xfrm>
+            <a:off x="609600" y="1846261"/>
+            <a:ext cx="10972800" cy="4024451"/>
+          </a:xfrm>
+        </p:spPr>
+        <p:txBody>
+          <a:bodyPr>
+            <a:normAutofit fontScale="92500" lnSpcReduction="20000"/>
+          </a:bodyPr>
+          <a:lstStyle/>
+          <a:p>
+            <a:pPr marL="0" indent="0">
+              <a:buNone/>
+            </a:pPr>
+            <a:r>
+              <a:rPr lang="en-US" sz="2600" b="1" dirty="0">
+                <a:solidFill>
+                  <a:schemeClr val="tx1"/>
+                </a:solidFill>
+              </a:rPr>
+              <a:t>Outputs from Risk Monitoring and Control</a:t>
+            </a:r>
+          </a:p>
+          <a:p>
+            <a:pPr marL="457200" indent="-457200">
+              <a:buAutoNum type="arabicPeriod"/>
+            </a:pPr>
+            <a:r>
+              <a:rPr lang="en-US" b="1" dirty="0">
+                <a:solidFill>
+                  <a:schemeClr val="tx1"/>
+                </a:solidFill>
+              </a:rPr>
+              <a:t>Risk Register Updates: </a:t>
+            </a:r>
+            <a:r>
+              <a:rPr lang="en-US" dirty="0">
+                <a:solidFill>
+                  <a:schemeClr val="tx1"/>
+                </a:solidFill>
+              </a:rPr>
+              <a:t>Risk register is updated to include: </a:t>
+            </a:r>
+          </a:p>
+          <a:p>
+            <a:pPr lvl="1"/>
+            <a:r>
+              <a:rPr lang="en-US" sz="2400" dirty="0">
+                <a:solidFill>
+                  <a:schemeClr val="tx1"/>
+                </a:solidFill>
+              </a:rPr>
+              <a:t>Outcomes of risk reassessments, audits, and risk reviews. Update may affect risk probability, impact, rank, response, etc.. </a:t>
+            </a:r>
+          </a:p>
+          <a:p>
+            <a:pPr lvl="1"/>
+            <a:r>
+              <a:rPr lang="en-US" sz="2400" dirty="0">
+                <a:solidFill>
+                  <a:schemeClr val="tx1"/>
+                </a:solidFill>
+              </a:rPr>
+              <a:t>Actual outcome of risks, and of risk responses that becomes part of the project file to be utilized on future projects. </a:t>
+            </a:r>
+          </a:p>
+          <a:p>
+            <a:pPr marL="457200" indent="-457200">
+              <a:buFont typeface="+mj-lt"/>
+              <a:buAutoNum type="arabicPeriod" startAt="2"/>
+            </a:pPr>
+            <a:r>
+              <a:rPr lang="en-US" b="1" dirty="0">
+                <a:solidFill>
+                  <a:schemeClr val="tx1"/>
+                </a:solidFill>
+              </a:rPr>
+              <a:t>Corrective action</a:t>
+            </a:r>
+            <a:r>
+              <a:rPr lang="en-US" dirty="0">
+                <a:solidFill>
+                  <a:schemeClr val="tx1"/>
+                </a:solidFill>
+              </a:rPr>
+              <a:t>: Corrective action consists of performing the contingency plan or workaround. Workarounds are previously unplanned responses to emerging risks. Workarounds must be properly documented and incorporated into the project plan and risk response plan. </a:t>
+            </a:r>
+          </a:p>
+          <a:p>
+            <a:pPr marL="457200" indent="-457200">
+              <a:buAutoNum type="arabicPeriod" startAt="2"/>
+            </a:pPr>
+            <a:r>
+              <a:rPr lang="en-US" b="1" dirty="0">
+                <a:solidFill>
+                  <a:schemeClr val="tx1"/>
+                </a:solidFill>
+              </a:rPr>
+              <a:t>Recommended Preventive Actions: </a:t>
+            </a:r>
+            <a:r>
+              <a:rPr lang="en-US" dirty="0">
+                <a:solidFill>
+                  <a:schemeClr val="tx1"/>
+                </a:solidFill>
+              </a:rPr>
+              <a:t>Used to direct project towards compliance with the project management plan</a:t>
+            </a:r>
+          </a:p>
+        </p:txBody>
+      </p:sp>
+    </p:spTree>
+    <p:extLst>
+      <p:ext uri="{BB962C8B-B14F-4D97-AF65-F5344CB8AC3E}">
+        <p14:creationId xmlns:p14="http://schemas.microsoft.com/office/powerpoint/2010/main" val="1017190370"/>
+      </p:ext>
+    </p:extLst>
+  </p:cSld>
+  <p:clrMapOvr>
+    <a:masterClrMapping/>
+  </p:clrMapOvr>
+</p:sld>
+</file>
+
+<file path=ppt/slides/slide42.xml><?xml version="1.0" encoding="utf-8"?>
+<p:sld xmlns:a="http://schemas.openxmlformats.org/drawingml/2006/main" xmlns:r="http://schemas.openxmlformats.org/officeDocument/2006/relationships" xmlns:p="http://schemas.openxmlformats.org/presentationml/2006/main">
+  <p:cSld>
+    <p:spTree>
+      <p:nvGrpSpPr>
+        <p:cNvPr id="1" name=""/>
+        <p:cNvGrpSpPr/>
+        <p:nvPr/>
+      </p:nvGrpSpPr>
+      <p:grpSpPr>
+        <a:xfrm>
+          <a:off x="0" y="0"/>
+          <a:ext cx="0" cy="0"/>
+          <a:chOff x="0" y="0"/>
+          <a:chExt cx="0" cy="0"/>
+        </a:xfrm>
+      </p:grpSpPr>
+      <p:sp>
+        <p:nvSpPr>
+          <p:cNvPr id="2" name="Title 1">
+            <a:extLst>
+              <a:ext uri="{FF2B5EF4-FFF2-40B4-BE49-F238E27FC236}">
+                <a16:creationId xmlns:a16="http://schemas.microsoft.com/office/drawing/2014/main" xmlns="" id="{F59F8DBE-CC60-47A6-AE57-E8A2BD56FB72}"/>
+              </a:ext>
+            </a:extLst>
+          </p:cNvPr>
+          <p:cNvSpPr>
+            <a:spLocks noGrp="1"/>
+          </p:cNvSpPr>
+          <p:nvPr>
+            <p:ph type="title"/>
+          </p:nvPr>
+        </p:nvSpPr>
+        <p:spPr/>
+        <p:txBody>
+          <a:bodyPr/>
+          <a:lstStyle/>
+          <a:p>
+            <a:endParaRPr lang="en-US"/>
+          </a:p>
+        </p:txBody>
+      </p:sp>
+      <p:sp>
+        <p:nvSpPr>
+          <p:cNvPr id="3" name="Content Placeholder 2">
+            <a:extLst>
+              <a:ext uri="{FF2B5EF4-FFF2-40B4-BE49-F238E27FC236}">
+                <a16:creationId xmlns:a16="http://schemas.microsoft.com/office/drawing/2014/main" xmlns="" id="{53EA9189-7F2B-4F4F-91C7-BBBD9E0737B6}"/>
+              </a:ext>
+            </a:extLst>
+          </p:cNvPr>
+          <p:cNvSpPr>
+            <a:spLocks noGrp="1"/>
+          </p:cNvSpPr>
+          <p:nvPr>
+            <p:ph idx="1"/>
+          </p:nvPr>
+        </p:nvSpPr>
+        <p:spPr>
+          <a:xfrm>
+            <a:off x="609600" y="1846261"/>
+            <a:ext cx="10972800" cy="3865425"/>
+          </a:xfrm>
+        </p:spPr>
+        <p:txBody>
+          <a:bodyPr>
+            <a:normAutofit fontScale="92500" lnSpcReduction="10000"/>
+          </a:bodyPr>
+          <a:lstStyle/>
+          <a:p>
+            <a:pPr marL="0" indent="0">
+              <a:buNone/>
+            </a:pPr>
+            <a:r>
+              <a:rPr lang="en-US" b="1" dirty="0">
+                <a:solidFill>
+                  <a:schemeClr val="tx1"/>
+                </a:solidFill>
+              </a:rPr>
+              <a:t>Outputs from Risk Monitoring and Control(</a:t>
+            </a:r>
+            <a:r>
+              <a:rPr lang="en-US" b="1" dirty="0" err="1">
+                <a:solidFill>
+                  <a:schemeClr val="tx1"/>
+                </a:solidFill>
+              </a:rPr>
+              <a:t>cont</a:t>
+            </a:r>
+            <a:r>
+              <a:rPr lang="en-US" b="1" dirty="0">
+                <a:solidFill>
+                  <a:schemeClr val="tx1"/>
+                </a:solidFill>
+              </a:rPr>
+              <a:t>)</a:t>
+            </a:r>
+          </a:p>
+          <a:p>
+            <a:pPr marL="457200" indent="-457200">
+              <a:buFont typeface="+mj-lt"/>
+              <a:buAutoNum type="arabicPeriod" startAt="4"/>
+            </a:pPr>
+            <a:r>
+              <a:rPr lang="en-US" b="1" dirty="0">
+                <a:solidFill>
+                  <a:schemeClr val="tx1"/>
+                </a:solidFill>
+              </a:rPr>
+              <a:t>Project change requests: </a:t>
+            </a:r>
+            <a:r>
+              <a:rPr lang="en-US" dirty="0">
+                <a:solidFill>
+                  <a:schemeClr val="tx1"/>
+                </a:solidFill>
+              </a:rPr>
+              <a:t>Implementing contingency plans or workarounds frequently results in a requirement to change the project plan to respond to risks. The result is issuance of a change request that is managed by overall change control. </a:t>
+            </a:r>
+          </a:p>
+          <a:p>
+            <a:pPr marL="457200" indent="-457200">
+              <a:buFont typeface="+mj-lt"/>
+              <a:buAutoNum type="arabicPeriod" startAt="4"/>
+            </a:pPr>
+            <a:r>
+              <a:rPr lang="en-US" b="1" dirty="0">
+                <a:solidFill>
+                  <a:schemeClr val="tx1"/>
+                </a:solidFill>
+              </a:rPr>
+              <a:t>Organizational Process Assets Updates: </a:t>
+            </a:r>
+            <a:r>
+              <a:rPr lang="en-US" dirty="0">
+                <a:solidFill>
+                  <a:schemeClr val="tx1"/>
+                </a:solidFill>
+              </a:rPr>
+              <a:t>Information gained through the risk management processes are collected and kept for use by future projects: Templates for risk management plan, probability-impact matrix, risk register, lessons learned, updated RBS. </a:t>
+            </a:r>
+          </a:p>
+          <a:p>
+            <a:pPr marL="457200" indent="-457200">
+              <a:buFont typeface="+mj-lt"/>
+              <a:buAutoNum type="arabicPeriod" startAt="4"/>
+            </a:pPr>
+            <a:r>
+              <a:rPr lang="en-US" b="1" dirty="0">
+                <a:solidFill>
+                  <a:schemeClr val="tx1"/>
+                </a:solidFill>
+              </a:rPr>
+              <a:t>Project Management Plan Updates: </a:t>
+            </a:r>
+            <a:r>
+              <a:rPr lang="en-US" dirty="0">
+                <a:solidFill>
+                  <a:schemeClr val="tx1"/>
+                </a:solidFill>
+              </a:rPr>
+              <a:t>Updates to the project management plan as a result of approval of requested changes.</a:t>
+            </a:r>
+            <a:endParaRPr lang="en-US" b="1" dirty="0">
+              <a:solidFill>
+                <a:schemeClr val="tx1"/>
+              </a:solidFill>
+            </a:endParaRPr>
+          </a:p>
+          <a:p>
+            <a:endParaRPr lang="en-US" dirty="0"/>
+          </a:p>
+        </p:txBody>
+      </p:sp>
+    </p:spTree>
+    <p:extLst>
+      <p:ext uri="{BB962C8B-B14F-4D97-AF65-F5344CB8AC3E}">
+        <p14:creationId xmlns:p14="http://schemas.microsoft.com/office/powerpoint/2010/main" val="1335624416"/>
+      </p:ext>
+    </p:extLst>
+  </p:cSld>
+  <p:clrMapOvr>
+    <a:masterClrMapping/>
+  </p:clrMapOvr>
+</p:sld>
+</file>
+
+<file path=ppt/slides/slide43.xml><?xml version="1.0" encoding="utf-8"?>
+<p:sld xmlns:a="http://schemas.openxmlformats.org/drawingml/2006/main" xmlns:r="http://schemas.openxmlformats.org/officeDocument/2006/relationships" xmlns:p="http://schemas.openxmlformats.org/presentationml/2006/main">
+  <p:cSld>
+    <p:spTree>
+      <p:nvGrpSpPr>
+        <p:cNvPr id="1" name=""/>
+        <p:cNvGrpSpPr/>
+        <p:nvPr/>
+      </p:nvGrpSpPr>
+      <p:grpSpPr>
+        <a:xfrm>
+          <a:off x="0" y="0"/>
+          <a:ext cx="0" cy="0"/>
+          <a:chOff x="0" y="0"/>
+          <a:chExt cx="0" cy="0"/>
+        </a:xfrm>
+      </p:grpSpPr>
+      <p:sp>
+        <p:nvSpPr>
+          <p:cNvPr id="2" name="Title 1">
+            <a:extLst>
+              <a:ext uri="{FF2B5EF4-FFF2-40B4-BE49-F238E27FC236}">
+                <a16:creationId xmlns:a16="http://schemas.microsoft.com/office/drawing/2014/main" xmlns="" id="{4BA4256F-123A-42FD-8126-7A06207A234B}"/>
+              </a:ext>
+            </a:extLst>
+          </p:cNvPr>
+          <p:cNvSpPr>
+            <a:spLocks noGrp="1"/>
+          </p:cNvSpPr>
+          <p:nvPr>
+            <p:ph type="title"/>
+          </p:nvPr>
+        </p:nvSpPr>
+        <p:spPr/>
+        <p:txBody>
+          <a:bodyPr/>
+          <a:lstStyle/>
+          <a:p>
+            <a:r>
+              <a:rPr lang="en-US" dirty="0"/>
+              <a:t>RISK MONITORING AND CONTROL</a:t>
+            </a:r>
+          </a:p>
+        </p:txBody>
+      </p:sp>
+      <p:pic>
+        <p:nvPicPr>
+          <p:cNvPr id="4" name="Content Placeholder 3" descr="Kết quả hình ảnh cho risk monitoring and control example">
+            <a:extLst>
+              <a:ext uri="{FF2B5EF4-FFF2-40B4-BE49-F238E27FC236}">
+                <a16:creationId xmlns:a16="http://schemas.microsoft.com/office/drawing/2014/main" xmlns="" id="{B38E1AE8-648D-48E3-BBB0-468A462E4A69}"/>
+              </a:ext>
+            </a:extLst>
+          </p:cNvPr>
+          <p:cNvPicPr>
+            <a:picLocks noGrp="1"/>
+          </p:cNvPicPr>
+          <p:nvPr>
+            <p:ph idx="1"/>
+          </p:nvPr>
+        </p:nvPicPr>
+        <p:blipFill>
+          <a:blip r:embed="rId2">
+            <a:extLst>
+              <a:ext uri="{28A0092B-C50C-407E-A947-70E740481C1C}">
+                <a14:useLocalDpi xmlns:a14="http://schemas.microsoft.com/office/drawing/2010/main" val="0"/>
+              </a:ext>
+            </a:extLst>
+          </a:blip>
+          <a:srcRect/>
+          <a:stretch>
+            <a:fillRect/>
+          </a:stretch>
+        </p:blipFill>
+        <p:spPr bwMode="auto">
+          <a:xfrm>
+            <a:off x="2107095" y="1838736"/>
+            <a:ext cx="7421217" cy="4276241"/>
+          </a:xfrm>
+          <a:prstGeom prst="rect">
+            <a:avLst/>
+          </a:prstGeom>
+          <a:noFill/>
+          <a:ln>
+            <a:noFill/>
+          </a:ln>
+        </p:spPr>
+      </p:pic>
+    </p:spTree>
+    <p:extLst>
+      <p:ext uri="{BB962C8B-B14F-4D97-AF65-F5344CB8AC3E}">
+        <p14:creationId xmlns:p14="http://schemas.microsoft.com/office/powerpoint/2010/main" val="1002197544"/>
+      </p:ext>
+    </p:extLst>
+  </p:cSld>
+  <p:clrMapOvr>
+    <a:masterClrMapping/>
+  </p:clrMapOvr>
+</p:sld>
+</file>
+
+<file path=ppt/slides/slide44.xml><?xml version="1.0" encoding="utf-8"?>
+<p:sld xmlns:a="http://schemas.openxmlformats.org/drawingml/2006/main" xmlns:r="http://schemas.openxmlformats.org/officeDocument/2006/relationships" xmlns:p="http://schemas.openxmlformats.org/presentationml/2006/main">
+  <p:cSld>
+    <p:spTree>
+      <p:nvGrpSpPr>
+        <p:cNvPr id="1" name=""/>
+        <p:cNvGrpSpPr/>
+        <p:nvPr/>
+      </p:nvGrpSpPr>
+      <p:grpSpPr>
+        <a:xfrm>
+          <a:off x="0" y="0"/>
+          <a:ext cx="0" cy="0"/>
+          <a:chOff x="0" y="0"/>
+          <a:chExt cx="0" cy="0"/>
+        </a:xfrm>
+      </p:grpSpPr>
+      <p:sp>
+        <p:nvSpPr>
+          <p:cNvPr id="2" name="Title 1">
+            <a:extLst>
+              <a:ext uri="{FF2B5EF4-FFF2-40B4-BE49-F238E27FC236}">
+                <a16:creationId xmlns:a16="http://schemas.microsoft.com/office/drawing/2014/main" xmlns="" id="{2BC5D4E0-41C8-4FA2-A66A-F09786E06648}"/>
+              </a:ext>
+            </a:extLst>
+          </p:cNvPr>
+          <p:cNvSpPr>
+            <a:spLocks noGrp="1"/>
+          </p:cNvSpPr>
+          <p:nvPr>
+            <p:ph type="title"/>
+          </p:nvPr>
+        </p:nvSpPr>
+        <p:spPr/>
+        <p:txBody>
+          <a:bodyPr/>
+          <a:lstStyle/>
+          <a:p>
+            <a:r>
+              <a:rPr lang="en-US" dirty="0"/>
+              <a:t>RISK MONITORING AND CONTROL</a:t>
+            </a:r>
+          </a:p>
+        </p:txBody>
+      </p:sp>
+      <p:sp>
+        <p:nvSpPr>
+          <p:cNvPr id="3" name="Content Placeholder 2">
+            <a:extLst>
+              <a:ext uri="{FF2B5EF4-FFF2-40B4-BE49-F238E27FC236}">
+                <a16:creationId xmlns:a16="http://schemas.microsoft.com/office/drawing/2014/main" xmlns="" id="{8A2DBCEE-68E5-4C62-B918-17510E9C8E7F}"/>
+              </a:ext>
+            </a:extLst>
+          </p:cNvPr>
+          <p:cNvSpPr>
+            <a:spLocks noGrp="1"/>
+          </p:cNvSpPr>
+          <p:nvPr>
+            <p:ph idx="1"/>
+          </p:nvPr>
+        </p:nvSpPr>
+        <p:spPr>
+          <a:xfrm>
+            <a:off x="609600" y="1846262"/>
+            <a:ext cx="10972800" cy="3419476"/>
+          </a:xfrm>
+        </p:spPr>
+        <p:txBody>
+          <a:bodyPr>
+            <a:normAutofit lnSpcReduction="10000"/>
+          </a:bodyPr>
+          <a:lstStyle/>
+          <a:p>
+            <a:pPr marL="0" indent="0">
+              <a:buNone/>
+            </a:pPr>
+            <a:r>
+              <a:rPr lang="en-US" i="1" dirty="0"/>
+              <a:t>The list of actions involved in monitoring and controlling risks are:</a:t>
+            </a:r>
+          </a:p>
+          <a:p>
+            <a:pPr lvl="1"/>
+            <a:r>
+              <a:rPr lang="en-US" sz="2400" dirty="0"/>
+              <a:t>Determine the occurrences of risk triggers</a:t>
+            </a:r>
+          </a:p>
+          <a:p>
+            <a:pPr lvl="1"/>
+            <a:r>
+              <a:rPr lang="en-US" sz="2400" dirty="0"/>
+              <a:t>Identify and monitor residual risks</a:t>
+            </a:r>
+          </a:p>
+          <a:p>
+            <a:pPr lvl="1"/>
+            <a:r>
+              <a:rPr lang="en-US" sz="2400" dirty="0"/>
+              <a:t>Keep risk identification, analysis and monitoring an iterative process in the project</a:t>
+            </a:r>
+          </a:p>
+          <a:p>
+            <a:pPr lvl="1"/>
+            <a:r>
+              <a:rPr lang="en-US" sz="2400" dirty="0"/>
+              <a:t>Evaluate the effectiveness of risk response plan</a:t>
+            </a:r>
+          </a:p>
+          <a:p>
+            <a:pPr lvl="1"/>
+            <a:r>
+              <a:rPr lang="en-US" sz="2400" dirty="0"/>
+              <a:t>Risk status should be collected and communicated</a:t>
+            </a:r>
+          </a:p>
+          <a:p>
+            <a:pPr lvl="1"/>
+            <a:r>
+              <a:rPr lang="en-US" sz="2400" dirty="0"/>
+              <a:t>Monitor the rigor of risk management procedures</a:t>
+            </a:r>
+          </a:p>
+          <a:p>
+            <a:pPr marL="0" indent="0">
+              <a:buNone/>
+            </a:pPr>
+            <a:endParaRPr lang="en-US" dirty="0"/>
+          </a:p>
+        </p:txBody>
+      </p:sp>
+    </p:spTree>
+    <p:extLst>
+      <p:ext uri="{BB962C8B-B14F-4D97-AF65-F5344CB8AC3E}">
+        <p14:creationId xmlns:p14="http://schemas.microsoft.com/office/powerpoint/2010/main" val="4060622739"/>
+      </p:ext>
+    </p:extLst>
+  </p:cSld>
+  <p:clrMapOvr>
+    <a:masterClrMapping/>
+  </p:clrMapOvr>
+</p:sld>
+</file>
+
+<file path=ppt/slides/slide45.xml><?xml version="1.0" encoding="utf-8"?>
+<p:sld xmlns:a="http://schemas.openxmlformats.org/drawingml/2006/main" xmlns:r="http://schemas.openxmlformats.org/officeDocument/2006/relationships" xmlns:p="http://schemas.openxmlformats.org/presentationml/2006/main">
+  <p:cSld>
+    <p:spTree>
+      <p:nvGrpSpPr>
+        <p:cNvPr id="1" name=""/>
+        <p:cNvGrpSpPr/>
+        <p:nvPr/>
+      </p:nvGrpSpPr>
+      <p:grpSpPr>
+        <a:xfrm>
+          <a:off x="0" y="0"/>
+          <a:ext cx="0" cy="0"/>
+          <a:chOff x="0" y="0"/>
+          <a:chExt cx="0" cy="0"/>
+        </a:xfrm>
+      </p:grpSpPr>
+      <p:sp>
+        <p:nvSpPr>
+          <p:cNvPr id="2" name="Title 1">
+            <a:extLst>
+              <a:ext uri="{FF2B5EF4-FFF2-40B4-BE49-F238E27FC236}">
+                <a16:creationId xmlns:a16="http://schemas.microsoft.com/office/drawing/2014/main" xmlns="" id="{977575E0-58F7-4A8F-A961-B1C0490FDFE8}"/>
+              </a:ext>
+            </a:extLst>
+          </p:cNvPr>
+          <p:cNvSpPr>
+            <a:spLocks noGrp="1"/>
+          </p:cNvSpPr>
+          <p:nvPr>
+            <p:ph type="title"/>
+          </p:nvPr>
+        </p:nvSpPr>
+        <p:spPr/>
+        <p:txBody>
+          <a:bodyPr/>
+          <a:lstStyle/>
+          <a:p>
+            <a:r>
+              <a:rPr lang="en-US" dirty="0"/>
+              <a:t>RISK MONITORING AND CONTROL</a:t>
+            </a:r>
+          </a:p>
+        </p:txBody>
+      </p:sp>
+      <p:sp>
+        <p:nvSpPr>
+          <p:cNvPr id="3" name="Content Placeholder 2">
+            <a:extLst>
+              <a:ext uri="{FF2B5EF4-FFF2-40B4-BE49-F238E27FC236}">
+                <a16:creationId xmlns:a16="http://schemas.microsoft.com/office/drawing/2014/main" xmlns="" id="{3E28F48C-28D7-413A-897E-5166534FFECC}"/>
+              </a:ext>
+            </a:extLst>
+          </p:cNvPr>
+          <p:cNvSpPr>
+            <a:spLocks noGrp="1"/>
+          </p:cNvSpPr>
+          <p:nvPr>
+            <p:ph idx="1"/>
+          </p:nvPr>
+        </p:nvSpPr>
+        <p:spPr/>
+        <p:txBody>
+          <a:bodyPr/>
+          <a:lstStyle/>
+          <a:p>
+            <a:pPr lvl="1"/>
+            <a:r>
+              <a:rPr lang="en-US" sz="2400" dirty="0"/>
+              <a:t>Identify if additional risk responses need to be determined</a:t>
+            </a:r>
+          </a:p>
+          <a:p>
+            <a:pPr lvl="1"/>
+            <a:r>
+              <a:rPr lang="en-US" sz="2400" dirty="0"/>
+              <a:t>Recommend corrective actions</a:t>
+            </a:r>
+          </a:p>
+          <a:p>
+            <a:pPr lvl="1"/>
+            <a:r>
+              <a:rPr lang="en-US" sz="2400" dirty="0"/>
+              <a:t>Look for unexpected effects or consequences</a:t>
+            </a:r>
+          </a:p>
+          <a:p>
+            <a:pPr lvl="1"/>
+            <a:r>
+              <a:rPr lang="en-US" sz="2400" dirty="0"/>
+              <a:t>Update risk management and risk response plans</a:t>
+            </a:r>
+          </a:p>
+          <a:p>
+            <a:pPr lvl="1"/>
+            <a:r>
+              <a:rPr lang="en-US" sz="2400" dirty="0"/>
+              <a:t>Perform variance and trend analysis</a:t>
+            </a:r>
+          </a:p>
+          <a:p>
+            <a:pPr lvl="1"/>
+            <a:r>
+              <a:rPr lang="en-US" sz="2400" dirty="0"/>
+              <a:t>Use contingency reserves and adjust for approved changes</a:t>
+            </a:r>
+          </a:p>
+          <a:p>
+            <a:endParaRPr lang="en-US" dirty="0"/>
+          </a:p>
+        </p:txBody>
+      </p:sp>
+    </p:spTree>
+    <p:extLst>
+      <p:ext uri="{BB962C8B-B14F-4D97-AF65-F5344CB8AC3E}">
+        <p14:creationId xmlns:p14="http://schemas.microsoft.com/office/powerpoint/2010/main" val="2024248153"/>
+      </p:ext>
+    </p:extLst>
+  </p:cSld>
+  <p:clrMapOvr>
+    <a:masterClrMapping/>
+  </p:clrMapOvr>
+</p:sld>
+</file>
+
+<file path=ppt/slides/slide46.xml><?xml version="1.0" encoding="utf-8"?>
+<p:sld xmlns:a="http://schemas.openxmlformats.org/drawingml/2006/main" xmlns:r="http://schemas.openxmlformats.org/officeDocument/2006/relationships" xmlns:p="http://schemas.openxmlformats.org/presentationml/2006/main">
+  <p:cSld>
+    <p:spTree>
+      <p:nvGrpSpPr>
+        <p:cNvPr id="1" name=""/>
+        <p:cNvGrpSpPr/>
+        <p:nvPr/>
+      </p:nvGrpSpPr>
+      <p:grpSpPr>
+        <a:xfrm>
+          <a:off x="0" y="0"/>
+          <a:ext cx="0" cy="0"/>
+          <a:chOff x="0" y="0"/>
+          <a:chExt cx="0" cy="0"/>
+        </a:xfrm>
+      </p:grpSpPr>
+      <p:sp>
+        <p:nvSpPr>
+          <p:cNvPr id="2" name="Title 1">
+            <a:extLst>
+              <a:ext uri="{FF2B5EF4-FFF2-40B4-BE49-F238E27FC236}">
+                <a16:creationId xmlns:a16="http://schemas.microsoft.com/office/drawing/2014/main" xmlns="" id="{42935865-1EF5-488F-B792-D673A2B10F9C}"/>
+              </a:ext>
+            </a:extLst>
+          </p:cNvPr>
+          <p:cNvSpPr>
+            <a:spLocks noGrp="1"/>
+          </p:cNvSpPr>
+          <p:nvPr>
+            <p:ph type="title"/>
+          </p:nvPr>
+        </p:nvSpPr>
+        <p:spPr/>
+        <p:txBody>
+          <a:bodyPr/>
+          <a:lstStyle/>
+          <a:p>
+            <a:r>
+              <a:rPr lang="en-US" dirty="0"/>
+              <a:t>SUMMARY</a:t>
+            </a:r>
+          </a:p>
+        </p:txBody>
+      </p:sp>
+      <p:pic>
+        <p:nvPicPr>
+          <p:cNvPr id="4" name="Content Placeholder 3" descr="Kết quả hình ảnh cho risk monitoring and control">
+            <a:extLst>
+              <a:ext uri="{FF2B5EF4-FFF2-40B4-BE49-F238E27FC236}">
+                <a16:creationId xmlns:a16="http://schemas.microsoft.com/office/drawing/2014/main" xmlns="" id="{A60D8559-5158-4653-844F-FD057CBC21A9}"/>
+              </a:ext>
+            </a:extLst>
+          </p:cNvPr>
+          <p:cNvPicPr>
+            <a:picLocks noGrp="1"/>
+          </p:cNvPicPr>
+          <p:nvPr>
+            <p:ph idx="1"/>
+          </p:nvPr>
+        </p:nvPicPr>
+        <p:blipFill>
+          <a:blip r:embed="rId2">
+            <a:extLst>
+              <a:ext uri="{28A0092B-C50C-407E-A947-70E740481C1C}">
+                <a14:useLocalDpi xmlns:a14="http://schemas.microsoft.com/office/drawing/2010/main" val="0"/>
+              </a:ext>
+            </a:extLst>
+          </a:blip>
+          <a:srcRect/>
+          <a:stretch>
+            <a:fillRect/>
+          </a:stretch>
+        </p:blipFill>
+        <p:spPr bwMode="auto">
+          <a:xfrm>
+            <a:off x="2915479" y="1846262"/>
+            <a:ext cx="6255026" cy="4090711"/>
+          </a:xfrm>
+          <a:prstGeom prst="rect">
+            <a:avLst/>
+          </a:prstGeom>
+          <a:noFill/>
+          <a:ln>
+            <a:noFill/>
+          </a:ln>
+        </p:spPr>
+      </p:pic>
+    </p:spTree>
+    <p:extLst>
+      <p:ext uri="{BB962C8B-B14F-4D97-AF65-F5344CB8AC3E}">
+        <p14:creationId xmlns:p14="http://schemas.microsoft.com/office/powerpoint/2010/main" val="2961090212"/>
+      </p:ext>
+    </p:extLst>
+  </p:cSld>
+  <p:clrMapOvr>
+    <a:masterClrMapping/>
+  </p:clrMapOvr>
+</p:sld>
+</file>
+
 <file path=ppt/slides/slide5.xml><?xml version="1.0" encoding="utf-8"?>
 <p:sld xmlns:a="http://schemas.openxmlformats.org/drawingml/2006/main" xmlns:r="http://schemas.openxmlformats.org/officeDocument/2006/relationships" xmlns:p="http://schemas.openxmlformats.org/presentationml/2006/main">
   <p:cSld>
@@ -40028,7 +45594,7 @@
           <p:cNvPr id="2" name="Title 1">
             <a:extLst>
               <a:ext uri="{FF2B5EF4-FFF2-40B4-BE49-F238E27FC236}">
-                <a16:creationId xmlns:a16="http://schemas.microsoft.com/office/drawing/2014/main" id="{10F52F6A-5317-48C3-AA1E-E69C5C0B475A}"/>
+                <a16:creationId xmlns:a16="http://schemas.microsoft.com/office/drawing/2014/main" xmlns="" id="{10F52F6A-5317-48C3-AA1E-E69C5C0B475A}"/>
               </a:ext>
             </a:extLst>
           </p:cNvPr>
@@ -40059,7 +45625,7 @@
           <p:cNvPr id="3" name="Content Placeholder 2">
             <a:extLst>
               <a:ext uri="{FF2B5EF4-FFF2-40B4-BE49-F238E27FC236}">
-                <a16:creationId xmlns:a16="http://schemas.microsoft.com/office/drawing/2014/main" id="{ED2F350C-540D-4BE5-955F-687F42E7C797}"/>
+                <a16:creationId xmlns:a16="http://schemas.microsoft.com/office/drawing/2014/main" xmlns="" id="{ED2F350C-540D-4BE5-955F-687F42E7C797}"/>
               </a:ext>
             </a:extLst>
           </p:cNvPr>
@@ -40149,7 +45715,7 @@
           <p:cNvPr id="2" name="Title 1">
             <a:extLst>
               <a:ext uri="{FF2B5EF4-FFF2-40B4-BE49-F238E27FC236}">
-                <a16:creationId xmlns:a16="http://schemas.microsoft.com/office/drawing/2014/main" id="{FFA541E9-9EA8-4D92-828D-FF7D9FEF555C}"/>
+                <a16:creationId xmlns:a16="http://schemas.microsoft.com/office/drawing/2014/main" xmlns="" id="{FFA541E9-9EA8-4D92-828D-FF7D9FEF555C}"/>
               </a:ext>
             </a:extLst>
           </p:cNvPr>
@@ -40214,7 +45780,7 @@
           <p:cNvPr id="2" name="Title 1">
             <a:extLst>
               <a:ext uri="{FF2B5EF4-FFF2-40B4-BE49-F238E27FC236}">
-                <a16:creationId xmlns:a16="http://schemas.microsoft.com/office/drawing/2014/main" id="{8ACC4731-7024-4C30-AD18-44D09D635A0F}"/>
+                <a16:creationId xmlns:a16="http://schemas.microsoft.com/office/drawing/2014/main" xmlns="" id="{8ACC4731-7024-4C30-AD18-44D09D635A0F}"/>
               </a:ext>
             </a:extLst>
           </p:cNvPr>
@@ -40242,7 +45808,7 @@
           <p:cNvPr id="3" name="Content Placeholder 2">
             <a:extLst>
               <a:ext uri="{FF2B5EF4-FFF2-40B4-BE49-F238E27FC236}">
-                <a16:creationId xmlns:a16="http://schemas.microsoft.com/office/drawing/2014/main" id="{6AA6F14F-2383-4845-8714-04BF103E05B6}"/>
+                <a16:creationId xmlns:a16="http://schemas.microsoft.com/office/drawing/2014/main" xmlns="" id="{6AA6F14F-2383-4845-8714-04BF103E05B6}"/>
               </a:ext>
             </a:extLst>
           </p:cNvPr>
@@ -40321,7 +45887,7 @@
           <p:cNvPr id="2" name="Title 1">
             <a:extLst>
               <a:ext uri="{FF2B5EF4-FFF2-40B4-BE49-F238E27FC236}">
-                <a16:creationId xmlns:a16="http://schemas.microsoft.com/office/drawing/2014/main" id="{821EBD7B-E782-4363-A4CF-C3934671F779}"/>
+                <a16:creationId xmlns:a16="http://schemas.microsoft.com/office/drawing/2014/main" xmlns="" id="{821EBD7B-E782-4363-A4CF-C3934671F779}"/>
               </a:ext>
             </a:extLst>
           </p:cNvPr>
@@ -40349,7 +45915,7 @@
           <p:cNvPr id="3" name="Content Placeholder 2">
             <a:extLst>
               <a:ext uri="{FF2B5EF4-FFF2-40B4-BE49-F238E27FC236}">
-                <a16:creationId xmlns:a16="http://schemas.microsoft.com/office/drawing/2014/main" id="{F81D5BA5-61C3-44DA-A6FB-E92E017B1B04}"/>
+                <a16:creationId xmlns:a16="http://schemas.microsoft.com/office/drawing/2014/main" xmlns="" id="{F81D5BA5-61C3-44DA-A6FB-E92E017B1B04}"/>
               </a:ext>
             </a:extLst>
           </p:cNvPr>
@@ -40368,7 +45934,7 @@
         </p:spPr>
         <p:txBody>
           <a:bodyPr>
-            <a:normAutofit fontScale="92500" lnSpcReduction="10000"/>
+            <a:normAutofit fontScale="92500" lnSpcReduction="20000"/>
           </a:bodyPr>
           <a:lstStyle/>
           <a:p>
@@ -40378,8 +45944,18 @@
             </a:pPr>
             <a:r>
               <a:rPr lang="en-US" b="1" dirty="0"/>
-              <a:t>Why we need to risk management planning</a:t>
+              <a:t>Why we need to risk management </a:t>
             </a:r>
+            <a:r>
+              <a:rPr lang="en-US" b="1" dirty="0" smtClean="0"/>
+              <a:t>planning</a:t>
+            </a:r>
+          </a:p>
+          <a:p>
+            <a:pPr marL="0" indent="0">
+              <a:buNone/>
+            </a:pPr>
+            <a:endParaRPr lang="en-US" b="1" dirty="0"/>
           </a:p>
           <a:p>
             <a:pPr marL="457200" lvl="1" indent="0">
@@ -40464,7 +46040,7 @@
           <p:cNvPr id="2" name="Title 1">
             <a:extLst>
               <a:ext uri="{FF2B5EF4-FFF2-40B4-BE49-F238E27FC236}">
-                <a16:creationId xmlns:a16="http://schemas.microsoft.com/office/drawing/2014/main" id="{A0D5578D-94AE-4863-A226-5C1949480AC1}"/>
+                <a16:creationId xmlns:a16="http://schemas.microsoft.com/office/drawing/2014/main" xmlns="" id="{A0D5578D-94AE-4863-A226-5C1949480AC1}"/>
               </a:ext>
             </a:extLst>
           </p:cNvPr>
@@ -40492,7 +46068,7 @@
           <p:cNvPr id="3" name="Content Placeholder 2">
             <a:extLst>
               <a:ext uri="{FF2B5EF4-FFF2-40B4-BE49-F238E27FC236}">
-                <a16:creationId xmlns:a16="http://schemas.microsoft.com/office/drawing/2014/main" id="{F60FA422-85D3-4D8E-9C8F-4ED7610252B3}"/>
+                <a16:creationId xmlns:a16="http://schemas.microsoft.com/office/drawing/2014/main" xmlns="" id="{F60FA422-85D3-4D8E-9C8F-4ED7610252B3}"/>
               </a:ext>
             </a:extLst>
           </p:cNvPr>
@@ -40521,7 +46097,19 @@
             </a:pPr>
             <a:r>
               <a:rPr lang="en-US" b="1" dirty="0"/>
-              <a:t>How to deal with risk.</a:t>
+              <a:t>How to </a:t>
+            </a:r>
+            <a:r>
+              <a:rPr lang="en-US" b="1" dirty="0" smtClean="0"/>
+              <a:t>planning</a:t>
+            </a:r>
+            <a:r>
+              <a:rPr lang="en-US" b="1" dirty="0" smtClean="0"/>
+              <a:t> </a:t>
+            </a:r>
+            <a:r>
+              <a:rPr lang="en-US" b="1" dirty="0"/>
+              <a:t>with risk.</a:t>
             </a:r>
           </a:p>
           <a:p>

--- a/SEMINAR PROJECT MANAGENMENT.pptx
+++ b/SEMINAR PROJECT MANAGENMENT.pptx
@@ -274,7 +274,7 @@
           <a:p>
             <a:fld id="{9F09733D-69F8-45CE-987F-1E3A67C77C5D}" type="datetimeFigureOut">
               <a:rPr lang="en-US" smtClean="0"/>
-              <a:t>10/27/2019</a:t>
+              <a:t>10/31/2019</a:t>
             </a:fld>
             <a:endParaRPr lang="en-US"/>
           </a:p>
@@ -439,7 +439,7 @@
           <a:p>
             <a:fld id="{4BBDC3DB-9C0B-4EEA-BE0C-C823D6258BF2}" type="datetimeFigureOut">
               <a:rPr lang="en-US" smtClean="0"/>
-              <a:t>10/27/2019</a:t>
+              <a:t>10/31/2019</a:t>
             </a:fld>
             <a:endParaRPr lang="en-US"/>
           </a:p>
@@ -941,7 +941,7 @@
             <a:fld id="{349BF3EA-1A78-4F07-BDC0-C8A1BD461199}" type="datetimeFigureOut">
               <a:rPr lang="en-US" smtClean="0"/>
               <a:pPr/>
-              <a:t>10/27/2019</a:t>
+              <a:t>10/31/2019</a:t>
             </a:fld>
             <a:endParaRPr lang="en-US"/>
           </a:p>
@@ -1139,7 +1139,7 @@
             <a:fld id="{349BF3EA-1A78-4F07-BDC0-C8A1BD461199}" type="datetimeFigureOut">
               <a:rPr lang="en-US" smtClean="0"/>
               <a:pPr/>
-              <a:t>10/27/2019</a:t>
+              <a:t>10/31/2019</a:t>
             </a:fld>
             <a:endParaRPr lang="en-US"/>
           </a:p>
@@ -1348,7 +1348,7 @@
             <a:fld id="{349BF3EA-1A78-4F07-BDC0-C8A1BD461199}" type="datetimeFigureOut">
               <a:rPr lang="en-US" smtClean="0"/>
               <a:pPr/>
-              <a:t>10/27/2019</a:t>
+              <a:t>10/31/2019</a:t>
             </a:fld>
             <a:endParaRPr lang="en-US"/>
           </a:p>
@@ -1548,7 +1548,7 @@
           <a:p>
             <a:fld id="{349BF3EA-1A78-4F07-BDC0-C8A1BD461199}" type="datetimeFigureOut">
               <a:rPr lang="en-US" smtClean="0"/>
-              <a:t>10/27/2019</a:t>
+              <a:t>10/31/2019</a:t>
             </a:fld>
             <a:endParaRPr lang="en-US"/>
           </a:p>
@@ -1798,7 +1798,7 @@
           <a:p>
             <a:fld id="{349BF3EA-1A78-4F07-BDC0-C8A1BD461199}" type="datetimeFigureOut">
               <a:rPr lang="en-US" smtClean="0"/>
-              <a:t>10/27/2019</a:t>
+              <a:t>10/31/2019</a:t>
             </a:fld>
             <a:endParaRPr lang="en-US"/>
           </a:p>
@@ -2079,7 +2079,7 @@
             <a:fld id="{349BF3EA-1A78-4F07-BDC0-C8A1BD461199}" type="datetimeFigureOut">
               <a:rPr lang="en-US" smtClean="0"/>
               <a:pPr/>
-              <a:t>10/27/2019</a:t>
+              <a:t>10/31/2019</a:t>
             </a:fld>
             <a:endParaRPr lang="en-US" dirty="0"/>
           </a:p>
@@ -2468,7 +2468,7 @@
           <a:p>
             <a:fld id="{349BF3EA-1A78-4F07-BDC0-C8A1BD461199}" type="datetimeFigureOut">
               <a:rPr lang="en-US" smtClean="0"/>
-              <a:t>10/27/2019</a:t>
+              <a:t>10/31/2019</a:t>
             </a:fld>
             <a:endParaRPr lang="en-US"/>
           </a:p>
@@ -2589,7 +2589,7 @@
           <a:p>
             <a:fld id="{349BF3EA-1A78-4F07-BDC0-C8A1BD461199}" type="datetimeFigureOut">
               <a:rPr lang="en-US" smtClean="0"/>
-              <a:t>10/27/2019</a:t>
+              <a:t>10/31/2019</a:t>
             </a:fld>
             <a:endParaRPr lang="en-US"/>
           </a:p>
@@ -2687,7 +2687,7 @@
           <a:p>
             <a:fld id="{349BF3EA-1A78-4F07-BDC0-C8A1BD461199}" type="datetimeFigureOut">
               <a:rPr lang="en-US" smtClean="0"/>
-              <a:t>10/27/2019</a:t>
+              <a:t>10/31/2019</a:t>
             </a:fld>
             <a:endParaRPr lang="en-US"/>
           </a:p>
@@ -2983,7 +2983,7 @@
           <a:p>
             <a:fld id="{349BF3EA-1A78-4F07-BDC0-C8A1BD461199}" type="datetimeFigureOut">
               <a:rPr lang="en-US" smtClean="0"/>
-              <a:t>10/27/2019</a:t>
+              <a:t>10/31/2019</a:t>
             </a:fld>
             <a:endParaRPr lang="en-US"/>
           </a:p>
@@ -3281,7 +3281,7 @@
             <a:fld id="{349BF3EA-1A78-4F07-BDC0-C8A1BD461199}" type="datetimeFigureOut">
               <a:rPr lang="en-US" smtClean="0"/>
               <a:pPr/>
-              <a:t>10/27/2019</a:t>
+              <a:t>10/31/2019</a:t>
             </a:fld>
             <a:endParaRPr lang="en-US" dirty="0"/>
           </a:p>
@@ -3523,7 +3523,7 @@
             <a:fld id="{349BF3EA-1A78-4F07-BDC0-C8A1BD461199}" type="datetimeFigureOut">
               <a:rPr lang="en-US" smtClean="0"/>
               <a:pPr/>
-              <a:t>10/27/2019</a:t>
+              <a:t>10/31/2019</a:t>
             </a:fld>
             <a:endParaRPr lang="en-US"/>
           </a:p>
@@ -3575,7 +3575,7 @@
           <p:cNvPr id="7" name="Group 6" descr="Shrubs on seashore">
             <a:extLst>
               <a:ext uri="{FF2B5EF4-FFF2-40B4-BE49-F238E27FC236}">
-                <a16:creationId xmlns:a16="http://schemas.microsoft.com/office/drawing/2014/main" xmlns="" id="{32ABC1A6-8856-41D7-BF42-7ED8D4AC1C81}"/>
+                <a16:creationId xmlns="" xmlns:a16="http://schemas.microsoft.com/office/drawing/2014/main" id="{32ABC1A6-8856-41D7-BF42-7ED8D4AC1C81}"/>
               </a:ext>
             </a:extLst>
           </p:cNvPr>
@@ -37674,7 +37674,7 @@
           <p:cNvPr id="2" name="Title 1">
             <a:extLst>
               <a:ext uri="{FF2B5EF4-FFF2-40B4-BE49-F238E27FC236}">
-                <a16:creationId xmlns:a16="http://schemas.microsoft.com/office/drawing/2014/main" xmlns="" id="{60A3032F-5AF9-4605-A9FF-7A2691055D47}"/>
+                <a16:creationId xmlns="" xmlns:a16="http://schemas.microsoft.com/office/drawing/2014/main" id="{60A3032F-5AF9-4605-A9FF-7A2691055D47}"/>
               </a:ext>
             </a:extLst>
           </p:cNvPr>
@@ -37702,7 +37702,7 @@
           <p:cNvPr id="3" name="Content Placeholder 2">
             <a:extLst>
               <a:ext uri="{FF2B5EF4-FFF2-40B4-BE49-F238E27FC236}">
-                <a16:creationId xmlns:a16="http://schemas.microsoft.com/office/drawing/2014/main" xmlns="" id="{E0AA14E8-B8BA-42A3-979B-16D2AEF1E562}"/>
+                <a16:creationId xmlns="" xmlns:a16="http://schemas.microsoft.com/office/drawing/2014/main" id="{E0AA14E8-B8BA-42A3-979B-16D2AEF1E562}"/>
               </a:ext>
             </a:extLst>
           </p:cNvPr>
@@ -37833,7 +37833,7 @@
           <p:cNvPr id="2" name="Title 1">
             <a:extLst>
               <a:ext uri="{FF2B5EF4-FFF2-40B4-BE49-F238E27FC236}">
-                <a16:creationId xmlns:a16="http://schemas.microsoft.com/office/drawing/2014/main" xmlns="" id="{8EE0ED8A-E301-4C5F-9D01-45BE7A7E1540}"/>
+                <a16:creationId xmlns="" xmlns:a16="http://schemas.microsoft.com/office/drawing/2014/main" id="{8EE0ED8A-E301-4C5F-9D01-45BE7A7E1540}"/>
               </a:ext>
             </a:extLst>
           </p:cNvPr>
@@ -37861,7 +37861,7 @@
           <p:cNvPr id="3" name="Content Placeholder 2">
             <a:extLst>
               <a:ext uri="{FF2B5EF4-FFF2-40B4-BE49-F238E27FC236}">
-                <a16:creationId xmlns:a16="http://schemas.microsoft.com/office/drawing/2014/main" xmlns="" id="{8A017090-2EE2-49BA-B03D-E08DEE51873C}"/>
+                <a16:creationId xmlns="" xmlns:a16="http://schemas.microsoft.com/office/drawing/2014/main" id="{8A017090-2EE2-49BA-B03D-E08DEE51873C}"/>
               </a:ext>
             </a:extLst>
           </p:cNvPr>
@@ -37939,7 +37939,7 @@
           <p:cNvPr id="2" name="Title 1">
             <a:extLst>
               <a:ext uri="{FF2B5EF4-FFF2-40B4-BE49-F238E27FC236}">
-                <a16:creationId xmlns:a16="http://schemas.microsoft.com/office/drawing/2014/main" xmlns="" id="{BFE5C49B-0B46-4966-A8EA-EC0713AA9309}"/>
+                <a16:creationId xmlns="" xmlns:a16="http://schemas.microsoft.com/office/drawing/2014/main" id="{BFE5C49B-0B46-4966-A8EA-EC0713AA9309}"/>
               </a:ext>
             </a:extLst>
           </p:cNvPr>
@@ -37967,7 +37967,7 @@
           <p:cNvPr id="3" name="Content Placeholder 2">
             <a:extLst>
               <a:ext uri="{FF2B5EF4-FFF2-40B4-BE49-F238E27FC236}">
-                <a16:creationId xmlns:a16="http://schemas.microsoft.com/office/drawing/2014/main" xmlns="" id="{0D555A8F-4B69-4348-8BE0-3D703279B4A7}"/>
+                <a16:creationId xmlns="" xmlns:a16="http://schemas.microsoft.com/office/drawing/2014/main" id="{0D555A8F-4B69-4348-8BE0-3D703279B4A7}"/>
               </a:ext>
             </a:extLst>
           </p:cNvPr>
@@ -38064,7 +38064,7 @@
           <p:cNvPr id="2" name="Title 1">
             <a:extLst>
               <a:ext uri="{FF2B5EF4-FFF2-40B4-BE49-F238E27FC236}">
-                <a16:creationId xmlns:a16="http://schemas.microsoft.com/office/drawing/2014/main" xmlns="" id="{3A0FA896-1B48-40D9-AE82-EEA7CD2EC20B}"/>
+                <a16:creationId xmlns="" xmlns:a16="http://schemas.microsoft.com/office/drawing/2014/main" id="{3A0FA896-1B48-40D9-AE82-EEA7CD2EC20B}"/>
               </a:ext>
             </a:extLst>
           </p:cNvPr>
@@ -38092,7 +38092,7 @@
           <p:cNvPr id="5" name="Picture 4">
             <a:extLst>
               <a:ext uri="{FF2B5EF4-FFF2-40B4-BE49-F238E27FC236}">
-                <a16:creationId xmlns:a16="http://schemas.microsoft.com/office/drawing/2014/main" xmlns="" id="{4BDEB431-EE99-44C6-AB5F-EE177260D8E8}"/>
+                <a16:creationId xmlns="" xmlns:a16="http://schemas.microsoft.com/office/drawing/2014/main" id="{4BDEB431-EE99-44C6-AB5F-EE177260D8E8}"/>
               </a:ext>
             </a:extLst>
           </p:cNvPr>
@@ -38152,7 +38152,7 @@
           <p:cNvPr id="7" name="Title 6">
             <a:extLst>
               <a:ext uri="{FF2B5EF4-FFF2-40B4-BE49-F238E27FC236}">
-                <a16:creationId xmlns:a16="http://schemas.microsoft.com/office/drawing/2014/main" xmlns="" id="{CFD16207-6C0C-4C03-B32E-1B0D41CEAB55}"/>
+                <a16:creationId xmlns="" xmlns:a16="http://schemas.microsoft.com/office/drawing/2014/main" id="{CFD16207-6C0C-4C03-B32E-1B0D41CEAB55}"/>
               </a:ext>
             </a:extLst>
           </p:cNvPr>
@@ -38180,7 +38180,7 @@
           <p:cNvPr id="8" name="Content Placeholder 7">
             <a:extLst>
               <a:ext uri="{FF2B5EF4-FFF2-40B4-BE49-F238E27FC236}">
-                <a16:creationId xmlns:a16="http://schemas.microsoft.com/office/drawing/2014/main" xmlns="" id="{DBA70078-A79D-4C38-A641-CCD8383F54DA}"/>
+                <a16:creationId xmlns="" xmlns:a16="http://schemas.microsoft.com/office/drawing/2014/main" id="{DBA70078-A79D-4C38-A641-CCD8383F54DA}"/>
               </a:ext>
             </a:extLst>
           </p:cNvPr>
@@ -38258,7 +38258,7 @@
           <p:cNvPr id="2" name="Title 1">
             <a:extLst>
               <a:ext uri="{FF2B5EF4-FFF2-40B4-BE49-F238E27FC236}">
-                <a16:creationId xmlns:a16="http://schemas.microsoft.com/office/drawing/2014/main" xmlns="" id="{AAF3487D-DA55-45D0-A265-DEC106909C5D}"/>
+                <a16:creationId xmlns="" xmlns:a16="http://schemas.microsoft.com/office/drawing/2014/main" id="{AAF3487D-DA55-45D0-A265-DEC106909C5D}"/>
               </a:ext>
             </a:extLst>
           </p:cNvPr>
@@ -38286,7 +38286,7 @@
           <p:cNvPr id="4" name="Content Placeholder 3">
             <a:extLst>
               <a:ext uri="{FF2B5EF4-FFF2-40B4-BE49-F238E27FC236}">
-                <a16:creationId xmlns:a16="http://schemas.microsoft.com/office/drawing/2014/main" xmlns="" id="{DC4ADC4C-F57A-4100-8DE2-4699FDA0C156}"/>
+                <a16:creationId xmlns="" xmlns:a16="http://schemas.microsoft.com/office/drawing/2014/main" id="{DC4ADC4C-F57A-4100-8DE2-4699FDA0C156}"/>
               </a:ext>
             </a:extLst>
           </p:cNvPr>
@@ -38316,14 +38316,14 @@
                 <a:gridCol w="3789142">
                   <a:extLst>
                     <a:ext uri="{9D8B030D-6E8A-4147-A177-3AD203B41FA5}">
-                      <a16:colId xmlns:a16="http://schemas.microsoft.com/office/drawing/2014/main" xmlns="" val="1872366866"/>
+                      <a16:colId xmlns="" xmlns:a16="http://schemas.microsoft.com/office/drawing/2014/main" val="1872366866"/>
                     </a:ext>
                   </a:extLst>
                 </a:gridCol>
                 <a:gridCol w="3777518">
                   <a:extLst>
                     <a:ext uri="{9D8B030D-6E8A-4147-A177-3AD203B41FA5}">
-                      <a16:colId xmlns:a16="http://schemas.microsoft.com/office/drawing/2014/main" xmlns="" val="1432793745"/>
+                      <a16:colId xmlns="" xmlns:a16="http://schemas.microsoft.com/office/drawing/2014/main" val="1432793745"/>
                     </a:ext>
                   </a:extLst>
                 </a:gridCol>
@@ -38395,7 +38395,7 @@
                 </a:tc>
                 <a:extLst>
                   <a:ext uri="{0D108BD9-81ED-4DB2-BD59-A6C34878D82A}">
-                    <a16:rowId xmlns:a16="http://schemas.microsoft.com/office/drawing/2014/main" xmlns="" val="4111070796"/>
+                    <a16:rowId xmlns="" xmlns:a16="http://schemas.microsoft.com/office/drawing/2014/main" val="4111070796"/>
                   </a:ext>
                 </a:extLst>
               </a:tr>
@@ -38522,7 +38522,7 @@
                 </a:tc>
                 <a:extLst>
                   <a:ext uri="{0D108BD9-81ED-4DB2-BD59-A6C34878D82A}">
-                    <a16:rowId xmlns:a16="http://schemas.microsoft.com/office/drawing/2014/main" xmlns="" val="1157659401"/>
+                    <a16:rowId xmlns="" xmlns:a16="http://schemas.microsoft.com/office/drawing/2014/main" val="1157659401"/>
                   </a:ext>
                 </a:extLst>
               </a:tr>
@@ -38649,7 +38649,7 @@
                 </a:tc>
                 <a:extLst>
                   <a:ext uri="{0D108BD9-81ED-4DB2-BD59-A6C34878D82A}">
-                    <a16:rowId xmlns:a16="http://schemas.microsoft.com/office/drawing/2014/main" xmlns="" val="3854350339"/>
+                    <a16:rowId xmlns="" xmlns:a16="http://schemas.microsoft.com/office/drawing/2014/main" val="3854350339"/>
                   </a:ext>
                 </a:extLst>
               </a:tr>
@@ -38751,7 +38751,7 @@
                 </a:tc>
                 <a:extLst>
                   <a:ext uri="{0D108BD9-81ED-4DB2-BD59-A6C34878D82A}">
-                    <a16:rowId xmlns:a16="http://schemas.microsoft.com/office/drawing/2014/main" xmlns="" val="818746946"/>
+                    <a16:rowId xmlns="" xmlns:a16="http://schemas.microsoft.com/office/drawing/2014/main" val="818746946"/>
                   </a:ext>
                 </a:extLst>
               </a:tr>
@@ -38794,7 +38794,7 @@
           <p:cNvPr id="2" name="Title 1">
             <a:extLst>
               <a:ext uri="{FF2B5EF4-FFF2-40B4-BE49-F238E27FC236}">
-                <a16:creationId xmlns:a16="http://schemas.microsoft.com/office/drawing/2014/main" xmlns="" id="{5DA6D9FD-E6EE-4F33-97AE-69A280152054}"/>
+                <a16:creationId xmlns="" xmlns:a16="http://schemas.microsoft.com/office/drawing/2014/main" id="{5DA6D9FD-E6EE-4F33-97AE-69A280152054}"/>
               </a:ext>
             </a:extLst>
           </p:cNvPr>
@@ -38822,7 +38822,7 @@
           <p:cNvPr id="3" name="Content Placeholder 2">
             <a:extLst>
               <a:ext uri="{FF2B5EF4-FFF2-40B4-BE49-F238E27FC236}">
-                <a16:creationId xmlns:a16="http://schemas.microsoft.com/office/drawing/2014/main" xmlns="" id="{5E49514A-A27B-4E67-8B29-080ABAB40CB4}"/>
+                <a16:creationId xmlns="" xmlns:a16="http://schemas.microsoft.com/office/drawing/2014/main" id="{5E49514A-A27B-4E67-8B29-080ABAB40CB4}"/>
               </a:ext>
             </a:extLst>
           </p:cNvPr>
@@ -38885,7 +38885,7 @@
           <p:cNvPr id="2" name="Title 1">
             <a:extLst>
               <a:ext uri="{FF2B5EF4-FFF2-40B4-BE49-F238E27FC236}">
-                <a16:creationId xmlns:a16="http://schemas.microsoft.com/office/drawing/2014/main" xmlns="" id="{EFEFBA1F-00CD-4B90-B7C1-FF4E6A242CA3}"/>
+                <a16:creationId xmlns="" xmlns:a16="http://schemas.microsoft.com/office/drawing/2014/main" id="{EFEFBA1F-00CD-4B90-B7C1-FF4E6A242CA3}"/>
               </a:ext>
             </a:extLst>
           </p:cNvPr>
@@ -38913,7 +38913,7 @@
           <p:cNvPr id="3" name="Content Placeholder 2">
             <a:extLst>
               <a:ext uri="{FF2B5EF4-FFF2-40B4-BE49-F238E27FC236}">
-                <a16:creationId xmlns:a16="http://schemas.microsoft.com/office/drawing/2014/main" xmlns="" id="{B09139E6-136D-47C6-8870-0AA416D4457E}"/>
+                <a16:creationId xmlns="" xmlns:a16="http://schemas.microsoft.com/office/drawing/2014/main" id="{B09139E6-136D-47C6-8870-0AA416D4457E}"/>
               </a:ext>
             </a:extLst>
           </p:cNvPr>
@@ -39006,7 +39006,7 @@
           <p:cNvPr id="2" name="Title 1">
             <a:extLst>
               <a:ext uri="{FF2B5EF4-FFF2-40B4-BE49-F238E27FC236}">
-                <a16:creationId xmlns:a16="http://schemas.microsoft.com/office/drawing/2014/main" xmlns="" id="{698680FB-35CD-40A1-A23B-02902A2F9A75}"/>
+                <a16:creationId xmlns="" xmlns:a16="http://schemas.microsoft.com/office/drawing/2014/main" id="{698680FB-35CD-40A1-A23B-02902A2F9A75}"/>
               </a:ext>
             </a:extLst>
           </p:cNvPr>
@@ -39034,7 +39034,7 @@
           <p:cNvPr id="5" name="Content Placeholder 4">
             <a:extLst>
               <a:ext uri="{FF2B5EF4-FFF2-40B4-BE49-F238E27FC236}">
-                <a16:creationId xmlns:a16="http://schemas.microsoft.com/office/drawing/2014/main" xmlns="" id="{13D6317E-A779-44FB-8E12-9583114BE072}"/>
+                <a16:creationId xmlns="" xmlns:a16="http://schemas.microsoft.com/office/drawing/2014/main" id="{13D6317E-A779-44FB-8E12-9583114BE072}"/>
               </a:ext>
             </a:extLst>
           </p:cNvPr>
@@ -39093,7 +39093,7 @@
           <p:cNvPr id="2" name="Title 1">
             <a:extLst>
               <a:ext uri="{FF2B5EF4-FFF2-40B4-BE49-F238E27FC236}">
-                <a16:creationId xmlns:a16="http://schemas.microsoft.com/office/drawing/2014/main" xmlns="" id="{6176A1BA-13A3-42BF-869F-979F92570806}"/>
+                <a16:creationId xmlns="" xmlns:a16="http://schemas.microsoft.com/office/drawing/2014/main" id="{6176A1BA-13A3-42BF-869F-979F92570806}"/>
               </a:ext>
             </a:extLst>
           </p:cNvPr>
@@ -39121,7 +39121,7 @@
           <p:cNvPr id="3" name="Content Placeholder 2">
             <a:extLst>
               <a:ext uri="{FF2B5EF4-FFF2-40B4-BE49-F238E27FC236}">
-                <a16:creationId xmlns:a16="http://schemas.microsoft.com/office/drawing/2014/main" xmlns="" id="{01378B80-6ABF-4910-A55A-E6CD2B15FBAE}"/>
+                <a16:creationId xmlns="" xmlns:a16="http://schemas.microsoft.com/office/drawing/2014/main" id="{01378B80-6ABF-4910-A55A-E6CD2B15FBAE}"/>
               </a:ext>
             </a:extLst>
           </p:cNvPr>
@@ -39347,7 +39347,7 @@
           <p:cNvPr id="2" name="Title 1">
             <a:extLst>
               <a:ext uri="{FF2B5EF4-FFF2-40B4-BE49-F238E27FC236}">
-                <a16:creationId xmlns:a16="http://schemas.microsoft.com/office/drawing/2014/main" xmlns="" id="{DC6E8865-6CC3-4653-9261-D6BE59018291}"/>
+                <a16:creationId xmlns="" xmlns:a16="http://schemas.microsoft.com/office/drawing/2014/main" id="{DC6E8865-6CC3-4653-9261-D6BE59018291}"/>
               </a:ext>
             </a:extLst>
           </p:cNvPr>
@@ -39375,7 +39375,7 @@
           <p:cNvPr id="3" name="Content Placeholder 2">
             <a:extLst>
               <a:ext uri="{FF2B5EF4-FFF2-40B4-BE49-F238E27FC236}">
-                <a16:creationId xmlns:a16="http://schemas.microsoft.com/office/drawing/2014/main" xmlns="" id="{AB6A57D8-FAFC-4A9F-91C5-25A3758FBAC8}"/>
+                <a16:creationId xmlns="" xmlns:a16="http://schemas.microsoft.com/office/drawing/2014/main" id="{AB6A57D8-FAFC-4A9F-91C5-25A3758FBAC8}"/>
               </a:ext>
             </a:extLst>
           </p:cNvPr>
@@ -39465,7 +39465,7 @@
           <p:cNvPr id="2" name="Title 1">
             <a:extLst>
               <a:ext uri="{FF2B5EF4-FFF2-40B4-BE49-F238E27FC236}">
-                <a16:creationId xmlns:a16="http://schemas.microsoft.com/office/drawing/2014/main" xmlns="" id="{CD44C8EA-4DC5-4702-84EF-C21AC41BBE91}"/>
+                <a16:creationId xmlns="" xmlns:a16="http://schemas.microsoft.com/office/drawing/2014/main" id="{CD44C8EA-4DC5-4702-84EF-C21AC41BBE91}"/>
               </a:ext>
             </a:extLst>
           </p:cNvPr>
@@ -39493,7 +39493,7 @@
           <p:cNvPr id="3" name="Content Placeholder 2">
             <a:extLst>
               <a:ext uri="{FF2B5EF4-FFF2-40B4-BE49-F238E27FC236}">
-                <a16:creationId xmlns:a16="http://schemas.microsoft.com/office/drawing/2014/main" xmlns="" id="{E5C7DED5-3903-4A10-84A9-6443C79ECB2D}"/>
+                <a16:creationId xmlns="" xmlns:a16="http://schemas.microsoft.com/office/drawing/2014/main" id="{E5C7DED5-3903-4A10-84A9-6443C79ECB2D}"/>
               </a:ext>
             </a:extLst>
           </p:cNvPr>
@@ -39610,7 +39610,7 @@
           <p:cNvPr id="2" name="Title 1">
             <a:extLst>
               <a:ext uri="{FF2B5EF4-FFF2-40B4-BE49-F238E27FC236}">
-                <a16:creationId xmlns:a16="http://schemas.microsoft.com/office/drawing/2014/main" xmlns="" id="{04B2F0A5-F01F-4193-850C-E6E8BAEEFE0A}"/>
+                <a16:creationId xmlns="" xmlns:a16="http://schemas.microsoft.com/office/drawing/2014/main" id="{04B2F0A5-F01F-4193-850C-E6E8BAEEFE0A}"/>
               </a:ext>
             </a:extLst>
           </p:cNvPr>
@@ -39638,7 +39638,7 @@
           <p:cNvPr id="3" name="Content Placeholder 2">
             <a:extLst>
               <a:ext uri="{FF2B5EF4-FFF2-40B4-BE49-F238E27FC236}">
-                <a16:creationId xmlns:a16="http://schemas.microsoft.com/office/drawing/2014/main" xmlns="" id="{D92F516D-601D-48D4-BE8A-824C0723C62F}"/>
+                <a16:creationId xmlns="" xmlns:a16="http://schemas.microsoft.com/office/drawing/2014/main" id="{D92F516D-601D-48D4-BE8A-824C0723C62F}"/>
               </a:ext>
             </a:extLst>
           </p:cNvPr>
@@ -39827,59 +39827,94 @@
               <a:buChar char="o"/>
             </a:pPr>
             <a:r>
-              <a:rPr lang="en-US" b="1" dirty="0"/>
+              <a:rPr lang="en-US" b="1" dirty="0">
+                <a:latin typeface="Arial" panose="020B0604020202020204" pitchFamily="34" charset="0"/>
+                <a:cs typeface="Arial" panose="020B0604020202020204" pitchFamily="34" charset="0"/>
+              </a:rPr>
               <a:t>What is Risk Analysis?</a:t>
             </a:r>
           </a:p>
           <a:p>
             <a:r>
-              <a:rPr lang="en-US" dirty="0" smtClean="0"/>
+              <a:rPr lang="en-US" dirty="0" smtClean="0">
+                <a:latin typeface="Arial" panose="020B0604020202020204" pitchFamily="34" charset="0"/>
+                <a:cs typeface="Arial" panose="020B0604020202020204" pitchFamily="34" charset="0"/>
+              </a:rPr>
               <a:t> Once </a:t>
             </a:r>
             <a:r>
-              <a:rPr lang="en-US" dirty="0"/>
+              <a:rPr lang="en-US" dirty="0">
+                <a:latin typeface="Arial" panose="020B0604020202020204" pitchFamily="34" charset="0"/>
+                <a:cs typeface="Arial" panose="020B0604020202020204" pitchFamily="34" charset="0"/>
+              </a:rPr>
               <a:t>you have identified the risks that could affect your project, you need to determine which ones you will spend time and money on.</a:t>
             </a:r>
           </a:p>
           <a:p>
             <a:r>
-              <a:rPr lang="en-US" b="1" dirty="0" smtClean="0"/>
+              <a:rPr lang="en-US" b="1" dirty="0" smtClean="0">
+                <a:latin typeface="Arial" panose="020B0604020202020204" pitchFamily="34" charset="0"/>
+                <a:cs typeface="Arial" panose="020B0604020202020204" pitchFamily="34" charset="0"/>
+              </a:rPr>
               <a:t> Risk </a:t>
             </a:r>
             <a:r>
-              <a:rPr lang="en-US" b="1" dirty="0"/>
+              <a:rPr lang="en-US" b="1" dirty="0">
+                <a:latin typeface="Arial" panose="020B0604020202020204" pitchFamily="34" charset="0"/>
+                <a:cs typeface="Arial" panose="020B0604020202020204" pitchFamily="34" charset="0"/>
+              </a:rPr>
               <a:t>analysis</a:t>
             </a:r>
             <a:r>
-              <a:rPr lang="en-US" dirty="0"/>
+              <a:rPr lang="en-US" dirty="0">
+                <a:latin typeface="Arial" panose="020B0604020202020204" pitchFamily="34" charset="0"/>
+                <a:cs typeface="Arial" panose="020B0604020202020204" pitchFamily="34" charset="0"/>
+              </a:rPr>
               <a:t> is the process of prioritizing risks based on the </a:t>
             </a:r>
             <a:r>
-              <a:rPr lang="en-US" i="1" dirty="0"/>
+              <a:rPr lang="en-US" i="1" dirty="0">
+                <a:latin typeface="Arial" panose="020B0604020202020204" pitchFamily="34" charset="0"/>
+                <a:cs typeface="Arial" panose="020B0604020202020204" pitchFamily="34" charset="0"/>
+              </a:rPr>
               <a:t>probability</a:t>
             </a:r>
             <a:r>
-              <a:rPr lang="en-US" dirty="0"/>
+              <a:rPr lang="en-US" dirty="0">
+                <a:latin typeface="Arial" panose="020B0604020202020204" pitchFamily="34" charset="0"/>
+                <a:cs typeface="Arial" panose="020B0604020202020204" pitchFamily="34" charset="0"/>
+              </a:rPr>
               <a:t> of the risk occurring and the </a:t>
             </a:r>
             <a:r>
-              <a:rPr lang="en-US" i="1" dirty="0"/>
+              <a:rPr lang="en-US" i="1" dirty="0">
+                <a:latin typeface="Arial" panose="020B0604020202020204" pitchFamily="34" charset="0"/>
+                <a:cs typeface="Arial" panose="020B0604020202020204" pitchFamily="34" charset="0"/>
+              </a:rPr>
               <a:t>impact</a:t>
             </a:r>
             <a:r>
-              <a:rPr lang="en-US" dirty="0"/>
+              <a:rPr lang="en-US" dirty="0">
+                <a:latin typeface="Arial" panose="020B0604020202020204" pitchFamily="34" charset="0"/>
+                <a:cs typeface="Arial" panose="020B0604020202020204" pitchFamily="34" charset="0"/>
+              </a:rPr>
               <a:t> it would have on the project.</a:t>
             </a:r>
           </a:p>
           <a:p>
-            <a:endParaRPr lang="en-US" dirty="0"/>
+            <a:endParaRPr lang="en-US" dirty="0">
+              <a:latin typeface="Arial" panose="020B0604020202020204" pitchFamily="34" charset="0"/>
+              <a:cs typeface="Arial" panose="020B0604020202020204" pitchFamily="34" charset="0"/>
+            </a:endParaRPr>
           </a:p>
         </p:txBody>
       </p:sp>
       <p:pic>
         <p:nvPicPr>
-          <p:cNvPr id="4" name="Picture 3" descr="https://www.project-management-skills.com/images/xqualitative-risk-analysis.jpg.pagespeed.ic.vUVvm0MPuJ.jpg"/>
-          <p:cNvPicPr/>
+          <p:cNvPr id="1026" name="Picture 2" descr="Kết quả hình ảnh cho What is Risk Analysis"/>
+          <p:cNvPicPr>
+            <a:picLocks noChangeAspect="1" noChangeArrowheads="1"/>
+          </p:cNvPicPr>
           <p:nvPr/>
         </p:nvPicPr>
         <p:blipFill>
@@ -39897,16 +39932,22 @@
         </p:blipFill>
         <p:spPr bwMode="auto">
           <a:xfrm>
-            <a:off x="4905375" y="4075113"/>
-            <a:ext cx="2381250" cy="2381250"/>
+            <a:off x="4405603" y="3963011"/>
+            <a:ext cx="3115659" cy="2605453"/>
           </a:xfrm>
           <a:prstGeom prst="rect">
             <a:avLst/>
           </a:prstGeom>
           <a:noFill/>
-          <a:ln>
-            <a:noFill/>
-          </a:ln>
+          <a:extLst>
+            <a:ext uri="{909E8E84-426E-40DD-AFC4-6F175D3DCCD1}">
+              <a14:hiddenFill xmlns:a14="http://schemas.microsoft.com/office/drawing/2010/main">
+                <a:solidFill>
+                  <a:srgbClr val="FFFFFF"/>
+                </a:solidFill>
+              </a14:hiddenFill>
+            </a:ext>
+          </a:extLst>
         </p:spPr>
       </p:pic>
     </p:spTree>
@@ -40009,10 +40050,16 @@
           <a:p>
             <a:pPr lvl="1"/>
             <a:r>
-              <a:rPr lang="en-US" sz="2400" dirty="0"/>
+              <a:rPr lang="en-US" sz="2400" dirty="0">
+                <a:latin typeface="Arial" panose="020B0604020202020204" pitchFamily="34" charset="0"/>
+                <a:cs typeface="Arial" panose="020B0604020202020204" pitchFamily="34" charset="0"/>
+              </a:rPr>
               <a:t>There are two primary methods of risk analysis you can use on your project</a:t>
             </a:r>
-            <a:endParaRPr lang="en-US" sz="2400" b="1" i="1" dirty="0" smtClean="0"/>
+            <a:endParaRPr lang="en-US" sz="2400" b="1" i="1" dirty="0" smtClean="0">
+              <a:latin typeface="Arial" panose="020B0604020202020204" pitchFamily="34" charset="0"/>
+              <a:cs typeface="Arial" panose="020B0604020202020204" pitchFamily="34" charset="0"/>
+            </a:endParaRPr>
           </a:p>
           <a:p>
             <a:pPr lvl="1">
@@ -40020,18 +40067,30 @@
               <a:buChar char="•"/>
             </a:pPr>
             <a:r>
-              <a:rPr lang="en-US" sz="2400" b="1" i="1" dirty="0" smtClean="0"/>
+              <a:rPr lang="en-US" sz="2400" b="1" i="1" dirty="0" smtClean="0">
+                <a:latin typeface="Arial" panose="020B0604020202020204" pitchFamily="34" charset="0"/>
+                <a:cs typeface="Arial" panose="020B0604020202020204" pitchFamily="34" charset="0"/>
+              </a:rPr>
               <a:t>Quantitative </a:t>
             </a:r>
             <a:r>
-              <a:rPr lang="en-US" sz="2400" b="1" i="1" dirty="0"/>
+              <a:rPr lang="en-US" sz="2400" b="1" i="1" dirty="0">
+                <a:latin typeface="Arial" panose="020B0604020202020204" pitchFamily="34" charset="0"/>
+                <a:cs typeface="Arial" panose="020B0604020202020204" pitchFamily="34" charset="0"/>
+              </a:rPr>
               <a:t>Risk </a:t>
             </a:r>
             <a:r>
-              <a:rPr lang="en-US" sz="2400" b="1" i="1" dirty="0" smtClean="0"/>
+              <a:rPr lang="en-US" sz="2400" b="1" i="1" dirty="0" smtClean="0">
+                <a:latin typeface="Arial" panose="020B0604020202020204" pitchFamily="34" charset="0"/>
+                <a:cs typeface="Arial" panose="020B0604020202020204" pitchFamily="34" charset="0"/>
+              </a:rPr>
               <a:t>Analysis</a:t>
             </a:r>
-            <a:endParaRPr lang="en-US" sz="2400" dirty="0" smtClean="0"/>
+            <a:endParaRPr lang="en-US" sz="2400" dirty="0" smtClean="0">
+              <a:latin typeface="Arial" panose="020B0604020202020204" pitchFamily="34" charset="0"/>
+              <a:cs typeface="Arial" panose="020B0604020202020204" pitchFamily="34" charset="0"/>
+            </a:endParaRPr>
           </a:p>
           <a:p>
             <a:pPr lvl="1">
@@ -40039,14 +40098,23 @@
               <a:buChar char="•"/>
             </a:pPr>
             <a:r>
-              <a:rPr lang="en-US" sz="2400" b="1" i="1" dirty="0" smtClean="0"/>
+              <a:rPr lang="en-US" sz="2400" b="1" i="1" dirty="0" smtClean="0">
+                <a:latin typeface="Arial" panose="020B0604020202020204" pitchFamily="34" charset="0"/>
+                <a:cs typeface="Arial" panose="020B0604020202020204" pitchFamily="34" charset="0"/>
+              </a:rPr>
               <a:t>Qualitative </a:t>
             </a:r>
             <a:r>
-              <a:rPr lang="en-US" sz="2400" b="1" i="1" dirty="0"/>
+              <a:rPr lang="en-US" sz="2400" b="1" i="1" dirty="0">
+                <a:latin typeface="Arial" panose="020B0604020202020204" pitchFamily="34" charset="0"/>
+                <a:cs typeface="Arial" panose="020B0604020202020204" pitchFamily="34" charset="0"/>
+              </a:rPr>
               <a:t>Risk Analysis</a:t>
             </a:r>
-            <a:endParaRPr lang="en-US" sz="2400" b="1" i="1" dirty="0" smtClean="0"/>
+            <a:endParaRPr lang="en-US" sz="2400" b="1" i="1" dirty="0" smtClean="0">
+              <a:latin typeface="Arial" panose="020B0604020202020204" pitchFamily="34" charset="0"/>
+              <a:cs typeface="Arial" panose="020B0604020202020204" pitchFamily="34" charset="0"/>
+            </a:endParaRPr>
           </a:p>
         </p:txBody>
       </p:sp>
@@ -40118,20 +40186,32 @@
           <a:lstStyle/>
           <a:p>
             <a:r>
-              <a:rPr lang="en-US" b="1" dirty="0"/>
+              <a:rPr lang="en-US" b="1" dirty="0">
+                <a:latin typeface="Arial" panose="020B0604020202020204" pitchFamily="34" charset="0"/>
+                <a:cs typeface="Arial" panose="020B0604020202020204" pitchFamily="34" charset="0"/>
+              </a:rPr>
               <a:t>Qualitative risk analysis</a:t>
             </a:r>
             <a:r>
-              <a:rPr lang="en-US" dirty="0"/>
+              <a:rPr lang="en-US" dirty="0">
+                <a:latin typeface="Arial" panose="020B0604020202020204" pitchFamily="34" charset="0"/>
+                <a:cs typeface="Arial" panose="020B0604020202020204" pitchFamily="34" charset="0"/>
+              </a:rPr>
               <a:t> is a technique used to quantify risk associated with a particular hazard. Risk assessment is used for uncertain events that could have many outcomes and for which there could be significant consequences</a:t>
             </a:r>
             <a:r>
-              <a:rPr lang="en-US" dirty="0" smtClean="0"/>
+              <a:rPr lang="en-US" dirty="0" smtClean="0">
+                <a:latin typeface="Arial" panose="020B0604020202020204" pitchFamily="34" charset="0"/>
+                <a:cs typeface="Arial" panose="020B0604020202020204" pitchFamily="34" charset="0"/>
+              </a:rPr>
               <a:t>.</a:t>
             </a:r>
           </a:p>
           <a:p>
-            <a:endParaRPr lang="en-US" dirty="0"/>
+            <a:endParaRPr lang="en-US" dirty="0">
+              <a:latin typeface="Arial" panose="020B0604020202020204" pitchFamily="34" charset="0"/>
+              <a:cs typeface="Arial" panose="020B0604020202020204" pitchFamily="34" charset="0"/>
+            </a:endParaRPr>
           </a:p>
         </p:txBody>
       </p:sp>
@@ -40232,40 +40312,64 @@
           <a:lstStyle/>
           <a:p>
             <a:r>
-              <a:rPr lang="en-US" dirty="0"/>
+              <a:rPr lang="en-US" dirty="0">
+                <a:latin typeface="Arial" panose="020B0604020202020204" pitchFamily="34" charset="0"/>
+                <a:cs typeface="Arial" panose="020B0604020202020204" pitchFamily="34" charset="0"/>
+              </a:rPr>
               <a:t>A </a:t>
             </a:r>
             <a:r>
-              <a:rPr lang="en-US" b="1" dirty="0"/>
+              <a:rPr lang="en-US" b="1" dirty="0">
+                <a:latin typeface="Arial" panose="020B0604020202020204" pitchFamily="34" charset="0"/>
+                <a:cs typeface="Arial" panose="020B0604020202020204" pitchFamily="34" charset="0"/>
+              </a:rPr>
               <a:t>Risk Assessment Matrix</a:t>
             </a:r>
             <a:r>
-              <a:rPr lang="en-US" dirty="0"/>
+              <a:rPr lang="en-US" dirty="0">
+                <a:latin typeface="Arial" panose="020B0604020202020204" pitchFamily="34" charset="0"/>
+                <a:cs typeface="Arial" panose="020B0604020202020204" pitchFamily="34" charset="0"/>
+              </a:rPr>
               <a:t> (RAM) is a tool to help you determine which risks you need to develop a risk response for.</a:t>
             </a:r>
           </a:p>
           <a:p>
             <a:r>
-              <a:rPr lang="en-US" dirty="0"/>
+              <a:rPr lang="en-US" dirty="0">
+                <a:latin typeface="Arial" panose="020B0604020202020204" pitchFamily="34" charset="0"/>
+                <a:cs typeface="Arial" panose="020B0604020202020204" pitchFamily="34" charset="0"/>
+              </a:rPr>
               <a:t>The first step in developing a RAM is to define the rating scales for likelihood and impact.</a:t>
             </a:r>
           </a:p>
           <a:p>
             <a:r>
-              <a:rPr lang="en-US" dirty="0"/>
+              <a:rPr lang="en-US" dirty="0">
+                <a:latin typeface="Arial" panose="020B0604020202020204" pitchFamily="34" charset="0"/>
+                <a:cs typeface="Arial" panose="020B0604020202020204" pitchFamily="34" charset="0"/>
+              </a:rPr>
               <a:t>In a qualitative analysis, likelihood or probability is measured using a relative scale. Here's an example </a:t>
             </a:r>
             <a:r>
-              <a:rPr lang="en-US" b="1" dirty="0"/>
+              <a:rPr lang="en-US" b="1" dirty="0">
+                <a:latin typeface="Arial" panose="020B0604020202020204" pitchFamily="34" charset="0"/>
+                <a:cs typeface="Arial" panose="020B0604020202020204" pitchFamily="34" charset="0"/>
+              </a:rPr>
               <a:t>Likelihood Scale</a:t>
             </a:r>
             <a:r>
-              <a:rPr lang="en-US" dirty="0"/>
+              <a:rPr lang="en-US" dirty="0">
+                <a:latin typeface="Arial" panose="020B0604020202020204" pitchFamily="34" charset="0"/>
+                <a:cs typeface="Arial" panose="020B0604020202020204" pitchFamily="34" charset="0"/>
+              </a:rPr>
               <a:t> definition...</a:t>
             </a:r>
           </a:p>
           <a:p>
-            <a:endParaRPr lang="en-US" dirty="0"/>
+            <a:endParaRPr lang="en-US" dirty="0">
+              <a:latin typeface="Arial" panose="020B0604020202020204" pitchFamily="34" charset="0"/>
+              <a:cs typeface="Arial" panose="020B0604020202020204" pitchFamily="34" charset="0"/>
+            </a:endParaRPr>
           </a:p>
         </p:txBody>
       </p:sp>
@@ -40316,12 +40420,12 @@
                         </a:spcAft>
                       </a:pPr>
                       <a:r>
-                        <a:rPr lang="en-US" sz="1200" cap="all" spc="120">
+                        <a:rPr lang="en-US" sz="1200" cap="all" spc="120" dirty="0">
                           <a:effectLst/>
                         </a:rPr>
                         <a:t>RATING</a:t>
                       </a:r>
-                      <a:endParaRPr lang="en-US" sz="1100" b="1" i="1">
+                      <a:endParaRPr lang="en-US" sz="1100" b="1" i="1" dirty="0">
                         <a:solidFill>
                           <a:srgbClr val="2E74B5"/>
                         </a:solidFill>
@@ -40351,12 +40455,12 @@
                         </a:spcAft>
                       </a:pPr>
                       <a:r>
-                        <a:rPr lang="en-US" sz="1200" cap="all" spc="120">
+                        <a:rPr lang="en-US" sz="1200" cap="all" spc="120" dirty="0">
                           <a:effectLst/>
                         </a:rPr>
                         <a:t>LIKELIHOOD</a:t>
                       </a:r>
-                      <a:endParaRPr lang="en-US" sz="1100" b="1" i="1">
+                      <a:endParaRPr lang="en-US" sz="1100" b="1" i="1" dirty="0">
                         <a:solidFill>
                           <a:srgbClr val="2E74B5"/>
                         </a:solidFill>
@@ -40521,12 +40625,12 @@
                         </a:spcAft>
                       </a:pPr>
                       <a:r>
-                        <a:rPr lang="en-US" sz="1100">
+                        <a:rPr lang="en-US" sz="1100" dirty="0">
                           <a:effectLst/>
                         </a:rPr>
                         <a:t>2</a:t>
                       </a:r>
-                      <a:endParaRPr lang="en-US" sz="1100">
+                      <a:endParaRPr lang="en-US" sz="1100" dirty="0">
                         <a:effectLst/>
                         <a:latin typeface="Calibri" panose="020F0502020204030204" pitchFamily="34" charset="0"/>
                         <a:ea typeface="Times New Roman" panose="02020603050405020304" pitchFamily="18" charset="0"/>
@@ -40585,12 +40689,12 @@
                         </a:spcAft>
                       </a:pPr>
                       <a:r>
-                        <a:rPr lang="en-US" sz="1100">
+                        <a:rPr lang="en-US" sz="1100" dirty="0">
                           <a:effectLst/>
                         </a:rPr>
                         <a:t>Most likely will not occur. Infrequent occurrence in past projects.</a:t>
                       </a:r>
-                      <a:endParaRPr lang="en-US" sz="1100">
+                      <a:endParaRPr lang="en-US" sz="1100" dirty="0">
                         <a:effectLst/>
                         <a:latin typeface="Calibri" panose="020F0502020204030204" pitchFamily="34" charset="0"/>
                         <a:ea typeface="Times New Roman" panose="02020603050405020304" pitchFamily="18" charset="0"/>
@@ -40619,12 +40723,12 @@
                         </a:spcAft>
                       </a:pPr>
                       <a:r>
-                        <a:rPr lang="en-US" sz="1100">
+                        <a:rPr lang="en-US" sz="1100" dirty="0">
                           <a:effectLst/>
                         </a:rPr>
                         <a:t>3</a:t>
                       </a:r>
-                      <a:endParaRPr lang="en-US" sz="1100">
+                      <a:endParaRPr lang="en-US" sz="1100" dirty="0">
                         <a:effectLst/>
                         <a:latin typeface="Calibri" panose="020F0502020204030204" pitchFamily="34" charset="0"/>
                         <a:ea typeface="Times New Roman" panose="02020603050405020304" pitchFamily="18" charset="0"/>
@@ -40717,12 +40821,12 @@
                         </a:spcAft>
                       </a:pPr>
                       <a:r>
-                        <a:rPr lang="en-US" sz="1100">
+                        <a:rPr lang="en-US" sz="1100" dirty="0">
                           <a:effectLst/>
                         </a:rPr>
                         <a:t>4</a:t>
                       </a:r>
-                      <a:endParaRPr lang="en-US" sz="1100">
+                      <a:endParaRPr lang="en-US" sz="1100" dirty="0">
                         <a:effectLst/>
                         <a:latin typeface="Calibri" panose="020F0502020204030204" pitchFamily="34" charset="0"/>
                         <a:ea typeface="Times New Roman" panose="02020603050405020304" pitchFamily="18" charset="0"/>
@@ -40815,12 +40919,12 @@
                         </a:spcAft>
                       </a:pPr>
                       <a:r>
-                        <a:rPr lang="en-US" sz="1100">
+                        <a:rPr lang="en-US" sz="1100" dirty="0">
                           <a:effectLst/>
                         </a:rPr>
                         <a:t>5</a:t>
                       </a:r>
-                      <a:endParaRPr lang="en-US" sz="1100">
+                      <a:endParaRPr lang="en-US" sz="1100" dirty="0">
                         <a:effectLst/>
                         <a:latin typeface="Calibri" panose="020F0502020204030204" pitchFamily="34" charset="0"/>
                         <a:ea typeface="Times New Roman" panose="02020603050405020304" pitchFamily="18" charset="0"/>
@@ -40944,7 +41048,19 @@
           <a:bodyPr/>
           <a:lstStyle/>
           <a:p>
-            <a:endParaRPr lang="en-US"/>
+            <a:r>
+              <a:rPr lang="en-US" dirty="0">
+                <a:effectLst>
+                  <a:outerShdw blurRad="38100" dist="38100" dir="2700000" algn="tl">
+                    <a:srgbClr val="000000">
+                      <a:alpha val="43137"/>
+                    </a:srgbClr>
+                  </a:outerShdw>
+                </a:effectLst>
+              </a:rPr>
+              <a:t>The Risk Assessment Matrix</a:t>
+            </a:r>
+            <a:endParaRPr lang="en-US" dirty="0"/>
           </a:p>
         </p:txBody>
       </p:sp>
@@ -40964,19 +41080,31 @@
           <a:lstStyle/>
           <a:p>
             <a:r>
-              <a:rPr lang="en-US" dirty="0"/>
+              <a:rPr lang="en-US" dirty="0">
+                <a:latin typeface="Arial" panose="020B0604020202020204" pitchFamily="34" charset="0"/>
+                <a:cs typeface="Arial" panose="020B0604020202020204" pitchFamily="34" charset="0"/>
+              </a:rPr>
               <a:t>Here's an example Impact Scale definition</a:t>
             </a:r>
             <a:r>
-              <a:rPr lang="en-US" dirty="0" smtClean="0"/>
+              <a:rPr lang="en-US" dirty="0" smtClean="0">
+                <a:latin typeface="Arial" panose="020B0604020202020204" pitchFamily="34" charset="0"/>
+                <a:cs typeface="Arial" panose="020B0604020202020204" pitchFamily="34" charset="0"/>
+              </a:rPr>
               <a:t>...</a:t>
             </a:r>
           </a:p>
           <a:p>
-            <a:endParaRPr lang="en-US" dirty="0"/>
+            <a:endParaRPr lang="en-US" dirty="0">
+              <a:latin typeface="Arial" panose="020B0604020202020204" pitchFamily="34" charset="0"/>
+              <a:cs typeface="Arial" panose="020B0604020202020204" pitchFamily="34" charset="0"/>
+            </a:endParaRPr>
           </a:p>
           <a:p>
-            <a:endParaRPr lang="en-US" dirty="0"/>
+            <a:endParaRPr lang="en-US" dirty="0">
+              <a:latin typeface="Arial" panose="020B0604020202020204" pitchFamily="34" charset="0"/>
+              <a:cs typeface="Arial" panose="020B0604020202020204" pitchFamily="34" charset="0"/>
+            </a:endParaRPr>
           </a:p>
         </p:txBody>
       </p:sp>
@@ -41898,7 +42026,19 @@
           <a:bodyPr/>
           <a:lstStyle/>
           <a:p>
-            <a:endParaRPr lang="en-US"/>
+            <a:r>
+              <a:rPr lang="en-US" dirty="0">
+                <a:effectLst>
+                  <a:outerShdw blurRad="38100" dist="38100" dir="2700000" algn="tl">
+                    <a:srgbClr val="000000">
+                      <a:alpha val="43137"/>
+                    </a:srgbClr>
+                  </a:outerShdw>
+                </a:effectLst>
+              </a:rPr>
+              <a:t>The Risk Assessment Matrix</a:t>
+            </a:r>
+            <a:endParaRPr lang="en-US" dirty="0"/>
           </a:p>
         </p:txBody>
       </p:sp>
@@ -41922,7 +42062,8 @@
                 <a:solidFill>
                   <a:srgbClr val="222222"/>
                 </a:solidFill>
-                <a:latin typeface="arial" panose="020B0604020202020204" pitchFamily="34" charset="0"/>
+                <a:latin typeface="Arial" panose="020B0604020202020204" pitchFamily="34" charset="0"/>
+                <a:cs typeface="Arial" panose="020B0604020202020204" pitchFamily="34" charset="0"/>
               </a:rPr>
               <a:t>Remember, these scales are very dependent on the specific details of your project</a:t>
             </a:r>
@@ -41931,7 +42072,8 @@
                 <a:solidFill>
                   <a:srgbClr val="222222"/>
                 </a:solidFill>
-                <a:latin typeface="arial" panose="020B0604020202020204" pitchFamily="34" charset="0"/>
+                <a:latin typeface="Arial" panose="020B0604020202020204" pitchFamily="34" charset="0"/>
+                <a:cs typeface="Arial" panose="020B0604020202020204" pitchFamily="34" charset="0"/>
               </a:rPr>
               <a:t>.</a:t>
             </a:r>
@@ -41939,7 +42081,10 @@
           <a:p>
             <a:pPr lvl="1"/>
             <a:r>
-              <a:rPr lang="en-US" sz="1800" dirty="0" smtClean="0"/>
+              <a:rPr lang="en-US" sz="1800" dirty="0" smtClean="0">
+                <a:latin typeface="Arial" panose="020B0604020202020204" pitchFamily="34" charset="0"/>
+                <a:cs typeface="Arial" panose="020B0604020202020204" pitchFamily="34" charset="0"/>
+              </a:rPr>
               <a:t>For example, a "Low" likelihood of occurrence for one project may mean a risk event is unlikely to occur within the next 10 deployments.</a:t>
             </a:r>
           </a:p>
@@ -41949,6 +42094,8 @@
                 <a:solidFill>
                   <a:schemeClr val="tx1"/>
                 </a:solidFill>
+                <a:latin typeface="Arial" panose="020B0604020202020204" pitchFamily="34" charset="0"/>
+                <a:cs typeface="Arial" panose="020B0604020202020204" pitchFamily="34" charset="0"/>
               </a:rPr>
               <a:t>The </a:t>
             </a:r>
@@ -41957,20 +42104,20 @@
                 <a:solidFill>
                   <a:schemeClr val="tx1"/>
                 </a:solidFill>
+                <a:latin typeface="Arial" panose="020B0604020202020204" pitchFamily="34" charset="0"/>
+                <a:cs typeface="Arial" panose="020B0604020202020204" pitchFamily="34" charset="0"/>
               </a:rPr>
               <a:t>impact scale for your project could also include other considerations such as scope, political, and employee impacts.</a:t>
             </a:r>
-            <a:endParaRPr lang="en-US" dirty="0">
-              <a:solidFill>
-                <a:schemeClr val="tx1"/>
-              </a:solidFill>
-            </a:endParaRPr>
           </a:p>
           <a:p>
             <a:pPr marL="457200" lvl="1" indent="0">
               <a:buNone/>
             </a:pPr>
-            <a:endParaRPr lang="en-US" sz="1800" dirty="0" smtClean="0"/>
+            <a:endParaRPr lang="en-US" sz="1800" dirty="0" smtClean="0">
+              <a:latin typeface="Arial" panose="020B0604020202020204" pitchFamily="34" charset="0"/>
+              <a:cs typeface="Arial" panose="020B0604020202020204" pitchFamily="34" charset="0"/>
+            </a:endParaRPr>
           </a:p>
         </p:txBody>
       </p:sp>
@@ -42019,7 +42166,19 @@
           <a:bodyPr/>
           <a:lstStyle/>
           <a:p>
-            <a:endParaRPr lang="en-US"/>
+            <a:r>
+              <a:rPr lang="en-US" dirty="0">
+                <a:effectLst>
+                  <a:outerShdw blurRad="38100" dist="38100" dir="2700000" algn="tl">
+                    <a:srgbClr val="000000">
+                      <a:alpha val="43137"/>
+                    </a:srgbClr>
+                  </a:outerShdw>
+                </a:effectLst>
+              </a:rPr>
+              <a:t>The Risk Assessment Matrix</a:t>
+            </a:r>
+            <a:endParaRPr lang="en-US" dirty="0"/>
           </a:p>
         </p:txBody>
       </p:sp>
@@ -42048,6 +42207,8 @@
                 <a:solidFill>
                   <a:schemeClr val="tx1"/>
                 </a:solidFill>
+                <a:latin typeface="Arial" panose="020B0604020202020204" pitchFamily="34" charset="0"/>
+                <a:cs typeface="Arial" panose="020B0604020202020204" pitchFamily="34" charset="0"/>
               </a:rPr>
               <a:t>With your rating scales prepared, you can create a Risk Assessment Matrix to help you categorize the Risk Level for each risk event</a:t>
             </a:r>
@@ -42056,6 +42217,8 @@
                 <a:solidFill>
                   <a:schemeClr val="tx1"/>
                 </a:solidFill>
+                <a:latin typeface="Arial" panose="020B0604020202020204" pitchFamily="34" charset="0"/>
+                <a:cs typeface="Arial" panose="020B0604020202020204" pitchFamily="34" charset="0"/>
               </a:rPr>
               <a:t>.</a:t>
             </a:r>
@@ -42068,6 +42231,8 @@
               <a:solidFill>
                 <a:schemeClr val="tx1"/>
               </a:solidFill>
+              <a:latin typeface="Arial" panose="020B0604020202020204" pitchFamily="34" charset="0"/>
+              <a:cs typeface="Arial" panose="020B0604020202020204" pitchFamily="34" charset="0"/>
             </a:endParaRPr>
           </a:p>
         </p:txBody>
@@ -42175,7 +42340,7 @@
           <p:cNvPr id="2" name="Title 1">
             <a:extLst>
               <a:ext uri="{FF2B5EF4-FFF2-40B4-BE49-F238E27FC236}">
-                <a16:creationId xmlns:a16="http://schemas.microsoft.com/office/drawing/2014/main" xmlns="" id="{39FBDB44-412B-41FE-A8A8-DEA79A1417D3}"/>
+                <a16:creationId xmlns="" xmlns:a16="http://schemas.microsoft.com/office/drawing/2014/main" id="{39FBDB44-412B-41FE-A8A8-DEA79A1417D3}"/>
               </a:ext>
             </a:extLst>
           </p:cNvPr>
@@ -42211,7 +42376,7 @@
           <p:cNvPr id="3" name="Content Placeholder 2">
             <a:extLst>
               <a:ext uri="{FF2B5EF4-FFF2-40B4-BE49-F238E27FC236}">
-                <a16:creationId xmlns:a16="http://schemas.microsoft.com/office/drawing/2014/main" xmlns="" id="{90DFF434-D955-4BC3-BB73-6EB043B12290}"/>
+                <a16:creationId xmlns="" xmlns:a16="http://schemas.microsoft.com/office/drawing/2014/main" id="{90DFF434-D955-4BC3-BB73-6EB043B12290}"/>
               </a:ext>
             </a:extLst>
           </p:cNvPr>
@@ -42302,7 +42467,12 @@
             <p:ph type="title"/>
           </p:nvPr>
         </p:nvSpPr>
-        <p:spPr/>
+        <p:spPr>
+          <a:xfrm>
+            <a:off x="609600" y="721216"/>
+            <a:ext cx="10972800" cy="878983"/>
+          </a:xfrm>
+        </p:spPr>
         <p:txBody>
           <a:bodyPr/>
           <a:lstStyle/>
@@ -42310,16 +42480,23 @@
             <a:r>
               <a:rPr lang="en-US" dirty="0">
                 <a:effectLst/>
+                <a:latin typeface="Arial" panose="020B0604020202020204" pitchFamily="34" charset="0"/>
+                <a:cs typeface="Arial" panose="020B0604020202020204" pitchFamily="34" charset="0"/>
               </a:rPr>
               <a:t>Qualitative Risk </a:t>
             </a:r>
             <a:r>
               <a:rPr lang="en-US" dirty="0" smtClean="0">
                 <a:effectLst/>
+                <a:latin typeface="Arial" panose="020B0604020202020204" pitchFamily="34" charset="0"/>
+                <a:cs typeface="Arial" panose="020B0604020202020204" pitchFamily="34" charset="0"/>
               </a:rPr>
               <a:t>Assessment</a:t>
             </a:r>
-            <a:endParaRPr lang="en-US" dirty="0"/>
+            <a:endParaRPr lang="en-US" dirty="0">
+              <a:latin typeface="Arial" panose="020B0604020202020204" pitchFamily="34" charset="0"/>
+              <a:cs typeface="Arial" panose="020B0604020202020204" pitchFamily="34" charset="0"/>
+            </a:endParaRPr>
           </a:p>
         </p:txBody>
       </p:sp>
@@ -42333,67 +42510,107 @@
             <p:ph idx="1"/>
           </p:nvPr>
         </p:nvSpPr>
-        <p:spPr/>
+        <p:spPr>
+          <a:xfrm>
+            <a:off x="609600" y="1846262"/>
+            <a:ext cx="10972800" cy="4374234"/>
+          </a:xfrm>
+        </p:spPr>
         <p:txBody>
           <a:bodyPr>
-            <a:normAutofit fontScale="92500"/>
+            <a:noAutofit/>
           </a:bodyPr>
           <a:lstStyle/>
           <a:p>
             <a:r>
-              <a:rPr lang="en-US" dirty="0"/>
+              <a:rPr lang="en-US" dirty="0">
+                <a:latin typeface="Arial" panose="020B0604020202020204" pitchFamily="34" charset="0"/>
+                <a:cs typeface="Arial" panose="020B0604020202020204" pitchFamily="34" charset="0"/>
+              </a:rPr>
               <a:t>Using your RAM and Rating Scales, you can then analyze the likelihood of each risk event occurring and its impact to determine what </a:t>
             </a:r>
             <a:r>
-              <a:rPr lang="en-US" b="1" dirty="0"/>
+              <a:rPr lang="en-US" b="1" dirty="0">
+                <a:latin typeface="Arial" panose="020B0604020202020204" pitchFamily="34" charset="0"/>
+                <a:cs typeface="Arial" panose="020B0604020202020204" pitchFamily="34" charset="0"/>
+              </a:rPr>
               <a:t>Risk Level</a:t>
             </a:r>
             <a:r>
-              <a:rPr lang="en-US" dirty="0"/>
+              <a:rPr lang="en-US" dirty="0">
+                <a:latin typeface="Arial" panose="020B0604020202020204" pitchFamily="34" charset="0"/>
+                <a:cs typeface="Arial" panose="020B0604020202020204" pitchFamily="34" charset="0"/>
+              </a:rPr>
               <a:t> it is at. This will give you the information you need to prioritize your list of </a:t>
             </a:r>
             <a:r>
               <a:rPr lang="en-US" b="1" u="sng" dirty="0">
+                <a:latin typeface="Arial" panose="020B0604020202020204" pitchFamily="34" charset="0"/>
+                <a:cs typeface="Arial" panose="020B0604020202020204" pitchFamily="34" charset="0"/>
                 <a:hlinkClick r:id="rId2"/>
               </a:rPr>
               <a:t>project risks</a:t>
             </a:r>
             <a:r>
-              <a:rPr lang="en-US" dirty="0"/>
+              <a:rPr lang="en-US" dirty="0">
+                <a:latin typeface="Arial" panose="020B0604020202020204" pitchFamily="34" charset="0"/>
+                <a:cs typeface="Arial" panose="020B0604020202020204" pitchFamily="34" charset="0"/>
+              </a:rPr>
               <a:t>.</a:t>
             </a:r>
           </a:p>
           <a:p>
             <a:r>
-              <a:rPr lang="en-US" dirty="0"/>
+              <a:rPr lang="en-US" dirty="0">
+                <a:latin typeface="Arial" panose="020B0604020202020204" pitchFamily="34" charset="0"/>
+                <a:cs typeface="Arial" panose="020B0604020202020204" pitchFamily="34" charset="0"/>
+              </a:rPr>
               <a:t>A </a:t>
             </a:r>
             <a:r>
-              <a:rPr lang="en-US" i="1" dirty="0"/>
+              <a:rPr lang="en-US" i="1" dirty="0">
+                <a:latin typeface="Arial" panose="020B0604020202020204" pitchFamily="34" charset="0"/>
+                <a:cs typeface="Arial" panose="020B0604020202020204" pitchFamily="34" charset="0"/>
+              </a:rPr>
               <a:t>qualitative risk assessment</a:t>
             </a:r>
             <a:r>
-              <a:rPr lang="en-US" dirty="0"/>
+              <a:rPr lang="en-US" dirty="0">
+                <a:latin typeface="Arial" panose="020B0604020202020204" pitchFamily="34" charset="0"/>
+                <a:cs typeface="Arial" panose="020B0604020202020204" pitchFamily="34" charset="0"/>
+              </a:rPr>
               <a:t> can also help you determine if there are any specific types or categories of risks that would require special attention or any risk events that need to be handled in the near-term.</a:t>
             </a:r>
           </a:p>
           <a:p>
             <a:r>
-              <a:rPr lang="en-US" dirty="0"/>
+              <a:rPr lang="en-US" dirty="0">
+                <a:latin typeface="Arial" panose="020B0604020202020204" pitchFamily="34" charset="0"/>
+                <a:cs typeface="Arial" panose="020B0604020202020204" pitchFamily="34" charset="0"/>
+              </a:rPr>
               <a:t>The most challenging aspect of performing a </a:t>
             </a:r>
             <a:r>
-              <a:rPr lang="en-US" i="1" dirty="0"/>
+              <a:rPr lang="en-US" i="1" dirty="0">
+                <a:latin typeface="Arial" panose="020B0604020202020204" pitchFamily="34" charset="0"/>
+                <a:cs typeface="Arial" panose="020B0604020202020204" pitchFamily="34" charset="0"/>
+              </a:rPr>
               <a:t>qualitative risk analysis</a:t>
             </a:r>
             <a:r>
-              <a:rPr lang="en-US" dirty="0"/>
+              <a:rPr lang="en-US" dirty="0">
+                <a:latin typeface="Arial" panose="020B0604020202020204" pitchFamily="34" charset="0"/>
+                <a:cs typeface="Arial" panose="020B0604020202020204" pitchFamily="34" charset="0"/>
+              </a:rPr>
               <a:t> is defining your rating scales. But once that has been done, you can use them for the duration of the project to effectively manage your project's risks in a timely manner.</a:t>
             </a:r>
           </a:p>
           <a:p>
             <a:pPr lvl="2"/>
-            <a:endParaRPr lang="en-US" dirty="0"/>
+            <a:endParaRPr lang="en-US" dirty="0">
+              <a:latin typeface="Arial" panose="020B0604020202020204" pitchFamily="34" charset="0"/>
+              <a:cs typeface="Arial" panose="020B0604020202020204" pitchFamily="34" charset="0"/>
+            </a:endParaRPr>
           </a:p>
         </p:txBody>
       </p:sp>
@@ -42603,7 +42820,6 @@
               <a:rPr lang="en-US" dirty="0"/>
               <a:t>Qualitative risk analysis is a numeric estimate of the overall effect of risk on the project objectives such as cost and schedule objectives. The results provide insight into the likelihood of project success and is used to develop contingency reserves. </a:t>
             </a:r>
-            <a:endParaRPr lang="en-US" dirty="0"/>
           </a:p>
         </p:txBody>
       </p:sp>
@@ -42878,16 +43094,23 @@
             <a:r>
               <a:rPr lang="en-US" dirty="0">
                 <a:effectLst/>
+                <a:latin typeface="Arial" panose="020B0604020202020204" pitchFamily="34" charset="0"/>
+                <a:cs typeface="Arial" panose="020B0604020202020204" pitchFamily="34" charset="0"/>
               </a:rPr>
               <a:t>When to Perform Quantitative Risk Analysis</a:t>
             </a:r>
             <a:r>
               <a:rPr lang="en-US" dirty="0" smtClean="0">
                 <a:effectLst/>
+                <a:latin typeface="Arial" panose="020B0604020202020204" pitchFamily="34" charset="0"/>
+                <a:cs typeface="Arial" panose="020B0604020202020204" pitchFamily="34" charset="0"/>
               </a:rPr>
               <a:t>?</a:t>
             </a:r>
-            <a:endParaRPr lang="en-US" dirty="0"/>
+            <a:endParaRPr lang="en-US" dirty="0">
+              <a:latin typeface="Arial" panose="020B0604020202020204" pitchFamily="34" charset="0"/>
+              <a:cs typeface="Arial" panose="020B0604020202020204" pitchFamily="34" charset="0"/>
+            </a:endParaRPr>
           </a:p>
         </p:txBody>
       </p:sp>
@@ -42908,50 +43131,73 @@
           <a:p>
             <a:pPr fontAlgn="base"/>
             <a:r>
-              <a:rPr lang="en-US" dirty="0"/>
+              <a:rPr lang="en-US" dirty="0">
+                <a:latin typeface="Arial" panose="020B0604020202020204" pitchFamily="34" charset="0"/>
+                <a:cs typeface="Arial" panose="020B0604020202020204" pitchFamily="34" charset="0"/>
+              </a:rPr>
               <a:t>First, we </a:t>
             </a:r>
             <a:r>
               <a:rPr lang="en-US" u="sng" dirty="0">
+                <a:latin typeface="Arial" panose="020B0604020202020204" pitchFamily="34" charset="0"/>
+                <a:cs typeface="Arial" panose="020B0604020202020204" pitchFamily="34" charset="0"/>
                 <a:hlinkClick r:id="rId2"/>
               </a:rPr>
               <a:t>identify risks</a:t>
             </a:r>
             <a:r>
-              <a:rPr lang="en-US" dirty="0"/>
+              <a:rPr lang="en-US" dirty="0">
+                <a:latin typeface="Arial" panose="020B0604020202020204" pitchFamily="34" charset="0"/>
+                <a:cs typeface="Arial" panose="020B0604020202020204" pitchFamily="34" charset="0"/>
+              </a:rPr>
               <a:t>. Then we can evaluate the risks qualitatively and quantitatively.</a:t>
             </a:r>
           </a:p>
           <a:p>
             <a:pPr fontAlgn="base"/>
             <a:r>
-              <a:rPr lang="en-US" dirty="0"/>
+              <a:rPr lang="en-US" dirty="0">
+                <a:latin typeface="Arial" panose="020B0604020202020204" pitchFamily="34" charset="0"/>
+                <a:cs typeface="Arial" panose="020B0604020202020204" pitchFamily="34" charset="0"/>
+              </a:rPr>
               <a:t>Consider using Quantitative Risk Analysis for:</a:t>
             </a:r>
           </a:p>
           <a:p>
             <a:pPr lvl="1" fontAlgn="base"/>
             <a:r>
-              <a:rPr lang="en-US" dirty="0"/>
+              <a:rPr lang="en-US" dirty="0">
+                <a:latin typeface="Arial" panose="020B0604020202020204" pitchFamily="34" charset="0"/>
+                <a:cs typeface="Arial" panose="020B0604020202020204" pitchFamily="34" charset="0"/>
+              </a:rPr>
               <a:t>Projects that require a Contingency Reserve for the schedule and budget.</a:t>
             </a:r>
           </a:p>
           <a:p>
             <a:pPr lvl="1" fontAlgn="base"/>
             <a:r>
-              <a:rPr lang="en-US" dirty="0"/>
+              <a:rPr lang="en-US" dirty="0">
+                <a:latin typeface="Arial" panose="020B0604020202020204" pitchFamily="34" charset="0"/>
+                <a:cs typeface="Arial" panose="020B0604020202020204" pitchFamily="34" charset="0"/>
+              </a:rPr>
               <a:t>Large, complex projects that require Go/No Go decisions (the Go/No Go decision may occur multiple times in a project).</a:t>
             </a:r>
           </a:p>
           <a:p>
             <a:pPr lvl="1" fontAlgn="base"/>
             <a:r>
-              <a:rPr lang="en-US" dirty="0"/>
+              <a:rPr lang="en-US" dirty="0">
+                <a:latin typeface="Arial" panose="020B0604020202020204" pitchFamily="34" charset="0"/>
+                <a:cs typeface="Arial" panose="020B0604020202020204" pitchFamily="34" charset="0"/>
+              </a:rPr>
               <a:t>Projects where upper management wants more detail about the probability of completing the project on schedule and within budget.</a:t>
             </a:r>
           </a:p>
           <a:p>
-            <a:endParaRPr lang="en-US" dirty="0"/>
+            <a:endParaRPr lang="en-US" dirty="0">
+              <a:latin typeface="Arial" panose="020B0604020202020204" pitchFamily="34" charset="0"/>
+              <a:cs typeface="Arial" panose="020B0604020202020204" pitchFamily="34" charset="0"/>
+            </a:endParaRPr>
           </a:p>
         </p:txBody>
       </p:sp>
@@ -42995,7 +43241,12 @@
             <p:ph type="title"/>
           </p:nvPr>
         </p:nvSpPr>
-        <p:spPr/>
+        <p:spPr>
+          <a:xfrm>
+            <a:off x="476518" y="155910"/>
+            <a:ext cx="11105882" cy="2398690"/>
+          </a:xfrm>
+        </p:spPr>
         <p:txBody>
           <a:bodyPr/>
           <a:lstStyle/>
@@ -43033,7 +43284,12 @@
             <p:ph idx="1"/>
           </p:nvPr>
         </p:nvSpPr>
-        <p:spPr/>
+        <p:spPr>
+          <a:xfrm>
+            <a:off x="543059" y="2554600"/>
+            <a:ext cx="10972800" cy="3419476"/>
+          </a:xfrm>
+        </p:spPr>
         <p:txBody>
           <a:bodyPr>
             <a:normAutofit lnSpcReduction="10000"/>
@@ -43093,10 +43349,6 @@
               </a:rPr>
               <a:t>A quantitative analysis will determine the probability of each risk event occurring. For example, Risk #1 has an 80% chance of occurring, Risk #2 has a 27% chance of occurring, and so on.</a:t>
             </a:r>
-            <a:endParaRPr lang="en-US" dirty="0">
-              <a:latin typeface="Arial" panose="020B0604020202020204" pitchFamily="34" charset="0"/>
-              <a:cs typeface="Arial" panose="020B0604020202020204" pitchFamily="34" charset="0"/>
-            </a:endParaRPr>
           </a:p>
         </p:txBody>
       </p:sp>
@@ -43179,87 +43431,138 @@
         </p:spPr>
         <p:txBody>
           <a:bodyPr>
-            <a:normAutofit fontScale="92500" lnSpcReduction="10000"/>
+            <a:normAutofit fontScale="92500" lnSpcReduction="20000"/>
           </a:bodyPr>
           <a:lstStyle/>
           <a:p>
             <a:pPr lvl="0" fontAlgn="base"/>
             <a:r>
-              <a:rPr lang="en-US" b="1" dirty="0"/>
+              <a:rPr lang="en-US" b="1" dirty="0">
+                <a:latin typeface="Arial" panose="020B0604020202020204" pitchFamily="34" charset="0"/>
+                <a:cs typeface="Arial" panose="020B0604020202020204" pitchFamily="34" charset="0"/>
+              </a:rPr>
               <a:t>Three Point Estimate</a:t>
             </a:r>
             <a:r>
-              <a:rPr lang="en-US" dirty="0"/>
+              <a:rPr lang="en-US" dirty="0">
+                <a:latin typeface="Arial" panose="020B0604020202020204" pitchFamily="34" charset="0"/>
+                <a:cs typeface="Arial" panose="020B0604020202020204" pitchFamily="34" charset="0"/>
+              </a:rPr>
               <a:t> – a technique that uses the optimistic, most likely, and pessimistic values to determine the best estimate.</a:t>
             </a:r>
           </a:p>
           <a:p>
             <a:pPr lvl="0" fontAlgn="base"/>
             <a:r>
-              <a:rPr lang="en-US" b="1" dirty="0"/>
+              <a:rPr lang="en-US" b="1" dirty="0">
+                <a:latin typeface="Arial" panose="020B0604020202020204" pitchFamily="34" charset="0"/>
+                <a:cs typeface="Arial" panose="020B0604020202020204" pitchFamily="34" charset="0"/>
+              </a:rPr>
               <a:t>Decision Tree Analysis</a:t>
             </a:r>
             <a:r>
-              <a:rPr lang="en-US" dirty="0"/>
+              <a:rPr lang="en-US" dirty="0">
+                <a:latin typeface="Arial" panose="020B0604020202020204" pitchFamily="34" charset="0"/>
+                <a:cs typeface="Arial" panose="020B0604020202020204" pitchFamily="34" charset="0"/>
+              </a:rPr>
               <a:t> – a diagram that shows the implications of choosing one or other alternatives. </a:t>
             </a:r>
-            <a:endParaRPr lang="en-US" dirty="0" smtClean="0"/>
+            <a:endParaRPr lang="en-US" dirty="0" smtClean="0">
+              <a:latin typeface="Arial" panose="020B0604020202020204" pitchFamily="34" charset="0"/>
+              <a:cs typeface="Arial" panose="020B0604020202020204" pitchFamily="34" charset="0"/>
+            </a:endParaRPr>
           </a:p>
           <a:p>
             <a:pPr lvl="0" fontAlgn="base"/>
             <a:r>
-              <a:rPr lang="en-US" b="1" dirty="0" smtClean="0"/>
+              <a:rPr lang="en-US" b="1" dirty="0" smtClean="0">
+                <a:latin typeface="Arial" panose="020B0604020202020204" pitchFamily="34" charset="0"/>
+                <a:cs typeface="Arial" panose="020B0604020202020204" pitchFamily="34" charset="0"/>
+              </a:rPr>
               <a:t>Expected </a:t>
             </a:r>
             <a:r>
-              <a:rPr lang="en-US" b="1" dirty="0"/>
+              <a:rPr lang="en-US" b="1" dirty="0">
+                <a:latin typeface="Arial" panose="020B0604020202020204" pitchFamily="34" charset="0"/>
+                <a:cs typeface="Arial" panose="020B0604020202020204" pitchFamily="34" charset="0"/>
+              </a:rPr>
               <a:t>Monetary Value (EMV)</a:t>
             </a:r>
             <a:r>
-              <a:rPr lang="en-US" dirty="0"/>
+              <a:rPr lang="en-US" dirty="0">
+                <a:latin typeface="Arial" panose="020B0604020202020204" pitchFamily="34" charset="0"/>
+                <a:cs typeface="Arial" panose="020B0604020202020204" pitchFamily="34" charset="0"/>
+              </a:rPr>
               <a:t> – a method used to establish the contingency reserves for a project budget and schedule.</a:t>
             </a:r>
           </a:p>
           <a:p>
             <a:pPr lvl="0" fontAlgn="base"/>
             <a:r>
-              <a:rPr lang="en-US" b="1" dirty="0"/>
+              <a:rPr lang="en-US" b="1" dirty="0">
+                <a:latin typeface="Arial" panose="020B0604020202020204" pitchFamily="34" charset="0"/>
+                <a:cs typeface="Arial" panose="020B0604020202020204" pitchFamily="34" charset="0"/>
+              </a:rPr>
               <a:t>Monte Carlo Analysis</a:t>
             </a:r>
             <a:r>
-              <a:rPr lang="en-US" dirty="0"/>
+              <a:rPr lang="en-US" dirty="0">
+                <a:latin typeface="Arial" panose="020B0604020202020204" pitchFamily="34" charset="0"/>
+                <a:cs typeface="Arial" panose="020B0604020202020204" pitchFamily="34" charset="0"/>
+              </a:rPr>
               <a:t> – a technique that uses optimistic, most likely, and pessimistic estimates to determine the total project cost and project completion dates. </a:t>
             </a:r>
-            <a:endParaRPr lang="en-US" dirty="0" smtClean="0"/>
+            <a:endParaRPr lang="en-US" dirty="0" smtClean="0">
+              <a:latin typeface="Arial" panose="020B0604020202020204" pitchFamily="34" charset="0"/>
+              <a:cs typeface="Arial" panose="020B0604020202020204" pitchFamily="34" charset="0"/>
+            </a:endParaRPr>
           </a:p>
           <a:p>
             <a:pPr lvl="0" fontAlgn="base"/>
             <a:r>
-              <a:rPr lang="en-US" b="1" dirty="0" smtClean="0"/>
+              <a:rPr lang="en-US" b="1" dirty="0" smtClean="0">
+                <a:latin typeface="Arial" panose="020B0604020202020204" pitchFamily="34" charset="0"/>
+                <a:cs typeface="Arial" panose="020B0604020202020204" pitchFamily="34" charset="0"/>
+              </a:rPr>
               <a:t>Sensitivity </a:t>
             </a:r>
             <a:r>
-              <a:rPr lang="en-US" b="1" dirty="0"/>
+              <a:rPr lang="en-US" b="1" dirty="0">
+                <a:latin typeface="Arial" panose="020B0604020202020204" pitchFamily="34" charset="0"/>
+                <a:cs typeface="Arial" panose="020B0604020202020204" pitchFamily="34" charset="0"/>
+              </a:rPr>
               <a:t>Analysis</a:t>
             </a:r>
             <a:r>
-              <a:rPr lang="en-US" dirty="0"/>
+              <a:rPr lang="en-US" dirty="0">
+                <a:latin typeface="Arial" panose="020B0604020202020204" pitchFamily="34" charset="0"/>
+                <a:cs typeface="Arial" panose="020B0604020202020204" pitchFamily="34" charset="0"/>
+              </a:rPr>
               <a:t> – a technique used to determine which risks have the greatest impact on a project.</a:t>
             </a:r>
           </a:p>
           <a:p>
             <a:pPr lvl="0" fontAlgn="base"/>
             <a:r>
-              <a:rPr lang="en-US" b="1" dirty="0"/>
+              <a:rPr lang="en-US" b="1" dirty="0">
+                <a:latin typeface="Arial" panose="020B0604020202020204" pitchFamily="34" charset="0"/>
+                <a:cs typeface="Arial" panose="020B0604020202020204" pitchFamily="34" charset="0"/>
+              </a:rPr>
               <a:t>Fault Tree Analysis (FMEA)</a:t>
             </a:r>
             <a:r>
-              <a:rPr lang="en-US" dirty="0"/>
+              <a:rPr lang="en-US" dirty="0">
+                <a:latin typeface="Arial" panose="020B0604020202020204" pitchFamily="34" charset="0"/>
+                <a:cs typeface="Arial" panose="020B0604020202020204" pitchFamily="34" charset="0"/>
+              </a:rPr>
               <a:t> – the analysis of a structured diagram which identifies elements that can cause system failure.</a:t>
             </a:r>
           </a:p>
           <a:p>
-            <a:endParaRPr lang="en-US" dirty="0"/>
+            <a:endParaRPr lang="en-US" dirty="0">
+              <a:latin typeface="Arial" panose="020B0604020202020204" pitchFamily="34" charset="0"/>
+              <a:cs typeface="Arial" panose="020B0604020202020204" pitchFamily="34" charset="0"/>
+            </a:endParaRPr>
           </a:p>
         </p:txBody>
       </p:sp>
@@ -43341,19 +43644,28 @@
           <a:p>
             <a:pPr fontAlgn="base"/>
             <a:r>
-              <a:rPr lang="en-US" dirty="0"/>
+              <a:rPr lang="en-US" dirty="0">
+                <a:latin typeface="Arial" panose="020B0604020202020204" pitchFamily="34" charset="0"/>
+                <a:cs typeface="Arial" panose="020B0604020202020204" pitchFamily="34" charset="0"/>
+              </a:rPr>
               <a:t>Let’s look at a simple Expected Monetary Value (EMV) example:</a:t>
             </a:r>
           </a:p>
           <a:p>
             <a:pPr fontAlgn="base"/>
             <a:r>
-              <a:rPr lang="en-US" dirty="0"/>
+              <a:rPr lang="en-US" dirty="0">
+                <a:latin typeface="Arial" panose="020B0604020202020204" pitchFamily="34" charset="0"/>
+                <a:cs typeface="Arial" panose="020B0604020202020204" pitchFamily="34" charset="0"/>
+              </a:rPr>
               <a:t>Keep in mind that risks include both threats and opportunities. Threats have adverse impacts on cost. Opportunities are benefits that reduce cost. Expected Monetary Value = Probability x Impact.</a:t>
             </a:r>
           </a:p>
           <a:p>
-            <a:endParaRPr lang="en-US" dirty="0"/>
+            <a:endParaRPr lang="en-US" dirty="0">
+              <a:latin typeface="Arial" panose="020B0604020202020204" pitchFamily="34" charset="0"/>
+              <a:cs typeface="Arial" panose="020B0604020202020204" pitchFamily="34" charset="0"/>
+            </a:endParaRPr>
           </a:p>
         </p:txBody>
       </p:sp>
@@ -43405,12 +43717,12 @@
                         </a:spcAft>
                       </a:pPr>
                       <a:r>
-                        <a:rPr lang="en-US" sz="1200">
+                        <a:rPr lang="en-US" sz="1200" dirty="0">
                           <a:effectLst/>
                         </a:rPr>
                         <a:t>Risk</a:t>
                       </a:r>
-                      <a:endParaRPr lang="en-US" sz="1100">
+                      <a:endParaRPr lang="en-US" sz="1100" dirty="0">
                         <a:effectLst/>
                         <a:latin typeface="Calibri" panose="020F0502020204030204" pitchFamily="34" charset="0"/>
                         <a:ea typeface="Calibri" panose="020F0502020204030204" pitchFamily="34" charset="0"/>
@@ -44076,7 +44388,7 @@
           <p:cNvPr id="2" name="Title 1">
             <a:extLst>
               <a:ext uri="{FF2B5EF4-FFF2-40B4-BE49-F238E27FC236}">
-                <a16:creationId xmlns:a16="http://schemas.microsoft.com/office/drawing/2014/main" xmlns="" id="{FB9500EA-79DA-44C2-A119-07E105C43C99}"/>
+                <a16:creationId xmlns="" xmlns:a16="http://schemas.microsoft.com/office/drawing/2014/main" id="{FB9500EA-79DA-44C2-A119-07E105C43C99}"/>
               </a:ext>
             </a:extLst>
           </p:cNvPr>
@@ -44104,7 +44416,7 @@
           <p:cNvPr id="3" name="Content Placeholder 2">
             <a:extLst>
               <a:ext uri="{FF2B5EF4-FFF2-40B4-BE49-F238E27FC236}">
-                <a16:creationId xmlns:a16="http://schemas.microsoft.com/office/drawing/2014/main" xmlns="" id="{86FE0847-AF1F-4C59-853A-E624B683C708}"/>
+                <a16:creationId xmlns="" xmlns:a16="http://schemas.microsoft.com/office/drawing/2014/main" id="{86FE0847-AF1F-4C59-853A-E624B683C708}"/>
               </a:ext>
             </a:extLst>
           </p:cNvPr>
@@ -44228,7 +44540,7 @@
           <p:cNvPr id="2" name="Title 1">
             <a:extLst>
               <a:ext uri="{FF2B5EF4-FFF2-40B4-BE49-F238E27FC236}">
-                <a16:creationId xmlns:a16="http://schemas.microsoft.com/office/drawing/2014/main" xmlns="" id="{516D23C8-5582-4A79-BA46-D5896BD99290}"/>
+                <a16:creationId xmlns="" xmlns:a16="http://schemas.microsoft.com/office/drawing/2014/main" id="{516D23C8-5582-4A79-BA46-D5896BD99290}"/>
               </a:ext>
             </a:extLst>
           </p:cNvPr>
@@ -44256,7 +44568,7 @@
           <p:cNvPr id="3" name="Content Placeholder 2">
             <a:extLst>
               <a:ext uri="{FF2B5EF4-FFF2-40B4-BE49-F238E27FC236}">
-                <a16:creationId xmlns:a16="http://schemas.microsoft.com/office/drawing/2014/main" xmlns="" id="{572CA650-3786-4191-8034-815C99E97112}"/>
+                <a16:creationId xmlns="" xmlns:a16="http://schemas.microsoft.com/office/drawing/2014/main" id="{572CA650-3786-4191-8034-815C99E97112}"/>
               </a:ext>
             </a:extLst>
           </p:cNvPr>
@@ -44392,7 +44704,7 @@
           <p:cNvPr id="2" name="Title 1">
             <a:extLst>
               <a:ext uri="{FF2B5EF4-FFF2-40B4-BE49-F238E27FC236}">
-                <a16:creationId xmlns:a16="http://schemas.microsoft.com/office/drawing/2014/main" xmlns="" id="{63F04339-217A-415E-AC14-5866F8FB19FF}"/>
+                <a16:creationId xmlns="" xmlns:a16="http://schemas.microsoft.com/office/drawing/2014/main" id="{63F04339-217A-415E-AC14-5866F8FB19FF}"/>
               </a:ext>
             </a:extLst>
           </p:cNvPr>
@@ -44423,7 +44735,7 @@
           <p:cNvPr id="3" name="Content Placeholder 2">
             <a:extLst>
               <a:ext uri="{FF2B5EF4-FFF2-40B4-BE49-F238E27FC236}">
-                <a16:creationId xmlns:a16="http://schemas.microsoft.com/office/drawing/2014/main" xmlns="" id="{30C64DA3-8DD5-4827-91E6-A54C96CC2E9E}"/>
+                <a16:creationId xmlns="" xmlns:a16="http://schemas.microsoft.com/office/drawing/2014/main" id="{30C64DA3-8DD5-4827-91E6-A54C96CC2E9E}"/>
               </a:ext>
             </a:extLst>
           </p:cNvPr>
@@ -44541,7 +44853,7 @@
           <p:cNvPr id="2" name="Title 1">
             <a:extLst>
               <a:ext uri="{FF2B5EF4-FFF2-40B4-BE49-F238E27FC236}">
-                <a16:creationId xmlns:a16="http://schemas.microsoft.com/office/drawing/2014/main" xmlns="" id="{231C6901-B410-48AC-9E9B-755C82E4B5A4}"/>
+                <a16:creationId xmlns="" xmlns:a16="http://schemas.microsoft.com/office/drawing/2014/main" id="{231C6901-B410-48AC-9E9B-755C82E4B5A4}"/>
               </a:ext>
             </a:extLst>
           </p:cNvPr>
@@ -44569,7 +44881,7 @@
           <p:cNvPr id="3" name="Content Placeholder 2">
             <a:extLst>
               <a:ext uri="{FF2B5EF4-FFF2-40B4-BE49-F238E27FC236}">
-                <a16:creationId xmlns:a16="http://schemas.microsoft.com/office/drawing/2014/main" xmlns="" id="{35D76BC1-1376-4FD7-B9AA-FDF9CE651D72}"/>
+                <a16:creationId xmlns="" xmlns:a16="http://schemas.microsoft.com/office/drawing/2014/main" id="{35D76BC1-1376-4FD7-B9AA-FDF9CE651D72}"/>
               </a:ext>
             </a:extLst>
           </p:cNvPr>
@@ -44750,7 +45062,7 @@
           <p:cNvPr id="2" name="Title 1">
             <a:extLst>
               <a:ext uri="{FF2B5EF4-FFF2-40B4-BE49-F238E27FC236}">
-                <a16:creationId xmlns:a16="http://schemas.microsoft.com/office/drawing/2014/main" xmlns="" id="{AB0E7A9B-A41D-442E-802D-434172309D2A}"/>
+                <a16:creationId xmlns="" xmlns:a16="http://schemas.microsoft.com/office/drawing/2014/main" id="{AB0E7A9B-A41D-442E-802D-434172309D2A}"/>
               </a:ext>
             </a:extLst>
           </p:cNvPr>
@@ -44778,7 +45090,7 @@
           <p:cNvPr id="3" name="Content Placeholder 2">
             <a:extLst>
               <a:ext uri="{FF2B5EF4-FFF2-40B4-BE49-F238E27FC236}">
-                <a16:creationId xmlns:a16="http://schemas.microsoft.com/office/drawing/2014/main" xmlns="" id="{0521ED67-64D5-4B3C-AE59-AA02C5781830}"/>
+                <a16:creationId xmlns="" xmlns:a16="http://schemas.microsoft.com/office/drawing/2014/main" id="{0521ED67-64D5-4B3C-AE59-AA02C5781830}"/>
               </a:ext>
             </a:extLst>
           </p:cNvPr>
@@ -44936,7 +45248,7 @@
           <p:cNvPr id="2" name="Title 1">
             <a:extLst>
               <a:ext uri="{FF2B5EF4-FFF2-40B4-BE49-F238E27FC236}">
-                <a16:creationId xmlns:a16="http://schemas.microsoft.com/office/drawing/2014/main" xmlns="" id="{F59F8DBE-CC60-47A6-AE57-E8A2BD56FB72}"/>
+                <a16:creationId xmlns="" xmlns:a16="http://schemas.microsoft.com/office/drawing/2014/main" id="{F59F8DBE-CC60-47A6-AE57-E8A2BD56FB72}"/>
               </a:ext>
             </a:extLst>
           </p:cNvPr>
@@ -44961,7 +45273,7 @@
           <p:cNvPr id="3" name="Content Placeholder 2">
             <a:extLst>
               <a:ext uri="{FF2B5EF4-FFF2-40B4-BE49-F238E27FC236}">
-                <a16:creationId xmlns:a16="http://schemas.microsoft.com/office/drawing/2014/main" xmlns="" id="{53EA9189-7F2B-4F4F-91C7-BBBD9E0737B6}"/>
+                <a16:creationId xmlns="" xmlns:a16="http://schemas.microsoft.com/office/drawing/2014/main" id="{53EA9189-7F2B-4F4F-91C7-BBBD9E0737B6}"/>
               </a:ext>
             </a:extLst>
           </p:cNvPr>
@@ -45123,7 +45435,7 @@
           <p:cNvPr id="2" name="Title 1">
             <a:extLst>
               <a:ext uri="{FF2B5EF4-FFF2-40B4-BE49-F238E27FC236}">
-                <a16:creationId xmlns:a16="http://schemas.microsoft.com/office/drawing/2014/main" xmlns="" id="{4BA4256F-123A-42FD-8126-7A06207A234B}"/>
+                <a16:creationId xmlns="" xmlns:a16="http://schemas.microsoft.com/office/drawing/2014/main" id="{4BA4256F-123A-42FD-8126-7A06207A234B}"/>
               </a:ext>
             </a:extLst>
           </p:cNvPr>
@@ -45151,7 +45463,7 @@
           <p:cNvPr id="4" name="Content Placeholder 3" descr="Kết quả hình ảnh cho risk monitoring and control example">
             <a:extLst>
               <a:ext uri="{FF2B5EF4-FFF2-40B4-BE49-F238E27FC236}">
-                <a16:creationId xmlns:a16="http://schemas.microsoft.com/office/drawing/2014/main" xmlns="" id="{B38E1AE8-648D-48E3-BBB0-468A462E4A69}"/>
+                <a16:creationId xmlns="" xmlns:a16="http://schemas.microsoft.com/office/drawing/2014/main" id="{B38E1AE8-648D-48E3-BBB0-468A462E4A69}"/>
               </a:ext>
             </a:extLst>
           </p:cNvPr>
@@ -45224,7 +45536,7 @@
           <p:cNvPr id="2" name="Title 1">
             <a:extLst>
               <a:ext uri="{FF2B5EF4-FFF2-40B4-BE49-F238E27FC236}">
-                <a16:creationId xmlns:a16="http://schemas.microsoft.com/office/drawing/2014/main" xmlns="" id="{2BC5D4E0-41C8-4FA2-A66A-F09786E06648}"/>
+                <a16:creationId xmlns="" xmlns:a16="http://schemas.microsoft.com/office/drawing/2014/main" id="{2BC5D4E0-41C8-4FA2-A66A-F09786E06648}"/>
               </a:ext>
             </a:extLst>
           </p:cNvPr>
@@ -45252,7 +45564,7 @@
           <p:cNvPr id="3" name="Content Placeholder 2">
             <a:extLst>
               <a:ext uri="{FF2B5EF4-FFF2-40B4-BE49-F238E27FC236}">
-                <a16:creationId xmlns:a16="http://schemas.microsoft.com/office/drawing/2014/main" xmlns="" id="{8A2DBCEE-68E5-4C62-B918-17510E9C8E7F}"/>
+                <a16:creationId xmlns="" xmlns:a16="http://schemas.microsoft.com/office/drawing/2014/main" id="{8A2DBCEE-68E5-4C62-B918-17510E9C8E7F}"/>
               </a:ext>
             </a:extLst>
           </p:cNvPr>
@@ -45368,7 +45680,7 @@
           <p:cNvPr id="2" name="Title 1">
             <a:extLst>
               <a:ext uri="{FF2B5EF4-FFF2-40B4-BE49-F238E27FC236}">
-                <a16:creationId xmlns:a16="http://schemas.microsoft.com/office/drawing/2014/main" xmlns="" id="{977575E0-58F7-4A8F-A961-B1C0490FDFE8}"/>
+                <a16:creationId xmlns="" xmlns:a16="http://schemas.microsoft.com/office/drawing/2014/main" id="{977575E0-58F7-4A8F-A961-B1C0490FDFE8}"/>
               </a:ext>
             </a:extLst>
           </p:cNvPr>
@@ -45396,7 +45708,7 @@
           <p:cNvPr id="3" name="Content Placeholder 2">
             <a:extLst>
               <a:ext uri="{FF2B5EF4-FFF2-40B4-BE49-F238E27FC236}">
-                <a16:creationId xmlns:a16="http://schemas.microsoft.com/office/drawing/2014/main" xmlns="" id="{3E28F48C-28D7-413A-897E-5166534FFECC}"/>
+                <a16:creationId xmlns="" xmlns:a16="http://schemas.microsoft.com/office/drawing/2014/main" id="{3E28F48C-28D7-413A-897E-5166534FFECC}"/>
               </a:ext>
             </a:extLst>
           </p:cNvPr>
@@ -45493,7 +45805,7 @@
           <p:cNvPr id="2" name="Title 1">
             <a:extLst>
               <a:ext uri="{FF2B5EF4-FFF2-40B4-BE49-F238E27FC236}">
-                <a16:creationId xmlns:a16="http://schemas.microsoft.com/office/drawing/2014/main" xmlns="" id="{42935865-1EF5-488F-B792-D673A2B10F9C}"/>
+                <a16:creationId xmlns="" xmlns:a16="http://schemas.microsoft.com/office/drawing/2014/main" id="{42935865-1EF5-488F-B792-D673A2B10F9C}"/>
               </a:ext>
             </a:extLst>
           </p:cNvPr>
@@ -45521,7 +45833,7 @@
           <p:cNvPr id="4" name="Content Placeholder 3" descr="Kết quả hình ảnh cho risk monitoring and control">
             <a:extLst>
               <a:ext uri="{FF2B5EF4-FFF2-40B4-BE49-F238E27FC236}">
-                <a16:creationId xmlns:a16="http://schemas.microsoft.com/office/drawing/2014/main" xmlns="" id="{A60D8559-5158-4653-844F-FD057CBC21A9}"/>
+                <a16:creationId xmlns="" xmlns:a16="http://schemas.microsoft.com/office/drawing/2014/main" id="{A60D8559-5158-4653-844F-FD057CBC21A9}"/>
               </a:ext>
             </a:extLst>
           </p:cNvPr>
@@ -45594,7 +45906,7 @@
           <p:cNvPr id="2" name="Title 1">
             <a:extLst>
               <a:ext uri="{FF2B5EF4-FFF2-40B4-BE49-F238E27FC236}">
-                <a16:creationId xmlns:a16="http://schemas.microsoft.com/office/drawing/2014/main" xmlns="" id="{10F52F6A-5317-48C3-AA1E-E69C5C0B475A}"/>
+                <a16:creationId xmlns="" xmlns:a16="http://schemas.microsoft.com/office/drawing/2014/main" id="{10F52F6A-5317-48C3-AA1E-E69C5C0B475A}"/>
               </a:ext>
             </a:extLst>
           </p:cNvPr>
@@ -45625,7 +45937,7 @@
           <p:cNvPr id="3" name="Content Placeholder 2">
             <a:extLst>
               <a:ext uri="{FF2B5EF4-FFF2-40B4-BE49-F238E27FC236}">
-                <a16:creationId xmlns:a16="http://schemas.microsoft.com/office/drawing/2014/main" xmlns="" id="{ED2F350C-540D-4BE5-955F-687F42E7C797}"/>
+                <a16:creationId xmlns="" xmlns:a16="http://schemas.microsoft.com/office/drawing/2014/main" id="{ED2F350C-540D-4BE5-955F-687F42E7C797}"/>
               </a:ext>
             </a:extLst>
           </p:cNvPr>
@@ -45715,7 +46027,7 @@
           <p:cNvPr id="2" name="Title 1">
             <a:extLst>
               <a:ext uri="{FF2B5EF4-FFF2-40B4-BE49-F238E27FC236}">
-                <a16:creationId xmlns:a16="http://schemas.microsoft.com/office/drawing/2014/main" xmlns="" id="{FFA541E9-9EA8-4D92-828D-FF7D9FEF555C}"/>
+                <a16:creationId xmlns="" xmlns:a16="http://schemas.microsoft.com/office/drawing/2014/main" id="{FFA541E9-9EA8-4D92-828D-FF7D9FEF555C}"/>
               </a:ext>
             </a:extLst>
           </p:cNvPr>
@@ -45780,7 +46092,7 @@
           <p:cNvPr id="2" name="Title 1">
             <a:extLst>
               <a:ext uri="{FF2B5EF4-FFF2-40B4-BE49-F238E27FC236}">
-                <a16:creationId xmlns:a16="http://schemas.microsoft.com/office/drawing/2014/main" xmlns="" id="{8ACC4731-7024-4C30-AD18-44D09D635A0F}"/>
+                <a16:creationId xmlns="" xmlns:a16="http://schemas.microsoft.com/office/drawing/2014/main" id="{8ACC4731-7024-4C30-AD18-44D09D635A0F}"/>
               </a:ext>
             </a:extLst>
           </p:cNvPr>
@@ -45808,7 +46120,7 @@
           <p:cNvPr id="3" name="Content Placeholder 2">
             <a:extLst>
               <a:ext uri="{FF2B5EF4-FFF2-40B4-BE49-F238E27FC236}">
-                <a16:creationId xmlns:a16="http://schemas.microsoft.com/office/drawing/2014/main" xmlns="" id="{6AA6F14F-2383-4845-8714-04BF103E05B6}"/>
+                <a16:creationId xmlns="" xmlns:a16="http://schemas.microsoft.com/office/drawing/2014/main" id="{6AA6F14F-2383-4845-8714-04BF103E05B6}"/>
               </a:ext>
             </a:extLst>
           </p:cNvPr>
@@ -45887,7 +46199,7 @@
           <p:cNvPr id="2" name="Title 1">
             <a:extLst>
               <a:ext uri="{FF2B5EF4-FFF2-40B4-BE49-F238E27FC236}">
-                <a16:creationId xmlns:a16="http://schemas.microsoft.com/office/drawing/2014/main" xmlns="" id="{821EBD7B-E782-4363-A4CF-C3934671F779}"/>
+                <a16:creationId xmlns="" xmlns:a16="http://schemas.microsoft.com/office/drawing/2014/main" id="{821EBD7B-E782-4363-A4CF-C3934671F779}"/>
               </a:ext>
             </a:extLst>
           </p:cNvPr>
@@ -45915,7 +46227,7 @@
           <p:cNvPr id="3" name="Content Placeholder 2">
             <a:extLst>
               <a:ext uri="{FF2B5EF4-FFF2-40B4-BE49-F238E27FC236}">
-                <a16:creationId xmlns:a16="http://schemas.microsoft.com/office/drawing/2014/main" xmlns="" id="{F81D5BA5-61C3-44DA-A6FB-E92E017B1B04}"/>
+                <a16:creationId xmlns="" xmlns:a16="http://schemas.microsoft.com/office/drawing/2014/main" id="{F81D5BA5-61C3-44DA-A6FB-E92E017B1B04}"/>
               </a:ext>
             </a:extLst>
           </p:cNvPr>
@@ -46040,7 +46352,7 @@
           <p:cNvPr id="2" name="Title 1">
             <a:extLst>
               <a:ext uri="{FF2B5EF4-FFF2-40B4-BE49-F238E27FC236}">
-                <a16:creationId xmlns:a16="http://schemas.microsoft.com/office/drawing/2014/main" xmlns="" id="{A0D5578D-94AE-4863-A226-5C1949480AC1}"/>
+                <a16:creationId xmlns="" xmlns:a16="http://schemas.microsoft.com/office/drawing/2014/main" id="{A0D5578D-94AE-4863-A226-5C1949480AC1}"/>
               </a:ext>
             </a:extLst>
           </p:cNvPr>
@@ -46068,7 +46380,7 @@
           <p:cNvPr id="3" name="Content Placeholder 2">
             <a:extLst>
               <a:ext uri="{FF2B5EF4-FFF2-40B4-BE49-F238E27FC236}">
-                <a16:creationId xmlns:a16="http://schemas.microsoft.com/office/drawing/2014/main" xmlns="" id="{F60FA422-85D3-4D8E-9C8F-4ED7610252B3}"/>
+                <a16:creationId xmlns="" xmlns:a16="http://schemas.microsoft.com/office/drawing/2014/main" id="{F60FA422-85D3-4D8E-9C8F-4ED7610252B3}"/>
               </a:ext>
             </a:extLst>
           </p:cNvPr>
@@ -46101,11 +46413,7 @@
             </a:r>
             <a:r>
               <a:rPr lang="en-US" b="1" dirty="0" smtClean="0"/>
-              <a:t>planning</a:t>
-            </a:r>
-            <a:r>
-              <a:rPr lang="en-US" b="1" dirty="0" smtClean="0"/>
-              <a:t> </a:t>
+              <a:t>planning </a:t>
             </a:r>
             <a:r>
               <a:rPr lang="en-US" b="1" dirty="0"/>

--- a/SEMINAR PROJECT MANAGENMENT.pptx
+++ b/SEMINAR PROJECT MANAGENMENT.pptx
@@ -3575,7 +3575,7 @@
           <p:cNvPr id="7" name="Group 6" descr="Shrubs on seashore">
             <a:extLst>
               <a:ext uri="{FF2B5EF4-FFF2-40B4-BE49-F238E27FC236}">
-                <a16:creationId xmlns="" xmlns:a16="http://schemas.microsoft.com/office/drawing/2014/main" id="{32ABC1A6-8856-41D7-BF42-7ED8D4AC1C81}"/>
+                <a16:creationId xmlns:a16="http://schemas.microsoft.com/office/drawing/2014/main" xmlns="" id="{32ABC1A6-8856-41D7-BF42-7ED8D4AC1C81}"/>
               </a:ext>
             </a:extLst>
           </p:cNvPr>
@@ -37674,7 +37674,7 @@
           <p:cNvPr id="2" name="Title 1">
             <a:extLst>
               <a:ext uri="{FF2B5EF4-FFF2-40B4-BE49-F238E27FC236}">
-                <a16:creationId xmlns="" xmlns:a16="http://schemas.microsoft.com/office/drawing/2014/main" id="{60A3032F-5AF9-4605-A9FF-7A2691055D47}"/>
+                <a16:creationId xmlns:a16="http://schemas.microsoft.com/office/drawing/2014/main" xmlns="" id="{60A3032F-5AF9-4605-A9FF-7A2691055D47}"/>
               </a:ext>
             </a:extLst>
           </p:cNvPr>
@@ -37702,7 +37702,7 @@
           <p:cNvPr id="3" name="Content Placeholder 2">
             <a:extLst>
               <a:ext uri="{FF2B5EF4-FFF2-40B4-BE49-F238E27FC236}">
-                <a16:creationId xmlns="" xmlns:a16="http://schemas.microsoft.com/office/drawing/2014/main" id="{E0AA14E8-B8BA-42A3-979B-16D2AEF1E562}"/>
+                <a16:creationId xmlns:a16="http://schemas.microsoft.com/office/drawing/2014/main" xmlns="" id="{E0AA14E8-B8BA-42A3-979B-16D2AEF1E562}"/>
               </a:ext>
             </a:extLst>
           </p:cNvPr>
@@ -37833,7 +37833,7 @@
           <p:cNvPr id="2" name="Title 1">
             <a:extLst>
               <a:ext uri="{FF2B5EF4-FFF2-40B4-BE49-F238E27FC236}">
-                <a16:creationId xmlns="" xmlns:a16="http://schemas.microsoft.com/office/drawing/2014/main" id="{8EE0ED8A-E301-4C5F-9D01-45BE7A7E1540}"/>
+                <a16:creationId xmlns:a16="http://schemas.microsoft.com/office/drawing/2014/main" xmlns="" id="{8EE0ED8A-E301-4C5F-9D01-45BE7A7E1540}"/>
               </a:ext>
             </a:extLst>
           </p:cNvPr>
@@ -37861,7 +37861,7 @@
           <p:cNvPr id="3" name="Content Placeholder 2">
             <a:extLst>
               <a:ext uri="{FF2B5EF4-FFF2-40B4-BE49-F238E27FC236}">
-                <a16:creationId xmlns="" xmlns:a16="http://schemas.microsoft.com/office/drawing/2014/main" id="{8A017090-2EE2-49BA-B03D-E08DEE51873C}"/>
+                <a16:creationId xmlns:a16="http://schemas.microsoft.com/office/drawing/2014/main" xmlns="" id="{8A017090-2EE2-49BA-B03D-E08DEE51873C}"/>
               </a:ext>
             </a:extLst>
           </p:cNvPr>
@@ -37939,7 +37939,7 @@
           <p:cNvPr id="2" name="Title 1">
             <a:extLst>
               <a:ext uri="{FF2B5EF4-FFF2-40B4-BE49-F238E27FC236}">
-                <a16:creationId xmlns="" xmlns:a16="http://schemas.microsoft.com/office/drawing/2014/main" id="{BFE5C49B-0B46-4966-A8EA-EC0713AA9309}"/>
+                <a16:creationId xmlns:a16="http://schemas.microsoft.com/office/drawing/2014/main" xmlns="" id="{BFE5C49B-0B46-4966-A8EA-EC0713AA9309}"/>
               </a:ext>
             </a:extLst>
           </p:cNvPr>
@@ -37967,7 +37967,7 @@
           <p:cNvPr id="3" name="Content Placeholder 2">
             <a:extLst>
               <a:ext uri="{FF2B5EF4-FFF2-40B4-BE49-F238E27FC236}">
-                <a16:creationId xmlns="" xmlns:a16="http://schemas.microsoft.com/office/drawing/2014/main" id="{0D555A8F-4B69-4348-8BE0-3D703279B4A7}"/>
+                <a16:creationId xmlns:a16="http://schemas.microsoft.com/office/drawing/2014/main" xmlns="" id="{0D555A8F-4B69-4348-8BE0-3D703279B4A7}"/>
               </a:ext>
             </a:extLst>
           </p:cNvPr>
@@ -38064,7 +38064,7 @@
           <p:cNvPr id="2" name="Title 1">
             <a:extLst>
               <a:ext uri="{FF2B5EF4-FFF2-40B4-BE49-F238E27FC236}">
-                <a16:creationId xmlns="" xmlns:a16="http://schemas.microsoft.com/office/drawing/2014/main" id="{3A0FA896-1B48-40D9-AE82-EEA7CD2EC20B}"/>
+                <a16:creationId xmlns:a16="http://schemas.microsoft.com/office/drawing/2014/main" xmlns="" id="{3A0FA896-1B48-40D9-AE82-EEA7CD2EC20B}"/>
               </a:ext>
             </a:extLst>
           </p:cNvPr>
@@ -38092,7 +38092,7 @@
           <p:cNvPr id="5" name="Picture 4">
             <a:extLst>
               <a:ext uri="{FF2B5EF4-FFF2-40B4-BE49-F238E27FC236}">
-                <a16:creationId xmlns="" xmlns:a16="http://schemas.microsoft.com/office/drawing/2014/main" id="{4BDEB431-EE99-44C6-AB5F-EE177260D8E8}"/>
+                <a16:creationId xmlns:a16="http://schemas.microsoft.com/office/drawing/2014/main" xmlns="" id="{4BDEB431-EE99-44C6-AB5F-EE177260D8E8}"/>
               </a:ext>
             </a:extLst>
           </p:cNvPr>
@@ -38152,7 +38152,7 @@
           <p:cNvPr id="7" name="Title 6">
             <a:extLst>
               <a:ext uri="{FF2B5EF4-FFF2-40B4-BE49-F238E27FC236}">
-                <a16:creationId xmlns="" xmlns:a16="http://schemas.microsoft.com/office/drawing/2014/main" id="{CFD16207-6C0C-4C03-B32E-1B0D41CEAB55}"/>
+                <a16:creationId xmlns:a16="http://schemas.microsoft.com/office/drawing/2014/main" xmlns="" id="{CFD16207-6C0C-4C03-B32E-1B0D41CEAB55}"/>
               </a:ext>
             </a:extLst>
           </p:cNvPr>
@@ -38180,7 +38180,7 @@
           <p:cNvPr id="8" name="Content Placeholder 7">
             <a:extLst>
               <a:ext uri="{FF2B5EF4-FFF2-40B4-BE49-F238E27FC236}">
-                <a16:creationId xmlns="" xmlns:a16="http://schemas.microsoft.com/office/drawing/2014/main" id="{DBA70078-A79D-4C38-A641-CCD8383F54DA}"/>
+                <a16:creationId xmlns:a16="http://schemas.microsoft.com/office/drawing/2014/main" xmlns="" id="{DBA70078-A79D-4C38-A641-CCD8383F54DA}"/>
               </a:ext>
             </a:extLst>
           </p:cNvPr>
@@ -38258,7 +38258,7 @@
           <p:cNvPr id="2" name="Title 1">
             <a:extLst>
               <a:ext uri="{FF2B5EF4-FFF2-40B4-BE49-F238E27FC236}">
-                <a16:creationId xmlns="" xmlns:a16="http://schemas.microsoft.com/office/drawing/2014/main" id="{AAF3487D-DA55-45D0-A265-DEC106909C5D}"/>
+                <a16:creationId xmlns:a16="http://schemas.microsoft.com/office/drawing/2014/main" xmlns="" id="{AAF3487D-DA55-45D0-A265-DEC106909C5D}"/>
               </a:ext>
             </a:extLst>
           </p:cNvPr>
@@ -38286,7 +38286,7 @@
           <p:cNvPr id="4" name="Content Placeholder 3">
             <a:extLst>
               <a:ext uri="{FF2B5EF4-FFF2-40B4-BE49-F238E27FC236}">
-                <a16:creationId xmlns="" xmlns:a16="http://schemas.microsoft.com/office/drawing/2014/main" id="{DC4ADC4C-F57A-4100-8DE2-4699FDA0C156}"/>
+                <a16:creationId xmlns:a16="http://schemas.microsoft.com/office/drawing/2014/main" xmlns="" id="{DC4ADC4C-F57A-4100-8DE2-4699FDA0C156}"/>
               </a:ext>
             </a:extLst>
           </p:cNvPr>
@@ -38316,14 +38316,14 @@
                 <a:gridCol w="3789142">
                   <a:extLst>
                     <a:ext uri="{9D8B030D-6E8A-4147-A177-3AD203B41FA5}">
-                      <a16:colId xmlns="" xmlns:a16="http://schemas.microsoft.com/office/drawing/2014/main" val="1872366866"/>
+                      <a16:colId xmlns:a16="http://schemas.microsoft.com/office/drawing/2014/main" xmlns="" val="1872366866"/>
                     </a:ext>
                   </a:extLst>
                 </a:gridCol>
                 <a:gridCol w="3777518">
                   <a:extLst>
                     <a:ext uri="{9D8B030D-6E8A-4147-A177-3AD203B41FA5}">
-                      <a16:colId xmlns="" xmlns:a16="http://schemas.microsoft.com/office/drawing/2014/main" val="1432793745"/>
+                      <a16:colId xmlns:a16="http://schemas.microsoft.com/office/drawing/2014/main" xmlns="" val="1432793745"/>
                     </a:ext>
                   </a:extLst>
                 </a:gridCol>
@@ -38395,7 +38395,7 @@
                 </a:tc>
                 <a:extLst>
                   <a:ext uri="{0D108BD9-81ED-4DB2-BD59-A6C34878D82A}">
-                    <a16:rowId xmlns="" xmlns:a16="http://schemas.microsoft.com/office/drawing/2014/main" val="4111070796"/>
+                    <a16:rowId xmlns:a16="http://schemas.microsoft.com/office/drawing/2014/main" xmlns="" val="4111070796"/>
                   </a:ext>
                 </a:extLst>
               </a:tr>
@@ -38522,7 +38522,7 @@
                 </a:tc>
                 <a:extLst>
                   <a:ext uri="{0D108BD9-81ED-4DB2-BD59-A6C34878D82A}">
-                    <a16:rowId xmlns="" xmlns:a16="http://schemas.microsoft.com/office/drawing/2014/main" val="1157659401"/>
+                    <a16:rowId xmlns:a16="http://schemas.microsoft.com/office/drawing/2014/main" xmlns="" val="1157659401"/>
                   </a:ext>
                 </a:extLst>
               </a:tr>
@@ -38649,7 +38649,7 @@
                 </a:tc>
                 <a:extLst>
                   <a:ext uri="{0D108BD9-81ED-4DB2-BD59-A6C34878D82A}">
-                    <a16:rowId xmlns="" xmlns:a16="http://schemas.microsoft.com/office/drawing/2014/main" val="3854350339"/>
+                    <a16:rowId xmlns:a16="http://schemas.microsoft.com/office/drawing/2014/main" xmlns="" val="3854350339"/>
                   </a:ext>
                 </a:extLst>
               </a:tr>
@@ -38751,7 +38751,7 @@
                 </a:tc>
                 <a:extLst>
                   <a:ext uri="{0D108BD9-81ED-4DB2-BD59-A6C34878D82A}">
-                    <a16:rowId xmlns="" xmlns:a16="http://schemas.microsoft.com/office/drawing/2014/main" val="818746946"/>
+                    <a16:rowId xmlns:a16="http://schemas.microsoft.com/office/drawing/2014/main" xmlns="" val="818746946"/>
                   </a:ext>
                 </a:extLst>
               </a:tr>
@@ -38794,7 +38794,7 @@
           <p:cNvPr id="2" name="Title 1">
             <a:extLst>
               <a:ext uri="{FF2B5EF4-FFF2-40B4-BE49-F238E27FC236}">
-                <a16:creationId xmlns="" xmlns:a16="http://schemas.microsoft.com/office/drawing/2014/main" id="{5DA6D9FD-E6EE-4F33-97AE-69A280152054}"/>
+                <a16:creationId xmlns:a16="http://schemas.microsoft.com/office/drawing/2014/main" xmlns="" id="{5DA6D9FD-E6EE-4F33-97AE-69A280152054}"/>
               </a:ext>
             </a:extLst>
           </p:cNvPr>
@@ -38822,7 +38822,7 @@
           <p:cNvPr id="3" name="Content Placeholder 2">
             <a:extLst>
               <a:ext uri="{FF2B5EF4-FFF2-40B4-BE49-F238E27FC236}">
-                <a16:creationId xmlns="" xmlns:a16="http://schemas.microsoft.com/office/drawing/2014/main" id="{5E49514A-A27B-4E67-8B29-080ABAB40CB4}"/>
+                <a16:creationId xmlns:a16="http://schemas.microsoft.com/office/drawing/2014/main" xmlns="" id="{5E49514A-A27B-4E67-8B29-080ABAB40CB4}"/>
               </a:ext>
             </a:extLst>
           </p:cNvPr>
@@ -38885,7 +38885,7 @@
           <p:cNvPr id="2" name="Title 1">
             <a:extLst>
               <a:ext uri="{FF2B5EF4-FFF2-40B4-BE49-F238E27FC236}">
-                <a16:creationId xmlns="" xmlns:a16="http://schemas.microsoft.com/office/drawing/2014/main" id="{EFEFBA1F-00CD-4B90-B7C1-FF4E6A242CA3}"/>
+                <a16:creationId xmlns:a16="http://schemas.microsoft.com/office/drawing/2014/main" xmlns="" id="{EFEFBA1F-00CD-4B90-B7C1-FF4E6A242CA3}"/>
               </a:ext>
             </a:extLst>
           </p:cNvPr>
@@ -38913,7 +38913,7 @@
           <p:cNvPr id="3" name="Content Placeholder 2">
             <a:extLst>
               <a:ext uri="{FF2B5EF4-FFF2-40B4-BE49-F238E27FC236}">
-                <a16:creationId xmlns="" xmlns:a16="http://schemas.microsoft.com/office/drawing/2014/main" id="{B09139E6-136D-47C6-8870-0AA416D4457E}"/>
+                <a16:creationId xmlns:a16="http://schemas.microsoft.com/office/drawing/2014/main" xmlns="" id="{B09139E6-136D-47C6-8870-0AA416D4457E}"/>
               </a:ext>
             </a:extLst>
           </p:cNvPr>
@@ -39006,7 +39006,7 @@
           <p:cNvPr id="2" name="Title 1">
             <a:extLst>
               <a:ext uri="{FF2B5EF4-FFF2-40B4-BE49-F238E27FC236}">
-                <a16:creationId xmlns="" xmlns:a16="http://schemas.microsoft.com/office/drawing/2014/main" id="{698680FB-35CD-40A1-A23B-02902A2F9A75}"/>
+                <a16:creationId xmlns:a16="http://schemas.microsoft.com/office/drawing/2014/main" xmlns="" id="{698680FB-35CD-40A1-A23B-02902A2F9A75}"/>
               </a:ext>
             </a:extLst>
           </p:cNvPr>
@@ -39034,7 +39034,7 @@
           <p:cNvPr id="5" name="Content Placeholder 4">
             <a:extLst>
               <a:ext uri="{FF2B5EF4-FFF2-40B4-BE49-F238E27FC236}">
-                <a16:creationId xmlns="" xmlns:a16="http://schemas.microsoft.com/office/drawing/2014/main" id="{13D6317E-A779-44FB-8E12-9583114BE072}"/>
+                <a16:creationId xmlns:a16="http://schemas.microsoft.com/office/drawing/2014/main" xmlns="" id="{13D6317E-A779-44FB-8E12-9583114BE072}"/>
               </a:ext>
             </a:extLst>
           </p:cNvPr>
@@ -39093,7 +39093,7 @@
           <p:cNvPr id="2" name="Title 1">
             <a:extLst>
               <a:ext uri="{FF2B5EF4-FFF2-40B4-BE49-F238E27FC236}">
-                <a16:creationId xmlns="" xmlns:a16="http://schemas.microsoft.com/office/drawing/2014/main" id="{6176A1BA-13A3-42BF-869F-979F92570806}"/>
+                <a16:creationId xmlns:a16="http://schemas.microsoft.com/office/drawing/2014/main" xmlns="" id="{6176A1BA-13A3-42BF-869F-979F92570806}"/>
               </a:ext>
             </a:extLst>
           </p:cNvPr>
@@ -39121,7 +39121,7 @@
           <p:cNvPr id="3" name="Content Placeholder 2">
             <a:extLst>
               <a:ext uri="{FF2B5EF4-FFF2-40B4-BE49-F238E27FC236}">
-                <a16:creationId xmlns="" xmlns:a16="http://schemas.microsoft.com/office/drawing/2014/main" id="{01378B80-6ABF-4910-A55A-E6CD2B15FBAE}"/>
+                <a16:creationId xmlns:a16="http://schemas.microsoft.com/office/drawing/2014/main" xmlns="" id="{01378B80-6ABF-4910-A55A-E6CD2B15FBAE}"/>
               </a:ext>
             </a:extLst>
           </p:cNvPr>
@@ -39347,7 +39347,7 @@
           <p:cNvPr id="2" name="Title 1">
             <a:extLst>
               <a:ext uri="{FF2B5EF4-FFF2-40B4-BE49-F238E27FC236}">
-                <a16:creationId xmlns="" xmlns:a16="http://schemas.microsoft.com/office/drawing/2014/main" id="{DC6E8865-6CC3-4653-9261-D6BE59018291}"/>
+                <a16:creationId xmlns:a16="http://schemas.microsoft.com/office/drawing/2014/main" xmlns="" id="{DC6E8865-6CC3-4653-9261-D6BE59018291}"/>
               </a:ext>
             </a:extLst>
           </p:cNvPr>
@@ -39375,7 +39375,7 @@
           <p:cNvPr id="3" name="Content Placeholder 2">
             <a:extLst>
               <a:ext uri="{FF2B5EF4-FFF2-40B4-BE49-F238E27FC236}">
-                <a16:creationId xmlns="" xmlns:a16="http://schemas.microsoft.com/office/drawing/2014/main" id="{AB6A57D8-FAFC-4A9F-91C5-25A3758FBAC8}"/>
+                <a16:creationId xmlns:a16="http://schemas.microsoft.com/office/drawing/2014/main" xmlns="" id="{AB6A57D8-FAFC-4A9F-91C5-25A3758FBAC8}"/>
               </a:ext>
             </a:extLst>
           </p:cNvPr>
@@ -39465,7 +39465,7 @@
           <p:cNvPr id="2" name="Title 1">
             <a:extLst>
               <a:ext uri="{FF2B5EF4-FFF2-40B4-BE49-F238E27FC236}">
-                <a16:creationId xmlns="" xmlns:a16="http://schemas.microsoft.com/office/drawing/2014/main" id="{CD44C8EA-4DC5-4702-84EF-C21AC41BBE91}"/>
+                <a16:creationId xmlns:a16="http://schemas.microsoft.com/office/drawing/2014/main" xmlns="" id="{CD44C8EA-4DC5-4702-84EF-C21AC41BBE91}"/>
               </a:ext>
             </a:extLst>
           </p:cNvPr>
@@ -39493,7 +39493,7 @@
           <p:cNvPr id="3" name="Content Placeholder 2">
             <a:extLst>
               <a:ext uri="{FF2B5EF4-FFF2-40B4-BE49-F238E27FC236}">
-                <a16:creationId xmlns="" xmlns:a16="http://schemas.microsoft.com/office/drawing/2014/main" id="{E5C7DED5-3903-4A10-84A9-6443C79ECB2D}"/>
+                <a16:creationId xmlns:a16="http://schemas.microsoft.com/office/drawing/2014/main" xmlns="" id="{E5C7DED5-3903-4A10-84A9-6443C79ECB2D}"/>
               </a:ext>
             </a:extLst>
           </p:cNvPr>
@@ -39610,7 +39610,7 @@
           <p:cNvPr id="2" name="Title 1">
             <a:extLst>
               <a:ext uri="{FF2B5EF4-FFF2-40B4-BE49-F238E27FC236}">
-                <a16:creationId xmlns="" xmlns:a16="http://schemas.microsoft.com/office/drawing/2014/main" id="{04B2F0A5-F01F-4193-850C-E6E8BAEEFE0A}"/>
+                <a16:creationId xmlns:a16="http://schemas.microsoft.com/office/drawing/2014/main" xmlns="" id="{04B2F0A5-F01F-4193-850C-E6E8BAEEFE0A}"/>
               </a:ext>
             </a:extLst>
           </p:cNvPr>
@@ -39638,7 +39638,7 @@
           <p:cNvPr id="3" name="Content Placeholder 2">
             <a:extLst>
               <a:ext uri="{FF2B5EF4-FFF2-40B4-BE49-F238E27FC236}">
-                <a16:creationId xmlns="" xmlns:a16="http://schemas.microsoft.com/office/drawing/2014/main" id="{D92F516D-601D-48D4-BE8A-824C0723C62F}"/>
+                <a16:creationId xmlns:a16="http://schemas.microsoft.com/office/drawing/2014/main" xmlns="" id="{D92F516D-601D-48D4-BE8A-824C0723C62F}"/>
               </a:ext>
             </a:extLst>
           </p:cNvPr>
@@ -40215,6 +40215,47 @@
           </a:p>
         </p:txBody>
       </p:sp>
+      <p:pic>
+        <p:nvPicPr>
+          <p:cNvPr id="1026" name="Picture 2" descr="Kết quả hình ảnh cho What is Risk Analysis"/>
+          <p:cNvPicPr>
+            <a:picLocks noChangeAspect="1" noChangeArrowheads="1"/>
+          </p:cNvPicPr>
+          <p:nvPr/>
+        </p:nvPicPr>
+        <p:blipFill>
+          <a:blip r:embed="rId2">
+            <a:extLst>
+              <a:ext uri="{28A0092B-C50C-407E-A947-70E740481C1C}">
+                <a14:useLocalDpi xmlns:a14="http://schemas.microsoft.com/office/drawing/2010/main" val="0"/>
+              </a:ext>
+            </a:extLst>
+          </a:blip>
+          <a:srcRect/>
+          <a:stretch>
+            <a:fillRect/>
+          </a:stretch>
+        </p:blipFill>
+        <p:spPr bwMode="auto">
+          <a:xfrm>
+            <a:off x="3042891" y="3101280"/>
+            <a:ext cx="6106218" cy="3434748"/>
+          </a:xfrm>
+          <a:prstGeom prst="rect">
+            <a:avLst/>
+          </a:prstGeom>
+          <a:noFill/>
+          <a:extLst>
+            <a:ext uri="{909E8E84-426E-40DD-AFC4-6F175D3DCCD1}">
+              <a14:hiddenFill xmlns:a14="http://schemas.microsoft.com/office/drawing/2010/main">
+                <a:solidFill>
+                  <a:srgbClr val="FFFFFF"/>
+                </a:solidFill>
+              </a14:hiddenFill>
+            </a:ext>
+          </a:extLst>
+        </p:spPr>
+      </p:pic>
     </p:spTree>
     <p:extLst>
       <p:ext uri="{BB962C8B-B14F-4D97-AF65-F5344CB8AC3E}">
@@ -42340,7 +42381,7 @@
           <p:cNvPr id="2" name="Title 1">
             <a:extLst>
               <a:ext uri="{FF2B5EF4-FFF2-40B4-BE49-F238E27FC236}">
-                <a16:creationId xmlns="" xmlns:a16="http://schemas.microsoft.com/office/drawing/2014/main" id="{39FBDB44-412B-41FE-A8A8-DEA79A1417D3}"/>
+                <a16:creationId xmlns:a16="http://schemas.microsoft.com/office/drawing/2014/main" xmlns="" id="{39FBDB44-412B-41FE-A8A8-DEA79A1417D3}"/>
               </a:ext>
             </a:extLst>
           </p:cNvPr>
@@ -42376,7 +42417,7 @@
           <p:cNvPr id="3" name="Content Placeholder 2">
             <a:extLst>
               <a:ext uri="{FF2B5EF4-FFF2-40B4-BE49-F238E27FC236}">
-                <a16:creationId xmlns="" xmlns:a16="http://schemas.microsoft.com/office/drawing/2014/main" id="{90DFF434-D955-4BC3-BB73-6EB043B12290}"/>
+                <a16:creationId xmlns:a16="http://schemas.microsoft.com/office/drawing/2014/main" xmlns="" id="{90DFF434-D955-4BC3-BB73-6EB043B12290}"/>
               </a:ext>
             </a:extLst>
           </p:cNvPr>
@@ -44388,7 +44429,7 @@
           <p:cNvPr id="2" name="Title 1">
             <a:extLst>
               <a:ext uri="{FF2B5EF4-FFF2-40B4-BE49-F238E27FC236}">
-                <a16:creationId xmlns="" xmlns:a16="http://schemas.microsoft.com/office/drawing/2014/main" id="{FB9500EA-79DA-44C2-A119-07E105C43C99}"/>
+                <a16:creationId xmlns:a16="http://schemas.microsoft.com/office/drawing/2014/main" xmlns="" id="{FB9500EA-79DA-44C2-A119-07E105C43C99}"/>
               </a:ext>
             </a:extLst>
           </p:cNvPr>
@@ -44416,7 +44457,7 @@
           <p:cNvPr id="3" name="Content Placeholder 2">
             <a:extLst>
               <a:ext uri="{FF2B5EF4-FFF2-40B4-BE49-F238E27FC236}">
-                <a16:creationId xmlns="" xmlns:a16="http://schemas.microsoft.com/office/drawing/2014/main" id="{86FE0847-AF1F-4C59-853A-E624B683C708}"/>
+                <a16:creationId xmlns:a16="http://schemas.microsoft.com/office/drawing/2014/main" xmlns="" id="{86FE0847-AF1F-4C59-853A-E624B683C708}"/>
               </a:ext>
             </a:extLst>
           </p:cNvPr>
@@ -44540,7 +44581,7 @@
           <p:cNvPr id="2" name="Title 1">
             <a:extLst>
               <a:ext uri="{FF2B5EF4-FFF2-40B4-BE49-F238E27FC236}">
-                <a16:creationId xmlns="" xmlns:a16="http://schemas.microsoft.com/office/drawing/2014/main" id="{516D23C8-5582-4A79-BA46-D5896BD99290}"/>
+                <a16:creationId xmlns:a16="http://schemas.microsoft.com/office/drawing/2014/main" xmlns="" id="{516D23C8-5582-4A79-BA46-D5896BD99290}"/>
               </a:ext>
             </a:extLst>
           </p:cNvPr>
@@ -44568,7 +44609,7 @@
           <p:cNvPr id="3" name="Content Placeholder 2">
             <a:extLst>
               <a:ext uri="{FF2B5EF4-FFF2-40B4-BE49-F238E27FC236}">
-                <a16:creationId xmlns="" xmlns:a16="http://schemas.microsoft.com/office/drawing/2014/main" id="{572CA650-3786-4191-8034-815C99E97112}"/>
+                <a16:creationId xmlns:a16="http://schemas.microsoft.com/office/drawing/2014/main" xmlns="" id="{572CA650-3786-4191-8034-815C99E97112}"/>
               </a:ext>
             </a:extLst>
           </p:cNvPr>
@@ -44704,7 +44745,7 @@
           <p:cNvPr id="2" name="Title 1">
             <a:extLst>
               <a:ext uri="{FF2B5EF4-FFF2-40B4-BE49-F238E27FC236}">
-                <a16:creationId xmlns="" xmlns:a16="http://schemas.microsoft.com/office/drawing/2014/main" id="{63F04339-217A-415E-AC14-5866F8FB19FF}"/>
+                <a16:creationId xmlns:a16="http://schemas.microsoft.com/office/drawing/2014/main" xmlns="" id="{63F04339-217A-415E-AC14-5866F8FB19FF}"/>
               </a:ext>
             </a:extLst>
           </p:cNvPr>
@@ -44735,7 +44776,7 @@
           <p:cNvPr id="3" name="Content Placeholder 2">
             <a:extLst>
               <a:ext uri="{FF2B5EF4-FFF2-40B4-BE49-F238E27FC236}">
-                <a16:creationId xmlns="" xmlns:a16="http://schemas.microsoft.com/office/drawing/2014/main" id="{30C64DA3-8DD5-4827-91E6-A54C96CC2E9E}"/>
+                <a16:creationId xmlns:a16="http://schemas.microsoft.com/office/drawing/2014/main" xmlns="" id="{30C64DA3-8DD5-4827-91E6-A54C96CC2E9E}"/>
               </a:ext>
             </a:extLst>
           </p:cNvPr>
@@ -44853,7 +44894,7 @@
           <p:cNvPr id="2" name="Title 1">
             <a:extLst>
               <a:ext uri="{FF2B5EF4-FFF2-40B4-BE49-F238E27FC236}">
-                <a16:creationId xmlns="" xmlns:a16="http://schemas.microsoft.com/office/drawing/2014/main" id="{231C6901-B410-48AC-9E9B-755C82E4B5A4}"/>
+                <a16:creationId xmlns:a16="http://schemas.microsoft.com/office/drawing/2014/main" xmlns="" id="{231C6901-B410-48AC-9E9B-755C82E4B5A4}"/>
               </a:ext>
             </a:extLst>
           </p:cNvPr>
@@ -44881,7 +44922,7 @@
           <p:cNvPr id="3" name="Content Placeholder 2">
             <a:extLst>
               <a:ext uri="{FF2B5EF4-FFF2-40B4-BE49-F238E27FC236}">
-                <a16:creationId xmlns="" xmlns:a16="http://schemas.microsoft.com/office/drawing/2014/main" id="{35D76BC1-1376-4FD7-B9AA-FDF9CE651D72}"/>
+                <a16:creationId xmlns:a16="http://schemas.microsoft.com/office/drawing/2014/main" xmlns="" id="{35D76BC1-1376-4FD7-B9AA-FDF9CE651D72}"/>
               </a:ext>
             </a:extLst>
           </p:cNvPr>
@@ -45062,7 +45103,7 @@
           <p:cNvPr id="2" name="Title 1">
             <a:extLst>
               <a:ext uri="{FF2B5EF4-FFF2-40B4-BE49-F238E27FC236}">
-                <a16:creationId xmlns="" xmlns:a16="http://schemas.microsoft.com/office/drawing/2014/main" id="{AB0E7A9B-A41D-442E-802D-434172309D2A}"/>
+                <a16:creationId xmlns:a16="http://schemas.microsoft.com/office/drawing/2014/main" xmlns="" id="{AB0E7A9B-A41D-442E-802D-434172309D2A}"/>
               </a:ext>
             </a:extLst>
           </p:cNvPr>
@@ -45090,7 +45131,7 @@
           <p:cNvPr id="3" name="Content Placeholder 2">
             <a:extLst>
               <a:ext uri="{FF2B5EF4-FFF2-40B4-BE49-F238E27FC236}">
-                <a16:creationId xmlns="" xmlns:a16="http://schemas.microsoft.com/office/drawing/2014/main" id="{0521ED67-64D5-4B3C-AE59-AA02C5781830}"/>
+                <a16:creationId xmlns:a16="http://schemas.microsoft.com/office/drawing/2014/main" xmlns="" id="{0521ED67-64D5-4B3C-AE59-AA02C5781830}"/>
               </a:ext>
             </a:extLst>
           </p:cNvPr>
@@ -45248,7 +45289,7 @@
           <p:cNvPr id="2" name="Title 1">
             <a:extLst>
               <a:ext uri="{FF2B5EF4-FFF2-40B4-BE49-F238E27FC236}">
-                <a16:creationId xmlns="" xmlns:a16="http://schemas.microsoft.com/office/drawing/2014/main" id="{F59F8DBE-CC60-47A6-AE57-E8A2BD56FB72}"/>
+                <a16:creationId xmlns:a16="http://schemas.microsoft.com/office/drawing/2014/main" xmlns="" id="{F59F8DBE-CC60-47A6-AE57-E8A2BD56FB72}"/>
               </a:ext>
             </a:extLst>
           </p:cNvPr>
@@ -45273,7 +45314,7 @@
           <p:cNvPr id="3" name="Content Placeholder 2">
             <a:extLst>
               <a:ext uri="{FF2B5EF4-FFF2-40B4-BE49-F238E27FC236}">
-                <a16:creationId xmlns="" xmlns:a16="http://schemas.microsoft.com/office/drawing/2014/main" id="{53EA9189-7F2B-4F4F-91C7-BBBD9E0737B6}"/>
+                <a16:creationId xmlns:a16="http://schemas.microsoft.com/office/drawing/2014/main" xmlns="" id="{53EA9189-7F2B-4F4F-91C7-BBBD9E0737B6}"/>
               </a:ext>
             </a:extLst>
           </p:cNvPr>
@@ -45435,7 +45476,7 @@
           <p:cNvPr id="2" name="Title 1">
             <a:extLst>
               <a:ext uri="{FF2B5EF4-FFF2-40B4-BE49-F238E27FC236}">
-                <a16:creationId xmlns="" xmlns:a16="http://schemas.microsoft.com/office/drawing/2014/main" id="{4BA4256F-123A-42FD-8126-7A06207A234B}"/>
+                <a16:creationId xmlns:a16="http://schemas.microsoft.com/office/drawing/2014/main" xmlns="" id="{4BA4256F-123A-42FD-8126-7A06207A234B}"/>
               </a:ext>
             </a:extLst>
           </p:cNvPr>
@@ -45463,7 +45504,7 @@
           <p:cNvPr id="4" name="Content Placeholder 3" descr="Kết quả hình ảnh cho risk monitoring and control example">
             <a:extLst>
               <a:ext uri="{FF2B5EF4-FFF2-40B4-BE49-F238E27FC236}">
-                <a16:creationId xmlns="" xmlns:a16="http://schemas.microsoft.com/office/drawing/2014/main" id="{B38E1AE8-648D-48E3-BBB0-468A462E4A69}"/>
+                <a16:creationId xmlns:a16="http://schemas.microsoft.com/office/drawing/2014/main" xmlns="" id="{B38E1AE8-648D-48E3-BBB0-468A462E4A69}"/>
               </a:ext>
             </a:extLst>
           </p:cNvPr>
@@ -45536,7 +45577,7 @@
           <p:cNvPr id="2" name="Title 1">
             <a:extLst>
               <a:ext uri="{FF2B5EF4-FFF2-40B4-BE49-F238E27FC236}">
-                <a16:creationId xmlns="" xmlns:a16="http://schemas.microsoft.com/office/drawing/2014/main" id="{2BC5D4E0-41C8-4FA2-A66A-F09786E06648}"/>
+                <a16:creationId xmlns:a16="http://schemas.microsoft.com/office/drawing/2014/main" xmlns="" id="{2BC5D4E0-41C8-4FA2-A66A-F09786E06648}"/>
               </a:ext>
             </a:extLst>
           </p:cNvPr>
@@ -45564,7 +45605,7 @@
           <p:cNvPr id="3" name="Content Placeholder 2">
             <a:extLst>
               <a:ext uri="{FF2B5EF4-FFF2-40B4-BE49-F238E27FC236}">
-                <a16:creationId xmlns="" xmlns:a16="http://schemas.microsoft.com/office/drawing/2014/main" id="{8A2DBCEE-68E5-4C62-B918-17510E9C8E7F}"/>
+                <a16:creationId xmlns:a16="http://schemas.microsoft.com/office/drawing/2014/main" xmlns="" id="{8A2DBCEE-68E5-4C62-B918-17510E9C8E7F}"/>
               </a:ext>
             </a:extLst>
           </p:cNvPr>
@@ -45680,7 +45721,7 @@
           <p:cNvPr id="2" name="Title 1">
             <a:extLst>
               <a:ext uri="{FF2B5EF4-FFF2-40B4-BE49-F238E27FC236}">
-                <a16:creationId xmlns="" xmlns:a16="http://schemas.microsoft.com/office/drawing/2014/main" id="{977575E0-58F7-4A8F-A961-B1C0490FDFE8}"/>
+                <a16:creationId xmlns:a16="http://schemas.microsoft.com/office/drawing/2014/main" xmlns="" id="{977575E0-58F7-4A8F-A961-B1C0490FDFE8}"/>
               </a:ext>
             </a:extLst>
           </p:cNvPr>
@@ -45708,7 +45749,7 @@
           <p:cNvPr id="3" name="Content Placeholder 2">
             <a:extLst>
               <a:ext uri="{FF2B5EF4-FFF2-40B4-BE49-F238E27FC236}">
-                <a16:creationId xmlns="" xmlns:a16="http://schemas.microsoft.com/office/drawing/2014/main" id="{3E28F48C-28D7-413A-897E-5166534FFECC}"/>
+                <a16:creationId xmlns:a16="http://schemas.microsoft.com/office/drawing/2014/main" xmlns="" id="{3E28F48C-28D7-413A-897E-5166534FFECC}"/>
               </a:ext>
             </a:extLst>
           </p:cNvPr>
@@ -45805,7 +45846,7 @@
           <p:cNvPr id="2" name="Title 1">
             <a:extLst>
               <a:ext uri="{FF2B5EF4-FFF2-40B4-BE49-F238E27FC236}">
-                <a16:creationId xmlns="" xmlns:a16="http://schemas.microsoft.com/office/drawing/2014/main" id="{42935865-1EF5-488F-B792-D673A2B10F9C}"/>
+                <a16:creationId xmlns:a16="http://schemas.microsoft.com/office/drawing/2014/main" xmlns="" id="{42935865-1EF5-488F-B792-D673A2B10F9C}"/>
               </a:ext>
             </a:extLst>
           </p:cNvPr>
@@ -45833,7 +45874,7 @@
           <p:cNvPr id="4" name="Content Placeholder 3" descr="Kết quả hình ảnh cho risk monitoring and control">
             <a:extLst>
               <a:ext uri="{FF2B5EF4-FFF2-40B4-BE49-F238E27FC236}">
-                <a16:creationId xmlns="" xmlns:a16="http://schemas.microsoft.com/office/drawing/2014/main" id="{A60D8559-5158-4653-844F-FD057CBC21A9}"/>
+                <a16:creationId xmlns:a16="http://schemas.microsoft.com/office/drawing/2014/main" xmlns="" id="{A60D8559-5158-4653-844F-FD057CBC21A9}"/>
               </a:ext>
             </a:extLst>
           </p:cNvPr>
@@ -45906,7 +45947,7 @@
           <p:cNvPr id="2" name="Title 1">
             <a:extLst>
               <a:ext uri="{FF2B5EF4-FFF2-40B4-BE49-F238E27FC236}">
-                <a16:creationId xmlns="" xmlns:a16="http://schemas.microsoft.com/office/drawing/2014/main" id="{10F52F6A-5317-48C3-AA1E-E69C5C0B475A}"/>
+                <a16:creationId xmlns:a16="http://schemas.microsoft.com/office/drawing/2014/main" xmlns="" id="{10F52F6A-5317-48C3-AA1E-E69C5C0B475A}"/>
               </a:ext>
             </a:extLst>
           </p:cNvPr>
@@ -45937,7 +45978,7 @@
           <p:cNvPr id="3" name="Content Placeholder 2">
             <a:extLst>
               <a:ext uri="{FF2B5EF4-FFF2-40B4-BE49-F238E27FC236}">
-                <a16:creationId xmlns="" xmlns:a16="http://schemas.microsoft.com/office/drawing/2014/main" id="{ED2F350C-540D-4BE5-955F-687F42E7C797}"/>
+                <a16:creationId xmlns:a16="http://schemas.microsoft.com/office/drawing/2014/main" xmlns="" id="{ED2F350C-540D-4BE5-955F-687F42E7C797}"/>
               </a:ext>
             </a:extLst>
           </p:cNvPr>
@@ -46027,7 +46068,7 @@
           <p:cNvPr id="2" name="Title 1">
             <a:extLst>
               <a:ext uri="{FF2B5EF4-FFF2-40B4-BE49-F238E27FC236}">
-                <a16:creationId xmlns="" xmlns:a16="http://schemas.microsoft.com/office/drawing/2014/main" id="{FFA541E9-9EA8-4D92-828D-FF7D9FEF555C}"/>
+                <a16:creationId xmlns:a16="http://schemas.microsoft.com/office/drawing/2014/main" xmlns="" id="{FFA541E9-9EA8-4D92-828D-FF7D9FEF555C}"/>
               </a:ext>
             </a:extLst>
           </p:cNvPr>
@@ -46092,7 +46133,7 @@
           <p:cNvPr id="2" name="Title 1">
             <a:extLst>
               <a:ext uri="{FF2B5EF4-FFF2-40B4-BE49-F238E27FC236}">
-                <a16:creationId xmlns="" xmlns:a16="http://schemas.microsoft.com/office/drawing/2014/main" id="{8ACC4731-7024-4C30-AD18-44D09D635A0F}"/>
+                <a16:creationId xmlns:a16="http://schemas.microsoft.com/office/drawing/2014/main" xmlns="" id="{8ACC4731-7024-4C30-AD18-44D09D635A0F}"/>
               </a:ext>
             </a:extLst>
           </p:cNvPr>
@@ -46120,7 +46161,7 @@
           <p:cNvPr id="3" name="Content Placeholder 2">
             <a:extLst>
               <a:ext uri="{FF2B5EF4-FFF2-40B4-BE49-F238E27FC236}">
-                <a16:creationId xmlns="" xmlns:a16="http://schemas.microsoft.com/office/drawing/2014/main" id="{6AA6F14F-2383-4845-8714-04BF103E05B6}"/>
+                <a16:creationId xmlns:a16="http://schemas.microsoft.com/office/drawing/2014/main" xmlns="" id="{6AA6F14F-2383-4845-8714-04BF103E05B6}"/>
               </a:ext>
             </a:extLst>
           </p:cNvPr>
@@ -46199,7 +46240,7 @@
           <p:cNvPr id="2" name="Title 1">
             <a:extLst>
               <a:ext uri="{FF2B5EF4-FFF2-40B4-BE49-F238E27FC236}">
-                <a16:creationId xmlns="" xmlns:a16="http://schemas.microsoft.com/office/drawing/2014/main" id="{821EBD7B-E782-4363-A4CF-C3934671F779}"/>
+                <a16:creationId xmlns:a16="http://schemas.microsoft.com/office/drawing/2014/main" xmlns="" id="{821EBD7B-E782-4363-A4CF-C3934671F779}"/>
               </a:ext>
             </a:extLst>
           </p:cNvPr>
@@ -46227,7 +46268,7 @@
           <p:cNvPr id="3" name="Content Placeholder 2">
             <a:extLst>
               <a:ext uri="{FF2B5EF4-FFF2-40B4-BE49-F238E27FC236}">
-                <a16:creationId xmlns="" xmlns:a16="http://schemas.microsoft.com/office/drawing/2014/main" id="{F81D5BA5-61C3-44DA-A6FB-E92E017B1B04}"/>
+                <a16:creationId xmlns:a16="http://schemas.microsoft.com/office/drawing/2014/main" xmlns="" id="{F81D5BA5-61C3-44DA-A6FB-E92E017B1B04}"/>
               </a:ext>
             </a:extLst>
           </p:cNvPr>
@@ -46352,7 +46393,7 @@
           <p:cNvPr id="2" name="Title 1">
             <a:extLst>
               <a:ext uri="{FF2B5EF4-FFF2-40B4-BE49-F238E27FC236}">
-                <a16:creationId xmlns="" xmlns:a16="http://schemas.microsoft.com/office/drawing/2014/main" id="{A0D5578D-94AE-4863-A226-5C1949480AC1}"/>
+                <a16:creationId xmlns:a16="http://schemas.microsoft.com/office/drawing/2014/main" xmlns="" id="{A0D5578D-94AE-4863-A226-5C1949480AC1}"/>
               </a:ext>
             </a:extLst>
           </p:cNvPr>
@@ -46380,7 +46421,7 @@
           <p:cNvPr id="3" name="Content Placeholder 2">
             <a:extLst>
               <a:ext uri="{FF2B5EF4-FFF2-40B4-BE49-F238E27FC236}">
-                <a16:creationId xmlns="" xmlns:a16="http://schemas.microsoft.com/office/drawing/2014/main" id="{F60FA422-85D3-4D8E-9C8F-4ED7610252B3}"/>
+                <a16:creationId xmlns:a16="http://schemas.microsoft.com/office/drawing/2014/main" xmlns="" id="{F60FA422-85D3-4D8E-9C8F-4ED7610252B3}"/>
               </a:ext>
             </a:extLst>
           </p:cNvPr>

--- a/SEMINAR PROJECT MANAGENMENT.pptx
+++ b/SEMINAR PROJECT MANAGENMENT.pptx
@@ -3575,7 +3575,7 @@
           <p:cNvPr id="7" name="Group 6" descr="Shrubs on seashore">
             <a:extLst>
               <a:ext uri="{FF2B5EF4-FFF2-40B4-BE49-F238E27FC236}">
-                <a16:creationId xmlns:a16="http://schemas.microsoft.com/office/drawing/2014/main" xmlns="" id="{32ABC1A6-8856-41D7-BF42-7ED8D4AC1C81}"/>
+                <a16:creationId xmlns="" xmlns:a16="http://schemas.microsoft.com/office/drawing/2014/main" id="{32ABC1A6-8856-41D7-BF42-7ED8D4AC1C81}"/>
               </a:ext>
             </a:extLst>
           </p:cNvPr>
@@ -37674,7 +37674,7 @@
           <p:cNvPr id="2" name="Title 1">
             <a:extLst>
               <a:ext uri="{FF2B5EF4-FFF2-40B4-BE49-F238E27FC236}">
-                <a16:creationId xmlns:a16="http://schemas.microsoft.com/office/drawing/2014/main" xmlns="" id="{60A3032F-5AF9-4605-A9FF-7A2691055D47}"/>
+                <a16:creationId xmlns="" xmlns:a16="http://schemas.microsoft.com/office/drawing/2014/main" id="{60A3032F-5AF9-4605-A9FF-7A2691055D47}"/>
               </a:ext>
             </a:extLst>
           </p:cNvPr>
@@ -37702,7 +37702,7 @@
           <p:cNvPr id="3" name="Content Placeholder 2">
             <a:extLst>
               <a:ext uri="{FF2B5EF4-FFF2-40B4-BE49-F238E27FC236}">
-                <a16:creationId xmlns:a16="http://schemas.microsoft.com/office/drawing/2014/main" xmlns="" id="{E0AA14E8-B8BA-42A3-979B-16D2AEF1E562}"/>
+                <a16:creationId xmlns="" xmlns:a16="http://schemas.microsoft.com/office/drawing/2014/main" id="{E0AA14E8-B8BA-42A3-979B-16D2AEF1E562}"/>
               </a:ext>
             </a:extLst>
           </p:cNvPr>
@@ -37833,7 +37833,7 @@
           <p:cNvPr id="2" name="Title 1">
             <a:extLst>
               <a:ext uri="{FF2B5EF4-FFF2-40B4-BE49-F238E27FC236}">
-                <a16:creationId xmlns:a16="http://schemas.microsoft.com/office/drawing/2014/main" xmlns="" id="{8EE0ED8A-E301-4C5F-9D01-45BE7A7E1540}"/>
+                <a16:creationId xmlns="" xmlns:a16="http://schemas.microsoft.com/office/drawing/2014/main" id="{8EE0ED8A-E301-4C5F-9D01-45BE7A7E1540}"/>
               </a:ext>
             </a:extLst>
           </p:cNvPr>
@@ -37861,7 +37861,7 @@
           <p:cNvPr id="3" name="Content Placeholder 2">
             <a:extLst>
               <a:ext uri="{FF2B5EF4-FFF2-40B4-BE49-F238E27FC236}">
-                <a16:creationId xmlns:a16="http://schemas.microsoft.com/office/drawing/2014/main" xmlns="" id="{8A017090-2EE2-49BA-B03D-E08DEE51873C}"/>
+                <a16:creationId xmlns="" xmlns:a16="http://schemas.microsoft.com/office/drawing/2014/main" id="{8A017090-2EE2-49BA-B03D-E08DEE51873C}"/>
               </a:ext>
             </a:extLst>
           </p:cNvPr>
@@ -37939,7 +37939,7 @@
           <p:cNvPr id="2" name="Title 1">
             <a:extLst>
               <a:ext uri="{FF2B5EF4-FFF2-40B4-BE49-F238E27FC236}">
-                <a16:creationId xmlns:a16="http://schemas.microsoft.com/office/drawing/2014/main" xmlns="" id="{BFE5C49B-0B46-4966-A8EA-EC0713AA9309}"/>
+                <a16:creationId xmlns="" xmlns:a16="http://schemas.microsoft.com/office/drawing/2014/main" id="{BFE5C49B-0B46-4966-A8EA-EC0713AA9309}"/>
               </a:ext>
             </a:extLst>
           </p:cNvPr>
@@ -37967,7 +37967,7 @@
           <p:cNvPr id="3" name="Content Placeholder 2">
             <a:extLst>
               <a:ext uri="{FF2B5EF4-FFF2-40B4-BE49-F238E27FC236}">
-                <a16:creationId xmlns:a16="http://schemas.microsoft.com/office/drawing/2014/main" xmlns="" id="{0D555A8F-4B69-4348-8BE0-3D703279B4A7}"/>
+                <a16:creationId xmlns="" xmlns:a16="http://schemas.microsoft.com/office/drawing/2014/main" id="{0D555A8F-4B69-4348-8BE0-3D703279B4A7}"/>
               </a:ext>
             </a:extLst>
           </p:cNvPr>
@@ -38064,7 +38064,7 @@
           <p:cNvPr id="2" name="Title 1">
             <a:extLst>
               <a:ext uri="{FF2B5EF4-FFF2-40B4-BE49-F238E27FC236}">
-                <a16:creationId xmlns:a16="http://schemas.microsoft.com/office/drawing/2014/main" xmlns="" id="{3A0FA896-1B48-40D9-AE82-EEA7CD2EC20B}"/>
+                <a16:creationId xmlns="" xmlns:a16="http://schemas.microsoft.com/office/drawing/2014/main" id="{3A0FA896-1B48-40D9-AE82-EEA7CD2EC20B}"/>
               </a:ext>
             </a:extLst>
           </p:cNvPr>
@@ -38092,7 +38092,7 @@
           <p:cNvPr id="5" name="Picture 4">
             <a:extLst>
               <a:ext uri="{FF2B5EF4-FFF2-40B4-BE49-F238E27FC236}">
-                <a16:creationId xmlns:a16="http://schemas.microsoft.com/office/drawing/2014/main" xmlns="" id="{4BDEB431-EE99-44C6-AB5F-EE177260D8E8}"/>
+                <a16:creationId xmlns="" xmlns:a16="http://schemas.microsoft.com/office/drawing/2014/main" id="{4BDEB431-EE99-44C6-AB5F-EE177260D8E8}"/>
               </a:ext>
             </a:extLst>
           </p:cNvPr>
@@ -38152,7 +38152,7 @@
           <p:cNvPr id="7" name="Title 6">
             <a:extLst>
               <a:ext uri="{FF2B5EF4-FFF2-40B4-BE49-F238E27FC236}">
-                <a16:creationId xmlns:a16="http://schemas.microsoft.com/office/drawing/2014/main" xmlns="" id="{CFD16207-6C0C-4C03-B32E-1B0D41CEAB55}"/>
+                <a16:creationId xmlns="" xmlns:a16="http://schemas.microsoft.com/office/drawing/2014/main" id="{CFD16207-6C0C-4C03-B32E-1B0D41CEAB55}"/>
               </a:ext>
             </a:extLst>
           </p:cNvPr>
@@ -38180,7 +38180,7 @@
           <p:cNvPr id="8" name="Content Placeholder 7">
             <a:extLst>
               <a:ext uri="{FF2B5EF4-FFF2-40B4-BE49-F238E27FC236}">
-                <a16:creationId xmlns:a16="http://schemas.microsoft.com/office/drawing/2014/main" xmlns="" id="{DBA70078-A79D-4C38-A641-CCD8383F54DA}"/>
+                <a16:creationId xmlns="" xmlns:a16="http://schemas.microsoft.com/office/drawing/2014/main" id="{DBA70078-A79D-4C38-A641-CCD8383F54DA}"/>
               </a:ext>
             </a:extLst>
           </p:cNvPr>
@@ -38258,7 +38258,7 @@
           <p:cNvPr id="2" name="Title 1">
             <a:extLst>
               <a:ext uri="{FF2B5EF4-FFF2-40B4-BE49-F238E27FC236}">
-                <a16:creationId xmlns:a16="http://schemas.microsoft.com/office/drawing/2014/main" xmlns="" id="{AAF3487D-DA55-45D0-A265-DEC106909C5D}"/>
+                <a16:creationId xmlns="" xmlns:a16="http://schemas.microsoft.com/office/drawing/2014/main" id="{AAF3487D-DA55-45D0-A265-DEC106909C5D}"/>
               </a:ext>
             </a:extLst>
           </p:cNvPr>
@@ -38286,7 +38286,7 @@
           <p:cNvPr id="4" name="Content Placeholder 3">
             <a:extLst>
               <a:ext uri="{FF2B5EF4-FFF2-40B4-BE49-F238E27FC236}">
-                <a16:creationId xmlns:a16="http://schemas.microsoft.com/office/drawing/2014/main" xmlns="" id="{DC4ADC4C-F57A-4100-8DE2-4699FDA0C156}"/>
+                <a16:creationId xmlns="" xmlns:a16="http://schemas.microsoft.com/office/drawing/2014/main" id="{DC4ADC4C-F57A-4100-8DE2-4699FDA0C156}"/>
               </a:ext>
             </a:extLst>
           </p:cNvPr>
@@ -38316,14 +38316,14 @@
                 <a:gridCol w="3789142">
                   <a:extLst>
                     <a:ext uri="{9D8B030D-6E8A-4147-A177-3AD203B41FA5}">
-                      <a16:colId xmlns:a16="http://schemas.microsoft.com/office/drawing/2014/main" xmlns="" val="1872366866"/>
+                      <a16:colId xmlns="" xmlns:a16="http://schemas.microsoft.com/office/drawing/2014/main" val="1872366866"/>
                     </a:ext>
                   </a:extLst>
                 </a:gridCol>
                 <a:gridCol w="3777518">
                   <a:extLst>
                     <a:ext uri="{9D8B030D-6E8A-4147-A177-3AD203B41FA5}">
-                      <a16:colId xmlns:a16="http://schemas.microsoft.com/office/drawing/2014/main" xmlns="" val="1432793745"/>
+                      <a16:colId xmlns="" xmlns:a16="http://schemas.microsoft.com/office/drawing/2014/main" val="1432793745"/>
                     </a:ext>
                   </a:extLst>
                 </a:gridCol>
@@ -38395,7 +38395,7 @@
                 </a:tc>
                 <a:extLst>
                   <a:ext uri="{0D108BD9-81ED-4DB2-BD59-A6C34878D82A}">
-                    <a16:rowId xmlns:a16="http://schemas.microsoft.com/office/drawing/2014/main" xmlns="" val="4111070796"/>
+                    <a16:rowId xmlns="" xmlns:a16="http://schemas.microsoft.com/office/drawing/2014/main" val="4111070796"/>
                   </a:ext>
                 </a:extLst>
               </a:tr>
@@ -38522,7 +38522,7 @@
                 </a:tc>
                 <a:extLst>
                   <a:ext uri="{0D108BD9-81ED-4DB2-BD59-A6C34878D82A}">
-                    <a16:rowId xmlns:a16="http://schemas.microsoft.com/office/drawing/2014/main" xmlns="" val="1157659401"/>
+                    <a16:rowId xmlns="" xmlns:a16="http://schemas.microsoft.com/office/drawing/2014/main" val="1157659401"/>
                   </a:ext>
                 </a:extLst>
               </a:tr>
@@ -38649,7 +38649,7 @@
                 </a:tc>
                 <a:extLst>
                   <a:ext uri="{0D108BD9-81ED-4DB2-BD59-A6C34878D82A}">
-                    <a16:rowId xmlns:a16="http://schemas.microsoft.com/office/drawing/2014/main" xmlns="" val="3854350339"/>
+                    <a16:rowId xmlns="" xmlns:a16="http://schemas.microsoft.com/office/drawing/2014/main" val="3854350339"/>
                   </a:ext>
                 </a:extLst>
               </a:tr>
@@ -38751,7 +38751,7 @@
                 </a:tc>
                 <a:extLst>
                   <a:ext uri="{0D108BD9-81ED-4DB2-BD59-A6C34878D82A}">
-                    <a16:rowId xmlns:a16="http://schemas.microsoft.com/office/drawing/2014/main" xmlns="" val="818746946"/>
+                    <a16:rowId xmlns="" xmlns:a16="http://schemas.microsoft.com/office/drawing/2014/main" val="818746946"/>
                   </a:ext>
                 </a:extLst>
               </a:tr>
@@ -38794,7 +38794,7 @@
           <p:cNvPr id="2" name="Title 1">
             <a:extLst>
               <a:ext uri="{FF2B5EF4-FFF2-40B4-BE49-F238E27FC236}">
-                <a16:creationId xmlns:a16="http://schemas.microsoft.com/office/drawing/2014/main" xmlns="" id="{5DA6D9FD-E6EE-4F33-97AE-69A280152054}"/>
+                <a16:creationId xmlns="" xmlns:a16="http://schemas.microsoft.com/office/drawing/2014/main" id="{5DA6D9FD-E6EE-4F33-97AE-69A280152054}"/>
               </a:ext>
             </a:extLst>
           </p:cNvPr>
@@ -38822,7 +38822,7 @@
           <p:cNvPr id="3" name="Content Placeholder 2">
             <a:extLst>
               <a:ext uri="{FF2B5EF4-FFF2-40B4-BE49-F238E27FC236}">
-                <a16:creationId xmlns:a16="http://schemas.microsoft.com/office/drawing/2014/main" xmlns="" id="{5E49514A-A27B-4E67-8B29-080ABAB40CB4}"/>
+                <a16:creationId xmlns="" xmlns:a16="http://schemas.microsoft.com/office/drawing/2014/main" id="{5E49514A-A27B-4E67-8B29-080ABAB40CB4}"/>
               </a:ext>
             </a:extLst>
           </p:cNvPr>
@@ -38885,7 +38885,7 @@
           <p:cNvPr id="2" name="Title 1">
             <a:extLst>
               <a:ext uri="{FF2B5EF4-FFF2-40B4-BE49-F238E27FC236}">
-                <a16:creationId xmlns:a16="http://schemas.microsoft.com/office/drawing/2014/main" xmlns="" id="{EFEFBA1F-00CD-4B90-B7C1-FF4E6A242CA3}"/>
+                <a16:creationId xmlns="" xmlns:a16="http://schemas.microsoft.com/office/drawing/2014/main" id="{EFEFBA1F-00CD-4B90-B7C1-FF4E6A242CA3}"/>
               </a:ext>
             </a:extLst>
           </p:cNvPr>
@@ -38913,7 +38913,7 @@
           <p:cNvPr id="3" name="Content Placeholder 2">
             <a:extLst>
               <a:ext uri="{FF2B5EF4-FFF2-40B4-BE49-F238E27FC236}">
-                <a16:creationId xmlns:a16="http://schemas.microsoft.com/office/drawing/2014/main" xmlns="" id="{B09139E6-136D-47C6-8870-0AA416D4457E}"/>
+                <a16:creationId xmlns="" xmlns:a16="http://schemas.microsoft.com/office/drawing/2014/main" id="{B09139E6-136D-47C6-8870-0AA416D4457E}"/>
               </a:ext>
             </a:extLst>
           </p:cNvPr>
@@ -39006,7 +39006,7 @@
           <p:cNvPr id="2" name="Title 1">
             <a:extLst>
               <a:ext uri="{FF2B5EF4-FFF2-40B4-BE49-F238E27FC236}">
-                <a16:creationId xmlns:a16="http://schemas.microsoft.com/office/drawing/2014/main" xmlns="" id="{698680FB-35CD-40A1-A23B-02902A2F9A75}"/>
+                <a16:creationId xmlns="" xmlns:a16="http://schemas.microsoft.com/office/drawing/2014/main" id="{698680FB-35CD-40A1-A23B-02902A2F9A75}"/>
               </a:ext>
             </a:extLst>
           </p:cNvPr>
@@ -39034,7 +39034,7 @@
           <p:cNvPr id="5" name="Content Placeholder 4">
             <a:extLst>
               <a:ext uri="{FF2B5EF4-FFF2-40B4-BE49-F238E27FC236}">
-                <a16:creationId xmlns:a16="http://schemas.microsoft.com/office/drawing/2014/main" xmlns="" id="{13D6317E-A779-44FB-8E12-9583114BE072}"/>
+                <a16:creationId xmlns="" xmlns:a16="http://schemas.microsoft.com/office/drawing/2014/main" id="{13D6317E-A779-44FB-8E12-9583114BE072}"/>
               </a:ext>
             </a:extLst>
           </p:cNvPr>
@@ -39093,7 +39093,7 @@
           <p:cNvPr id="2" name="Title 1">
             <a:extLst>
               <a:ext uri="{FF2B5EF4-FFF2-40B4-BE49-F238E27FC236}">
-                <a16:creationId xmlns:a16="http://schemas.microsoft.com/office/drawing/2014/main" xmlns="" id="{6176A1BA-13A3-42BF-869F-979F92570806}"/>
+                <a16:creationId xmlns="" xmlns:a16="http://schemas.microsoft.com/office/drawing/2014/main" id="{6176A1BA-13A3-42BF-869F-979F92570806}"/>
               </a:ext>
             </a:extLst>
           </p:cNvPr>
@@ -39121,7 +39121,7 @@
           <p:cNvPr id="3" name="Content Placeholder 2">
             <a:extLst>
               <a:ext uri="{FF2B5EF4-FFF2-40B4-BE49-F238E27FC236}">
-                <a16:creationId xmlns:a16="http://schemas.microsoft.com/office/drawing/2014/main" xmlns="" id="{01378B80-6ABF-4910-A55A-E6CD2B15FBAE}"/>
+                <a16:creationId xmlns="" xmlns:a16="http://schemas.microsoft.com/office/drawing/2014/main" id="{01378B80-6ABF-4910-A55A-E6CD2B15FBAE}"/>
               </a:ext>
             </a:extLst>
           </p:cNvPr>
@@ -39347,7 +39347,7 @@
           <p:cNvPr id="2" name="Title 1">
             <a:extLst>
               <a:ext uri="{FF2B5EF4-FFF2-40B4-BE49-F238E27FC236}">
-                <a16:creationId xmlns:a16="http://schemas.microsoft.com/office/drawing/2014/main" xmlns="" id="{DC6E8865-6CC3-4653-9261-D6BE59018291}"/>
+                <a16:creationId xmlns="" xmlns:a16="http://schemas.microsoft.com/office/drawing/2014/main" id="{DC6E8865-6CC3-4653-9261-D6BE59018291}"/>
               </a:ext>
             </a:extLst>
           </p:cNvPr>
@@ -39375,7 +39375,7 @@
           <p:cNvPr id="3" name="Content Placeholder 2">
             <a:extLst>
               <a:ext uri="{FF2B5EF4-FFF2-40B4-BE49-F238E27FC236}">
-                <a16:creationId xmlns:a16="http://schemas.microsoft.com/office/drawing/2014/main" xmlns="" id="{AB6A57D8-FAFC-4A9F-91C5-25A3758FBAC8}"/>
+                <a16:creationId xmlns="" xmlns:a16="http://schemas.microsoft.com/office/drawing/2014/main" id="{AB6A57D8-FAFC-4A9F-91C5-25A3758FBAC8}"/>
               </a:ext>
             </a:extLst>
           </p:cNvPr>
@@ -39465,7 +39465,7 @@
           <p:cNvPr id="2" name="Title 1">
             <a:extLst>
               <a:ext uri="{FF2B5EF4-FFF2-40B4-BE49-F238E27FC236}">
-                <a16:creationId xmlns:a16="http://schemas.microsoft.com/office/drawing/2014/main" xmlns="" id="{CD44C8EA-4DC5-4702-84EF-C21AC41BBE91}"/>
+                <a16:creationId xmlns="" xmlns:a16="http://schemas.microsoft.com/office/drawing/2014/main" id="{CD44C8EA-4DC5-4702-84EF-C21AC41BBE91}"/>
               </a:ext>
             </a:extLst>
           </p:cNvPr>
@@ -39493,7 +39493,7 @@
           <p:cNvPr id="3" name="Content Placeholder 2">
             <a:extLst>
               <a:ext uri="{FF2B5EF4-FFF2-40B4-BE49-F238E27FC236}">
-                <a16:creationId xmlns:a16="http://schemas.microsoft.com/office/drawing/2014/main" xmlns="" id="{E5C7DED5-3903-4A10-84A9-6443C79ECB2D}"/>
+                <a16:creationId xmlns="" xmlns:a16="http://schemas.microsoft.com/office/drawing/2014/main" id="{E5C7DED5-3903-4A10-84A9-6443C79ECB2D}"/>
               </a:ext>
             </a:extLst>
           </p:cNvPr>
@@ -39610,7 +39610,7 @@
           <p:cNvPr id="2" name="Title 1">
             <a:extLst>
               <a:ext uri="{FF2B5EF4-FFF2-40B4-BE49-F238E27FC236}">
-                <a16:creationId xmlns:a16="http://schemas.microsoft.com/office/drawing/2014/main" xmlns="" id="{04B2F0A5-F01F-4193-850C-E6E8BAEEFE0A}"/>
+                <a16:creationId xmlns="" xmlns:a16="http://schemas.microsoft.com/office/drawing/2014/main" id="{04B2F0A5-F01F-4193-850C-E6E8BAEEFE0A}"/>
               </a:ext>
             </a:extLst>
           </p:cNvPr>
@@ -39638,7 +39638,7 @@
           <p:cNvPr id="3" name="Content Placeholder 2">
             <a:extLst>
               <a:ext uri="{FF2B5EF4-FFF2-40B4-BE49-F238E27FC236}">
-                <a16:creationId xmlns:a16="http://schemas.microsoft.com/office/drawing/2014/main" xmlns="" id="{D92F516D-601D-48D4-BE8A-824C0723C62F}"/>
+                <a16:creationId xmlns="" xmlns:a16="http://schemas.microsoft.com/office/drawing/2014/main" id="{D92F516D-601D-48D4-BE8A-824C0723C62F}"/>
               </a:ext>
             </a:extLst>
           </p:cNvPr>
@@ -40118,6 +40118,47 @@
           </a:p>
         </p:txBody>
       </p:sp>
+      <p:pic>
+        <p:nvPicPr>
+          <p:cNvPr id="1026" name="Picture 2" descr="Kết quả hình ảnh cho qualitative risk analysis vs quantitative risk analysis"/>
+          <p:cNvPicPr>
+            <a:picLocks noChangeAspect="1" noChangeArrowheads="1"/>
+          </p:cNvPicPr>
+          <p:nvPr/>
+        </p:nvPicPr>
+        <p:blipFill>
+          <a:blip r:embed="rId2">
+            <a:extLst>
+              <a:ext uri="{28A0092B-C50C-407E-A947-70E740481C1C}">
+                <a14:useLocalDpi xmlns:a14="http://schemas.microsoft.com/office/drawing/2010/main" val="0"/>
+              </a:ext>
+            </a:extLst>
+          </a:blip>
+          <a:srcRect/>
+          <a:stretch>
+            <a:fillRect/>
+          </a:stretch>
+        </p:blipFill>
+        <p:spPr bwMode="auto">
+          <a:xfrm>
+            <a:off x="5826573" y="2627290"/>
+            <a:ext cx="4616587" cy="3451538"/>
+          </a:xfrm>
+          <a:prstGeom prst="rect">
+            <a:avLst/>
+          </a:prstGeom>
+          <a:noFill/>
+          <a:extLst>
+            <a:ext uri="{909E8E84-426E-40DD-AFC4-6F175D3DCCD1}">
+              <a14:hiddenFill xmlns:a14="http://schemas.microsoft.com/office/drawing/2010/main">
+                <a:solidFill>
+                  <a:srgbClr val="FFFFFF"/>
+                </a:solidFill>
+              </a14:hiddenFill>
+            </a:ext>
+          </a:extLst>
+        </p:spPr>
+      </p:pic>
     </p:spTree>
     <p:extLst>
       <p:ext uri="{BB962C8B-B14F-4D97-AF65-F5344CB8AC3E}">
@@ -40311,7 +40352,19 @@
                   </a:outerShdw>
                 </a:effectLst>
               </a:rPr>
-              <a:t>The Risk Assessment </a:t>
+              <a:t>The Risk </a:t>
+            </a:r>
+            <a:r>
+              <a:rPr lang="en-US" dirty="0" smtClean="0">
+                <a:effectLst>
+                  <a:outerShdw blurRad="38100" dist="38100" dir="2700000" algn="tl">
+                    <a:srgbClr val="000000">
+                      <a:alpha val="43137"/>
+                    </a:srgbClr>
+                  </a:outerShdw>
+                </a:effectLst>
+              </a:rPr>
+              <a:t>Assessment </a:t>
             </a:r>
             <a:r>
               <a:rPr lang="en-US" dirty="0" smtClean="0">
@@ -42300,7 +42353,7 @@
         <p:spPr bwMode="auto">
           <a:xfrm>
             <a:off x="4131368" y="2753016"/>
-            <a:ext cx="3929263" cy="2472364"/>
+            <a:ext cx="4433083" cy="3119750"/>
           </a:xfrm>
           <a:prstGeom prst="rect">
             <a:avLst/>
@@ -42319,7 +42372,7 @@
         </p:nvSpPr>
         <p:spPr>
           <a:xfrm>
-            <a:off x="4416247" y="5225380"/>
+            <a:off x="4545036" y="5812596"/>
             <a:ext cx="2704651" cy="369332"/>
           </a:xfrm>
           <a:prstGeom prst="rect">
@@ -42381,7 +42434,7 @@
           <p:cNvPr id="2" name="Title 1">
             <a:extLst>
               <a:ext uri="{FF2B5EF4-FFF2-40B4-BE49-F238E27FC236}">
-                <a16:creationId xmlns:a16="http://schemas.microsoft.com/office/drawing/2014/main" xmlns="" id="{39FBDB44-412B-41FE-A8A8-DEA79A1417D3}"/>
+                <a16:creationId xmlns="" xmlns:a16="http://schemas.microsoft.com/office/drawing/2014/main" id="{39FBDB44-412B-41FE-A8A8-DEA79A1417D3}"/>
               </a:ext>
             </a:extLst>
           </p:cNvPr>
@@ -42417,7 +42470,7 @@
           <p:cNvPr id="3" name="Content Placeholder 2">
             <a:extLst>
               <a:ext uri="{FF2B5EF4-FFF2-40B4-BE49-F238E27FC236}">
-                <a16:creationId xmlns:a16="http://schemas.microsoft.com/office/drawing/2014/main" xmlns="" id="{90DFF434-D955-4BC3-BB73-6EB043B12290}"/>
+                <a16:creationId xmlns="" xmlns:a16="http://schemas.microsoft.com/office/drawing/2014/main" id="{90DFF434-D955-4BC3-BB73-6EB043B12290}"/>
               </a:ext>
             </a:extLst>
           </p:cNvPr>
@@ -42731,6 +42784,8 @@
                 <a:solidFill>
                   <a:schemeClr val="tx1"/>
                 </a:solidFill>
+                <a:latin typeface="Arial" panose="020B0604020202020204" pitchFamily="34" charset="0"/>
+                <a:cs typeface="Arial" panose="020B0604020202020204" pitchFamily="34" charset="0"/>
               </a:rPr>
               <a:t>Project managers should be prepared to perform different types of risk analysis. For many projects, the quicker qualitative risk assessment is all you need. But there are occasions when you will benefit from a quantitative risk analysis.</a:t>
             </a:r>
@@ -42742,6 +42797,8 @@
                 <a:solidFill>
                   <a:schemeClr val="tx1"/>
                 </a:solidFill>
+                <a:latin typeface="Arial" panose="020B0604020202020204" pitchFamily="34" charset="0"/>
+                <a:cs typeface="Arial" panose="020B0604020202020204" pitchFamily="34" charset="0"/>
               </a:rPr>
               <a:t>Let’s take a look at this type of analysis: What is it? Why should we perform it? When should it be performed? And how do we quantify risks?</a:t>
             </a:r>
@@ -42858,7 +42915,10 @@
           <a:lstStyle/>
           <a:p>
             <a:r>
-              <a:rPr lang="en-US" dirty="0"/>
+              <a:rPr lang="en-US" dirty="0">
+                <a:latin typeface="Arial" panose="020B0604020202020204" pitchFamily="34" charset="0"/>
+                <a:cs typeface="Arial" panose="020B0604020202020204" pitchFamily="34" charset="0"/>
+              </a:rPr>
               <a:t>Qualitative risk analysis is a numeric estimate of the overall effect of risk on the project objectives such as cost and schedule objectives. The results provide insight into the likelihood of project success and is used to develop contingency reserves. </a:t>
             </a:r>
           </a:p>
@@ -44429,7 +44489,7 @@
           <p:cNvPr id="2" name="Title 1">
             <a:extLst>
               <a:ext uri="{FF2B5EF4-FFF2-40B4-BE49-F238E27FC236}">
-                <a16:creationId xmlns:a16="http://schemas.microsoft.com/office/drawing/2014/main" xmlns="" id="{FB9500EA-79DA-44C2-A119-07E105C43C99}"/>
+                <a16:creationId xmlns="" xmlns:a16="http://schemas.microsoft.com/office/drawing/2014/main" id="{FB9500EA-79DA-44C2-A119-07E105C43C99}"/>
               </a:ext>
             </a:extLst>
           </p:cNvPr>
@@ -44457,7 +44517,7 @@
           <p:cNvPr id="3" name="Content Placeholder 2">
             <a:extLst>
               <a:ext uri="{FF2B5EF4-FFF2-40B4-BE49-F238E27FC236}">
-                <a16:creationId xmlns:a16="http://schemas.microsoft.com/office/drawing/2014/main" xmlns="" id="{86FE0847-AF1F-4C59-853A-E624B683C708}"/>
+                <a16:creationId xmlns="" xmlns:a16="http://schemas.microsoft.com/office/drawing/2014/main" id="{86FE0847-AF1F-4C59-853A-E624B683C708}"/>
               </a:ext>
             </a:extLst>
           </p:cNvPr>
@@ -44581,7 +44641,7 @@
           <p:cNvPr id="2" name="Title 1">
             <a:extLst>
               <a:ext uri="{FF2B5EF4-FFF2-40B4-BE49-F238E27FC236}">
-                <a16:creationId xmlns:a16="http://schemas.microsoft.com/office/drawing/2014/main" xmlns="" id="{516D23C8-5582-4A79-BA46-D5896BD99290}"/>
+                <a16:creationId xmlns="" xmlns:a16="http://schemas.microsoft.com/office/drawing/2014/main" id="{516D23C8-5582-4A79-BA46-D5896BD99290}"/>
               </a:ext>
             </a:extLst>
           </p:cNvPr>
@@ -44609,7 +44669,7 @@
           <p:cNvPr id="3" name="Content Placeholder 2">
             <a:extLst>
               <a:ext uri="{FF2B5EF4-FFF2-40B4-BE49-F238E27FC236}">
-                <a16:creationId xmlns:a16="http://schemas.microsoft.com/office/drawing/2014/main" xmlns="" id="{572CA650-3786-4191-8034-815C99E97112}"/>
+                <a16:creationId xmlns="" xmlns:a16="http://schemas.microsoft.com/office/drawing/2014/main" id="{572CA650-3786-4191-8034-815C99E97112}"/>
               </a:ext>
             </a:extLst>
           </p:cNvPr>
@@ -44745,7 +44805,7 @@
           <p:cNvPr id="2" name="Title 1">
             <a:extLst>
               <a:ext uri="{FF2B5EF4-FFF2-40B4-BE49-F238E27FC236}">
-                <a16:creationId xmlns:a16="http://schemas.microsoft.com/office/drawing/2014/main" xmlns="" id="{63F04339-217A-415E-AC14-5866F8FB19FF}"/>
+                <a16:creationId xmlns="" xmlns:a16="http://schemas.microsoft.com/office/drawing/2014/main" id="{63F04339-217A-415E-AC14-5866F8FB19FF}"/>
               </a:ext>
             </a:extLst>
           </p:cNvPr>
@@ -44776,7 +44836,7 @@
           <p:cNvPr id="3" name="Content Placeholder 2">
             <a:extLst>
               <a:ext uri="{FF2B5EF4-FFF2-40B4-BE49-F238E27FC236}">
-                <a16:creationId xmlns:a16="http://schemas.microsoft.com/office/drawing/2014/main" xmlns="" id="{30C64DA3-8DD5-4827-91E6-A54C96CC2E9E}"/>
+                <a16:creationId xmlns="" xmlns:a16="http://schemas.microsoft.com/office/drawing/2014/main" id="{30C64DA3-8DD5-4827-91E6-A54C96CC2E9E}"/>
               </a:ext>
             </a:extLst>
           </p:cNvPr>
@@ -44894,7 +44954,7 @@
           <p:cNvPr id="2" name="Title 1">
             <a:extLst>
               <a:ext uri="{FF2B5EF4-FFF2-40B4-BE49-F238E27FC236}">
-                <a16:creationId xmlns:a16="http://schemas.microsoft.com/office/drawing/2014/main" xmlns="" id="{231C6901-B410-48AC-9E9B-755C82E4B5A4}"/>
+                <a16:creationId xmlns="" xmlns:a16="http://schemas.microsoft.com/office/drawing/2014/main" id="{231C6901-B410-48AC-9E9B-755C82E4B5A4}"/>
               </a:ext>
             </a:extLst>
           </p:cNvPr>
@@ -44922,7 +44982,7 @@
           <p:cNvPr id="3" name="Content Placeholder 2">
             <a:extLst>
               <a:ext uri="{FF2B5EF4-FFF2-40B4-BE49-F238E27FC236}">
-                <a16:creationId xmlns:a16="http://schemas.microsoft.com/office/drawing/2014/main" xmlns="" id="{35D76BC1-1376-4FD7-B9AA-FDF9CE651D72}"/>
+                <a16:creationId xmlns="" xmlns:a16="http://schemas.microsoft.com/office/drawing/2014/main" id="{35D76BC1-1376-4FD7-B9AA-FDF9CE651D72}"/>
               </a:ext>
             </a:extLst>
           </p:cNvPr>
@@ -45103,7 +45163,7 @@
           <p:cNvPr id="2" name="Title 1">
             <a:extLst>
               <a:ext uri="{FF2B5EF4-FFF2-40B4-BE49-F238E27FC236}">
-                <a16:creationId xmlns:a16="http://schemas.microsoft.com/office/drawing/2014/main" xmlns="" id="{AB0E7A9B-A41D-442E-802D-434172309D2A}"/>
+                <a16:creationId xmlns="" xmlns:a16="http://schemas.microsoft.com/office/drawing/2014/main" id="{AB0E7A9B-A41D-442E-802D-434172309D2A}"/>
               </a:ext>
             </a:extLst>
           </p:cNvPr>
@@ -45131,7 +45191,7 @@
           <p:cNvPr id="3" name="Content Placeholder 2">
             <a:extLst>
               <a:ext uri="{FF2B5EF4-FFF2-40B4-BE49-F238E27FC236}">
-                <a16:creationId xmlns:a16="http://schemas.microsoft.com/office/drawing/2014/main" xmlns="" id="{0521ED67-64D5-4B3C-AE59-AA02C5781830}"/>
+                <a16:creationId xmlns="" xmlns:a16="http://schemas.microsoft.com/office/drawing/2014/main" id="{0521ED67-64D5-4B3C-AE59-AA02C5781830}"/>
               </a:ext>
             </a:extLst>
           </p:cNvPr>
@@ -45289,7 +45349,7 @@
           <p:cNvPr id="2" name="Title 1">
             <a:extLst>
               <a:ext uri="{FF2B5EF4-FFF2-40B4-BE49-F238E27FC236}">
-                <a16:creationId xmlns:a16="http://schemas.microsoft.com/office/drawing/2014/main" xmlns="" id="{F59F8DBE-CC60-47A6-AE57-E8A2BD56FB72}"/>
+                <a16:creationId xmlns="" xmlns:a16="http://schemas.microsoft.com/office/drawing/2014/main" id="{F59F8DBE-CC60-47A6-AE57-E8A2BD56FB72}"/>
               </a:ext>
             </a:extLst>
           </p:cNvPr>
@@ -45314,7 +45374,7 @@
           <p:cNvPr id="3" name="Content Placeholder 2">
             <a:extLst>
               <a:ext uri="{FF2B5EF4-FFF2-40B4-BE49-F238E27FC236}">
-                <a16:creationId xmlns:a16="http://schemas.microsoft.com/office/drawing/2014/main" xmlns="" id="{53EA9189-7F2B-4F4F-91C7-BBBD9E0737B6}"/>
+                <a16:creationId xmlns="" xmlns:a16="http://schemas.microsoft.com/office/drawing/2014/main" id="{53EA9189-7F2B-4F4F-91C7-BBBD9E0737B6}"/>
               </a:ext>
             </a:extLst>
           </p:cNvPr>
@@ -45476,7 +45536,7 @@
           <p:cNvPr id="2" name="Title 1">
             <a:extLst>
               <a:ext uri="{FF2B5EF4-FFF2-40B4-BE49-F238E27FC236}">
-                <a16:creationId xmlns:a16="http://schemas.microsoft.com/office/drawing/2014/main" xmlns="" id="{4BA4256F-123A-42FD-8126-7A06207A234B}"/>
+                <a16:creationId xmlns="" xmlns:a16="http://schemas.microsoft.com/office/drawing/2014/main" id="{4BA4256F-123A-42FD-8126-7A06207A234B}"/>
               </a:ext>
             </a:extLst>
           </p:cNvPr>
@@ -45504,7 +45564,7 @@
           <p:cNvPr id="4" name="Content Placeholder 3" descr="Kết quả hình ảnh cho risk monitoring and control example">
             <a:extLst>
               <a:ext uri="{FF2B5EF4-FFF2-40B4-BE49-F238E27FC236}">
-                <a16:creationId xmlns:a16="http://schemas.microsoft.com/office/drawing/2014/main" xmlns="" id="{B38E1AE8-648D-48E3-BBB0-468A462E4A69}"/>
+                <a16:creationId xmlns="" xmlns:a16="http://schemas.microsoft.com/office/drawing/2014/main" id="{B38E1AE8-648D-48E3-BBB0-468A462E4A69}"/>
               </a:ext>
             </a:extLst>
           </p:cNvPr>
@@ -45577,7 +45637,7 @@
           <p:cNvPr id="2" name="Title 1">
             <a:extLst>
               <a:ext uri="{FF2B5EF4-FFF2-40B4-BE49-F238E27FC236}">
-                <a16:creationId xmlns:a16="http://schemas.microsoft.com/office/drawing/2014/main" xmlns="" id="{2BC5D4E0-41C8-4FA2-A66A-F09786E06648}"/>
+                <a16:creationId xmlns="" xmlns:a16="http://schemas.microsoft.com/office/drawing/2014/main" id="{2BC5D4E0-41C8-4FA2-A66A-F09786E06648}"/>
               </a:ext>
             </a:extLst>
           </p:cNvPr>
@@ -45605,7 +45665,7 @@
           <p:cNvPr id="3" name="Content Placeholder 2">
             <a:extLst>
               <a:ext uri="{FF2B5EF4-FFF2-40B4-BE49-F238E27FC236}">
-                <a16:creationId xmlns:a16="http://schemas.microsoft.com/office/drawing/2014/main" xmlns="" id="{8A2DBCEE-68E5-4C62-B918-17510E9C8E7F}"/>
+                <a16:creationId xmlns="" xmlns:a16="http://schemas.microsoft.com/office/drawing/2014/main" id="{8A2DBCEE-68E5-4C62-B918-17510E9C8E7F}"/>
               </a:ext>
             </a:extLst>
           </p:cNvPr>
@@ -45721,7 +45781,7 @@
           <p:cNvPr id="2" name="Title 1">
             <a:extLst>
               <a:ext uri="{FF2B5EF4-FFF2-40B4-BE49-F238E27FC236}">
-                <a16:creationId xmlns:a16="http://schemas.microsoft.com/office/drawing/2014/main" xmlns="" id="{977575E0-58F7-4A8F-A961-B1C0490FDFE8}"/>
+                <a16:creationId xmlns="" xmlns:a16="http://schemas.microsoft.com/office/drawing/2014/main" id="{977575E0-58F7-4A8F-A961-B1C0490FDFE8}"/>
               </a:ext>
             </a:extLst>
           </p:cNvPr>
@@ -45749,7 +45809,7 @@
           <p:cNvPr id="3" name="Content Placeholder 2">
             <a:extLst>
               <a:ext uri="{FF2B5EF4-FFF2-40B4-BE49-F238E27FC236}">
-                <a16:creationId xmlns:a16="http://schemas.microsoft.com/office/drawing/2014/main" xmlns="" id="{3E28F48C-28D7-413A-897E-5166534FFECC}"/>
+                <a16:creationId xmlns="" xmlns:a16="http://schemas.microsoft.com/office/drawing/2014/main" id="{3E28F48C-28D7-413A-897E-5166534FFECC}"/>
               </a:ext>
             </a:extLst>
           </p:cNvPr>
@@ -45846,7 +45906,7 @@
           <p:cNvPr id="2" name="Title 1">
             <a:extLst>
               <a:ext uri="{FF2B5EF4-FFF2-40B4-BE49-F238E27FC236}">
-                <a16:creationId xmlns:a16="http://schemas.microsoft.com/office/drawing/2014/main" xmlns="" id="{42935865-1EF5-488F-B792-D673A2B10F9C}"/>
+                <a16:creationId xmlns="" xmlns:a16="http://schemas.microsoft.com/office/drawing/2014/main" id="{42935865-1EF5-488F-B792-D673A2B10F9C}"/>
               </a:ext>
             </a:extLst>
           </p:cNvPr>
@@ -45874,7 +45934,7 @@
           <p:cNvPr id="4" name="Content Placeholder 3" descr="Kết quả hình ảnh cho risk monitoring and control">
             <a:extLst>
               <a:ext uri="{FF2B5EF4-FFF2-40B4-BE49-F238E27FC236}">
-                <a16:creationId xmlns:a16="http://schemas.microsoft.com/office/drawing/2014/main" xmlns="" id="{A60D8559-5158-4653-844F-FD057CBC21A9}"/>
+                <a16:creationId xmlns="" xmlns:a16="http://schemas.microsoft.com/office/drawing/2014/main" id="{A60D8559-5158-4653-844F-FD057CBC21A9}"/>
               </a:ext>
             </a:extLst>
           </p:cNvPr>
@@ -45947,7 +46007,7 @@
           <p:cNvPr id="2" name="Title 1">
             <a:extLst>
               <a:ext uri="{FF2B5EF4-FFF2-40B4-BE49-F238E27FC236}">
-                <a16:creationId xmlns:a16="http://schemas.microsoft.com/office/drawing/2014/main" xmlns="" id="{10F52F6A-5317-48C3-AA1E-E69C5C0B475A}"/>
+                <a16:creationId xmlns="" xmlns:a16="http://schemas.microsoft.com/office/drawing/2014/main" id="{10F52F6A-5317-48C3-AA1E-E69C5C0B475A}"/>
               </a:ext>
             </a:extLst>
           </p:cNvPr>
@@ -45978,7 +46038,7 @@
           <p:cNvPr id="3" name="Content Placeholder 2">
             <a:extLst>
               <a:ext uri="{FF2B5EF4-FFF2-40B4-BE49-F238E27FC236}">
-                <a16:creationId xmlns:a16="http://schemas.microsoft.com/office/drawing/2014/main" xmlns="" id="{ED2F350C-540D-4BE5-955F-687F42E7C797}"/>
+                <a16:creationId xmlns="" xmlns:a16="http://schemas.microsoft.com/office/drawing/2014/main" id="{ED2F350C-540D-4BE5-955F-687F42E7C797}"/>
               </a:ext>
             </a:extLst>
           </p:cNvPr>
@@ -46068,7 +46128,7 @@
           <p:cNvPr id="2" name="Title 1">
             <a:extLst>
               <a:ext uri="{FF2B5EF4-FFF2-40B4-BE49-F238E27FC236}">
-                <a16:creationId xmlns:a16="http://schemas.microsoft.com/office/drawing/2014/main" xmlns="" id="{FFA541E9-9EA8-4D92-828D-FF7D9FEF555C}"/>
+                <a16:creationId xmlns="" xmlns:a16="http://schemas.microsoft.com/office/drawing/2014/main" id="{FFA541E9-9EA8-4D92-828D-FF7D9FEF555C}"/>
               </a:ext>
             </a:extLst>
           </p:cNvPr>
@@ -46133,7 +46193,7 @@
           <p:cNvPr id="2" name="Title 1">
             <a:extLst>
               <a:ext uri="{FF2B5EF4-FFF2-40B4-BE49-F238E27FC236}">
-                <a16:creationId xmlns:a16="http://schemas.microsoft.com/office/drawing/2014/main" xmlns="" id="{8ACC4731-7024-4C30-AD18-44D09D635A0F}"/>
+                <a16:creationId xmlns="" xmlns:a16="http://schemas.microsoft.com/office/drawing/2014/main" id="{8ACC4731-7024-4C30-AD18-44D09D635A0F}"/>
               </a:ext>
             </a:extLst>
           </p:cNvPr>
@@ -46161,7 +46221,7 @@
           <p:cNvPr id="3" name="Content Placeholder 2">
             <a:extLst>
               <a:ext uri="{FF2B5EF4-FFF2-40B4-BE49-F238E27FC236}">
-                <a16:creationId xmlns:a16="http://schemas.microsoft.com/office/drawing/2014/main" xmlns="" id="{6AA6F14F-2383-4845-8714-04BF103E05B6}"/>
+                <a16:creationId xmlns="" xmlns:a16="http://schemas.microsoft.com/office/drawing/2014/main" id="{6AA6F14F-2383-4845-8714-04BF103E05B6}"/>
               </a:ext>
             </a:extLst>
           </p:cNvPr>
@@ -46240,7 +46300,7 @@
           <p:cNvPr id="2" name="Title 1">
             <a:extLst>
               <a:ext uri="{FF2B5EF4-FFF2-40B4-BE49-F238E27FC236}">
-                <a16:creationId xmlns:a16="http://schemas.microsoft.com/office/drawing/2014/main" xmlns="" id="{821EBD7B-E782-4363-A4CF-C3934671F779}"/>
+                <a16:creationId xmlns="" xmlns:a16="http://schemas.microsoft.com/office/drawing/2014/main" id="{821EBD7B-E782-4363-A4CF-C3934671F779}"/>
               </a:ext>
             </a:extLst>
           </p:cNvPr>
@@ -46268,7 +46328,7 @@
           <p:cNvPr id="3" name="Content Placeholder 2">
             <a:extLst>
               <a:ext uri="{FF2B5EF4-FFF2-40B4-BE49-F238E27FC236}">
-                <a16:creationId xmlns:a16="http://schemas.microsoft.com/office/drawing/2014/main" xmlns="" id="{F81D5BA5-61C3-44DA-A6FB-E92E017B1B04}"/>
+                <a16:creationId xmlns="" xmlns:a16="http://schemas.microsoft.com/office/drawing/2014/main" id="{F81D5BA5-61C3-44DA-A6FB-E92E017B1B04}"/>
               </a:ext>
             </a:extLst>
           </p:cNvPr>
@@ -46393,7 +46453,7 @@
           <p:cNvPr id="2" name="Title 1">
             <a:extLst>
               <a:ext uri="{FF2B5EF4-FFF2-40B4-BE49-F238E27FC236}">
-                <a16:creationId xmlns:a16="http://schemas.microsoft.com/office/drawing/2014/main" xmlns="" id="{A0D5578D-94AE-4863-A226-5C1949480AC1}"/>
+                <a16:creationId xmlns="" xmlns:a16="http://schemas.microsoft.com/office/drawing/2014/main" id="{A0D5578D-94AE-4863-A226-5C1949480AC1}"/>
               </a:ext>
             </a:extLst>
           </p:cNvPr>
@@ -46421,7 +46481,7 @@
           <p:cNvPr id="3" name="Content Placeholder 2">
             <a:extLst>
               <a:ext uri="{FF2B5EF4-FFF2-40B4-BE49-F238E27FC236}">
-                <a16:creationId xmlns:a16="http://schemas.microsoft.com/office/drawing/2014/main" xmlns="" id="{F60FA422-85D3-4D8E-9C8F-4ED7610252B3}"/>
+                <a16:creationId xmlns="" xmlns:a16="http://schemas.microsoft.com/office/drawing/2014/main" id="{F60FA422-85D3-4D8E-9C8F-4ED7610252B3}"/>
               </a:ext>
             </a:extLst>
           </p:cNvPr>

--- a/SEMINAR PROJECT MANAGENMENT.pptx
+++ b/SEMINAR PROJECT MANAGENMENT.pptx
@@ -5,10 +5,10 @@
     <p:sldMasterId id="2147483696" r:id="rId1"/>
   </p:sldMasterIdLst>
   <p:notesMasterIdLst>
-    <p:notesMasterId r:id="rId48"/>
+    <p:notesMasterId r:id="rId53"/>
   </p:notesMasterIdLst>
   <p:handoutMasterIdLst>
-    <p:handoutMasterId r:id="rId49"/>
+    <p:handoutMasterId r:id="rId54"/>
   </p:handoutMasterIdLst>
   <p:sldIdLst>
     <p:sldId id="259" r:id="rId2"/>
@@ -48,15 +48,20 @@
     <p:sldId id="296" r:id="rId36"/>
     <p:sldId id="297" r:id="rId37"/>
     <p:sldId id="298" r:id="rId38"/>
-    <p:sldId id="302" r:id="rId39"/>
-    <p:sldId id="303" r:id="rId40"/>
-    <p:sldId id="304" r:id="rId41"/>
-    <p:sldId id="305" r:id="rId42"/>
-    <p:sldId id="306" r:id="rId43"/>
-    <p:sldId id="307" r:id="rId44"/>
-    <p:sldId id="308" r:id="rId45"/>
-    <p:sldId id="309" r:id="rId46"/>
-    <p:sldId id="310" r:id="rId47"/>
+    <p:sldId id="314" r:id="rId39"/>
+    <p:sldId id="315" r:id="rId40"/>
+    <p:sldId id="316" r:id="rId41"/>
+    <p:sldId id="317" r:id="rId42"/>
+    <p:sldId id="318" r:id="rId43"/>
+    <p:sldId id="319" r:id="rId44"/>
+    <p:sldId id="311" r:id="rId45"/>
+    <p:sldId id="312" r:id="rId46"/>
+    <p:sldId id="313" r:id="rId47"/>
+    <p:sldId id="307" r:id="rId48"/>
+    <p:sldId id="308" r:id="rId49"/>
+    <p:sldId id="309" r:id="rId50"/>
+    <p:sldId id="310" r:id="rId51"/>
+    <p:sldId id="320" r:id="rId52"/>
   </p:sldIdLst>
   <p:sldSz cx="12192000" cy="6858000"/>
   <p:notesSz cx="6858000" cy="9144000"/>
@@ -274,7 +279,7 @@
           <a:p>
             <a:fld id="{9F09733D-69F8-45CE-987F-1E3A67C77C5D}" type="datetimeFigureOut">
               <a:rPr lang="en-US" smtClean="0"/>
-              <a:t>10/31/2019</a:t>
+              <a:t>31-10-2019</a:t>
             </a:fld>
             <a:endParaRPr lang="en-US"/>
           </a:p>
@@ -439,7 +444,7 @@
           <a:p>
             <a:fld id="{4BBDC3DB-9C0B-4EEA-BE0C-C823D6258BF2}" type="datetimeFigureOut">
               <a:rPr lang="en-US" smtClean="0"/>
-              <a:t>10/31/2019</a:t>
+              <a:t>31-10-2019</a:t>
             </a:fld>
             <a:endParaRPr lang="en-US"/>
           </a:p>
@@ -941,7 +946,7 @@
             <a:fld id="{349BF3EA-1A78-4F07-BDC0-C8A1BD461199}" type="datetimeFigureOut">
               <a:rPr lang="en-US" smtClean="0"/>
               <a:pPr/>
-              <a:t>10/31/2019</a:t>
+              <a:t>31-10-2019</a:t>
             </a:fld>
             <a:endParaRPr lang="en-US"/>
           </a:p>
@@ -1139,7 +1144,7 @@
             <a:fld id="{349BF3EA-1A78-4F07-BDC0-C8A1BD461199}" type="datetimeFigureOut">
               <a:rPr lang="en-US" smtClean="0"/>
               <a:pPr/>
-              <a:t>10/31/2019</a:t>
+              <a:t>31-10-2019</a:t>
             </a:fld>
             <a:endParaRPr lang="en-US"/>
           </a:p>
@@ -1348,7 +1353,7 @@
             <a:fld id="{349BF3EA-1A78-4F07-BDC0-C8A1BD461199}" type="datetimeFigureOut">
               <a:rPr lang="en-US" smtClean="0"/>
               <a:pPr/>
-              <a:t>10/31/2019</a:t>
+              <a:t>31-10-2019</a:t>
             </a:fld>
             <a:endParaRPr lang="en-US"/>
           </a:p>
@@ -1548,7 +1553,7 @@
           <a:p>
             <a:fld id="{349BF3EA-1A78-4F07-BDC0-C8A1BD461199}" type="datetimeFigureOut">
               <a:rPr lang="en-US" smtClean="0"/>
-              <a:t>10/31/2019</a:t>
+              <a:t>31-10-2019</a:t>
             </a:fld>
             <a:endParaRPr lang="en-US"/>
           </a:p>
@@ -1798,7 +1803,7 @@
           <a:p>
             <a:fld id="{349BF3EA-1A78-4F07-BDC0-C8A1BD461199}" type="datetimeFigureOut">
               <a:rPr lang="en-US" smtClean="0"/>
-              <a:t>10/31/2019</a:t>
+              <a:t>31-10-2019</a:t>
             </a:fld>
             <a:endParaRPr lang="en-US"/>
           </a:p>
@@ -2079,7 +2084,7 @@
             <a:fld id="{349BF3EA-1A78-4F07-BDC0-C8A1BD461199}" type="datetimeFigureOut">
               <a:rPr lang="en-US" smtClean="0"/>
               <a:pPr/>
-              <a:t>10/31/2019</a:t>
+              <a:t>31-10-2019</a:t>
             </a:fld>
             <a:endParaRPr lang="en-US" dirty="0"/>
           </a:p>
@@ -2468,7 +2473,7 @@
           <a:p>
             <a:fld id="{349BF3EA-1A78-4F07-BDC0-C8A1BD461199}" type="datetimeFigureOut">
               <a:rPr lang="en-US" smtClean="0"/>
-              <a:t>10/31/2019</a:t>
+              <a:t>31-10-2019</a:t>
             </a:fld>
             <a:endParaRPr lang="en-US"/>
           </a:p>
@@ -2589,7 +2594,7 @@
           <a:p>
             <a:fld id="{349BF3EA-1A78-4F07-BDC0-C8A1BD461199}" type="datetimeFigureOut">
               <a:rPr lang="en-US" smtClean="0"/>
-              <a:t>10/31/2019</a:t>
+              <a:t>31-10-2019</a:t>
             </a:fld>
             <a:endParaRPr lang="en-US"/>
           </a:p>
@@ -2687,7 +2692,7 @@
           <a:p>
             <a:fld id="{349BF3EA-1A78-4F07-BDC0-C8A1BD461199}" type="datetimeFigureOut">
               <a:rPr lang="en-US" smtClean="0"/>
-              <a:t>10/31/2019</a:t>
+              <a:t>31-10-2019</a:t>
             </a:fld>
             <a:endParaRPr lang="en-US"/>
           </a:p>
@@ -2983,7 +2988,7 @@
           <a:p>
             <a:fld id="{349BF3EA-1A78-4F07-BDC0-C8A1BD461199}" type="datetimeFigureOut">
               <a:rPr lang="en-US" smtClean="0"/>
-              <a:t>10/31/2019</a:t>
+              <a:t>31-10-2019</a:t>
             </a:fld>
             <a:endParaRPr lang="en-US"/>
           </a:p>
@@ -3281,7 +3286,7 @@
             <a:fld id="{349BF3EA-1A78-4F07-BDC0-C8A1BD461199}" type="datetimeFigureOut">
               <a:rPr lang="en-US" smtClean="0"/>
               <a:pPr/>
-              <a:t>10/31/2019</a:t>
+              <a:t>31-10-2019</a:t>
             </a:fld>
             <a:endParaRPr lang="en-US" dirty="0"/>
           </a:p>
@@ -3523,7 +3528,7 @@
             <a:fld id="{349BF3EA-1A78-4F07-BDC0-C8A1BD461199}" type="datetimeFigureOut">
               <a:rPr lang="en-US" smtClean="0"/>
               <a:pPr/>
-              <a:t>10/31/2019</a:t>
+              <a:t>31-10-2019</a:t>
             </a:fld>
             <a:endParaRPr lang="en-US"/>
           </a:p>
@@ -3575,7 +3580,7 @@
           <p:cNvPr id="7" name="Group 6" descr="Shrubs on seashore">
             <a:extLst>
               <a:ext uri="{FF2B5EF4-FFF2-40B4-BE49-F238E27FC236}">
-                <a16:creationId xmlns="" xmlns:a16="http://schemas.microsoft.com/office/drawing/2014/main" id="{32ABC1A6-8856-41D7-BF42-7ED8D4AC1C81}"/>
+                <a16:creationId xmlns:a16="http://schemas.microsoft.com/office/drawing/2014/main" id="{32ABC1A6-8856-41D7-BF42-7ED8D4AC1C81}"/>
               </a:ext>
             </a:extLst>
           </p:cNvPr>
@@ -37674,7 +37679,7 @@
           <p:cNvPr id="2" name="Title 1">
             <a:extLst>
               <a:ext uri="{FF2B5EF4-FFF2-40B4-BE49-F238E27FC236}">
-                <a16:creationId xmlns="" xmlns:a16="http://schemas.microsoft.com/office/drawing/2014/main" id="{60A3032F-5AF9-4605-A9FF-7A2691055D47}"/>
+                <a16:creationId xmlns:a16="http://schemas.microsoft.com/office/drawing/2014/main" id="{60A3032F-5AF9-4605-A9FF-7A2691055D47}"/>
               </a:ext>
             </a:extLst>
           </p:cNvPr>
@@ -37702,7 +37707,7 @@
           <p:cNvPr id="3" name="Content Placeholder 2">
             <a:extLst>
               <a:ext uri="{FF2B5EF4-FFF2-40B4-BE49-F238E27FC236}">
-                <a16:creationId xmlns="" xmlns:a16="http://schemas.microsoft.com/office/drawing/2014/main" id="{E0AA14E8-B8BA-42A3-979B-16D2AEF1E562}"/>
+                <a16:creationId xmlns:a16="http://schemas.microsoft.com/office/drawing/2014/main" id="{E0AA14E8-B8BA-42A3-979B-16D2AEF1E562}"/>
               </a:ext>
             </a:extLst>
           </p:cNvPr>
@@ -37833,7 +37838,7 @@
           <p:cNvPr id="2" name="Title 1">
             <a:extLst>
               <a:ext uri="{FF2B5EF4-FFF2-40B4-BE49-F238E27FC236}">
-                <a16:creationId xmlns="" xmlns:a16="http://schemas.microsoft.com/office/drawing/2014/main" id="{8EE0ED8A-E301-4C5F-9D01-45BE7A7E1540}"/>
+                <a16:creationId xmlns:a16="http://schemas.microsoft.com/office/drawing/2014/main" id="{8EE0ED8A-E301-4C5F-9D01-45BE7A7E1540}"/>
               </a:ext>
             </a:extLst>
           </p:cNvPr>
@@ -37861,7 +37866,7 @@
           <p:cNvPr id="3" name="Content Placeholder 2">
             <a:extLst>
               <a:ext uri="{FF2B5EF4-FFF2-40B4-BE49-F238E27FC236}">
-                <a16:creationId xmlns="" xmlns:a16="http://schemas.microsoft.com/office/drawing/2014/main" id="{8A017090-2EE2-49BA-B03D-E08DEE51873C}"/>
+                <a16:creationId xmlns:a16="http://schemas.microsoft.com/office/drawing/2014/main" id="{8A017090-2EE2-49BA-B03D-E08DEE51873C}"/>
               </a:ext>
             </a:extLst>
           </p:cNvPr>
@@ -37939,7 +37944,7 @@
           <p:cNvPr id="2" name="Title 1">
             <a:extLst>
               <a:ext uri="{FF2B5EF4-FFF2-40B4-BE49-F238E27FC236}">
-                <a16:creationId xmlns="" xmlns:a16="http://schemas.microsoft.com/office/drawing/2014/main" id="{BFE5C49B-0B46-4966-A8EA-EC0713AA9309}"/>
+                <a16:creationId xmlns:a16="http://schemas.microsoft.com/office/drawing/2014/main" id="{BFE5C49B-0B46-4966-A8EA-EC0713AA9309}"/>
               </a:ext>
             </a:extLst>
           </p:cNvPr>
@@ -37967,7 +37972,7 @@
           <p:cNvPr id="3" name="Content Placeholder 2">
             <a:extLst>
               <a:ext uri="{FF2B5EF4-FFF2-40B4-BE49-F238E27FC236}">
-                <a16:creationId xmlns="" xmlns:a16="http://schemas.microsoft.com/office/drawing/2014/main" id="{0D555A8F-4B69-4348-8BE0-3D703279B4A7}"/>
+                <a16:creationId xmlns:a16="http://schemas.microsoft.com/office/drawing/2014/main" id="{0D555A8F-4B69-4348-8BE0-3D703279B4A7}"/>
               </a:ext>
             </a:extLst>
           </p:cNvPr>
@@ -38064,7 +38069,7 @@
           <p:cNvPr id="2" name="Title 1">
             <a:extLst>
               <a:ext uri="{FF2B5EF4-FFF2-40B4-BE49-F238E27FC236}">
-                <a16:creationId xmlns="" xmlns:a16="http://schemas.microsoft.com/office/drawing/2014/main" id="{3A0FA896-1B48-40D9-AE82-EEA7CD2EC20B}"/>
+                <a16:creationId xmlns:a16="http://schemas.microsoft.com/office/drawing/2014/main" id="{3A0FA896-1B48-40D9-AE82-EEA7CD2EC20B}"/>
               </a:ext>
             </a:extLst>
           </p:cNvPr>
@@ -38092,7 +38097,7 @@
           <p:cNvPr id="5" name="Picture 4">
             <a:extLst>
               <a:ext uri="{FF2B5EF4-FFF2-40B4-BE49-F238E27FC236}">
-                <a16:creationId xmlns="" xmlns:a16="http://schemas.microsoft.com/office/drawing/2014/main" id="{4BDEB431-EE99-44C6-AB5F-EE177260D8E8}"/>
+                <a16:creationId xmlns:a16="http://schemas.microsoft.com/office/drawing/2014/main" id="{4BDEB431-EE99-44C6-AB5F-EE177260D8E8}"/>
               </a:ext>
             </a:extLst>
           </p:cNvPr>
@@ -38152,7 +38157,7 @@
           <p:cNvPr id="7" name="Title 6">
             <a:extLst>
               <a:ext uri="{FF2B5EF4-FFF2-40B4-BE49-F238E27FC236}">
-                <a16:creationId xmlns="" xmlns:a16="http://schemas.microsoft.com/office/drawing/2014/main" id="{CFD16207-6C0C-4C03-B32E-1B0D41CEAB55}"/>
+                <a16:creationId xmlns:a16="http://schemas.microsoft.com/office/drawing/2014/main" id="{CFD16207-6C0C-4C03-B32E-1B0D41CEAB55}"/>
               </a:ext>
             </a:extLst>
           </p:cNvPr>
@@ -38180,7 +38185,7 @@
           <p:cNvPr id="8" name="Content Placeholder 7">
             <a:extLst>
               <a:ext uri="{FF2B5EF4-FFF2-40B4-BE49-F238E27FC236}">
-                <a16:creationId xmlns="" xmlns:a16="http://schemas.microsoft.com/office/drawing/2014/main" id="{DBA70078-A79D-4C38-A641-CCD8383F54DA}"/>
+                <a16:creationId xmlns:a16="http://schemas.microsoft.com/office/drawing/2014/main" id="{DBA70078-A79D-4C38-A641-CCD8383F54DA}"/>
               </a:ext>
             </a:extLst>
           </p:cNvPr>
@@ -38258,7 +38263,7 @@
           <p:cNvPr id="2" name="Title 1">
             <a:extLst>
               <a:ext uri="{FF2B5EF4-FFF2-40B4-BE49-F238E27FC236}">
-                <a16:creationId xmlns="" xmlns:a16="http://schemas.microsoft.com/office/drawing/2014/main" id="{AAF3487D-DA55-45D0-A265-DEC106909C5D}"/>
+                <a16:creationId xmlns:a16="http://schemas.microsoft.com/office/drawing/2014/main" id="{AAF3487D-DA55-45D0-A265-DEC106909C5D}"/>
               </a:ext>
             </a:extLst>
           </p:cNvPr>
@@ -38286,7 +38291,7 @@
           <p:cNvPr id="4" name="Content Placeholder 3">
             <a:extLst>
               <a:ext uri="{FF2B5EF4-FFF2-40B4-BE49-F238E27FC236}">
-                <a16:creationId xmlns="" xmlns:a16="http://schemas.microsoft.com/office/drawing/2014/main" id="{DC4ADC4C-F57A-4100-8DE2-4699FDA0C156}"/>
+                <a16:creationId xmlns:a16="http://schemas.microsoft.com/office/drawing/2014/main" id="{DC4ADC4C-F57A-4100-8DE2-4699FDA0C156}"/>
               </a:ext>
             </a:extLst>
           </p:cNvPr>
@@ -38304,7 +38309,7 @@
         </p:nvGraphicFramePr>
         <p:xfrm>
           <a:off x="2057400" y="1960627"/>
-          <a:ext cx="7566660" cy="3217228"/>
+          <a:ext cx="7566660" cy="3193987"/>
         </p:xfrm>
         <a:graphic>
           <a:graphicData uri="http://schemas.openxmlformats.org/drawingml/2006/table">
@@ -38316,14 +38321,14 @@
                 <a:gridCol w="3789142">
                   <a:extLst>
                     <a:ext uri="{9D8B030D-6E8A-4147-A177-3AD203B41FA5}">
-                      <a16:colId xmlns="" xmlns:a16="http://schemas.microsoft.com/office/drawing/2014/main" val="1872366866"/>
+                      <a16:colId xmlns:a16="http://schemas.microsoft.com/office/drawing/2014/main" val="1872366866"/>
                     </a:ext>
                   </a:extLst>
                 </a:gridCol>
                 <a:gridCol w="3777518">
                   <a:extLst>
                     <a:ext uri="{9D8B030D-6E8A-4147-A177-3AD203B41FA5}">
-                      <a16:colId xmlns="" xmlns:a16="http://schemas.microsoft.com/office/drawing/2014/main" val="1432793745"/>
+                      <a16:colId xmlns:a16="http://schemas.microsoft.com/office/drawing/2014/main" val="1432793745"/>
                     </a:ext>
                   </a:extLst>
                 </a:gridCol>
@@ -38395,7 +38400,7 @@
                 </a:tc>
                 <a:extLst>
                   <a:ext uri="{0D108BD9-81ED-4DB2-BD59-A6C34878D82A}">
-                    <a16:rowId xmlns="" xmlns:a16="http://schemas.microsoft.com/office/drawing/2014/main" val="4111070796"/>
+                    <a16:rowId xmlns:a16="http://schemas.microsoft.com/office/drawing/2014/main" val="4111070796"/>
                   </a:ext>
                 </a:extLst>
               </a:tr>
@@ -38522,7 +38527,7 @@
                 </a:tc>
                 <a:extLst>
                   <a:ext uri="{0D108BD9-81ED-4DB2-BD59-A6C34878D82A}">
-                    <a16:rowId xmlns="" xmlns:a16="http://schemas.microsoft.com/office/drawing/2014/main" val="1157659401"/>
+                    <a16:rowId xmlns:a16="http://schemas.microsoft.com/office/drawing/2014/main" val="1157659401"/>
                   </a:ext>
                 </a:extLst>
               </a:tr>
@@ -38649,7 +38654,7 @@
                 </a:tc>
                 <a:extLst>
                   <a:ext uri="{0D108BD9-81ED-4DB2-BD59-A6C34878D82A}">
-                    <a16:rowId xmlns="" xmlns:a16="http://schemas.microsoft.com/office/drawing/2014/main" val="3854350339"/>
+                    <a16:rowId xmlns:a16="http://schemas.microsoft.com/office/drawing/2014/main" val="3854350339"/>
                   </a:ext>
                 </a:extLst>
               </a:tr>
@@ -38751,7 +38756,7 @@
                 </a:tc>
                 <a:extLst>
                   <a:ext uri="{0D108BD9-81ED-4DB2-BD59-A6C34878D82A}">
-                    <a16:rowId xmlns="" xmlns:a16="http://schemas.microsoft.com/office/drawing/2014/main" val="818746946"/>
+                    <a16:rowId xmlns:a16="http://schemas.microsoft.com/office/drawing/2014/main" val="818746946"/>
                   </a:ext>
                 </a:extLst>
               </a:tr>
@@ -38794,7 +38799,7 @@
           <p:cNvPr id="2" name="Title 1">
             <a:extLst>
               <a:ext uri="{FF2B5EF4-FFF2-40B4-BE49-F238E27FC236}">
-                <a16:creationId xmlns="" xmlns:a16="http://schemas.microsoft.com/office/drawing/2014/main" id="{5DA6D9FD-E6EE-4F33-97AE-69A280152054}"/>
+                <a16:creationId xmlns:a16="http://schemas.microsoft.com/office/drawing/2014/main" id="{5DA6D9FD-E6EE-4F33-97AE-69A280152054}"/>
               </a:ext>
             </a:extLst>
           </p:cNvPr>
@@ -38822,7 +38827,7 @@
           <p:cNvPr id="3" name="Content Placeholder 2">
             <a:extLst>
               <a:ext uri="{FF2B5EF4-FFF2-40B4-BE49-F238E27FC236}">
-                <a16:creationId xmlns="" xmlns:a16="http://schemas.microsoft.com/office/drawing/2014/main" id="{5E49514A-A27B-4E67-8B29-080ABAB40CB4}"/>
+                <a16:creationId xmlns:a16="http://schemas.microsoft.com/office/drawing/2014/main" id="{5E49514A-A27B-4E67-8B29-080ABAB40CB4}"/>
               </a:ext>
             </a:extLst>
           </p:cNvPr>
@@ -38885,7 +38890,7 @@
           <p:cNvPr id="2" name="Title 1">
             <a:extLst>
               <a:ext uri="{FF2B5EF4-FFF2-40B4-BE49-F238E27FC236}">
-                <a16:creationId xmlns="" xmlns:a16="http://schemas.microsoft.com/office/drawing/2014/main" id="{EFEFBA1F-00CD-4B90-B7C1-FF4E6A242CA3}"/>
+                <a16:creationId xmlns:a16="http://schemas.microsoft.com/office/drawing/2014/main" id="{EFEFBA1F-00CD-4B90-B7C1-FF4E6A242CA3}"/>
               </a:ext>
             </a:extLst>
           </p:cNvPr>
@@ -38913,7 +38918,7 @@
           <p:cNvPr id="3" name="Content Placeholder 2">
             <a:extLst>
               <a:ext uri="{FF2B5EF4-FFF2-40B4-BE49-F238E27FC236}">
-                <a16:creationId xmlns="" xmlns:a16="http://schemas.microsoft.com/office/drawing/2014/main" id="{B09139E6-136D-47C6-8870-0AA416D4457E}"/>
+                <a16:creationId xmlns:a16="http://schemas.microsoft.com/office/drawing/2014/main" id="{B09139E6-136D-47C6-8870-0AA416D4457E}"/>
               </a:ext>
             </a:extLst>
           </p:cNvPr>
@@ -39006,7 +39011,7 @@
           <p:cNvPr id="2" name="Title 1">
             <a:extLst>
               <a:ext uri="{FF2B5EF4-FFF2-40B4-BE49-F238E27FC236}">
-                <a16:creationId xmlns="" xmlns:a16="http://schemas.microsoft.com/office/drawing/2014/main" id="{698680FB-35CD-40A1-A23B-02902A2F9A75}"/>
+                <a16:creationId xmlns:a16="http://schemas.microsoft.com/office/drawing/2014/main" id="{698680FB-35CD-40A1-A23B-02902A2F9A75}"/>
               </a:ext>
             </a:extLst>
           </p:cNvPr>
@@ -39034,7 +39039,7 @@
           <p:cNvPr id="5" name="Content Placeholder 4">
             <a:extLst>
               <a:ext uri="{FF2B5EF4-FFF2-40B4-BE49-F238E27FC236}">
-                <a16:creationId xmlns="" xmlns:a16="http://schemas.microsoft.com/office/drawing/2014/main" id="{13D6317E-A779-44FB-8E12-9583114BE072}"/>
+                <a16:creationId xmlns:a16="http://schemas.microsoft.com/office/drawing/2014/main" id="{13D6317E-A779-44FB-8E12-9583114BE072}"/>
               </a:ext>
             </a:extLst>
           </p:cNvPr>
@@ -39093,7 +39098,7 @@
           <p:cNvPr id="2" name="Title 1">
             <a:extLst>
               <a:ext uri="{FF2B5EF4-FFF2-40B4-BE49-F238E27FC236}">
-                <a16:creationId xmlns="" xmlns:a16="http://schemas.microsoft.com/office/drawing/2014/main" id="{6176A1BA-13A3-42BF-869F-979F92570806}"/>
+                <a16:creationId xmlns:a16="http://schemas.microsoft.com/office/drawing/2014/main" id="{6176A1BA-13A3-42BF-869F-979F92570806}"/>
               </a:ext>
             </a:extLst>
           </p:cNvPr>
@@ -39121,7 +39126,7 @@
           <p:cNvPr id="3" name="Content Placeholder 2">
             <a:extLst>
               <a:ext uri="{FF2B5EF4-FFF2-40B4-BE49-F238E27FC236}">
-                <a16:creationId xmlns="" xmlns:a16="http://schemas.microsoft.com/office/drawing/2014/main" id="{01378B80-6ABF-4910-A55A-E6CD2B15FBAE}"/>
+                <a16:creationId xmlns:a16="http://schemas.microsoft.com/office/drawing/2014/main" id="{01378B80-6ABF-4910-A55A-E6CD2B15FBAE}"/>
               </a:ext>
             </a:extLst>
           </p:cNvPr>
@@ -39347,7 +39352,7 @@
           <p:cNvPr id="2" name="Title 1">
             <a:extLst>
               <a:ext uri="{FF2B5EF4-FFF2-40B4-BE49-F238E27FC236}">
-                <a16:creationId xmlns="" xmlns:a16="http://schemas.microsoft.com/office/drawing/2014/main" id="{DC6E8865-6CC3-4653-9261-D6BE59018291}"/>
+                <a16:creationId xmlns:a16="http://schemas.microsoft.com/office/drawing/2014/main" id="{DC6E8865-6CC3-4653-9261-D6BE59018291}"/>
               </a:ext>
             </a:extLst>
           </p:cNvPr>
@@ -39375,7 +39380,7 @@
           <p:cNvPr id="3" name="Content Placeholder 2">
             <a:extLst>
               <a:ext uri="{FF2B5EF4-FFF2-40B4-BE49-F238E27FC236}">
-                <a16:creationId xmlns="" xmlns:a16="http://schemas.microsoft.com/office/drawing/2014/main" id="{AB6A57D8-FAFC-4A9F-91C5-25A3758FBAC8}"/>
+                <a16:creationId xmlns:a16="http://schemas.microsoft.com/office/drawing/2014/main" id="{AB6A57D8-FAFC-4A9F-91C5-25A3758FBAC8}"/>
               </a:ext>
             </a:extLst>
           </p:cNvPr>
@@ -39465,7 +39470,7 @@
           <p:cNvPr id="2" name="Title 1">
             <a:extLst>
               <a:ext uri="{FF2B5EF4-FFF2-40B4-BE49-F238E27FC236}">
-                <a16:creationId xmlns="" xmlns:a16="http://schemas.microsoft.com/office/drawing/2014/main" id="{CD44C8EA-4DC5-4702-84EF-C21AC41BBE91}"/>
+                <a16:creationId xmlns:a16="http://schemas.microsoft.com/office/drawing/2014/main" id="{CD44C8EA-4DC5-4702-84EF-C21AC41BBE91}"/>
               </a:ext>
             </a:extLst>
           </p:cNvPr>
@@ -39493,7 +39498,7 @@
           <p:cNvPr id="3" name="Content Placeholder 2">
             <a:extLst>
               <a:ext uri="{FF2B5EF4-FFF2-40B4-BE49-F238E27FC236}">
-                <a16:creationId xmlns="" xmlns:a16="http://schemas.microsoft.com/office/drawing/2014/main" id="{E5C7DED5-3903-4A10-84A9-6443C79ECB2D}"/>
+                <a16:creationId xmlns:a16="http://schemas.microsoft.com/office/drawing/2014/main" id="{E5C7DED5-3903-4A10-84A9-6443C79ECB2D}"/>
               </a:ext>
             </a:extLst>
           </p:cNvPr>
@@ -39610,7 +39615,7 @@
           <p:cNvPr id="2" name="Title 1">
             <a:extLst>
               <a:ext uri="{FF2B5EF4-FFF2-40B4-BE49-F238E27FC236}">
-                <a16:creationId xmlns="" xmlns:a16="http://schemas.microsoft.com/office/drawing/2014/main" id="{04B2F0A5-F01F-4193-850C-E6E8BAEEFE0A}"/>
+                <a16:creationId xmlns:a16="http://schemas.microsoft.com/office/drawing/2014/main" id="{04B2F0A5-F01F-4193-850C-E6E8BAEEFE0A}"/>
               </a:ext>
             </a:extLst>
           </p:cNvPr>
@@ -39638,7 +39643,7 @@
           <p:cNvPr id="3" name="Content Placeholder 2">
             <a:extLst>
               <a:ext uri="{FF2B5EF4-FFF2-40B4-BE49-F238E27FC236}">
-                <a16:creationId xmlns="" xmlns:a16="http://schemas.microsoft.com/office/drawing/2014/main" id="{D92F516D-601D-48D4-BE8A-824C0723C62F}"/>
+                <a16:creationId xmlns:a16="http://schemas.microsoft.com/office/drawing/2014/main" id="{D92F516D-601D-48D4-BE8A-824C0723C62F}"/>
               </a:ext>
             </a:extLst>
           </p:cNvPr>
@@ -39664,7 +39669,11 @@
               <a:buAutoNum type="romanUcPeriod" startAt="6"/>
             </a:pPr>
             <a:r>
-              <a:rPr lang="en-US" b="1" dirty="0"/>
+              <a:rPr lang="en-US" b="1" dirty="0">
+                <a:solidFill>
+                  <a:schemeClr val="tx1"/>
+                </a:solidFill>
+              </a:rPr>
               <a:t> Project Risk By Phases</a:t>
             </a:r>
           </a:p>
@@ -39674,7 +39683,11 @@
               <a:buAutoNum type="alphaLcPeriod" startAt="2"/>
             </a:pPr>
             <a:r>
-              <a:rPr lang="en-US" b="1" dirty="0"/>
+              <a:rPr lang="en-US" sz="1800" b="1" dirty="0">
+                <a:solidFill>
+                  <a:schemeClr val="tx1"/>
+                </a:solidFill>
+              </a:rPr>
               <a:t>Planning phases</a:t>
             </a:r>
           </a:p>
@@ -39683,15 +39696,13 @@
               <a:buNone/>
             </a:pPr>
             <a:r>
-              <a:rPr lang="en-US" dirty="0"/>
+              <a:rPr lang="en-US" sz="1800" dirty="0">
+                <a:solidFill>
+                  <a:schemeClr val="tx1"/>
+                </a:solidFill>
+              </a:rPr>
               <a:t>Once the project is approved and it moves into the planning stage, risks are identified for each major activity group. A risk division structure (RBS) can be used to determine the level of detailed risk analysis.</a:t>
             </a:r>
-          </a:p>
-          <a:p>
-            <a:pPr marL="1257300" lvl="3" indent="0">
-              <a:buNone/>
-            </a:pPr>
-            <a:endParaRPr lang="en-US" dirty="0"/>
           </a:p>
           <a:p>
             <a:pPr lvl="2" indent="-342900">
@@ -39699,7 +39710,11 @@
               <a:buAutoNum type="alphaLcPeriod" startAt="2"/>
             </a:pPr>
             <a:r>
-              <a:rPr lang="en-US" b="1" dirty="0"/>
+              <a:rPr lang="en-US" sz="1800" b="1" dirty="0">
+                <a:solidFill>
+                  <a:schemeClr val="tx1"/>
+                </a:solidFill>
+              </a:rPr>
               <a:t>Implementation phases</a:t>
             </a:r>
           </a:p>
@@ -39708,15 +39723,13 @@
               <a:buNone/>
             </a:pPr>
             <a:r>
-              <a:rPr lang="en-US" dirty="0"/>
+              <a:rPr lang="en-US" sz="1800" dirty="0">
+                <a:solidFill>
+                  <a:schemeClr val="tx1"/>
+                </a:solidFill>
+              </a:rPr>
               <a:t>As the project progresses and more information is available to the project team, the overall risk on the project often decreases, because the activities are carried out without loss. The risk plan should be updated with new information and check the risks associated with the activities performed.</a:t>
             </a:r>
-          </a:p>
-          <a:p>
-            <a:pPr marL="1257300" lvl="3" indent="0">
-              <a:buNone/>
-            </a:pPr>
-            <a:endParaRPr lang="en-US" dirty="0"/>
           </a:p>
           <a:p>
             <a:pPr lvl="2" indent="-342900">
@@ -39724,7 +39737,11 @@
               <a:buAutoNum type="alphaLcPeriod" startAt="2"/>
             </a:pPr>
             <a:r>
-              <a:rPr lang="en-US" b="1" dirty="0"/>
+              <a:rPr lang="en-US" sz="1800" b="1" dirty="0">
+                <a:solidFill>
+                  <a:schemeClr val="tx1"/>
+                </a:solidFill>
+              </a:rPr>
               <a:t>Closeout Phases</a:t>
             </a:r>
           </a:p>
@@ -39733,16 +39750,28 @@
               <a:buNone/>
             </a:pPr>
             <a:r>
-              <a:rPr lang="en-US" dirty="0"/>
+              <a:rPr lang="en-US" sz="1800" dirty="0">
+                <a:solidFill>
+                  <a:schemeClr val="tx1"/>
+                </a:solidFill>
+              </a:rPr>
               <a:t>In the closing phase, risk sharing and risk transfer arrangements should be signed and the risk-sharing structure checked to ensure that all risk events have been avoided or minimized. Final estimates of risk losses can be made and recorded as part of the project document</a:t>
             </a:r>
             <a:r>
-              <a:rPr lang="en-US" b="1" dirty="0"/>
+              <a:rPr lang="en-US" sz="1800" b="1" dirty="0">
+                <a:solidFill>
+                  <a:schemeClr val="tx1"/>
+                </a:solidFill>
+              </a:rPr>
               <a:t>.</a:t>
             </a:r>
           </a:p>
           <a:p>
-            <a:endParaRPr lang="en-US" dirty="0"/>
+            <a:endParaRPr lang="en-US" dirty="0">
+              <a:solidFill>
+                <a:schemeClr val="tx1"/>
+              </a:solidFill>
+            </a:endParaRPr>
           </a:p>
         </p:txBody>
       </p:sp>
@@ -39801,7 +39830,7 @@
                   </a:outerShdw>
                 </a:effectLst>
               </a:rPr>
-              <a:t>Risk Analysis</a:t>
+              <a:t>RISK ANALYSIS</a:t>
             </a:r>
             <a:endParaRPr lang="en-US" dirty="0"/>
           </a:p>
@@ -39828,6 +39857,9 @@
             </a:pPr>
             <a:r>
               <a:rPr lang="en-US" b="1" dirty="0">
+                <a:solidFill>
+                  <a:schemeClr val="tx1"/>
+                </a:solidFill>
                 <a:latin typeface="Arial" panose="020B0604020202020204" pitchFamily="34" charset="0"/>
                 <a:cs typeface="Arial" panose="020B0604020202020204" pitchFamily="34" charset="0"/>
               </a:rPr>
@@ -39836,37 +39868,32 @@
           </a:p>
           <a:p>
             <a:r>
-              <a:rPr lang="en-US" dirty="0" smtClean="0">
+              <a:rPr lang="en-US" dirty="0">
+                <a:solidFill>
+                  <a:schemeClr val="tx1"/>
+                </a:solidFill>
                 <a:latin typeface="Arial" panose="020B0604020202020204" pitchFamily="34" charset="0"/>
                 <a:cs typeface="Arial" panose="020B0604020202020204" pitchFamily="34" charset="0"/>
               </a:rPr>
-              <a:t> Once </a:t>
-            </a:r>
-            <a:r>
-              <a:rPr lang="en-US" dirty="0">
-                <a:latin typeface="Arial" panose="020B0604020202020204" pitchFamily="34" charset="0"/>
-                <a:cs typeface="Arial" panose="020B0604020202020204" pitchFamily="34" charset="0"/>
-              </a:rPr>
-              <a:t>you have identified the risks that could affect your project, you need to determine which ones you will spend time and money on.</a:t>
+              <a:t> Once you have identified the risks that could affect your project, you need to determine which ones you will spend time and money on.</a:t>
             </a:r>
           </a:p>
           <a:p>
             <a:r>
-              <a:rPr lang="en-US" b="1" dirty="0" smtClean="0">
+              <a:rPr lang="en-US" b="1" dirty="0">
+                <a:solidFill>
+                  <a:schemeClr val="tx1"/>
+                </a:solidFill>
                 <a:latin typeface="Arial" panose="020B0604020202020204" pitchFamily="34" charset="0"/>
                 <a:cs typeface="Arial" panose="020B0604020202020204" pitchFamily="34" charset="0"/>
               </a:rPr>
-              <a:t> Risk </a:t>
-            </a:r>
-            <a:r>
-              <a:rPr lang="en-US" b="1" dirty="0">
-                <a:latin typeface="Arial" panose="020B0604020202020204" pitchFamily="34" charset="0"/>
-                <a:cs typeface="Arial" panose="020B0604020202020204" pitchFamily="34" charset="0"/>
-              </a:rPr>
-              <a:t>analysis</a:t>
+              <a:t> Risk analysis</a:t>
             </a:r>
             <a:r>
               <a:rPr lang="en-US" dirty="0">
+                <a:solidFill>
+                  <a:schemeClr val="tx1"/>
+                </a:solidFill>
                 <a:latin typeface="Arial" panose="020B0604020202020204" pitchFamily="34" charset="0"/>
                 <a:cs typeface="Arial" panose="020B0604020202020204" pitchFamily="34" charset="0"/>
               </a:rPr>
@@ -39874,6 +39901,9 @@
             </a:r>
             <a:r>
               <a:rPr lang="en-US" i="1" dirty="0">
+                <a:solidFill>
+                  <a:schemeClr val="tx1"/>
+                </a:solidFill>
                 <a:latin typeface="Arial" panose="020B0604020202020204" pitchFamily="34" charset="0"/>
                 <a:cs typeface="Arial" panose="020B0604020202020204" pitchFamily="34" charset="0"/>
               </a:rPr>
@@ -39881,6 +39911,9 @@
             </a:r>
             <a:r>
               <a:rPr lang="en-US" dirty="0">
+                <a:solidFill>
+                  <a:schemeClr val="tx1"/>
+                </a:solidFill>
                 <a:latin typeface="Arial" panose="020B0604020202020204" pitchFamily="34" charset="0"/>
                 <a:cs typeface="Arial" panose="020B0604020202020204" pitchFamily="34" charset="0"/>
               </a:rPr>
@@ -39888,6 +39921,9 @@
             </a:r>
             <a:r>
               <a:rPr lang="en-US" i="1" dirty="0">
+                <a:solidFill>
+                  <a:schemeClr val="tx1"/>
+                </a:solidFill>
                 <a:latin typeface="Arial" panose="020B0604020202020204" pitchFamily="34" charset="0"/>
                 <a:cs typeface="Arial" panose="020B0604020202020204" pitchFamily="34" charset="0"/>
               </a:rPr>
@@ -39895,6 +39931,9 @@
             </a:r>
             <a:r>
               <a:rPr lang="en-US" dirty="0">
+                <a:solidFill>
+                  <a:schemeClr val="tx1"/>
+                </a:solidFill>
                 <a:latin typeface="Arial" panose="020B0604020202020204" pitchFamily="34" charset="0"/>
                 <a:cs typeface="Arial" panose="020B0604020202020204" pitchFamily="34" charset="0"/>
               </a:rPr>
@@ -39903,6 +39942,9 @@
           </a:p>
           <a:p>
             <a:endParaRPr lang="en-US" dirty="0">
+              <a:solidFill>
+                <a:schemeClr val="tx1"/>
+              </a:solidFill>
               <a:latin typeface="Arial" panose="020B0604020202020204" pitchFamily="34" charset="0"/>
               <a:cs typeface="Arial" panose="020B0604020202020204" pitchFamily="34" charset="0"/>
             </a:endParaRPr>
@@ -40004,30 +40046,11 @@
                     </a:srgbClr>
                   </a:outerShdw>
                 </a:effectLst>
+                <a:latin typeface="Arial" panose="020B0604020202020204" pitchFamily="34" charset="0"/>
+                <a:cs typeface="Arial" panose="020B0604020202020204" pitchFamily="34" charset="0"/>
               </a:rPr>
-              <a:t>Risk </a:t>
+              <a:t>RISK ANALYSIS</a:t>
             </a:r>
-            <a:r>
-              <a:rPr lang="en-US" dirty="0" smtClean="0">
-                <a:effectLst>
-                  <a:outerShdw blurRad="38100" dist="38100" dir="2700000" algn="tl">
-                    <a:srgbClr val="000000">
-                      <a:alpha val="43137"/>
-                    </a:srgbClr>
-                  </a:outerShdw>
-                </a:effectLst>
-              </a:rPr>
-              <a:t>Analysis</a:t>
-            </a:r>
-            <a:endParaRPr lang="en-US" dirty="0">
-              <a:effectLst>
-                <a:outerShdw blurRad="38100" dist="38100" dir="2700000" algn="tl">
-                  <a:srgbClr val="000000">
-                    <a:alpha val="43137"/>
-                  </a:srgbClr>
-                </a:outerShdw>
-              </a:effectLst>
-            </a:endParaRPr>
           </a:p>
         </p:txBody>
       </p:sp>
@@ -40051,12 +40074,18 @@
             <a:pPr lvl="1"/>
             <a:r>
               <a:rPr lang="en-US" sz="2400" dirty="0">
+                <a:solidFill>
+                  <a:schemeClr val="tx1"/>
+                </a:solidFill>
                 <a:latin typeface="Arial" panose="020B0604020202020204" pitchFamily="34" charset="0"/>
                 <a:cs typeface="Arial" panose="020B0604020202020204" pitchFamily="34" charset="0"/>
               </a:rPr>
               <a:t>There are two primary methods of risk analysis you can use on your project</a:t>
             </a:r>
-            <a:endParaRPr lang="en-US" sz="2400" b="1" i="1" dirty="0" smtClean="0">
+            <a:endParaRPr lang="en-US" sz="2400" b="1" i="1" dirty="0">
+              <a:solidFill>
+                <a:schemeClr val="tx1"/>
+              </a:solidFill>
               <a:latin typeface="Arial" panose="020B0604020202020204" pitchFamily="34" charset="0"/>
               <a:cs typeface="Arial" panose="020B0604020202020204" pitchFamily="34" charset="0"/>
             </a:endParaRPr>
@@ -40067,27 +40096,19 @@
               <a:buChar char="•"/>
             </a:pPr>
             <a:r>
-              <a:rPr lang="en-US" sz="2400" b="1" i="1" dirty="0" smtClean="0">
+              <a:rPr lang="en-US" sz="2400" b="1" i="1" dirty="0">
+                <a:solidFill>
+                  <a:schemeClr val="tx1"/>
+                </a:solidFill>
                 <a:latin typeface="Arial" panose="020B0604020202020204" pitchFamily="34" charset="0"/>
                 <a:cs typeface="Arial" panose="020B0604020202020204" pitchFamily="34" charset="0"/>
               </a:rPr>
-              <a:t>Quantitative </a:t>
+              <a:t>Quantitative Risk Analysis</a:t>
             </a:r>
-            <a:r>
-              <a:rPr lang="en-US" sz="2400" b="1" i="1" dirty="0">
-                <a:latin typeface="Arial" panose="020B0604020202020204" pitchFamily="34" charset="0"/>
-                <a:cs typeface="Arial" panose="020B0604020202020204" pitchFamily="34" charset="0"/>
-              </a:rPr>
-              <a:t>Risk </a:t>
-            </a:r>
-            <a:r>
-              <a:rPr lang="en-US" sz="2400" b="1" i="1" dirty="0" smtClean="0">
-                <a:latin typeface="Arial" panose="020B0604020202020204" pitchFamily="34" charset="0"/>
-                <a:cs typeface="Arial" panose="020B0604020202020204" pitchFamily="34" charset="0"/>
-              </a:rPr>
-              <a:t>Analysis</a:t>
-            </a:r>
-            <a:endParaRPr lang="en-US" sz="2400" dirty="0" smtClean="0">
+            <a:endParaRPr lang="en-US" sz="2400" dirty="0">
+              <a:solidFill>
+                <a:schemeClr val="tx1"/>
+              </a:solidFill>
               <a:latin typeface="Arial" panose="020B0604020202020204" pitchFamily="34" charset="0"/>
               <a:cs typeface="Arial" panose="020B0604020202020204" pitchFamily="34" charset="0"/>
             </a:endParaRPr>
@@ -40098,23 +40119,15 @@
               <a:buChar char="•"/>
             </a:pPr>
             <a:r>
-              <a:rPr lang="en-US" sz="2400" b="1" i="1" dirty="0" smtClean="0">
+              <a:rPr lang="en-US" sz="2400" b="1" i="1" dirty="0">
+                <a:solidFill>
+                  <a:schemeClr val="tx1"/>
+                </a:solidFill>
                 <a:latin typeface="Arial" panose="020B0604020202020204" pitchFamily="34" charset="0"/>
                 <a:cs typeface="Arial" panose="020B0604020202020204" pitchFamily="34" charset="0"/>
               </a:rPr>
-              <a:t>Qualitative </a:t>
+              <a:t>Qualitative Risk Analysis</a:t>
             </a:r>
-            <a:r>
-              <a:rPr lang="en-US" sz="2400" b="1" i="1" dirty="0">
-                <a:latin typeface="Arial" panose="020B0604020202020204" pitchFamily="34" charset="0"/>
-                <a:cs typeface="Arial" panose="020B0604020202020204" pitchFamily="34" charset="0"/>
-              </a:rPr>
-              <a:t>Risk Analysis</a:t>
-            </a:r>
-            <a:endParaRPr lang="en-US" sz="2400" b="1" i="1" dirty="0" smtClean="0">
-              <a:latin typeface="Arial" panose="020B0604020202020204" pitchFamily="34" charset="0"/>
-              <a:cs typeface="Arial" panose="020B0604020202020204" pitchFamily="34" charset="0"/>
-            </a:endParaRPr>
           </a:p>
         </p:txBody>
       </p:sp>
@@ -40205,9 +40218,30 @@
           <a:lstStyle/>
           <a:p>
             <a:r>
-              <a:rPr lang="en-US" dirty="0"/>
-              <a:t>Quantitative Risk Analysis</a:t>
+              <a:rPr lang="en-US" dirty="0">
+                <a:latin typeface="Arial" panose="020B0604020202020204" pitchFamily="34" charset="0"/>
+                <a:cs typeface="Arial" panose="020B0604020202020204" pitchFamily="34" charset="0"/>
+              </a:rPr>
+              <a:t>QUANTITATIVE </a:t>
             </a:r>
+            <a:r>
+              <a:rPr lang="en-US" dirty="0">
+                <a:effectLst>
+                  <a:outerShdw blurRad="38100" dist="38100" dir="2700000" algn="tl">
+                    <a:srgbClr val="000000">
+                      <a:alpha val="43137"/>
+                    </a:srgbClr>
+                  </a:outerShdw>
+                </a:effectLst>
+                <a:latin typeface="Arial" panose="020B0604020202020204" pitchFamily="34" charset="0"/>
+                <a:cs typeface="Arial" panose="020B0604020202020204" pitchFamily="34" charset="0"/>
+              </a:rPr>
+              <a:t>RISK ANALYSIS</a:t>
+            </a:r>
+            <a:endParaRPr lang="en-US" dirty="0">
+              <a:latin typeface="Arial" panose="020B0604020202020204" pitchFamily="34" charset="0"/>
+              <a:cs typeface="Arial" panose="020B0604020202020204" pitchFamily="34" charset="0"/>
+            </a:endParaRPr>
           </a:p>
         </p:txBody>
       </p:sp>
@@ -40228,6 +40262,9 @@
           <a:p>
             <a:r>
               <a:rPr lang="en-US" b="1" dirty="0">
+                <a:solidFill>
+                  <a:schemeClr val="tx1"/>
+                </a:solidFill>
                 <a:latin typeface="Arial" panose="020B0604020202020204" pitchFamily="34" charset="0"/>
                 <a:cs typeface="Arial" panose="020B0604020202020204" pitchFamily="34" charset="0"/>
               </a:rPr>
@@ -40235,21 +40272,20 @@
             </a:r>
             <a:r>
               <a:rPr lang="en-US" dirty="0">
+                <a:solidFill>
+                  <a:schemeClr val="tx1"/>
+                </a:solidFill>
                 <a:latin typeface="Arial" panose="020B0604020202020204" pitchFamily="34" charset="0"/>
                 <a:cs typeface="Arial" panose="020B0604020202020204" pitchFamily="34" charset="0"/>
               </a:rPr>
-              <a:t> is a technique used to quantify risk associated with a particular hazard. Risk assessment is used for uncertain events that could have many outcomes and for which there could be significant consequences</a:t>
-            </a:r>
-            <a:r>
-              <a:rPr lang="en-US" dirty="0" smtClean="0">
-                <a:latin typeface="Arial" panose="020B0604020202020204" pitchFamily="34" charset="0"/>
-                <a:cs typeface="Arial" panose="020B0604020202020204" pitchFamily="34" charset="0"/>
-              </a:rPr>
-              <a:t>.</a:t>
+              <a:t> is a technique used to quantify risk associated with a particular hazard. Risk assessment is used for uncertain events that could have many outcomes and for which there could be significant consequences.</a:t>
             </a:r>
           </a:p>
           <a:p>
             <a:endParaRPr lang="en-US" dirty="0">
+              <a:solidFill>
+                <a:schemeClr val="tx1"/>
+              </a:solidFill>
               <a:latin typeface="Arial" panose="020B0604020202020204" pitchFamily="34" charset="0"/>
               <a:cs typeface="Arial" panose="020B0604020202020204" pitchFamily="34" charset="0"/>
             </a:endParaRPr>
@@ -40351,42 +40387,11 @@
                     </a:srgbClr>
                   </a:outerShdw>
                 </a:effectLst>
+                <a:latin typeface="Arial" panose="020B0604020202020204" pitchFamily="34" charset="0"/>
+                <a:cs typeface="Arial" panose="020B0604020202020204" pitchFamily="34" charset="0"/>
               </a:rPr>
-              <a:t>The Risk </a:t>
+              <a:t>THE RISK ASSESSMENT MATRIX</a:t>
             </a:r>
-            <a:r>
-              <a:rPr lang="en-US" dirty="0" smtClean="0">
-                <a:effectLst>
-                  <a:outerShdw blurRad="38100" dist="38100" dir="2700000" algn="tl">
-                    <a:srgbClr val="000000">
-                      <a:alpha val="43137"/>
-                    </a:srgbClr>
-                  </a:outerShdw>
-                </a:effectLst>
-              </a:rPr>
-              <a:t>Assessment </a:t>
-            </a:r>
-            <a:r>
-              <a:rPr lang="en-US" dirty="0" smtClean="0">
-                <a:effectLst>
-                  <a:outerShdw blurRad="38100" dist="38100" dir="2700000" algn="tl">
-                    <a:srgbClr val="000000">
-                      <a:alpha val="43137"/>
-                    </a:srgbClr>
-                  </a:outerShdw>
-                </a:effectLst>
-              </a:rPr>
-              <a:t>Matrix</a:t>
-            </a:r>
-            <a:endParaRPr lang="en-US" dirty="0">
-              <a:effectLst>
-                <a:outerShdw blurRad="38100" dist="38100" dir="2700000" algn="tl">
-                  <a:srgbClr val="000000">
-                    <a:alpha val="43137"/>
-                  </a:srgbClr>
-                </a:outerShdw>
-              </a:effectLst>
-            </a:endParaRPr>
           </a:p>
         </p:txBody>
       </p:sp>
@@ -40407,6 +40412,9 @@
           <a:p>
             <a:r>
               <a:rPr lang="en-US" dirty="0">
+                <a:solidFill>
+                  <a:schemeClr val="tx1"/>
+                </a:solidFill>
                 <a:latin typeface="Arial" panose="020B0604020202020204" pitchFamily="34" charset="0"/>
                 <a:cs typeface="Arial" panose="020B0604020202020204" pitchFamily="34" charset="0"/>
               </a:rPr>
@@ -40414,6 +40422,9 @@
             </a:r>
             <a:r>
               <a:rPr lang="en-US" b="1" dirty="0">
+                <a:solidFill>
+                  <a:schemeClr val="tx1"/>
+                </a:solidFill>
                 <a:latin typeface="Arial" panose="020B0604020202020204" pitchFamily="34" charset="0"/>
                 <a:cs typeface="Arial" panose="020B0604020202020204" pitchFamily="34" charset="0"/>
               </a:rPr>
@@ -40421,6 +40432,9 @@
             </a:r>
             <a:r>
               <a:rPr lang="en-US" dirty="0">
+                <a:solidFill>
+                  <a:schemeClr val="tx1"/>
+                </a:solidFill>
                 <a:latin typeface="Arial" panose="020B0604020202020204" pitchFamily="34" charset="0"/>
                 <a:cs typeface="Arial" panose="020B0604020202020204" pitchFamily="34" charset="0"/>
               </a:rPr>
@@ -40430,6 +40444,9 @@
           <a:p>
             <a:r>
               <a:rPr lang="en-US" dirty="0">
+                <a:solidFill>
+                  <a:schemeClr val="tx1"/>
+                </a:solidFill>
                 <a:latin typeface="Arial" panose="020B0604020202020204" pitchFamily="34" charset="0"/>
                 <a:cs typeface="Arial" panose="020B0604020202020204" pitchFamily="34" charset="0"/>
               </a:rPr>
@@ -40439,6 +40456,9 @@
           <a:p>
             <a:r>
               <a:rPr lang="en-US" dirty="0">
+                <a:solidFill>
+                  <a:schemeClr val="tx1"/>
+                </a:solidFill>
                 <a:latin typeface="Arial" panose="020B0604020202020204" pitchFamily="34" charset="0"/>
                 <a:cs typeface="Arial" panose="020B0604020202020204" pitchFamily="34" charset="0"/>
               </a:rPr>
@@ -40446,6 +40466,9 @@
             </a:r>
             <a:r>
               <a:rPr lang="en-US" b="1" dirty="0">
+                <a:solidFill>
+                  <a:schemeClr val="tx1"/>
+                </a:solidFill>
                 <a:latin typeface="Arial" panose="020B0604020202020204" pitchFamily="34" charset="0"/>
                 <a:cs typeface="Arial" panose="020B0604020202020204" pitchFamily="34" charset="0"/>
               </a:rPr>
@@ -40453,6 +40476,9 @@
             </a:r>
             <a:r>
               <a:rPr lang="en-US" dirty="0">
+                <a:solidFill>
+                  <a:schemeClr val="tx1"/>
+                </a:solidFill>
                 <a:latin typeface="Arial" panose="020B0604020202020204" pitchFamily="34" charset="0"/>
                 <a:cs typeface="Arial" panose="020B0604020202020204" pitchFamily="34" charset="0"/>
               </a:rPr>
@@ -40461,6 +40487,9 @@
           </a:p>
           <a:p>
             <a:endParaRPr lang="en-US" dirty="0">
+              <a:solidFill>
+                <a:schemeClr val="tx1"/>
+              </a:solidFill>
               <a:latin typeface="Arial" panose="020B0604020202020204" pitchFamily="34" charset="0"/>
               <a:cs typeface="Arial" panose="020B0604020202020204" pitchFamily="34" charset="0"/>
             </a:endParaRPr>
@@ -40492,9 +40521,27 @@
                 <a:tableStyleId>{5DA37D80-6434-44D0-A028-1B22A696006F}</a:tableStyleId>
               </a:tblPr>
               <a:tblGrid>
-                <a:gridCol w="873652"/>
-                <a:gridCol w="1339741"/>
-                <a:gridCol w="7033638"/>
+                <a:gridCol w="873652">
+                  <a:extLst>
+                    <a:ext uri="{9D8B030D-6E8A-4147-A177-3AD203B41FA5}">
+                      <a16:colId xmlns:a16="http://schemas.microsoft.com/office/drawing/2014/main" val="20000"/>
+                    </a:ext>
+                  </a:extLst>
+                </a:gridCol>
+                <a:gridCol w="1339741">
+                  <a:extLst>
+                    <a:ext uri="{9D8B030D-6E8A-4147-A177-3AD203B41FA5}">
+                      <a16:colId xmlns:a16="http://schemas.microsoft.com/office/drawing/2014/main" val="20001"/>
+                    </a:ext>
+                  </a:extLst>
+                </a:gridCol>
+                <a:gridCol w="7033638">
+                  <a:extLst>
+                    <a:ext uri="{9D8B030D-6E8A-4147-A177-3AD203B41FA5}">
+                      <a16:colId xmlns:a16="http://schemas.microsoft.com/office/drawing/2014/main" val="20002"/>
+                    </a:ext>
+                  </a:extLst>
+                </a:gridCol>
               </a:tblGrid>
               <a:tr h="316027">
                 <a:tc>
@@ -40602,6 +40649,11 @@
                   </a:txBody>
                   <a:tcPr marL="0" marR="0" marT="0" marB="0"/>
                 </a:tc>
+                <a:extLst>
+                  <a:ext uri="{0D108BD9-81ED-4DB2-BD59-A6C34878D82A}">
+                    <a16:rowId xmlns:a16="http://schemas.microsoft.com/office/drawing/2014/main" val="10000"/>
+                  </a:ext>
+                </a:extLst>
               </a:tr>
               <a:tr h="289675">
                 <a:tc>
@@ -40700,6 +40752,11 @@
                   </a:txBody>
                   <a:tcPr marL="0" marR="0" marT="0" marB="0"/>
                 </a:tc>
+                <a:extLst>
+                  <a:ext uri="{0D108BD9-81ED-4DB2-BD59-A6C34878D82A}">
+                    <a16:rowId xmlns:a16="http://schemas.microsoft.com/office/drawing/2014/main" val="10001"/>
+                  </a:ext>
+                </a:extLst>
               </a:tr>
               <a:tr h="289675">
                 <a:tc>
@@ -40798,6 +40855,11 @@
                   </a:txBody>
                   <a:tcPr marL="0" marR="0" marT="0" marB="0"/>
                 </a:tc>
+                <a:extLst>
+                  <a:ext uri="{0D108BD9-81ED-4DB2-BD59-A6C34878D82A}">
+                    <a16:rowId xmlns:a16="http://schemas.microsoft.com/office/drawing/2014/main" val="10002"/>
+                  </a:ext>
+                </a:extLst>
               </a:tr>
               <a:tr h="289675">
                 <a:tc>
@@ -40896,6 +40958,11 @@
                   </a:txBody>
                   <a:tcPr marL="0" marR="0" marT="0" marB="0"/>
                 </a:tc>
+                <a:extLst>
+                  <a:ext uri="{0D108BD9-81ED-4DB2-BD59-A6C34878D82A}">
+                    <a16:rowId xmlns:a16="http://schemas.microsoft.com/office/drawing/2014/main" val="10003"/>
+                  </a:ext>
+                </a:extLst>
               </a:tr>
               <a:tr h="289675">
                 <a:tc>
@@ -40994,6 +41061,11 @@
                   </a:txBody>
                   <a:tcPr marL="0" marR="0" marT="0" marB="0"/>
                 </a:tc>
+                <a:extLst>
+                  <a:ext uri="{0D108BD9-81ED-4DB2-BD59-A6C34878D82A}">
+                    <a16:rowId xmlns:a16="http://schemas.microsoft.com/office/drawing/2014/main" val="10004"/>
+                  </a:ext>
+                </a:extLst>
               </a:tr>
               <a:tr h="289675">
                 <a:tc>
@@ -41092,6 +41164,11 @@
                   </a:txBody>
                   <a:tcPr marL="0" marR="0" marT="0" marB="0"/>
                 </a:tc>
+                <a:extLst>
+                  <a:ext uri="{0D108BD9-81ED-4DB2-BD59-A6C34878D82A}">
+                    <a16:rowId xmlns:a16="http://schemas.microsoft.com/office/drawing/2014/main" val="10005"/>
+                  </a:ext>
+                </a:extLst>
               </a:tr>
             </a:tbl>
           </a:graphicData>
@@ -41151,10 +41228,15 @@
                     </a:srgbClr>
                   </a:outerShdw>
                 </a:effectLst>
+                <a:latin typeface="Arial" panose="020B0604020202020204" pitchFamily="34" charset="0"/>
+                <a:cs typeface="Arial" panose="020B0604020202020204" pitchFamily="34" charset="0"/>
               </a:rPr>
-              <a:t>The Risk Assessment Matrix</a:t>
+              <a:t>THE RISK ASSESSMENT MATRIX</a:t>
             </a:r>
-            <a:endParaRPr lang="en-US" dirty="0"/>
+            <a:endParaRPr lang="en-US" dirty="0">
+              <a:latin typeface="Arial" panose="020B0604020202020204" pitchFamily="34" charset="0"/>
+              <a:cs typeface="Arial" panose="020B0604020202020204" pitchFamily="34" charset="0"/>
+            </a:endParaRPr>
           </a:p>
         </p:txBody>
       </p:sp>
@@ -41175,27 +41257,29 @@
           <a:p>
             <a:r>
               <a:rPr lang="en-US" dirty="0">
+                <a:solidFill>
+                  <a:schemeClr val="tx1"/>
+                </a:solidFill>
                 <a:latin typeface="Arial" panose="020B0604020202020204" pitchFamily="34" charset="0"/>
                 <a:cs typeface="Arial" panose="020B0604020202020204" pitchFamily="34" charset="0"/>
               </a:rPr>
-              <a:t>Here's an example Impact Scale definition</a:t>
-            </a:r>
-            <a:r>
-              <a:rPr lang="en-US" dirty="0" smtClean="0">
-                <a:latin typeface="Arial" panose="020B0604020202020204" pitchFamily="34" charset="0"/>
-                <a:cs typeface="Arial" panose="020B0604020202020204" pitchFamily="34" charset="0"/>
-              </a:rPr>
-              <a:t>...</a:t>
+              <a:t>Here's an example Impact Scale definition...</a:t>
             </a:r>
           </a:p>
           <a:p>
             <a:endParaRPr lang="en-US" dirty="0">
+              <a:solidFill>
+                <a:schemeClr val="tx1"/>
+              </a:solidFill>
               <a:latin typeface="Arial" panose="020B0604020202020204" pitchFamily="34" charset="0"/>
               <a:cs typeface="Arial" panose="020B0604020202020204" pitchFamily="34" charset="0"/>
             </a:endParaRPr>
           </a:p>
           <a:p>
             <a:endParaRPr lang="en-US" dirty="0">
+              <a:solidFill>
+                <a:schemeClr val="tx1"/>
+              </a:solidFill>
               <a:latin typeface="Arial" panose="020B0604020202020204" pitchFamily="34" charset="0"/>
               <a:cs typeface="Arial" panose="020B0604020202020204" pitchFamily="34" charset="0"/>
             </a:endParaRPr>
@@ -41227,10 +41311,34 @@
                 <a:tableStyleId>{5DA37D80-6434-44D0-A028-1B22A696006F}</a:tableStyleId>
               </a:tblPr>
               <a:tblGrid>
-                <a:gridCol w="1436862"/>
-                <a:gridCol w="1426837"/>
-                <a:gridCol w="3122564"/>
-                <a:gridCol w="3466831"/>
+                <a:gridCol w="1436862">
+                  <a:extLst>
+                    <a:ext uri="{9D8B030D-6E8A-4147-A177-3AD203B41FA5}">
+                      <a16:colId xmlns:a16="http://schemas.microsoft.com/office/drawing/2014/main" val="20000"/>
+                    </a:ext>
+                  </a:extLst>
+                </a:gridCol>
+                <a:gridCol w="1426837">
+                  <a:extLst>
+                    <a:ext uri="{9D8B030D-6E8A-4147-A177-3AD203B41FA5}">
+                      <a16:colId xmlns:a16="http://schemas.microsoft.com/office/drawing/2014/main" val="20001"/>
+                    </a:ext>
+                  </a:extLst>
+                </a:gridCol>
+                <a:gridCol w="3122564">
+                  <a:extLst>
+                    <a:ext uri="{9D8B030D-6E8A-4147-A177-3AD203B41FA5}">
+                      <a16:colId xmlns:a16="http://schemas.microsoft.com/office/drawing/2014/main" val="20002"/>
+                    </a:ext>
+                  </a:extLst>
+                </a:gridCol>
+                <a:gridCol w="3466831">
+                  <a:extLst>
+                    <a:ext uri="{9D8B030D-6E8A-4147-A177-3AD203B41FA5}">
+                      <a16:colId xmlns:a16="http://schemas.microsoft.com/office/drawing/2014/main" val="20003"/>
+                    </a:ext>
+                  </a:extLst>
+                </a:gridCol>
               </a:tblGrid>
               <a:tr h="500261">
                 <a:tc>
@@ -41381,6 +41489,11 @@
                   </a:txBody>
                   <a:tcPr marL="0" marR="0" marT="0" marB="0"/>
                 </a:tc>
+                <a:extLst>
+                  <a:ext uri="{0D108BD9-81ED-4DB2-BD59-A6C34878D82A}">
+                    <a16:rowId xmlns:a16="http://schemas.microsoft.com/office/drawing/2014/main" val="10000"/>
+                  </a:ext>
+                </a:extLst>
               </a:tr>
               <a:tr h="458546">
                 <a:tc>
@@ -41400,18 +41513,13 @@
                         </a:spcAft>
                       </a:pPr>
                       <a:r>
-                        <a:rPr lang="en-US" sz="1400" dirty="0" smtClean="0">
+                        <a:rPr lang="en-US" sz="1400" dirty="0">
                           <a:effectLst/>
                           <a:latin typeface="Arial" panose="020B0604020202020204" pitchFamily="34" charset="0"/>
                           <a:cs typeface="Arial" panose="020B0604020202020204" pitchFamily="34" charset="0"/>
                         </a:rPr>
                         <a:t>1</a:t>
                       </a:r>
-                      <a:endParaRPr lang="en-US" sz="1400" dirty="0">
-                        <a:effectLst/>
-                        <a:latin typeface="Arial" panose="020B0604020202020204" pitchFamily="34" charset="0"/>
-                        <a:cs typeface="Arial" panose="020B0604020202020204" pitchFamily="34" charset="0"/>
-                      </a:endParaRPr>
                     </a:p>
                   </a:txBody>
                   <a:tcPr marL="0" marR="0" marT="0" marB="0"/>
@@ -41518,6 +41626,11 @@
                   </a:txBody>
                   <a:tcPr marL="0" marR="0" marT="0" marB="0"/>
                 </a:tc>
+                <a:extLst>
+                  <a:ext uri="{0D108BD9-81ED-4DB2-BD59-A6C34878D82A}">
+                    <a16:rowId xmlns:a16="http://schemas.microsoft.com/office/drawing/2014/main" val="10001"/>
+                  </a:ext>
+                </a:extLst>
               </a:tr>
               <a:tr h="458546">
                 <a:tc>
@@ -41656,6 +41769,11 @@
                   </a:txBody>
                   <a:tcPr marL="0" marR="0" marT="0" marB="0"/>
                 </a:tc>
+                <a:extLst>
+                  <a:ext uri="{0D108BD9-81ED-4DB2-BD59-A6C34878D82A}">
+                    <a16:rowId xmlns:a16="http://schemas.microsoft.com/office/drawing/2014/main" val="10002"/>
+                  </a:ext>
+                </a:extLst>
               </a:tr>
               <a:tr h="458546">
                 <a:tc>
@@ -41794,6 +41912,11 @@
                   </a:txBody>
                   <a:tcPr marL="0" marR="0" marT="0" marB="0"/>
                 </a:tc>
+                <a:extLst>
+                  <a:ext uri="{0D108BD9-81ED-4DB2-BD59-A6C34878D82A}">
+                    <a16:rowId xmlns:a16="http://schemas.microsoft.com/office/drawing/2014/main" val="10003"/>
+                  </a:ext>
+                </a:extLst>
               </a:tr>
               <a:tr h="458546">
                 <a:tc>
@@ -41932,6 +42055,11 @@
                   </a:txBody>
                   <a:tcPr marL="0" marR="0" marT="0" marB="0"/>
                 </a:tc>
+                <a:extLst>
+                  <a:ext uri="{0D108BD9-81ED-4DB2-BD59-A6C34878D82A}">
+                    <a16:rowId xmlns:a16="http://schemas.microsoft.com/office/drawing/2014/main" val="10004"/>
+                  </a:ext>
+                </a:extLst>
               </a:tr>
               <a:tr h="458546">
                 <a:tc>
@@ -42070,6 +42198,11 @@
                   </a:txBody>
                   <a:tcPr marL="0" marR="0" marT="0" marB="0"/>
                 </a:tc>
+                <a:extLst>
+                  <a:ext uri="{0D108BD9-81ED-4DB2-BD59-A6C34878D82A}">
+                    <a16:rowId xmlns:a16="http://schemas.microsoft.com/office/drawing/2014/main" val="10005"/>
+                  </a:ext>
+                </a:extLst>
               </a:tr>
             </a:tbl>
           </a:graphicData>
@@ -42129,10 +42262,15 @@
                     </a:srgbClr>
                   </a:outerShdw>
                 </a:effectLst>
+                <a:latin typeface="Arial" panose="020B0604020202020204" pitchFamily="34" charset="0"/>
+                <a:cs typeface="Arial" panose="020B0604020202020204" pitchFamily="34" charset="0"/>
               </a:rPr>
-              <a:t>The Risk Assessment Matrix</a:t>
+              <a:t>THE RISK ASSESSMENT MATRIX</a:t>
             </a:r>
-            <a:endParaRPr lang="en-US" dirty="0"/>
+            <a:endParaRPr lang="en-US" dirty="0">
+              <a:latin typeface="Arial" panose="020B0604020202020204" pitchFamily="34" charset="0"/>
+              <a:cs typeface="Arial" panose="020B0604020202020204" pitchFamily="34" charset="0"/>
+            </a:endParaRPr>
           </a:p>
         </p:txBody>
       </p:sp>
@@ -42159,23 +42297,16 @@
                 <a:latin typeface="Arial" panose="020B0604020202020204" pitchFamily="34" charset="0"/>
                 <a:cs typeface="Arial" panose="020B0604020202020204" pitchFamily="34" charset="0"/>
               </a:rPr>
-              <a:t>Remember, these scales are very dependent on the specific details of your project</a:t>
-            </a:r>
-            <a:r>
-              <a:rPr lang="en-US" dirty="0" smtClean="0">
-                <a:solidFill>
-                  <a:srgbClr val="222222"/>
-                </a:solidFill>
-                <a:latin typeface="Arial" panose="020B0604020202020204" pitchFamily="34" charset="0"/>
-                <a:cs typeface="Arial" panose="020B0604020202020204" pitchFamily="34" charset="0"/>
-              </a:rPr>
-              <a:t>.</a:t>
+              <a:t>Remember, these scales are very dependent on the specific details of your project.</a:t>
             </a:r>
           </a:p>
           <a:p>
             <a:pPr lvl="1"/>
             <a:r>
-              <a:rPr lang="en-US" sz="1800" dirty="0" smtClean="0">
+              <a:rPr lang="en-US" sz="2000" dirty="0">
+                <a:solidFill>
+                  <a:schemeClr val="tx1"/>
+                </a:solidFill>
                 <a:latin typeface="Arial" panose="020B0604020202020204" pitchFamily="34" charset="0"/>
                 <a:cs typeface="Arial" panose="020B0604020202020204" pitchFamily="34" charset="0"/>
               </a:rPr>
@@ -42184,16 +42315,6 @@
           </a:p>
           <a:p>
             <a:r>
-              <a:rPr lang="en-US" dirty="0" smtClean="0">
-                <a:solidFill>
-                  <a:schemeClr val="tx1"/>
-                </a:solidFill>
-                <a:latin typeface="Arial" panose="020B0604020202020204" pitchFamily="34" charset="0"/>
-                <a:cs typeface="Arial" panose="020B0604020202020204" pitchFamily="34" charset="0"/>
-              </a:rPr>
-              <a:t>The </a:t>
-            </a:r>
-            <a:r>
               <a:rPr lang="en-US" dirty="0">
                 <a:solidFill>
                   <a:schemeClr val="tx1"/>
@@ -42201,14 +42322,14 @@
                 <a:latin typeface="Arial" panose="020B0604020202020204" pitchFamily="34" charset="0"/>
                 <a:cs typeface="Arial" panose="020B0604020202020204" pitchFamily="34" charset="0"/>
               </a:rPr>
-              <a:t>impact scale for your project could also include other considerations such as scope, political, and employee impacts.</a:t>
+              <a:t>The impact scale for your project could also include other considerations such as scope, political, and employee impacts.</a:t>
             </a:r>
           </a:p>
           <a:p>
             <a:pPr marL="457200" lvl="1" indent="0">
               <a:buNone/>
             </a:pPr>
-            <a:endParaRPr lang="en-US" sz="1800" dirty="0" smtClean="0">
+            <a:endParaRPr lang="en-US" sz="1800" dirty="0">
               <a:latin typeface="Arial" panose="020B0604020202020204" pitchFamily="34" charset="0"/>
               <a:cs typeface="Arial" panose="020B0604020202020204" pitchFamily="34" charset="0"/>
             </a:endParaRPr>
@@ -42269,10 +42390,15 @@
                     </a:srgbClr>
                   </a:outerShdw>
                 </a:effectLst>
+                <a:latin typeface="Arial" panose="020B0604020202020204" pitchFamily="34" charset="0"/>
+                <a:cs typeface="Arial" panose="020B0604020202020204" pitchFamily="34" charset="0"/>
               </a:rPr>
-              <a:t>The Risk Assessment Matrix</a:t>
+              <a:t>THE RISK ASSESSMENT MATRIX</a:t>
             </a:r>
-            <a:endParaRPr lang="en-US" dirty="0"/>
+            <a:endParaRPr lang="en-US" dirty="0">
+              <a:latin typeface="Arial" panose="020B0604020202020204" pitchFamily="34" charset="0"/>
+              <a:cs typeface="Arial" panose="020B0604020202020204" pitchFamily="34" charset="0"/>
+            </a:endParaRPr>
           </a:p>
         </p:txBody>
       </p:sp>
@@ -42304,17 +42430,7 @@
                 <a:latin typeface="Arial" panose="020B0604020202020204" pitchFamily="34" charset="0"/>
                 <a:cs typeface="Arial" panose="020B0604020202020204" pitchFamily="34" charset="0"/>
               </a:rPr>
-              <a:t>With your rating scales prepared, you can create a Risk Assessment Matrix to help you categorize the Risk Level for each risk event</a:t>
-            </a:r>
-            <a:r>
-              <a:rPr lang="en-US" dirty="0" smtClean="0">
-                <a:solidFill>
-                  <a:schemeClr val="tx1"/>
-                </a:solidFill>
-                <a:latin typeface="Arial" panose="020B0604020202020204" pitchFamily="34" charset="0"/>
-                <a:cs typeface="Arial" panose="020B0604020202020204" pitchFamily="34" charset="0"/>
-              </a:rPr>
-              <a:t>.</a:t>
+              <a:t>With your rating scales prepared, you can create a Risk Assessment Matrix to help you categorize the Risk Level for each risk event.</a:t>
             </a:r>
           </a:p>
           <a:p>
@@ -42434,7 +42550,7 @@
           <p:cNvPr id="2" name="Title 1">
             <a:extLst>
               <a:ext uri="{FF2B5EF4-FFF2-40B4-BE49-F238E27FC236}">
-                <a16:creationId xmlns="" xmlns:a16="http://schemas.microsoft.com/office/drawing/2014/main" id="{39FBDB44-412B-41FE-A8A8-DEA79A1417D3}"/>
+                <a16:creationId xmlns:a16="http://schemas.microsoft.com/office/drawing/2014/main" id="{39FBDB44-412B-41FE-A8A8-DEA79A1417D3}"/>
               </a:ext>
             </a:extLst>
           </p:cNvPr>
@@ -42470,7 +42586,7 @@
           <p:cNvPr id="3" name="Content Placeholder 2">
             <a:extLst>
               <a:ext uri="{FF2B5EF4-FFF2-40B4-BE49-F238E27FC236}">
-                <a16:creationId xmlns="" xmlns:a16="http://schemas.microsoft.com/office/drawing/2014/main" id="{90DFF434-D955-4BC3-BB73-6EB043B12290}"/>
+                <a16:creationId xmlns:a16="http://schemas.microsoft.com/office/drawing/2014/main" id="{90DFF434-D955-4BC3-BB73-6EB043B12290}"/>
               </a:ext>
             </a:extLst>
           </p:cNvPr>
@@ -42573,24 +42689,18 @@
           <a:p>
             <a:r>
               <a:rPr lang="en-US" dirty="0">
-                <a:effectLst/>
+                <a:effectLst>
+                  <a:outerShdw blurRad="38100" dist="38100" dir="2700000" algn="tl">
+                    <a:srgbClr val="000000">
+                      <a:alpha val="43137"/>
+                    </a:srgbClr>
+                  </a:outerShdw>
+                </a:effectLst>
                 <a:latin typeface="Arial" panose="020B0604020202020204" pitchFamily="34" charset="0"/>
                 <a:cs typeface="Arial" panose="020B0604020202020204" pitchFamily="34" charset="0"/>
               </a:rPr>
-              <a:t>Qualitative Risk </a:t>
+              <a:t>QUALITATIVE RISK ASSESSMENT</a:t>
             </a:r>
-            <a:r>
-              <a:rPr lang="en-US" dirty="0" smtClean="0">
-                <a:effectLst/>
-                <a:latin typeface="Arial" panose="020B0604020202020204" pitchFamily="34" charset="0"/>
-                <a:cs typeface="Arial" panose="020B0604020202020204" pitchFamily="34" charset="0"/>
-              </a:rPr>
-              <a:t>Assessment</a:t>
-            </a:r>
-            <a:endParaRPr lang="en-US" dirty="0">
-              <a:latin typeface="Arial" panose="020B0604020202020204" pitchFamily="34" charset="0"/>
-              <a:cs typeface="Arial" panose="020B0604020202020204" pitchFamily="34" charset="0"/>
-            </a:endParaRPr>
           </a:p>
         </p:txBody>
       </p:sp>
@@ -42618,6 +42728,9 @@
           <a:p>
             <a:r>
               <a:rPr lang="en-US" dirty="0">
+                <a:solidFill>
+                  <a:schemeClr val="tx1"/>
+                </a:solidFill>
                 <a:latin typeface="Arial" panose="020B0604020202020204" pitchFamily="34" charset="0"/>
                 <a:cs typeface="Arial" panose="020B0604020202020204" pitchFamily="34" charset="0"/>
               </a:rPr>
@@ -42625,6 +42738,9 @@
             </a:r>
             <a:r>
               <a:rPr lang="en-US" b="1" dirty="0">
+                <a:solidFill>
+                  <a:schemeClr val="tx1"/>
+                </a:solidFill>
                 <a:latin typeface="Arial" panose="020B0604020202020204" pitchFamily="34" charset="0"/>
                 <a:cs typeface="Arial" panose="020B0604020202020204" pitchFamily="34" charset="0"/>
               </a:rPr>
@@ -42632,6 +42748,9 @@
             </a:r>
             <a:r>
               <a:rPr lang="en-US" dirty="0">
+                <a:solidFill>
+                  <a:schemeClr val="tx1"/>
+                </a:solidFill>
                 <a:latin typeface="Arial" panose="020B0604020202020204" pitchFamily="34" charset="0"/>
                 <a:cs typeface="Arial" panose="020B0604020202020204" pitchFamily="34" charset="0"/>
               </a:rPr>
@@ -42639,14 +42758,26 @@
             </a:r>
             <a:r>
               <a:rPr lang="en-US" b="1" u="sng" dirty="0">
+                <a:solidFill>
+                  <a:schemeClr val="tx1"/>
+                </a:solidFill>
                 <a:latin typeface="Arial" panose="020B0604020202020204" pitchFamily="34" charset="0"/>
                 <a:cs typeface="Arial" panose="020B0604020202020204" pitchFamily="34" charset="0"/>
-                <a:hlinkClick r:id="rId2"/>
+                <a:hlinkClick r:id="rId2">
+                  <a:extLst>
+                    <a:ext uri="{A12FA001-AC4F-418D-AE19-62706E023703}">
+                      <ahyp:hlinkClr xmlns:ahyp="http://schemas.microsoft.com/office/drawing/2018/hyperlinkcolor" val="tx"/>
+                    </a:ext>
+                  </a:extLst>
+                </a:hlinkClick>
               </a:rPr>
               <a:t>project risks</a:t>
             </a:r>
             <a:r>
               <a:rPr lang="en-US" dirty="0">
+                <a:solidFill>
+                  <a:schemeClr val="tx1"/>
+                </a:solidFill>
                 <a:latin typeface="Arial" panose="020B0604020202020204" pitchFamily="34" charset="0"/>
                 <a:cs typeface="Arial" panose="020B0604020202020204" pitchFamily="34" charset="0"/>
               </a:rPr>
@@ -42656,6 +42787,9 @@
           <a:p>
             <a:r>
               <a:rPr lang="en-US" dirty="0">
+                <a:solidFill>
+                  <a:schemeClr val="tx1"/>
+                </a:solidFill>
                 <a:latin typeface="Arial" panose="020B0604020202020204" pitchFamily="34" charset="0"/>
                 <a:cs typeface="Arial" panose="020B0604020202020204" pitchFamily="34" charset="0"/>
               </a:rPr>
@@ -42663,6 +42797,9 @@
             </a:r>
             <a:r>
               <a:rPr lang="en-US" i="1" dirty="0">
+                <a:solidFill>
+                  <a:schemeClr val="tx1"/>
+                </a:solidFill>
                 <a:latin typeface="Arial" panose="020B0604020202020204" pitchFamily="34" charset="0"/>
                 <a:cs typeface="Arial" panose="020B0604020202020204" pitchFamily="34" charset="0"/>
               </a:rPr>
@@ -42670,6 +42807,9 @@
             </a:r>
             <a:r>
               <a:rPr lang="en-US" dirty="0">
+                <a:solidFill>
+                  <a:schemeClr val="tx1"/>
+                </a:solidFill>
                 <a:latin typeface="Arial" panose="020B0604020202020204" pitchFamily="34" charset="0"/>
                 <a:cs typeface="Arial" panose="020B0604020202020204" pitchFamily="34" charset="0"/>
               </a:rPr>
@@ -42679,6 +42819,9 @@
           <a:p>
             <a:r>
               <a:rPr lang="en-US" dirty="0">
+                <a:solidFill>
+                  <a:schemeClr val="tx1"/>
+                </a:solidFill>
                 <a:latin typeface="Arial" panose="020B0604020202020204" pitchFamily="34" charset="0"/>
                 <a:cs typeface="Arial" panose="020B0604020202020204" pitchFamily="34" charset="0"/>
               </a:rPr>
@@ -42686,6 +42829,9 @@
             </a:r>
             <a:r>
               <a:rPr lang="en-US" i="1" dirty="0">
+                <a:solidFill>
+                  <a:schemeClr val="tx1"/>
+                </a:solidFill>
                 <a:latin typeface="Arial" panose="020B0604020202020204" pitchFamily="34" charset="0"/>
                 <a:cs typeface="Arial" panose="020B0604020202020204" pitchFamily="34" charset="0"/>
               </a:rPr>
@@ -42693,6 +42839,9 @@
             </a:r>
             <a:r>
               <a:rPr lang="en-US" dirty="0">
+                <a:solidFill>
+                  <a:schemeClr val="tx1"/>
+                </a:solidFill>
                 <a:latin typeface="Arial" panose="020B0604020202020204" pitchFamily="34" charset="0"/>
                 <a:cs typeface="Arial" panose="020B0604020202020204" pitchFamily="34" charset="0"/>
               </a:rPr>
@@ -42702,6 +42851,9 @@
           <a:p>
             <a:pPr lvl="2"/>
             <a:endParaRPr lang="en-US" dirty="0">
+              <a:solidFill>
+                <a:schemeClr val="tx1"/>
+              </a:solidFill>
               <a:latin typeface="Arial" panose="020B0604020202020204" pitchFamily="34" charset="0"/>
               <a:cs typeface="Arial" panose="020B0604020202020204" pitchFamily="34" charset="0"/>
             </a:endParaRPr>
@@ -42755,11 +42907,18 @@
           <a:p>
             <a:r>
               <a:rPr lang="en-US" dirty="0">
-                <a:effectLst/>
+                <a:effectLst>
+                  <a:outerShdw blurRad="38100" dist="38100" dir="2700000" algn="tl">
+                    <a:srgbClr val="000000">
+                      <a:alpha val="43137"/>
+                    </a:srgbClr>
+                  </a:outerShdw>
+                </a:effectLst>
+                <a:latin typeface="Arial" panose="020B0604020202020204" pitchFamily="34" charset="0"/>
+                <a:cs typeface="Arial" panose="020B0604020202020204" pitchFamily="34" charset="0"/>
               </a:rPr>
-              <a:t>Qualitative Risk Analysis</a:t>
+              <a:t>QUALITATIVE RISK ANALYSIS</a:t>
             </a:r>
-            <a:endParaRPr lang="en-US" dirty="0"/>
           </a:p>
         </p:txBody>
       </p:sp>
@@ -42878,24 +43037,30 @@
             <p:ph type="title"/>
           </p:nvPr>
         </p:nvSpPr>
-        <p:spPr/>
+        <p:spPr>
+          <a:xfrm>
+            <a:off x="609600" y="291548"/>
+            <a:ext cx="10972800" cy="1600200"/>
+          </a:xfrm>
+        </p:spPr>
         <p:txBody>
           <a:bodyPr/>
           <a:lstStyle/>
           <a:p>
             <a:r>
               <a:rPr lang="en-US" dirty="0">
-                <a:effectLst/>
+                <a:effectLst>
+                  <a:outerShdw blurRad="38100" dist="38100" dir="2700000" algn="tl">
+                    <a:srgbClr val="000000">
+                      <a:alpha val="43137"/>
+                    </a:srgbClr>
+                  </a:outerShdw>
+                </a:effectLst>
+                <a:latin typeface="Arial" panose="020B0604020202020204" pitchFamily="34" charset="0"/>
+                <a:cs typeface="Arial" panose="020B0604020202020204" pitchFamily="34" charset="0"/>
               </a:rPr>
-              <a:t>What is Quantitative Risk Analysis</a:t>
+              <a:t>WHAT IS QUANTITATIVE RISK ANALYSIS?</a:t>
             </a:r>
-            <a:r>
-              <a:rPr lang="en-US" dirty="0" smtClean="0">
-                <a:effectLst/>
-              </a:rPr>
-              <a:t>?</a:t>
-            </a:r>
-            <a:endParaRPr lang="en-US" dirty="0"/>
           </a:p>
         </p:txBody>
       </p:sp>
@@ -42909,13 +43074,21 @@
             <p:ph idx="1"/>
           </p:nvPr>
         </p:nvSpPr>
-        <p:spPr/>
+        <p:spPr>
+          <a:xfrm>
+            <a:off x="609600" y="2319129"/>
+            <a:ext cx="10972800" cy="3198399"/>
+          </a:xfrm>
+        </p:spPr>
         <p:txBody>
           <a:bodyPr/>
           <a:lstStyle/>
           <a:p>
             <a:r>
               <a:rPr lang="en-US" dirty="0">
+                <a:solidFill>
+                  <a:schemeClr val="tx1"/>
+                </a:solidFill>
                 <a:latin typeface="Arial" panose="020B0604020202020204" pitchFamily="34" charset="0"/>
                 <a:cs typeface="Arial" panose="020B0604020202020204" pitchFamily="34" charset="0"/>
               </a:rPr>
@@ -42974,19 +43147,36 @@
                 <a:latin typeface="Arial" panose="020B0604020202020204" pitchFamily="34" charset="0"/>
                 <a:cs typeface="Arial" panose="020B0604020202020204" pitchFamily="34" charset="0"/>
               </a:rPr>
-              <a:t>Why Perform Quantitative Risk Analysis</a:t>
+              <a:t>WHY PERFORM </a:t>
             </a:r>
             <a:r>
-              <a:rPr lang="en-US" dirty="0" smtClean="0">
+              <a:rPr lang="en-US" dirty="0">
+                <a:effectLst>
+                  <a:outerShdw blurRad="38100" dist="38100" dir="2700000" algn="tl">
+                    <a:srgbClr val="000000">
+                      <a:alpha val="43137"/>
+                    </a:srgbClr>
+                  </a:outerShdw>
+                </a:effectLst>
+                <a:latin typeface="Arial" panose="020B0604020202020204" pitchFamily="34" charset="0"/>
+                <a:cs typeface="Arial" panose="020B0604020202020204" pitchFamily="34" charset="0"/>
+              </a:rPr>
+              <a:t>QUANTITATIVE RISK ANALYSIS</a:t>
+            </a:r>
+            <a:r>
+              <a:rPr lang="en-US" dirty="0">
+                <a:effectLst>
+                  <a:outerShdw blurRad="38100" dist="38100" dir="2700000" algn="tl" rotWithShape="0">
+                    <a:srgbClr val="000000">
+                      <a:alpha val="43137"/>
+                    </a:srgbClr>
+                  </a:outerShdw>
+                </a:effectLst>
                 <a:latin typeface="Arial" panose="020B0604020202020204" pitchFamily="34" charset="0"/>
                 <a:cs typeface="Arial" panose="020B0604020202020204" pitchFamily="34" charset="0"/>
               </a:rPr>
               <a:t>?</a:t>
             </a:r>
-            <a:endParaRPr lang="en-US" dirty="0">
-              <a:latin typeface="Arial" panose="020B0604020202020204" pitchFamily="34" charset="0"/>
-              <a:cs typeface="Arial" panose="020B0604020202020204" pitchFamily="34" charset="0"/>
-            </a:endParaRPr>
           </a:p>
         </p:txBody>
       </p:sp>
@@ -43000,55 +43190,48 @@
             <p:ph idx="1"/>
           </p:nvPr>
         </p:nvSpPr>
-        <p:spPr/>
+        <p:spPr>
+          <a:xfrm>
+            <a:off x="609600" y="1846261"/>
+            <a:ext cx="10972800" cy="4050956"/>
+          </a:xfrm>
+        </p:spPr>
         <p:txBody>
           <a:bodyPr>
-            <a:normAutofit fontScale="92500" lnSpcReduction="10000"/>
+            <a:normAutofit/>
           </a:bodyPr>
           <a:lstStyle/>
           <a:p>
             <a:r>
-              <a:rPr lang="en-US" dirty="0" smtClean="0">
+              <a:rPr lang="en-US" dirty="0">
+                <a:solidFill>
+                  <a:schemeClr val="tx1"/>
+                </a:solidFill>
                 <a:latin typeface="Arial" panose="020B0604020202020204" pitchFamily="34" charset="0"/>
                 <a:cs typeface="Arial" panose="020B0604020202020204" pitchFamily="34" charset="0"/>
               </a:rPr>
-              <a:t>Better </a:t>
-            </a:r>
-            <a:r>
-              <a:rPr lang="en-US" dirty="0">
-                <a:latin typeface="Arial" panose="020B0604020202020204" pitchFamily="34" charset="0"/>
-                <a:cs typeface="Arial" panose="020B0604020202020204" pitchFamily="34" charset="0"/>
-              </a:rPr>
-              <a:t>Overall Project Risk </a:t>
-            </a:r>
-            <a:r>
-              <a:rPr lang="en-US" dirty="0" smtClean="0">
-                <a:latin typeface="Arial" panose="020B0604020202020204" pitchFamily="34" charset="0"/>
-                <a:cs typeface="Arial" panose="020B0604020202020204" pitchFamily="34" charset="0"/>
-              </a:rPr>
-              <a:t>Analysis</a:t>
+              <a:t>Better Overall Project Risk Analysis</a:t>
             </a:r>
           </a:p>
           <a:p>
             <a:pPr lvl="1"/>
             <a:r>
               <a:rPr lang="en-US" dirty="0">
+                <a:solidFill>
+                  <a:schemeClr val="tx1"/>
+                </a:solidFill>
                 <a:latin typeface="Arial" panose="020B0604020202020204" pitchFamily="34" charset="0"/>
                 <a:cs typeface="Arial" panose="020B0604020202020204" pitchFamily="34" charset="0"/>
               </a:rPr>
-              <a:t>Individual risks are evaluated in the qualitative risk analysis. But the quantitative analysis allows us to evaluate the overall project risk from the individual risks</a:t>
-            </a:r>
-            <a:r>
-              <a:rPr lang="en-US" dirty="0" smtClean="0">
-                <a:latin typeface="Arial" panose="020B0604020202020204" pitchFamily="34" charset="0"/>
-                <a:cs typeface="Arial" panose="020B0604020202020204" pitchFamily="34" charset="0"/>
-              </a:rPr>
-              <a:t>.</a:t>
+              <a:t>Individual risks are evaluated in the qualitative risk analysis. But the quantitative analysis allows us to evaluate the overall project risk from the individual risks.</a:t>
             </a:r>
           </a:p>
           <a:p>
             <a:r>
               <a:rPr lang="en-US" dirty="0">
+                <a:solidFill>
+                  <a:schemeClr val="tx1"/>
+                </a:solidFill>
                 <a:latin typeface="Arial" panose="020B0604020202020204" pitchFamily="34" charset="0"/>
                 <a:cs typeface="Arial" panose="020B0604020202020204" pitchFamily="34" charset="0"/>
               </a:rPr>
@@ -43059,6 +43242,9 @@
             <a:pPr lvl="1"/>
             <a:r>
               <a:rPr lang="en-US" dirty="0">
+                <a:solidFill>
+                  <a:schemeClr val="tx1"/>
+                </a:solidFill>
                 <a:latin typeface="Arial" panose="020B0604020202020204" pitchFamily="34" charset="0"/>
                 <a:cs typeface="Arial" panose="020B0604020202020204" pitchFamily="34" charset="0"/>
               </a:rPr>
@@ -43068,29 +43254,31 @@
           <a:p>
             <a:r>
               <a:rPr lang="en-US" dirty="0">
+                <a:solidFill>
+                  <a:schemeClr val="tx1"/>
+                </a:solidFill>
                 <a:latin typeface="Arial" panose="020B0604020202020204" pitchFamily="34" charset="0"/>
                 <a:cs typeface="Arial" panose="020B0604020202020204" pitchFamily="34" charset="0"/>
               </a:rPr>
-              <a:t>Better </a:t>
-            </a:r>
-            <a:r>
-              <a:rPr lang="en-US" dirty="0" smtClean="0">
-                <a:latin typeface="Arial" panose="020B0604020202020204" pitchFamily="34" charset="0"/>
-                <a:cs typeface="Arial" panose="020B0604020202020204" pitchFamily="34" charset="0"/>
-              </a:rPr>
-              <a:t>Estimates</a:t>
+              <a:t>Better Estimates</a:t>
             </a:r>
           </a:p>
           <a:p>
             <a:pPr lvl="1" fontAlgn="base"/>
             <a:r>
               <a:rPr lang="en-US" dirty="0">
+                <a:solidFill>
+                  <a:schemeClr val="tx1"/>
+                </a:solidFill>
                 <a:latin typeface="Arial" panose="020B0604020202020204" pitchFamily="34" charset="0"/>
                 <a:cs typeface="Arial" panose="020B0604020202020204" pitchFamily="34" charset="0"/>
               </a:rPr>
               <a:t>A project manager estimated a project's duration at eight months with a cost of $300,000. The project actually took twelve months and cost $380,000. What happened?</a:t>
             </a:r>
             <a:endParaRPr lang="en-US" sz="1200" dirty="0">
+              <a:solidFill>
+                <a:schemeClr val="tx1"/>
+              </a:solidFill>
               <a:latin typeface="Arial" panose="020B0604020202020204" pitchFamily="34" charset="0"/>
               <a:cs typeface="Arial" panose="020B0604020202020204" pitchFamily="34" charset="0"/>
             </a:endParaRPr>
@@ -43099,19 +43287,25 @@
             <a:pPr lvl="1" fontAlgn="base"/>
             <a:r>
               <a:rPr lang="en-US" dirty="0">
+                <a:solidFill>
+                  <a:schemeClr val="tx1"/>
+                </a:solidFill>
                 <a:latin typeface="Arial" panose="020B0604020202020204" pitchFamily="34" charset="0"/>
                 <a:cs typeface="Arial" panose="020B0604020202020204" pitchFamily="34" charset="0"/>
               </a:rPr>
               <a:t>The project manager did a Work Breakdown Structure (WBS) and estimated the work. However, the project manager failed to consider the potential impact of the risks (good and bad) on the schedule and budget.</a:t>
             </a:r>
             <a:endParaRPr lang="en-US" sz="1200" dirty="0">
+              <a:solidFill>
+                <a:schemeClr val="tx1"/>
+              </a:solidFill>
               <a:latin typeface="Arial" panose="020B0604020202020204" pitchFamily="34" charset="0"/>
               <a:cs typeface="Arial" panose="020B0604020202020204" pitchFamily="34" charset="0"/>
             </a:endParaRPr>
           </a:p>
           <a:p>
             <a:pPr lvl="1"/>
-            <a:endParaRPr lang="en-US" dirty="0" smtClean="0">
+            <a:endParaRPr lang="en-US" dirty="0">
               <a:latin typeface="Arial" panose="020B0604020202020204" pitchFamily="34" charset="0"/>
               <a:cs typeface="Arial" panose="020B0604020202020204" pitchFamily="34" charset="0"/>
             </a:endParaRPr>
@@ -43194,24 +43388,46 @@
           <a:p>
             <a:r>
               <a:rPr lang="en-US" dirty="0">
-                <a:effectLst/>
+                <a:effectLst>
+                  <a:outerShdw blurRad="38100" dist="38100" dir="2700000" algn="tl">
+                    <a:srgbClr val="000000">
+                      <a:alpha val="43137"/>
+                    </a:srgbClr>
+                  </a:outerShdw>
+                </a:effectLst>
                 <a:latin typeface="Arial" panose="020B0604020202020204" pitchFamily="34" charset="0"/>
                 <a:cs typeface="Arial" panose="020B0604020202020204" pitchFamily="34" charset="0"/>
               </a:rPr>
-              <a:t>When to Perform Quantitative Risk Analysis</a:t>
+              <a:t>WHEN TO </a:t>
             </a:r>
             <a:r>
-              <a:rPr lang="en-US" dirty="0" smtClean="0">
-                <a:effectLst/>
+              <a:rPr lang="en-US" dirty="0">
+                <a:effectLst>
+                  <a:outerShdw blurRad="38100" dist="38100" dir="2700000" algn="tl" rotWithShape="0">
+                    <a:srgbClr val="000000">
+                      <a:alpha val="43137"/>
+                    </a:srgbClr>
+                  </a:outerShdw>
+                </a:effectLst>
                 <a:latin typeface="Arial" panose="020B0604020202020204" pitchFamily="34" charset="0"/>
                 <a:cs typeface="Arial" panose="020B0604020202020204" pitchFamily="34" charset="0"/>
               </a:rPr>
-              <a:t>?</a:t>
+              <a:t>PERFORM </a:t>
             </a:r>
-            <a:endParaRPr lang="en-US" dirty="0">
-              <a:latin typeface="Arial" panose="020B0604020202020204" pitchFamily="34" charset="0"/>
-              <a:cs typeface="Arial" panose="020B0604020202020204" pitchFamily="34" charset="0"/>
-            </a:endParaRPr>
+            <a:r>
+              <a:rPr lang="en-US" dirty="0">
+                <a:effectLst>
+                  <a:outerShdw blurRad="38100" dist="38100" dir="2700000" algn="tl">
+                    <a:srgbClr val="000000">
+                      <a:alpha val="43137"/>
+                    </a:srgbClr>
+                  </a:outerShdw>
+                </a:effectLst>
+                <a:latin typeface="Arial" panose="020B0604020202020204" pitchFamily="34" charset="0"/>
+                <a:cs typeface="Arial" panose="020B0604020202020204" pitchFamily="34" charset="0"/>
+              </a:rPr>
+              <a:t>QUANTITATIVE RISK ANALYSIS?</a:t>
+            </a:r>
           </a:p>
         </p:txBody>
       </p:sp>
@@ -43233,6 +43449,9 @@
             <a:pPr fontAlgn="base"/>
             <a:r>
               <a:rPr lang="en-US" dirty="0">
+                <a:solidFill>
+                  <a:schemeClr val="tx1"/>
+                </a:solidFill>
                 <a:latin typeface="Arial" panose="020B0604020202020204" pitchFamily="34" charset="0"/>
                 <a:cs typeface="Arial" panose="020B0604020202020204" pitchFamily="34" charset="0"/>
               </a:rPr>
@@ -43240,14 +43459,26 @@
             </a:r>
             <a:r>
               <a:rPr lang="en-US" u="sng" dirty="0">
+                <a:solidFill>
+                  <a:schemeClr val="tx1"/>
+                </a:solidFill>
                 <a:latin typeface="Arial" panose="020B0604020202020204" pitchFamily="34" charset="0"/>
                 <a:cs typeface="Arial" panose="020B0604020202020204" pitchFamily="34" charset="0"/>
-                <a:hlinkClick r:id="rId2"/>
+                <a:hlinkClick r:id="rId2">
+                  <a:extLst>
+                    <a:ext uri="{A12FA001-AC4F-418D-AE19-62706E023703}">
+                      <ahyp:hlinkClr xmlns:ahyp="http://schemas.microsoft.com/office/drawing/2018/hyperlinkcolor" val="tx"/>
+                    </a:ext>
+                  </a:extLst>
+                </a:hlinkClick>
               </a:rPr>
               <a:t>identify risks</a:t>
             </a:r>
             <a:r>
               <a:rPr lang="en-US" dirty="0">
+                <a:solidFill>
+                  <a:schemeClr val="tx1"/>
+                </a:solidFill>
                 <a:latin typeface="Arial" panose="020B0604020202020204" pitchFamily="34" charset="0"/>
                 <a:cs typeface="Arial" panose="020B0604020202020204" pitchFamily="34" charset="0"/>
               </a:rPr>
@@ -43258,6 +43489,9 @@
             <a:pPr fontAlgn="base"/>
             <a:r>
               <a:rPr lang="en-US" dirty="0">
+                <a:solidFill>
+                  <a:schemeClr val="tx1"/>
+                </a:solidFill>
                 <a:latin typeface="Arial" panose="020B0604020202020204" pitchFamily="34" charset="0"/>
                 <a:cs typeface="Arial" panose="020B0604020202020204" pitchFamily="34" charset="0"/>
               </a:rPr>
@@ -43267,7 +43501,10 @@
           <a:p>
             <a:pPr lvl="1" fontAlgn="base"/>
             <a:r>
-              <a:rPr lang="en-US" dirty="0">
+              <a:rPr lang="en-US" sz="2000" dirty="0">
+                <a:solidFill>
+                  <a:schemeClr val="tx1"/>
+                </a:solidFill>
                 <a:latin typeface="Arial" panose="020B0604020202020204" pitchFamily="34" charset="0"/>
                 <a:cs typeface="Arial" panose="020B0604020202020204" pitchFamily="34" charset="0"/>
               </a:rPr>
@@ -43277,7 +43514,10 @@
           <a:p>
             <a:pPr lvl="1" fontAlgn="base"/>
             <a:r>
-              <a:rPr lang="en-US" dirty="0">
+              <a:rPr lang="en-US" sz="2000" dirty="0">
+                <a:solidFill>
+                  <a:schemeClr val="tx1"/>
+                </a:solidFill>
                 <a:latin typeface="Arial" panose="020B0604020202020204" pitchFamily="34" charset="0"/>
                 <a:cs typeface="Arial" panose="020B0604020202020204" pitchFamily="34" charset="0"/>
               </a:rPr>
@@ -43287,7 +43527,10 @@
           <a:p>
             <a:pPr lvl="1" fontAlgn="base"/>
             <a:r>
-              <a:rPr lang="en-US" dirty="0">
+              <a:rPr lang="en-US" sz="2000" dirty="0">
+                <a:solidFill>
+                  <a:schemeClr val="tx1"/>
+                </a:solidFill>
                 <a:latin typeface="Arial" panose="020B0604020202020204" pitchFamily="34" charset="0"/>
                 <a:cs typeface="Arial" panose="020B0604020202020204" pitchFamily="34" charset="0"/>
               </a:rPr>
@@ -43296,6 +43539,9 @@
           </a:p>
           <a:p>
             <a:endParaRPr lang="en-US" dirty="0">
+              <a:solidFill>
+                <a:schemeClr val="tx1"/>
+              </a:solidFill>
               <a:latin typeface="Arial" panose="020B0604020202020204" pitchFamily="34" charset="0"/>
               <a:cs typeface="Arial" panose="020B0604020202020204" pitchFamily="34" charset="0"/>
             </a:endParaRPr>
@@ -43354,24 +43600,18 @@
           <a:p>
             <a:r>
               <a:rPr lang="en-US" dirty="0">
-                <a:effectLst/>
+                <a:effectLst>
+                  <a:outerShdw blurRad="38100" dist="38100" dir="2700000" algn="tl">
+                    <a:srgbClr val="000000">
+                      <a:alpha val="43137"/>
+                    </a:srgbClr>
+                  </a:outerShdw>
+                </a:effectLst>
                 <a:latin typeface="Arial" panose="020B0604020202020204" pitchFamily="34" charset="0"/>
                 <a:cs typeface="Arial" panose="020B0604020202020204" pitchFamily="34" charset="0"/>
               </a:rPr>
-              <a:t>What is the Difference Between Qualitative and Quantitative Risk Analysis</a:t>
+              <a:t>WHAT IS THE DIFFERENCE BETWEEN QUALITATIVE AND QUANTITATIVE RISK ANALYSIS?</a:t>
             </a:r>
-            <a:r>
-              <a:rPr lang="en-US" dirty="0" smtClean="0">
-                <a:effectLst/>
-                <a:latin typeface="Arial" panose="020B0604020202020204" pitchFamily="34" charset="0"/>
-                <a:cs typeface="Arial" panose="020B0604020202020204" pitchFamily="34" charset="0"/>
-              </a:rPr>
-              <a:t>?</a:t>
-            </a:r>
-            <a:endParaRPr lang="en-US" dirty="0">
-              <a:latin typeface="Arial" panose="020B0604020202020204" pitchFamily="34" charset="0"/>
-              <a:cs typeface="Arial" panose="020B0604020202020204" pitchFamily="34" charset="0"/>
-            </a:endParaRPr>
           </a:p>
         </p:txBody>
       </p:sp>
@@ -43399,6 +43639,9 @@
           <a:p>
             <a:r>
               <a:rPr lang="en-US" dirty="0">
+                <a:solidFill>
+                  <a:schemeClr val="tx1"/>
+                </a:solidFill>
                 <a:latin typeface="Arial" panose="020B0604020202020204" pitchFamily="34" charset="0"/>
                 <a:cs typeface="Arial" panose="020B0604020202020204" pitchFamily="34" charset="0"/>
               </a:rPr>
@@ -43406,6 +43649,9 @@
             </a:r>
             <a:r>
               <a:rPr lang="en-US" b="1" dirty="0">
+                <a:solidFill>
+                  <a:schemeClr val="tx1"/>
+                </a:solidFill>
                 <a:latin typeface="Arial" panose="020B0604020202020204" pitchFamily="34" charset="0"/>
                 <a:cs typeface="Arial" panose="020B0604020202020204" pitchFamily="34" charset="0"/>
               </a:rPr>
@@ -43413,6 +43659,9 @@
             </a:r>
             <a:r>
               <a:rPr lang="en-US" dirty="0">
+                <a:solidFill>
+                  <a:schemeClr val="tx1"/>
+                </a:solidFill>
                 <a:latin typeface="Arial" panose="020B0604020202020204" pitchFamily="34" charset="0"/>
                 <a:cs typeface="Arial" panose="020B0604020202020204" pitchFamily="34" charset="0"/>
               </a:rPr>
@@ -43420,6 +43669,9 @@
             </a:r>
             <a:r>
               <a:rPr lang="en-US" b="1" dirty="0">
+                <a:solidFill>
+                  <a:schemeClr val="tx1"/>
+                </a:solidFill>
                 <a:latin typeface="Arial" panose="020B0604020202020204" pitchFamily="34" charset="0"/>
                 <a:cs typeface="Arial" panose="020B0604020202020204" pitchFamily="34" charset="0"/>
               </a:rPr>
@@ -43427,6 +43679,9 @@
             </a:r>
             <a:r>
               <a:rPr lang="en-US" dirty="0">
+                <a:solidFill>
+                  <a:schemeClr val="tx1"/>
+                </a:solidFill>
                 <a:latin typeface="Arial" panose="020B0604020202020204" pitchFamily="34" charset="0"/>
                 <a:cs typeface="Arial" panose="020B0604020202020204" pitchFamily="34" charset="0"/>
               </a:rPr>
@@ -43436,6 +43691,9 @@
           <a:p>
             <a:r>
               <a:rPr lang="en-US" dirty="0">
+                <a:solidFill>
+                  <a:schemeClr val="tx1"/>
+                </a:solidFill>
                 <a:latin typeface="Arial" panose="020B0604020202020204" pitchFamily="34" charset="0"/>
                 <a:cs typeface="Arial" panose="020B0604020202020204" pitchFamily="34" charset="0"/>
               </a:rPr>
@@ -43445,6 +43703,9 @@
           <a:p>
             <a:r>
               <a:rPr lang="en-US" dirty="0">
+                <a:solidFill>
+                  <a:schemeClr val="tx1"/>
+                </a:solidFill>
                 <a:latin typeface="Arial" panose="020B0604020202020204" pitchFamily="34" charset="0"/>
                 <a:cs typeface="Arial" panose="020B0604020202020204" pitchFamily="34" charset="0"/>
               </a:rPr>
@@ -43500,17 +43761,18 @@
           <a:p>
             <a:r>
               <a:rPr lang="en-US" dirty="0">
-                <a:effectLst/>
+                <a:effectLst>
+                  <a:outerShdw blurRad="38100" dist="38100" dir="2700000" algn="tl">
+                    <a:srgbClr val="000000">
+                      <a:alpha val="43137"/>
+                    </a:srgbClr>
+                  </a:outerShdw>
+                </a:effectLst>
+                <a:latin typeface="Arial" panose="020B0604020202020204" pitchFamily="34" charset="0"/>
+                <a:cs typeface="Arial" panose="020B0604020202020204" pitchFamily="34" charset="0"/>
               </a:rPr>
-              <a:t>Quantitative Risk Assessment Tools &amp; </a:t>
+              <a:t>QUANTITATIVE RISK ASSESSMENT TOOLS &amp; TECHNIQUES</a:t>
             </a:r>
-            <a:r>
-              <a:rPr lang="en-US" dirty="0" smtClean="0">
-                <a:effectLst/>
-              </a:rPr>
-              <a:t>Techniques</a:t>
-            </a:r>
-            <a:endParaRPr lang="en-US" dirty="0"/>
           </a:p>
         </p:txBody>
       </p:sp>
@@ -43539,6 +43801,9 @@
             <a:pPr lvl="0" fontAlgn="base"/>
             <a:r>
               <a:rPr lang="en-US" b="1" dirty="0">
+                <a:solidFill>
+                  <a:schemeClr val="tx1"/>
+                </a:solidFill>
                 <a:latin typeface="Arial" panose="020B0604020202020204" pitchFamily="34" charset="0"/>
                 <a:cs typeface="Arial" panose="020B0604020202020204" pitchFamily="34" charset="0"/>
               </a:rPr>
@@ -43546,6 +43811,9 @@
             </a:r>
             <a:r>
               <a:rPr lang="en-US" dirty="0">
+                <a:solidFill>
+                  <a:schemeClr val="tx1"/>
+                </a:solidFill>
                 <a:latin typeface="Arial" panose="020B0604020202020204" pitchFamily="34" charset="0"/>
                 <a:cs typeface="Arial" panose="020B0604020202020204" pitchFamily="34" charset="0"/>
               </a:rPr>
@@ -43556,6 +43824,9 @@
             <a:pPr lvl="0" fontAlgn="base"/>
             <a:r>
               <a:rPr lang="en-US" b="1" dirty="0">
+                <a:solidFill>
+                  <a:schemeClr val="tx1"/>
+                </a:solidFill>
                 <a:latin typeface="Arial" panose="020B0604020202020204" pitchFamily="34" charset="0"/>
                 <a:cs typeface="Arial" panose="020B0604020202020204" pitchFamily="34" charset="0"/>
               </a:rPr>
@@ -43563,34 +43834,32 @@
             </a:r>
             <a:r>
               <a:rPr lang="en-US" dirty="0">
+                <a:solidFill>
+                  <a:schemeClr val="tx1"/>
+                </a:solidFill>
                 <a:latin typeface="Arial" panose="020B0604020202020204" pitchFamily="34" charset="0"/>
                 <a:cs typeface="Arial" panose="020B0604020202020204" pitchFamily="34" charset="0"/>
               </a:rPr>
               <a:t> – a diagram that shows the implications of choosing one or other alternatives. </a:t>
             </a:r>
-            <a:endParaRPr lang="en-US" dirty="0" smtClean="0">
-              <a:latin typeface="Arial" panose="020B0604020202020204" pitchFamily="34" charset="0"/>
-              <a:cs typeface="Arial" panose="020B0604020202020204" pitchFamily="34" charset="0"/>
-            </a:endParaRPr>
           </a:p>
           <a:p>
             <a:pPr lvl="0" fontAlgn="base"/>
             <a:r>
-              <a:rPr lang="en-US" b="1" dirty="0" smtClean="0">
+              <a:rPr lang="en-US" b="1" dirty="0">
+                <a:solidFill>
+                  <a:schemeClr val="tx1"/>
+                </a:solidFill>
                 <a:latin typeface="Arial" panose="020B0604020202020204" pitchFamily="34" charset="0"/>
                 <a:cs typeface="Arial" panose="020B0604020202020204" pitchFamily="34" charset="0"/>
               </a:rPr>
-              <a:t>Expected </a:t>
-            </a:r>
-            <a:r>
-              <a:rPr lang="en-US" b="1" dirty="0">
-                <a:latin typeface="Arial" panose="020B0604020202020204" pitchFamily="34" charset="0"/>
-                <a:cs typeface="Arial" panose="020B0604020202020204" pitchFamily="34" charset="0"/>
-              </a:rPr>
-              <a:t>Monetary Value (EMV)</a:t>
+              <a:t>Expected Monetary Value (EMV)</a:t>
             </a:r>
             <a:r>
               <a:rPr lang="en-US" dirty="0">
+                <a:solidFill>
+                  <a:schemeClr val="tx1"/>
+                </a:solidFill>
                 <a:latin typeface="Arial" panose="020B0604020202020204" pitchFamily="34" charset="0"/>
                 <a:cs typeface="Arial" panose="020B0604020202020204" pitchFamily="34" charset="0"/>
               </a:rPr>
@@ -43601,6 +43870,9 @@
             <a:pPr lvl="0" fontAlgn="base"/>
             <a:r>
               <a:rPr lang="en-US" b="1" dirty="0">
+                <a:solidFill>
+                  <a:schemeClr val="tx1"/>
+                </a:solidFill>
                 <a:latin typeface="Arial" panose="020B0604020202020204" pitchFamily="34" charset="0"/>
                 <a:cs typeface="Arial" panose="020B0604020202020204" pitchFamily="34" charset="0"/>
               </a:rPr>
@@ -43608,34 +43880,32 @@
             </a:r>
             <a:r>
               <a:rPr lang="en-US" dirty="0">
+                <a:solidFill>
+                  <a:schemeClr val="tx1"/>
+                </a:solidFill>
                 <a:latin typeface="Arial" panose="020B0604020202020204" pitchFamily="34" charset="0"/>
                 <a:cs typeface="Arial" panose="020B0604020202020204" pitchFamily="34" charset="0"/>
               </a:rPr>
               <a:t> – a technique that uses optimistic, most likely, and pessimistic estimates to determine the total project cost and project completion dates. </a:t>
             </a:r>
-            <a:endParaRPr lang="en-US" dirty="0" smtClean="0">
-              <a:latin typeface="Arial" panose="020B0604020202020204" pitchFamily="34" charset="0"/>
-              <a:cs typeface="Arial" panose="020B0604020202020204" pitchFamily="34" charset="0"/>
-            </a:endParaRPr>
           </a:p>
           <a:p>
             <a:pPr lvl="0" fontAlgn="base"/>
             <a:r>
-              <a:rPr lang="en-US" b="1" dirty="0" smtClean="0">
+              <a:rPr lang="en-US" b="1" dirty="0">
+                <a:solidFill>
+                  <a:schemeClr val="tx1"/>
+                </a:solidFill>
                 <a:latin typeface="Arial" panose="020B0604020202020204" pitchFamily="34" charset="0"/>
                 <a:cs typeface="Arial" panose="020B0604020202020204" pitchFamily="34" charset="0"/>
               </a:rPr>
-              <a:t>Sensitivity </a:t>
-            </a:r>
-            <a:r>
-              <a:rPr lang="en-US" b="1" dirty="0">
-                <a:latin typeface="Arial" panose="020B0604020202020204" pitchFamily="34" charset="0"/>
-                <a:cs typeface="Arial" panose="020B0604020202020204" pitchFamily="34" charset="0"/>
-              </a:rPr>
-              <a:t>Analysis</a:t>
+              <a:t>Sensitivity Analysis</a:t>
             </a:r>
             <a:r>
               <a:rPr lang="en-US" dirty="0">
+                <a:solidFill>
+                  <a:schemeClr val="tx1"/>
+                </a:solidFill>
                 <a:latin typeface="Arial" panose="020B0604020202020204" pitchFamily="34" charset="0"/>
                 <a:cs typeface="Arial" panose="020B0604020202020204" pitchFamily="34" charset="0"/>
               </a:rPr>
@@ -43646,6 +43916,9 @@
             <a:pPr lvl="0" fontAlgn="base"/>
             <a:r>
               <a:rPr lang="en-US" b="1" dirty="0">
+                <a:solidFill>
+                  <a:schemeClr val="tx1"/>
+                </a:solidFill>
                 <a:latin typeface="Arial" panose="020B0604020202020204" pitchFamily="34" charset="0"/>
                 <a:cs typeface="Arial" panose="020B0604020202020204" pitchFamily="34" charset="0"/>
               </a:rPr>
@@ -43653,6 +43926,9 @@
             </a:r>
             <a:r>
               <a:rPr lang="en-US" dirty="0">
+                <a:solidFill>
+                  <a:schemeClr val="tx1"/>
+                </a:solidFill>
                 <a:latin typeface="Arial" panose="020B0604020202020204" pitchFamily="34" charset="0"/>
                 <a:cs typeface="Arial" panose="020B0604020202020204" pitchFamily="34" charset="0"/>
               </a:rPr>
@@ -43661,6 +43937,9 @@
           </a:p>
           <a:p>
             <a:endParaRPr lang="en-US" dirty="0">
+              <a:solidFill>
+                <a:schemeClr val="tx1"/>
+              </a:solidFill>
               <a:latin typeface="Arial" panose="020B0604020202020204" pitchFamily="34" charset="0"/>
               <a:cs typeface="Arial" panose="020B0604020202020204" pitchFamily="34" charset="0"/>
             </a:endParaRPr>
@@ -43714,17 +43993,18 @@
           <a:p>
             <a:r>
               <a:rPr lang="en-US" dirty="0">
-                <a:effectLst/>
+                <a:effectLst>
+                  <a:outerShdw blurRad="38100" dist="38100" dir="2700000" algn="tl">
+                    <a:srgbClr val="000000">
+                      <a:alpha val="43137"/>
+                    </a:srgbClr>
+                  </a:outerShdw>
+                </a:effectLst>
+                <a:latin typeface="Arial" panose="020B0604020202020204" pitchFamily="34" charset="0"/>
+                <a:cs typeface="Arial" panose="020B0604020202020204" pitchFamily="34" charset="0"/>
               </a:rPr>
-              <a:t>Quantitative Risk Analysis </a:t>
+              <a:t>QUANTITATIVE RISK ANALYSIS EXAMPLE</a:t>
             </a:r>
-            <a:r>
-              <a:rPr lang="en-US" dirty="0" smtClean="0">
-                <a:effectLst/>
-              </a:rPr>
-              <a:t>Example</a:t>
-            </a:r>
-            <a:endParaRPr lang="en-US" dirty="0"/>
           </a:p>
         </p:txBody>
       </p:sp>
@@ -43746,6 +44026,9 @@
             <a:pPr fontAlgn="base"/>
             <a:r>
               <a:rPr lang="en-US" dirty="0">
+                <a:solidFill>
+                  <a:schemeClr val="tx1"/>
+                </a:solidFill>
                 <a:latin typeface="Arial" panose="020B0604020202020204" pitchFamily="34" charset="0"/>
                 <a:cs typeface="Arial" panose="020B0604020202020204" pitchFamily="34" charset="0"/>
               </a:rPr>
@@ -43756,6 +44039,9 @@
             <a:pPr fontAlgn="base"/>
             <a:r>
               <a:rPr lang="en-US" dirty="0">
+                <a:solidFill>
+                  <a:schemeClr val="tx1"/>
+                </a:solidFill>
                 <a:latin typeface="Arial" panose="020B0604020202020204" pitchFamily="34" charset="0"/>
                 <a:cs typeface="Arial" panose="020B0604020202020204" pitchFamily="34" charset="0"/>
               </a:rPr>
@@ -43764,6 +44050,9 @@
           </a:p>
           <a:p>
             <a:endParaRPr lang="en-US" dirty="0">
+              <a:solidFill>
+                <a:schemeClr val="tx1"/>
+              </a:solidFill>
               <a:latin typeface="Arial" panose="020B0604020202020204" pitchFamily="34" charset="0"/>
               <a:cs typeface="Arial" panose="020B0604020202020204" pitchFamily="34" charset="0"/>
             </a:endParaRPr>
@@ -43795,10 +44084,34 @@
                 <a:tableStyleId>{5DA37D80-6434-44D0-A028-1B22A696006F}</a:tableStyleId>
               </a:tblPr>
               <a:tblGrid>
-                <a:gridCol w="1684427"/>
-                <a:gridCol w="1211095"/>
-                <a:gridCol w="1355652"/>
-                <a:gridCol w="1237539"/>
+                <a:gridCol w="1684427">
+                  <a:extLst>
+                    <a:ext uri="{9D8B030D-6E8A-4147-A177-3AD203B41FA5}">
+                      <a16:colId xmlns:a16="http://schemas.microsoft.com/office/drawing/2014/main" val="20000"/>
+                    </a:ext>
+                  </a:extLst>
+                </a:gridCol>
+                <a:gridCol w="1211095">
+                  <a:extLst>
+                    <a:ext uri="{9D8B030D-6E8A-4147-A177-3AD203B41FA5}">
+                      <a16:colId xmlns:a16="http://schemas.microsoft.com/office/drawing/2014/main" val="20001"/>
+                    </a:ext>
+                  </a:extLst>
+                </a:gridCol>
+                <a:gridCol w="1355652">
+                  <a:extLst>
+                    <a:ext uri="{9D8B030D-6E8A-4147-A177-3AD203B41FA5}">
+                      <a16:colId xmlns:a16="http://schemas.microsoft.com/office/drawing/2014/main" val="20002"/>
+                    </a:ext>
+                  </a:extLst>
+                </a:gridCol>
+                <a:gridCol w="1237539">
+                  <a:extLst>
+                    <a:ext uri="{9D8B030D-6E8A-4147-A177-3AD203B41FA5}">
+                      <a16:colId xmlns:a16="http://schemas.microsoft.com/office/drawing/2014/main" val="20003"/>
+                    </a:ext>
+                  </a:extLst>
+                </a:gridCol>
               </a:tblGrid>
               <a:tr h="240752">
                 <a:tc>
@@ -43929,6 +44242,11 @@
                   </a:txBody>
                   <a:tcPr marL="0" marR="0" marT="0" marB="0" anchor="b"/>
                 </a:tc>
+                <a:extLst>
+                  <a:ext uri="{0D108BD9-81ED-4DB2-BD59-A6C34878D82A}">
+                    <a16:rowId xmlns:a16="http://schemas.microsoft.com/office/drawing/2014/main" val="10000"/>
+                  </a:ext>
+                </a:extLst>
               </a:tr>
               <a:tr h="656967">
                 <a:tc>
@@ -44059,6 +44377,11 @@
                   </a:txBody>
                   <a:tcPr marL="161925" marR="161925" marT="161925" marB="161925" anchor="b"/>
                 </a:tc>
+                <a:extLst>
+                  <a:ext uri="{0D108BD9-81ED-4DB2-BD59-A6C34878D82A}">
+                    <a16:rowId xmlns:a16="http://schemas.microsoft.com/office/drawing/2014/main" val="10001"/>
+                  </a:ext>
+                </a:extLst>
               </a:tr>
               <a:tr h="595844">
                 <a:tc>
@@ -44189,6 +44512,11 @@
                   </a:txBody>
                   <a:tcPr marL="161925" marR="161925" marT="161925" marB="161925" anchor="b"/>
                 </a:tc>
+                <a:extLst>
+                  <a:ext uri="{0D108BD9-81ED-4DB2-BD59-A6C34878D82A}">
+                    <a16:rowId xmlns:a16="http://schemas.microsoft.com/office/drawing/2014/main" val="10002"/>
+                  </a:ext>
+                </a:extLst>
               </a:tr>
               <a:tr h="847265">
                 <a:tc>
@@ -44319,6 +44647,11 @@
                   </a:txBody>
                   <a:tcPr marL="161925" marR="161925" marT="161925" marB="161925" anchor="b"/>
                 </a:tc>
+                <a:extLst>
+                  <a:ext uri="{0D108BD9-81ED-4DB2-BD59-A6C34878D82A}">
+                    <a16:rowId xmlns:a16="http://schemas.microsoft.com/office/drawing/2014/main" val="10003"/>
+                  </a:ext>
+                </a:extLst>
               </a:tr>
               <a:tr h="656967">
                 <a:tc>
@@ -44449,6 +44782,11 @@
                   </a:txBody>
                   <a:tcPr marL="161925" marR="161925" marT="161925" marB="161925" anchor="b"/>
                 </a:tc>
+                <a:extLst>
+                  <a:ext uri="{0D108BD9-81ED-4DB2-BD59-A6C34878D82A}">
+                    <a16:rowId xmlns:a16="http://schemas.microsoft.com/office/drawing/2014/main" val="10004"/>
+                  </a:ext>
+                </a:extLst>
               </a:tr>
             </a:tbl>
           </a:graphicData>
@@ -44489,7 +44827,7 @@
           <p:cNvPr id="2" name="Title 1">
             <a:extLst>
               <a:ext uri="{FF2B5EF4-FFF2-40B4-BE49-F238E27FC236}">
-                <a16:creationId xmlns="" xmlns:a16="http://schemas.microsoft.com/office/drawing/2014/main" id="{FB9500EA-79DA-44C2-A119-07E105C43C99}"/>
+                <a16:creationId xmlns:a16="http://schemas.microsoft.com/office/drawing/2014/main" id="{8ACC4731-7024-4C30-AD18-44D09D635A0F}"/>
               </a:ext>
             </a:extLst>
           </p:cNvPr>
@@ -44506,8 +44844,11 @@
           <a:lstStyle/>
           <a:p>
             <a:r>
-              <a:rPr lang="en-US" dirty="0"/>
-              <a:t>RISK MONITORING AND CONTROL</a:t>
+              <a:rPr lang="en-US" dirty="0">
+                <a:latin typeface="Arial" panose="020B0604020202020204" pitchFamily="34" charset="0"/>
+                <a:cs typeface="Arial" panose="020B0604020202020204" pitchFamily="34" charset="0"/>
+              </a:rPr>
+              <a:t>RISK RESPONSE PLANNING</a:t>
             </a:r>
           </a:p>
         </p:txBody>
@@ -44517,7 +44858,7 @@
           <p:cNvPr id="3" name="Content Placeholder 2">
             <a:extLst>
               <a:ext uri="{FF2B5EF4-FFF2-40B4-BE49-F238E27FC236}">
-                <a16:creationId xmlns="" xmlns:a16="http://schemas.microsoft.com/office/drawing/2014/main" id="{86FE0847-AF1F-4C59-853A-E624B683C708}"/>
+                <a16:creationId xmlns:a16="http://schemas.microsoft.com/office/drawing/2014/main" id="{6AA6F14F-2383-4845-8714-04BF103E05B6}"/>
               </a:ext>
             </a:extLst>
           </p:cNvPr>
@@ -44528,88 +44869,56 @@
             <p:ph idx="1"/>
           </p:nvPr>
         </p:nvSpPr>
-        <p:spPr>
-          <a:xfrm>
-            <a:off x="609600" y="1846262"/>
-            <a:ext cx="10972800" cy="3958190"/>
-          </a:xfrm>
-        </p:spPr>
+        <p:spPr/>
         <p:txBody>
           <a:bodyPr>
-            <a:normAutofit lnSpcReduction="10000"/>
+            <a:normAutofit/>
           </a:bodyPr>
           <a:lstStyle/>
           <a:p>
-            <a:pPr marL="0" indent="0">
-              <a:buNone/>
-            </a:pPr>
             <a:r>
               <a:rPr lang="en-US" dirty="0">
                 <a:solidFill>
                   <a:schemeClr val="tx1"/>
                 </a:solidFill>
+                <a:latin typeface="Arial" panose="020B0604020202020204" pitchFamily="34" charset="0"/>
+                <a:cs typeface="Arial" panose="020B0604020202020204" pitchFamily="34" charset="0"/>
               </a:rPr>
-              <a:t>Inputs to Risk Monitoring and Control</a:t>
+              <a:t>The risk response planning is the process of developing options, and determining actions to enhance opportunities and reduce threats to the project’s objectives. It follows the Qualitative Risk Analysis and Quantitative Risk Analysis processes. It includes the identification and assignment of one or more persons (the “risk response owner”) to take responsibility for each agreed-to and funded risk response. Risk Response Planning addresses the risks by their priority, inserting resources and activities into the budget, schedule, and project management plan, as needed.</a:t>
             </a:r>
-          </a:p>
-          <a:p>
-            <a:pPr marL="457200" indent="-457200">
-              <a:buAutoNum type="arabicPeriod"/>
-            </a:pPr>
             <a:r>
-              <a:rPr lang="en-US" dirty="0">
+              <a:rPr lang="en-US" b="1" dirty="0">
                 <a:solidFill>
                   <a:schemeClr val="tx1"/>
                 </a:solidFill>
+                <a:latin typeface="Arial" panose="020B0604020202020204" pitchFamily="34" charset="0"/>
+                <a:cs typeface="Arial" panose="020B0604020202020204" pitchFamily="34" charset="0"/>
               </a:rPr>
-              <a:t>Risk management plan</a:t>
+              <a:t> </a:t>
             </a:r>
+            <a:endParaRPr lang="en-US" dirty="0">
+              <a:solidFill>
+                <a:schemeClr val="tx1"/>
+              </a:solidFill>
+              <a:latin typeface="Arial" panose="020B0604020202020204" pitchFamily="34" charset="0"/>
+              <a:cs typeface="Arial" panose="020B0604020202020204" pitchFamily="34" charset="0"/>
+            </a:endParaRPr>
           </a:p>
           <a:p>
-            <a:pPr marL="457200" indent="-457200">
-              <a:buAutoNum type="arabicPeriod"/>
-            </a:pPr>
-            <a:r>
-              <a:rPr lang="en-US" dirty="0">
-                <a:solidFill>
-                  <a:schemeClr val="tx1"/>
-                </a:solidFill>
-              </a:rPr>
-              <a:t>Risk Register Contains outputs of the other processes: identified risks &amp; owners, risk responses, triggers and warning signs</a:t>
-            </a:r>
-          </a:p>
-          <a:p>
-            <a:pPr marL="457200" indent="-457200">
-              <a:buAutoNum type="arabicPeriod"/>
-            </a:pPr>
-            <a:r>
-              <a:rPr lang="en-US" dirty="0">
-                <a:solidFill>
-                  <a:schemeClr val="tx1"/>
-                </a:solidFill>
-              </a:rPr>
-              <a:t>Approved Change Requests Approved changes include modifications such as to scope, schedule, method of work, or contract terms. This may often require new risk analysis to consider impact on existing plan and identifying new risks and corresponding responses </a:t>
-            </a:r>
-          </a:p>
-          <a:p>
-            <a:pPr marL="457200" indent="-457200">
-              <a:buAutoNum type="arabicPeriod"/>
-            </a:pPr>
-            <a:r>
-              <a:rPr lang="en-US" dirty="0">
-                <a:solidFill>
-                  <a:schemeClr val="tx1"/>
-                </a:solidFill>
-              </a:rPr>
-              <a:t>Work Performance Information Project status and performance reports are necessary for risk monitoring and control of risks. </a:t>
-            </a:r>
+            <a:endParaRPr lang="en-US" dirty="0">
+              <a:solidFill>
+                <a:schemeClr val="tx1"/>
+              </a:solidFill>
+              <a:latin typeface="Arial" panose="020B0604020202020204" pitchFamily="34" charset="0"/>
+              <a:cs typeface="Arial" panose="020B0604020202020204" pitchFamily="34" charset="0"/>
+            </a:endParaRPr>
           </a:p>
         </p:txBody>
       </p:sp>
     </p:spTree>
     <p:extLst>
       <p:ext uri="{BB962C8B-B14F-4D97-AF65-F5344CB8AC3E}">
-        <p14:creationId xmlns:p14="http://schemas.microsoft.com/office/powerpoint/2010/main" val="3415362153"/>
+        <p14:creationId xmlns:p14="http://schemas.microsoft.com/office/powerpoint/2010/main" val="80065226"/>
       </p:ext>
     </p:extLst>
   </p:cSld>
@@ -44641,7 +44950,7 @@
           <p:cNvPr id="2" name="Title 1">
             <a:extLst>
               <a:ext uri="{FF2B5EF4-FFF2-40B4-BE49-F238E27FC236}">
-                <a16:creationId xmlns="" xmlns:a16="http://schemas.microsoft.com/office/drawing/2014/main" id="{516D23C8-5582-4A79-BA46-D5896BD99290}"/>
+                <a16:creationId xmlns:a16="http://schemas.microsoft.com/office/drawing/2014/main" id="{B28DBE43-1619-4272-97AB-9378452702FA}"/>
               </a:ext>
             </a:extLst>
           </p:cNvPr>
@@ -44652,14 +44961,22 @@
             <p:ph type="title"/>
           </p:nvPr>
         </p:nvSpPr>
-        <p:spPr/>
+        <p:spPr>
+          <a:xfrm>
+            <a:off x="609600" y="185532"/>
+            <a:ext cx="10972800" cy="1600200"/>
+          </a:xfrm>
+        </p:spPr>
         <p:txBody>
           <a:bodyPr/>
           <a:lstStyle/>
           <a:p>
             <a:r>
-              <a:rPr lang="en-US" dirty="0"/>
-              <a:t>RISK MONITORING AND CONTROL</a:t>
+              <a:rPr lang="en-US" dirty="0">
+                <a:latin typeface="Arial" panose="020B0604020202020204" pitchFamily="34" charset="0"/>
+                <a:cs typeface="Arial" panose="020B0604020202020204" pitchFamily="34" charset="0"/>
+              </a:rPr>
+              <a:t>RISK RESPONSE PLANNING</a:t>
             </a:r>
           </a:p>
         </p:txBody>
@@ -44669,7 +44986,7 @@
           <p:cNvPr id="3" name="Content Placeholder 2">
             <a:extLst>
               <a:ext uri="{FF2B5EF4-FFF2-40B4-BE49-F238E27FC236}">
-                <a16:creationId xmlns="" xmlns:a16="http://schemas.microsoft.com/office/drawing/2014/main" id="{572CA650-3786-4191-8034-815C99E97112}"/>
+                <a16:creationId xmlns:a16="http://schemas.microsoft.com/office/drawing/2014/main" id="{A36409B3-F55B-4D7E-8D2D-C03AC6CD7683}"/>
               </a:ext>
             </a:extLst>
           </p:cNvPr>
@@ -44682,8 +44999,8 @@
         </p:nvSpPr>
         <p:spPr>
           <a:xfrm>
-            <a:off x="609600" y="1846262"/>
-            <a:ext cx="10972800" cy="3653390"/>
+            <a:off x="609600" y="2425148"/>
+            <a:ext cx="10972800" cy="3379303"/>
           </a:xfrm>
         </p:spPr>
         <p:txBody>
@@ -44692,88 +45009,36 @@
           </a:bodyPr>
           <a:lstStyle/>
           <a:p>
-            <a:pPr marL="0" indent="0">
-              <a:buNone/>
-            </a:pPr>
             <a:r>
-              <a:rPr lang="en-US" dirty="0">
+              <a:rPr lang="en-US" sz="2600" b="1" dirty="0">
                 <a:solidFill>
                   <a:schemeClr val="tx1"/>
                 </a:solidFill>
+                <a:latin typeface="Arial" panose="020B0604020202020204" pitchFamily="34" charset="0"/>
+                <a:cs typeface="Arial" panose="020B0604020202020204" pitchFamily="34" charset="0"/>
               </a:rPr>
-              <a:t>Tools and Techniques for Risk Monitoring and Control</a:t>
+              <a:t>The purpose of this process</a:t>
+            </a:r>
+            <a:r>
+              <a:rPr lang="en-US" sz="2600" dirty="0">
+                <a:solidFill>
+                  <a:schemeClr val="tx1"/>
+                </a:solidFill>
+                <a:latin typeface="Arial" panose="020B0604020202020204" pitchFamily="34" charset="0"/>
+                <a:cs typeface="Arial" panose="020B0604020202020204" pitchFamily="34" charset="0"/>
+              </a:rPr>
+              <a:t> is to ensure that each of the identified risks on the Risk Register has appropriate actions or plans to mitigate or avoid a risk before it happens or to provide a response when a risk occurs and turns into a project issue.</a:t>
             </a:r>
           </a:p>
           <a:p>
-            <a:pPr marL="0" indent="0">
-              <a:buNone/>
-            </a:pPr>
-            <a:r>
-              <a:rPr lang="en-US" b="1" dirty="0">
-                <a:solidFill>
-                  <a:schemeClr val="tx1"/>
-                </a:solidFill>
-              </a:rPr>
-              <a:t>1. Risk Reassessment: </a:t>
-            </a:r>
-          </a:p>
-          <a:p>
-            <a:r>
-              <a:rPr lang="en-US" dirty="0">
-                <a:solidFill>
-                  <a:schemeClr val="tx1"/>
-                </a:solidFill>
-              </a:rPr>
-              <a:t>Project risk reviews at all team meetings. </a:t>
-            </a:r>
-          </a:p>
-          <a:p>
-            <a:r>
-              <a:rPr lang="en-US" dirty="0">
-                <a:solidFill>
-                  <a:schemeClr val="tx1"/>
-                </a:solidFill>
-              </a:rPr>
-              <a:t>Major reviews at major milestones </a:t>
-            </a:r>
-          </a:p>
-          <a:p>
-            <a:r>
-              <a:rPr lang="en-US" dirty="0">
-                <a:solidFill>
-                  <a:schemeClr val="tx1"/>
-                </a:solidFill>
-              </a:rPr>
-              <a:t>Risk ratings and prioritization may change during the life of the project. Changes may require additional qualitative or quantitative risk analysis. </a:t>
-            </a:r>
-          </a:p>
-          <a:p>
-            <a:pPr marL="0" indent="0">
-              <a:buNone/>
-            </a:pPr>
-            <a:r>
-              <a:rPr lang="en-US" b="1" dirty="0">
-                <a:solidFill>
-                  <a:schemeClr val="tx1"/>
-                </a:solidFill>
-              </a:rPr>
-              <a:t>2. Risk audits: </a:t>
-            </a:r>
-            <a:r>
-              <a:rPr lang="en-US" dirty="0">
-                <a:solidFill>
-                  <a:schemeClr val="tx1"/>
-                </a:solidFill>
-              </a:rPr>
-              <a:t>Examine and document the effectiveness of the risk response planning in controlling risk and the effectiveness of the risk owner. </a:t>
-            </a:r>
+            <a:endParaRPr lang="en-US" dirty="0"/>
           </a:p>
         </p:txBody>
       </p:sp>
     </p:spTree>
     <p:extLst>
       <p:ext uri="{BB962C8B-B14F-4D97-AF65-F5344CB8AC3E}">
-        <p14:creationId xmlns:p14="http://schemas.microsoft.com/office/powerpoint/2010/main" val="2742874019"/>
+        <p14:creationId xmlns:p14="http://schemas.microsoft.com/office/powerpoint/2010/main" val="1047338801"/>
       </p:ext>
     </p:extLst>
   </p:cSld>
@@ -44805,7 +45070,7 @@
           <p:cNvPr id="2" name="Title 1">
             <a:extLst>
               <a:ext uri="{FF2B5EF4-FFF2-40B4-BE49-F238E27FC236}">
-                <a16:creationId xmlns="" xmlns:a16="http://schemas.microsoft.com/office/drawing/2014/main" id="{63F04339-217A-415E-AC14-5866F8FB19FF}"/>
+                <a16:creationId xmlns:a16="http://schemas.microsoft.com/office/drawing/2014/main" id="{63F04339-217A-415E-AC14-5866F8FB19FF}"/>
               </a:ext>
             </a:extLst>
           </p:cNvPr>
@@ -44836,7 +45101,7 @@
           <p:cNvPr id="3" name="Content Placeholder 2">
             <a:extLst>
               <a:ext uri="{FF2B5EF4-FFF2-40B4-BE49-F238E27FC236}">
-                <a16:creationId xmlns="" xmlns:a16="http://schemas.microsoft.com/office/drawing/2014/main" id="{30C64DA3-8DD5-4827-91E6-A54C96CC2E9E}"/>
+                <a16:creationId xmlns:a16="http://schemas.microsoft.com/office/drawing/2014/main" id="{30C64DA3-8DD5-4827-91E6-A54C96CC2E9E}"/>
               </a:ext>
             </a:extLst>
           </p:cNvPr>
@@ -44954,7 +45219,7 @@
           <p:cNvPr id="2" name="Title 1">
             <a:extLst>
               <a:ext uri="{FF2B5EF4-FFF2-40B4-BE49-F238E27FC236}">
-                <a16:creationId xmlns="" xmlns:a16="http://schemas.microsoft.com/office/drawing/2014/main" id="{231C6901-B410-48AC-9E9B-755C82E4B5A4}"/>
+                <a16:creationId xmlns:a16="http://schemas.microsoft.com/office/drawing/2014/main" id="{327BD42E-595F-456F-A7D2-1FB5866E3CDD}"/>
               </a:ext>
             </a:extLst>
           </p:cNvPr>
@@ -44972,7 +45237,7 @@
           <a:p>
             <a:r>
               <a:rPr lang="en-US" dirty="0"/>
-              <a:t>RISK MONITORING AND CONTROL</a:t>
+              <a:t>RISK RESPONSE PLANNING</a:t>
             </a:r>
           </a:p>
         </p:txBody>
@@ -44982,7 +45247,7 @@
           <p:cNvPr id="3" name="Content Placeholder 2">
             <a:extLst>
               <a:ext uri="{FF2B5EF4-FFF2-40B4-BE49-F238E27FC236}">
-                <a16:creationId xmlns="" xmlns:a16="http://schemas.microsoft.com/office/drawing/2014/main" id="{35D76BC1-1376-4FD7-B9AA-FDF9CE651D72}"/>
+                <a16:creationId xmlns:a16="http://schemas.microsoft.com/office/drawing/2014/main" id="{AC05F4D0-DEAB-436F-860C-3E16242A25D0}"/>
               </a:ext>
             </a:extLst>
           </p:cNvPr>
@@ -44993,137 +45258,78 @@
             <p:ph idx="1"/>
           </p:nvPr>
         </p:nvSpPr>
-        <p:spPr>
-          <a:xfrm>
-            <a:off x="609600" y="1846262"/>
-            <a:ext cx="10972800" cy="3971442"/>
-          </a:xfrm>
-        </p:spPr>
+        <p:spPr/>
         <p:txBody>
-          <a:bodyPr>
-            <a:normAutofit lnSpcReduction="10000"/>
-          </a:bodyPr>
+          <a:bodyPr/>
           <a:lstStyle/>
           <a:p>
             <a:pPr marL="0" indent="0">
               <a:buNone/>
             </a:pPr>
             <a:r>
-              <a:rPr lang="en-US" dirty="0">
+              <a:rPr lang="en-US" b="1" u="sng" dirty="0">
                 <a:solidFill>
                   <a:schemeClr val="tx1"/>
                 </a:solidFill>
+                <a:latin typeface="Arial" panose="020B0604020202020204" pitchFamily="34" charset="0"/>
+                <a:cs typeface="Arial" panose="020B0604020202020204" pitchFamily="34" charset="0"/>
               </a:rPr>
-              <a:t>Tools and Techniques for Risk Monitoring &amp; Control(</a:t>
+              <a:t>Parts of a Risk Response:</a:t>
             </a:r>
+          </a:p>
+          <a:p>
+            <a:pPr lvl="1"/>
             <a:r>
-              <a:rPr lang="en-US" dirty="0" err="1">
+              <a:rPr lang="en-US" sz="2400" dirty="0">
                 <a:solidFill>
                   <a:schemeClr val="tx1"/>
                 </a:solidFill>
+                <a:latin typeface="Arial" panose="020B0604020202020204" pitchFamily="34" charset="0"/>
+                <a:cs typeface="Arial" panose="020B0604020202020204" pitchFamily="34" charset="0"/>
               </a:rPr>
-              <a:t>cont</a:t>
+              <a:t>Cost effective relative to the significance of the risk</a:t>
             </a:r>
+          </a:p>
+          <a:p>
+            <a:pPr lvl="1"/>
             <a:r>
-              <a:rPr lang="en-US" dirty="0">
+              <a:rPr lang="en-US" sz="2400" dirty="0">
                 <a:solidFill>
                   <a:schemeClr val="tx1"/>
                 </a:solidFill>
+                <a:latin typeface="Arial" panose="020B0604020202020204" pitchFamily="34" charset="0"/>
+                <a:cs typeface="Arial" panose="020B0604020202020204" pitchFamily="34" charset="0"/>
               </a:rPr>
-              <a:t>):</a:t>
+              <a:t>Scaled to the magnitude of the risk</a:t>
             </a:r>
           </a:p>
           <a:p>
-            <a:pPr marL="0" indent="0">
-              <a:buNone/>
-            </a:pPr>
+            <a:pPr lvl="1"/>
             <a:r>
-              <a:rPr lang="en-US" dirty="0">
+              <a:rPr lang="en-US" sz="2400" dirty="0">
                 <a:solidFill>
                   <a:schemeClr val="tx1"/>
                 </a:solidFill>
+                <a:latin typeface="Arial" panose="020B0604020202020204" pitchFamily="34" charset="0"/>
+                <a:cs typeface="Arial" panose="020B0604020202020204" pitchFamily="34" charset="0"/>
               </a:rPr>
-              <a:t>3. </a:t>
+              <a:t>Agreed upon by the applicable project stakeholders</a:t>
             </a:r>
+          </a:p>
+          <a:p>
+            <a:pPr lvl="1"/>
             <a:r>
-              <a:rPr lang="en-US" b="1" dirty="0">
+              <a:rPr lang="en-US" sz="2400" dirty="0">
                 <a:solidFill>
                   <a:schemeClr val="tx1"/>
                 </a:solidFill>
+                <a:latin typeface="Arial" panose="020B0604020202020204" pitchFamily="34" charset="0"/>
+                <a:cs typeface="Arial" panose="020B0604020202020204" pitchFamily="34" charset="0"/>
               </a:rPr>
-              <a:t>Variance and Trend Analysis: </a:t>
-            </a:r>
-            <a:r>
-              <a:rPr lang="en-US" dirty="0">
-                <a:solidFill>
-                  <a:schemeClr val="tx1"/>
-                </a:solidFill>
-              </a:rPr>
-              <a:t>Used for monitoring overall project cost &amp; Schedule performance against a baseline plan. Significant deviations indicate that updated risk identification and analysis should be performed. Technical performance measurement.</a:t>
+              <a:t>Achievable and realistic</a:t>
             </a:r>
           </a:p>
           <a:p>
-            <a:pPr marL="0" indent="0">
-              <a:buNone/>
-            </a:pPr>
-            <a:r>
-              <a:rPr lang="en-US" dirty="0">
-                <a:solidFill>
-                  <a:schemeClr val="tx1"/>
-                </a:solidFill>
-              </a:rPr>
-              <a:t>4. </a:t>
-            </a:r>
-            <a:r>
-              <a:rPr lang="en-US" b="1" dirty="0">
-                <a:solidFill>
-                  <a:schemeClr val="tx1"/>
-                </a:solidFill>
-              </a:rPr>
-              <a:t>Reserve Analysis: </a:t>
-            </a:r>
-            <a:r>
-              <a:rPr lang="en-US" dirty="0">
-                <a:solidFill>
-                  <a:schemeClr val="tx1"/>
-                </a:solidFill>
-              </a:rPr>
-              <a:t>As execution progresses, some risk events may happen with positive or negative impact on cost or schedule contingency reserves. Reserve analysis compares available reserves with amount of risk remaining at the time and determines whether reserves are sufficient </a:t>
-            </a:r>
-          </a:p>
-          <a:p>
-            <a:pPr marL="0" indent="0">
-              <a:buNone/>
-            </a:pPr>
-            <a:r>
-              <a:rPr lang="en-US" dirty="0">
-                <a:solidFill>
-                  <a:schemeClr val="tx1"/>
-                </a:solidFill>
-              </a:rPr>
-              <a:t>5. </a:t>
-            </a:r>
-            <a:r>
-              <a:rPr lang="en-US" b="1" dirty="0">
-                <a:solidFill>
-                  <a:schemeClr val="tx1"/>
-                </a:solidFill>
-              </a:rPr>
-              <a:t>Status meetings: </a:t>
-            </a:r>
-            <a:r>
-              <a:rPr lang="en-US" dirty="0">
-                <a:solidFill>
-                  <a:schemeClr val="tx1"/>
-                </a:solidFill>
-              </a:rPr>
-              <a:t>Risk management can be addressed regularly by including the subject in project meetings. </a:t>
-            </a:r>
-          </a:p>
-          <a:p>
-            <a:pPr marL="0" indent="0">
-              <a:buNone/>
-            </a:pPr>
             <a:endParaRPr lang="en-US" dirty="0"/>
           </a:p>
         </p:txBody>
@@ -45131,7 +45337,7 @@
     </p:spTree>
     <p:extLst>
       <p:ext uri="{BB962C8B-B14F-4D97-AF65-F5344CB8AC3E}">
-        <p14:creationId xmlns:p14="http://schemas.microsoft.com/office/powerpoint/2010/main" val="3405071517"/>
+        <p14:creationId xmlns:p14="http://schemas.microsoft.com/office/powerpoint/2010/main" val="2190623570"/>
       </p:ext>
     </p:extLst>
   </p:cSld>
@@ -45163,7 +45369,7 @@
           <p:cNvPr id="2" name="Title 1">
             <a:extLst>
               <a:ext uri="{FF2B5EF4-FFF2-40B4-BE49-F238E27FC236}">
-                <a16:creationId xmlns="" xmlns:a16="http://schemas.microsoft.com/office/drawing/2014/main" id="{AB0E7A9B-A41D-442E-802D-434172309D2A}"/>
+                <a16:creationId xmlns:a16="http://schemas.microsoft.com/office/drawing/2014/main" id="{6BF3ECC4-DC90-4319-B663-44B6DD058951}"/>
               </a:ext>
             </a:extLst>
           </p:cNvPr>
@@ -45180,8 +45386,11 @@
           <a:lstStyle/>
           <a:p>
             <a:r>
-              <a:rPr lang="en-US" dirty="0"/>
-              <a:t>RISK MONITORING AND CONTROL</a:t>
+              <a:rPr lang="en-US" dirty="0">
+                <a:latin typeface="Arial" panose="020B0604020202020204" pitchFamily="34" charset="0"/>
+                <a:cs typeface="Arial" panose="020B0604020202020204" pitchFamily="34" charset="0"/>
+              </a:rPr>
+              <a:t>RISK RESPONSE PLANNING</a:t>
             </a:r>
           </a:p>
         </p:txBody>
@@ -45191,7 +45400,7 @@
           <p:cNvPr id="3" name="Content Placeholder 2">
             <a:extLst>
               <a:ext uri="{FF2B5EF4-FFF2-40B4-BE49-F238E27FC236}">
-                <a16:creationId xmlns="" xmlns:a16="http://schemas.microsoft.com/office/drawing/2014/main" id="{0521ED67-64D5-4B3C-AE59-AA02C5781830}"/>
+                <a16:creationId xmlns:a16="http://schemas.microsoft.com/office/drawing/2014/main" id="{12B0C572-73DD-41D4-A385-98E9B697B8D2}"/>
               </a:ext>
             </a:extLst>
           </p:cNvPr>
@@ -45202,122 +45411,82 @@
             <p:ph idx="1"/>
           </p:nvPr>
         </p:nvSpPr>
-        <p:spPr>
-          <a:xfrm>
-            <a:off x="609600" y="1846261"/>
-            <a:ext cx="10972800" cy="4024451"/>
-          </a:xfrm>
-        </p:spPr>
+        <p:spPr/>
         <p:txBody>
-          <a:bodyPr>
-            <a:normAutofit fontScale="92500" lnSpcReduction="20000"/>
-          </a:bodyPr>
+          <a:bodyPr/>
           <a:lstStyle/>
           <a:p>
             <a:pPr marL="0" indent="0">
               <a:buNone/>
             </a:pPr>
             <a:r>
-              <a:rPr lang="en-US" sz="2600" b="1" dirty="0">
+              <a:rPr lang="en-US" b="1" u="sng" dirty="0">
                 <a:solidFill>
                   <a:schemeClr val="tx1"/>
                 </a:solidFill>
+                <a:latin typeface="Arial" panose="020B0604020202020204" pitchFamily="34" charset="0"/>
+                <a:cs typeface="Arial" panose="020B0604020202020204" pitchFamily="34" charset="0"/>
               </a:rPr>
-              <a:t>Outputs from Risk Monitoring and Control</a:t>
+              <a:t>How to Response:</a:t>
             </a:r>
           </a:p>
           <a:p>
-            <a:pPr marL="457200" indent="-457200">
-              <a:buAutoNum type="arabicPeriod"/>
+            <a:pPr marL="0" indent="0">
+              <a:buNone/>
             </a:pPr>
-            <a:r>
-              <a:rPr lang="en-US" b="1" dirty="0">
-                <a:solidFill>
-                  <a:schemeClr val="tx1"/>
-                </a:solidFill>
-              </a:rPr>
-              <a:t>Risk Register Updates: </a:t>
-            </a:r>
-            <a:r>
-              <a:rPr lang="en-US" dirty="0">
-                <a:solidFill>
-                  <a:schemeClr val="tx1"/>
-                </a:solidFill>
-              </a:rPr>
-              <a:t>Risk register is updated to include: </a:t>
-            </a:r>
-          </a:p>
-          <a:p>
-            <a:pPr lvl="1"/>
-            <a:r>
-              <a:rPr lang="en-US" sz="2400" dirty="0">
-                <a:solidFill>
-                  <a:schemeClr val="tx1"/>
-                </a:solidFill>
-              </a:rPr>
-              <a:t>Outcomes of risk reassessments, audits, and risk reviews. Update may affect risk probability, impact, rank, response, etc.. </a:t>
-            </a:r>
-          </a:p>
-          <a:p>
-            <a:pPr lvl="1"/>
-            <a:r>
-              <a:rPr lang="en-US" sz="2400" dirty="0">
-                <a:solidFill>
-                  <a:schemeClr val="tx1"/>
-                </a:solidFill>
-              </a:rPr>
-              <a:t>Actual outcome of risks, and of risk responses that becomes part of the project file to be utilized on future projects. </a:t>
-            </a:r>
-          </a:p>
-          <a:p>
-            <a:pPr marL="457200" indent="-457200">
-              <a:buFont typeface="+mj-lt"/>
-              <a:buAutoNum type="arabicPeriod" startAt="2"/>
-            </a:pPr>
-            <a:r>
-              <a:rPr lang="en-US" b="1" dirty="0">
-                <a:solidFill>
-                  <a:schemeClr val="tx1"/>
-                </a:solidFill>
-              </a:rPr>
-              <a:t>Corrective action</a:t>
-            </a:r>
-            <a:r>
-              <a:rPr lang="en-US" dirty="0">
-                <a:solidFill>
-                  <a:schemeClr val="tx1"/>
-                </a:solidFill>
-              </a:rPr>
-              <a:t>: Corrective action consists of performing the contingency plan or workaround. Workarounds are previously unplanned responses to emerging risks. Workarounds must be properly documented and incorporated into the project plan and risk response plan. </a:t>
-            </a:r>
-          </a:p>
-          <a:p>
-            <a:pPr marL="457200" indent="-457200">
-              <a:buAutoNum type="arabicPeriod" startAt="2"/>
-            </a:pPr>
-            <a:r>
-              <a:rPr lang="en-US" b="1" dirty="0">
-                <a:solidFill>
-                  <a:schemeClr val="tx1"/>
-                </a:solidFill>
-              </a:rPr>
-              <a:t>Recommended Preventive Actions: </a:t>
-            </a:r>
-            <a:r>
-              <a:rPr lang="en-US" dirty="0">
-                <a:solidFill>
-                  <a:schemeClr val="tx1"/>
-                </a:solidFill>
-              </a:rPr>
-              <a:t>Used to direct project towards compliance with the project management plan</a:t>
-            </a:r>
+            <a:endParaRPr lang="en-US" dirty="0">
+              <a:solidFill>
+                <a:schemeClr val="tx1"/>
+              </a:solidFill>
+              <a:latin typeface="Arial" panose="020B0604020202020204" pitchFamily="34" charset="0"/>
+              <a:cs typeface="Arial" panose="020B0604020202020204" pitchFamily="34" charset="0"/>
+            </a:endParaRPr>
           </a:p>
         </p:txBody>
       </p:sp>
+      <p:pic>
+        <p:nvPicPr>
+          <p:cNvPr id="4" name="Picture 3" descr="Kết quả hình ảnh cho risk response planning">
+            <a:extLst>
+              <a:ext uri="{FF2B5EF4-FFF2-40B4-BE49-F238E27FC236}">
+                <a16:creationId xmlns:a16="http://schemas.microsoft.com/office/drawing/2014/main" id="{98F751D6-7FF6-45FC-9DE7-272B51775707}"/>
+              </a:ext>
+            </a:extLst>
+          </p:cNvPr>
+          <p:cNvPicPr/>
+          <p:nvPr/>
+        </p:nvPicPr>
+        <p:blipFill>
+          <a:blip r:embed="rId2">
+            <a:extLst>
+              <a:ext uri="{28A0092B-C50C-407E-A947-70E740481C1C}">
+                <a14:useLocalDpi xmlns:a14="http://schemas.microsoft.com/office/drawing/2010/main" val="0"/>
+              </a:ext>
+            </a:extLst>
+          </a:blip>
+          <a:srcRect/>
+          <a:stretch>
+            <a:fillRect/>
+          </a:stretch>
+        </p:blipFill>
+        <p:spPr bwMode="auto">
+          <a:xfrm>
+            <a:off x="4190585" y="1846262"/>
+            <a:ext cx="6424405" cy="4408350"/>
+          </a:xfrm>
+          <a:prstGeom prst="rect">
+            <a:avLst/>
+          </a:prstGeom>
+          <a:noFill/>
+          <a:ln>
+            <a:noFill/>
+          </a:ln>
+        </p:spPr>
+      </p:pic>
     </p:spTree>
     <p:extLst>
       <p:ext uri="{BB962C8B-B14F-4D97-AF65-F5344CB8AC3E}">
-        <p14:creationId xmlns:p14="http://schemas.microsoft.com/office/powerpoint/2010/main" val="1017190370"/>
+        <p14:creationId xmlns:p14="http://schemas.microsoft.com/office/powerpoint/2010/main" val="1683897907"/>
       </p:ext>
     </p:extLst>
   </p:cSld>
@@ -45349,7 +45518,7 @@
           <p:cNvPr id="2" name="Title 1">
             <a:extLst>
               <a:ext uri="{FF2B5EF4-FFF2-40B4-BE49-F238E27FC236}">
-                <a16:creationId xmlns="" xmlns:a16="http://schemas.microsoft.com/office/drawing/2014/main" id="{F59F8DBE-CC60-47A6-AE57-E8A2BD56FB72}"/>
+                <a16:creationId xmlns:a16="http://schemas.microsoft.com/office/drawing/2014/main" id="{F0C5370F-F580-46F0-9CCB-94B55EB5942A}"/>
               </a:ext>
             </a:extLst>
           </p:cNvPr>
@@ -45365,7 +45534,13 @@
           <a:bodyPr/>
           <a:lstStyle/>
           <a:p>
-            <a:endParaRPr lang="en-US"/>
+            <a:r>
+              <a:rPr lang="en-US" dirty="0">
+                <a:latin typeface="Arial" panose="020B0604020202020204" pitchFamily="34" charset="0"/>
+                <a:cs typeface="Arial" panose="020B0604020202020204" pitchFamily="34" charset="0"/>
+              </a:rPr>
+              <a:t>RISK RESPONSE PLANNING</a:t>
+            </a:r>
           </a:p>
         </p:txBody>
       </p:sp>
@@ -45374,7 +45549,7 @@
           <p:cNvPr id="3" name="Content Placeholder 2">
             <a:extLst>
               <a:ext uri="{FF2B5EF4-FFF2-40B4-BE49-F238E27FC236}">
-                <a16:creationId xmlns="" xmlns:a16="http://schemas.microsoft.com/office/drawing/2014/main" id="{53EA9189-7F2B-4F4F-91C7-BBBD9E0737B6}"/>
+                <a16:creationId xmlns:a16="http://schemas.microsoft.com/office/drawing/2014/main" id="{5E3597E3-4A5A-4F9A-9579-EF0034FF207B}"/>
               </a:ext>
             </a:extLst>
           </p:cNvPr>
@@ -45385,126 +45560,70 @@
             <p:ph idx="1"/>
           </p:nvPr>
         </p:nvSpPr>
-        <p:spPr>
-          <a:xfrm>
-            <a:off x="609600" y="1846261"/>
-            <a:ext cx="10972800" cy="3865425"/>
-          </a:xfrm>
-        </p:spPr>
+        <p:spPr/>
         <p:txBody>
-          <a:bodyPr>
-            <a:normAutofit fontScale="92500" lnSpcReduction="10000"/>
-          </a:bodyPr>
+          <a:bodyPr/>
           <a:lstStyle/>
           <a:p>
             <a:pPr marL="0" indent="0">
               <a:buNone/>
             </a:pPr>
             <a:r>
-              <a:rPr lang="en-US" b="1" dirty="0">
+              <a:rPr lang="en-US" b="1" u="sng" dirty="0">
                 <a:solidFill>
                   <a:schemeClr val="tx1"/>
                 </a:solidFill>
+                <a:latin typeface="Arial" panose="020B0604020202020204" pitchFamily="34" charset="0"/>
+                <a:cs typeface="Arial" panose="020B0604020202020204" pitchFamily="34" charset="0"/>
               </a:rPr>
-              <a:t>Outputs from Risk Monitoring and Control(</a:t>
+              <a:t>Example:</a:t>
             </a:r>
-            <a:r>
-              <a:rPr lang="en-US" b="1" dirty="0" err="1">
-                <a:solidFill>
-                  <a:schemeClr val="tx1"/>
-                </a:solidFill>
-              </a:rPr>
-              <a:t>cont</a:t>
-            </a:r>
-            <a:r>
-              <a:rPr lang="en-US" b="1" dirty="0">
-                <a:solidFill>
-                  <a:schemeClr val="tx1"/>
-                </a:solidFill>
-              </a:rPr>
-              <a:t>)</a:t>
-            </a:r>
-          </a:p>
-          <a:p>
-            <a:pPr marL="457200" indent="-457200">
-              <a:buFont typeface="+mj-lt"/>
-              <a:buAutoNum type="arabicPeriod" startAt="4"/>
-            </a:pPr>
-            <a:r>
-              <a:rPr lang="en-US" b="1" dirty="0">
-                <a:solidFill>
-                  <a:schemeClr val="tx1"/>
-                </a:solidFill>
-              </a:rPr>
-              <a:t>Project change requests: </a:t>
-            </a:r>
-            <a:r>
-              <a:rPr lang="en-US" dirty="0">
-                <a:solidFill>
-                  <a:schemeClr val="tx1"/>
-                </a:solidFill>
-              </a:rPr>
-              <a:t>Implementing contingency plans or workarounds frequently results in a requirement to change the project plan to respond to risks. The result is issuance of a change request that is managed by overall change control. </a:t>
-            </a:r>
-          </a:p>
-          <a:p>
-            <a:pPr marL="457200" indent="-457200">
-              <a:buFont typeface="+mj-lt"/>
-              <a:buAutoNum type="arabicPeriod" startAt="4"/>
-            </a:pPr>
-            <a:r>
-              <a:rPr lang="en-US" b="1" dirty="0">
-                <a:solidFill>
-                  <a:schemeClr val="tx1"/>
-                </a:solidFill>
-              </a:rPr>
-              <a:t>Organizational Process Assets Updates: </a:t>
-            </a:r>
-            <a:r>
-              <a:rPr lang="en-US" dirty="0">
-                <a:solidFill>
-                  <a:schemeClr val="tx1"/>
-                </a:solidFill>
-              </a:rPr>
-              <a:t>Information gained through the risk management processes are collected and kept for use by future projects: Templates for risk management plan, probability-impact matrix, risk register, lessons learned, updated RBS. </a:t>
-            </a:r>
-          </a:p>
-          <a:p>
-            <a:pPr marL="457200" indent="-457200">
-              <a:buFont typeface="+mj-lt"/>
-              <a:buAutoNum type="arabicPeriod" startAt="4"/>
-            </a:pPr>
-            <a:r>
-              <a:rPr lang="en-US" b="1" dirty="0">
-                <a:solidFill>
-                  <a:schemeClr val="tx1"/>
-                </a:solidFill>
-              </a:rPr>
-              <a:t>Project Management Plan Updates: </a:t>
-            </a:r>
-            <a:r>
-              <a:rPr lang="en-US" dirty="0">
-                <a:solidFill>
-                  <a:schemeClr val="tx1"/>
-                </a:solidFill>
-              </a:rPr>
-              <a:t>Updates to the project management plan as a result of approval of requested changes.</a:t>
-            </a:r>
-            <a:endParaRPr lang="en-US" b="1" dirty="0">
-              <a:solidFill>
-                <a:schemeClr val="tx1"/>
-              </a:solidFill>
-            </a:endParaRPr>
-          </a:p>
-          <a:p>
-            <a:endParaRPr lang="en-US" dirty="0"/>
           </a:p>
         </p:txBody>
       </p:sp>
+      <p:pic>
+        <p:nvPicPr>
+          <p:cNvPr id="4" name="Picture 3" descr="Kết quả hình ảnh cho risk response planning">
+            <a:extLst>
+              <a:ext uri="{FF2B5EF4-FFF2-40B4-BE49-F238E27FC236}">
+                <a16:creationId xmlns:a16="http://schemas.microsoft.com/office/drawing/2014/main" id="{4F88675A-7AEB-48E9-8F95-103D09DA6C76}"/>
+              </a:ext>
+            </a:extLst>
+          </p:cNvPr>
+          <p:cNvPicPr/>
+          <p:nvPr/>
+        </p:nvPicPr>
+        <p:blipFill>
+          <a:blip r:embed="rId2">
+            <a:extLst>
+              <a:ext uri="{28A0092B-C50C-407E-A947-70E740481C1C}">
+                <a14:useLocalDpi xmlns:a14="http://schemas.microsoft.com/office/drawing/2010/main" val="0"/>
+              </a:ext>
+            </a:extLst>
+          </a:blip>
+          <a:srcRect/>
+          <a:stretch>
+            <a:fillRect/>
+          </a:stretch>
+        </p:blipFill>
+        <p:spPr bwMode="auto">
+          <a:xfrm>
+            <a:off x="2925417" y="1600199"/>
+            <a:ext cx="7066722" cy="4880113"/>
+          </a:xfrm>
+          <a:prstGeom prst="rect">
+            <a:avLst/>
+          </a:prstGeom>
+          <a:noFill/>
+          <a:ln>
+            <a:noFill/>
+          </a:ln>
+        </p:spPr>
+      </p:pic>
     </p:spTree>
     <p:extLst>
       <p:ext uri="{BB962C8B-B14F-4D97-AF65-F5344CB8AC3E}">
-        <p14:creationId xmlns:p14="http://schemas.microsoft.com/office/powerpoint/2010/main" val="1335624416"/>
+        <p14:creationId xmlns:p14="http://schemas.microsoft.com/office/powerpoint/2010/main" val="3739937497"/>
       </p:ext>
     </p:extLst>
   </p:cSld>
@@ -45536,7 +45655,7 @@
           <p:cNvPr id="2" name="Title 1">
             <a:extLst>
               <a:ext uri="{FF2B5EF4-FFF2-40B4-BE49-F238E27FC236}">
-                <a16:creationId xmlns="" xmlns:a16="http://schemas.microsoft.com/office/drawing/2014/main" id="{4BA4256F-123A-42FD-8126-7A06207A234B}"/>
+                <a16:creationId xmlns:a16="http://schemas.microsoft.com/office/drawing/2014/main" id="{7834C09A-2BAC-45C1-BE49-105810536B14}"/>
               </a:ext>
             </a:extLst>
           </p:cNvPr>
@@ -45553,7 +45672,592 @@
           <a:lstStyle/>
           <a:p>
             <a:r>
-              <a:rPr lang="en-US" dirty="0"/>
+              <a:rPr lang="en-US" dirty="0">
+                <a:latin typeface="Arial" panose="020B0604020202020204" pitchFamily="34" charset="0"/>
+                <a:cs typeface="Arial" panose="020B0604020202020204" pitchFamily="34" charset="0"/>
+              </a:rPr>
+              <a:t>RISK RESPONSE PLANNING</a:t>
+            </a:r>
+          </a:p>
+        </p:txBody>
+      </p:sp>
+      <p:sp>
+        <p:nvSpPr>
+          <p:cNvPr id="3" name="Content Placeholder 2">
+            <a:extLst>
+              <a:ext uri="{FF2B5EF4-FFF2-40B4-BE49-F238E27FC236}">
+                <a16:creationId xmlns:a16="http://schemas.microsoft.com/office/drawing/2014/main" id="{10C2A9E9-803F-4217-9A88-D2624B53E036}"/>
+              </a:ext>
+            </a:extLst>
+          </p:cNvPr>
+          <p:cNvSpPr>
+            <a:spLocks noGrp="1"/>
+          </p:cNvSpPr>
+          <p:nvPr>
+            <p:ph idx="1"/>
+          </p:nvPr>
+        </p:nvSpPr>
+        <p:spPr/>
+        <p:txBody>
+          <a:bodyPr/>
+          <a:lstStyle/>
+          <a:p>
+            <a:pPr>
+              <a:buClr>
+                <a:srgbClr val="C00000"/>
+              </a:buClr>
+              <a:buFont typeface="Wingdings" panose="05000000000000000000" pitchFamily="2" charset="2"/>
+              <a:buChar char="v"/>
+            </a:pPr>
+            <a:r>
+              <a:rPr lang="en-US" dirty="0">
+                <a:solidFill>
+                  <a:schemeClr val="tx1"/>
+                </a:solidFill>
+                <a:latin typeface="Arial" panose="020B0604020202020204" pitchFamily="34" charset="0"/>
+                <a:cs typeface="Arial" panose="020B0604020202020204" pitchFamily="34" charset="0"/>
+              </a:rPr>
+              <a:t>It is not required to eliminate all the risks of the project due to resource and time constraints. A project manager should review risk throughout the project. Planning for risks is iterative. Qualitative risk, quantitative risk, and risk response planning do not end ones you begin work on the project.</a:t>
+            </a:r>
+          </a:p>
+          <a:p>
+            <a:endParaRPr lang="en-US" dirty="0"/>
+          </a:p>
+        </p:txBody>
+      </p:sp>
+    </p:spTree>
+    <p:extLst>
+      <p:ext uri="{BB962C8B-B14F-4D97-AF65-F5344CB8AC3E}">
+        <p14:creationId xmlns:p14="http://schemas.microsoft.com/office/powerpoint/2010/main" val="1006632593"/>
+      </p:ext>
+    </p:extLst>
+  </p:cSld>
+  <p:clrMapOvr>
+    <a:masterClrMapping/>
+  </p:clrMapOvr>
+</p:sld>
+</file>
+
+<file path=ppt/slides/slide44.xml><?xml version="1.0" encoding="utf-8"?>
+<p:sld xmlns:a="http://schemas.openxmlformats.org/drawingml/2006/main" xmlns:r="http://schemas.openxmlformats.org/officeDocument/2006/relationships" xmlns:p="http://schemas.openxmlformats.org/presentationml/2006/main">
+  <p:cSld>
+    <p:spTree>
+      <p:nvGrpSpPr>
+        <p:cNvPr id="1" name=""/>
+        <p:cNvGrpSpPr/>
+        <p:nvPr/>
+      </p:nvGrpSpPr>
+      <p:grpSpPr>
+        <a:xfrm>
+          <a:off x="0" y="0"/>
+          <a:ext cx="0" cy="0"/>
+          <a:chOff x="0" y="0"/>
+          <a:chExt cx="0" cy="0"/>
+        </a:xfrm>
+      </p:grpSpPr>
+      <p:sp>
+        <p:nvSpPr>
+          <p:cNvPr id="2" name="Title 1">
+            <a:extLst>
+              <a:ext uri="{FF2B5EF4-FFF2-40B4-BE49-F238E27FC236}">
+                <a16:creationId xmlns:a16="http://schemas.microsoft.com/office/drawing/2014/main" id="{B4B1C1F3-FA97-4860-ABA9-FD5572C898C4}"/>
+              </a:ext>
+            </a:extLst>
+          </p:cNvPr>
+          <p:cNvSpPr>
+            <a:spLocks noGrp="1"/>
+          </p:cNvSpPr>
+          <p:nvPr>
+            <p:ph type="title"/>
+          </p:nvPr>
+        </p:nvSpPr>
+        <p:spPr/>
+        <p:txBody>
+          <a:bodyPr/>
+          <a:lstStyle/>
+          <a:p>
+            <a:r>
+              <a:rPr lang="en-US" dirty="0">
+                <a:latin typeface="Arial" panose="020B0604020202020204" pitchFamily="34" charset="0"/>
+                <a:cs typeface="Arial" panose="020B0604020202020204" pitchFamily="34" charset="0"/>
+              </a:rPr>
+              <a:t>RISK MONITORING AND CONTROL</a:t>
+            </a:r>
+          </a:p>
+        </p:txBody>
+      </p:sp>
+      <p:sp>
+        <p:nvSpPr>
+          <p:cNvPr id="3" name="Content Placeholder 2">
+            <a:extLst>
+              <a:ext uri="{FF2B5EF4-FFF2-40B4-BE49-F238E27FC236}">
+                <a16:creationId xmlns:a16="http://schemas.microsoft.com/office/drawing/2014/main" id="{0DCDFBCF-EF0F-4071-9BB0-D0E8EBFB1EAB}"/>
+              </a:ext>
+            </a:extLst>
+          </p:cNvPr>
+          <p:cNvSpPr>
+            <a:spLocks noGrp="1"/>
+          </p:cNvSpPr>
+          <p:nvPr>
+            <p:ph idx="1"/>
+          </p:nvPr>
+        </p:nvSpPr>
+        <p:spPr/>
+        <p:txBody>
+          <a:bodyPr/>
+          <a:lstStyle/>
+          <a:p>
+            <a:pPr marL="0" indent="0">
+              <a:buNone/>
+            </a:pPr>
+            <a:r>
+              <a:rPr lang="en-US" dirty="0">
+                <a:solidFill>
+                  <a:schemeClr val="tx1"/>
+                </a:solidFill>
+                <a:latin typeface="Arial" panose="020B0604020202020204" pitchFamily="34" charset="0"/>
+                <a:cs typeface="Arial" panose="020B0604020202020204" pitchFamily="34" charset="0"/>
+              </a:rPr>
+              <a:t>Risk monitoring and control is the process of </a:t>
+            </a:r>
+            <a:r>
+              <a:rPr lang="en-US" i="1" dirty="0">
+                <a:solidFill>
+                  <a:schemeClr val="tx1"/>
+                </a:solidFill>
+                <a:latin typeface="Arial" panose="020B0604020202020204" pitchFamily="34" charset="0"/>
+                <a:cs typeface="Arial" panose="020B0604020202020204" pitchFamily="34" charset="0"/>
+              </a:rPr>
+              <a:t>identifying, analyzing, and planning for newly discovered risks and managing identified risks</a:t>
+            </a:r>
+            <a:r>
+              <a:rPr lang="en-US" dirty="0">
+                <a:solidFill>
+                  <a:schemeClr val="tx1"/>
+                </a:solidFill>
+                <a:latin typeface="Arial" panose="020B0604020202020204" pitchFamily="34" charset="0"/>
+                <a:cs typeface="Arial" panose="020B0604020202020204" pitchFamily="34" charset="0"/>
+              </a:rPr>
+              <a:t>. Throughout the process, the risk owners track identified risks, reveal new risks, implement risk response plans, and gage the risk response plans effectiveness. The key point is throughout this phase constant monitoring and due diligence is key to the success</a:t>
+            </a:r>
+          </a:p>
+        </p:txBody>
+      </p:sp>
+    </p:spTree>
+    <p:extLst>
+      <p:ext uri="{BB962C8B-B14F-4D97-AF65-F5344CB8AC3E}">
+        <p14:creationId xmlns:p14="http://schemas.microsoft.com/office/powerpoint/2010/main" val="422292017"/>
+      </p:ext>
+    </p:extLst>
+  </p:cSld>
+  <p:clrMapOvr>
+    <a:masterClrMapping/>
+  </p:clrMapOvr>
+</p:sld>
+</file>
+
+<file path=ppt/slides/slide45.xml><?xml version="1.0" encoding="utf-8"?>
+<p:sld xmlns:a="http://schemas.openxmlformats.org/drawingml/2006/main" xmlns:r="http://schemas.openxmlformats.org/officeDocument/2006/relationships" xmlns:p="http://schemas.openxmlformats.org/presentationml/2006/main">
+  <p:cSld>
+    <p:spTree>
+      <p:nvGrpSpPr>
+        <p:cNvPr id="1" name=""/>
+        <p:cNvGrpSpPr/>
+        <p:nvPr/>
+      </p:nvGrpSpPr>
+      <p:grpSpPr>
+        <a:xfrm>
+          <a:off x="0" y="0"/>
+          <a:ext cx="0" cy="0"/>
+          <a:chOff x="0" y="0"/>
+          <a:chExt cx="0" cy="0"/>
+        </a:xfrm>
+      </p:grpSpPr>
+      <p:sp>
+        <p:nvSpPr>
+          <p:cNvPr id="2" name="Title 1">
+            <a:extLst>
+              <a:ext uri="{FF2B5EF4-FFF2-40B4-BE49-F238E27FC236}">
+                <a16:creationId xmlns:a16="http://schemas.microsoft.com/office/drawing/2014/main" id="{56340529-F891-4F20-882F-357D640B41F3}"/>
+              </a:ext>
+            </a:extLst>
+          </p:cNvPr>
+          <p:cNvSpPr>
+            <a:spLocks noGrp="1"/>
+          </p:cNvSpPr>
+          <p:nvPr>
+            <p:ph type="title"/>
+          </p:nvPr>
+        </p:nvSpPr>
+        <p:spPr/>
+        <p:txBody>
+          <a:bodyPr/>
+          <a:lstStyle/>
+          <a:p>
+            <a:r>
+              <a:rPr lang="en-US" dirty="0">
+                <a:latin typeface="Arial" panose="020B0604020202020204" pitchFamily="34" charset="0"/>
+                <a:cs typeface="Arial" panose="020B0604020202020204" pitchFamily="34" charset="0"/>
+              </a:rPr>
+              <a:t>RISK MONITORING AND CONTROL</a:t>
+            </a:r>
+          </a:p>
+        </p:txBody>
+      </p:sp>
+      <p:sp>
+        <p:nvSpPr>
+          <p:cNvPr id="3" name="Content Placeholder 2">
+            <a:extLst>
+              <a:ext uri="{FF2B5EF4-FFF2-40B4-BE49-F238E27FC236}">
+                <a16:creationId xmlns:a16="http://schemas.microsoft.com/office/drawing/2014/main" id="{2E267E94-F74E-4EAB-A149-C48DA2906E31}"/>
+              </a:ext>
+            </a:extLst>
+          </p:cNvPr>
+          <p:cNvSpPr>
+            <a:spLocks noGrp="1"/>
+          </p:cNvSpPr>
+          <p:nvPr>
+            <p:ph idx="1"/>
+          </p:nvPr>
+        </p:nvSpPr>
+        <p:spPr/>
+        <p:txBody>
+          <a:bodyPr/>
+          <a:lstStyle/>
+          <a:p>
+            <a:pPr marL="0" indent="0">
+              <a:buNone/>
+            </a:pPr>
+            <a:r>
+              <a:rPr lang="en-US" b="1" u="sng" dirty="0">
+                <a:solidFill>
+                  <a:schemeClr val="tx1"/>
+                </a:solidFill>
+                <a:latin typeface="Arial" panose="020B0604020202020204" pitchFamily="34" charset="0"/>
+                <a:cs typeface="Arial" panose="020B0604020202020204" pitchFamily="34" charset="0"/>
+              </a:rPr>
+              <a:t>Risk monitoring and control is required in order to:</a:t>
+            </a:r>
+          </a:p>
+          <a:p>
+            <a:pPr lvl="1"/>
+            <a:r>
+              <a:rPr lang="en-US" sz="2400" dirty="0">
+                <a:solidFill>
+                  <a:schemeClr val="tx1"/>
+                </a:solidFill>
+                <a:latin typeface="Arial" panose="020B0604020202020204" pitchFamily="34" charset="0"/>
+                <a:cs typeface="Arial" panose="020B0604020202020204" pitchFamily="34" charset="0"/>
+              </a:rPr>
+              <a:t>Ensure the execution of the risk plans and evaluate their effectiveness in reducing risk. </a:t>
+            </a:r>
+          </a:p>
+          <a:p>
+            <a:pPr lvl="1"/>
+            <a:r>
+              <a:rPr lang="en-US" sz="2400" dirty="0">
+                <a:solidFill>
+                  <a:schemeClr val="tx1"/>
+                </a:solidFill>
+                <a:latin typeface="Arial" panose="020B0604020202020204" pitchFamily="34" charset="0"/>
+                <a:cs typeface="Arial" panose="020B0604020202020204" pitchFamily="34" charset="0"/>
+              </a:rPr>
+              <a:t>Keep track of the identified risks, including the watch list.</a:t>
+            </a:r>
+          </a:p>
+          <a:p>
+            <a:pPr lvl="1"/>
+            <a:r>
+              <a:rPr lang="en-US" sz="2400" dirty="0">
+                <a:solidFill>
+                  <a:schemeClr val="tx1"/>
+                </a:solidFill>
+                <a:latin typeface="Arial" panose="020B0604020202020204" pitchFamily="34" charset="0"/>
+                <a:cs typeface="Arial" panose="020B0604020202020204" pitchFamily="34" charset="0"/>
+              </a:rPr>
+              <a:t>Monitor trigger conditions for contingencies</a:t>
+            </a:r>
+          </a:p>
+          <a:p>
+            <a:pPr lvl="1"/>
+            <a:r>
+              <a:rPr lang="en-US" sz="2400" dirty="0">
+                <a:solidFill>
+                  <a:schemeClr val="tx1"/>
+                </a:solidFill>
+                <a:latin typeface="Arial" panose="020B0604020202020204" pitchFamily="34" charset="0"/>
+                <a:cs typeface="Arial" panose="020B0604020202020204" pitchFamily="34" charset="0"/>
+              </a:rPr>
+              <a:t>Monitor residual risks and identify new risks arising during project execution.</a:t>
+            </a:r>
+          </a:p>
+          <a:p>
+            <a:pPr lvl="1"/>
+            <a:r>
+              <a:rPr lang="en-US" sz="2400" dirty="0">
+                <a:solidFill>
+                  <a:schemeClr val="tx1"/>
+                </a:solidFill>
+                <a:latin typeface="Arial" panose="020B0604020202020204" pitchFamily="34" charset="0"/>
+                <a:cs typeface="Arial" panose="020B0604020202020204" pitchFamily="34" charset="0"/>
+              </a:rPr>
+              <a:t>Update the organizational process assets.</a:t>
+            </a:r>
+          </a:p>
+        </p:txBody>
+      </p:sp>
+    </p:spTree>
+    <p:extLst>
+      <p:ext uri="{BB962C8B-B14F-4D97-AF65-F5344CB8AC3E}">
+        <p14:creationId xmlns:p14="http://schemas.microsoft.com/office/powerpoint/2010/main" val="3300350689"/>
+      </p:ext>
+    </p:extLst>
+  </p:cSld>
+  <p:clrMapOvr>
+    <a:masterClrMapping/>
+  </p:clrMapOvr>
+</p:sld>
+</file>
+
+<file path=ppt/slides/slide46.xml><?xml version="1.0" encoding="utf-8"?>
+<p:sld xmlns:a="http://schemas.openxmlformats.org/drawingml/2006/main" xmlns:r="http://schemas.openxmlformats.org/officeDocument/2006/relationships" xmlns:p="http://schemas.openxmlformats.org/presentationml/2006/main">
+  <p:cSld>
+    <p:spTree>
+      <p:nvGrpSpPr>
+        <p:cNvPr id="1" name=""/>
+        <p:cNvGrpSpPr/>
+        <p:nvPr/>
+      </p:nvGrpSpPr>
+      <p:grpSpPr>
+        <a:xfrm>
+          <a:off x="0" y="0"/>
+          <a:ext cx="0" cy="0"/>
+          <a:chOff x="0" y="0"/>
+          <a:chExt cx="0" cy="0"/>
+        </a:xfrm>
+      </p:grpSpPr>
+      <p:sp>
+        <p:nvSpPr>
+          <p:cNvPr id="2" name="Title 1">
+            <a:extLst>
+              <a:ext uri="{FF2B5EF4-FFF2-40B4-BE49-F238E27FC236}">
+                <a16:creationId xmlns:a16="http://schemas.microsoft.com/office/drawing/2014/main" id="{BB7BFCC7-DCAE-4337-BAFF-5D7C1E0B8F74}"/>
+              </a:ext>
+            </a:extLst>
+          </p:cNvPr>
+          <p:cNvSpPr>
+            <a:spLocks noGrp="1"/>
+          </p:cNvSpPr>
+          <p:nvPr>
+            <p:ph type="title"/>
+          </p:nvPr>
+        </p:nvSpPr>
+        <p:spPr/>
+        <p:txBody>
+          <a:bodyPr/>
+          <a:lstStyle/>
+          <a:p>
+            <a:r>
+              <a:rPr lang="en-US" dirty="0">
+                <a:latin typeface="Arial" panose="020B0604020202020204" pitchFamily="34" charset="0"/>
+                <a:cs typeface="Arial" panose="020B0604020202020204" pitchFamily="34" charset="0"/>
+              </a:rPr>
+              <a:t>RISK MONITORING AND CONTROL</a:t>
+            </a:r>
+          </a:p>
+        </p:txBody>
+      </p:sp>
+      <p:sp>
+        <p:nvSpPr>
+          <p:cNvPr id="3" name="Content Placeholder 2">
+            <a:extLst>
+              <a:ext uri="{FF2B5EF4-FFF2-40B4-BE49-F238E27FC236}">
+                <a16:creationId xmlns:a16="http://schemas.microsoft.com/office/drawing/2014/main" id="{1C5983B6-889D-4DB7-95B5-B679608D7BA5}"/>
+              </a:ext>
+            </a:extLst>
+          </p:cNvPr>
+          <p:cNvSpPr>
+            <a:spLocks noGrp="1"/>
+          </p:cNvSpPr>
+          <p:nvPr>
+            <p:ph idx="1"/>
+          </p:nvPr>
+        </p:nvSpPr>
+        <p:spPr>
+          <a:xfrm>
+            <a:off x="609600" y="1846261"/>
+            <a:ext cx="10972800" cy="4037703"/>
+          </a:xfrm>
+        </p:spPr>
+        <p:txBody>
+          <a:bodyPr>
+            <a:normAutofit/>
+          </a:bodyPr>
+          <a:lstStyle/>
+          <a:p>
+            <a:pPr marL="0" indent="0">
+              <a:buNone/>
+            </a:pPr>
+            <a:r>
+              <a:rPr lang="en-US" b="1" u="sng" dirty="0">
+                <a:solidFill>
+                  <a:schemeClr val="tx1"/>
+                </a:solidFill>
+                <a:latin typeface="Arial" panose="020B0604020202020204" pitchFamily="34" charset="0"/>
+                <a:cs typeface="Arial" panose="020B0604020202020204" pitchFamily="34" charset="0"/>
+              </a:rPr>
+              <a:t>The purpose is to determine if:</a:t>
+            </a:r>
+          </a:p>
+          <a:p>
+            <a:pPr lvl="1"/>
+            <a:r>
+              <a:rPr lang="en-US" sz="2400" dirty="0">
+                <a:solidFill>
+                  <a:schemeClr val="tx1"/>
+                </a:solidFill>
+                <a:latin typeface="Arial" panose="020B0604020202020204" pitchFamily="34" charset="0"/>
+                <a:cs typeface="Arial" panose="020B0604020202020204" pitchFamily="34" charset="0"/>
+              </a:rPr>
+              <a:t>Risk responses have been implemented as planned.</a:t>
+            </a:r>
+          </a:p>
+          <a:p>
+            <a:pPr lvl="1"/>
+            <a:r>
+              <a:rPr lang="en-US" sz="2400" dirty="0">
+                <a:solidFill>
+                  <a:schemeClr val="tx1"/>
+                </a:solidFill>
+                <a:latin typeface="Arial" panose="020B0604020202020204" pitchFamily="34" charset="0"/>
+                <a:cs typeface="Arial" panose="020B0604020202020204" pitchFamily="34" charset="0"/>
+              </a:rPr>
+              <a:t>Risk response actions are as effective as expected or if new responses should be developed. </a:t>
+            </a:r>
+          </a:p>
+          <a:p>
+            <a:pPr lvl="1"/>
+            <a:r>
+              <a:rPr lang="en-US" sz="2400" dirty="0">
+                <a:solidFill>
+                  <a:schemeClr val="tx1"/>
+                </a:solidFill>
+                <a:latin typeface="Arial" panose="020B0604020202020204" pitchFamily="34" charset="0"/>
+                <a:cs typeface="Arial" panose="020B0604020202020204" pitchFamily="34" charset="0"/>
+              </a:rPr>
+              <a:t>Project assumptions are still valid.</a:t>
+            </a:r>
+          </a:p>
+          <a:p>
+            <a:pPr lvl="1"/>
+            <a:r>
+              <a:rPr lang="en-US" sz="2400" dirty="0">
+                <a:solidFill>
+                  <a:schemeClr val="tx1"/>
+                </a:solidFill>
+                <a:latin typeface="Arial" panose="020B0604020202020204" pitchFamily="34" charset="0"/>
+                <a:cs typeface="Arial" panose="020B0604020202020204" pitchFamily="34" charset="0"/>
+              </a:rPr>
+              <a:t>Risk exposure has changed from its prior state, with analysis of trends.</a:t>
+            </a:r>
+          </a:p>
+          <a:p>
+            <a:pPr lvl="1"/>
+            <a:r>
+              <a:rPr lang="en-US" sz="2400" dirty="0">
+                <a:solidFill>
+                  <a:schemeClr val="tx1"/>
+                </a:solidFill>
+                <a:latin typeface="Arial" panose="020B0604020202020204" pitchFamily="34" charset="0"/>
+                <a:cs typeface="Arial" panose="020B0604020202020204" pitchFamily="34" charset="0"/>
+              </a:rPr>
+              <a:t>A risk trigger has occurred.</a:t>
+            </a:r>
+          </a:p>
+          <a:p>
+            <a:pPr lvl="1"/>
+            <a:r>
+              <a:rPr lang="en-US" sz="2400" dirty="0">
+                <a:solidFill>
+                  <a:schemeClr val="tx1"/>
+                </a:solidFill>
+                <a:latin typeface="Arial" panose="020B0604020202020204" pitchFamily="34" charset="0"/>
+                <a:cs typeface="Arial" panose="020B0604020202020204" pitchFamily="34" charset="0"/>
+              </a:rPr>
+              <a:t>Proper policies and procedures are followed.</a:t>
+            </a:r>
+          </a:p>
+          <a:p>
+            <a:pPr lvl="1"/>
+            <a:r>
+              <a:rPr lang="en-US" sz="2400" dirty="0">
+                <a:solidFill>
+                  <a:schemeClr val="tx1"/>
+                </a:solidFill>
+                <a:latin typeface="Arial" panose="020B0604020202020204" pitchFamily="34" charset="0"/>
+                <a:cs typeface="Arial" panose="020B0604020202020204" pitchFamily="34" charset="0"/>
+              </a:rPr>
+              <a:t>New risks have occurred that were not previously identified.</a:t>
+            </a:r>
+          </a:p>
+        </p:txBody>
+      </p:sp>
+    </p:spTree>
+    <p:extLst>
+      <p:ext uri="{BB962C8B-B14F-4D97-AF65-F5344CB8AC3E}">
+        <p14:creationId xmlns:p14="http://schemas.microsoft.com/office/powerpoint/2010/main" val="3104206110"/>
+      </p:ext>
+    </p:extLst>
+  </p:cSld>
+  <p:clrMapOvr>
+    <a:masterClrMapping/>
+  </p:clrMapOvr>
+</p:sld>
+</file>
+
+<file path=ppt/slides/slide47.xml><?xml version="1.0" encoding="utf-8"?>
+<p:sld xmlns:a="http://schemas.openxmlformats.org/drawingml/2006/main" xmlns:r="http://schemas.openxmlformats.org/officeDocument/2006/relationships" xmlns:p="http://schemas.openxmlformats.org/presentationml/2006/main">
+  <p:cSld>
+    <p:spTree>
+      <p:nvGrpSpPr>
+        <p:cNvPr id="1" name=""/>
+        <p:cNvGrpSpPr/>
+        <p:nvPr/>
+      </p:nvGrpSpPr>
+      <p:grpSpPr>
+        <a:xfrm>
+          <a:off x="0" y="0"/>
+          <a:ext cx="0" cy="0"/>
+          <a:chOff x="0" y="0"/>
+          <a:chExt cx="0" cy="0"/>
+        </a:xfrm>
+      </p:grpSpPr>
+      <p:sp>
+        <p:nvSpPr>
+          <p:cNvPr id="2" name="Title 1">
+            <a:extLst>
+              <a:ext uri="{FF2B5EF4-FFF2-40B4-BE49-F238E27FC236}">
+                <a16:creationId xmlns:a16="http://schemas.microsoft.com/office/drawing/2014/main" id="{4BA4256F-123A-42FD-8126-7A06207A234B}"/>
+              </a:ext>
+            </a:extLst>
+          </p:cNvPr>
+          <p:cNvSpPr>
+            <a:spLocks noGrp="1"/>
+          </p:cNvSpPr>
+          <p:nvPr>
+            <p:ph type="title"/>
+          </p:nvPr>
+        </p:nvSpPr>
+        <p:spPr/>
+        <p:txBody>
+          <a:bodyPr/>
+          <a:lstStyle/>
+          <a:p>
+            <a:r>
+              <a:rPr lang="en-US" dirty="0">
+                <a:latin typeface="Arial" panose="020B0604020202020204" pitchFamily="34" charset="0"/>
+                <a:cs typeface="Arial" panose="020B0604020202020204" pitchFamily="34" charset="0"/>
+              </a:rPr>
               <a:t>RISK MONITORING AND CONTROL</a:t>
             </a:r>
           </a:p>
@@ -45564,7 +46268,7 @@
           <p:cNvPr id="4" name="Content Placeholder 3" descr="Kết quả hình ảnh cho risk monitoring and control example">
             <a:extLst>
               <a:ext uri="{FF2B5EF4-FFF2-40B4-BE49-F238E27FC236}">
-                <a16:creationId xmlns="" xmlns:a16="http://schemas.microsoft.com/office/drawing/2014/main" id="{B38E1AE8-648D-48E3-BBB0-468A462E4A69}"/>
+                <a16:creationId xmlns:a16="http://schemas.microsoft.com/office/drawing/2014/main" id="{B38E1AE8-648D-48E3-BBB0-468A462E4A69}"/>
               </a:ext>
             </a:extLst>
           </p:cNvPr>
@@ -45615,7 +46319,7 @@
 </p:sld>
 </file>
 
-<file path=ppt/slides/slide44.xml><?xml version="1.0" encoding="utf-8"?>
+<file path=ppt/slides/slide48.xml><?xml version="1.0" encoding="utf-8"?>
 <p:sld xmlns:a="http://schemas.openxmlformats.org/drawingml/2006/main" xmlns:r="http://schemas.openxmlformats.org/officeDocument/2006/relationships" xmlns:p="http://schemas.openxmlformats.org/presentationml/2006/main">
   <p:cSld>
     <p:spTree>
@@ -45637,7 +46341,7 @@
           <p:cNvPr id="2" name="Title 1">
             <a:extLst>
               <a:ext uri="{FF2B5EF4-FFF2-40B4-BE49-F238E27FC236}">
-                <a16:creationId xmlns="" xmlns:a16="http://schemas.microsoft.com/office/drawing/2014/main" id="{2BC5D4E0-41C8-4FA2-A66A-F09786E06648}"/>
+                <a16:creationId xmlns:a16="http://schemas.microsoft.com/office/drawing/2014/main" id="{2BC5D4E0-41C8-4FA2-A66A-F09786E06648}"/>
               </a:ext>
             </a:extLst>
           </p:cNvPr>
@@ -45654,7 +46358,10 @@
           <a:lstStyle/>
           <a:p>
             <a:r>
-              <a:rPr lang="en-US" dirty="0"/>
+              <a:rPr lang="en-US" dirty="0">
+                <a:latin typeface="Arial" panose="020B0604020202020204" pitchFamily="34" charset="0"/>
+                <a:cs typeface="Arial" panose="020B0604020202020204" pitchFamily="34" charset="0"/>
+              </a:rPr>
               <a:t>RISK MONITORING AND CONTROL</a:t>
             </a:r>
           </a:p>
@@ -45665,7 +46372,7 @@
           <p:cNvPr id="3" name="Content Placeholder 2">
             <a:extLst>
               <a:ext uri="{FF2B5EF4-FFF2-40B4-BE49-F238E27FC236}">
-                <a16:creationId xmlns="" xmlns:a16="http://schemas.microsoft.com/office/drawing/2014/main" id="{8A2DBCEE-68E5-4C62-B918-17510E9C8E7F}"/>
+                <a16:creationId xmlns:a16="http://schemas.microsoft.com/office/drawing/2014/main" id="{8A2DBCEE-68E5-4C62-B918-17510E9C8E7F}"/>
               </a:ext>
             </a:extLst>
           </p:cNvPr>
@@ -45692,49 +46399,91 @@
               <a:buNone/>
             </a:pPr>
             <a:r>
-              <a:rPr lang="en-US" i="1" dirty="0"/>
-              <a:t>The list of actions involved in monitoring and controlling risks are:</a:t>
+              <a:rPr lang="en-US" b="1" u="sng" dirty="0">
+                <a:solidFill>
+                  <a:schemeClr val="tx1"/>
+                </a:solidFill>
+                <a:latin typeface="Arial" panose="020B0604020202020204" pitchFamily="34" charset="0"/>
+                <a:cs typeface="Arial" panose="020B0604020202020204" pitchFamily="34" charset="0"/>
+              </a:rPr>
+              <a:t>The list of actions involved in monitoring and controlling risks:</a:t>
             </a:r>
           </a:p>
           <a:p>
             <a:pPr lvl="1"/>
             <a:r>
-              <a:rPr lang="en-US" sz="2400" dirty="0"/>
+              <a:rPr lang="en-US" sz="2400" dirty="0">
+                <a:solidFill>
+                  <a:schemeClr val="tx1"/>
+                </a:solidFill>
+                <a:latin typeface="Arial" panose="020B0604020202020204" pitchFamily="34" charset="0"/>
+                <a:cs typeface="Arial" panose="020B0604020202020204" pitchFamily="34" charset="0"/>
+              </a:rPr>
               <a:t>Determine the occurrences of risk triggers</a:t>
             </a:r>
           </a:p>
           <a:p>
             <a:pPr lvl="1"/>
             <a:r>
-              <a:rPr lang="en-US" sz="2400" dirty="0"/>
+              <a:rPr lang="en-US" sz="2400" dirty="0">
+                <a:solidFill>
+                  <a:schemeClr val="tx1"/>
+                </a:solidFill>
+                <a:latin typeface="Arial" panose="020B0604020202020204" pitchFamily="34" charset="0"/>
+                <a:cs typeface="Arial" panose="020B0604020202020204" pitchFamily="34" charset="0"/>
+              </a:rPr>
               <a:t>Identify and monitor residual risks</a:t>
             </a:r>
           </a:p>
           <a:p>
             <a:pPr lvl="1"/>
             <a:r>
-              <a:rPr lang="en-US" sz="2400" dirty="0"/>
+              <a:rPr lang="en-US" sz="2400" dirty="0">
+                <a:solidFill>
+                  <a:schemeClr val="tx1"/>
+                </a:solidFill>
+                <a:latin typeface="Arial" panose="020B0604020202020204" pitchFamily="34" charset="0"/>
+                <a:cs typeface="Arial" panose="020B0604020202020204" pitchFamily="34" charset="0"/>
+              </a:rPr>
               <a:t>Keep risk identification, analysis and monitoring an iterative process in the project</a:t>
             </a:r>
           </a:p>
           <a:p>
             <a:pPr lvl="1"/>
             <a:r>
-              <a:rPr lang="en-US" sz="2400" dirty="0"/>
+              <a:rPr lang="en-US" sz="2400" dirty="0">
+                <a:solidFill>
+                  <a:schemeClr val="tx1"/>
+                </a:solidFill>
+                <a:latin typeface="Arial" panose="020B0604020202020204" pitchFamily="34" charset="0"/>
+                <a:cs typeface="Arial" panose="020B0604020202020204" pitchFamily="34" charset="0"/>
+              </a:rPr>
               <a:t>Evaluate the effectiveness of risk response plan</a:t>
             </a:r>
           </a:p>
           <a:p>
             <a:pPr lvl="1"/>
             <a:r>
-              <a:rPr lang="en-US" sz="2400" dirty="0"/>
+              <a:rPr lang="en-US" sz="2400" dirty="0">
+                <a:solidFill>
+                  <a:schemeClr val="tx1"/>
+                </a:solidFill>
+                <a:latin typeface="Arial" panose="020B0604020202020204" pitchFamily="34" charset="0"/>
+                <a:cs typeface="Arial" panose="020B0604020202020204" pitchFamily="34" charset="0"/>
+              </a:rPr>
               <a:t>Risk status should be collected and communicated</a:t>
             </a:r>
           </a:p>
           <a:p>
             <a:pPr lvl="1"/>
             <a:r>
-              <a:rPr lang="en-US" sz="2400" dirty="0"/>
+              <a:rPr lang="en-US" sz="2400" dirty="0">
+                <a:solidFill>
+                  <a:schemeClr val="tx1"/>
+                </a:solidFill>
+                <a:latin typeface="Arial" panose="020B0604020202020204" pitchFamily="34" charset="0"/>
+                <a:cs typeface="Arial" panose="020B0604020202020204" pitchFamily="34" charset="0"/>
+              </a:rPr>
               <a:t>Monitor the rigor of risk management procedures</a:t>
             </a:r>
           </a:p>
@@ -45742,7 +46491,13 @@
             <a:pPr marL="0" indent="0">
               <a:buNone/>
             </a:pPr>
-            <a:endParaRPr lang="en-US" dirty="0"/>
+            <a:endParaRPr lang="en-US" dirty="0">
+              <a:solidFill>
+                <a:schemeClr val="tx1"/>
+              </a:solidFill>
+              <a:latin typeface="Arial" panose="020B0604020202020204" pitchFamily="34" charset="0"/>
+              <a:cs typeface="Arial" panose="020B0604020202020204" pitchFamily="34" charset="0"/>
+            </a:endParaRPr>
           </a:p>
         </p:txBody>
       </p:sp>
@@ -45759,7 +46514,7 @@
 </p:sld>
 </file>
 
-<file path=ppt/slides/slide45.xml><?xml version="1.0" encoding="utf-8"?>
+<file path=ppt/slides/slide49.xml><?xml version="1.0" encoding="utf-8"?>
 <p:sld xmlns:a="http://schemas.openxmlformats.org/drawingml/2006/main" xmlns:r="http://schemas.openxmlformats.org/officeDocument/2006/relationships" xmlns:p="http://schemas.openxmlformats.org/presentationml/2006/main">
   <p:cSld>
     <p:spTree>
@@ -45781,7 +46536,7 @@
           <p:cNvPr id="2" name="Title 1">
             <a:extLst>
               <a:ext uri="{FF2B5EF4-FFF2-40B4-BE49-F238E27FC236}">
-                <a16:creationId xmlns="" xmlns:a16="http://schemas.microsoft.com/office/drawing/2014/main" id="{977575E0-58F7-4A8F-A961-B1C0490FDFE8}"/>
+                <a16:creationId xmlns:a16="http://schemas.microsoft.com/office/drawing/2014/main" id="{977575E0-58F7-4A8F-A961-B1C0490FDFE8}"/>
               </a:ext>
             </a:extLst>
           </p:cNvPr>
@@ -45798,7 +46553,10 @@
           <a:lstStyle/>
           <a:p>
             <a:r>
-              <a:rPr lang="en-US" dirty="0"/>
+              <a:rPr lang="en-US" dirty="0">
+                <a:latin typeface="Arial" panose="020B0604020202020204" pitchFamily="34" charset="0"/>
+                <a:cs typeface="Arial" panose="020B0604020202020204" pitchFamily="34" charset="0"/>
+              </a:rPr>
               <a:t>RISK MONITORING AND CONTROL</a:t>
             </a:r>
           </a:p>
@@ -45809,7 +46567,7 @@
           <p:cNvPr id="3" name="Content Placeholder 2">
             <a:extLst>
               <a:ext uri="{FF2B5EF4-FFF2-40B4-BE49-F238E27FC236}">
-                <a16:creationId xmlns="" xmlns:a16="http://schemas.microsoft.com/office/drawing/2014/main" id="{3E28F48C-28D7-413A-897E-5166534FFECC}"/>
+                <a16:creationId xmlns:a16="http://schemas.microsoft.com/office/drawing/2014/main" id="{3E28F48C-28D7-413A-897E-5166534FFECC}"/>
               </a:ext>
             </a:extLst>
           </p:cNvPr>
@@ -45822,47 +46580,127 @@
         </p:nvSpPr>
         <p:spPr/>
         <p:txBody>
-          <a:bodyPr/>
+          <a:bodyPr>
+            <a:normAutofit/>
+          </a:bodyPr>
           <a:lstStyle/>
+          <a:p>
+            <a:pPr marL="57150" indent="0">
+              <a:buNone/>
+            </a:pPr>
+            <a:r>
+              <a:rPr lang="en-US" b="1" u="sng" dirty="0">
+                <a:solidFill>
+                  <a:schemeClr val="tx1"/>
+                </a:solidFill>
+                <a:latin typeface="Arial" panose="020B0604020202020204" pitchFamily="34" charset="0"/>
+                <a:cs typeface="Arial" panose="020B0604020202020204" pitchFamily="34" charset="0"/>
+              </a:rPr>
+              <a:t>The list of actions involved in monitoring and controlling risks(</a:t>
+            </a:r>
+            <a:r>
+              <a:rPr lang="en-US" b="1" u="sng" dirty="0" err="1">
+                <a:solidFill>
+                  <a:schemeClr val="tx1"/>
+                </a:solidFill>
+                <a:latin typeface="Arial" panose="020B0604020202020204" pitchFamily="34" charset="0"/>
+                <a:cs typeface="Arial" panose="020B0604020202020204" pitchFamily="34" charset="0"/>
+              </a:rPr>
+              <a:t>cont</a:t>
+            </a:r>
+            <a:r>
+              <a:rPr lang="en-US" b="1" u="sng" dirty="0">
+                <a:solidFill>
+                  <a:schemeClr val="tx1"/>
+                </a:solidFill>
+                <a:latin typeface="Arial" panose="020B0604020202020204" pitchFamily="34" charset="0"/>
+                <a:cs typeface="Arial" panose="020B0604020202020204" pitchFamily="34" charset="0"/>
+              </a:rPr>
+              <a:t>):</a:t>
+            </a:r>
+            <a:endParaRPr lang="en-US" dirty="0">
+              <a:solidFill>
+                <a:schemeClr val="tx1"/>
+              </a:solidFill>
+              <a:latin typeface="Arial" panose="020B0604020202020204" pitchFamily="34" charset="0"/>
+              <a:cs typeface="Arial" panose="020B0604020202020204" pitchFamily="34" charset="0"/>
+            </a:endParaRPr>
+          </a:p>
           <a:p>
             <a:pPr lvl="1"/>
             <a:r>
-              <a:rPr lang="en-US" sz="2400" dirty="0"/>
+              <a:rPr lang="en-US" sz="2400" dirty="0">
+                <a:solidFill>
+                  <a:schemeClr val="tx1"/>
+                </a:solidFill>
+                <a:latin typeface="Arial" panose="020B0604020202020204" pitchFamily="34" charset="0"/>
+                <a:cs typeface="Arial" panose="020B0604020202020204" pitchFamily="34" charset="0"/>
+              </a:rPr>
               <a:t>Identify if additional risk responses need to be determined</a:t>
             </a:r>
           </a:p>
           <a:p>
             <a:pPr lvl="1"/>
             <a:r>
-              <a:rPr lang="en-US" sz="2400" dirty="0"/>
+              <a:rPr lang="en-US" sz="2400" dirty="0">
+                <a:solidFill>
+                  <a:schemeClr val="tx1"/>
+                </a:solidFill>
+                <a:latin typeface="Arial" panose="020B0604020202020204" pitchFamily="34" charset="0"/>
+                <a:cs typeface="Arial" panose="020B0604020202020204" pitchFamily="34" charset="0"/>
+              </a:rPr>
               <a:t>Recommend corrective actions</a:t>
             </a:r>
           </a:p>
           <a:p>
             <a:pPr lvl="1"/>
             <a:r>
-              <a:rPr lang="en-US" sz="2400" dirty="0"/>
+              <a:rPr lang="en-US" sz="2400" dirty="0">
+                <a:solidFill>
+                  <a:schemeClr val="tx1"/>
+                </a:solidFill>
+                <a:latin typeface="Arial" panose="020B0604020202020204" pitchFamily="34" charset="0"/>
+                <a:cs typeface="Arial" panose="020B0604020202020204" pitchFamily="34" charset="0"/>
+              </a:rPr>
               <a:t>Look for unexpected effects or consequences</a:t>
             </a:r>
           </a:p>
           <a:p>
             <a:pPr lvl="1"/>
             <a:r>
-              <a:rPr lang="en-US" sz="2400" dirty="0"/>
+              <a:rPr lang="en-US" sz="2400" dirty="0">
+                <a:solidFill>
+                  <a:schemeClr val="tx1"/>
+                </a:solidFill>
+                <a:latin typeface="Arial" panose="020B0604020202020204" pitchFamily="34" charset="0"/>
+                <a:cs typeface="Arial" panose="020B0604020202020204" pitchFamily="34" charset="0"/>
+              </a:rPr>
               <a:t>Update risk management and risk response plans</a:t>
             </a:r>
           </a:p>
           <a:p>
             <a:pPr lvl="1"/>
             <a:r>
-              <a:rPr lang="en-US" sz="2400" dirty="0"/>
+              <a:rPr lang="en-US" sz="2400" dirty="0">
+                <a:solidFill>
+                  <a:schemeClr val="tx1"/>
+                </a:solidFill>
+                <a:latin typeface="Arial" panose="020B0604020202020204" pitchFamily="34" charset="0"/>
+                <a:cs typeface="Arial" panose="020B0604020202020204" pitchFamily="34" charset="0"/>
+              </a:rPr>
               <a:t>Perform variance and trend analysis</a:t>
             </a:r>
           </a:p>
           <a:p>
             <a:pPr lvl="1"/>
             <a:r>
-              <a:rPr lang="en-US" sz="2400" dirty="0"/>
+              <a:rPr lang="en-US" sz="2400" dirty="0">
+                <a:solidFill>
+                  <a:schemeClr val="tx1"/>
+                </a:solidFill>
+                <a:latin typeface="Arial" panose="020B0604020202020204" pitchFamily="34" charset="0"/>
+                <a:cs typeface="Arial" panose="020B0604020202020204" pitchFamily="34" charset="0"/>
+              </a:rPr>
               <a:t>Use contingency reserves and adjust for approved changes</a:t>
             </a:r>
           </a:p>
@@ -45875,107 +46713,6 @@
     <p:extLst>
       <p:ext uri="{BB962C8B-B14F-4D97-AF65-F5344CB8AC3E}">
         <p14:creationId xmlns:p14="http://schemas.microsoft.com/office/powerpoint/2010/main" val="2024248153"/>
-      </p:ext>
-    </p:extLst>
-  </p:cSld>
-  <p:clrMapOvr>
-    <a:masterClrMapping/>
-  </p:clrMapOvr>
-</p:sld>
-</file>
-
-<file path=ppt/slides/slide46.xml><?xml version="1.0" encoding="utf-8"?>
-<p:sld xmlns:a="http://schemas.openxmlformats.org/drawingml/2006/main" xmlns:r="http://schemas.openxmlformats.org/officeDocument/2006/relationships" xmlns:p="http://schemas.openxmlformats.org/presentationml/2006/main">
-  <p:cSld>
-    <p:spTree>
-      <p:nvGrpSpPr>
-        <p:cNvPr id="1" name=""/>
-        <p:cNvGrpSpPr/>
-        <p:nvPr/>
-      </p:nvGrpSpPr>
-      <p:grpSpPr>
-        <a:xfrm>
-          <a:off x="0" y="0"/>
-          <a:ext cx="0" cy="0"/>
-          <a:chOff x="0" y="0"/>
-          <a:chExt cx="0" cy="0"/>
-        </a:xfrm>
-      </p:grpSpPr>
-      <p:sp>
-        <p:nvSpPr>
-          <p:cNvPr id="2" name="Title 1">
-            <a:extLst>
-              <a:ext uri="{FF2B5EF4-FFF2-40B4-BE49-F238E27FC236}">
-                <a16:creationId xmlns="" xmlns:a16="http://schemas.microsoft.com/office/drawing/2014/main" id="{42935865-1EF5-488F-B792-D673A2B10F9C}"/>
-              </a:ext>
-            </a:extLst>
-          </p:cNvPr>
-          <p:cNvSpPr>
-            <a:spLocks noGrp="1"/>
-          </p:cNvSpPr>
-          <p:nvPr>
-            <p:ph type="title"/>
-          </p:nvPr>
-        </p:nvSpPr>
-        <p:spPr/>
-        <p:txBody>
-          <a:bodyPr/>
-          <a:lstStyle/>
-          <a:p>
-            <a:r>
-              <a:rPr lang="en-US" dirty="0"/>
-              <a:t>SUMMARY</a:t>
-            </a:r>
-          </a:p>
-        </p:txBody>
-      </p:sp>
-      <p:pic>
-        <p:nvPicPr>
-          <p:cNvPr id="4" name="Content Placeholder 3" descr="Kết quả hình ảnh cho risk monitoring and control">
-            <a:extLst>
-              <a:ext uri="{FF2B5EF4-FFF2-40B4-BE49-F238E27FC236}">
-                <a16:creationId xmlns="" xmlns:a16="http://schemas.microsoft.com/office/drawing/2014/main" id="{A60D8559-5158-4653-844F-FD057CBC21A9}"/>
-              </a:ext>
-            </a:extLst>
-          </p:cNvPr>
-          <p:cNvPicPr>
-            <a:picLocks noGrp="1"/>
-          </p:cNvPicPr>
-          <p:nvPr>
-            <p:ph idx="1"/>
-          </p:nvPr>
-        </p:nvPicPr>
-        <p:blipFill>
-          <a:blip r:embed="rId2">
-            <a:extLst>
-              <a:ext uri="{28A0092B-C50C-407E-A947-70E740481C1C}">
-                <a14:useLocalDpi xmlns:a14="http://schemas.microsoft.com/office/drawing/2010/main" val="0"/>
-              </a:ext>
-            </a:extLst>
-          </a:blip>
-          <a:srcRect/>
-          <a:stretch>
-            <a:fillRect/>
-          </a:stretch>
-        </p:blipFill>
-        <p:spPr bwMode="auto">
-          <a:xfrm>
-            <a:off x="2915479" y="1846262"/>
-            <a:ext cx="6255026" cy="4090711"/>
-          </a:xfrm>
-          <a:prstGeom prst="rect">
-            <a:avLst/>
-          </a:prstGeom>
-          <a:noFill/>
-          <a:ln>
-            <a:noFill/>
-          </a:ln>
-        </p:spPr>
-      </p:pic>
-    </p:spTree>
-    <p:extLst>
-      <p:ext uri="{BB962C8B-B14F-4D97-AF65-F5344CB8AC3E}">
-        <p14:creationId xmlns:p14="http://schemas.microsoft.com/office/powerpoint/2010/main" val="2961090212"/>
       </p:ext>
     </p:extLst>
   </p:cSld>
@@ -46007,7 +46744,7 @@
           <p:cNvPr id="2" name="Title 1">
             <a:extLst>
               <a:ext uri="{FF2B5EF4-FFF2-40B4-BE49-F238E27FC236}">
-                <a16:creationId xmlns="" xmlns:a16="http://schemas.microsoft.com/office/drawing/2014/main" id="{10F52F6A-5317-48C3-AA1E-E69C5C0B475A}"/>
+                <a16:creationId xmlns:a16="http://schemas.microsoft.com/office/drawing/2014/main" id="{10F52F6A-5317-48C3-AA1E-E69C5C0B475A}"/>
               </a:ext>
             </a:extLst>
           </p:cNvPr>
@@ -46038,7 +46775,7 @@
           <p:cNvPr id="3" name="Content Placeholder 2">
             <a:extLst>
               <a:ext uri="{FF2B5EF4-FFF2-40B4-BE49-F238E27FC236}">
-                <a16:creationId xmlns="" xmlns:a16="http://schemas.microsoft.com/office/drawing/2014/main" id="{ED2F350C-540D-4BE5-955F-687F42E7C797}"/>
+                <a16:creationId xmlns:a16="http://schemas.microsoft.com/office/drawing/2014/main" id="{ED2F350C-540D-4BE5-955F-687F42E7C797}"/>
               </a:ext>
             </a:extLst>
           </p:cNvPr>
@@ -46106,6 +46843,194 @@
 </p:sld>
 </file>
 
+<file path=ppt/slides/slide50.xml><?xml version="1.0" encoding="utf-8"?>
+<p:sld xmlns:a="http://schemas.openxmlformats.org/drawingml/2006/main" xmlns:r="http://schemas.openxmlformats.org/officeDocument/2006/relationships" xmlns:p="http://schemas.openxmlformats.org/presentationml/2006/main">
+  <p:cSld>
+    <p:spTree>
+      <p:nvGrpSpPr>
+        <p:cNvPr id="1" name=""/>
+        <p:cNvGrpSpPr/>
+        <p:nvPr/>
+      </p:nvGrpSpPr>
+      <p:grpSpPr>
+        <a:xfrm>
+          <a:off x="0" y="0"/>
+          <a:ext cx="0" cy="0"/>
+          <a:chOff x="0" y="0"/>
+          <a:chExt cx="0" cy="0"/>
+        </a:xfrm>
+      </p:grpSpPr>
+      <p:sp>
+        <p:nvSpPr>
+          <p:cNvPr id="2" name="Title 1">
+            <a:extLst>
+              <a:ext uri="{FF2B5EF4-FFF2-40B4-BE49-F238E27FC236}">
+                <a16:creationId xmlns:a16="http://schemas.microsoft.com/office/drawing/2014/main" id="{42935865-1EF5-488F-B792-D673A2B10F9C}"/>
+              </a:ext>
+            </a:extLst>
+          </p:cNvPr>
+          <p:cNvSpPr>
+            <a:spLocks noGrp="1"/>
+          </p:cNvSpPr>
+          <p:nvPr>
+            <p:ph type="title"/>
+          </p:nvPr>
+        </p:nvSpPr>
+        <p:spPr/>
+        <p:txBody>
+          <a:bodyPr/>
+          <a:lstStyle/>
+          <a:p>
+            <a:r>
+              <a:rPr lang="en-US" dirty="0">
+                <a:latin typeface="Arial" panose="020B0604020202020204" pitchFamily="34" charset="0"/>
+                <a:cs typeface="Arial" panose="020B0604020202020204" pitchFamily="34" charset="0"/>
+              </a:rPr>
+              <a:t>SUMMARY</a:t>
+            </a:r>
+          </a:p>
+        </p:txBody>
+      </p:sp>
+      <p:pic>
+        <p:nvPicPr>
+          <p:cNvPr id="4" name="Content Placeholder 3" descr="Kết quả hình ảnh cho risk monitoring and control">
+            <a:extLst>
+              <a:ext uri="{FF2B5EF4-FFF2-40B4-BE49-F238E27FC236}">
+                <a16:creationId xmlns:a16="http://schemas.microsoft.com/office/drawing/2014/main" id="{A60D8559-5158-4653-844F-FD057CBC21A9}"/>
+              </a:ext>
+            </a:extLst>
+          </p:cNvPr>
+          <p:cNvPicPr>
+            <a:picLocks noGrp="1"/>
+          </p:cNvPicPr>
+          <p:nvPr>
+            <p:ph idx="1"/>
+          </p:nvPr>
+        </p:nvPicPr>
+        <p:blipFill>
+          <a:blip r:embed="rId2">
+            <a:extLst>
+              <a:ext uri="{28A0092B-C50C-407E-A947-70E740481C1C}">
+                <a14:useLocalDpi xmlns:a14="http://schemas.microsoft.com/office/drawing/2010/main" val="0"/>
+              </a:ext>
+            </a:extLst>
+          </a:blip>
+          <a:srcRect/>
+          <a:stretch>
+            <a:fillRect/>
+          </a:stretch>
+        </p:blipFill>
+        <p:spPr bwMode="auto">
+          <a:xfrm>
+            <a:off x="2915479" y="1846262"/>
+            <a:ext cx="6255026" cy="4090711"/>
+          </a:xfrm>
+          <a:prstGeom prst="rect">
+            <a:avLst/>
+          </a:prstGeom>
+          <a:noFill/>
+          <a:ln>
+            <a:noFill/>
+          </a:ln>
+        </p:spPr>
+      </p:pic>
+    </p:spTree>
+    <p:extLst>
+      <p:ext uri="{BB962C8B-B14F-4D97-AF65-F5344CB8AC3E}">
+        <p14:creationId xmlns:p14="http://schemas.microsoft.com/office/powerpoint/2010/main" val="2961090212"/>
+      </p:ext>
+    </p:extLst>
+  </p:cSld>
+  <p:clrMapOvr>
+    <a:masterClrMapping/>
+  </p:clrMapOvr>
+</p:sld>
+</file>
+
+<file path=ppt/slides/slide51.xml><?xml version="1.0" encoding="utf-8"?>
+<p:sld xmlns:a="http://schemas.openxmlformats.org/drawingml/2006/main" xmlns:r="http://schemas.openxmlformats.org/officeDocument/2006/relationships" xmlns:p="http://schemas.openxmlformats.org/presentationml/2006/main">
+  <p:cSld>
+    <p:spTree>
+      <p:nvGrpSpPr>
+        <p:cNvPr id="1" name=""/>
+        <p:cNvGrpSpPr/>
+        <p:nvPr/>
+      </p:nvGrpSpPr>
+      <p:grpSpPr>
+        <a:xfrm>
+          <a:off x="0" y="0"/>
+          <a:ext cx="0" cy="0"/>
+          <a:chOff x="0" y="0"/>
+          <a:chExt cx="0" cy="0"/>
+        </a:xfrm>
+      </p:grpSpPr>
+      <p:sp>
+        <p:nvSpPr>
+          <p:cNvPr id="2" name="Title 1">
+            <a:extLst>
+              <a:ext uri="{FF2B5EF4-FFF2-40B4-BE49-F238E27FC236}">
+                <a16:creationId xmlns:a16="http://schemas.microsoft.com/office/drawing/2014/main" id="{33C46BD6-BC9B-4633-91A9-DC2D0DAD3A89}"/>
+              </a:ext>
+            </a:extLst>
+          </p:cNvPr>
+          <p:cNvSpPr>
+            <a:spLocks noGrp="1"/>
+          </p:cNvSpPr>
+          <p:nvPr>
+            <p:ph type="title"/>
+          </p:nvPr>
+        </p:nvSpPr>
+        <p:spPr>
+          <a:xfrm>
+            <a:off x="609600" y="1987828"/>
+            <a:ext cx="10972800" cy="1600200"/>
+          </a:xfrm>
+          <a:solidFill>
+            <a:schemeClr val="bg1">
+              <a:lumMod val="95000"/>
+            </a:schemeClr>
+          </a:solidFill>
+          <a:ln w="38100">
+            <a:solidFill>
+              <a:schemeClr val="accent1">
+                <a:lumMod val="60000"/>
+                <a:lumOff val="40000"/>
+              </a:schemeClr>
+            </a:solidFill>
+          </a:ln>
+          <a:effectLst>
+            <a:outerShdw blurRad="63500" sx="102000" sy="102000" algn="ctr" rotWithShape="0">
+              <a:prstClr val="black">
+                <a:alpha val="40000"/>
+              </a:prstClr>
+            </a:outerShdw>
+            <a:reflection blurRad="6350" stA="50000" endA="295" endPos="92000" dist="101600" dir="5400000" sy="-100000" algn="bl" rotWithShape="0"/>
+          </a:effectLst>
+        </p:spPr>
+        <p:txBody>
+          <a:bodyPr/>
+          <a:lstStyle/>
+          <a:p>
+            <a:r>
+              <a:rPr lang="en-US" sz="6000" dirty="0"/>
+              <a:t>THANK YOU FOR LISTENING AND WATCHING</a:t>
+            </a:r>
+          </a:p>
+        </p:txBody>
+      </p:sp>
+    </p:spTree>
+    <p:extLst>
+      <p:ext uri="{BB962C8B-B14F-4D97-AF65-F5344CB8AC3E}">
+        <p14:creationId xmlns:p14="http://schemas.microsoft.com/office/powerpoint/2010/main" val="2863367261"/>
+      </p:ext>
+    </p:extLst>
+  </p:cSld>
+  <p:clrMapOvr>
+    <a:masterClrMapping/>
+  </p:clrMapOvr>
+</p:sld>
+</file>
+
 <file path=ppt/slides/slide6.xml><?xml version="1.0" encoding="utf-8"?>
 <p:sld xmlns:a="http://schemas.openxmlformats.org/drawingml/2006/main" xmlns:r="http://schemas.openxmlformats.org/officeDocument/2006/relationships" xmlns:p="http://schemas.openxmlformats.org/presentationml/2006/main">
   <p:cSld>
@@ -46128,7 +47053,7 @@
           <p:cNvPr id="2" name="Title 1">
             <a:extLst>
               <a:ext uri="{FF2B5EF4-FFF2-40B4-BE49-F238E27FC236}">
-                <a16:creationId xmlns="" xmlns:a16="http://schemas.microsoft.com/office/drawing/2014/main" id="{FFA541E9-9EA8-4D92-828D-FF7D9FEF555C}"/>
+                <a16:creationId xmlns:a16="http://schemas.microsoft.com/office/drawing/2014/main" id="{FFA541E9-9EA8-4D92-828D-FF7D9FEF555C}"/>
               </a:ext>
             </a:extLst>
           </p:cNvPr>
@@ -46193,7 +47118,7 @@
           <p:cNvPr id="2" name="Title 1">
             <a:extLst>
               <a:ext uri="{FF2B5EF4-FFF2-40B4-BE49-F238E27FC236}">
-                <a16:creationId xmlns="" xmlns:a16="http://schemas.microsoft.com/office/drawing/2014/main" id="{8ACC4731-7024-4C30-AD18-44D09D635A0F}"/>
+                <a16:creationId xmlns:a16="http://schemas.microsoft.com/office/drawing/2014/main" id="{8ACC4731-7024-4C30-AD18-44D09D635A0F}"/>
               </a:ext>
             </a:extLst>
           </p:cNvPr>
@@ -46221,7 +47146,7 @@
           <p:cNvPr id="3" name="Content Placeholder 2">
             <a:extLst>
               <a:ext uri="{FF2B5EF4-FFF2-40B4-BE49-F238E27FC236}">
-                <a16:creationId xmlns="" xmlns:a16="http://schemas.microsoft.com/office/drawing/2014/main" id="{6AA6F14F-2383-4845-8714-04BF103E05B6}"/>
+                <a16:creationId xmlns:a16="http://schemas.microsoft.com/office/drawing/2014/main" id="{6AA6F14F-2383-4845-8714-04BF103E05B6}"/>
               </a:ext>
             </a:extLst>
           </p:cNvPr>
@@ -46300,7 +47225,7 @@
           <p:cNvPr id="2" name="Title 1">
             <a:extLst>
               <a:ext uri="{FF2B5EF4-FFF2-40B4-BE49-F238E27FC236}">
-                <a16:creationId xmlns="" xmlns:a16="http://schemas.microsoft.com/office/drawing/2014/main" id="{821EBD7B-E782-4363-A4CF-C3934671F779}"/>
+                <a16:creationId xmlns:a16="http://schemas.microsoft.com/office/drawing/2014/main" id="{821EBD7B-E782-4363-A4CF-C3934671F779}"/>
               </a:ext>
             </a:extLst>
           </p:cNvPr>
@@ -46328,7 +47253,7 @@
           <p:cNvPr id="3" name="Content Placeholder 2">
             <a:extLst>
               <a:ext uri="{FF2B5EF4-FFF2-40B4-BE49-F238E27FC236}">
-                <a16:creationId xmlns="" xmlns:a16="http://schemas.microsoft.com/office/drawing/2014/main" id="{F81D5BA5-61C3-44DA-A6FB-E92E017B1B04}"/>
+                <a16:creationId xmlns:a16="http://schemas.microsoft.com/office/drawing/2014/main" id="{F81D5BA5-61C3-44DA-A6FB-E92E017B1B04}"/>
               </a:ext>
             </a:extLst>
           </p:cNvPr>
@@ -46357,11 +47282,7 @@
             </a:pPr>
             <a:r>
               <a:rPr lang="en-US" b="1" dirty="0"/>
-              <a:t>Why we need to risk management </a:t>
-            </a:r>
-            <a:r>
-              <a:rPr lang="en-US" b="1" dirty="0" smtClean="0"/>
-              <a:t>planning</a:t>
+              <a:t>Why we need to risk management planning</a:t>
             </a:r>
           </a:p>
           <a:p>
@@ -46453,7 +47374,7 @@
           <p:cNvPr id="2" name="Title 1">
             <a:extLst>
               <a:ext uri="{FF2B5EF4-FFF2-40B4-BE49-F238E27FC236}">
-                <a16:creationId xmlns="" xmlns:a16="http://schemas.microsoft.com/office/drawing/2014/main" id="{A0D5578D-94AE-4863-A226-5C1949480AC1}"/>
+                <a16:creationId xmlns:a16="http://schemas.microsoft.com/office/drawing/2014/main" id="{A0D5578D-94AE-4863-A226-5C1949480AC1}"/>
               </a:ext>
             </a:extLst>
           </p:cNvPr>
@@ -46481,7 +47402,7 @@
           <p:cNvPr id="3" name="Content Placeholder 2">
             <a:extLst>
               <a:ext uri="{FF2B5EF4-FFF2-40B4-BE49-F238E27FC236}">
-                <a16:creationId xmlns="" xmlns:a16="http://schemas.microsoft.com/office/drawing/2014/main" id="{F60FA422-85D3-4D8E-9C8F-4ED7610252B3}"/>
+                <a16:creationId xmlns:a16="http://schemas.microsoft.com/office/drawing/2014/main" id="{F60FA422-85D3-4D8E-9C8F-4ED7610252B3}"/>
               </a:ext>
             </a:extLst>
           </p:cNvPr>
@@ -46510,15 +47431,7 @@
             </a:pPr>
             <a:r>
               <a:rPr lang="en-US" b="1" dirty="0"/>
-              <a:t>How to </a:t>
-            </a:r>
-            <a:r>
-              <a:rPr lang="en-US" b="1" dirty="0" smtClean="0"/>
-              <a:t>planning </a:t>
-            </a:r>
-            <a:r>
-              <a:rPr lang="en-US" b="1" dirty="0"/>
-              <a:t>with risk.</a:t>
+              <a:t>How to planning with risk.</a:t>
             </a:r>
           </a:p>
           <a:p>

--- a/SEMINAR PROJECT MANAGENMENT.pptx
+++ b/SEMINAR PROJECT MANAGENMENT.pptx
@@ -3575,7 +3575,7 @@
           <p:cNvPr id="7" name="Group 6" descr="Shrubs on seashore">
             <a:extLst>
               <a:ext uri="{FF2B5EF4-FFF2-40B4-BE49-F238E27FC236}">
-                <a16:creationId xmlns="" xmlns:a16="http://schemas.microsoft.com/office/drawing/2014/main" id="{32ABC1A6-8856-41D7-BF42-7ED8D4AC1C81}"/>
+                <a16:creationId xmlns:a16="http://schemas.microsoft.com/office/drawing/2014/main" xmlns="" id="{32ABC1A6-8856-41D7-BF42-7ED8D4AC1C81}"/>
               </a:ext>
             </a:extLst>
           </p:cNvPr>
@@ -37674,7 +37674,7 @@
           <p:cNvPr id="2" name="Title 1">
             <a:extLst>
               <a:ext uri="{FF2B5EF4-FFF2-40B4-BE49-F238E27FC236}">
-                <a16:creationId xmlns="" xmlns:a16="http://schemas.microsoft.com/office/drawing/2014/main" id="{60A3032F-5AF9-4605-A9FF-7A2691055D47}"/>
+                <a16:creationId xmlns:a16="http://schemas.microsoft.com/office/drawing/2014/main" xmlns="" id="{60A3032F-5AF9-4605-A9FF-7A2691055D47}"/>
               </a:ext>
             </a:extLst>
           </p:cNvPr>
@@ -37702,7 +37702,7 @@
           <p:cNvPr id="3" name="Content Placeholder 2">
             <a:extLst>
               <a:ext uri="{FF2B5EF4-FFF2-40B4-BE49-F238E27FC236}">
-                <a16:creationId xmlns="" xmlns:a16="http://schemas.microsoft.com/office/drawing/2014/main" id="{E0AA14E8-B8BA-42A3-979B-16D2AEF1E562}"/>
+                <a16:creationId xmlns:a16="http://schemas.microsoft.com/office/drawing/2014/main" xmlns="" id="{E0AA14E8-B8BA-42A3-979B-16D2AEF1E562}"/>
               </a:ext>
             </a:extLst>
           </p:cNvPr>
@@ -37833,7 +37833,7 @@
           <p:cNvPr id="2" name="Title 1">
             <a:extLst>
               <a:ext uri="{FF2B5EF4-FFF2-40B4-BE49-F238E27FC236}">
-                <a16:creationId xmlns="" xmlns:a16="http://schemas.microsoft.com/office/drawing/2014/main" id="{8EE0ED8A-E301-4C5F-9D01-45BE7A7E1540}"/>
+                <a16:creationId xmlns:a16="http://schemas.microsoft.com/office/drawing/2014/main" xmlns="" id="{8EE0ED8A-E301-4C5F-9D01-45BE7A7E1540}"/>
               </a:ext>
             </a:extLst>
           </p:cNvPr>
@@ -37861,7 +37861,7 @@
           <p:cNvPr id="3" name="Content Placeholder 2">
             <a:extLst>
               <a:ext uri="{FF2B5EF4-FFF2-40B4-BE49-F238E27FC236}">
-                <a16:creationId xmlns="" xmlns:a16="http://schemas.microsoft.com/office/drawing/2014/main" id="{8A017090-2EE2-49BA-B03D-E08DEE51873C}"/>
+                <a16:creationId xmlns:a16="http://schemas.microsoft.com/office/drawing/2014/main" xmlns="" id="{8A017090-2EE2-49BA-B03D-E08DEE51873C}"/>
               </a:ext>
             </a:extLst>
           </p:cNvPr>
@@ -37939,7 +37939,7 @@
           <p:cNvPr id="2" name="Title 1">
             <a:extLst>
               <a:ext uri="{FF2B5EF4-FFF2-40B4-BE49-F238E27FC236}">
-                <a16:creationId xmlns="" xmlns:a16="http://schemas.microsoft.com/office/drawing/2014/main" id="{BFE5C49B-0B46-4966-A8EA-EC0713AA9309}"/>
+                <a16:creationId xmlns:a16="http://schemas.microsoft.com/office/drawing/2014/main" xmlns="" id="{BFE5C49B-0B46-4966-A8EA-EC0713AA9309}"/>
               </a:ext>
             </a:extLst>
           </p:cNvPr>
@@ -37967,7 +37967,7 @@
           <p:cNvPr id="3" name="Content Placeholder 2">
             <a:extLst>
               <a:ext uri="{FF2B5EF4-FFF2-40B4-BE49-F238E27FC236}">
-                <a16:creationId xmlns="" xmlns:a16="http://schemas.microsoft.com/office/drawing/2014/main" id="{0D555A8F-4B69-4348-8BE0-3D703279B4A7}"/>
+                <a16:creationId xmlns:a16="http://schemas.microsoft.com/office/drawing/2014/main" xmlns="" id="{0D555A8F-4B69-4348-8BE0-3D703279B4A7}"/>
               </a:ext>
             </a:extLst>
           </p:cNvPr>
@@ -38064,7 +38064,7 @@
           <p:cNvPr id="2" name="Title 1">
             <a:extLst>
               <a:ext uri="{FF2B5EF4-FFF2-40B4-BE49-F238E27FC236}">
-                <a16:creationId xmlns="" xmlns:a16="http://schemas.microsoft.com/office/drawing/2014/main" id="{3A0FA896-1B48-40D9-AE82-EEA7CD2EC20B}"/>
+                <a16:creationId xmlns:a16="http://schemas.microsoft.com/office/drawing/2014/main" xmlns="" id="{3A0FA896-1B48-40D9-AE82-EEA7CD2EC20B}"/>
               </a:ext>
             </a:extLst>
           </p:cNvPr>
@@ -38092,7 +38092,7 @@
           <p:cNvPr id="5" name="Picture 4">
             <a:extLst>
               <a:ext uri="{FF2B5EF4-FFF2-40B4-BE49-F238E27FC236}">
-                <a16:creationId xmlns="" xmlns:a16="http://schemas.microsoft.com/office/drawing/2014/main" id="{4BDEB431-EE99-44C6-AB5F-EE177260D8E8}"/>
+                <a16:creationId xmlns:a16="http://schemas.microsoft.com/office/drawing/2014/main" xmlns="" id="{4BDEB431-EE99-44C6-AB5F-EE177260D8E8}"/>
               </a:ext>
             </a:extLst>
           </p:cNvPr>
@@ -38152,7 +38152,7 @@
           <p:cNvPr id="7" name="Title 6">
             <a:extLst>
               <a:ext uri="{FF2B5EF4-FFF2-40B4-BE49-F238E27FC236}">
-                <a16:creationId xmlns="" xmlns:a16="http://schemas.microsoft.com/office/drawing/2014/main" id="{CFD16207-6C0C-4C03-B32E-1B0D41CEAB55}"/>
+                <a16:creationId xmlns:a16="http://schemas.microsoft.com/office/drawing/2014/main" xmlns="" id="{CFD16207-6C0C-4C03-B32E-1B0D41CEAB55}"/>
               </a:ext>
             </a:extLst>
           </p:cNvPr>
@@ -38180,7 +38180,7 @@
           <p:cNvPr id="8" name="Content Placeholder 7">
             <a:extLst>
               <a:ext uri="{FF2B5EF4-FFF2-40B4-BE49-F238E27FC236}">
-                <a16:creationId xmlns="" xmlns:a16="http://schemas.microsoft.com/office/drawing/2014/main" id="{DBA70078-A79D-4C38-A641-CCD8383F54DA}"/>
+                <a16:creationId xmlns:a16="http://schemas.microsoft.com/office/drawing/2014/main" xmlns="" id="{DBA70078-A79D-4C38-A641-CCD8383F54DA}"/>
               </a:ext>
             </a:extLst>
           </p:cNvPr>
@@ -38258,7 +38258,7 @@
           <p:cNvPr id="2" name="Title 1">
             <a:extLst>
               <a:ext uri="{FF2B5EF4-FFF2-40B4-BE49-F238E27FC236}">
-                <a16:creationId xmlns="" xmlns:a16="http://schemas.microsoft.com/office/drawing/2014/main" id="{AAF3487D-DA55-45D0-A265-DEC106909C5D}"/>
+                <a16:creationId xmlns:a16="http://schemas.microsoft.com/office/drawing/2014/main" xmlns="" id="{AAF3487D-DA55-45D0-A265-DEC106909C5D}"/>
               </a:ext>
             </a:extLst>
           </p:cNvPr>
@@ -38286,7 +38286,7 @@
           <p:cNvPr id="4" name="Content Placeholder 3">
             <a:extLst>
               <a:ext uri="{FF2B5EF4-FFF2-40B4-BE49-F238E27FC236}">
-                <a16:creationId xmlns="" xmlns:a16="http://schemas.microsoft.com/office/drawing/2014/main" id="{DC4ADC4C-F57A-4100-8DE2-4699FDA0C156}"/>
+                <a16:creationId xmlns:a16="http://schemas.microsoft.com/office/drawing/2014/main" xmlns="" id="{DC4ADC4C-F57A-4100-8DE2-4699FDA0C156}"/>
               </a:ext>
             </a:extLst>
           </p:cNvPr>
@@ -38316,14 +38316,14 @@
                 <a:gridCol w="3789142">
                   <a:extLst>
                     <a:ext uri="{9D8B030D-6E8A-4147-A177-3AD203B41FA5}">
-                      <a16:colId xmlns="" xmlns:a16="http://schemas.microsoft.com/office/drawing/2014/main" val="1872366866"/>
+                      <a16:colId xmlns:a16="http://schemas.microsoft.com/office/drawing/2014/main" xmlns="" val="1872366866"/>
                     </a:ext>
                   </a:extLst>
                 </a:gridCol>
                 <a:gridCol w="3777518">
                   <a:extLst>
                     <a:ext uri="{9D8B030D-6E8A-4147-A177-3AD203B41FA5}">
-                      <a16:colId xmlns="" xmlns:a16="http://schemas.microsoft.com/office/drawing/2014/main" val="1432793745"/>
+                      <a16:colId xmlns:a16="http://schemas.microsoft.com/office/drawing/2014/main" xmlns="" val="1432793745"/>
                     </a:ext>
                   </a:extLst>
                 </a:gridCol>
@@ -38395,7 +38395,7 @@
                 </a:tc>
                 <a:extLst>
                   <a:ext uri="{0D108BD9-81ED-4DB2-BD59-A6C34878D82A}">
-                    <a16:rowId xmlns="" xmlns:a16="http://schemas.microsoft.com/office/drawing/2014/main" val="4111070796"/>
+                    <a16:rowId xmlns:a16="http://schemas.microsoft.com/office/drawing/2014/main" xmlns="" val="4111070796"/>
                   </a:ext>
                 </a:extLst>
               </a:tr>
@@ -38522,7 +38522,7 @@
                 </a:tc>
                 <a:extLst>
                   <a:ext uri="{0D108BD9-81ED-4DB2-BD59-A6C34878D82A}">
-                    <a16:rowId xmlns="" xmlns:a16="http://schemas.microsoft.com/office/drawing/2014/main" val="1157659401"/>
+                    <a16:rowId xmlns:a16="http://schemas.microsoft.com/office/drawing/2014/main" xmlns="" val="1157659401"/>
                   </a:ext>
                 </a:extLst>
               </a:tr>
@@ -38649,7 +38649,7 @@
                 </a:tc>
                 <a:extLst>
                   <a:ext uri="{0D108BD9-81ED-4DB2-BD59-A6C34878D82A}">
-                    <a16:rowId xmlns="" xmlns:a16="http://schemas.microsoft.com/office/drawing/2014/main" val="3854350339"/>
+                    <a16:rowId xmlns:a16="http://schemas.microsoft.com/office/drawing/2014/main" xmlns="" val="3854350339"/>
                   </a:ext>
                 </a:extLst>
               </a:tr>
@@ -38751,7 +38751,7 @@
                 </a:tc>
                 <a:extLst>
                   <a:ext uri="{0D108BD9-81ED-4DB2-BD59-A6C34878D82A}">
-                    <a16:rowId xmlns="" xmlns:a16="http://schemas.microsoft.com/office/drawing/2014/main" val="818746946"/>
+                    <a16:rowId xmlns:a16="http://schemas.microsoft.com/office/drawing/2014/main" xmlns="" val="818746946"/>
                   </a:ext>
                 </a:extLst>
               </a:tr>
@@ -38794,7 +38794,7 @@
           <p:cNvPr id="2" name="Title 1">
             <a:extLst>
               <a:ext uri="{FF2B5EF4-FFF2-40B4-BE49-F238E27FC236}">
-                <a16:creationId xmlns="" xmlns:a16="http://schemas.microsoft.com/office/drawing/2014/main" id="{5DA6D9FD-E6EE-4F33-97AE-69A280152054}"/>
+                <a16:creationId xmlns:a16="http://schemas.microsoft.com/office/drawing/2014/main" xmlns="" id="{5DA6D9FD-E6EE-4F33-97AE-69A280152054}"/>
               </a:ext>
             </a:extLst>
           </p:cNvPr>
@@ -38822,7 +38822,7 @@
           <p:cNvPr id="3" name="Content Placeholder 2">
             <a:extLst>
               <a:ext uri="{FF2B5EF4-FFF2-40B4-BE49-F238E27FC236}">
-                <a16:creationId xmlns="" xmlns:a16="http://schemas.microsoft.com/office/drawing/2014/main" id="{5E49514A-A27B-4E67-8B29-080ABAB40CB4}"/>
+                <a16:creationId xmlns:a16="http://schemas.microsoft.com/office/drawing/2014/main" xmlns="" id="{5E49514A-A27B-4E67-8B29-080ABAB40CB4}"/>
               </a:ext>
             </a:extLst>
           </p:cNvPr>
@@ -38885,7 +38885,7 @@
           <p:cNvPr id="2" name="Title 1">
             <a:extLst>
               <a:ext uri="{FF2B5EF4-FFF2-40B4-BE49-F238E27FC236}">
-                <a16:creationId xmlns="" xmlns:a16="http://schemas.microsoft.com/office/drawing/2014/main" id="{EFEFBA1F-00CD-4B90-B7C1-FF4E6A242CA3}"/>
+                <a16:creationId xmlns:a16="http://schemas.microsoft.com/office/drawing/2014/main" xmlns="" id="{EFEFBA1F-00CD-4B90-B7C1-FF4E6A242CA3}"/>
               </a:ext>
             </a:extLst>
           </p:cNvPr>
@@ -38913,7 +38913,7 @@
           <p:cNvPr id="3" name="Content Placeholder 2">
             <a:extLst>
               <a:ext uri="{FF2B5EF4-FFF2-40B4-BE49-F238E27FC236}">
-                <a16:creationId xmlns="" xmlns:a16="http://schemas.microsoft.com/office/drawing/2014/main" id="{B09139E6-136D-47C6-8870-0AA416D4457E}"/>
+                <a16:creationId xmlns:a16="http://schemas.microsoft.com/office/drawing/2014/main" xmlns="" id="{B09139E6-136D-47C6-8870-0AA416D4457E}"/>
               </a:ext>
             </a:extLst>
           </p:cNvPr>
@@ -39006,7 +39006,7 @@
           <p:cNvPr id="2" name="Title 1">
             <a:extLst>
               <a:ext uri="{FF2B5EF4-FFF2-40B4-BE49-F238E27FC236}">
-                <a16:creationId xmlns="" xmlns:a16="http://schemas.microsoft.com/office/drawing/2014/main" id="{698680FB-35CD-40A1-A23B-02902A2F9A75}"/>
+                <a16:creationId xmlns:a16="http://schemas.microsoft.com/office/drawing/2014/main" xmlns="" id="{698680FB-35CD-40A1-A23B-02902A2F9A75}"/>
               </a:ext>
             </a:extLst>
           </p:cNvPr>
@@ -39034,7 +39034,7 @@
           <p:cNvPr id="5" name="Content Placeholder 4">
             <a:extLst>
               <a:ext uri="{FF2B5EF4-FFF2-40B4-BE49-F238E27FC236}">
-                <a16:creationId xmlns="" xmlns:a16="http://schemas.microsoft.com/office/drawing/2014/main" id="{13D6317E-A779-44FB-8E12-9583114BE072}"/>
+                <a16:creationId xmlns:a16="http://schemas.microsoft.com/office/drawing/2014/main" xmlns="" id="{13D6317E-A779-44FB-8E12-9583114BE072}"/>
               </a:ext>
             </a:extLst>
           </p:cNvPr>
@@ -39093,7 +39093,7 @@
           <p:cNvPr id="2" name="Title 1">
             <a:extLst>
               <a:ext uri="{FF2B5EF4-FFF2-40B4-BE49-F238E27FC236}">
-                <a16:creationId xmlns="" xmlns:a16="http://schemas.microsoft.com/office/drawing/2014/main" id="{6176A1BA-13A3-42BF-869F-979F92570806}"/>
+                <a16:creationId xmlns:a16="http://schemas.microsoft.com/office/drawing/2014/main" xmlns="" id="{6176A1BA-13A3-42BF-869F-979F92570806}"/>
               </a:ext>
             </a:extLst>
           </p:cNvPr>
@@ -39121,7 +39121,7 @@
           <p:cNvPr id="3" name="Content Placeholder 2">
             <a:extLst>
               <a:ext uri="{FF2B5EF4-FFF2-40B4-BE49-F238E27FC236}">
-                <a16:creationId xmlns="" xmlns:a16="http://schemas.microsoft.com/office/drawing/2014/main" id="{01378B80-6ABF-4910-A55A-E6CD2B15FBAE}"/>
+                <a16:creationId xmlns:a16="http://schemas.microsoft.com/office/drawing/2014/main" xmlns="" id="{01378B80-6ABF-4910-A55A-E6CD2B15FBAE}"/>
               </a:ext>
             </a:extLst>
           </p:cNvPr>
@@ -39347,7 +39347,7 @@
           <p:cNvPr id="2" name="Title 1">
             <a:extLst>
               <a:ext uri="{FF2B5EF4-FFF2-40B4-BE49-F238E27FC236}">
-                <a16:creationId xmlns="" xmlns:a16="http://schemas.microsoft.com/office/drawing/2014/main" id="{DC6E8865-6CC3-4653-9261-D6BE59018291}"/>
+                <a16:creationId xmlns:a16="http://schemas.microsoft.com/office/drawing/2014/main" xmlns="" id="{DC6E8865-6CC3-4653-9261-D6BE59018291}"/>
               </a:ext>
             </a:extLst>
           </p:cNvPr>
@@ -39375,7 +39375,7 @@
           <p:cNvPr id="3" name="Content Placeholder 2">
             <a:extLst>
               <a:ext uri="{FF2B5EF4-FFF2-40B4-BE49-F238E27FC236}">
-                <a16:creationId xmlns="" xmlns:a16="http://schemas.microsoft.com/office/drawing/2014/main" id="{AB6A57D8-FAFC-4A9F-91C5-25A3758FBAC8}"/>
+                <a16:creationId xmlns:a16="http://schemas.microsoft.com/office/drawing/2014/main" xmlns="" id="{AB6A57D8-FAFC-4A9F-91C5-25A3758FBAC8}"/>
               </a:ext>
             </a:extLst>
           </p:cNvPr>
@@ -39465,7 +39465,7 @@
           <p:cNvPr id="2" name="Title 1">
             <a:extLst>
               <a:ext uri="{FF2B5EF4-FFF2-40B4-BE49-F238E27FC236}">
-                <a16:creationId xmlns="" xmlns:a16="http://schemas.microsoft.com/office/drawing/2014/main" id="{CD44C8EA-4DC5-4702-84EF-C21AC41BBE91}"/>
+                <a16:creationId xmlns:a16="http://schemas.microsoft.com/office/drawing/2014/main" xmlns="" id="{CD44C8EA-4DC5-4702-84EF-C21AC41BBE91}"/>
               </a:ext>
             </a:extLst>
           </p:cNvPr>
@@ -39493,7 +39493,7 @@
           <p:cNvPr id="3" name="Content Placeholder 2">
             <a:extLst>
               <a:ext uri="{FF2B5EF4-FFF2-40B4-BE49-F238E27FC236}">
-                <a16:creationId xmlns="" xmlns:a16="http://schemas.microsoft.com/office/drawing/2014/main" id="{E5C7DED5-3903-4A10-84A9-6443C79ECB2D}"/>
+                <a16:creationId xmlns:a16="http://schemas.microsoft.com/office/drawing/2014/main" xmlns="" id="{E5C7DED5-3903-4A10-84A9-6443C79ECB2D}"/>
               </a:ext>
             </a:extLst>
           </p:cNvPr>
@@ -39610,7 +39610,7 @@
           <p:cNvPr id="2" name="Title 1">
             <a:extLst>
               <a:ext uri="{FF2B5EF4-FFF2-40B4-BE49-F238E27FC236}">
-                <a16:creationId xmlns="" xmlns:a16="http://schemas.microsoft.com/office/drawing/2014/main" id="{04B2F0A5-F01F-4193-850C-E6E8BAEEFE0A}"/>
+                <a16:creationId xmlns:a16="http://schemas.microsoft.com/office/drawing/2014/main" xmlns="" id="{04B2F0A5-F01F-4193-850C-E6E8BAEEFE0A}"/>
               </a:ext>
             </a:extLst>
           </p:cNvPr>
@@ -39638,7 +39638,7 @@
           <p:cNvPr id="3" name="Content Placeholder 2">
             <a:extLst>
               <a:ext uri="{FF2B5EF4-FFF2-40B4-BE49-F238E27FC236}">
-                <a16:creationId xmlns="" xmlns:a16="http://schemas.microsoft.com/office/drawing/2014/main" id="{D92F516D-601D-48D4-BE8A-824C0723C62F}"/>
+                <a16:creationId xmlns:a16="http://schemas.microsoft.com/office/drawing/2014/main" xmlns="" id="{D92F516D-601D-48D4-BE8A-824C0723C62F}"/>
               </a:ext>
             </a:extLst>
           </p:cNvPr>
@@ -40205,8 +40205,12 @@
           <a:lstStyle/>
           <a:p>
             <a:r>
+              <a:rPr lang="en-US" dirty="0" smtClean="0"/>
+              <a:t>Qualitative </a:t>
+            </a:r>
+            <a:r>
               <a:rPr lang="en-US" dirty="0"/>
-              <a:t>Quantitative Risk Analysis</a:t>
+              <a:t>Risk Analysis</a:t>
             </a:r>
           </a:p>
         </p:txBody>
@@ -40364,19 +40368,7 @@
                   </a:outerShdw>
                 </a:effectLst>
               </a:rPr>
-              <a:t>Assessment </a:t>
-            </a:r>
-            <a:r>
-              <a:rPr lang="en-US" dirty="0" smtClean="0">
-                <a:effectLst>
-                  <a:outerShdw blurRad="38100" dist="38100" dir="2700000" algn="tl">
-                    <a:srgbClr val="000000">
-                      <a:alpha val="43137"/>
-                    </a:srgbClr>
-                  </a:outerShdw>
-                </a:effectLst>
-              </a:rPr>
-              <a:t>Matrix</a:t>
+              <a:t>Assessment Matrix</a:t>
             </a:r>
             <a:endParaRPr lang="en-US" dirty="0">
               <a:effectLst>
@@ -42434,7 +42426,7 @@
           <p:cNvPr id="2" name="Title 1">
             <a:extLst>
               <a:ext uri="{FF2B5EF4-FFF2-40B4-BE49-F238E27FC236}">
-                <a16:creationId xmlns="" xmlns:a16="http://schemas.microsoft.com/office/drawing/2014/main" id="{39FBDB44-412B-41FE-A8A8-DEA79A1417D3}"/>
+                <a16:creationId xmlns:a16="http://schemas.microsoft.com/office/drawing/2014/main" xmlns="" id="{39FBDB44-412B-41FE-A8A8-DEA79A1417D3}"/>
               </a:ext>
             </a:extLst>
           </p:cNvPr>
@@ -42470,7 +42462,7 @@
           <p:cNvPr id="3" name="Content Placeholder 2">
             <a:extLst>
               <a:ext uri="{FF2B5EF4-FFF2-40B4-BE49-F238E27FC236}">
-                <a16:creationId xmlns="" xmlns:a16="http://schemas.microsoft.com/office/drawing/2014/main" id="{90DFF434-D955-4BC3-BB73-6EB043B12290}"/>
+                <a16:creationId xmlns:a16="http://schemas.microsoft.com/office/drawing/2014/main" xmlns="" id="{90DFF434-D955-4BC3-BB73-6EB043B12290}"/>
               </a:ext>
             </a:extLst>
           </p:cNvPr>
@@ -42754,10 +42746,16 @@
           <a:lstStyle/>
           <a:p>
             <a:r>
+              <a:rPr lang="en-US" dirty="0" smtClean="0">
+                <a:effectLst/>
+              </a:rPr>
+              <a:t>Quantitative </a:t>
+            </a:r>
+            <a:r>
               <a:rPr lang="en-US" dirty="0">
                 <a:effectLst/>
               </a:rPr>
-              <a:t>Qualitative Risk Analysis</a:t>
+              <a:t>Risk Analysis</a:t>
             </a:r>
             <a:endParaRPr lang="en-US" dirty="0"/>
           </a:p>
@@ -44489,7 +44487,7 @@
           <p:cNvPr id="2" name="Title 1">
             <a:extLst>
               <a:ext uri="{FF2B5EF4-FFF2-40B4-BE49-F238E27FC236}">
-                <a16:creationId xmlns="" xmlns:a16="http://schemas.microsoft.com/office/drawing/2014/main" id="{FB9500EA-79DA-44C2-A119-07E105C43C99}"/>
+                <a16:creationId xmlns:a16="http://schemas.microsoft.com/office/drawing/2014/main" xmlns="" id="{FB9500EA-79DA-44C2-A119-07E105C43C99}"/>
               </a:ext>
             </a:extLst>
           </p:cNvPr>
@@ -44517,7 +44515,7 @@
           <p:cNvPr id="3" name="Content Placeholder 2">
             <a:extLst>
               <a:ext uri="{FF2B5EF4-FFF2-40B4-BE49-F238E27FC236}">
-                <a16:creationId xmlns="" xmlns:a16="http://schemas.microsoft.com/office/drawing/2014/main" id="{86FE0847-AF1F-4C59-853A-E624B683C708}"/>
+                <a16:creationId xmlns:a16="http://schemas.microsoft.com/office/drawing/2014/main" xmlns="" id="{86FE0847-AF1F-4C59-853A-E624B683C708}"/>
               </a:ext>
             </a:extLst>
           </p:cNvPr>
@@ -44641,7 +44639,7 @@
           <p:cNvPr id="2" name="Title 1">
             <a:extLst>
               <a:ext uri="{FF2B5EF4-FFF2-40B4-BE49-F238E27FC236}">
-                <a16:creationId xmlns="" xmlns:a16="http://schemas.microsoft.com/office/drawing/2014/main" id="{516D23C8-5582-4A79-BA46-D5896BD99290}"/>
+                <a16:creationId xmlns:a16="http://schemas.microsoft.com/office/drawing/2014/main" xmlns="" id="{516D23C8-5582-4A79-BA46-D5896BD99290}"/>
               </a:ext>
             </a:extLst>
           </p:cNvPr>
@@ -44669,7 +44667,7 @@
           <p:cNvPr id="3" name="Content Placeholder 2">
             <a:extLst>
               <a:ext uri="{FF2B5EF4-FFF2-40B4-BE49-F238E27FC236}">
-                <a16:creationId xmlns="" xmlns:a16="http://schemas.microsoft.com/office/drawing/2014/main" id="{572CA650-3786-4191-8034-815C99E97112}"/>
+                <a16:creationId xmlns:a16="http://schemas.microsoft.com/office/drawing/2014/main" xmlns="" id="{572CA650-3786-4191-8034-815C99E97112}"/>
               </a:ext>
             </a:extLst>
           </p:cNvPr>
@@ -44805,7 +44803,7 @@
           <p:cNvPr id="2" name="Title 1">
             <a:extLst>
               <a:ext uri="{FF2B5EF4-FFF2-40B4-BE49-F238E27FC236}">
-                <a16:creationId xmlns="" xmlns:a16="http://schemas.microsoft.com/office/drawing/2014/main" id="{63F04339-217A-415E-AC14-5866F8FB19FF}"/>
+                <a16:creationId xmlns:a16="http://schemas.microsoft.com/office/drawing/2014/main" xmlns="" id="{63F04339-217A-415E-AC14-5866F8FB19FF}"/>
               </a:ext>
             </a:extLst>
           </p:cNvPr>
@@ -44836,7 +44834,7 @@
           <p:cNvPr id="3" name="Content Placeholder 2">
             <a:extLst>
               <a:ext uri="{FF2B5EF4-FFF2-40B4-BE49-F238E27FC236}">
-                <a16:creationId xmlns="" xmlns:a16="http://schemas.microsoft.com/office/drawing/2014/main" id="{30C64DA3-8DD5-4827-91E6-A54C96CC2E9E}"/>
+                <a16:creationId xmlns:a16="http://schemas.microsoft.com/office/drawing/2014/main" xmlns="" id="{30C64DA3-8DD5-4827-91E6-A54C96CC2E9E}"/>
               </a:ext>
             </a:extLst>
           </p:cNvPr>
@@ -44954,7 +44952,7 @@
           <p:cNvPr id="2" name="Title 1">
             <a:extLst>
               <a:ext uri="{FF2B5EF4-FFF2-40B4-BE49-F238E27FC236}">
-                <a16:creationId xmlns="" xmlns:a16="http://schemas.microsoft.com/office/drawing/2014/main" id="{231C6901-B410-48AC-9E9B-755C82E4B5A4}"/>
+                <a16:creationId xmlns:a16="http://schemas.microsoft.com/office/drawing/2014/main" xmlns="" id="{231C6901-B410-48AC-9E9B-755C82E4B5A4}"/>
               </a:ext>
             </a:extLst>
           </p:cNvPr>
@@ -44982,7 +44980,7 @@
           <p:cNvPr id="3" name="Content Placeholder 2">
             <a:extLst>
               <a:ext uri="{FF2B5EF4-FFF2-40B4-BE49-F238E27FC236}">
-                <a16:creationId xmlns="" xmlns:a16="http://schemas.microsoft.com/office/drawing/2014/main" id="{35D76BC1-1376-4FD7-B9AA-FDF9CE651D72}"/>
+                <a16:creationId xmlns:a16="http://schemas.microsoft.com/office/drawing/2014/main" xmlns="" id="{35D76BC1-1376-4FD7-B9AA-FDF9CE651D72}"/>
               </a:ext>
             </a:extLst>
           </p:cNvPr>
@@ -45163,7 +45161,7 @@
           <p:cNvPr id="2" name="Title 1">
             <a:extLst>
               <a:ext uri="{FF2B5EF4-FFF2-40B4-BE49-F238E27FC236}">
-                <a16:creationId xmlns="" xmlns:a16="http://schemas.microsoft.com/office/drawing/2014/main" id="{AB0E7A9B-A41D-442E-802D-434172309D2A}"/>
+                <a16:creationId xmlns:a16="http://schemas.microsoft.com/office/drawing/2014/main" xmlns="" id="{AB0E7A9B-A41D-442E-802D-434172309D2A}"/>
               </a:ext>
             </a:extLst>
           </p:cNvPr>
@@ -45191,7 +45189,7 @@
           <p:cNvPr id="3" name="Content Placeholder 2">
             <a:extLst>
               <a:ext uri="{FF2B5EF4-FFF2-40B4-BE49-F238E27FC236}">
-                <a16:creationId xmlns="" xmlns:a16="http://schemas.microsoft.com/office/drawing/2014/main" id="{0521ED67-64D5-4B3C-AE59-AA02C5781830}"/>
+                <a16:creationId xmlns:a16="http://schemas.microsoft.com/office/drawing/2014/main" xmlns="" id="{0521ED67-64D5-4B3C-AE59-AA02C5781830}"/>
               </a:ext>
             </a:extLst>
           </p:cNvPr>
@@ -45349,7 +45347,7 @@
           <p:cNvPr id="2" name="Title 1">
             <a:extLst>
               <a:ext uri="{FF2B5EF4-FFF2-40B4-BE49-F238E27FC236}">
-                <a16:creationId xmlns="" xmlns:a16="http://schemas.microsoft.com/office/drawing/2014/main" id="{F59F8DBE-CC60-47A6-AE57-E8A2BD56FB72}"/>
+                <a16:creationId xmlns:a16="http://schemas.microsoft.com/office/drawing/2014/main" xmlns="" id="{F59F8DBE-CC60-47A6-AE57-E8A2BD56FB72}"/>
               </a:ext>
             </a:extLst>
           </p:cNvPr>
@@ -45374,7 +45372,7 @@
           <p:cNvPr id="3" name="Content Placeholder 2">
             <a:extLst>
               <a:ext uri="{FF2B5EF4-FFF2-40B4-BE49-F238E27FC236}">
-                <a16:creationId xmlns="" xmlns:a16="http://schemas.microsoft.com/office/drawing/2014/main" id="{53EA9189-7F2B-4F4F-91C7-BBBD9E0737B6}"/>
+                <a16:creationId xmlns:a16="http://schemas.microsoft.com/office/drawing/2014/main" xmlns="" id="{53EA9189-7F2B-4F4F-91C7-BBBD9E0737B6}"/>
               </a:ext>
             </a:extLst>
           </p:cNvPr>
@@ -45536,7 +45534,7 @@
           <p:cNvPr id="2" name="Title 1">
             <a:extLst>
               <a:ext uri="{FF2B5EF4-FFF2-40B4-BE49-F238E27FC236}">
-                <a16:creationId xmlns="" xmlns:a16="http://schemas.microsoft.com/office/drawing/2014/main" id="{4BA4256F-123A-42FD-8126-7A06207A234B}"/>
+                <a16:creationId xmlns:a16="http://schemas.microsoft.com/office/drawing/2014/main" xmlns="" id="{4BA4256F-123A-42FD-8126-7A06207A234B}"/>
               </a:ext>
             </a:extLst>
           </p:cNvPr>
@@ -45564,7 +45562,7 @@
           <p:cNvPr id="4" name="Content Placeholder 3" descr="Kết quả hình ảnh cho risk monitoring and control example">
             <a:extLst>
               <a:ext uri="{FF2B5EF4-FFF2-40B4-BE49-F238E27FC236}">
-                <a16:creationId xmlns="" xmlns:a16="http://schemas.microsoft.com/office/drawing/2014/main" id="{B38E1AE8-648D-48E3-BBB0-468A462E4A69}"/>
+                <a16:creationId xmlns:a16="http://schemas.microsoft.com/office/drawing/2014/main" xmlns="" id="{B38E1AE8-648D-48E3-BBB0-468A462E4A69}"/>
               </a:ext>
             </a:extLst>
           </p:cNvPr>
@@ -45637,7 +45635,7 @@
           <p:cNvPr id="2" name="Title 1">
             <a:extLst>
               <a:ext uri="{FF2B5EF4-FFF2-40B4-BE49-F238E27FC236}">
-                <a16:creationId xmlns="" xmlns:a16="http://schemas.microsoft.com/office/drawing/2014/main" id="{2BC5D4E0-41C8-4FA2-A66A-F09786E06648}"/>
+                <a16:creationId xmlns:a16="http://schemas.microsoft.com/office/drawing/2014/main" xmlns="" id="{2BC5D4E0-41C8-4FA2-A66A-F09786E06648}"/>
               </a:ext>
             </a:extLst>
           </p:cNvPr>
@@ -45665,7 +45663,7 @@
           <p:cNvPr id="3" name="Content Placeholder 2">
             <a:extLst>
               <a:ext uri="{FF2B5EF4-FFF2-40B4-BE49-F238E27FC236}">
-                <a16:creationId xmlns="" xmlns:a16="http://schemas.microsoft.com/office/drawing/2014/main" id="{8A2DBCEE-68E5-4C62-B918-17510E9C8E7F}"/>
+                <a16:creationId xmlns:a16="http://schemas.microsoft.com/office/drawing/2014/main" xmlns="" id="{8A2DBCEE-68E5-4C62-B918-17510E9C8E7F}"/>
               </a:ext>
             </a:extLst>
           </p:cNvPr>
@@ -45781,7 +45779,7 @@
           <p:cNvPr id="2" name="Title 1">
             <a:extLst>
               <a:ext uri="{FF2B5EF4-FFF2-40B4-BE49-F238E27FC236}">
-                <a16:creationId xmlns="" xmlns:a16="http://schemas.microsoft.com/office/drawing/2014/main" id="{977575E0-58F7-4A8F-A961-B1C0490FDFE8}"/>
+                <a16:creationId xmlns:a16="http://schemas.microsoft.com/office/drawing/2014/main" xmlns="" id="{977575E0-58F7-4A8F-A961-B1C0490FDFE8}"/>
               </a:ext>
             </a:extLst>
           </p:cNvPr>
@@ -45809,7 +45807,7 @@
           <p:cNvPr id="3" name="Content Placeholder 2">
             <a:extLst>
               <a:ext uri="{FF2B5EF4-FFF2-40B4-BE49-F238E27FC236}">
-                <a16:creationId xmlns="" xmlns:a16="http://schemas.microsoft.com/office/drawing/2014/main" id="{3E28F48C-28D7-413A-897E-5166534FFECC}"/>
+                <a16:creationId xmlns:a16="http://schemas.microsoft.com/office/drawing/2014/main" xmlns="" id="{3E28F48C-28D7-413A-897E-5166534FFECC}"/>
               </a:ext>
             </a:extLst>
           </p:cNvPr>
@@ -45906,7 +45904,7 @@
           <p:cNvPr id="2" name="Title 1">
             <a:extLst>
               <a:ext uri="{FF2B5EF4-FFF2-40B4-BE49-F238E27FC236}">
-                <a16:creationId xmlns="" xmlns:a16="http://schemas.microsoft.com/office/drawing/2014/main" id="{42935865-1EF5-488F-B792-D673A2B10F9C}"/>
+                <a16:creationId xmlns:a16="http://schemas.microsoft.com/office/drawing/2014/main" xmlns="" id="{42935865-1EF5-488F-B792-D673A2B10F9C}"/>
               </a:ext>
             </a:extLst>
           </p:cNvPr>
@@ -45934,7 +45932,7 @@
           <p:cNvPr id="4" name="Content Placeholder 3" descr="Kết quả hình ảnh cho risk monitoring and control">
             <a:extLst>
               <a:ext uri="{FF2B5EF4-FFF2-40B4-BE49-F238E27FC236}">
-                <a16:creationId xmlns="" xmlns:a16="http://schemas.microsoft.com/office/drawing/2014/main" id="{A60D8559-5158-4653-844F-FD057CBC21A9}"/>
+                <a16:creationId xmlns:a16="http://schemas.microsoft.com/office/drawing/2014/main" xmlns="" id="{A60D8559-5158-4653-844F-FD057CBC21A9}"/>
               </a:ext>
             </a:extLst>
           </p:cNvPr>
@@ -46007,7 +46005,7 @@
           <p:cNvPr id="2" name="Title 1">
             <a:extLst>
               <a:ext uri="{FF2B5EF4-FFF2-40B4-BE49-F238E27FC236}">
-                <a16:creationId xmlns="" xmlns:a16="http://schemas.microsoft.com/office/drawing/2014/main" id="{10F52F6A-5317-48C3-AA1E-E69C5C0B475A}"/>
+                <a16:creationId xmlns:a16="http://schemas.microsoft.com/office/drawing/2014/main" xmlns="" id="{10F52F6A-5317-48C3-AA1E-E69C5C0B475A}"/>
               </a:ext>
             </a:extLst>
           </p:cNvPr>
@@ -46038,7 +46036,7 @@
           <p:cNvPr id="3" name="Content Placeholder 2">
             <a:extLst>
               <a:ext uri="{FF2B5EF4-FFF2-40B4-BE49-F238E27FC236}">
-                <a16:creationId xmlns="" xmlns:a16="http://schemas.microsoft.com/office/drawing/2014/main" id="{ED2F350C-540D-4BE5-955F-687F42E7C797}"/>
+                <a16:creationId xmlns:a16="http://schemas.microsoft.com/office/drawing/2014/main" xmlns="" id="{ED2F350C-540D-4BE5-955F-687F42E7C797}"/>
               </a:ext>
             </a:extLst>
           </p:cNvPr>
@@ -46128,7 +46126,7 @@
           <p:cNvPr id="2" name="Title 1">
             <a:extLst>
               <a:ext uri="{FF2B5EF4-FFF2-40B4-BE49-F238E27FC236}">
-                <a16:creationId xmlns="" xmlns:a16="http://schemas.microsoft.com/office/drawing/2014/main" id="{FFA541E9-9EA8-4D92-828D-FF7D9FEF555C}"/>
+                <a16:creationId xmlns:a16="http://schemas.microsoft.com/office/drawing/2014/main" xmlns="" id="{FFA541E9-9EA8-4D92-828D-FF7D9FEF555C}"/>
               </a:ext>
             </a:extLst>
           </p:cNvPr>
@@ -46193,7 +46191,7 @@
           <p:cNvPr id="2" name="Title 1">
             <a:extLst>
               <a:ext uri="{FF2B5EF4-FFF2-40B4-BE49-F238E27FC236}">
-                <a16:creationId xmlns="" xmlns:a16="http://schemas.microsoft.com/office/drawing/2014/main" id="{8ACC4731-7024-4C30-AD18-44D09D635A0F}"/>
+                <a16:creationId xmlns:a16="http://schemas.microsoft.com/office/drawing/2014/main" xmlns="" id="{8ACC4731-7024-4C30-AD18-44D09D635A0F}"/>
               </a:ext>
             </a:extLst>
           </p:cNvPr>
@@ -46221,7 +46219,7 @@
           <p:cNvPr id="3" name="Content Placeholder 2">
             <a:extLst>
               <a:ext uri="{FF2B5EF4-FFF2-40B4-BE49-F238E27FC236}">
-                <a16:creationId xmlns="" xmlns:a16="http://schemas.microsoft.com/office/drawing/2014/main" id="{6AA6F14F-2383-4845-8714-04BF103E05B6}"/>
+                <a16:creationId xmlns:a16="http://schemas.microsoft.com/office/drawing/2014/main" xmlns="" id="{6AA6F14F-2383-4845-8714-04BF103E05B6}"/>
               </a:ext>
             </a:extLst>
           </p:cNvPr>
@@ -46300,7 +46298,7 @@
           <p:cNvPr id="2" name="Title 1">
             <a:extLst>
               <a:ext uri="{FF2B5EF4-FFF2-40B4-BE49-F238E27FC236}">
-                <a16:creationId xmlns="" xmlns:a16="http://schemas.microsoft.com/office/drawing/2014/main" id="{821EBD7B-E782-4363-A4CF-C3934671F779}"/>
+                <a16:creationId xmlns:a16="http://schemas.microsoft.com/office/drawing/2014/main" xmlns="" id="{821EBD7B-E782-4363-A4CF-C3934671F779}"/>
               </a:ext>
             </a:extLst>
           </p:cNvPr>
@@ -46328,7 +46326,7 @@
           <p:cNvPr id="3" name="Content Placeholder 2">
             <a:extLst>
               <a:ext uri="{FF2B5EF4-FFF2-40B4-BE49-F238E27FC236}">
-                <a16:creationId xmlns="" xmlns:a16="http://schemas.microsoft.com/office/drawing/2014/main" id="{F81D5BA5-61C3-44DA-A6FB-E92E017B1B04}"/>
+                <a16:creationId xmlns:a16="http://schemas.microsoft.com/office/drawing/2014/main" xmlns="" id="{F81D5BA5-61C3-44DA-A6FB-E92E017B1B04}"/>
               </a:ext>
             </a:extLst>
           </p:cNvPr>
@@ -46453,7 +46451,7 @@
           <p:cNvPr id="2" name="Title 1">
             <a:extLst>
               <a:ext uri="{FF2B5EF4-FFF2-40B4-BE49-F238E27FC236}">
-                <a16:creationId xmlns="" xmlns:a16="http://schemas.microsoft.com/office/drawing/2014/main" id="{A0D5578D-94AE-4863-A226-5C1949480AC1}"/>
+                <a16:creationId xmlns:a16="http://schemas.microsoft.com/office/drawing/2014/main" xmlns="" id="{A0D5578D-94AE-4863-A226-5C1949480AC1}"/>
               </a:ext>
             </a:extLst>
           </p:cNvPr>
@@ -46481,7 +46479,7 @@
           <p:cNvPr id="3" name="Content Placeholder 2">
             <a:extLst>
               <a:ext uri="{FF2B5EF4-FFF2-40B4-BE49-F238E27FC236}">
-                <a16:creationId xmlns="" xmlns:a16="http://schemas.microsoft.com/office/drawing/2014/main" id="{F60FA422-85D3-4D8E-9C8F-4ED7610252B3}"/>
+                <a16:creationId xmlns:a16="http://schemas.microsoft.com/office/drawing/2014/main" xmlns="" id="{F60FA422-85D3-4D8E-9C8F-4ED7610252B3}"/>
               </a:ext>
             </a:extLst>
           </p:cNvPr>
